--- a/trunk/Master_arbeit/word/Abschlussvortrag der Masterarbeit.pptx
+++ b/trunk/Master_arbeit/word/Abschlussvortrag der Masterarbeit.pptx
@@ -5,32 +5,36 @@
     <p:sldMasterId id="2147483651" r:id="rId1"/>
   </p:sldMasterIdLst>
   <p:notesMasterIdLst>
-    <p:notesMasterId r:id="rId22"/>
+    <p:notesMasterId r:id="rId26"/>
   </p:notesMasterIdLst>
   <p:handoutMasterIdLst>
-    <p:handoutMasterId r:id="rId23"/>
+    <p:handoutMasterId r:id="rId27"/>
   </p:handoutMasterIdLst>
   <p:sldIdLst>
     <p:sldId id="327" r:id="rId2"/>
     <p:sldId id="345" r:id="rId3"/>
     <p:sldId id="344" r:id="rId4"/>
     <p:sldId id="429" r:id="rId5"/>
-    <p:sldId id="430" r:id="rId6"/>
-    <p:sldId id="426" r:id="rId7"/>
-    <p:sldId id="431" r:id="rId8"/>
-    <p:sldId id="463" r:id="rId9"/>
-    <p:sldId id="464" r:id="rId10"/>
-    <p:sldId id="465" r:id="rId11"/>
-    <p:sldId id="466" r:id="rId12"/>
-    <p:sldId id="467" r:id="rId13"/>
-    <p:sldId id="448" r:id="rId14"/>
-    <p:sldId id="474" r:id="rId15"/>
-    <p:sldId id="418" r:id="rId16"/>
-    <p:sldId id="419" r:id="rId17"/>
-    <p:sldId id="420" r:id="rId18"/>
-    <p:sldId id="421" r:id="rId19"/>
-    <p:sldId id="422" r:id="rId20"/>
-    <p:sldId id="369" r:id="rId21"/>
+    <p:sldId id="475" r:id="rId6"/>
+    <p:sldId id="476" r:id="rId7"/>
+    <p:sldId id="430" r:id="rId8"/>
+    <p:sldId id="477" r:id="rId9"/>
+    <p:sldId id="478" r:id="rId10"/>
+    <p:sldId id="479" r:id="rId11"/>
+    <p:sldId id="431" r:id="rId12"/>
+    <p:sldId id="463" r:id="rId13"/>
+    <p:sldId id="464" r:id="rId14"/>
+    <p:sldId id="465" r:id="rId15"/>
+    <p:sldId id="466" r:id="rId16"/>
+    <p:sldId id="467" r:id="rId17"/>
+    <p:sldId id="448" r:id="rId18"/>
+    <p:sldId id="474" r:id="rId19"/>
+    <p:sldId id="418" r:id="rId20"/>
+    <p:sldId id="419" r:id="rId21"/>
+    <p:sldId id="420" r:id="rId22"/>
+    <p:sldId id="421" r:id="rId23"/>
+    <p:sldId id="422" r:id="rId24"/>
+    <p:sldId id="369" r:id="rId25"/>
   </p:sldIdLst>
   <p:sldSz cx="9144000" cy="6858000" type="letter"/>
   <p:notesSz cx="6729413" cy="9866313"/>
@@ -1211,12 +1215,470 @@
               <a:t>dimensions</a:t>
             </a:r>
             <a:r>
-              <a:rPr lang="de-DE" altLang="zh-CN" baseline="0" noProof="0" smtClean="0"/>
+              <a:rPr lang="de-DE" altLang="zh-CN" baseline="0" noProof="0" dirty="0" smtClean="0"/>
               <a:t>.</a:t>
             </a:r>
             <a:endParaRPr lang="en-US" altLang="zh-CN" noProof="0" dirty="0" smtClean="0"/>
           </a:p>
           <a:p>
+            <a:endParaRPr lang="de-DE" altLang="zh-CN" noProof="0" dirty="0" smtClean="0"/>
+          </a:p>
+          <a:p>
+            <a:r>
+              <a:rPr lang="de-DE" altLang="zh-CN" noProof="0" dirty="0" smtClean="0"/>
+              <a:t>But </a:t>
+            </a:r>
+            <a:r>
+              <a:rPr lang="de-DE" altLang="zh-CN" noProof="0" dirty="0" err="1" smtClean="0"/>
+              <a:t>it</a:t>
+            </a:r>
+            <a:r>
+              <a:rPr lang="de-DE" altLang="zh-CN" noProof="0" dirty="0" smtClean="0"/>
+              <a:t> </a:t>
+            </a:r>
+            <a:r>
+              <a:rPr lang="de-DE" altLang="zh-CN" noProof="0" dirty="0" err="1" smtClean="0"/>
+              <a:t>is</a:t>
+            </a:r>
+            <a:r>
+              <a:rPr lang="de-DE" altLang="zh-CN" noProof="0" dirty="0" smtClean="0"/>
+              <a:t> not </a:t>
+            </a:r>
+            <a:r>
+              <a:rPr lang="de-DE" altLang="zh-CN" noProof="0" dirty="0" err="1" smtClean="0"/>
+              <a:t>the</a:t>
+            </a:r>
+            <a:r>
+              <a:rPr lang="de-DE" altLang="zh-CN" noProof="0" dirty="0" smtClean="0"/>
+              <a:t> </a:t>
+            </a:r>
+            <a:r>
+              <a:rPr lang="de-DE" altLang="zh-CN" noProof="0" dirty="0" err="1" smtClean="0"/>
+              <a:t>only</a:t>
+            </a:r>
+            <a:r>
+              <a:rPr lang="de-DE" altLang="zh-CN" noProof="0" dirty="0" smtClean="0"/>
+              <a:t> </a:t>
+            </a:r>
+            <a:r>
+              <a:rPr lang="de-DE" altLang="zh-CN" noProof="0" dirty="0" err="1" smtClean="0"/>
+              <a:t>solution</a:t>
+            </a:r>
+            <a:r>
+              <a:rPr lang="de-DE" altLang="zh-CN" noProof="0" dirty="0" smtClean="0"/>
+              <a:t> </a:t>
+            </a:r>
+            <a:r>
+              <a:rPr lang="de-DE" altLang="zh-CN" noProof="0" dirty="0" err="1" smtClean="0"/>
+              <a:t>for</a:t>
+            </a:r>
+            <a:r>
+              <a:rPr lang="de-DE" altLang="zh-CN" noProof="0" dirty="0" smtClean="0"/>
+              <a:t> </a:t>
+            </a:r>
+            <a:r>
+              <a:rPr lang="de-DE" altLang="zh-CN" noProof="0" dirty="0" err="1" smtClean="0"/>
+              <a:t>promoting</a:t>
+            </a:r>
+            <a:r>
+              <a:rPr lang="de-DE" altLang="zh-CN" noProof="0" dirty="0" smtClean="0"/>
+              <a:t> </a:t>
+            </a:r>
+            <a:r>
+              <a:rPr lang="de-DE" altLang="zh-CN" noProof="0" dirty="0" err="1" smtClean="0"/>
+              <a:t>the</a:t>
+            </a:r>
+            <a:r>
+              <a:rPr lang="de-DE" altLang="zh-CN" noProof="0" dirty="0" smtClean="0"/>
+              <a:t> </a:t>
+            </a:r>
+            <a:r>
+              <a:rPr lang="de-DE" altLang="zh-CN" noProof="0" dirty="0" err="1" smtClean="0"/>
+              <a:t>coupling</a:t>
+            </a:r>
+            <a:r>
+              <a:rPr lang="de-DE" altLang="zh-CN" noProof="0" dirty="0" smtClean="0"/>
+              <a:t> </a:t>
+            </a:r>
+            <a:r>
+              <a:rPr lang="de-DE" altLang="zh-CN" noProof="0" dirty="0" err="1" smtClean="0"/>
+              <a:t>efficiency</a:t>
+            </a:r>
+            <a:r>
+              <a:rPr lang="de-DE" altLang="zh-CN" noProof="0" dirty="0" smtClean="0"/>
+              <a:t>. </a:t>
+            </a:r>
+            <a:r>
+              <a:rPr lang="de-DE" altLang="zh-CN" noProof="0" dirty="0" err="1" smtClean="0"/>
+              <a:t>There</a:t>
+            </a:r>
+            <a:r>
+              <a:rPr lang="de-DE" altLang="zh-CN" baseline="0" noProof="0" dirty="0" smtClean="0"/>
+              <a:t> </a:t>
+            </a:r>
+            <a:r>
+              <a:rPr lang="de-DE" altLang="zh-CN" baseline="0" noProof="0" dirty="0" err="1" smtClean="0"/>
+              <a:t>are</a:t>
+            </a:r>
+            <a:r>
+              <a:rPr lang="de-DE" altLang="zh-CN" baseline="0" noProof="0" dirty="0" smtClean="0"/>
+              <a:t> </a:t>
+            </a:r>
+            <a:r>
+              <a:rPr lang="de-DE" altLang="zh-CN" baseline="0" noProof="0" dirty="0" err="1" smtClean="0"/>
+              <a:t>more</a:t>
+            </a:r>
+            <a:r>
+              <a:rPr lang="de-DE" altLang="zh-CN" baseline="0" noProof="0" dirty="0" smtClean="0"/>
+              <a:t> </a:t>
+            </a:r>
+            <a:r>
+              <a:rPr lang="de-DE" altLang="zh-CN" baseline="0" noProof="0" dirty="0" err="1" smtClean="0"/>
+              <a:t>actions</a:t>
+            </a:r>
+            <a:r>
+              <a:rPr lang="de-DE" altLang="zh-CN" baseline="0" noProof="0" dirty="0" smtClean="0"/>
+              <a:t> </a:t>
+            </a:r>
+            <a:r>
+              <a:rPr lang="de-DE" altLang="zh-CN" baseline="0" noProof="0" dirty="0" err="1" smtClean="0"/>
+              <a:t>can</a:t>
+            </a:r>
+            <a:r>
+              <a:rPr lang="de-DE" altLang="zh-CN" baseline="0" noProof="0" dirty="0" smtClean="0"/>
+              <a:t> </a:t>
+            </a:r>
+            <a:r>
+              <a:rPr lang="de-DE" altLang="zh-CN" baseline="0" noProof="0" dirty="0" err="1" smtClean="0"/>
+              <a:t>be</a:t>
+            </a:r>
+            <a:r>
+              <a:rPr lang="de-DE" altLang="zh-CN" baseline="0" noProof="0" dirty="0" smtClean="0"/>
+              <a:t> </a:t>
+            </a:r>
+            <a:r>
+              <a:rPr lang="de-DE" altLang="zh-CN" baseline="0" noProof="0" dirty="0" err="1" smtClean="0"/>
+              <a:t>done</a:t>
+            </a:r>
+            <a:r>
+              <a:rPr lang="de-DE" altLang="zh-CN" baseline="0" noProof="0" dirty="0" smtClean="0"/>
+              <a:t> </a:t>
+            </a:r>
+            <a:r>
+              <a:rPr lang="de-DE" altLang="zh-CN" baseline="0" noProof="0" dirty="0" err="1" smtClean="0"/>
+              <a:t>for</a:t>
+            </a:r>
+            <a:r>
+              <a:rPr lang="de-DE" altLang="zh-CN" baseline="0" noProof="0" dirty="0" smtClean="0"/>
+              <a:t> </a:t>
+            </a:r>
+            <a:r>
+              <a:rPr lang="de-DE" altLang="zh-CN" baseline="0" noProof="0" dirty="0" err="1" smtClean="0"/>
+              <a:t>optimizing</a:t>
+            </a:r>
+            <a:r>
+              <a:rPr lang="de-DE" altLang="zh-CN" baseline="0" noProof="0" dirty="0" smtClean="0"/>
+              <a:t> </a:t>
+            </a:r>
+            <a:r>
+              <a:rPr lang="de-DE" altLang="zh-CN" baseline="0" noProof="0" dirty="0" err="1" smtClean="0"/>
+              <a:t>the</a:t>
+            </a:r>
+            <a:r>
+              <a:rPr lang="de-DE" altLang="zh-CN" baseline="0" noProof="0" dirty="0" smtClean="0"/>
+              <a:t> </a:t>
+            </a:r>
+            <a:r>
+              <a:rPr lang="de-DE" altLang="zh-CN" baseline="0" noProof="0" dirty="0" err="1" smtClean="0"/>
+              <a:t>coupling</a:t>
+            </a:r>
+            <a:r>
+              <a:rPr lang="de-DE" altLang="zh-CN" baseline="0" noProof="0" dirty="0" smtClean="0"/>
+              <a:t>.</a:t>
+            </a:r>
+          </a:p>
+          <a:p>
+            <a:endParaRPr lang="de-DE" altLang="zh-CN" baseline="0" noProof="0" dirty="0" smtClean="0"/>
+          </a:p>
+          <a:p>
+            <a:r>
+              <a:rPr lang="de-DE" altLang="zh-CN" baseline="0" noProof="0" dirty="0" err="1" smtClean="0"/>
+              <a:t>This</a:t>
+            </a:r>
+            <a:r>
+              <a:rPr lang="de-DE" altLang="zh-CN" baseline="0" noProof="0" dirty="0" smtClean="0"/>
+              <a:t> </a:t>
+            </a:r>
+            <a:r>
+              <a:rPr lang="de-DE" altLang="zh-CN" baseline="0" noProof="0" dirty="0" err="1" smtClean="0"/>
+              <a:t>work</a:t>
+            </a:r>
+            <a:r>
+              <a:rPr lang="de-DE" altLang="zh-CN" baseline="0" noProof="0" dirty="0" smtClean="0"/>
+              <a:t> </a:t>
+            </a:r>
+            <a:r>
+              <a:rPr lang="de-DE" altLang="zh-CN" baseline="0" noProof="0" dirty="0" err="1" smtClean="0"/>
+              <a:t>aim</a:t>
+            </a:r>
+            <a:r>
+              <a:rPr lang="de-DE" altLang="zh-CN" baseline="0" noProof="0" dirty="0" smtClean="0"/>
+              <a:t> </a:t>
+            </a:r>
+            <a:r>
+              <a:rPr lang="de-DE" altLang="zh-CN" baseline="0" noProof="0" dirty="0" err="1" smtClean="0"/>
+              <a:t>to</a:t>
+            </a:r>
+            <a:r>
+              <a:rPr lang="de-DE" altLang="zh-CN" baseline="0" noProof="0" dirty="0" smtClean="0"/>
+              <a:t> </a:t>
+            </a:r>
+            <a:r>
+              <a:rPr lang="de-DE" altLang="zh-CN" baseline="0" noProof="0" dirty="0" err="1" smtClean="0"/>
+              <a:t>analyze</a:t>
+            </a:r>
+            <a:r>
+              <a:rPr lang="de-DE" altLang="zh-CN" baseline="0" noProof="0" dirty="0" smtClean="0"/>
+              <a:t> </a:t>
+            </a:r>
+            <a:r>
+              <a:rPr lang="en-US" altLang="zh-CN" sz="1200" dirty="0" smtClean="0">
+                <a:ea typeface="宋体" pitchFamily="2" charset="-122"/>
+              </a:rPr>
+              <a:t>different techniques to affect </a:t>
+            </a:r>
+            <a:r>
+              <a:rPr lang="de-DE" altLang="zh-CN" baseline="0" noProof="0" dirty="0" err="1" smtClean="0"/>
+              <a:t>the</a:t>
+            </a:r>
+            <a:r>
+              <a:rPr lang="de-DE" altLang="zh-CN" baseline="0" noProof="0" dirty="0" smtClean="0"/>
+              <a:t> </a:t>
+            </a:r>
+            <a:r>
+              <a:rPr lang="de-DE" altLang="zh-CN" baseline="0" noProof="0" dirty="0" err="1" smtClean="0"/>
+              <a:t>coupling</a:t>
+            </a:r>
+            <a:r>
+              <a:rPr lang="de-DE" altLang="zh-CN" baseline="0" noProof="0" dirty="0" smtClean="0"/>
+              <a:t> </a:t>
+            </a:r>
+            <a:r>
+              <a:rPr lang="de-DE" altLang="zh-CN" baseline="0" noProof="0" dirty="0" err="1" smtClean="0"/>
+              <a:t>from</a:t>
+            </a:r>
+            <a:r>
+              <a:rPr lang="de-DE" altLang="zh-CN" baseline="0" noProof="0" dirty="0" smtClean="0"/>
+              <a:t> TLF </a:t>
+            </a:r>
+            <a:r>
+              <a:rPr lang="de-DE" altLang="zh-CN" baseline="0" noProof="0" dirty="0" err="1" smtClean="0"/>
+              <a:t>to</a:t>
+            </a:r>
+            <a:r>
+              <a:rPr lang="de-DE" altLang="zh-CN" baseline="0" noProof="0" dirty="0" smtClean="0"/>
+              <a:t> </a:t>
+            </a:r>
+            <a:r>
+              <a:rPr lang="de-DE" altLang="zh-CN" baseline="0" noProof="0" dirty="0" err="1" smtClean="0"/>
+              <a:t>waveguide</a:t>
+            </a:r>
+            <a:r>
+              <a:rPr lang="de-DE" altLang="zh-CN" baseline="0" noProof="0" dirty="0" smtClean="0"/>
+              <a:t>, </a:t>
+            </a:r>
+            <a:r>
+              <a:rPr lang="de-DE" altLang="zh-CN" baseline="0" noProof="0" dirty="0" err="1" smtClean="0"/>
+              <a:t>and</a:t>
+            </a:r>
+            <a:r>
+              <a:rPr lang="de-DE" altLang="zh-CN" baseline="0" noProof="0" dirty="0" smtClean="0"/>
+              <a:t> find out </a:t>
+            </a:r>
+            <a:r>
+              <a:rPr lang="de-DE" altLang="zh-CN" baseline="0" noProof="0" dirty="0" err="1" smtClean="0"/>
+              <a:t>the</a:t>
+            </a:r>
+            <a:r>
+              <a:rPr lang="de-DE" altLang="zh-CN" baseline="0" noProof="0" dirty="0" smtClean="0"/>
+              <a:t> optimal </a:t>
+            </a:r>
+            <a:r>
+              <a:rPr lang="de-DE" altLang="zh-CN" baseline="0" noProof="0" dirty="0" err="1" smtClean="0"/>
+              <a:t>configurations</a:t>
+            </a:r>
+            <a:r>
+              <a:rPr lang="de-DE" altLang="zh-CN" baseline="0" noProof="0" dirty="0" smtClean="0"/>
+              <a:t>. The </a:t>
+            </a:r>
+            <a:r>
+              <a:rPr lang="de-DE" altLang="zh-CN" baseline="0" noProof="0" dirty="0" err="1" smtClean="0"/>
+              <a:t>caurse</a:t>
+            </a:r>
+            <a:r>
+              <a:rPr lang="de-DE" altLang="zh-CN" baseline="0" noProof="0" dirty="0" smtClean="0"/>
+              <a:t> </a:t>
+            </a:r>
+            <a:r>
+              <a:rPr lang="de-DE" altLang="zh-CN" baseline="0" noProof="0" dirty="0" err="1" smtClean="0"/>
+              <a:t>of</a:t>
+            </a:r>
+            <a:r>
+              <a:rPr lang="de-DE" altLang="zh-CN" baseline="0" noProof="0" dirty="0" smtClean="0"/>
+              <a:t> </a:t>
+            </a:r>
+            <a:r>
+              <a:rPr lang="de-DE" altLang="zh-CN" baseline="0" noProof="0" dirty="0" err="1" smtClean="0"/>
+              <a:t>light</a:t>
+            </a:r>
+            <a:r>
+              <a:rPr lang="de-DE" altLang="zh-CN" baseline="0" noProof="0" dirty="0" smtClean="0"/>
+              <a:t> </a:t>
+            </a:r>
+            <a:r>
+              <a:rPr lang="de-DE" altLang="zh-CN" baseline="0" noProof="0" dirty="0" err="1" smtClean="0"/>
+              <a:t>propagation</a:t>
+            </a:r>
+            <a:r>
+              <a:rPr lang="de-DE" altLang="zh-CN" baseline="0" noProof="0" dirty="0" smtClean="0"/>
+              <a:t> </a:t>
+            </a:r>
+            <a:r>
+              <a:rPr lang="de-DE" altLang="zh-CN" baseline="0" noProof="0" dirty="0" err="1" smtClean="0"/>
+              <a:t>can</a:t>
+            </a:r>
+            <a:r>
+              <a:rPr lang="de-DE" altLang="zh-CN" baseline="0" noProof="0" dirty="0" smtClean="0"/>
+              <a:t> </a:t>
+            </a:r>
+            <a:r>
+              <a:rPr lang="de-DE" altLang="zh-CN" baseline="0" noProof="0" dirty="0" err="1" smtClean="0"/>
+              <a:t>be</a:t>
+            </a:r>
+            <a:r>
+              <a:rPr lang="de-DE" altLang="zh-CN" baseline="0" noProof="0" dirty="0" smtClean="0"/>
+              <a:t> </a:t>
+            </a:r>
+            <a:r>
+              <a:rPr lang="de-DE" altLang="zh-CN" baseline="0" noProof="0" dirty="0" err="1" smtClean="0"/>
+              <a:t>divided</a:t>
+            </a:r>
+            <a:r>
+              <a:rPr lang="de-DE" altLang="zh-CN" baseline="0" noProof="0" dirty="0" smtClean="0"/>
+              <a:t> in 3 </a:t>
+            </a:r>
+            <a:r>
+              <a:rPr lang="de-DE" altLang="zh-CN" baseline="0" noProof="0" dirty="0" err="1" smtClean="0"/>
+              <a:t>tracks.The</a:t>
+            </a:r>
+            <a:r>
+              <a:rPr lang="de-DE" altLang="zh-CN" baseline="0" noProof="0" dirty="0" smtClean="0"/>
+              <a:t> TLF handle </a:t>
+            </a:r>
+            <a:r>
+              <a:rPr lang="de-DE" altLang="zh-CN" baseline="0" noProof="0" dirty="0" err="1" smtClean="0"/>
+              <a:t>the</a:t>
+            </a:r>
+            <a:r>
+              <a:rPr lang="de-DE" altLang="zh-CN" baseline="0" noProof="0" dirty="0" smtClean="0"/>
+              <a:t> </a:t>
+            </a:r>
+            <a:r>
+              <a:rPr lang="de-DE" altLang="zh-CN" baseline="0" noProof="0" dirty="0" err="1" smtClean="0"/>
+              <a:t>propagation</a:t>
+            </a:r>
+            <a:r>
+              <a:rPr lang="de-DE" altLang="zh-CN" baseline="0" noProof="0" dirty="0" smtClean="0"/>
+              <a:t> </a:t>
+            </a:r>
+            <a:r>
+              <a:rPr lang="de-DE" altLang="zh-CN" baseline="0" noProof="0" dirty="0" err="1" smtClean="0"/>
+              <a:t>at</a:t>
+            </a:r>
+            <a:r>
+              <a:rPr lang="de-DE" altLang="zh-CN" baseline="0" noProof="0" dirty="0" smtClean="0"/>
+              <a:t> </a:t>
+            </a:r>
+            <a:r>
+              <a:rPr lang="de-DE" altLang="zh-CN" baseline="0" noProof="0" dirty="0" err="1" smtClean="0"/>
+              <a:t>track</a:t>
+            </a:r>
+            <a:r>
+              <a:rPr lang="de-DE" altLang="zh-CN" baseline="0" noProof="0" dirty="0" smtClean="0"/>
+              <a:t> 1. </a:t>
+            </a:r>
+            <a:r>
+              <a:rPr lang="de-DE" altLang="zh-CN" baseline="0" noProof="0" dirty="0" err="1" smtClean="0"/>
+              <a:t>Following</a:t>
+            </a:r>
+            <a:r>
+              <a:rPr lang="de-DE" altLang="zh-CN" baseline="0" noProof="0" dirty="0" smtClean="0"/>
+              <a:t> </a:t>
+            </a:r>
+            <a:r>
+              <a:rPr lang="de-DE" altLang="zh-CN" baseline="0" noProof="0" dirty="0" err="1" smtClean="0"/>
+              <a:t>we</a:t>
+            </a:r>
+            <a:r>
+              <a:rPr lang="de-DE" altLang="zh-CN" baseline="0" noProof="0" dirty="0" smtClean="0"/>
+              <a:t> </a:t>
+            </a:r>
+            <a:r>
+              <a:rPr lang="de-DE" altLang="zh-CN" baseline="0" noProof="0" dirty="0" err="1" smtClean="0"/>
+              <a:t>talking</a:t>
+            </a:r>
+            <a:r>
+              <a:rPr lang="de-DE" altLang="zh-CN" baseline="0" noProof="0" dirty="0" smtClean="0"/>
+              <a:t> </a:t>
+            </a:r>
+            <a:r>
+              <a:rPr lang="de-DE" altLang="zh-CN" baseline="0" noProof="0" dirty="0" err="1" smtClean="0"/>
+              <a:t>about</a:t>
+            </a:r>
+            <a:r>
+              <a:rPr lang="de-DE" altLang="zh-CN" baseline="0" noProof="0" dirty="0" smtClean="0"/>
+              <a:t> </a:t>
+            </a:r>
+            <a:r>
+              <a:rPr lang="de-DE" altLang="zh-CN" baseline="0" noProof="0" dirty="0" err="1" smtClean="0"/>
+              <a:t>the</a:t>
+            </a:r>
+            <a:r>
+              <a:rPr lang="de-DE" altLang="zh-CN" baseline="0" noProof="0" dirty="0" smtClean="0"/>
+              <a:t> optimal </a:t>
+            </a:r>
+            <a:r>
+              <a:rPr lang="de-DE" altLang="zh-CN" baseline="0" noProof="0" dirty="0" err="1" smtClean="0"/>
+              <a:t>actions</a:t>
+            </a:r>
+            <a:r>
+              <a:rPr lang="de-DE" altLang="zh-CN" baseline="0" noProof="0" dirty="0" smtClean="0"/>
+              <a:t> </a:t>
+            </a:r>
+            <a:r>
+              <a:rPr lang="de-DE" altLang="zh-CN" baseline="0" noProof="0" dirty="0" err="1" smtClean="0"/>
+              <a:t>at</a:t>
+            </a:r>
+            <a:r>
+              <a:rPr lang="de-DE" altLang="zh-CN" baseline="0" noProof="0" dirty="0" smtClean="0"/>
+              <a:t> </a:t>
+            </a:r>
+            <a:r>
+              <a:rPr lang="de-DE" altLang="zh-CN" baseline="0" noProof="0" dirty="0" err="1" smtClean="0"/>
+              <a:t>track</a:t>
+            </a:r>
+            <a:r>
+              <a:rPr lang="de-DE" altLang="zh-CN" baseline="0" noProof="0" dirty="0" smtClean="0"/>
+              <a:t> 2 </a:t>
+            </a:r>
+            <a:r>
+              <a:rPr lang="de-DE" altLang="zh-CN" baseline="0" noProof="0" dirty="0" err="1" smtClean="0"/>
+              <a:t>and</a:t>
+            </a:r>
+            <a:r>
+              <a:rPr lang="de-DE" altLang="zh-CN" baseline="0" noProof="0" dirty="0" smtClean="0"/>
+              <a:t> 3.  </a:t>
+            </a:r>
             <a:endParaRPr lang="en-US" altLang="zh-CN" noProof="0" dirty="0"/>
           </a:p>
         </p:txBody>
@@ -1272,47 +1734,722 @@
       </p:grpSpPr>
       <p:sp>
         <p:nvSpPr>
-          <p:cNvPr id="155650" name="Rectangle 2"/>
+          <p:cNvPr id="2" name="Folienbildplatzhalter 1"/>
           <p:cNvSpPr>
-            <a:spLocks noGrp="1" noRot="1" noChangeAspect="1" noChangeArrowheads="1" noTextEdit="1"/>
+            <a:spLocks noGrp="1" noRot="1" noChangeAspect="1"/>
           </p:cNvSpPr>
           <p:nvPr>
             <p:ph type="sldImg"/>
           </p:nvPr>
         </p:nvSpPr>
-        <p:spPr>
-          <a:ln/>
-        </p:spPr>
+        <p:spPr/>
       </p:sp>
       <p:sp>
         <p:nvSpPr>
-          <p:cNvPr id="155651" name="Rectangle 3"/>
+          <p:cNvPr id="3" name="Notizenplatzhalter 2"/>
           <p:cNvSpPr>
-            <a:spLocks noGrp="1" noChangeArrowheads="1"/>
+            <a:spLocks noGrp="1"/>
           </p:cNvSpPr>
           <p:nvPr>
             <p:ph type="body" idx="1"/>
           </p:nvPr>
         </p:nvSpPr>
-        <p:spPr>
-          <a:noFill/>
-          <a:ln/>
-        </p:spPr>
+        <p:spPr/>
+        <p:txBody>
+          <a:bodyPr>
+            <a:normAutofit/>
+          </a:bodyPr>
+          <a:lstStyle/>
+          <a:p>
+            <a:r>
+              <a:rPr lang="de-DE" altLang="zh-CN" dirty="0" smtClean="0"/>
+              <a:t>In last </a:t>
+            </a:r>
+            <a:r>
+              <a:rPr lang="de-DE" altLang="zh-CN" dirty="0" err="1" smtClean="0"/>
+              <a:t>page</a:t>
+            </a:r>
+            <a:r>
+              <a:rPr lang="de-DE" altLang="zh-CN" dirty="0" smtClean="0"/>
+              <a:t> </a:t>
+            </a:r>
+            <a:r>
+              <a:rPr lang="de-DE" altLang="zh-CN" dirty="0" err="1" smtClean="0"/>
+              <a:t>we</a:t>
+            </a:r>
+            <a:r>
+              <a:rPr lang="de-DE" altLang="zh-CN" dirty="0" smtClean="0"/>
+              <a:t> </a:t>
+            </a:r>
+            <a:r>
+              <a:rPr lang="de-DE" altLang="zh-CN" dirty="0" err="1" smtClean="0"/>
+              <a:t>have</a:t>
+            </a:r>
+            <a:r>
+              <a:rPr lang="de-DE" altLang="zh-CN" dirty="0" smtClean="0"/>
+              <a:t> </a:t>
+            </a:r>
+            <a:r>
+              <a:rPr lang="de-DE" altLang="zh-CN" dirty="0" err="1" smtClean="0"/>
+              <a:t>shown</a:t>
+            </a:r>
+            <a:r>
+              <a:rPr lang="de-DE" altLang="zh-CN" dirty="0" smtClean="0"/>
+              <a:t> </a:t>
+            </a:r>
+            <a:r>
+              <a:rPr lang="de-DE" altLang="zh-CN" dirty="0" err="1" smtClean="0"/>
+              <a:t>the</a:t>
+            </a:r>
+            <a:r>
+              <a:rPr lang="de-DE" altLang="zh-CN" dirty="0" smtClean="0"/>
+              <a:t> </a:t>
+            </a:r>
+            <a:r>
+              <a:rPr lang="de-DE" altLang="zh-CN" dirty="0" err="1" smtClean="0"/>
+              <a:t>schema</a:t>
+            </a:r>
+            <a:r>
+              <a:rPr lang="de-DE" altLang="zh-CN" baseline="0" dirty="0" smtClean="0"/>
+              <a:t> </a:t>
+            </a:r>
+            <a:r>
+              <a:rPr lang="de-DE" altLang="zh-CN" baseline="0" dirty="0" err="1" smtClean="0"/>
+              <a:t>of</a:t>
+            </a:r>
+            <a:r>
+              <a:rPr lang="de-DE" altLang="zh-CN" baseline="0" dirty="0" smtClean="0"/>
+              <a:t> </a:t>
+            </a:r>
+            <a:r>
+              <a:rPr lang="de-DE" altLang="zh-CN" baseline="0" dirty="0" err="1" smtClean="0"/>
+              <a:t>coupling</a:t>
+            </a:r>
+            <a:r>
+              <a:rPr lang="de-DE" altLang="zh-CN" baseline="0" dirty="0" smtClean="0"/>
+              <a:t> </a:t>
+            </a:r>
+            <a:r>
+              <a:rPr lang="de-DE" altLang="zh-CN" baseline="0" dirty="0" err="1" smtClean="0"/>
+              <a:t>from</a:t>
+            </a:r>
+            <a:r>
+              <a:rPr lang="de-DE" altLang="zh-CN" baseline="0" dirty="0" smtClean="0"/>
+              <a:t> TLF </a:t>
+            </a:r>
+            <a:r>
+              <a:rPr lang="de-DE" altLang="zh-CN" baseline="0" dirty="0" err="1" smtClean="0"/>
+              <a:t>to</a:t>
+            </a:r>
+            <a:r>
+              <a:rPr lang="de-DE" altLang="zh-CN" baseline="0" dirty="0" smtClean="0"/>
+              <a:t> </a:t>
+            </a:r>
+            <a:r>
+              <a:rPr lang="de-DE" altLang="zh-CN" baseline="0" dirty="0" err="1" smtClean="0"/>
+              <a:t>waveguide</a:t>
+            </a:r>
+            <a:r>
+              <a:rPr lang="de-DE" altLang="zh-CN" baseline="0" dirty="0" smtClean="0"/>
+              <a:t>.</a:t>
+            </a:r>
+          </a:p>
+          <a:p>
+            <a:r>
+              <a:rPr lang="de-DE" altLang="zh-CN" baseline="0" dirty="0" smtClean="0"/>
+              <a:t>The </a:t>
+            </a:r>
+            <a:r>
+              <a:rPr lang="de-DE" altLang="zh-CN" baseline="0" dirty="0" err="1" smtClean="0"/>
+              <a:t>given</a:t>
+            </a:r>
+            <a:r>
+              <a:rPr lang="de-DE" altLang="zh-CN" baseline="0" dirty="0" smtClean="0"/>
+              <a:t> TLF in </a:t>
+            </a:r>
+            <a:r>
+              <a:rPr lang="de-DE" altLang="zh-CN" baseline="0" dirty="0" err="1" smtClean="0"/>
+              <a:t>the</a:t>
+            </a:r>
+            <a:r>
+              <a:rPr lang="de-DE" altLang="zh-CN" baseline="0" dirty="0" smtClean="0"/>
+              <a:t> experimental </a:t>
+            </a:r>
+            <a:r>
+              <a:rPr lang="de-DE" altLang="zh-CN" baseline="0" dirty="0" err="1" smtClean="0"/>
+              <a:t>setup</a:t>
+            </a:r>
+            <a:r>
+              <a:rPr lang="de-DE" altLang="zh-CN" baseline="0" dirty="0" smtClean="0"/>
+              <a:t> </a:t>
+            </a:r>
+            <a:r>
+              <a:rPr lang="de-DE" altLang="zh-CN" baseline="0" dirty="0" err="1" smtClean="0"/>
+              <a:t>is</a:t>
+            </a:r>
+            <a:r>
+              <a:rPr lang="de-DE" altLang="zh-CN" baseline="0" dirty="0" smtClean="0"/>
+              <a:t> </a:t>
+            </a:r>
+            <a:r>
+              <a:rPr lang="de-DE" altLang="zh-CN" baseline="0" dirty="0" err="1" smtClean="0"/>
+              <a:t>produced</a:t>
+            </a:r>
+            <a:r>
+              <a:rPr lang="de-DE" altLang="zh-CN" baseline="0" dirty="0" smtClean="0"/>
+              <a:t> </a:t>
+            </a:r>
+            <a:r>
+              <a:rPr lang="de-DE" altLang="zh-CN" baseline="0" dirty="0" err="1" smtClean="0"/>
+              <a:t>by</a:t>
+            </a:r>
+            <a:r>
+              <a:rPr lang="de-DE" altLang="zh-CN" baseline="0" dirty="0" smtClean="0"/>
+              <a:t> NANONICS. </a:t>
+            </a:r>
+            <a:r>
+              <a:rPr lang="de-DE" altLang="zh-CN" baseline="0" dirty="0" err="1" smtClean="0"/>
+              <a:t>It</a:t>
+            </a:r>
+            <a:r>
+              <a:rPr lang="de-DE" altLang="zh-CN" baseline="0" dirty="0" smtClean="0"/>
+              <a:t> </a:t>
+            </a:r>
+            <a:r>
+              <a:rPr lang="de-DE" altLang="zh-CN" baseline="0" dirty="0" err="1" smtClean="0"/>
+              <a:t>is</a:t>
+            </a:r>
+            <a:r>
+              <a:rPr lang="de-DE" altLang="zh-CN" baseline="0" dirty="0" smtClean="0"/>
+              <a:t> </a:t>
+            </a:r>
+            <a:r>
+              <a:rPr lang="de-DE" altLang="zh-CN" baseline="0" dirty="0" err="1" smtClean="0"/>
+              <a:t>fabricted</a:t>
+            </a:r>
+            <a:r>
+              <a:rPr lang="de-DE" altLang="zh-CN" baseline="0" dirty="0" smtClean="0"/>
+              <a:t> </a:t>
+            </a:r>
+            <a:r>
+              <a:rPr lang="de-DE" altLang="zh-CN" baseline="0" dirty="0" err="1" smtClean="0"/>
+              <a:t>by</a:t>
+            </a:r>
+            <a:r>
+              <a:rPr lang="de-DE" altLang="zh-CN" baseline="0" dirty="0" smtClean="0"/>
+              <a:t> </a:t>
+            </a:r>
+            <a:r>
+              <a:rPr lang="de-DE" altLang="zh-CN" baseline="0" dirty="0" err="1" smtClean="0"/>
+              <a:t>pulling</a:t>
+            </a:r>
+            <a:r>
+              <a:rPr lang="de-DE" altLang="zh-CN" baseline="0" dirty="0" smtClean="0"/>
+              <a:t> </a:t>
+            </a:r>
+            <a:r>
+              <a:rPr lang="de-DE" altLang="zh-CN" baseline="0" dirty="0" err="1" smtClean="0"/>
+              <a:t>and</a:t>
+            </a:r>
+            <a:r>
+              <a:rPr lang="de-DE" altLang="zh-CN" baseline="0" dirty="0" smtClean="0"/>
+              <a:t> </a:t>
+            </a:r>
+            <a:r>
+              <a:rPr lang="de-DE" altLang="zh-CN" baseline="0" dirty="0" err="1" smtClean="0"/>
+              <a:t>melting</a:t>
+            </a:r>
+            <a:r>
+              <a:rPr lang="de-DE" altLang="zh-CN" baseline="0" dirty="0" smtClean="0"/>
+              <a:t> </a:t>
+            </a:r>
+            <a:r>
+              <a:rPr lang="de-DE" altLang="zh-CN" baseline="0" dirty="0" err="1" smtClean="0"/>
+              <a:t>the</a:t>
+            </a:r>
+            <a:r>
+              <a:rPr lang="de-DE" altLang="zh-CN" baseline="0" dirty="0" smtClean="0"/>
+              <a:t> </a:t>
+            </a:r>
+            <a:r>
+              <a:rPr lang="de-DE" altLang="zh-CN" baseline="0" dirty="0" err="1" smtClean="0"/>
+              <a:t>regular</a:t>
+            </a:r>
+            <a:r>
+              <a:rPr lang="de-DE" altLang="zh-CN" baseline="0" dirty="0" smtClean="0"/>
+              <a:t> </a:t>
+            </a:r>
+            <a:r>
+              <a:rPr lang="de-DE" altLang="zh-CN" baseline="0" dirty="0" err="1" smtClean="0"/>
+              <a:t>fiber</a:t>
+            </a:r>
+            <a:r>
+              <a:rPr lang="de-DE" altLang="zh-CN" baseline="0" dirty="0" smtClean="0"/>
+              <a:t>.</a:t>
+            </a:r>
+          </a:p>
+          <a:p>
+            <a:r>
+              <a:rPr lang="de-DE" altLang="zh-CN" baseline="0" dirty="0" smtClean="0"/>
+              <a:t>The top </a:t>
+            </a:r>
+            <a:r>
+              <a:rPr lang="de-DE" altLang="zh-CN" baseline="0" dirty="0" err="1" smtClean="0"/>
+              <a:t>figure</a:t>
+            </a:r>
+            <a:r>
+              <a:rPr lang="de-DE" altLang="zh-CN" baseline="0" dirty="0" smtClean="0"/>
+              <a:t> </a:t>
+            </a:r>
+            <a:r>
+              <a:rPr lang="de-DE" altLang="zh-CN" baseline="0" dirty="0" err="1" smtClean="0"/>
+              <a:t>is</a:t>
+            </a:r>
+            <a:r>
+              <a:rPr lang="de-DE" altLang="zh-CN" baseline="0" dirty="0" smtClean="0"/>
+              <a:t> </a:t>
+            </a:r>
+            <a:r>
+              <a:rPr lang="de-DE" altLang="zh-CN" baseline="0" dirty="0" err="1" smtClean="0"/>
+              <a:t>the</a:t>
+            </a:r>
+            <a:r>
+              <a:rPr lang="de-DE" altLang="zh-CN" baseline="0" dirty="0" smtClean="0"/>
+              <a:t> </a:t>
+            </a:r>
+            <a:r>
+              <a:rPr lang="de-DE" altLang="zh-CN" baseline="0" dirty="0" err="1" smtClean="0"/>
+              <a:t>photography</a:t>
+            </a:r>
+            <a:r>
+              <a:rPr lang="de-DE" altLang="zh-CN" baseline="0" dirty="0" smtClean="0"/>
+              <a:t> </a:t>
+            </a:r>
+            <a:r>
+              <a:rPr lang="de-DE" altLang="zh-CN" baseline="0" dirty="0" err="1" smtClean="0"/>
+              <a:t>of</a:t>
+            </a:r>
+            <a:r>
+              <a:rPr lang="de-DE" altLang="zh-CN" baseline="0" dirty="0" smtClean="0"/>
+              <a:t> </a:t>
+            </a:r>
+            <a:r>
+              <a:rPr lang="de-DE" altLang="zh-CN" baseline="0" dirty="0" err="1" smtClean="0"/>
+              <a:t>the</a:t>
+            </a:r>
+            <a:r>
+              <a:rPr lang="de-DE" altLang="zh-CN" baseline="0" dirty="0" smtClean="0"/>
+              <a:t> TLF. The </a:t>
+            </a:r>
+            <a:r>
+              <a:rPr lang="de-DE" altLang="zh-CN" baseline="0" dirty="0" err="1" smtClean="0"/>
+              <a:t>figer</a:t>
+            </a:r>
+            <a:r>
+              <a:rPr lang="de-DE" altLang="zh-CN" baseline="0" dirty="0" smtClean="0"/>
+              <a:t> </a:t>
+            </a:r>
+            <a:r>
+              <a:rPr lang="de-DE" altLang="zh-CN" baseline="0" dirty="0" err="1" smtClean="0"/>
+              <a:t>right</a:t>
+            </a:r>
+            <a:r>
+              <a:rPr lang="de-DE" altLang="zh-CN" baseline="0" dirty="0" smtClean="0"/>
+              <a:t> down  </a:t>
+            </a:r>
+            <a:r>
+              <a:rPr lang="de-DE" altLang="zh-CN" baseline="0" dirty="0" err="1" smtClean="0"/>
+              <a:t>is</a:t>
+            </a:r>
+            <a:r>
+              <a:rPr lang="de-DE" altLang="zh-CN" baseline="0" dirty="0" smtClean="0"/>
+              <a:t> </a:t>
+            </a:r>
+            <a:r>
+              <a:rPr lang="de-DE" altLang="zh-CN" baseline="0" dirty="0" err="1" smtClean="0"/>
+              <a:t>the</a:t>
+            </a:r>
+            <a:r>
+              <a:rPr lang="de-DE" altLang="zh-CN" baseline="0" dirty="0" smtClean="0"/>
+              <a:t> </a:t>
+            </a:r>
+            <a:r>
+              <a:rPr lang="de-DE" altLang="zh-CN" baseline="0" dirty="0" err="1" smtClean="0"/>
+              <a:t>schematic</a:t>
+            </a:r>
+            <a:r>
+              <a:rPr lang="de-DE" altLang="zh-CN" baseline="0" dirty="0" smtClean="0"/>
+              <a:t> TLF.</a:t>
+            </a:r>
+          </a:p>
+          <a:p>
+            <a:r>
+              <a:rPr lang="de-DE" altLang="zh-CN" baseline="0" dirty="0" smtClean="0"/>
+              <a:t>The Table </a:t>
+            </a:r>
+            <a:r>
+              <a:rPr lang="de-DE" altLang="zh-CN" baseline="0" dirty="0" err="1" smtClean="0"/>
+              <a:t>gives</a:t>
+            </a:r>
+            <a:r>
+              <a:rPr lang="de-DE" altLang="zh-CN" baseline="0" dirty="0" smtClean="0"/>
+              <a:t> </a:t>
+            </a:r>
+            <a:r>
+              <a:rPr lang="de-DE" altLang="zh-CN" baseline="0" dirty="0" err="1" smtClean="0"/>
+              <a:t>the</a:t>
+            </a:r>
+            <a:r>
+              <a:rPr lang="de-DE" altLang="zh-CN" baseline="0" dirty="0" smtClean="0"/>
+              <a:t> </a:t>
+            </a:r>
+            <a:r>
+              <a:rPr lang="de-DE" altLang="zh-CN" baseline="0" dirty="0" err="1" smtClean="0"/>
+              <a:t>technical</a:t>
+            </a:r>
+            <a:r>
+              <a:rPr lang="de-DE" altLang="zh-CN" baseline="0" dirty="0" smtClean="0"/>
+              <a:t> </a:t>
+            </a:r>
+            <a:r>
+              <a:rPr lang="de-DE" altLang="zh-CN" baseline="0" dirty="0" err="1" smtClean="0"/>
+              <a:t>detail</a:t>
+            </a:r>
+            <a:r>
+              <a:rPr lang="de-DE" altLang="zh-CN" baseline="0" dirty="0" smtClean="0"/>
+              <a:t> </a:t>
+            </a:r>
+            <a:r>
+              <a:rPr lang="de-DE" altLang="zh-CN" baseline="0" dirty="0" err="1" smtClean="0"/>
+              <a:t>of</a:t>
+            </a:r>
+            <a:r>
+              <a:rPr lang="de-DE" altLang="zh-CN" baseline="0" dirty="0" smtClean="0"/>
+              <a:t> </a:t>
+            </a:r>
+            <a:r>
+              <a:rPr lang="de-DE" altLang="zh-CN" baseline="0" dirty="0" err="1" smtClean="0"/>
+              <a:t>the</a:t>
+            </a:r>
+            <a:r>
+              <a:rPr lang="de-DE" altLang="zh-CN" baseline="0" dirty="0" smtClean="0"/>
+              <a:t> TLF in experimental </a:t>
+            </a:r>
+            <a:r>
+              <a:rPr lang="de-DE" altLang="zh-CN" baseline="0" dirty="0" err="1" smtClean="0"/>
+              <a:t>setup</a:t>
+            </a:r>
+            <a:r>
+              <a:rPr lang="de-DE" altLang="zh-CN" baseline="0" dirty="0" smtClean="0"/>
+              <a:t>.</a:t>
+            </a:r>
+            <a:endParaRPr lang="zh-CN" altLang="en-US" dirty="0"/>
+          </a:p>
+        </p:txBody>
+      </p:sp>
+      <p:sp>
+        <p:nvSpPr>
+          <p:cNvPr id="4" name="Foliennummernplatzhalter 3"/>
+          <p:cNvSpPr>
+            <a:spLocks noGrp="1"/>
+          </p:cNvSpPr>
+          <p:nvPr>
+            <p:ph type="sldNum" sz="quarter" idx="10"/>
+          </p:nvPr>
+        </p:nvSpPr>
+        <p:spPr/>
         <p:txBody>
           <a:bodyPr/>
           <a:lstStyle/>
           <a:p>
-            <a:r>
-              <a:rPr lang="de-DE" altLang="zh-CN" smtClean="0"/>
-              <a:t>Weiterhin möcht ich noch auf Perfrmance-Optimierung von CUDA-Prgramm eingehen. Es gibt einig Möglichkeit verwenden kann.</a:t>
-            </a:r>
-          </a:p>
-          <a:p>
-            <a:r>
-              <a:rPr lang="de-DE" altLang="zh-CN" smtClean="0"/>
-              <a:t>1.Drei-Ech´k</a:t>
-            </a:r>
-            <a:endParaRPr lang="en-US" altLang="zh-CN" smtClean="0"/>
+            <a:fld id="{031E71C2-430C-44C1-937C-0E9DE1F3577E}" type="slidenum">
+              <a:rPr lang="de-DE" smtClean="0"/>
+              <a:pPr/>
+              <a:t>4</a:t>
+            </a:fld>
+            <a:endParaRPr lang="de-DE"/>
+          </a:p>
+        </p:txBody>
+      </p:sp>
+    </p:spTree>
+  </p:cSld>
+  <p:clrMapOvr>
+    <a:masterClrMapping/>
+  </p:clrMapOvr>
+</p:notes>
+</file>
+
+<file path=ppt/notesSlides/notesSlide3.xml><?xml version="1.0" encoding="utf-8"?>
+<p:notes xmlns:a="http://schemas.openxmlformats.org/drawingml/2006/main" xmlns:r="http://schemas.openxmlformats.org/officeDocument/2006/relationships" xmlns:p="http://schemas.openxmlformats.org/presentationml/2006/main">
+  <p:cSld>
+    <p:spTree>
+      <p:nvGrpSpPr>
+        <p:cNvPr id="1" name=""/>
+        <p:cNvGrpSpPr/>
+        <p:nvPr/>
+      </p:nvGrpSpPr>
+      <p:grpSpPr>
+        <a:xfrm>
+          <a:off x="0" y="0"/>
+          <a:ext cx="0" cy="0"/>
+          <a:chOff x="0" y="0"/>
+          <a:chExt cx="0" cy="0"/>
+        </a:xfrm>
+      </p:grpSpPr>
+      <p:sp>
+        <p:nvSpPr>
+          <p:cNvPr id="2" name="Folienbildplatzhalter 1"/>
+          <p:cNvSpPr>
+            <a:spLocks noGrp="1" noRot="1" noChangeAspect="1"/>
+          </p:cNvSpPr>
+          <p:nvPr>
+            <p:ph type="sldImg"/>
+          </p:nvPr>
+        </p:nvSpPr>
+        <p:spPr/>
+      </p:sp>
+      <p:sp>
+        <p:nvSpPr>
+          <p:cNvPr id="3" name="Notizenplatzhalter 2"/>
+          <p:cNvSpPr>
+            <a:spLocks noGrp="1"/>
+          </p:cNvSpPr>
+          <p:nvPr>
+            <p:ph type="body" idx="1"/>
+          </p:nvPr>
+        </p:nvSpPr>
+        <p:spPr/>
+        <p:txBody>
+          <a:bodyPr>
+            <a:normAutofit/>
+          </a:bodyPr>
+          <a:lstStyle/>
+          <a:p>
+            <a:r>
+              <a:rPr lang="en-US" altLang="zh-CN" noProof="0" dirty="0" smtClean="0"/>
+              <a:t>The waveguide in this</a:t>
+            </a:r>
+            <a:r>
+              <a:rPr lang="en-US" altLang="zh-CN" baseline="0" noProof="0" dirty="0" smtClean="0"/>
+              <a:t> experimental setup is a rib waveguide. The cross-section of the waveguide is a taper. The taper angle is very close to 90 grad. Therefore, the waveguide can approximate a rectangle. </a:t>
+            </a:r>
+            <a:endParaRPr lang="en-US" altLang="zh-CN" noProof="0" dirty="0"/>
+          </a:p>
+        </p:txBody>
+      </p:sp>
+      <p:sp>
+        <p:nvSpPr>
+          <p:cNvPr id="4" name="Foliennummernplatzhalter 3"/>
+          <p:cNvSpPr>
+            <a:spLocks noGrp="1"/>
+          </p:cNvSpPr>
+          <p:nvPr>
+            <p:ph type="sldNum" sz="quarter" idx="10"/>
+          </p:nvPr>
+        </p:nvSpPr>
+        <p:spPr/>
+        <p:txBody>
+          <a:bodyPr/>
+          <a:lstStyle/>
+          <a:p>
+            <a:fld id="{031E71C2-430C-44C1-937C-0E9DE1F3577E}" type="slidenum">
+              <a:rPr lang="de-DE" smtClean="0"/>
+              <a:pPr/>
+              <a:t>5</a:t>
+            </a:fld>
+            <a:endParaRPr lang="de-DE"/>
+          </a:p>
+        </p:txBody>
+      </p:sp>
+    </p:spTree>
+  </p:cSld>
+  <p:clrMapOvr>
+    <a:masterClrMapping/>
+  </p:clrMapOvr>
+</p:notes>
+</file>
+
+<file path=ppt/notesSlides/notesSlide4.xml><?xml version="1.0" encoding="utf-8"?>
+<p:notes xmlns:a="http://schemas.openxmlformats.org/drawingml/2006/main" xmlns:r="http://schemas.openxmlformats.org/officeDocument/2006/relationships" xmlns:p="http://schemas.openxmlformats.org/presentationml/2006/main">
+  <p:cSld>
+    <p:spTree>
+      <p:nvGrpSpPr>
+        <p:cNvPr id="1" name=""/>
+        <p:cNvGrpSpPr/>
+        <p:nvPr/>
+      </p:nvGrpSpPr>
+      <p:grpSpPr>
+        <a:xfrm>
+          <a:off x="0" y="0"/>
+          <a:ext cx="0" cy="0"/>
+          <a:chOff x="0" y="0"/>
+          <a:chExt cx="0" cy="0"/>
+        </a:xfrm>
+      </p:grpSpPr>
+      <p:sp>
+        <p:nvSpPr>
+          <p:cNvPr id="2" name="Folienbildplatzhalter 1"/>
+          <p:cNvSpPr>
+            <a:spLocks noGrp="1" noRot="1" noChangeAspect="1"/>
+          </p:cNvSpPr>
+          <p:nvPr>
+            <p:ph type="sldImg"/>
+          </p:nvPr>
+        </p:nvSpPr>
+        <p:spPr/>
+      </p:sp>
+      <p:sp>
+        <p:nvSpPr>
+          <p:cNvPr id="3" name="Notizenplatzhalter 2"/>
+          <p:cNvSpPr>
+            <a:spLocks noGrp="1"/>
+          </p:cNvSpPr>
+          <p:nvPr>
+            <p:ph type="body" idx="1"/>
+          </p:nvPr>
+        </p:nvSpPr>
+        <p:spPr/>
+        <p:txBody>
+          <a:bodyPr>
+            <a:normAutofit/>
+          </a:bodyPr>
+          <a:lstStyle/>
+          <a:p>
+            <a:r>
+              <a:rPr lang="en-US" altLang="zh-CN" noProof="0" dirty="0" smtClean="0"/>
+              <a:t>In this work only the end part of the TLF</a:t>
+            </a:r>
+            <a:r>
+              <a:rPr lang="en-US" altLang="zh-CN" baseline="0" noProof="0" dirty="0" smtClean="0"/>
+              <a:t> is </a:t>
+            </a:r>
+            <a:r>
+              <a:rPr lang="en-US" altLang="zh-CN" baseline="0" noProof="0" dirty="0" err="1" smtClean="0"/>
+              <a:t>modelled</a:t>
+            </a:r>
+            <a:r>
+              <a:rPr lang="en-US" altLang="zh-CN" baseline="0" noProof="0" dirty="0" smtClean="0"/>
+              <a:t>. First step is to </a:t>
+            </a:r>
+            <a:r>
+              <a:rPr lang="en-US" altLang="zh-CN" baseline="0" noProof="0" dirty="0" err="1" smtClean="0"/>
+              <a:t>determin</a:t>
+            </a:r>
+            <a:r>
+              <a:rPr lang="en-US" altLang="zh-CN" baseline="0" noProof="0" dirty="0" smtClean="0"/>
+              <a:t> the lens. It is also assumed the lens end is a hemisphere. Then </a:t>
+            </a:r>
+            <a:r>
+              <a:rPr lang="en-US" altLang="zh-CN" baseline="0" noProof="0" smtClean="0"/>
+              <a:t>the refractive index  </a:t>
+            </a:r>
+            <a:endParaRPr lang="en-US" altLang="zh-CN" noProof="0" dirty="0"/>
+          </a:p>
+        </p:txBody>
+      </p:sp>
+      <p:sp>
+        <p:nvSpPr>
+          <p:cNvPr id="4" name="Foliennummernplatzhalter 3"/>
+          <p:cNvSpPr>
+            <a:spLocks noGrp="1"/>
+          </p:cNvSpPr>
+          <p:nvPr>
+            <p:ph type="sldNum" sz="quarter" idx="10"/>
+          </p:nvPr>
+        </p:nvSpPr>
+        <p:spPr/>
+        <p:txBody>
+          <a:bodyPr/>
+          <a:lstStyle/>
+          <a:p>
+            <a:fld id="{031E71C2-430C-44C1-937C-0E9DE1F3577E}" type="slidenum">
+              <a:rPr lang="de-DE" smtClean="0"/>
+              <a:pPr/>
+              <a:t>7</a:t>
+            </a:fld>
+            <a:endParaRPr lang="de-DE"/>
+          </a:p>
+        </p:txBody>
+      </p:sp>
+    </p:spTree>
+  </p:cSld>
+  <p:clrMapOvr>
+    <a:masterClrMapping/>
+  </p:clrMapOvr>
+</p:notes>
+</file>
+
+<file path=ppt/notesSlides/notesSlide5.xml><?xml version="1.0" encoding="utf-8"?>
+<p:notes xmlns:a="http://schemas.openxmlformats.org/drawingml/2006/main" xmlns:r="http://schemas.openxmlformats.org/officeDocument/2006/relationships" xmlns:p="http://schemas.openxmlformats.org/presentationml/2006/main">
+  <p:cSld>
+    <p:spTree>
+      <p:nvGrpSpPr>
+        <p:cNvPr id="1" name=""/>
+        <p:cNvGrpSpPr/>
+        <p:nvPr/>
+      </p:nvGrpSpPr>
+      <p:grpSpPr>
+        <a:xfrm>
+          <a:off x="0" y="0"/>
+          <a:ext cx="0" cy="0"/>
+          <a:chOff x="0" y="0"/>
+          <a:chExt cx="0" cy="0"/>
+        </a:xfrm>
+      </p:grpSpPr>
+      <p:sp>
+        <p:nvSpPr>
+          <p:cNvPr id="2" name="Folienbildplatzhalter 1"/>
+          <p:cNvSpPr>
+            <a:spLocks noGrp="1" noRot="1" noChangeAspect="1"/>
+          </p:cNvSpPr>
+          <p:nvPr>
+            <p:ph type="sldImg"/>
+          </p:nvPr>
+        </p:nvSpPr>
+        <p:spPr/>
+      </p:sp>
+      <p:sp>
+        <p:nvSpPr>
+          <p:cNvPr id="3" name="Notizenplatzhalter 2"/>
+          <p:cNvSpPr>
+            <a:spLocks noGrp="1"/>
+          </p:cNvSpPr>
+          <p:nvPr>
+            <p:ph type="body" idx="1"/>
+          </p:nvPr>
+        </p:nvSpPr>
+        <p:spPr/>
+        <p:txBody>
+          <a:bodyPr>
+            <a:normAutofit/>
+          </a:bodyPr>
+          <a:lstStyle/>
+          <a:p>
+            <a:endParaRPr lang="zh-CN" altLang="en-US" dirty="0"/>
+          </a:p>
+        </p:txBody>
+      </p:sp>
+      <p:sp>
+        <p:nvSpPr>
+          <p:cNvPr id="4" name="Foliennummernplatzhalter 3"/>
+          <p:cNvSpPr>
+            <a:spLocks noGrp="1"/>
+          </p:cNvSpPr>
+          <p:nvPr>
+            <p:ph type="sldNum" sz="quarter" idx="10"/>
+          </p:nvPr>
+        </p:nvSpPr>
+        <p:spPr/>
+        <p:txBody>
+          <a:bodyPr/>
+          <a:lstStyle/>
+          <a:p>
+            <a:fld id="{031E71C2-430C-44C1-937C-0E9DE1F3577E}" type="slidenum">
+              <a:rPr lang="de-DE" smtClean="0"/>
+              <a:pPr/>
+              <a:t>8</a:t>
+            </a:fld>
+            <a:endParaRPr lang="de-DE"/>
           </a:p>
         </p:txBody>
       </p:sp>
@@ -4794,6 +5931,1398 @@
       </p:grpSpPr>
       <p:sp>
         <p:nvSpPr>
+          <p:cNvPr id="2" name="Titel 1"/>
+          <p:cNvSpPr>
+            <a:spLocks noGrp="1"/>
+          </p:cNvSpPr>
+          <p:nvPr>
+            <p:ph type="title"/>
+          </p:nvPr>
+        </p:nvSpPr>
+        <p:spPr/>
+        <p:txBody>
+          <a:bodyPr/>
+          <a:lstStyle/>
+          <a:p>
+            <a:endParaRPr lang="zh-CN" altLang="en-US"/>
+          </a:p>
+        </p:txBody>
+      </p:sp>
+      <p:sp>
+        <p:nvSpPr>
+          <p:cNvPr id="3" name="Inhaltsplatzhalter 2"/>
+          <p:cNvSpPr>
+            <a:spLocks noGrp="1"/>
+          </p:cNvSpPr>
+          <p:nvPr>
+            <p:ph idx="1"/>
+          </p:nvPr>
+        </p:nvSpPr>
+        <p:spPr/>
+        <p:txBody>
+          <a:bodyPr/>
+          <a:lstStyle/>
+          <a:p>
+            <a:endParaRPr lang="zh-CN" altLang="en-US"/>
+          </a:p>
+        </p:txBody>
+      </p:sp>
+    </p:spTree>
+  </p:cSld>
+  <p:clrMapOvr>
+    <a:masterClrMapping/>
+  </p:clrMapOvr>
+  <p:transition>
+    <p:zoom/>
+  </p:transition>
+</p:sld>
+</file>
+
+<file path=ppt/slides/slide11.xml><?xml version="1.0" encoding="utf-8"?>
+<p:sld xmlns:a="http://schemas.openxmlformats.org/drawingml/2006/main" xmlns:r="http://schemas.openxmlformats.org/officeDocument/2006/relationships" xmlns:p="http://schemas.openxmlformats.org/presentationml/2006/main">
+  <p:cSld>
+    <p:spTree>
+      <p:nvGrpSpPr>
+        <p:cNvPr id="1" name=""/>
+        <p:cNvGrpSpPr/>
+        <p:nvPr/>
+      </p:nvGrpSpPr>
+      <p:grpSpPr>
+        <a:xfrm>
+          <a:off x="0" y="0"/>
+          <a:ext cx="0" cy="0"/>
+          <a:chOff x="0" y="0"/>
+          <a:chExt cx="0" cy="0"/>
+        </a:xfrm>
+      </p:grpSpPr>
+      <p:sp>
+        <p:nvSpPr>
+          <p:cNvPr id="161794" name="Rectangle 2"/>
+          <p:cNvSpPr>
+            <a:spLocks noGrp="1" noChangeArrowheads="1"/>
+          </p:cNvSpPr>
+          <p:nvPr>
+            <p:ph type="title"/>
+          </p:nvPr>
+        </p:nvSpPr>
+        <p:spPr/>
+        <p:txBody>
+          <a:bodyPr/>
+          <a:lstStyle/>
+          <a:p>
+            <a:r>
+              <a:rPr lang="de-DE" altLang="zh-CN" smtClean="0">
+                <a:solidFill>
+                  <a:srgbClr val="C61829"/>
+                </a:solidFill>
+                <a:ea typeface="宋体" pitchFamily="2" charset="-122"/>
+              </a:rPr>
+              <a:t>Übersicht</a:t>
+            </a:r>
+            <a:endParaRPr lang="en-US" altLang="zh-CN" smtClean="0">
+              <a:solidFill>
+                <a:srgbClr val="C61829"/>
+              </a:solidFill>
+              <a:ea typeface="宋体" pitchFamily="2" charset="-122"/>
+            </a:endParaRPr>
+          </a:p>
+        </p:txBody>
+      </p:sp>
+      <p:sp>
+        <p:nvSpPr>
+          <p:cNvPr id="161795" name="Text Box 3"/>
+          <p:cNvSpPr txBox="1">
+            <a:spLocks noChangeArrowheads="1"/>
+          </p:cNvSpPr>
+          <p:nvPr/>
+        </p:nvSpPr>
+        <p:spPr bwMode="auto">
+          <a:xfrm>
+            <a:off x="663575" y="1111250"/>
+            <a:ext cx="7724775" cy="3598863"/>
+          </a:xfrm>
+          <a:prstGeom prst="rect">
+            <a:avLst/>
+          </a:prstGeom>
+          <a:noFill/>
+          <a:ln w="9525" algn="ctr">
+            <a:noFill/>
+            <a:miter lim="800000"/>
+            <a:headEnd/>
+            <a:tailEnd/>
+          </a:ln>
+          <a:effectLst/>
+        </p:spPr>
+        <p:txBody>
+          <a:bodyPr>
+            <a:spAutoFit/>
+          </a:bodyPr>
+          <a:lstStyle/>
+          <a:p>
+            <a:pPr defTabSz="758825">
+              <a:buFont typeface="Wingdings" pitchFamily="2" charset="2"/>
+              <a:buChar char="ü"/>
+            </a:pPr>
+            <a:r>
+              <a:rPr lang="de-DE" altLang="zh-CN" sz="3200">
+                <a:solidFill>
+                  <a:srgbClr val="C61829"/>
+                </a:solidFill>
+                <a:ea typeface="宋体" pitchFamily="2" charset="-122"/>
+              </a:rPr>
+              <a:t> Motivation und Zielsetzung</a:t>
+            </a:r>
+          </a:p>
+          <a:p>
+            <a:pPr defTabSz="758825">
+              <a:buFont typeface="Wingdings" pitchFamily="2" charset="2"/>
+              <a:buChar char="ü"/>
+            </a:pPr>
+            <a:r>
+              <a:rPr lang="de-DE" altLang="zh-CN" sz="3200">
+                <a:solidFill>
+                  <a:srgbClr val="C61829"/>
+                </a:solidFill>
+                <a:ea typeface="宋体" pitchFamily="2" charset="-122"/>
+              </a:rPr>
+              <a:t> Einleitung CUDA</a:t>
+            </a:r>
+          </a:p>
+          <a:p>
+            <a:pPr defTabSz="758825">
+              <a:buFont typeface="Wingdings" pitchFamily="2" charset="2"/>
+              <a:buChar char="ü"/>
+            </a:pPr>
+            <a:r>
+              <a:rPr lang="de-DE" altLang="zh-CN" sz="3200">
+                <a:solidFill>
+                  <a:srgbClr val="C61829"/>
+                </a:solidFill>
+                <a:ea typeface="宋体" pitchFamily="2" charset="-122"/>
+              </a:rPr>
+              <a:t> Sparse Matrix</a:t>
+            </a:r>
+          </a:p>
+          <a:p>
+            <a:pPr defTabSz="758825">
+              <a:buFont typeface="Wingdings" pitchFamily="2" charset="2"/>
+              <a:buChar char="Ø"/>
+            </a:pPr>
+            <a:r>
+              <a:rPr lang="de-DE" altLang="zh-CN" sz="3200">
+                <a:solidFill>
+                  <a:srgbClr val="C61829"/>
+                </a:solidFill>
+                <a:ea typeface="宋体" pitchFamily="2" charset="-122"/>
+              </a:rPr>
+              <a:t> IDR(s) Integration</a:t>
+            </a:r>
+          </a:p>
+          <a:p>
+            <a:pPr defTabSz="758825">
+              <a:buFont typeface="Wingdings" pitchFamily="2" charset="2"/>
+              <a:buChar char="p"/>
+            </a:pPr>
+            <a:r>
+              <a:rPr lang="de-DE" altLang="zh-CN" sz="3200">
+                <a:solidFill>
+                  <a:srgbClr val="C61829"/>
+                </a:solidFill>
+                <a:ea typeface="宋体" pitchFamily="2" charset="-122"/>
+              </a:rPr>
+              <a:t> Zusammenfassung und </a:t>
+            </a:r>
+            <a:r>
+              <a:rPr lang="de-DE" altLang="zh-CN">
+                <a:solidFill>
+                  <a:srgbClr val="C61829"/>
+                </a:solidFill>
+                <a:ea typeface="宋体" pitchFamily="2" charset="-122"/>
+              </a:rPr>
+              <a:t>Ausblick</a:t>
+            </a:r>
+            <a:endParaRPr lang="en-US" altLang="zh-CN" sz="3200">
+              <a:solidFill>
+                <a:srgbClr val="C61829"/>
+              </a:solidFill>
+              <a:ea typeface="宋体" pitchFamily="2" charset="-122"/>
+            </a:endParaRPr>
+          </a:p>
+        </p:txBody>
+      </p:sp>
+    </p:spTree>
+  </p:cSld>
+  <p:clrMapOvr>
+    <a:masterClrMapping/>
+  </p:clrMapOvr>
+  <p:transition>
+    <p:zoom/>
+  </p:transition>
+  <p:timing>
+    <p:tnLst>
+      <p:par>
+        <p:cTn id="1" dur="indefinite" restart="never" nodeType="tmRoot"/>
+      </p:par>
+    </p:tnLst>
+  </p:timing>
+</p:sld>
+</file>
+
+<file path=ppt/slides/slide12.xml><?xml version="1.0" encoding="utf-8"?>
+<p:sld xmlns:a="http://schemas.openxmlformats.org/drawingml/2006/main" xmlns:r="http://schemas.openxmlformats.org/officeDocument/2006/relationships" xmlns:p="http://schemas.openxmlformats.org/presentationml/2006/main">
+  <p:cSld>
+    <p:spTree>
+      <p:nvGrpSpPr>
+        <p:cNvPr id="1" name=""/>
+        <p:cNvGrpSpPr/>
+        <p:nvPr/>
+      </p:nvGrpSpPr>
+      <p:grpSpPr>
+        <a:xfrm>
+          <a:off x="0" y="0"/>
+          <a:ext cx="0" cy="0"/>
+          <a:chOff x="0" y="0"/>
+          <a:chExt cx="0" cy="0"/>
+        </a:xfrm>
+      </p:grpSpPr>
+      <p:sp>
+        <p:nvSpPr>
+          <p:cNvPr id="212994" name="Titel 1"/>
+          <p:cNvSpPr>
+            <a:spLocks noGrp="1"/>
+          </p:cNvSpPr>
+          <p:nvPr>
+            <p:ph type="title" idx="4294967295"/>
+          </p:nvPr>
+        </p:nvSpPr>
+        <p:spPr/>
+        <p:txBody>
+          <a:bodyPr/>
+          <a:lstStyle/>
+          <a:p>
+            <a:r>
+              <a:rPr lang="de-DE" smtClean="0"/>
+              <a:t>Zeitverhalten</a:t>
+            </a:r>
+          </a:p>
+        </p:txBody>
+      </p:sp>
+      <p:sp>
+        <p:nvSpPr>
+          <p:cNvPr id="212995" name="Inhaltsplatzhalter 2"/>
+          <p:cNvSpPr>
+            <a:spLocks noGrp="1"/>
+          </p:cNvSpPr>
+          <p:nvPr>
+            <p:ph idx="4294967295"/>
+          </p:nvPr>
+        </p:nvSpPr>
+        <p:spPr/>
+        <p:txBody>
+          <a:bodyPr/>
+          <a:lstStyle/>
+          <a:p>
+            <a:r>
+              <a:rPr lang="de-DE" smtClean="0"/>
+              <a:t>Im Bereich N &lt; 5000 im Sekundenbereich (0s bis 2s) (langsamer als Matlab)</a:t>
+            </a:r>
+            <a:br>
+              <a:rPr lang="de-DE" smtClean="0"/>
+            </a:br>
+            <a:endParaRPr lang="de-DE" smtClean="0"/>
+          </a:p>
+          <a:p>
+            <a:r>
+              <a:rPr lang="de-DE" smtClean="0"/>
+              <a:t>Im Bereich 5000 &lt; N &lt; 1500000 läuft IDR(s)_cuda,  aber ohne hinreichende precision (double) momentan nicht sinnvoll meßbar.</a:t>
+            </a:r>
+          </a:p>
+        </p:txBody>
+      </p:sp>
+    </p:spTree>
+  </p:cSld>
+  <p:clrMapOvr>
+    <a:masterClrMapping/>
+  </p:clrMapOvr>
+  <p:transition>
+    <p:zoom/>
+  </p:transition>
+</p:sld>
+</file>
+
+<file path=ppt/slides/slide13.xml><?xml version="1.0" encoding="utf-8"?>
+<p:sld xmlns:a="http://schemas.openxmlformats.org/drawingml/2006/main" xmlns:r="http://schemas.openxmlformats.org/officeDocument/2006/relationships" xmlns:p="http://schemas.openxmlformats.org/presentationml/2006/main">
+  <p:cSld>
+    <p:spTree>
+      <p:nvGrpSpPr>
+        <p:cNvPr id="1" name=""/>
+        <p:cNvGrpSpPr/>
+        <p:nvPr/>
+      </p:nvGrpSpPr>
+      <p:grpSpPr>
+        <a:xfrm>
+          <a:off x="0" y="0"/>
+          <a:ext cx="0" cy="0"/>
+          <a:chOff x="0" y="0"/>
+          <a:chExt cx="0" cy="0"/>
+        </a:xfrm>
+      </p:grpSpPr>
+      <p:sp>
+        <p:nvSpPr>
+          <p:cNvPr id="214018" name="Titel 1"/>
+          <p:cNvSpPr>
+            <a:spLocks noGrp="1"/>
+          </p:cNvSpPr>
+          <p:nvPr>
+            <p:ph type="title" idx="4294967295"/>
+          </p:nvPr>
+        </p:nvSpPr>
+        <p:spPr/>
+        <p:txBody>
+          <a:bodyPr/>
+          <a:lstStyle/>
+          <a:p>
+            <a:r>
+              <a:rPr lang="de-DE" smtClean="0"/>
+              <a:t> Herausforderung Testbarkeit</a:t>
+            </a:r>
+          </a:p>
+        </p:txBody>
+      </p:sp>
+      <p:sp>
+        <p:nvSpPr>
+          <p:cNvPr id="214019" name="Rectangle 3"/>
+          <p:cNvSpPr>
+            <a:spLocks noChangeArrowheads="1"/>
+          </p:cNvSpPr>
+          <p:nvPr/>
+        </p:nvSpPr>
+        <p:spPr bwMode="auto">
+          <a:xfrm>
+            <a:off x="755650" y="1341438"/>
+            <a:ext cx="7631113" cy="1727200"/>
+          </a:xfrm>
+          <a:prstGeom prst="rect">
+            <a:avLst/>
+          </a:prstGeom>
+          <a:noFill/>
+          <a:ln w="38100" algn="ctr">
+            <a:solidFill>
+              <a:schemeClr val="tx1"/>
+            </a:solidFill>
+            <a:miter lim="800000"/>
+            <a:headEnd/>
+            <a:tailEnd/>
+          </a:ln>
+        </p:spPr>
+        <p:txBody>
+          <a:bodyPr anchor="ctr">
+            <a:spAutoFit/>
+          </a:bodyPr>
+          <a:lstStyle/>
+          <a:p>
+            <a:endParaRPr lang="de-DE"/>
+          </a:p>
+        </p:txBody>
+      </p:sp>
+      <p:sp>
+        <p:nvSpPr>
+          <p:cNvPr id="214020" name="Rectangle 4"/>
+          <p:cNvSpPr>
+            <a:spLocks noChangeArrowheads="1"/>
+          </p:cNvSpPr>
+          <p:nvPr/>
+        </p:nvSpPr>
+        <p:spPr bwMode="auto">
+          <a:xfrm>
+            <a:off x="5780088" y="1701800"/>
+            <a:ext cx="1455737" cy="431800"/>
+          </a:xfrm>
+          <a:prstGeom prst="rect">
+            <a:avLst/>
+          </a:prstGeom>
+          <a:solidFill>
+            <a:srgbClr val="00FF00"/>
+          </a:solidFill>
+          <a:ln w="28575" algn="ctr">
+            <a:solidFill>
+              <a:schemeClr val="tx1"/>
+            </a:solidFill>
+            <a:miter lim="800000"/>
+            <a:headEnd/>
+            <a:tailEnd/>
+          </a:ln>
+        </p:spPr>
+        <p:txBody>
+          <a:bodyPr anchor="ctr">
+            <a:spAutoFit/>
+          </a:bodyPr>
+          <a:lstStyle/>
+          <a:p>
+            <a:endParaRPr lang="de-DE"/>
+          </a:p>
+        </p:txBody>
+      </p:sp>
+      <p:sp>
+        <p:nvSpPr>
+          <p:cNvPr id="214021" name="Text Box 5"/>
+          <p:cNvSpPr txBox="1">
+            <a:spLocks noChangeArrowheads="1"/>
+          </p:cNvSpPr>
+          <p:nvPr/>
+        </p:nvSpPr>
+        <p:spPr bwMode="auto">
+          <a:xfrm>
+            <a:off x="6156325" y="2278063"/>
+            <a:ext cx="763588" cy="396875"/>
+          </a:xfrm>
+          <a:prstGeom prst="rect">
+            <a:avLst/>
+          </a:prstGeom>
+          <a:noFill/>
+          <a:ln w="9525" algn="ctr">
+            <a:noFill/>
+            <a:miter lim="800000"/>
+            <a:headEnd/>
+            <a:tailEnd/>
+          </a:ln>
+        </p:spPr>
+        <p:txBody>
+          <a:bodyPr wrap="none">
+            <a:spAutoFit/>
+          </a:bodyPr>
+          <a:lstStyle/>
+          <a:p>
+            <a:pPr defTabSz="758825"/>
+            <a:r>
+              <a:rPr lang="de-DE" altLang="zh-CN" sz="2000" b="1">
+                <a:ea typeface="宋体" pitchFamily="2" charset="-122"/>
+              </a:rPr>
+              <a:t>RAM</a:t>
+            </a:r>
+            <a:endParaRPr lang="en-US" altLang="zh-CN" sz="2000" b="1">
+              <a:ea typeface="宋体" pitchFamily="2" charset="-122"/>
+            </a:endParaRPr>
+          </a:p>
+        </p:txBody>
+      </p:sp>
+      <p:sp>
+        <p:nvSpPr>
+          <p:cNvPr id="214022" name="Line 6"/>
+          <p:cNvSpPr>
+            <a:spLocks noChangeShapeType="1"/>
+          </p:cNvSpPr>
+          <p:nvPr/>
+        </p:nvSpPr>
+        <p:spPr bwMode="auto">
+          <a:xfrm>
+            <a:off x="755650" y="3644900"/>
+            <a:ext cx="7631113" cy="0"/>
+          </a:xfrm>
+          <a:prstGeom prst="line">
+            <a:avLst/>
+          </a:prstGeom>
+          <a:noFill/>
+          <a:ln w="38100">
+            <a:solidFill>
+              <a:schemeClr val="tx1"/>
+            </a:solidFill>
+            <a:round/>
+            <a:headEnd/>
+            <a:tailEnd/>
+          </a:ln>
+        </p:spPr>
+        <p:txBody>
+          <a:bodyPr>
+            <a:spAutoFit/>
+          </a:bodyPr>
+          <a:lstStyle/>
+          <a:p>
+            <a:endParaRPr lang="zh-CN" altLang="en-US"/>
+          </a:p>
+        </p:txBody>
+      </p:sp>
+      <p:sp>
+        <p:nvSpPr>
+          <p:cNvPr id="214023" name="AutoShape 7"/>
+          <p:cNvSpPr>
+            <a:spLocks noChangeArrowheads="1"/>
+          </p:cNvSpPr>
+          <p:nvPr/>
+        </p:nvSpPr>
+        <p:spPr bwMode="auto">
+          <a:xfrm>
+            <a:off x="6364288" y="2817813"/>
+            <a:ext cx="649287" cy="1511300"/>
+          </a:xfrm>
+          <a:prstGeom prst="upDownArrow">
+            <a:avLst>
+              <a:gd name="adj1" fmla="val 50000"/>
+              <a:gd name="adj2" fmla="val 46553"/>
+            </a:avLst>
+          </a:prstGeom>
+          <a:solidFill>
+            <a:srgbClr val="FFFF00"/>
+          </a:solidFill>
+          <a:ln w="38100" algn="ctr">
+            <a:solidFill>
+              <a:schemeClr val="tx1"/>
+            </a:solidFill>
+            <a:miter lim="800000"/>
+            <a:headEnd/>
+            <a:tailEnd/>
+          </a:ln>
+        </p:spPr>
+        <p:txBody>
+          <a:bodyPr wrap="none" anchor="ctr">
+            <a:spAutoFit/>
+          </a:bodyPr>
+          <a:lstStyle/>
+          <a:p>
+            <a:endParaRPr lang="de-DE"/>
+          </a:p>
+        </p:txBody>
+      </p:sp>
+      <p:sp>
+        <p:nvSpPr>
+          <p:cNvPr id="214024" name="Text Box 8"/>
+          <p:cNvSpPr txBox="1">
+            <a:spLocks noChangeArrowheads="1"/>
+          </p:cNvSpPr>
+          <p:nvPr/>
+        </p:nvSpPr>
+        <p:spPr bwMode="auto">
+          <a:xfrm>
+            <a:off x="4838700" y="3176588"/>
+            <a:ext cx="1173163" cy="396875"/>
+          </a:xfrm>
+          <a:prstGeom prst="rect">
+            <a:avLst/>
+          </a:prstGeom>
+          <a:noFill/>
+          <a:ln w="9525" algn="ctr">
+            <a:noFill/>
+            <a:miter lim="800000"/>
+            <a:headEnd/>
+            <a:tailEnd/>
+          </a:ln>
+        </p:spPr>
+        <p:txBody>
+          <a:bodyPr wrap="none">
+            <a:spAutoFit/>
+          </a:bodyPr>
+          <a:lstStyle/>
+          <a:p>
+            <a:pPr defTabSz="758825"/>
+            <a:r>
+              <a:rPr lang="de-DE" altLang="zh-CN" sz="2000" b="1">
+                <a:ea typeface="宋体" pitchFamily="2" charset="-122"/>
+              </a:rPr>
+              <a:t>PCI-Bus</a:t>
+            </a:r>
+            <a:endParaRPr lang="en-US" altLang="zh-CN" sz="2000" b="1">
+              <a:ea typeface="宋体" pitchFamily="2" charset="-122"/>
+            </a:endParaRPr>
+          </a:p>
+        </p:txBody>
+      </p:sp>
+      <p:sp>
+        <p:nvSpPr>
+          <p:cNvPr id="214025" name="Rectangle 9"/>
+          <p:cNvSpPr>
+            <a:spLocks noChangeArrowheads="1"/>
+          </p:cNvSpPr>
+          <p:nvPr/>
+        </p:nvSpPr>
+        <p:spPr bwMode="auto">
+          <a:xfrm>
+            <a:off x="755650" y="4219575"/>
+            <a:ext cx="7631113" cy="1873250"/>
+          </a:xfrm>
+          <a:prstGeom prst="rect">
+            <a:avLst/>
+          </a:prstGeom>
+          <a:noFill/>
+          <a:ln w="38100" algn="ctr">
+            <a:solidFill>
+              <a:schemeClr val="tx1"/>
+            </a:solidFill>
+            <a:miter lim="800000"/>
+            <a:headEnd/>
+            <a:tailEnd/>
+          </a:ln>
+        </p:spPr>
+        <p:txBody>
+          <a:bodyPr anchor="ctr">
+            <a:spAutoFit/>
+          </a:bodyPr>
+          <a:lstStyle/>
+          <a:p>
+            <a:endParaRPr lang="de-DE"/>
+          </a:p>
+        </p:txBody>
+      </p:sp>
+      <p:sp>
+        <p:nvSpPr>
+          <p:cNvPr id="214026" name="Rectangle 10"/>
+          <p:cNvSpPr>
+            <a:spLocks noChangeArrowheads="1"/>
+          </p:cNvSpPr>
+          <p:nvPr/>
+        </p:nvSpPr>
+        <p:spPr bwMode="auto">
+          <a:xfrm>
+            <a:off x="1042988" y="4724400"/>
+            <a:ext cx="1368425" cy="431800"/>
+          </a:xfrm>
+          <a:prstGeom prst="rect">
+            <a:avLst/>
+          </a:prstGeom>
+          <a:solidFill>
+            <a:srgbClr val="00FF00"/>
+          </a:solidFill>
+          <a:ln w="28575" algn="ctr">
+            <a:solidFill>
+              <a:schemeClr val="tx1"/>
+            </a:solidFill>
+            <a:miter lim="800000"/>
+            <a:headEnd/>
+            <a:tailEnd/>
+          </a:ln>
+        </p:spPr>
+        <p:txBody>
+          <a:bodyPr wrap="none" anchor="ctr">
+            <a:spAutoFit/>
+          </a:bodyPr>
+          <a:lstStyle/>
+          <a:p>
+            <a:endParaRPr lang="de-DE"/>
+          </a:p>
+        </p:txBody>
+      </p:sp>
+      <p:sp>
+        <p:nvSpPr>
+          <p:cNvPr id="214027" name="Line 11"/>
+          <p:cNvSpPr>
+            <a:spLocks noChangeShapeType="1"/>
+          </p:cNvSpPr>
+          <p:nvPr/>
+        </p:nvSpPr>
+        <p:spPr bwMode="auto">
+          <a:xfrm flipV="1">
+            <a:off x="1979613" y="1865313"/>
+            <a:ext cx="3754437" cy="2859087"/>
+          </a:xfrm>
+          <a:prstGeom prst="line">
+            <a:avLst/>
+          </a:prstGeom>
+          <a:noFill/>
+          <a:ln w="50800">
+            <a:solidFill>
+              <a:srgbClr val="FF0000"/>
+            </a:solidFill>
+            <a:round/>
+            <a:headEnd/>
+            <a:tailEnd type="triangle" w="lg" len="lg"/>
+          </a:ln>
+        </p:spPr>
+        <p:txBody>
+          <a:bodyPr>
+            <a:spAutoFit/>
+          </a:bodyPr>
+          <a:lstStyle/>
+          <a:p>
+            <a:endParaRPr lang="zh-CN" altLang="en-US"/>
+          </a:p>
+        </p:txBody>
+      </p:sp>
+      <p:sp>
+        <p:nvSpPr>
+          <p:cNvPr id="214028" name="Text Box 12"/>
+          <p:cNvSpPr txBox="1">
+            <a:spLocks noChangeArrowheads="1"/>
+          </p:cNvSpPr>
+          <p:nvPr/>
+        </p:nvSpPr>
+        <p:spPr bwMode="auto">
+          <a:xfrm>
+            <a:off x="447675" y="3663950"/>
+            <a:ext cx="1168400" cy="457200"/>
+          </a:xfrm>
+          <a:prstGeom prst="rect">
+            <a:avLst/>
+          </a:prstGeom>
+          <a:noFill/>
+          <a:ln w="9525" algn="ctr">
+            <a:noFill/>
+            <a:miter lim="800000"/>
+            <a:headEnd/>
+            <a:tailEnd/>
+          </a:ln>
+        </p:spPr>
+        <p:txBody>
+          <a:bodyPr wrap="none">
+            <a:spAutoFit/>
+          </a:bodyPr>
+          <a:lstStyle/>
+          <a:p>
+            <a:pPr defTabSz="758825"/>
+            <a:r>
+              <a:rPr lang="de-DE" altLang="zh-CN" sz="2400" b="1" u="sng">
+                <a:ea typeface="宋体" pitchFamily="2" charset="-122"/>
+              </a:rPr>
+              <a:t>Device</a:t>
+            </a:r>
+            <a:endParaRPr lang="en-US" altLang="zh-CN" sz="2400" b="1" u="sng">
+              <a:ea typeface="宋体" pitchFamily="2" charset="-122"/>
+            </a:endParaRPr>
+          </a:p>
+        </p:txBody>
+      </p:sp>
+      <p:sp>
+        <p:nvSpPr>
+          <p:cNvPr id="214029" name="Text Box 13"/>
+          <p:cNvSpPr txBox="1">
+            <a:spLocks noChangeArrowheads="1"/>
+          </p:cNvSpPr>
+          <p:nvPr/>
+        </p:nvSpPr>
+        <p:spPr bwMode="auto">
+          <a:xfrm>
+            <a:off x="395288" y="836613"/>
+            <a:ext cx="862012" cy="457200"/>
+          </a:xfrm>
+          <a:prstGeom prst="rect">
+            <a:avLst/>
+          </a:prstGeom>
+          <a:noFill/>
+          <a:ln w="9525" algn="ctr">
+            <a:noFill/>
+            <a:miter lim="800000"/>
+            <a:headEnd/>
+            <a:tailEnd/>
+          </a:ln>
+        </p:spPr>
+        <p:txBody>
+          <a:bodyPr wrap="none">
+            <a:spAutoFit/>
+          </a:bodyPr>
+          <a:lstStyle/>
+          <a:p>
+            <a:pPr defTabSz="758825"/>
+            <a:r>
+              <a:rPr lang="de-DE" altLang="zh-CN" sz="2400" b="1" u="sng">
+                <a:ea typeface="宋体" pitchFamily="2" charset="-122"/>
+              </a:rPr>
+              <a:t>Host</a:t>
+            </a:r>
+            <a:endParaRPr lang="en-US" altLang="zh-CN" sz="2400" b="1" u="sng">
+              <a:ea typeface="宋体" pitchFamily="2" charset="-122"/>
+            </a:endParaRPr>
+          </a:p>
+        </p:txBody>
+      </p:sp>
+      <p:sp>
+        <p:nvSpPr>
+          <p:cNvPr id="214030" name="Text Box 14"/>
+          <p:cNvSpPr txBox="1">
+            <a:spLocks noChangeArrowheads="1"/>
+          </p:cNvSpPr>
+          <p:nvPr/>
+        </p:nvSpPr>
+        <p:spPr bwMode="auto">
+          <a:xfrm>
+            <a:off x="827088" y="1408113"/>
+            <a:ext cx="828675" cy="457200"/>
+          </a:xfrm>
+          <a:prstGeom prst="rect">
+            <a:avLst/>
+          </a:prstGeom>
+          <a:solidFill>
+            <a:srgbClr val="DCE0E8"/>
+          </a:solidFill>
+          <a:ln w="9525" algn="ctr">
+            <a:noFill/>
+            <a:miter lim="800000"/>
+            <a:headEnd/>
+            <a:tailEnd/>
+          </a:ln>
+        </p:spPr>
+        <p:txBody>
+          <a:bodyPr wrap="none">
+            <a:spAutoFit/>
+          </a:bodyPr>
+          <a:lstStyle/>
+          <a:p>
+            <a:pPr defTabSz="758825"/>
+            <a:r>
+              <a:rPr lang="de-DE" altLang="zh-CN" sz="2400" b="1">
+                <a:ea typeface="宋体" pitchFamily="2" charset="-122"/>
+              </a:rPr>
+              <a:t>CPU</a:t>
+            </a:r>
+            <a:endParaRPr lang="en-US" altLang="zh-CN" sz="2400" b="1">
+              <a:ea typeface="宋体" pitchFamily="2" charset="-122"/>
+            </a:endParaRPr>
+          </a:p>
+        </p:txBody>
+      </p:sp>
+      <p:sp>
+        <p:nvSpPr>
+          <p:cNvPr id="214031" name="Rectangle 15"/>
+          <p:cNvSpPr>
+            <a:spLocks noChangeArrowheads="1"/>
+          </p:cNvSpPr>
+          <p:nvPr/>
+        </p:nvSpPr>
+        <p:spPr bwMode="auto">
+          <a:xfrm>
+            <a:off x="900113" y="4591050"/>
+            <a:ext cx="3095625" cy="1296988"/>
+          </a:xfrm>
+          <a:prstGeom prst="rect">
+            <a:avLst/>
+          </a:prstGeom>
+          <a:noFill/>
+          <a:ln w="38100" algn="ctr">
+            <a:solidFill>
+              <a:schemeClr val="tx1"/>
+            </a:solidFill>
+            <a:miter lim="800000"/>
+            <a:headEnd/>
+            <a:tailEnd/>
+          </a:ln>
+        </p:spPr>
+        <p:txBody>
+          <a:bodyPr anchor="ctr">
+            <a:spAutoFit/>
+          </a:bodyPr>
+          <a:lstStyle/>
+          <a:p>
+            <a:endParaRPr lang="de-DE"/>
+          </a:p>
+        </p:txBody>
+      </p:sp>
+      <p:sp>
+        <p:nvSpPr>
+          <p:cNvPr id="214032" name="Text Box 16"/>
+          <p:cNvSpPr txBox="1">
+            <a:spLocks noChangeArrowheads="1"/>
+          </p:cNvSpPr>
+          <p:nvPr/>
+        </p:nvSpPr>
+        <p:spPr bwMode="auto">
+          <a:xfrm>
+            <a:off x="1979613" y="5386388"/>
+            <a:ext cx="2065337" cy="400050"/>
+          </a:xfrm>
+          <a:prstGeom prst="rect">
+            <a:avLst/>
+          </a:prstGeom>
+          <a:noFill/>
+          <a:ln w="9525" algn="ctr">
+            <a:noFill/>
+            <a:miter lim="800000"/>
+            <a:headEnd/>
+            <a:tailEnd/>
+          </a:ln>
+        </p:spPr>
+        <p:txBody>
+          <a:bodyPr wrap="none">
+            <a:spAutoFit/>
+          </a:bodyPr>
+          <a:lstStyle/>
+          <a:p>
+            <a:pPr defTabSz="758825"/>
+            <a:r>
+              <a:rPr lang="de-DE" altLang="zh-CN" sz="2000" b="1">
+                <a:ea typeface="宋体" pitchFamily="2" charset="-122"/>
+              </a:rPr>
+              <a:t>Device Memory</a:t>
+            </a:r>
+            <a:endParaRPr lang="en-US" altLang="zh-CN" sz="2000" b="1">
+              <a:ea typeface="宋体" pitchFamily="2" charset="-122"/>
+            </a:endParaRPr>
+          </a:p>
+        </p:txBody>
+      </p:sp>
+      <p:sp>
+        <p:nvSpPr>
+          <p:cNvPr id="214033" name="Text Box 17"/>
+          <p:cNvSpPr txBox="1">
+            <a:spLocks noChangeArrowheads="1"/>
+          </p:cNvSpPr>
+          <p:nvPr/>
+        </p:nvSpPr>
+        <p:spPr bwMode="auto">
+          <a:xfrm>
+            <a:off x="7256463" y="4365625"/>
+            <a:ext cx="844550" cy="457200"/>
+          </a:xfrm>
+          <a:prstGeom prst="rect">
+            <a:avLst/>
+          </a:prstGeom>
+          <a:solidFill>
+            <a:srgbClr val="DCE0E8"/>
+          </a:solidFill>
+          <a:ln w="9525" algn="ctr">
+            <a:noFill/>
+            <a:miter lim="800000"/>
+            <a:headEnd/>
+            <a:tailEnd/>
+          </a:ln>
+        </p:spPr>
+        <p:txBody>
+          <a:bodyPr wrap="none">
+            <a:spAutoFit/>
+          </a:bodyPr>
+          <a:lstStyle/>
+          <a:p>
+            <a:pPr defTabSz="758825"/>
+            <a:r>
+              <a:rPr lang="de-DE" altLang="zh-CN" sz="2400" b="1">
+                <a:ea typeface="宋体" pitchFamily="2" charset="-122"/>
+              </a:rPr>
+              <a:t>GPU</a:t>
+            </a:r>
+            <a:endParaRPr lang="en-US" altLang="zh-CN" sz="2400" b="1">
+              <a:ea typeface="宋体" pitchFamily="2" charset="-122"/>
+            </a:endParaRPr>
+          </a:p>
+        </p:txBody>
+      </p:sp>
+      <p:sp>
+        <p:nvSpPr>
+          <p:cNvPr id="214034" name="Rectangle 18"/>
+          <p:cNvSpPr>
+            <a:spLocks noChangeArrowheads="1"/>
+          </p:cNvSpPr>
+          <p:nvPr/>
+        </p:nvSpPr>
+        <p:spPr bwMode="auto">
+          <a:xfrm>
+            <a:off x="5219700" y="4368800"/>
+            <a:ext cx="858838" cy="565150"/>
+          </a:xfrm>
+          <a:prstGeom prst="rect">
+            <a:avLst/>
+          </a:prstGeom>
+          <a:noFill/>
+          <a:ln w="38100" algn="ctr">
+            <a:solidFill>
+              <a:schemeClr val="tx1"/>
+            </a:solidFill>
+            <a:miter lim="800000"/>
+            <a:headEnd/>
+            <a:tailEnd/>
+          </a:ln>
+        </p:spPr>
+        <p:txBody>
+          <a:bodyPr anchor="ctr">
+            <a:spAutoFit/>
+          </a:bodyPr>
+          <a:lstStyle/>
+          <a:p>
+            <a:endParaRPr lang="de-DE"/>
+          </a:p>
+        </p:txBody>
+      </p:sp>
+      <p:sp>
+        <p:nvSpPr>
+          <p:cNvPr id="214035" name="Text Box 19"/>
+          <p:cNvSpPr txBox="1">
+            <a:spLocks noChangeArrowheads="1"/>
+          </p:cNvSpPr>
+          <p:nvPr/>
+        </p:nvSpPr>
+        <p:spPr bwMode="auto">
+          <a:xfrm>
+            <a:off x="5276850" y="4452938"/>
+            <a:ext cx="735013" cy="396875"/>
+          </a:xfrm>
+          <a:prstGeom prst="rect">
+            <a:avLst/>
+          </a:prstGeom>
+          <a:noFill/>
+          <a:ln w="9525" algn="ctr">
+            <a:noFill/>
+            <a:miter lim="800000"/>
+            <a:headEnd/>
+            <a:tailEnd/>
+          </a:ln>
+        </p:spPr>
+        <p:txBody>
+          <a:bodyPr wrap="none">
+            <a:spAutoFit/>
+          </a:bodyPr>
+          <a:lstStyle/>
+          <a:p>
+            <a:pPr defTabSz="758825"/>
+            <a:r>
+              <a:rPr lang="de-DE" altLang="zh-CN" sz="2000">
+                <a:ea typeface="宋体" pitchFamily="2" charset="-122"/>
+              </a:rPr>
+              <a:t>Core</a:t>
+            </a:r>
+            <a:endParaRPr lang="en-US" altLang="zh-CN" sz="2000">
+              <a:ea typeface="宋体" pitchFamily="2" charset="-122"/>
+            </a:endParaRPr>
+          </a:p>
+        </p:txBody>
+      </p:sp>
+      <p:sp>
+        <p:nvSpPr>
+          <p:cNvPr id="214036" name="Rectangle 20"/>
+          <p:cNvSpPr>
+            <a:spLocks noChangeArrowheads="1"/>
+          </p:cNvSpPr>
+          <p:nvPr/>
+        </p:nvSpPr>
+        <p:spPr bwMode="auto">
+          <a:xfrm>
+            <a:off x="6154738" y="4365625"/>
+            <a:ext cx="858837" cy="565150"/>
+          </a:xfrm>
+          <a:prstGeom prst="rect">
+            <a:avLst/>
+          </a:prstGeom>
+          <a:noFill/>
+          <a:ln w="38100" algn="ctr">
+            <a:solidFill>
+              <a:schemeClr val="tx1"/>
+            </a:solidFill>
+            <a:miter lim="800000"/>
+            <a:headEnd/>
+            <a:tailEnd/>
+          </a:ln>
+        </p:spPr>
+        <p:txBody>
+          <a:bodyPr anchor="ctr">
+            <a:spAutoFit/>
+          </a:bodyPr>
+          <a:lstStyle/>
+          <a:p>
+            <a:endParaRPr lang="de-DE"/>
+          </a:p>
+        </p:txBody>
+      </p:sp>
+      <p:sp>
+        <p:nvSpPr>
+          <p:cNvPr id="214037" name="Text Box 21"/>
+          <p:cNvSpPr txBox="1">
+            <a:spLocks noChangeArrowheads="1"/>
+          </p:cNvSpPr>
+          <p:nvPr/>
+        </p:nvSpPr>
+        <p:spPr bwMode="auto">
+          <a:xfrm>
+            <a:off x="6211888" y="4449763"/>
+            <a:ext cx="735012" cy="396875"/>
+          </a:xfrm>
+          <a:prstGeom prst="rect">
+            <a:avLst/>
+          </a:prstGeom>
+          <a:noFill/>
+          <a:ln w="9525" algn="ctr">
+            <a:noFill/>
+            <a:miter lim="800000"/>
+            <a:headEnd/>
+            <a:tailEnd/>
+          </a:ln>
+        </p:spPr>
+        <p:txBody>
+          <a:bodyPr wrap="none">
+            <a:spAutoFit/>
+          </a:bodyPr>
+          <a:lstStyle/>
+          <a:p>
+            <a:pPr defTabSz="758825"/>
+            <a:r>
+              <a:rPr lang="de-DE" altLang="zh-CN" sz="2000">
+                <a:ea typeface="宋体" pitchFamily="2" charset="-122"/>
+              </a:rPr>
+              <a:t>Core</a:t>
+            </a:r>
+            <a:endParaRPr lang="en-US" altLang="zh-CN" sz="2000">
+              <a:ea typeface="宋体" pitchFamily="2" charset="-122"/>
+            </a:endParaRPr>
+          </a:p>
+        </p:txBody>
+      </p:sp>
+      <p:sp>
+        <p:nvSpPr>
+          <p:cNvPr id="214038" name="Rectangle 22"/>
+          <p:cNvSpPr>
+            <a:spLocks noChangeArrowheads="1"/>
+          </p:cNvSpPr>
+          <p:nvPr/>
+        </p:nvSpPr>
+        <p:spPr bwMode="auto">
+          <a:xfrm>
+            <a:off x="5219700" y="5024438"/>
+            <a:ext cx="858838" cy="565150"/>
+          </a:xfrm>
+          <a:prstGeom prst="rect">
+            <a:avLst/>
+          </a:prstGeom>
+          <a:noFill/>
+          <a:ln w="38100" algn="ctr">
+            <a:solidFill>
+              <a:schemeClr val="tx1"/>
+            </a:solidFill>
+            <a:miter lim="800000"/>
+            <a:headEnd/>
+            <a:tailEnd/>
+          </a:ln>
+        </p:spPr>
+        <p:txBody>
+          <a:bodyPr anchor="ctr">
+            <a:spAutoFit/>
+          </a:bodyPr>
+          <a:lstStyle/>
+          <a:p>
+            <a:endParaRPr lang="de-DE"/>
+          </a:p>
+        </p:txBody>
+      </p:sp>
+      <p:sp>
+        <p:nvSpPr>
+          <p:cNvPr id="214039" name="Text Box 23"/>
+          <p:cNvSpPr txBox="1">
+            <a:spLocks noChangeArrowheads="1"/>
+          </p:cNvSpPr>
+          <p:nvPr/>
+        </p:nvSpPr>
+        <p:spPr bwMode="auto">
+          <a:xfrm>
+            <a:off x="5276850" y="5108575"/>
+            <a:ext cx="735013" cy="396875"/>
+          </a:xfrm>
+          <a:prstGeom prst="rect">
+            <a:avLst/>
+          </a:prstGeom>
+          <a:noFill/>
+          <a:ln w="9525" algn="ctr">
+            <a:noFill/>
+            <a:miter lim="800000"/>
+            <a:headEnd/>
+            <a:tailEnd/>
+          </a:ln>
+        </p:spPr>
+        <p:txBody>
+          <a:bodyPr wrap="none">
+            <a:spAutoFit/>
+          </a:bodyPr>
+          <a:lstStyle/>
+          <a:p>
+            <a:pPr defTabSz="758825"/>
+            <a:r>
+              <a:rPr lang="de-DE" altLang="zh-CN" sz="2000">
+                <a:ea typeface="宋体" pitchFamily="2" charset="-122"/>
+              </a:rPr>
+              <a:t>Core</a:t>
+            </a:r>
+            <a:endParaRPr lang="en-US" altLang="zh-CN" sz="2000">
+              <a:ea typeface="宋体" pitchFamily="2" charset="-122"/>
+            </a:endParaRPr>
+          </a:p>
+        </p:txBody>
+      </p:sp>
+      <p:sp>
+        <p:nvSpPr>
+          <p:cNvPr id="214040" name="Rectangle 24"/>
+          <p:cNvSpPr>
+            <a:spLocks noChangeArrowheads="1"/>
+          </p:cNvSpPr>
+          <p:nvPr/>
+        </p:nvSpPr>
+        <p:spPr bwMode="auto">
+          <a:xfrm>
+            <a:off x="6154738" y="5024438"/>
+            <a:ext cx="858837" cy="565150"/>
+          </a:xfrm>
+          <a:prstGeom prst="rect">
+            <a:avLst/>
+          </a:prstGeom>
+          <a:noFill/>
+          <a:ln w="38100" algn="ctr">
+            <a:solidFill>
+              <a:schemeClr val="tx1"/>
+            </a:solidFill>
+            <a:miter lim="800000"/>
+            <a:headEnd/>
+            <a:tailEnd/>
+          </a:ln>
+        </p:spPr>
+        <p:txBody>
+          <a:bodyPr anchor="ctr">
+            <a:spAutoFit/>
+          </a:bodyPr>
+          <a:lstStyle/>
+          <a:p>
+            <a:endParaRPr lang="de-DE"/>
+          </a:p>
+        </p:txBody>
+      </p:sp>
+      <p:sp>
+        <p:nvSpPr>
+          <p:cNvPr id="214041" name="Text Box 25"/>
+          <p:cNvSpPr txBox="1">
+            <a:spLocks noChangeArrowheads="1"/>
+          </p:cNvSpPr>
+          <p:nvPr/>
+        </p:nvSpPr>
+        <p:spPr bwMode="auto">
+          <a:xfrm>
+            <a:off x="6211888" y="5108575"/>
+            <a:ext cx="735012" cy="396875"/>
+          </a:xfrm>
+          <a:prstGeom prst="rect">
+            <a:avLst/>
+          </a:prstGeom>
+          <a:noFill/>
+          <a:ln w="9525" algn="ctr">
+            <a:noFill/>
+            <a:miter lim="800000"/>
+            <a:headEnd/>
+            <a:tailEnd/>
+          </a:ln>
+        </p:spPr>
+        <p:txBody>
+          <a:bodyPr wrap="none">
+            <a:spAutoFit/>
+          </a:bodyPr>
+          <a:lstStyle/>
+          <a:p>
+            <a:pPr defTabSz="758825"/>
+            <a:r>
+              <a:rPr lang="de-DE" altLang="zh-CN" sz="2000">
+                <a:ea typeface="宋体" pitchFamily="2" charset="-122"/>
+              </a:rPr>
+              <a:t>Core</a:t>
+            </a:r>
+            <a:endParaRPr lang="en-US" altLang="zh-CN" sz="2000">
+              <a:ea typeface="宋体" pitchFamily="2" charset="-122"/>
+            </a:endParaRPr>
+          </a:p>
+        </p:txBody>
+      </p:sp>
+      <p:sp>
+        <p:nvSpPr>
+          <p:cNvPr id="214042" name="Text Box 26"/>
+          <p:cNvSpPr txBox="1">
+            <a:spLocks noChangeArrowheads="1"/>
+          </p:cNvSpPr>
+          <p:nvPr/>
+        </p:nvSpPr>
+        <p:spPr bwMode="auto">
+          <a:xfrm rot="-2165685">
+            <a:off x="3600450" y="2093913"/>
+            <a:ext cx="1943100" cy="368300"/>
+          </a:xfrm>
+          <a:prstGeom prst="rect">
+            <a:avLst/>
+          </a:prstGeom>
+          <a:noFill/>
+          <a:ln w="9525" algn="ctr">
+            <a:noFill/>
+            <a:miter lim="800000"/>
+            <a:headEnd/>
+            <a:tailEnd/>
+          </a:ln>
+        </p:spPr>
+        <p:txBody>
+          <a:bodyPr wrap="none">
+            <a:spAutoFit/>
+          </a:bodyPr>
+          <a:lstStyle/>
+          <a:p>
+            <a:pPr defTabSz="758825"/>
+            <a:r>
+              <a:rPr lang="de-DE" altLang="zh-CN" sz="1800">
+                <a:ea typeface="宋体" pitchFamily="2" charset="-122"/>
+              </a:rPr>
+              <a:t>CudaMemCopy()</a:t>
+            </a:r>
+            <a:endParaRPr lang="en-US" altLang="zh-CN" sz="1800">
+              <a:ea typeface="宋体" pitchFamily="2" charset="-122"/>
+            </a:endParaRPr>
+          </a:p>
+        </p:txBody>
+      </p:sp>
+      <p:sp>
+        <p:nvSpPr>
+          <p:cNvPr id="214043" name="Rectangle 27"/>
+          <p:cNvSpPr>
+            <a:spLocks noChangeArrowheads="1"/>
+          </p:cNvSpPr>
+          <p:nvPr/>
+        </p:nvSpPr>
+        <p:spPr bwMode="auto">
+          <a:xfrm>
+            <a:off x="5651500" y="1549400"/>
+            <a:ext cx="2520950" cy="1296988"/>
+          </a:xfrm>
+          <a:prstGeom prst="rect">
+            <a:avLst/>
+          </a:prstGeom>
+          <a:noFill/>
+          <a:ln w="38100" algn="ctr">
+            <a:solidFill>
+              <a:schemeClr val="tx1"/>
+            </a:solidFill>
+            <a:miter lim="800000"/>
+            <a:headEnd/>
+            <a:tailEnd/>
+          </a:ln>
+        </p:spPr>
+        <p:txBody>
+          <a:bodyPr anchor="ctr">
+            <a:spAutoFit/>
+          </a:bodyPr>
+          <a:lstStyle/>
+          <a:p>
+            <a:endParaRPr lang="de-DE"/>
+          </a:p>
+        </p:txBody>
+      </p:sp>
+    </p:spTree>
+  </p:cSld>
+  <p:clrMapOvr>
+    <a:masterClrMapping/>
+  </p:clrMapOvr>
+  <p:transition>
+    <p:zoom/>
+  </p:transition>
+  <p:timing>
+    <p:tnLst>
+      <p:par>
+        <p:cTn id="1" dur="indefinite" restart="never" nodeType="tmRoot"/>
+      </p:par>
+    </p:tnLst>
+  </p:timing>
+</p:sld>
+</file>
+
+<file path=ppt/slides/slide14.xml><?xml version="1.0" encoding="utf-8"?>
+<p:sld xmlns:a="http://schemas.openxmlformats.org/drawingml/2006/main" xmlns:r="http://schemas.openxmlformats.org/officeDocument/2006/relationships" xmlns:p="http://schemas.openxmlformats.org/presentationml/2006/main">
+  <p:cSld>
+    <p:spTree>
+      <p:nvGrpSpPr>
+        <p:cNvPr id="1" name=""/>
+        <p:cNvGrpSpPr/>
+        <p:nvPr/>
+      </p:nvGrpSpPr>
+      <p:grpSpPr>
+        <a:xfrm>
+          <a:off x="0" y="0"/>
+          <a:ext cx="0" cy="0"/>
+          <a:chOff x="0" y="0"/>
+          <a:chExt cx="0" cy="0"/>
+        </a:xfrm>
+      </p:grpSpPr>
+      <p:sp>
+        <p:nvSpPr>
           <p:cNvPr id="215042" name="Rectangle 2"/>
           <p:cNvSpPr>
             <a:spLocks noGrp="1" noChangeArrowheads="1"/>
@@ -5315,7 +7844,7 @@
 </p:sld>
 </file>
 
-<file path=ppt/slides/slide11.xml><?xml version="1.0" encoding="utf-8"?>
+<file path=ppt/slides/slide15.xml><?xml version="1.0" encoding="utf-8"?>
 <p:sld xmlns:a="http://schemas.openxmlformats.org/drawingml/2006/main" xmlns:r="http://schemas.openxmlformats.org/officeDocument/2006/relationships" xmlns:p="http://schemas.openxmlformats.org/presentationml/2006/main">
   <p:cSld>
     <p:spTree>
@@ -5908,7 +8437,7 @@
 </p:sld>
 </file>
 
-<file path=ppt/slides/slide12.xml><?xml version="1.0" encoding="utf-8"?>
+<file path=ppt/slides/slide16.xml><?xml version="1.0" encoding="utf-8"?>
 <p:sld xmlns:a="http://schemas.openxmlformats.org/drawingml/2006/main" xmlns:r="http://schemas.openxmlformats.org/officeDocument/2006/relationships" xmlns:p="http://schemas.openxmlformats.org/presentationml/2006/main">
   <p:cSld>
     <p:spTree>
@@ -8287,7 +10816,7 @@
 </p:sld>
 </file>
 
-<file path=ppt/slides/slide13.xml><?xml version="1.0" encoding="utf-8"?>
+<file path=ppt/slides/slide17.xml><?xml version="1.0" encoding="utf-8"?>
 <p:sld xmlns:a="http://schemas.openxmlformats.org/drawingml/2006/main" xmlns:r="http://schemas.openxmlformats.org/officeDocument/2006/relationships" xmlns:p="http://schemas.openxmlformats.org/presentationml/2006/main">
   <p:cSld>
     <p:spTree>
@@ -8468,7 +10997,7 @@
 </p:sld>
 </file>
 
-<file path=ppt/slides/slide14.xml><?xml version="1.0" encoding="utf-8"?>
+<file path=ppt/slides/slide18.xml><?xml version="1.0" encoding="utf-8"?>
 <p:sld xmlns:a="http://schemas.openxmlformats.org/drawingml/2006/main" xmlns:r="http://schemas.openxmlformats.org/officeDocument/2006/relationships" xmlns:p="http://schemas.openxmlformats.org/presentationml/2006/main">
   <p:cSld>
     <p:spTree>
@@ -8641,7 +11170,7 @@
 </p:sld>
 </file>
 
-<file path=ppt/slides/slide15.xml><?xml version="1.0" encoding="utf-8"?>
+<file path=ppt/slides/slide19.xml><?xml version="1.0" encoding="utf-8"?>
 <p:sld xmlns:a="http://schemas.openxmlformats.org/drawingml/2006/main" xmlns:r="http://schemas.openxmlformats.org/officeDocument/2006/relationships" xmlns:p="http://schemas.openxmlformats.org/presentationml/2006/main">
   <p:cSld>
     <p:spTree>
@@ -8724,7 +11253,221 @@
 </p:sld>
 </file>
 
-<file path=ppt/slides/slide16.xml><?xml version="1.0" encoding="utf-8"?>
+<file path=ppt/slides/slide2.xml><?xml version="1.0" encoding="utf-8"?>
+<p:sld xmlns:a="http://schemas.openxmlformats.org/drawingml/2006/main" xmlns:r="http://schemas.openxmlformats.org/officeDocument/2006/relationships" xmlns:p="http://schemas.openxmlformats.org/presentationml/2006/main">
+  <p:cSld>
+    <p:spTree>
+      <p:nvGrpSpPr>
+        <p:cNvPr id="1" name=""/>
+        <p:cNvGrpSpPr/>
+        <p:nvPr/>
+      </p:nvGrpSpPr>
+      <p:grpSpPr>
+        <a:xfrm>
+          <a:off x="0" y="0"/>
+          <a:ext cx="0" cy="0"/>
+          <a:chOff x="0" y="0"/>
+          <a:chExt cx="0" cy="0"/>
+        </a:xfrm>
+      </p:grpSpPr>
+      <p:sp>
+        <p:nvSpPr>
+          <p:cNvPr id="50178" name="Rectangle 2"/>
+          <p:cNvSpPr>
+            <a:spLocks noGrp="1" noChangeArrowheads="1"/>
+          </p:cNvSpPr>
+          <p:nvPr>
+            <p:ph type="title"/>
+          </p:nvPr>
+        </p:nvSpPr>
+        <p:spPr/>
+        <p:txBody>
+          <a:bodyPr/>
+          <a:lstStyle/>
+          <a:p>
+            <a:r>
+              <a:rPr lang="de-DE" altLang="zh-CN" dirty="0" err="1" smtClean="0">
+                <a:solidFill>
+                  <a:srgbClr val="C61829"/>
+                </a:solidFill>
+                <a:ea typeface="宋体" pitchFamily="2" charset="-122"/>
+              </a:rPr>
+              <a:t>Overview</a:t>
+            </a:r>
+            <a:endParaRPr lang="en-US" altLang="zh-CN" dirty="0" smtClean="0">
+              <a:solidFill>
+                <a:srgbClr val="C61829"/>
+              </a:solidFill>
+              <a:ea typeface="宋体" pitchFamily="2" charset="-122"/>
+            </a:endParaRPr>
+          </a:p>
+        </p:txBody>
+      </p:sp>
+      <p:sp>
+        <p:nvSpPr>
+          <p:cNvPr id="50181" name="Text Box 5"/>
+          <p:cNvSpPr txBox="1">
+            <a:spLocks noChangeArrowheads="1"/>
+          </p:cNvSpPr>
+          <p:nvPr/>
+        </p:nvSpPr>
+        <p:spPr bwMode="auto">
+          <a:xfrm>
+            <a:off x="663575" y="1111250"/>
+            <a:ext cx="7724775" cy="3598863"/>
+          </a:xfrm>
+          <a:prstGeom prst="rect">
+            <a:avLst/>
+          </a:prstGeom>
+          <a:noFill/>
+          <a:ln w="9525" algn="ctr">
+            <a:noFill/>
+            <a:miter lim="800000"/>
+            <a:headEnd/>
+            <a:tailEnd/>
+          </a:ln>
+          <a:effectLst/>
+        </p:spPr>
+        <p:txBody>
+          <a:bodyPr>
+            <a:spAutoFit/>
+          </a:bodyPr>
+          <a:lstStyle/>
+          <a:p>
+            <a:pPr defTabSz="758825">
+              <a:buFont typeface="Wingdings" pitchFamily="2" charset="2"/>
+              <a:buChar char="Ø"/>
+            </a:pPr>
+            <a:r>
+              <a:rPr lang="de-DE" altLang="zh-CN" sz="3200" dirty="0">
+                <a:solidFill>
+                  <a:srgbClr val="C61829"/>
+                </a:solidFill>
+                <a:ea typeface="宋体" pitchFamily="2" charset="-122"/>
+              </a:rPr>
+              <a:t> </a:t>
+            </a:r>
+            <a:r>
+              <a:rPr lang="en-US" altLang="zh-CN" sz="3200" dirty="0" smtClean="0">
+                <a:solidFill>
+                  <a:srgbClr val="C61829"/>
+                </a:solidFill>
+                <a:ea typeface="宋体" pitchFamily="2" charset="-122"/>
+              </a:rPr>
+              <a:t>Motivation and Objective</a:t>
+            </a:r>
+          </a:p>
+          <a:p>
+            <a:pPr defTabSz="758825">
+              <a:buFont typeface="Wingdings" pitchFamily="2" charset="2"/>
+              <a:buChar char="p"/>
+            </a:pPr>
+            <a:r>
+              <a:rPr lang="en-US" altLang="zh-CN" sz="3200" dirty="0" smtClean="0">
+                <a:solidFill>
+                  <a:srgbClr val="C61829"/>
+                </a:solidFill>
+                <a:ea typeface="宋体" pitchFamily="2" charset="-122"/>
+              </a:rPr>
+              <a:t> Project Introduction</a:t>
+            </a:r>
+          </a:p>
+          <a:p>
+            <a:pPr defTabSz="758825">
+              <a:buFont typeface="Wingdings" pitchFamily="2" charset="2"/>
+              <a:buChar char="p"/>
+            </a:pPr>
+            <a:r>
+              <a:rPr lang="en-US" altLang="zh-CN" sz="3200" dirty="0" smtClean="0">
+                <a:solidFill>
+                  <a:srgbClr val="C61829"/>
+                </a:solidFill>
+                <a:ea typeface="宋体" pitchFamily="2" charset="-122"/>
+              </a:rPr>
+              <a:t> </a:t>
+            </a:r>
+            <a:r>
+              <a:rPr lang="en-US" altLang="zh-CN" sz="3200" dirty="0" err="1" smtClean="0">
+                <a:solidFill>
+                  <a:srgbClr val="C61829"/>
+                </a:solidFill>
+                <a:ea typeface="宋体" pitchFamily="2" charset="-122"/>
+              </a:rPr>
+              <a:t>Modelling</a:t>
+            </a:r>
+            <a:endParaRPr lang="en-US" altLang="zh-CN" sz="3200" dirty="0" smtClean="0">
+              <a:solidFill>
+                <a:srgbClr val="C61829"/>
+              </a:solidFill>
+              <a:ea typeface="宋体" pitchFamily="2" charset="-122"/>
+            </a:endParaRPr>
+          </a:p>
+          <a:p>
+            <a:pPr defTabSz="758825">
+              <a:buFont typeface="Wingdings" pitchFamily="2" charset="2"/>
+              <a:buChar char="p"/>
+            </a:pPr>
+            <a:r>
+              <a:rPr lang="en-US" altLang="zh-CN" sz="3200" dirty="0" smtClean="0">
+                <a:solidFill>
+                  <a:srgbClr val="C61829"/>
+                </a:solidFill>
+                <a:ea typeface="宋体" pitchFamily="2" charset="-122"/>
+              </a:rPr>
+              <a:t> Optimization</a:t>
+            </a:r>
+          </a:p>
+          <a:p>
+            <a:pPr defTabSz="758825">
+              <a:buFont typeface="Wingdings" pitchFamily="2" charset="2"/>
+              <a:buChar char="p"/>
+            </a:pPr>
+            <a:r>
+              <a:rPr lang="en-US" altLang="zh-CN" sz="3200" dirty="0" smtClean="0">
+                <a:solidFill>
+                  <a:srgbClr val="C61829"/>
+                </a:solidFill>
+                <a:ea typeface="宋体" pitchFamily="2" charset="-122"/>
+              </a:rPr>
+              <a:t> Conclusion and </a:t>
+            </a:r>
+            <a:r>
+              <a:rPr lang="en-US" altLang="zh-CN" dirty="0" smtClean="0">
+                <a:solidFill>
+                  <a:srgbClr val="C61829"/>
+                </a:solidFill>
+                <a:ea typeface="宋体" pitchFamily="2" charset="-122"/>
+              </a:rPr>
+              <a:t>Outlook</a:t>
+            </a:r>
+            <a:endParaRPr lang="en-US" altLang="zh-CN" sz="3200" dirty="0">
+              <a:solidFill>
+                <a:srgbClr val="C61829"/>
+              </a:solidFill>
+              <a:ea typeface="宋体" pitchFamily="2" charset="-122"/>
+            </a:endParaRPr>
+          </a:p>
+        </p:txBody>
+      </p:sp>
+    </p:spTree>
+  </p:cSld>
+  <p:clrMapOvr>
+    <a:masterClrMapping/>
+  </p:clrMapOvr>
+  <p:transition>
+    <p:zoom/>
+  </p:transition>
+  <p:timing>
+    <p:tnLst>
+      <p:par>
+        <p:cTn id="1" dur="indefinite" restart="never" nodeType="tmRoot"/>
+      </p:par>
+    </p:tnLst>
+  </p:timing>
+</p:sld>
+</file>
+
+<file path=ppt/slides/slide20.xml><?xml version="1.0" encoding="utf-8"?>
 <p:sld xmlns:a="http://schemas.openxmlformats.org/drawingml/2006/main" xmlns:r="http://schemas.openxmlformats.org/officeDocument/2006/relationships" xmlns:p="http://schemas.openxmlformats.org/presentationml/2006/main" showMasterPhAnim="0">
   <p:cSld>
     <p:spTree>
@@ -14044,7 +16787,7 @@
 </p:sld>
 </file>
 
-<file path=ppt/slides/slide17.xml><?xml version="1.0" encoding="utf-8"?>
+<file path=ppt/slides/slide21.xml><?xml version="1.0" encoding="utf-8"?>
 <p:sld xmlns:a="http://schemas.openxmlformats.org/drawingml/2006/main" xmlns:r="http://schemas.openxmlformats.org/officeDocument/2006/relationships" xmlns:p="http://schemas.openxmlformats.org/presentationml/2006/main">
   <p:cSld>
     <p:spTree>
@@ -17915,7 +20658,7 @@
 </p:sld>
 </file>
 
-<file path=ppt/slides/slide18.xml><?xml version="1.0" encoding="utf-8"?>
+<file path=ppt/slides/slide22.xml><?xml version="1.0" encoding="utf-8"?>
 <p:sld xmlns:a="http://schemas.openxmlformats.org/drawingml/2006/main" xmlns:r="http://schemas.openxmlformats.org/officeDocument/2006/relationships" xmlns:p="http://schemas.openxmlformats.org/presentationml/2006/main">
   <p:cSld>
     <p:spTree>
@@ -18300,7 +21043,7 @@
 </p:sld>
 </file>
 
-<file path=ppt/slides/slide19.xml><?xml version="1.0" encoding="utf-8"?>
+<file path=ppt/slides/slide23.xml><?xml version="1.0" encoding="utf-8"?>
 <p:sld xmlns:a="http://schemas.openxmlformats.org/drawingml/2006/main" xmlns:r="http://schemas.openxmlformats.org/officeDocument/2006/relationships" xmlns:p="http://schemas.openxmlformats.org/presentationml/2006/main">
   <p:cSld>
     <p:spTree>
@@ -18404,221 +21147,7 @@
 </p:sld>
 </file>
 
-<file path=ppt/slides/slide2.xml><?xml version="1.0" encoding="utf-8"?>
-<p:sld xmlns:a="http://schemas.openxmlformats.org/drawingml/2006/main" xmlns:r="http://schemas.openxmlformats.org/officeDocument/2006/relationships" xmlns:p="http://schemas.openxmlformats.org/presentationml/2006/main">
-  <p:cSld>
-    <p:spTree>
-      <p:nvGrpSpPr>
-        <p:cNvPr id="1" name=""/>
-        <p:cNvGrpSpPr/>
-        <p:nvPr/>
-      </p:nvGrpSpPr>
-      <p:grpSpPr>
-        <a:xfrm>
-          <a:off x="0" y="0"/>
-          <a:ext cx="0" cy="0"/>
-          <a:chOff x="0" y="0"/>
-          <a:chExt cx="0" cy="0"/>
-        </a:xfrm>
-      </p:grpSpPr>
-      <p:sp>
-        <p:nvSpPr>
-          <p:cNvPr id="50178" name="Rectangle 2"/>
-          <p:cNvSpPr>
-            <a:spLocks noGrp="1" noChangeArrowheads="1"/>
-          </p:cNvSpPr>
-          <p:nvPr>
-            <p:ph type="title"/>
-          </p:nvPr>
-        </p:nvSpPr>
-        <p:spPr/>
-        <p:txBody>
-          <a:bodyPr/>
-          <a:lstStyle/>
-          <a:p>
-            <a:r>
-              <a:rPr lang="de-DE" altLang="zh-CN" dirty="0" err="1" smtClean="0">
-                <a:solidFill>
-                  <a:srgbClr val="C61829"/>
-                </a:solidFill>
-                <a:ea typeface="宋体" pitchFamily="2" charset="-122"/>
-              </a:rPr>
-              <a:t>Overview</a:t>
-            </a:r>
-            <a:endParaRPr lang="en-US" altLang="zh-CN" dirty="0" smtClean="0">
-              <a:solidFill>
-                <a:srgbClr val="C61829"/>
-              </a:solidFill>
-              <a:ea typeface="宋体" pitchFamily="2" charset="-122"/>
-            </a:endParaRPr>
-          </a:p>
-        </p:txBody>
-      </p:sp>
-      <p:sp>
-        <p:nvSpPr>
-          <p:cNvPr id="50181" name="Text Box 5"/>
-          <p:cNvSpPr txBox="1">
-            <a:spLocks noChangeArrowheads="1"/>
-          </p:cNvSpPr>
-          <p:nvPr/>
-        </p:nvSpPr>
-        <p:spPr bwMode="auto">
-          <a:xfrm>
-            <a:off x="663575" y="1111250"/>
-            <a:ext cx="7724775" cy="3598863"/>
-          </a:xfrm>
-          <a:prstGeom prst="rect">
-            <a:avLst/>
-          </a:prstGeom>
-          <a:noFill/>
-          <a:ln w="9525" algn="ctr">
-            <a:noFill/>
-            <a:miter lim="800000"/>
-            <a:headEnd/>
-            <a:tailEnd/>
-          </a:ln>
-          <a:effectLst/>
-        </p:spPr>
-        <p:txBody>
-          <a:bodyPr>
-            <a:spAutoFit/>
-          </a:bodyPr>
-          <a:lstStyle/>
-          <a:p>
-            <a:pPr defTabSz="758825">
-              <a:buFont typeface="Wingdings" pitchFamily="2" charset="2"/>
-              <a:buChar char="Ø"/>
-            </a:pPr>
-            <a:r>
-              <a:rPr lang="de-DE" altLang="zh-CN" sz="3200" dirty="0">
-                <a:solidFill>
-                  <a:srgbClr val="C61829"/>
-                </a:solidFill>
-                <a:ea typeface="宋体" pitchFamily="2" charset="-122"/>
-              </a:rPr>
-              <a:t> </a:t>
-            </a:r>
-            <a:r>
-              <a:rPr lang="en-US" altLang="zh-CN" sz="3200" dirty="0" smtClean="0">
-                <a:solidFill>
-                  <a:srgbClr val="C61829"/>
-                </a:solidFill>
-                <a:ea typeface="宋体" pitchFamily="2" charset="-122"/>
-              </a:rPr>
-              <a:t>Motivation and Objective</a:t>
-            </a:r>
-          </a:p>
-          <a:p>
-            <a:pPr defTabSz="758825">
-              <a:buFont typeface="Wingdings" pitchFamily="2" charset="2"/>
-              <a:buChar char="p"/>
-            </a:pPr>
-            <a:r>
-              <a:rPr lang="en-US" altLang="zh-CN" sz="3200" dirty="0" smtClean="0">
-                <a:solidFill>
-                  <a:srgbClr val="C61829"/>
-                </a:solidFill>
-                <a:ea typeface="宋体" pitchFamily="2" charset="-122"/>
-              </a:rPr>
-              <a:t> Project Introduction</a:t>
-            </a:r>
-          </a:p>
-          <a:p>
-            <a:pPr defTabSz="758825">
-              <a:buFont typeface="Wingdings" pitchFamily="2" charset="2"/>
-              <a:buChar char="p"/>
-            </a:pPr>
-            <a:r>
-              <a:rPr lang="en-US" altLang="zh-CN" sz="3200" dirty="0" smtClean="0">
-                <a:solidFill>
-                  <a:srgbClr val="C61829"/>
-                </a:solidFill>
-                <a:ea typeface="宋体" pitchFamily="2" charset="-122"/>
-              </a:rPr>
-              <a:t> </a:t>
-            </a:r>
-            <a:r>
-              <a:rPr lang="en-US" altLang="zh-CN" sz="3200" dirty="0" err="1" smtClean="0">
-                <a:solidFill>
-                  <a:srgbClr val="C61829"/>
-                </a:solidFill>
-                <a:ea typeface="宋体" pitchFamily="2" charset="-122"/>
-              </a:rPr>
-              <a:t>Modelling</a:t>
-            </a:r>
-            <a:endParaRPr lang="en-US" altLang="zh-CN" sz="3200" dirty="0" smtClean="0">
-              <a:solidFill>
-                <a:srgbClr val="C61829"/>
-              </a:solidFill>
-              <a:ea typeface="宋体" pitchFamily="2" charset="-122"/>
-            </a:endParaRPr>
-          </a:p>
-          <a:p>
-            <a:pPr defTabSz="758825">
-              <a:buFont typeface="Wingdings" pitchFamily="2" charset="2"/>
-              <a:buChar char="p"/>
-            </a:pPr>
-            <a:r>
-              <a:rPr lang="en-US" altLang="zh-CN" sz="3200" dirty="0" smtClean="0">
-                <a:solidFill>
-                  <a:srgbClr val="C61829"/>
-                </a:solidFill>
-                <a:ea typeface="宋体" pitchFamily="2" charset="-122"/>
-              </a:rPr>
-              <a:t> Optimization</a:t>
-            </a:r>
-          </a:p>
-          <a:p>
-            <a:pPr defTabSz="758825">
-              <a:buFont typeface="Wingdings" pitchFamily="2" charset="2"/>
-              <a:buChar char="p"/>
-            </a:pPr>
-            <a:r>
-              <a:rPr lang="en-US" altLang="zh-CN" sz="3200" dirty="0" smtClean="0">
-                <a:solidFill>
-                  <a:srgbClr val="C61829"/>
-                </a:solidFill>
-                <a:ea typeface="宋体" pitchFamily="2" charset="-122"/>
-              </a:rPr>
-              <a:t> Conclusion and </a:t>
-            </a:r>
-            <a:r>
-              <a:rPr lang="en-US" altLang="zh-CN" dirty="0" smtClean="0">
-                <a:solidFill>
-                  <a:srgbClr val="C61829"/>
-                </a:solidFill>
-                <a:ea typeface="宋体" pitchFamily="2" charset="-122"/>
-              </a:rPr>
-              <a:t>Outlook</a:t>
-            </a:r>
-            <a:endParaRPr lang="en-US" altLang="zh-CN" sz="3200" dirty="0">
-              <a:solidFill>
-                <a:srgbClr val="C61829"/>
-              </a:solidFill>
-              <a:ea typeface="宋体" pitchFamily="2" charset="-122"/>
-            </a:endParaRPr>
-          </a:p>
-        </p:txBody>
-      </p:sp>
-    </p:spTree>
-  </p:cSld>
-  <p:clrMapOvr>
-    <a:masterClrMapping/>
-  </p:clrMapOvr>
-  <p:transition>
-    <p:zoom/>
-  </p:transition>
-  <p:timing>
-    <p:tnLst>
-      <p:par>
-        <p:cTn id="1" dur="indefinite" restart="never" nodeType="tmRoot"/>
-      </p:par>
-    </p:tnLst>
-  </p:timing>
-</p:sld>
-</file>
-
-<file path=ppt/slides/slide20.xml><?xml version="1.0" encoding="utf-8"?>
+<file path=ppt/slides/slide24.xml><?xml version="1.0" encoding="utf-8"?>
 <p:sld xmlns:a="http://schemas.openxmlformats.org/drawingml/2006/main" xmlns:r="http://schemas.openxmlformats.org/officeDocument/2006/relationships" xmlns:p="http://schemas.openxmlformats.org/presentationml/2006/main">
   <p:cSld>
     <p:spTree>
@@ -19008,19 +21537,7 @@
               <a:rPr lang="en-US" altLang="zh-CN" sz="2000" dirty="0" smtClean="0">
                 <a:ea typeface="宋体" pitchFamily="2" charset="-122"/>
               </a:rPr>
-              <a:t> </a:t>
-            </a:r>
-            <a:r>
-              <a:rPr lang="en-US" altLang="zh-CN" sz="2000" dirty="0" smtClean="0">
-                <a:ea typeface="宋体" pitchFamily="2" charset="-122"/>
-              </a:rPr>
-              <a:t>Coupling</a:t>
-            </a:r>
-            <a:r>
-              <a:rPr lang="en-US" altLang="zh-CN" sz="2000" dirty="0" smtClean="0">
-                <a:ea typeface="宋体" pitchFamily="2" charset="-122"/>
-              </a:rPr>
-              <a:t> problems.</a:t>
+              <a:t> Coupling problems.</a:t>
             </a:r>
           </a:p>
           <a:p>
@@ -19095,19 +21612,7 @@
               <a:rPr lang="en-US" altLang="zh-CN" sz="2000" dirty="0" smtClean="0">
                 <a:ea typeface="宋体" pitchFamily="2" charset="-122"/>
               </a:rPr>
-              <a:t> </a:t>
-            </a:r>
-            <a:r>
-              <a:rPr lang="en-US" altLang="zh-CN" sz="2000" dirty="0" smtClean="0">
-                <a:ea typeface="宋体" pitchFamily="2" charset="-122"/>
-              </a:rPr>
-              <a:t>Analyzing different techniques to affect coupling efficiency</a:t>
-            </a:r>
-            <a:r>
-              <a:rPr lang="en-US" altLang="zh-CN" sz="2000" dirty="0" smtClean="0">
-                <a:ea typeface="宋体" pitchFamily="2" charset="-122"/>
-              </a:rPr>
-              <a:t>.</a:t>
+              <a:t> Analyzing different techniques to affect coupling efficiency.</a:t>
             </a:r>
           </a:p>
           <a:p>
@@ -19201,8 +21706,8 @@
         </p:blipFill>
         <p:spPr>
           <a:xfrm>
-            <a:off x="5286348" y="1492825"/>
-            <a:ext cx="3071866" cy="1192940"/>
+            <a:off x="4465693" y="1480651"/>
+            <a:ext cx="4178273" cy="1591159"/>
           </a:xfrm>
           <a:prstGeom prst="rect">
             <a:avLst/>
@@ -19231,8 +21736,8 @@
         </p:blipFill>
         <p:spPr>
           <a:xfrm>
-            <a:off x="5272126" y="2859345"/>
-            <a:ext cx="3143240" cy="1284035"/>
+            <a:off x="4451471" y="3359411"/>
+            <a:ext cx="4275355" cy="1712663"/>
           </a:xfrm>
           <a:prstGeom prst="rect">
             <a:avLst/>
@@ -19245,32 +21750,28 @@
       </p:pic>
       <p:pic>
         <p:nvPicPr>
-          <p:cNvPr id="7" name="Grafik 6" descr="light_course.PNG"/>
+          <p:cNvPr id="3074" name="Picture 2" descr="F:\Data\leher\SVN\Master_arbeit\word\pic\light_course.PNG"/>
           <p:cNvPicPr>
-            <a:picLocks noGrp="1" noChangeAspect="1"/>
+            <a:picLocks noChangeAspect="1" noChangeArrowheads="1"/>
           </p:cNvPicPr>
-          <p:nvPr isPhoto="1"/>
+          <p:nvPr/>
         </p:nvPicPr>
         <p:blipFill>
-          <a:blip r:embed="rId5">
-            <a:lum/>
-          </a:blip>
+          <a:blip r:embed="rId5"/>
+          <a:srcRect/>
           <a:stretch>
             <a:fillRect/>
           </a:stretch>
         </p:blipFill>
-        <p:spPr>
+        <p:spPr bwMode="auto">
           <a:xfrm>
-            <a:off x="5300666" y="2685765"/>
-            <a:ext cx="3057548" cy="302556"/>
+            <a:off x="4465693" y="2928934"/>
+            <a:ext cx="4314825" cy="561975"/>
           </a:xfrm>
           <a:prstGeom prst="rect">
             <a:avLst/>
           </a:prstGeom>
           <a:noFill/>
-          <a:ln>
-            <a:noFill/>
-          </a:ln>
         </p:spPr>
       </p:pic>
     </p:spTree>
@@ -19324,15 +21825,15 @@
           <a:lstStyle/>
           <a:p>
             <a:r>
-              <a:rPr lang="de-DE" altLang="zh-CN" smtClean="0">
+              <a:rPr lang="de-DE" altLang="zh-CN" dirty="0" err="1" smtClean="0">
                 <a:solidFill>
                   <a:srgbClr val="C61829"/>
                 </a:solidFill>
                 <a:ea typeface="宋体" pitchFamily="2" charset="-122"/>
               </a:rPr>
-              <a:t>Übersicht</a:t>
-            </a:r>
-            <a:endParaRPr lang="en-US" altLang="zh-CN" smtClean="0">
+              <a:t>Overview</a:t>
+            </a:r>
+            <a:endParaRPr lang="en-US" altLang="zh-CN" dirty="0" smtClean="0">
               <a:solidFill>
                 <a:srgbClr val="C61829"/>
               </a:solidFill>
@@ -19425,7 +21926,7 @@
               <a:t> </a:t>
             </a:r>
             <a:r>
-              <a:rPr lang="de-DE" altLang="zh-CN" sz="3200" smtClean="0">
+              <a:rPr lang="de-DE" altLang="zh-CN" sz="3200" dirty="0" err="1" smtClean="0">
                 <a:solidFill>
                   <a:srgbClr val="C61829"/>
                 </a:solidFill>
@@ -19434,7 +21935,7 @@
               <a:t>Pr</a:t>
             </a:r>
             <a:r>
-              <a:rPr lang="en-US" altLang="zh-CN" sz="3200" smtClean="0">
+              <a:rPr lang="en-US" altLang="zh-CN" sz="3200" dirty="0" err="1" smtClean="0">
                 <a:solidFill>
                   <a:srgbClr val="C61829"/>
                 </a:solidFill>
@@ -19563,6 +22064,1424 @@
       </p:grpSpPr>
       <p:sp>
         <p:nvSpPr>
+          <p:cNvPr id="2" name="Titel 1"/>
+          <p:cNvSpPr>
+            <a:spLocks noGrp="1"/>
+          </p:cNvSpPr>
+          <p:nvPr>
+            <p:ph type="title"/>
+          </p:nvPr>
+        </p:nvSpPr>
+        <p:spPr/>
+        <p:txBody>
+          <a:bodyPr/>
+          <a:lstStyle/>
+          <a:p>
+            <a:r>
+              <a:rPr lang="en-US" altLang="zh-CN" sz="4000" dirty="0" smtClean="0">
+                <a:solidFill>
+                  <a:srgbClr val="C61829"/>
+                </a:solidFill>
+                <a:ea typeface="宋体" pitchFamily="2" charset="-122"/>
+              </a:rPr>
+              <a:t>Project </a:t>
+            </a:r>
+            <a:r>
+              <a:rPr lang="en-US" altLang="zh-CN" sz="4000" dirty="0" smtClean="0">
+                <a:solidFill>
+                  <a:srgbClr val="C61829"/>
+                </a:solidFill>
+                <a:ea typeface="宋体" pitchFamily="2" charset="-122"/>
+              </a:rPr>
+              <a:t>Introduction</a:t>
+            </a:r>
+            <a:endParaRPr lang="zh-CN" altLang="en-US" dirty="0"/>
+          </a:p>
+        </p:txBody>
+      </p:sp>
+      <p:sp>
+        <p:nvSpPr>
+          <p:cNvPr id="3" name="Inhaltsplatzhalter 2"/>
+          <p:cNvSpPr>
+            <a:spLocks noGrp="1"/>
+          </p:cNvSpPr>
+          <p:nvPr>
+            <p:ph idx="1"/>
+          </p:nvPr>
+        </p:nvSpPr>
+        <p:spPr/>
+        <p:txBody>
+          <a:bodyPr/>
+          <a:lstStyle/>
+          <a:p>
+            <a:r>
+              <a:rPr lang="de-DE" altLang="zh-CN" dirty="0" err="1" smtClean="0"/>
+              <a:t>Tapered</a:t>
+            </a:r>
+            <a:r>
+              <a:rPr lang="de-DE" altLang="zh-CN" dirty="0" smtClean="0"/>
+              <a:t> </a:t>
+            </a:r>
+            <a:r>
+              <a:rPr lang="de-DE" altLang="zh-CN" dirty="0" err="1" smtClean="0"/>
+              <a:t>Lensed</a:t>
+            </a:r>
+            <a:r>
+              <a:rPr lang="de-DE" altLang="zh-CN" dirty="0" smtClean="0"/>
+              <a:t> Fiber</a:t>
+            </a:r>
+          </a:p>
+          <a:p>
+            <a:endParaRPr lang="zh-CN" altLang="en-US" dirty="0"/>
+          </a:p>
+        </p:txBody>
+      </p:sp>
+      <p:pic>
+        <p:nvPicPr>
+          <p:cNvPr id="2050" name="Picture 2" descr="F:\Data\leher\SVN\Master_arbeit\Latex\Masterarbeit\bilder\single_mode_lensed_fibber.jpg"/>
+          <p:cNvPicPr>
+            <a:picLocks noChangeAspect="1" noChangeArrowheads="1"/>
+          </p:cNvPicPr>
+          <p:nvPr/>
+        </p:nvPicPr>
+        <p:blipFill>
+          <a:blip r:embed="rId3"/>
+          <a:srcRect/>
+          <a:stretch>
+            <a:fillRect/>
+          </a:stretch>
+        </p:blipFill>
+        <p:spPr bwMode="auto">
+          <a:xfrm>
+            <a:off x="5429255" y="1500174"/>
+            <a:ext cx="3033091" cy="1714512"/>
+          </a:xfrm>
+          <a:prstGeom prst="rect">
+            <a:avLst/>
+          </a:prstGeom>
+          <a:noFill/>
+        </p:spPr>
+      </p:pic>
+      <p:pic>
+        <p:nvPicPr>
+          <p:cNvPr id="2051" name="Picture 3" descr="F:\Data\leher\SVN\Master_arbeit\Latex\Masterarbeit\bilder\tapered_lensed_fiber.jpg"/>
+          <p:cNvPicPr>
+            <a:picLocks noChangeAspect="1" noChangeArrowheads="1"/>
+          </p:cNvPicPr>
+          <p:nvPr/>
+        </p:nvPicPr>
+        <p:blipFill>
+          <a:blip r:embed="rId4" cstate="print"/>
+          <a:srcRect/>
+          <a:stretch>
+            <a:fillRect/>
+          </a:stretch>
+        </p:blipFill>
+        <p:spPr bwMode="auto">
+          <a:xfrm>
+            <a:off x="5072066" y="3857628"/>
+            <a:ext cx="3999102" cy="2357454"/>
+          </a:xfrm>
+          <a:prstGeom prst="rect">
+            <a:avLst/>
+          </a:prstGeom>
+          <a:noFill/>
+        </p:spPr>
+      </p:pic>
+      <p:graphicFrame>
+        <p:nvGraphicFramePr>
+          <p:cNvPr id="8" name="Tabelle 7"/>
+          <p:cNvGraphicFramePr>
+            <a:graphicFrameLocks noGrp="1"/>
+          </p:cNvGraphicFramePr>
+          <p:nvPr/>
+        </p:nvGraphicFramePr>
+        <p:xfrm>
+          <a:off x="41275" y="1500174"/>
+          <a:ext cx="5072097" cy="3770589"/>
+        </p:xfrm>
+        <a:graphic>
+          <a:graphicData uri="http://schemas.openxmlformats.org/drawingml/2006/table">
+            <a:tbl>
+              <a:tblPr firstRow="1" bandRow="1">
+                <a:effectLst>
+                  <a:outerShdw blurRad="50800" dist="38100" dir="2700000" algn="tl" rotWithShape="0">
+                    <a:prstClr val="black">
+                      <a:alpha val="40000"/>
+                    </a:prstClr>
+                  </a:outerShdw>
+                </a:effectLst>
+                <a:tableStyleId>{5C22544A-7EE6-4342-B048-85BDC9FD1C3A}</a:tableStyleId>
+              </a:tblPr>
+              <a:tblGrid>
+                <a:gridCol w="1244577"/>
+                <a:gridCol w="2000264"/>
+                <a:gridCol w="1827256"/>
+              </a:tblGrid>
+              <a:tr h="463140">
+                <a:tc gridSpan="2">
+                  <a:txBody>
+                    <a:bodyPr/>
+                    <a:lstStyle/>
+                    <a:p>
+                      <a:pPr algn="ctr"/>
+                      <a:r>
+                        <a:rPr lang="de-DE" altLang="zh-CN" dirty="0" smtClean="0">
+                          <a:solidFill>
+                            <a:sysClr val="windowText" lastClr="000000"/>
+                          </a:solidFill>
+                        </a:rPr>
+                        <a:t>Parameters</a:t>
+                      </a:r>
+                    </a:p>
+                  </a:txBody>
+                  <a:tcPr>
+                    <a:noFill/>
+                  </a:tcPr>
+                </a:tc>
+                <a:tc hMerge="1">
+                  <a:txBody>
+                    <a:bodyPr/>
+                    <a:lstStyle/>
+                    <a:p>
+                      <a:endParaRPr lang="zh-CN" altLang="en-US" dirty="0">
+                        <a:solidFill>
+                          <a:sysClr val="windowText" lastClr="000000"/>
+                        </a:solidFill>
+                      </a:endParaRPr>
+                    </a:p>
+                  </a:txBody>
+                  <a:tcPr/>
+                </a:tc>
+                <a:tc>
+                  <a:txBody>
+                    <a:bodyPr/>
+                    <a:lstStyle/>
+                    <a:p>
+                      <a:pPr algn="ctr"/>
+                      <a:r>
+                        <a:rPr lang="de-DE" altLang="zh-CN" dirty="0" err="1" smtClean="0">
+                          <a:solidFill>
+                            <a:sysClr val="windowText" lastClr="000000"/>
+                          </a:solidFill>
+                        </a:rPr>
+                        <a:t>Specifications</a:t>
+                      </a:r>
+                      <a:r>
+                        <a:rPr lang="de-DE" altLang="zh-CN" dirty="0" smtClean="0">
+                          <a:solidFill>
+                            <a:sysClr val="windowText" lastClr="000000"/>
+                          </a:solidFill>
+                        </a:rPr>
+                        <a:t>(Single-</a:t>
+                      </a:r>
+                      <a:r>
+                        <a:rPr lang="de-DE" altLang="zh-CN" dirty="0" err="1" smtClean="0">
+                          <a:solidFill>
+                            <a:sysClr val="windowText" lastClr="000000"/>
+                          </a:solidFill>
+                        </a:rPr>
+                        <a:t>mode</a:t>
+                      </a:r>
+                      <a:r>
+                        <a:rPr lang="de-DE" altLang="zh-CN" dirty="0" smtClean="0">
+                          <a:solidFill>
+                            <a:sysClr val="windowText" lastClr="000000"/>
+                          </a:solidFill>
+                        </a:rPr>
+                        <a:t>)</a:t>
+                      </a:r>
+                      <a:endParaRPr lang="zh-CN" altLang="en-US" dirty="0">
+                        <a:solidFill>
+                          <a:sysClr val="windowText" lastClr="000000"/>
+                        </a:solidFill>
+                      </a:endParaRPr>
+                    </a:p>
+                  </a:txBody>
+                  <a:tcPr>
+                    <a:noFill/>
+                  </a:tcPr>
+                </a:tc>
+              </a:tr>
+              <a:tr h="268327">
+                <a:tc rowSpan="3">
+                  <a:txBody>
+                    <a:bodyPr/>
+                    <a:lstStyle/>
+                    <a:p>
+                      <a:pPr algn="ctr"/>
+                      <a:endParaRPr lang="de-DE" altLang="zh-CN" dirty="0" smtClean="0">
+                        <a:solidFill>
+                          <a:sysClr val="windowText" lastClr="000000"/>
+                        </a:solidFill>
+                      </a:endParaRPr>
+                    </a:p>
+                    <a:p>
+                      <a:pPr algn="ctr"/>
+                      <a:r>
+                        <a:rPr lang="de-DE" altLang="zh-CN" dirty="0" smtClean="0">
+                          <a:solidFill>
+                            <a:sysClr val="windowText" lastClr="000000"/>
+                          </a:solidFill>
+                        </a:rPr>
+                        <a:t>Spot </a:t>
+                      </a:r>
+                      <a:r>
+                        <a:rPr lang="de-DE" altLang="zh-CN" dirty="0" err="1" smtClean="0">
+                          <a:solidFill>
+                            <a:sysClr val="windowText" lastClr="000000"/>
+                          </a:solidFill>
+                        </a:rPr>
+                        <a:t>size</a:t>
+                      </a:r>
+                      <a:endParaRPr lang="zh-CN" altLang="en-US" dirty="0">
+                        <a:solidFill>
+                          <a:sysClr val="windowText" lastClr="000000"/>
+                        </a:solidFill>
+                      </a:endParaRPr>
+                    </a:p>
+                  </a:txBody>
+                  <a:tcPr>
+                    <a:noFill/>
+                  </a:tcPr>
+                </a:tc>
+                <a:tc rowSpan="2">
+                  <a:txBody>
+                    <a:bodyPr/>
+                    <a:lstStyle/>
+                    <a:p>
+                      <a:pPr algn="ctr"/>
+                      <a:endParaRPr lang="de-DE" altLang="zh-CN" dirty="0" smtClean="0">
+                        <a:solidFill>
+                          <a:sysClr val="windowText" lastClr="000000"/>
+                        </a:solidFill>
+                      </a:endParaRPr>
+                    </a:p>
+                    <a:p>
+                      <a:pPr algn="ctr"/>
+                      <a:r>
+                        <a:rPr lang="de-DE" altLang="zh-CN" dirty="0" smtClean="0">
+                          <a:solidFill>
+                            <a:sysClr val="windowText" lastClr="000000"/>
+                          </a:solidFill>
+                        </a:rPr>
+                        <a:t>Minimum</a:t>
+                      </a:r>
+                      <a:endParaRPr lang="zh-CN" altLang="en-US" dirty="0">
+                        <a:solidFill>
+                          <a:sysClr val="windowText" lastClr="000000"/>
+                        </a:solidFill>
+                      </a:endParaRPr>
+                    </a:p>
+                  </a:txBody>
+                  <a:tcPr>
+                    <a:noFill/>
+                  </a:tcPr>
+                </a:tc>
+                <a:tc>
+                  <a:txBody>
+                    <a:bodyPr/>
+                    <a:lstStyle/>
+                    <a:p>
+                      <a:pPr algn="ctr"/>
+                      <a:r>
+                        <a:rPr lang="de-DE" altLang="zh-CN" dirty="0" smtClean="0">
+                          <a:solidFill>
+                            <a:sysClr val="windowText" lastClr="000000"/>
+                          </a:solidFill>
+                        </a:rPr>
+                        <a:t>1.7µm(</a:t>
+                      </a:r>
+                      <a:r>
+                        <a:rPr lang="el-GR" altLang="zh-CN" dirty="0" smtClean="0">
+                          <a:solidFill>
+                            <a:sysClr val="windowText" lastClr="000000"/>
+                          </a:solidFill>
+                        </a:rPr>
+                        <a:t>λ</a:t>
+                      </a:r>
+                      <a:r>
+                        <a:rPr lang="de-DE" altLang="zh-CN" dirty="0" smtClean="0">
+                          <a:solidFill>
+                            <a:sysClr val="windowText" lastClr="000000"/>
+                          </a:solidFill>
+                        </a:rPr>
+                        <a:t>=1.5µm)</a:t>
+                      </a:r>
+                      <a:endParaRPr lang="zh-CN" altLang="en-US" dirty="0">
+                        <a:solidFill>
+                          <a:sysClr val="windowText" lastClr="000000"/>
+                        </a:solidFill>
+                      </a:endParaRPr>
+                    </a:p>
+                  </a:txBody>
+                  <a:tcPr>
+                    <a:noFill/>
+                  </a:tcPr>
+                </a:tc>
+              </a:tr>
+              <a:tr h="268327">
+                <a:tc vMerge="1">
+                  <a:txBody>
+                    <a:bodyPr/>
+                    <a:lstStyle/>
+                    <a:p>
+                      <a:endParaRPr lang="zh-CN" altLang="en-US" dirty="0">
+                        <a:solidFill>
+                          <a:sysClr val="windowText" lastClr="000000"/>
+                        </a:solidFill>
+                      </a:endParaRPr>
+                    </a:p>
+                  </a:txBody>
+                  <a:tcPr/>
+                </a:tc>
+                <a:tc vMerge="1">
+                  <a:txBody>
+                    <a:bodyPr/>
+                    <a:lstStyle/>
+                    <a:p>
+                      <a:endParaRPr lang="zh-CN" altLang="en-US" dirty="0">
+                        <a:solidFill>
+                          <a:sysClr val="windowText" lastClr="000000"/>
+                        </a:solidFill>
+                      </a:endParaRPr>
+                    </a:p>
+                  </a:txBody>
+                  <a:tcPr/>
+                </a:tc>
+                <a:tc>
+                  <a:txBody>
+                    <a:bodyPr/>
+                    <a:lstStyle/>
+                    <a:p>
+                      <a:pPr marL="0" marR="0" indent="0" algn="ctr" defTabSz="914400" rtl="0" eaLnBrk="1" fontAlgn="auto" latinLnBrk="0" hangingPunct="1">
+                        <a:lnSpc>
+                          <a:spcPct val="100000"/>
+                        </a:lnSpc>
+                        <a:spcBef>
+                          <a:spcPts val="0"/>
+                        </a:spcBef>
+                        <a:spcAft>
+                          <a:spcPts val="0"/>
+                        </a:spcAft>
+                        <a:buClrTx/>
+                        <a:buSzTx/>
+                        <a:buFontTx/>
+                        <a:buNone/>
+                        <a:tabLst/>
+                        <a:defRPr/>
+                      </a:pPr>
+                      <a:r>
+                        <a:rPr lang="de-DE" altLang="zh-CN" dirty="0" smtClean="0">
+                          <a:solidFill>
+                            <a:sysClr val="windowText" lastClr="000000"/>
+                          </a:solidFill>
+                        </a:rPr>
+                        <a:t>0.6µm(</a:t>
+                      </a:r>
+                      <a:r>
+                        <a:rPr lang="el-GR" altLang="zh-CN" dirty="0" smtClean="0">
+                          <a:solidFill>
+                            <a:sysClr val="windowText" lastClr="000000"/>
+                          </a:solidFill>
+                        </a:rPr>
+                        <a:t>λ</a:t>
+                      </a:r>
+                      <a:r>
+                        <a:rPr lang="de-DE" altLang="zh-CN" dirty="0" smtClean="0">
+                          <a:solidFill>
+                            <a:sysClr val="windowText" lastClr="000000"/>
+                          </a:solidFill>
+                        </a:rPr>
+                        <a:t>=0.5µm)</a:t>
+                      </a:r>
+                      <a:endParaRPr lang="zh-CN" altLang="en-US" dirty="0" smtClean="0">
+                        <a:solidFill>
+                          <a:sysClr val="windowText" lastClr="000000"/>
+                        </a:solidFill>
+                      </a:endParaRPr>
+                    </a:p>
+                  </a:txBody>
+                  <a:tcPr>
+                    <a:noFill/>
+                  </a:tcPr>
+                </a:tc>
+              </a:tr>
+              <a:tr h="268327">
+                <a:tc vMerge="1">
+                  <a:txBody>
+                    <a:bodyPr/>
+                    <a:lstStyle/>
+                    <a:p>
+                      <a:endParaRPr lang="zh-CN" altLang="en-US" dirty="0">
+                        <a:solidFill>
+                          <a:sysClr val="windowText" lastClr="000000"/>
+                        </a:solidFill>
+                      </a:endParaRPr>
+                    </a:p>
+                  </a:txBody>
+                  <a:tcPr/>
+                </a:tc>
+                <a:tc>
+                  <a:txBody>
+                    <a:bodyPr/>
+                    <a:lstStyle/>
+                    <a:p>
+                      <a:pPr algn="ctr"/>
+                      <a:r>
+                        <a:rPr lang="de-DE" altLang="zh-CN" dirty="0" smtClean="0">
+                          <a:solidFill>
+                            <a:sysClr val="windowText" lastClr="000000"/>
+                          </a:solidFill>
+                        </a:rPr>
+                        <a:t>Maximum</a:t>
+                      </a:r>
+                      <a:endParaRPr lang="zh-CN" altLang="en-US" dirty="0">
+                        <a:solidFill>
+                          <a:sysClr val="windowText" lastClr="000000"/>
+                        </a:solidFill>
+                      </a:endParaRPr>
+                    </a:p>
+                  </a:txBody>
+                  <a:tcPr>
+                    <a:noFill/>
+                  </a:tcPr>
+                </a:tc>
+                <a:tc>
+                  <a:txBody>
+                    <a:bodyPr/>
+                    <a:lstStyle/>
+                    <a:p>
+                      <a:pPr marL="0" marR="0" indent="0" algn="ctr" defTabSz="914400" rtl="0" eaLnBrk="1" fontAlgn="auto" latinLnBrk="0" hangingPunct="1">
+                        <a:lnSpc>
+                          <a:spcPct val="100000"/>
+                        </a:lnSpc>
+                        <a:spcBef>
+                          <a:spcPts val="0"/>
+                        </a:spcBef>
+                        <a:spcAft>
+                          <a:spcPts val="0"/>
+                        </a:spcAft>
+                        <a:buClrTx/>
+                        <a:buSzTx/>
+                        <a:buFontTx/>
+                        <a:buNone/>
+                        <a:tabLst/>
+                        <a:defRPr/>
+                      </a:pPr>
+                      <a:r>
+                        <a:rPr lang="de-DE" altLang="zh-CN" dirty="0" smtClean="0">
+                          <a:solidFill>
+                            <a:sysClr val="windowText" lastClr="000000"/>
+                          </a:solidFill>
+                        </a:rPr>
+                        <a:t>6.0µm(</a:t>
+                      </a:r>
+                      <a:r>
+                        <a:rPr lang="el-GR" altLang="zh-CN" dirty="0" smtClean="0">
+                          <a:solidFill>
+                            <a:sysClr val="windowText" lastClr="000000"/>
+                          </a:solidFill>
+                        </a:rPr>
+                        <a:t>λ</a:t>
+                      </a:r>
+                      <a:r>
+                        <a:rPr lang="de-DE" altLang="zh-CN" dirty="0" smtClean="0">
+                          <a:solidFill>
+                            <a:sysClr val="windowText" lastClr="000000"/>
+                          </a:solidFill>
+                        </a:rPr>
+                        <a:t>=1.5µm)</a:t>
+                      </a:r>
+                      <a:endParaRPr lang="zh-CN" altLang="en-US" dirty="0" smtClean="0">
+                        <a:solidFill>
+                          <a:sysClr val="windowText" lastClr="000000"/>
+                        </a:solidFill>
+                      </a:endParaRPr>
+                    </a:p>
+                  </a:txBody>
+                  <a:tcPr>
+                    <a:noFill/>
+                  </a:tcPr>
+                </a:tc>
+              </a:tr>
+              <a:tr h="661629">
+                <a:tc rowSpan="2">
+                  <a:txBody>
+                    <a:bodyPr/>
+                    <a:lstStyle/>
+                    <a:p>
+                      <a:pPr marL="0" marR="0" indent="0" algn="ctr" defTabSz="914400" rtl="0" eaLnBrk="1" fontAlgn="auto" latinLnBrk="0" hangingPunct="1">
+                        <a:lnSpc>
+                          <a:spcPct val="100000"/>
+                        </a:lnSpc>
+                        <a:spcBef>
+                          <a:spcPts val="0"/>
+                        </a:spcBef>
+                        <a:spcAft>
+                          <a:spcPts val="0"/>
+                        </a:spcAft>
+                        <a:buClrTx/>
+                        <a:buSzTx/>
+                        <a:buFontTx/>
+                        <a:buNone/>
+                        <a:tabLst/>
+                        <a:defRPr/>
+                      </a:pPr>
+                      <a:endParaRPr lang="de-DE" altLang="zh-CN" dirty="0" smtClean="0">
+                        <a:solidFill>
+                          <a:sysClr val="windowText" lastClr="000000"/>
+                        </a:solidFill>
+                      </a:endParaRPr>
+                    </a:p>
+                    <a:p>
+                      <a:pPr marL="0" marR="0" indent="0" algn="ctr" defTabSz="914400" rtl="0" eaLnBrk="1" fontAlgn="auto" latinLnBrk="0" hangingPunct="1">
+                        <a:lnSpc>
+                          <a:spcPct val="100000"/>
+                        </a:lnSpc>
+                        <a:spcBef>
+                          <a:spcPts val="0"/>
+                        </a:spcBef>
+                        <a:spcAft>
+                          <a:spcPts val="0"/>
+                        </a:spcAft>
+                        <a:buClrTx/>
+                        <a:buSzTx/>
+                        <a:buFontTx/>
+                        <a:buNone/>
+                        <a:tabLst/>
+                        <a:defRPr/>
+                      </a:pPr>
+                      <a:r>
+                        <a:rPr lang="de-DE" altLang="zh-CN" dirty="0" smtClean="0">
+                          <a:solidFill>
+                            <a:sysClr val="windowText" lastClr="000000"/>
+                          </a:solidFill>
+                        </a:rPr>
+                        <a:t>Spot </a:t>
+                      </a:r>
+                      <a:r>
+                        <a:rPr lang="de-DE" altLang="zh-CN" dirty="0" err="1" smtClean="0">
+                          <a:solidFill>
+                            <a:sysClr val="windowText" lastClr="000000"/>
+                          </a:solidFill>
+                        </a:rPr>
+                        <a:t>size</a:t>
+                      </a:r>
+                      <a:r>
+                        <a:rPr lang="de-DE" altLang="zh-CN" dirty="0" smtClean="0">
+                          <a:solidFill>
+                            <a:sysClr val="windowText" lastClr="000000"/>
+                          </a:solidFill>
+                        </a:rPr>
+                        <a:t> </a:t>
+                      </a:r>
+                      <a:r>
+                        <a:rPr lang="de-DE" altLang="zh-CN" dirty="0" err="1" smtClean="0">
+                          <a:solidFill>
+                            <a:sysClr val="windowText" lastClr="000000"/>
+                          </a:solidFill>
+                        </a:rPr>
+                        <a:t>Tolerence</a:t>
+                      </a:r>
+                      <a:endParaRPr lang="zh-CN" altLang="en-US" dirty="0" smtClean="0">
+                        <a:solidFill>
+                          <a:sysClr val="windowText" lastClr="000000"/>
+                        </a:solidFill>
+                      </a:endParaRPr>
+                    </a:p>
+                  </a:txBody>
+                  <a:tcPr>
+                    <a:noFill/>
+                  </a:tcPr>
+                </a:tc>
+                <a:tc>
+                  <a:txBody>
+                    <a:bodyPr/>
+                    <a:lstStyle/>
+                    <a:p>
+                      <a:pPr marL="0" marR="0" indent="0" algn="ctr" defTabSz="914400" rtl="0" eaLnBrk="1" fontAlgn="auto" latinLnBrk="0" hangingPunct="1">
+                        <a:lnSpc>
+                          <a:spcPct val="100000"/>
+                        </a:lnSpc>
+                        <a:spcBef>
+                          <a:spcPts val="0"/>
+                        </a:spcBef>
+                        <a:spcAft>
+                          <a:spcPts val="0"/>
+                        </a:spcAft>
+                        <a:buClrTx/>
+                        <a:buSzTx/>
+                        <a:buFontTx/>
+                        <a:buNone/>
+                        <a:tabLst/>
+                        <a:defRPr/>
+                      </a:pPr>
+                      <a:r>
+                        <a:rPr lang="de-DE" altLang="zh-CN" dirty="0" err="1" smtClean="0">
+                          <a:solidFill>
+                            <a:sysClr val="windowText" lastClr="000000"/>
+                          </a:solidFill>
+                        </a:rPr>
+                        <a:t>Without</a:t>
+                      </a:r>
+                      <a:r>
+                        <a:rPr lang="de-DE" altLang="zh-CN" dirty="0" smtClean="0">
+                          <a:solidFill>
+                            <a:sysClr val="windowText" lastClr="000000"/>
+                          </a:solidFill>
+                        </a:rPr>
+                        <a:t> </a:t>
+                      </a:r>
+                      <a:r>
+                        <a:rPr lang="de-DE" altLang="zh-CN" dirty="0" err="1" smtClean="0">
+                          <a:solidFill>
+                            <a:sysClr val="windowText" lastClr="000000"/>
+                          </a:solidFill>
+                        </a:rPr>
+                        <a:t>near-field</a:t>
+                      </a:r>
+                      <a:r>
+                        <a:rPr lang="de-DE" altLang="zh-CN" baseline="0" dirty="0" smtClean="0">
+                          <a:solidFill>
+                            <a:sysClr val="windowText" lastClr="000000"/>
+                          </a:solidFill>
+                        </a:rPr>
+                        <a:t> </a:t>
+                      </a:r>
+                      <a:r>
+                        <a:rPr lang="de-DE" altLang="zh-CN" baseline="0" dirty="0" err="1" smtClean="0">
+                          <a:solidFill>
+                            <a:sysClr val="windowText" lastClr="000000"/>
+                          </a:solidFill>
+                        </a:rPr>
+                        <a:t>characterization</a:t>
+                      </a:r>
+                      <a:endParaRPr lang="zh-CN" altLang="en-US" dirty="0" smtClean="0">
+                        <a:solidFill>
+                          <a:sysClr val="windowText" lastClr="000000"/>
+                        </a:solidFill>
+                      </a:endParaRPr>
+                    </a:p>
+                  </a:txBody>
+                  <a:tcPr>
+                    <a:noFill/>
+                  </a:tcPr>
+                </a:tc>
+                <a:tc>
+                  <a:txBody>
+                    <a:bodyPr/>
+                    <a:lstStyle/>
+                    <a:p>
+                      <a:pPr algn="ctr"/>
+                      <a:endParaRPr lang="de-DE" altLang="zh-CN" dirty="0" smtClean="0">
+                        <a:solidFill>
+                          <a:sysClr val="windowText" lastClr="000000"/>
+                        </a:solidFill>
+                      </a:endParaRPr>
+                    </a:p>
+                    <a:p>
+                      <a:pPr algn="ctr"/>
+                      <a:r>
+                        <a:rPr lang="de-DE" altLang="zh-CN" dirty="0" smtClean="0">
+                          <a:solidFill>
+                            <a:sysClr val="windowText" lastClr="000000"/>
+                          </a:solidFill>
+                        </a:rPr>
+                        <a:t>    ±0.5µm</a:t>
+                      </a:r>
+                      <a:endParaRPr lang="zh-CN" altLang="en-US" dirty="0">
+                        <a:solidFill>
+                          <a:sysClr val="windowText" lastClr="000000"/>
+                        </a:solidFill>
+                      </a:endParaRPr>
+                    </a:p>
+                  </a:txBody>
+                  <a:tcPr>
+                    <a:noFill/>
+                  </a:tcPr>
+                </a:tc>
+              </a:tr>
+              <a:tr h="463140">
+                <a:tc vMerge="1">
+                  <a:txBody>
+                    <a:bodyPr/>
+                    <a:lstStyle/>
+                    <a:p>
+                      <a:pPr algn="ctr"/>
+                      <a:endParaRPr lang="zh-CN" altLang="en-US" dirty="0">
+                        <a:solidFill>
+                          <a:sysClr val="windowText" lastClr="000000"/>
+                        </a:solidFill>
+                      </a:endParaRPr>
+                    </a:p>
+                  </a:txBody>
+                  <a:tcPr>
+                    <a:noFill/>
+                  </a:tcPr>
+                </a:tc>
+                <a:tc>
+                  <a:txBody>
+                    <a:bodyPr/>
+                    <a:lstStyle/>
+                    <a:p>
+                      <a:pPr algn="ctr"/>
+                      <a:r>
+                        <a:rPr lang="de-DE" altLang="zh-CN" dirty="0" err="1" smtClean="0">
+                          <a:solidFill>
+                            <a:sysClr val="windowText" lastClr="000000"/>
+                          </a:solidFill>
+                        </a:rPr>
+                        <a:t>With</a:t>
+                      </a:r>
+                      <a:r>
+                        <a:rPr lang="de-DE" altLang="zh-CN" dirty="0" smtClean="0">
+                          <a:solidFill>
+                            <a:sysClr val="windowText" lastClr="000000"/>
+                          </a:solidFill>
+                        </a:rPr>
+                        <a:t> </a:t>
+                      </a:r>
+                      <a:r>
+                        <a:rPr lang="de-DE" altLang="zh-CN" dirty="0" err="1" smtClean="0">
+                          <a:solidFill>
+                            <a:sysClr val="windowText" lastClr="000000"/>
+                          </a:solidFill>
+                        </a:rPr>
+                        <a:t>near-field</a:t>
+                      </a:r>
+                      <a:r>
+                        <a:rPr lang="de-DE" altLang="zh-CN" baseline="0" dirty="0" smtClean="0">
+                          <a:solidFill>
+                            <a:sysClr val="windowText" lastClr="000000"/>
+                          </a:solidFill>
+                        </a:rPr>
+                        <a:t> </a:t>
+                      </a:r>
+                      <a:r>
+                        <a:rPr lang="de-DE" altLang="zh-CN" baseline="0" dirty="0" err="1" smtClean="0">
+                          <a:solidFill>
+                            <a:sysClr val="windowText" lastClr="000000"/>
+                          </a:solidFill>
+                        </a:rPr>
+                        <a:t>characterization</a:t>
+                      </a:r>
+                      <a:endParaRPr lang="zh-CN" altLang="en-US" dirty="0">
+                        <a:solidFill>
+                          <a:sysClr val="windowText" lastClr="000000"/>
+                        </a:solidFill>
+                      </a:endParaRPr>
+                    </a:p>
+                  </a:txBody>
+                  <a:tcPr>
+                    <a:noFill/>
+                  </a:tcPr>
+                </a:tc>
+                <a:tc>
+                  <a:txBody>
+                    <a:bodyPr/>
+                    <a:lstStyle/>
+                    <a:p>
+                      <a:pPr marL="0" marR="0" indent="0" algn="ctr" defTabSz="914400" rtl="0" eaLnBrk="1" fontAlgn="auto" latinLnBrk="0" hangingPunct="1">
+                        <a:lnSpc>
+                          <a:spcPct val="100000"/>
+                        </a:lnSpc>
+                        <a:spcBef>
+                          <a:spcPts val="0"/>
+                        </a:spcBef>
+                        <a:spcAft>
+                          <a:spcPts val="0"/>
+                        </a:spcAft>
+                        <a:buClrTx/>
+                        <a:buSzTx/>
+                        <a:buFontTx/>
+                        <a:buNone/>
+                        <a:tabLst/>
+                        <a:defRPr/>
+                      </a:pPr>
+                      <a:r>
+                        <a:rPr lang="de-DE" altLang="zh-CN" dirty="0" smtClean="0">
+                          <a:solidFill>
+                            <a:sysClr val="windowText" lastClr="000000"/>
+                          </a:solidFill>
+                        </a:rPr>
+                        <a:t>    ±0.25µm</a:t>
+                      </a:r>
+                      <a:endParaRPr lang="zh-CN" altLang="en-US" dirty="0" smtClean="0">
+                        <a:solidFill>
+                          <a:sysClr val="windowText" lastClr="000000"/>
+                        </a:solidFill>
+                      </a:endParaRPr>
+                    </a:p>
+                    <a:p>
+                      <a:pPr algn="ctr"/>
+                      <a:endParaRPr lang="zh-CN" altLang="en-US" dirty="0">
+                        <a:solidFill>
+                          <a:sysClr val="windowText" lastClr="000000"/>
+                        </a:solidFill>
+                      </a:endParaRPr>
+                    </a:p>
+                  </a:txBody>
+                  <a:tcPr>
+                    <a:noFill/>
+                  </a:tcPr>
+                </a:tc>
+              </a:tr>
+              <a:tr h="268327">
+                <a:tc rowSpan="2">
+                  <a:txBody>
+                    <a:bodyPr/>
+                    <a:lstStyle/>
+                    <a:p>
+                      <a:pPr algn="ctr"/>
+                      <a:r>
+                        <a:rPr lang="de-DE" altLang="zh-CN" dirty="0" smtClean="0">
+                          <a:solidFill>
+                            <a:sysClr val="windowText" lastClr="000000"/>
+                          </a:solidFill>
+                        </a:rPr>
+                        <a:t>Working </a:t>
+                      </a:r>
+                      <a:r>
+                        <a:rPr lang="de-DE" altLang="zh-CN" dirty="0" err="1" smtClean="0">
+                          <a:solidFill>
+                            <a:sysClr val="windowText" lastClr="000000"/>
+                          </a:solidFill>
+                        </a:rPr>
+                        <a:t>Distance</a:t>
+                      </a:r>
+                      <a:endParaRPr lang="zh-CN" altLang="en-US" dirty="0">
+                        <a:solidFill>
+                          <a:sysClr val="windowText" lastClr="000000"/>
+                        </a:solidFill>
+                      </a:endParaRPr>
+                    </a:p>
+                  </a:txBody>
+                  <a:tcPr>
+                    <a:noFill/>
+                  </a:tcPr>
+                </a:tc>
+                <a:tc>
+                  <a:txBody>
+                    <a:bodyPr/>
+                    <a:lstStyle/>
+                    <a:p>
+                      <a:pPr algn="ctr"/>
+                      <a:r>
+                        <a:rPr lang="de-DE" altLang="zh-CN" dirty="0" smtClean="0">
+                          <a:solidFill>
+                            <a:sysClr val="windowText" lastClr="000000"/>
+                          </a:solidFill>
+                        </a:rPr>
+                        <a:t>Minimum</a:t>
+                      </a:r>
+                      <a:endParaRPr lang="zh-CN" altLang="en-US" dirty="0">
+                        <a:solidFill>
+                          <a:sysClr val="windowText" lastClr="000000"/>
+                        </a:solidFill>
+                      </a:endParaRPr>
+                    </a:p>
+                  </a:txBody>
+                  <a:tcPr>
+                    <a:noFill/>
+                  </a:tcPr>
+                </a:tc>
+                <a:tc>
+                  <a:txBody>
+                    <a:bodyPr/>
+                    <a:lstStyle/>
+                    <a:p>
+                      <a:pPr algn="ctr"/>
+                      <a:r>
+                        <a:rPr lang="de-DE" altLang="zh-CN" dirty="0" smtClean="0">
+                          <a:solidFill>
+                            <a:sysClr val="windowText" lastClr="000000"/>
+                          </a:solidFill>
+                        </a:rPr>
+                        <a:t>5µm (</a:t>
+                      </a:r>
+                      <a:r>
+                        <a:rPr lang="el-GR" altLang="zh-CN" dirty="0" smtClean="0">
+                          <a:solidFill>
+                            <a:sysClr val="windowText" lastClr="000000"/>
+                          </a:solidFill>
+                        </a:rPr>
+                        <a:t>λ</a:t>
+                      </a:r>
+                      <a:r>
+                        <a:rPr lang="de-DE" altLang="zh-CN" dirty="0" smtClean="0">
+                          <a:solidFill>
+                            <a:sysClr val="windowText" lastClr="000000"/>
+                          </a:solidFill>
+                        </a:rPr>
+                        <a:t>=1.5µm</a:t>
+                      </a:r>
+                      <a:r>
+                        <a:rPr lang="de-DE" altLang="zh-CN" dirty="0" smtClean="0">
+                          <a:solidFill>
+                            <a:sysClr val="windowText" lastClr="000000"/>
+                          </a:solidFill>
+                        </a:rPr>
+                        <a:t>)</a:t>
+                      </a:r>
+                      <a:endParaRPr lang="zh-CN" altLang="en-US" dirty="0">
+                        <a:solidFill>
+                          <a:sysClr val="windowText" lastClr="000000"/>
+                        </a:solidFill>
+                      </a:endParaRPr>
+                    </a:p>
+                  </a:txBody>
+                  <a:tcPr>
+                    <a:noFill/>
+                  </a:tcPr>
+                </a:tc>
+              </a:tr>
+              <a:tr h="268327">
+                <a:tc vMerge="1">
+                  <a:txBody>
+                    <a:bodyPr/>
+                    <a:lstStyle/>
+                    <a:p>
+                      <a:endParaRPr lang="zh-CN" altLang="en-US" dirty="0">
+                        <a:solidFill>
+                          <a:sysClr val="windowText" lastClr="000000"/>
+                        </a:solidFill>
+                      </a:endParaRPr>
+                    </a:p>
+                  </a:txBody>
+                  <a:tcPr>
+                    <a:noFill/>
+                  </a:tcPr>
+                </a:tc>
+                <a:tc>
+                  <a:txBody>
+                    <a:bodyPr/>
+                    <a:lstStyle/>
+                    <a:p>
+                      <a:pPr algn="ctr"/>
+                      <a:r>
+                        <a:rPr lang="de-DE" altLang="zh-CN" dirty="0" smtClean="0">
+                          <a:solidFill>
+                            <a:sysClr val="windowText" lastClr="000000"/>
+                          </a:solidFill>
+                        </a:rPr>
+                        <a:t>Maximum</a:t>
+                      </a:r>
+                      <a:endParaRPr lang="zh-CN" altLang="en-US" dirty="0">
+                        <a:solidFill>
+                          <a:sysClr val="windowText" lastClr="000000"/>
+                        </a:solidFill>
+                      </a:endParaRPr>
+                    </a:p>
+                  </a:txBody>
+                  <a:tcPr>
+                    <a:noFill/>
+                  </a:tcPr>
+                </a:tc>
+                <a:tc>
+                  <a:txBody>
+                    <a:bodyPr/>
+                    <a:lstStyle/>
+                    <a:p>
+                      <a:pPr marL="0" marR="0" indent="0" algn="ctr" defTabSz="914400" rtl="0" eaLnBrk="1" fontAlgn="auto" latinLnBrk="0" hangingPunct="1">
+                        <a:lnSpc>
+                          <a:spcPct val="100000"/>
+                        </a:lnSpc>
+                        <a:spcBef>
+                          <a:spcPts val="0"/>
+                        </a:spcBef>
+                        <a:spcAft>
+                          <a:spcPts val="0"/>
+                        </a:spcAft>
+                        <a:buClrTx/>
+                        <a:buSzTx/>
+                        <a:buFontTx/>
+                        <a:buNone/>
+                        <a:tabLst/>
+                        <a:defRPr/>
+                      </a:pPr>
+                      <a:r>
+                        <a:rPr lang="de-DE" altLang="zh-CN" dirty="0" smtClean="0">
+                          <a:solidFill>
+                            <a:sysClr val="windowText" lastClr="000000"/>
+                          </a:solidFill>
+                        </a:rPr>
+                        <a:t>50µm (</a:t>
+                      </a:r>
+                      <a:r>
+                        <a:rPr lang="el-GR" altLang="zh-CN" dirty="0" smtClean="0">
+                          <a:solidFill>
+                            <a:sysClr val="windowText" lastClr="000000"/>
+                          </a:solidFill>
+                        </a:rPr>
+                        <a:t>λ</a:t>
+                      </a:r>
+                      <a:r>
+                        <a:rPr lang="de-DE" altLang="zh-CN" dirty="0" smtClean="0">
+                          <a:solidFill>
+                            <a:sysClr val="windowText" lastClr="000000"/>
+                          </a:solidFill>
+                        </a:rPr>
+                        <a:t>=1.5µm)</a:t>
+                      </a:r>
+                      <a:endParaRPr lang="zh-CN" altLang="en-US" dirty="0" smtClean="0">
+                        <a:solidFill>
+                          <a:sysClr val="windowText" lastClr="000000"/>
+                        </a:solidFill>
+                      </a:endParaRPr>
+                    </a:p>
+                  </a:txBody>
+                  <a:tcPr>
+                    <a:noFill/>
+                  </a:tcPr>
+                </a:tc>
+              </a:tr>
+            </a:tbl>
+          </a:graphicData>
+        </a:graphic>
+      </p:graphicFrame>
+      <p:sp>
+        <p:nvSpPr>
+          <p:cNvPr id="9" name="Titel 1"/>
+          <p:cNvSpPr txBox="1">
+            <a:spLocks/>
+          </p:cNvSpPr>
+          <p:nvPr/>
+        </p:nvSpPr>
+        <p:spPr bwMode="auto">
+          <a:xfrm>
+            <a:off x="-71470" y="6240801"/>
+            <a:ext cx="5387980" cy="331471"/>
+          </a:xfrm>
+          <a:prstGeom prst="rect">
+            <a:avLst/>
+          </a:prstGeom>
+          <a:noFill/>
+          <a:ln w="9525">
+            <a:noFill/>
+            <a:miter lim="800000"/>
+            <a:headEnd/>
+            <a:tailEnd/>
+          </a:ln>
+        </p:spPr>
+        <p:txBody>
+          <a:bodyPr vert="horz" wrap="square" lIns="86822" tIns="43411" rIns="86822" bIns="43411" numCol="1" anchor="b" anchorCtr="0" compatLnSpc="1">
+            <a:prstTxWarp prst="textNoShape">
+              <a:avLst/>
+            </a:prstTxWarp>
+          </a:bodyPr>
+          <a:lstStyle/>
+          <a:p>
+            <a:pPr lvl="0" algn="r" defTabSz="862013">
+              <a:spcBef>
+                <a:spcPct val="0"/>
+              </a:spcBef>
+            </a:pPr>
+            <a:r>
+              <a:rPr lang="de-DE" altLang="zh-CN" sz="1800" kern="0" dirty="0" err="1" smtClean="0">
+                <a:solidFill>
+                  <a:srgbClr val="C61829"/>
+                </a:solidFill>
+                <a:latin typeface="+mj-lt"/>
+                <a:ea typeface="宋体" pitchFamily="2" charset="-122"/>
+                <a:cs typeface="+mj-cs"/>
+              </a:rPr>
+              <a:t>Source:http</a:t>
+            </a:r>
+            <a:r>
+              <a:rPr lang="de-DE" altLang="zh-CN" sz="1800" kern="0" dirty="0" smtClean="0">
+                <a:solidFill>
+                  <a:srgbClr val="C61829"/>
+                </a:solidFill>
+                <a:latin typeface="+mj-lt"/>
+                <a:ea typeface="宋体" pitchFamily="2" charset="-122"/>
+                <a:cs typeface="+mj-cs"/>
+              </a:rPr>
+              <a:t>://</a:t>
+            </a:r>
+            <a:r>
+              <a:rPr lang="de-DE" altLang="zh-CN" sz="1800" kern="0" dirty="0" smtClean="0">
+                <a:solidFill>
+                  <a:srgbClr val="C61829"/>
+                </a:solidFill>
+                <a:latin typeface="+mj-lt"/>
+                <a:ea typeface="宋体" pitchFamily="2" charset="-122"/>
+                <a:cs typeface="+mj-cs"/>
+              </a:rPr>
+              <a:t>www.nanonics.co.il/lensed-fibers.html</a:t>
+            </a:r>
+            <a:endParaRPr kumimoji="0" lang="zh-CN" altLang="en-US" sz="1800" b="0" i="0" u="none" strike="noStrike" kern="0" cap="none" spc="0" normalizeH="0" baseline="0" noProof="0" dirty="0">
+              <a:ln>
+                <a:noFill/>
+              </a:ln>
+              <a:solidFill>
+                <a:schemeClr val="tx2"/>
+              </a:solidFill>
+              <a:effectLst/>
+              <a:uLnTx/>
+              <a:uFillTx/>
+              <a:latin typeface="+mj-lt"/>
+              <a:ea typeface="+mj-ea"/>
+              <a:cs typeface="+mj-cs"/>
+            </a:endParaRPr>
+          </a:p>
+        </p:txBody>
+      </p:sp>
+    </p:spTree>
+  </p:cSld>
+  <p:clrMapOvr>
+    <a:masterClrMapping/>
+  </p:clrMapOvr>
+  <p:transition>
+    <p:zoom/>
+  </p:transition>
+</p:sld>
+</file>
+
+<file path=ppt/slides/slide6.xml><?xml version="1.0" encoding="utf-8"?>
+<p:sld xmlns:a="http://schemas.openxmlformats.org/drawingml/2006/main" xmlns:r="http://schemas.openxmlformats.org/officeDocument/2006/relationships" xmlns:p="http://schemas.openxmlformats.org/presentationml/2006/main">
+  <p:cSld>
+    <p:spTree>
+      <p:nvGrpSpPr>
+        <p:cNvPr id="1" name=""/>
+        <p:cNvGrpSpPr/>
+        <p:nvPr/>
+      </p:nvGrpSpPr>
+      <p:grpSpPr>
+        <a:xfrm>
+          <a:off x="0" y="0"/>
+          <a:ext cx="0" cy="0"/>
+          <a:chOff x="0" y="0"/>
+          <a:chExt cx="0" cy="0"/>
+        </a:xfrm>
+      </p:grpSpPr>
+      <p:sp>
+        <p:nvSpPr>
+          <p:cNvPr id="2" name="Titel 1"/>
+          <p:cNvSpPr>
+            <a:spLocks noGrp="1"/>
+          </p:cNvSpPr>
+          <p:nvPr>
+            <p:ph type="title"/>
+          </p:nvPr>
+        </p:nvSpPr>
+        <p:spPr/>
+        <p:txBody>
+          <a:bodyPr/>
+          <a:lstStyle/>
+          <a:p>
+            <a:r>
+              <a:rPr lang="en-US" altLang="zh-CN" sz="3600" dirty="0" smtClean="0">
+                <a:solidFill>
+                  <a:srgbClr val="C61829"/>
+                </a:solidFill>
+                <a:ea typeface="宋体" pitchFamily="2" charset="-122"/>
+              </a:rPr>
+              <a:t>Project Introduction</a:t>
+            </a:r>
+            <a:endParaRPr lang="zh-CN" altLang="en-US" dirty="0"/>
+          </a:p>
+        </p:txBody>
+      </p:sp>
+      <p:sp>
+        <p:nvSpPr>
+          <p:cNvPr id="3" name="Inhaltsplatzhalter 2"/>
+          <p:cNvSpPr>
+            <a:spLocks noGrp="1"/>
+          </p:cNvSpPr>
+          <p:nvPr>
+            <p:ph idx="1"/>
+          </p:nvPr>
+        </p:nvSpPr>
+        <p:spPr/>
+        <p:txBody>
+          <a:bodyPr/>
+          <a:lstStyle/>
+          <a:p>
+            <a:r>
+              <a:rPr lang="de-DE" altLang="zh-CN" dirty="0" err="1" smtClean="0"/>
+              <a:t>Waveguide</a:t>
+            </a:r>
+            <a:endParaRPr lang="de-DE" altLang="zh-CN" dirty="0" smtClean="0"/>
+          </a:p>
+          <a:p>
+            <a:endParaRPr lang="de-DE" altLang="zh-CN" dirty="0" smtClean="0"/>
+          </a:p>
+          <a:p>
+            <a:pPr lvl="1"/>
+            <a:r>
+              <a:rPr lang="de-DE" altLang="zh-CN" dirty="0" smtClean="0"/>
+              <a:t>Working </a:t>
+            </a:r>
+            <a:r>
+              <a:rPr lang="en-US" altLang="zh-CN" dirty="0" smtClean="0"/>
+              <a:t>wavelength :</a:t>
+            </a:r>
+            <a:r>
+              <a:rPr lang="el-GR" altLang="zh-CN" dirty="0" smtClean="0"/>
+              <a:t>λ</a:t>
+            </a:r>
+            <a:r>
+              <a:rPr lang="en-US" altLang="zh-CN" dirty="0" smtClean="0"/>
+              <a:t>=1064nm</a:t>
+            </a:r>
+          </a:p>
+          <a:p>
+            <a:pPr lvl="1"/>
+            <a:endParaRPr lang="en-US" altLang="zh-CN" dirty="0" smtClean="0"/>
+          </a:p>
+          <a:p>
+            <a:pPr lvl="1"/>
+            <a:r>
+              <a:rPr lang="de-DE" altLang="zh-CN" dirty="0" err="1" smtClean="0"/>
+              <a:t>Waveguide</a:t>
+            </a:r>
+            <a:r>
+              <a:rPr lang="de-DE" altLang="zh-CN" dirty="0" smtClean="0"/>
+              <a:t>: LiNbO</a:t>
+            </a:r>
+            <a:r>
+              <a:rPr lang="de-DE" altLang="zh-CN" sz="1200" dirty="0" smtClean="0"/>
+              <a:t>3</a:t>
+            </a:r>
+            <a:r>
+              <a:rPr lang="de-DE" altLang="zh-CN" dirty="0" smtClean="0"/>
+              <a:t> </a:t>
+            </a:r>
+            <a:r>
+              <a:rPr lang="de-DE" altLang="zh-CN" dirty="0" err="1" smtClean="0"/>
+              <a:t>with</a:t>
+            </a:r>
+            <a:r>
+              <a:rPr lang="de-DE" altLang="zh-CN" dirty="0" smtClean="0"/>
+              <a:t> n</a:t>
+            </a:r>
+            <a:r>
+              <a:rPr lang="de-DE" altLang="zh-CN" sz="1200" dirty="0" smtClean="0"/>
+              <a:t>1</a:t>
+            </a:r>
+            <a:r>
+              <a:rPr lang="de-DE" altLang="zh-CN" dirty="0" smtClean="0"/>
+              <a:t>=2.516,</a:t>
+            </a:r>
+            <a:endParaRPr lang="de-DE" altLang="zh-CN" dirty="0" smtClean="0"/>
+          </a:p>
+          <a:p>
+            <a:pPr lvl="1">
+              <a:buNone/>
+            </a:pPr>
+            <a:r>
+              <a:rPr lang="de-DE" altLang="zh-CN" dirty="0" smtClean="0"/>
+              <a:t>                         w≈1µm, h</a:t>
+            </a:r>
+            <a:r>
+              <a:rPr lang="de-DE" altLang="zh-CN" dirty="0" smtClean="0"/>
+              <a:t> ≈ </a:t>
+            </a:r>
+            <a:r>
+              <a:rPr lang="de-DE" altLang="zh-CN" dirty="0" smtClean="0"/>
+              <a:t>0.5µm</a:t>
+            </a:r>
+          </a:p>
+          <a:p>
+            <a:pPr lvl="1"/>
+            <a:endParaRPr lang="de-DE" altLang="zh-CN" dirty="0" smtClean="0"/>
+          </a:p>
+          <a:p>
+            <a:pPr lvl="1"/>
+            <a:r>
+              <a:rPr lang="de-DE" altLang="zh-CN" dirty="0" smtClean="0"/>
+              <a:t>Substrate: SiO</a:t>
+            </a:r>
+            <a:r>
+              <a:rPr lang="de-DE" altLang="zh-CN" sz="1200" dirty="0" smtClean="0"/>
+              <a:t>2</a:t>
+            </a:r>
+            <a:r>
+              <a:rPr lang="de-DE" altLang="zh-CN" dirty="0" smtClean="0"/>
+              <a:t> </a:t>
+            </a:r>
+            <a:r>
+              <a:rPr lang="de-DE" altLang="zh-CN" dirty="0" err="1" smtClean="0"/>
+              <a:t>with</a:t>
+            </a:r>
+            <a:r>
+              <a:rPr lang="de-DE" altLang="zh-CN" dirty="0" smtClean="0"/>
+              <a:t> n</a:t>
+            </a:r>
+            <a:r>
+              <a:rPr lang="de-DE" altLang="zh-CN" sz="1200" dirty="0" smtClean="0"/>
+              <a:t>2</a:t>
+            </a:r>
+            <a:r>
+              <a:rPr lang="de-DE" altLang="zh-CN" dirty="0" smtClean="0"/>
+              <a:t>=1.544</a:t>
+            </a:r>
+          </a:p>
+          <a:p>
+            <a:pPr lvl="1">
+              <a:buNone/>
+            </a:pPr>
+            <a:endParaRPr lang="en-US" altLang="zh-CN" dirty="0"/>
+          </a:p>
+        </p:txBody>
+      </p:sp>
+      <p:pic>
+        <p:nvPicPr>
+          <p:cNvPr id="4098" name="Picture 2" descr="F:\Data\leher\SVN\Master_arbeit\Latex\Masterarbeit\bilder\orignial_waveguide.PNG"/>
+          <p:cNvPicPr>
+            <a:picLocks noChangeAspect="1" noChangeArrowheads="1"/>
+          </p:cNvPicPr>
+          <p:nvPr/>
+        </p:nvPicPr>
+        <p:blipFill>
+          <a:blip r:embed="rId3"/>
+          <a:srcRect/>
+          <a:stretch>
+            <a:fillRect/>
+          </a:stretch>
+        </p:blipFill>
+        <p:spPr bwMode="auto">
+          <a:xfrm>
+            <a:off x="6215074" y="1928802"/>
+            <a:ext cx="2362200" cy="1409700"/>
+          </a:xfrm>
+          <a:prstGeom prst="rect">
+            <a:avLst/>
+          </a:prstGeom>
+          <a:noFill/>
+        </p:spPr>
+      </p:pic>
+    </p:spTree>
+  </p:cSld>
+  <p:clrMapOvr>
+    <a:masterClrMapping/>
+  </p:clrMapOvr>
+  <p:transition>
+    <p:zoom/>
+  </p:transition>
+</p:sld>
+</file>
+
+<file path=ppt/slides/slide7.xml><?xml version="1.0" encoding="utf-8"?>
+<p:sld xmlns:a="http://schemas.openxmlformats.org/drawingml/2006/main" xmlns:r="http://schemas.openxmlformats.org/officeDocument/2006/relationships" xmlns:p="http://schemas.openxmlformats.org/presentationml/2006/main">
+  <p:cSld>
+    <p:spTree>
+      <p:nvGrpSpPr>
+        <p:cNvPr id="1" name=""/>
+        <p:cNvGrpSpPr/>
+        <p:nvPr/>
+      </p:nvGrpSpPr>
+      <p:grpSpPr>
+        <a:xfrm>
+          <a:off x="0" y="0"/>
+          <a:ext cx="0" cy="0"/>
+          <a:chOff x="0" y="0"/>
+          <a:chExt cx="0" cy="0"/>
+        </a:xfrm>
+      </p:grpSpPr>
+      <p:sp>
+        <p:nvSpPr>
           <p:cNvPr id="160770" name="Rectangle 2"/>
           <p:cNvSpPr>
             <a:spLocks noGrp="1" noChangeArrowheads="1"/>
@@ -19577,15 +23496,15 @@
           <a:lstStyle/>
           <a:p>
             <a:r>
-              <a:rPr lang="de-DE" altLang="zh-CN" smtClean="0">
+              <a:rPr lang="de-DE" altLang="zh-CN" dirty="0" err="1" smtClean="0">
                 <a:solidFill>
                   <a:srgbClr val="C61829"/>
                 </a:solidFill>
                 <a:ea typeface="宋体" pitchFamily="2" charset="-122"/>
               </a:rPr>
-              <a:t>Übersicht</a:t>
-            </a:r>
-            <a:endParaRPr lang="en-US" altLang="zh-CN" smtClean="0">
+              <a:t>Overview</a:t>
+            </a:r>
+            <a:endParaRPr lang="en-US" altLang="zh-CN" dirty="0" smtClean="0">
               <a:solidFill>
                 <a:srgbClr val="C61829"/>
               </a:solidFill>
@@ -19630,745 +23549,147 @@
               <a:buChar char="ü"/>
             </a:pPr>
             <a:r>
-              <a:rPr lang="de-DE" altLang="zh-CN" sz="3200">
+              <a:rPr lang="de-DE" altLang="zh-CN" sz="3200" dirty="0">
                 <a:solidFill>
                   <a:srgbClr val="C61829"/>
                 </a:solidFill>
                 <a:ea typeface="宋体" pitchFamily="2" charset="-122"/>
               </a:rPr>
-              <a:t> Motivation und Zielsetzung</a:t>
-            </a:r>
-          </a:p>
-          <a:p>
-            <a:pPr defTabSz="758825">
-              <a:buFont typeface="Wingdings" pitchFamily="2" charset="2"/>
-              <a:buChar char="ü"/>
-            </a:pPr>
-            <a:r>
-              <a:rPr lang="de-DE" altLang="zh-CN" sz="3200">
+              <a:t> </a:t>
+            </a:r>
+            <a:r>
+              <a:rPr lang="de-DE" altLang="zh-CN" sz="3200" dirty="0" smtClean="0">
                 <a:solidFill>
                   <a:srgbClr val="C61829"/>
                 </a:solidFill>
                 <a:ea typeface="宋体" pitchFamily="2" charset="-122"/>
               </a:rPr>
-              <a:t> Einleitung CUDA</a:t>
-            </a:r>
-          </a:p>
-          <a:p>
-            <a:pPr defTabSz="758825">
-              <a:buFont typeface="Wingdings" pitchFamily="2" charset="2"/>
-              <a:buChar char="Ø"/>
-            </a:pPr>
-            <a:r>
-              <a:rPr lang="de-DE" altLang="zh-CN" sz="3200">
+              <a:t>M</a:t>
+            </a:r>
+            <a:r>
+              <a:rPr lang="en-US" altLang="zh-CN" sz="3200" dirty="0" err="1" smtClean="0">
                 <a:solidFill>
                   <a:srgbClr val="C61829"/>
                 </a:solidFill>
                 <a:ea typeface="宋体" pitchFamily="2" charset="-122"/>
               </a:rPr>
-              <a:t> Sparse Matrix</a:t>
-            </a:r>
-          </a:p>
-          <a:p>
-            <a:pPr defTabSz="758825">
-              <a:buFont typeface="Wingdings" pitchFamily="2" charset="2"/>
-              <a:buChar char="p"/>
-            </a:pPr>
-            <a:r>
-              <a:rPr lang="de-DE" altLang="zh-CN" sz="3200">
+              <a:t>otivation</a:t>
+            </a:r>
+            <a:r>
+              <a:rPr lang="en-US" altLang="zh-CN" sz="3200" dirty="0" smtClean="0">
                 <a:solidFill>
                   <a:srgbClr val="C61829"/>
                 </a:solidFill>
                 <a:ea typeface="宋体" pitchFamily="2" charset="-122"/>
               </a:rPr>
-              <a:t> IDR(s) Integration</a:t>
-            </a:r>
+              <a:t> and Objective</a:t>
+            </a:r>
+            <a:endParaRPr lang="de-DE" altLang="zh-CN" sz="3200" dirty="0">
+              <a:solidFill>
+                <a:srgbClr val="C61829"/>
+              </a:solidFill>
+              <a:ea typeface="宋体" pitchFamily="2" charset="-122"/>
+            </a:endParaRPr>
           </a:p>
           <a:p>
             <a:pPr defTabSz="758825">
               <a:buFont typeface="Wingdings" pitchFamily="2" charset="2"/>
-              <a:buChar char="p"/>
+              <a:buChar char="ü"/>
             </a:pPr>
             <a:r>
-              <a:rPr lang="de-DE" altLang="zh-CN" sz="3200">
+              <a:rPr lang="de-DE" altLang="zh-CN" sz="3200" dirty="0" err="1" smtClean="0">
                 <a:solidFill>
                   <a:srgbClr val="C61829"/>
                 </a:solidFill>
                 <a:ea typeface="宋体" pitchFamily="2" charset="-122"/>
               </a:rPr>
-              <a:t> Zusammenfassung und </a:t>
-            </a:r>
-            <a:r>
-              <a:rPr lang="de-DE" altLang="zh-CN">
+              <a:t>Pr</a:t>
+            </a:r>
+            <a:r>
+              <a:rPr lang="en-US" altLang="zh-CN" sz="3200" dirty="0" err="1" smtClean="0">
                 <a:solidFill>
                   <a:srgbClr val="C61829"/>
                 </a:solidFill>
                 <a:ea typeface="宋体" pitchFamily="2" charset="-122"/>
               </a:rPr>
-              <a:t>Ausblick</a:t>
-            </a:r>
-            <a:endParaRPr lang="en-US" altLang="zh-CN" sz="3200">
+              <a:t>oject</a:t>
+            </a:r>
+            <a:r>
+              <a:rPr lang="en-US" altLang="zh-CN" sz="3200" dirty="0" smtClean="0">
+                <a:solidFill>
+                  <a:srgbClr val="C61829"/>
+                </a:solidFill>
+                <a:ea typeface="宋体" pitchFamily="2" charset="-122"/>
+              </a:rPr>
+              <a:t> Introduction</a:t>
+            </a:r>
+            <a:endParaRPr lang="de-DE" altLang="zh-CN" sz="3200" dirty="0">
               <a:solidFill>
                 <a:srgbClr val="C61829"/>
               </a:solidFill>
               <a:ea typeface="宋体" pitchFamily="2" charset="-122"/>
             </a:endParaRPr>
           </a:p>
-        </p:txBody>
-      </p:sp>
-    </p:spTree>
-  </p:cSld>
-  <p:clrMapOvr>
-    <a:masterClrMapping/>
-  </p:clrMapOvr>
-  <p:transition>
-    <p:zoom/>
-  </p:transition>
-  <p:timing>
-    <p:tnLst>
-      <p:par>
-        <p:cTn id="1" dur="indefinite" restart="never" nodeType="tmRoot"/>
-      </p:par>
-    </p:tnLst>
-  </p:timing>
-</p:sld>
-</file>
-
-<file path=ppt/slides/slide6.xml><?xml version="1.0" encoding="utf-8"?>
-<p:sld xmlns:a="http://schemas.openxmlformats.org/drawingml/2006/main" xmlns:r="http://schemas.openxmlformats.org/officeDocument/2006/relationships" xmlns:p="http://schemas.openxmlformats.org/presentationml/2006/main">
-  <p:cSld>
-    <p:spTree>
-      <p:nvGrpSpPr>
-        <p:cNvPr id="1" name=""/>
-        <p:cNvGrpSpPr/>
-        <p:nvPr/>
-      </p:nvGrpSpPr>
-      <p:grpSpPr>
-        <a:xfrm>
-          <a:off x="0" y="0"/>
-          <a:ext cx="0" cy="0"/>
-          <a:chOff x="0" y="0"/>
-          <a:chExt cx="0" cy="0"/>
-        </a:xfrm>
-      </p:grpSpPr>
-      <p:sp>
-        <p:nvSpPr>
-          <p:cNvPr id="154626" name="Rectangle 2"/>
-          <p:cNvSpPr>
-            <a:spLocks noGrp="1" noChangeArrowheads="1"/>
-          </p:cNvSpPr>
-          <p:nvPr>
-            <p:ph type="title"/>
-          </p:nvPr>
-        </p:nvSpPr>
-        <p:spPr/>
-        <p:txBody>
-          <a:bodyPr/>
-          <a:lstStyle/>
-          <a:p>
-            <a:r>
-              <a:rPr lang="de-DE" altLang="zh-CN" smtClean="0">
-                <a:ea typeface="宋体" pitchFamily="2" charset="-122"/>
-              </a:rPr>
-              <a:t>Optimierung</a:t>
-            </a:r>
-            <a:endParaRPr lang="en-US" altLang="zh-CN" smtClean="0">
-              <a:ea typeface="宋体" pitchFamily="2" charset="-122"/>
-            </a:endParaRPr>
-          </a:p>
-        </p:txBody>
-      </p:sp>
-      <p:sp>
-        <p:nvSpPr>
-          <p:cNvPr id="154627" name="Rectangle 3"/>
-          <p:cNvSpPr>
-            <a:spLocks noGrp="1" noChangeArrowheads="1"/>
-          </p:cNvSpPr>
-          <p:nvPr>
-            <p:ph type="body" idx="1"/>
-          </p:nvPr>
-        </p:nvSpPr>
-        <p:spPr>
-          <a:xfrm>
-            <a:off x="257175" y="1108075"/>
-            <a:ext cx="4891088" cy="808038"/>
-          </a:xfrm>
-        </p:spPr>
-        <p:txBody>
-          <a:bodyPr/>
-          <a:lstStyle/>
-          <a:p>
-            <a:pPr>
+          <a:p>
+            <a:pPr defTabSz="758825">
               <a:buFont typeface="Wingdings" pitchFamily="2" charset="2"/>
               <a:buChar char="Ø"/>
             </a:pPr>
             <a:r>
-              <a:rPr lang="de-DE" altLang="zh-CN" sz="3200" smtClean="0">
-                <a:solidFill>
-                  <a:schemeClr val="tx1"/>
-                </a:solidFill>
-                <a:ea typeface="宋体" pitchFamily="2" charset="-122"/>
-              </a:rPr>
-              <a:t> Mögliche Strategie:</a:t>
-            </a:r>
-          </a:p>
-        </p:txBody>
-      </p:sp>
-      <p:sp>
-        <p:nvSpPr>
-          <p:cNvPr id="154629" name="Text Box 5"/>
-          <p:cNvSpPr txBox="1">
-            <a:spLocks noChangeArrowheads="1"/>
-          </p:cNvSpPr>
-          <p:nvPr/>
-        </p:nvSpPr>
-        <p:spPr bwMode="auto">
-          <a:xfrm>
-            <a:off x="290513" y="1989138"/>
-            <a:ext cx="4024312" cy="1004887"/>
-          </a:xfrm>
-          <a:prstGeom prst="rect">
-            <a:avLst/>
-          </a:prstGeom>
-          <a:noFill/>
-          <a:ln w="9525" algn="ctr">
-            <a:noFill/>
-            <a:miter lim="800000"/>
-            <a:headEnd/>
-            <a:tailEnd/>
-          </a:ln>
-          <a:effectLst/>
-        </p:spPr>
-        <p:txBody>
-          <a:bodyPr wrap="none">
-            <a:spAutoFit/>
-          </a:bodyPr>
-          <a:lstStyle/>
-          <a:p>
-            <a:pPr defTabSz="758825">
-              <a:buFont typeface="Wingdings" pitchFamily="2" charset="2"/>
-              <a:buChar char="l"/>
-            </a:pPr>
-            <a:r>
-              <a:rPr lang="de-DE" altLang="zh-CN" sz="2400" b="1">
-                <a:ea typeface="宋体" pitchFamily="2" charset="-122"/>
-              </a:rPr>
-              <a:t> Dreiecks-Summierung</a:t>
-            </a:r>
-          </a:p>
-          <a:p>
-            <a:pPr defTabSz="758825">
-              <a:buFont typeface="Wingdings" pitchFamily="2" charset="2"/>
-              <a:buNone/>
-            </a:pPr>
-            <a:r>
-              <a:rPr lang="de-DE" altLang="zh-CN" sz="2400" b="1">
-                <a:ea typeface="宋体" pitchFamily="2" charset="-122"/>
-              </a:rPr>
-              <a:t>   (Summierung in Parallel)</a:t>
-            </a:r>
-            <a:endParaRPr lang="zh-CN" altLang="en-US" sz="2400" b="1">
-              <a:ea typeface="宋体" pitchFamily="2" charset="-122"/>
-            </a:endParaRPr>
-          </a:p>
-        </p:txBody>
-      </p:sp>
-      <p:sp>
-        <p:nvSpPr>
-          <p:cNvPr id="154631" name="Text Box 7"/>
-          <p:cNvSpPr txBox="1">
-            <a:spLocks noChangeArrowheads="1"/>
-          </p:cNvSpPr>
-          <p:nvPr/>
-        </p:nvSpPr>
-        <p:spPr bwMode="auto">
-          <a:xfrm>
-            <a:off x="323850" y="4635500"/>
-            <a:ext cx="6159500" cy="1004888"/>
-          </a:xfrm>
-          <a:prstGeom prst="rect">
-            <a:avLst/>
-          </a:prstGeom>
-          <a:noFill/>
-          <a:ln w="9525" algn="ctr">
-            <a:noFill/>
-            <a:miter lim="800000"/>
-            <a:headEnd/>
-            <a:tailEnd/>
-          </a:ln>
-          <a:effectLst/>
-        </p:spPr>
-        <p:txBody>
-          <a:bodyPr wrap="none">
-            <a:spAutoFit/>
-          </a:bodyPr>
-          <a:lstStyle/>
-          <a:p>
-            <a:pPr defTabSz="758825">
-              <a:buFont typeface="Wingdings" pitchFamily="2" charset="2"/>
-              <a:buChar char="l"/>
-            </a:pPr>
-            <a:r>
-              <a:rPr lang="de-DE" altLang="zh-CN" sz="2400" b="1">
-                <a:ea typeface="宋体" pitchFamily="2" charset="-122"/>
-              </a:rPr>
-              <a:t> Shared Memory </a:t>
-            </a:r>
-          </a:p>
-          <a:p>
-            <a:pPr defTabSz="758825">
-              <a:buFont typeface="Wingdings" pitchFamily="2" charset="2"/>
-              <a:buNone/>
-            </a:pPr>
-            <a:r>
-              <a:rPr lang="de-DE" altLang="zh-CN" sz="2400" b="1">
-                <a:ea typeface="宋体" pitchFamily="2" charset="-122"/>
-              </a:rPr>
-              <a:t>   (</a:t>
-            </a:r>
-            <a:r>
-              <a:rPr lang="en-US" altLang="zh-CN" sz="2400" b="1">
-                <a:ea typeface="宋体" pitchFamily="2" charset="-122"/>
-              </a:rPr>
-              <a:t>geringere Latenz als globales Memory)</a:t>
-            </a:r>
-            <a:endParaRPr lang="zh-CN" altLang="en-US" sz="2400" b="1">
-              <a:ea typeface="宋体" pitchFamily="2" charset="-122"/>
-            </a:endParaRPr>
-          </a:p>
-        </p:txBody>
-      </p:sp>
-      <p:sp>
-        <p:nvSpPr>
-          <p:cNvPr id="154632" name="Text Box 8"/>
-          <p:cNvSpPr txBox="1">
-            <a:spLocks noChangeArrowheads="1"/>
-          </p:cNvSpPr>
-          <p:nvPr/>
-        </p:nvSpPr>
-        <p:spPr bwMode="auto">
-          <a:xfrm>
-            <a:off x="323850" y="3284538"/>
-            <a:ext cx="5741988" cy="1004887"/>
-          </a:xfrm>
-          <a:prstGeom prst="rect">
-            <a:avLst/>
-          </a:prstGeom>
-          <a:noFill/>
-          <a:ln w="9525" algn="ctr">
-            <a:noFill/>
-            <a:miter lim="800000"/>
-            <a:headEnd/>
-            <a:tailEnd/>
-          </a:ln>
-          <a:effectLst/>
-        </p:spPr>
-        <p:txBody>
-          <a:bodyPr wrap="none">
-            <a:spAutoFit/>
-          </a:bodyPr>
-          <a:lstStyle/>
-          <a:p>
-            <a:pPr defTabSz="758825">
-              <a:buFont typeface="Wingdings" pitchFamily="2" charset="2"/>
-              <a:buChar char="l"/>
-            </a:pPr>
-            <a:r>
-              <a:rPr lang="de-DE" altLang="zh-CN" sz="2400" b="1">
-                <a:ea typeface="宋体" pitchFamily="2" charset="-122"/>
-              </a:rPr>
-              <a:t> Minimierung leer laufender Threads</a:t>
-            </a:r>
-            <a:r>
-              <a:rPr lang="en-US" altLang="zh-CN" sz="2400" b="1">
-                <a:ea typeface="宋体" pitchFamily="2" charset="-122"/>
-              </a:rPr>
-              <a:t> </a:t>
-            </a:r>
-          </a:p>
-          <a:p>
-            <a:pPr defTabSz="758825"/>
-            <a:r>
-              <a:rPr lang="en-US" altLang="zh-CN" sz="2400" b="1">
-                <a:ea typeface="宋体" pitchFamily="2" charset="-122"/>
-              </a:rPr>
-              <a:t>   (32 Threads pro Warp)</a:t>
-            </a:r>
-            <a:endParaRPr lang="zh-CN" altLang="en-US" sz="2400" b="1">
-              <a:ea typeface="宋体" pitchFamily="2" charset="-122"/>
-            </a:endParaRPr>
-          </a:p>
-        </p:txBody>
-      </p:sp>
-    </p:spTree>
-  </p:cSld>
-  <p:clrMapOvr>
-    <a:masterClrMapping/>
-  </p:clrMapOvr>
-  <p:transition>
-    <p:zoom/>
-  </p:transition>
-  <p:timing>
-    <p:tnLst>
-      <p:par>
-        <p:cTn id="1" dur="indefinite" restart="never" nodeType="tmRoot">
-          <p:childTnLst>
-            <p:seq concurrent="1" nextAc="seek">
-              <p:cTn id="2" dur="indefinite" nodeType="mainSeq">
-                <p:childTnLst>
-                  <p:par>
-                    <p:cTn id="3" fill="hold">
-                      <p:stCondLst>
-                        <p:cond delay="indefinite"/>
-                      </p:stCondLst>
-                      <p:childTnLst>
-                        <p:par>
-                          <p:cTn id="4" fill="hold">
-                            <p:stCondLst>
-                              <p:cond delay="0"/>
-                            </p:stCondLst>
-                            <p:childTnLst>
-                              <p:par>
-                                <p:cTn id="5" presetID="3" presetClass="entr" presetSubtype="10" fill="hold" grpId="0" nodeType="clickEffect">
-                                  <p:stCondLst>
-                                    <p:cond delay="0"/>
-                                  </p:stCondLst>
-                                  <p:childTnLst>
-                                    <p:set>
-                                      <p:cBhvr>
-                                        <p:cTn id="6" dur="1" fill="hold">
-                                          <p:stCondLst>
-                                            <p:cond delay="0"/>
-                                          </p:stCondLst>
-                                        </p:cTn>
-                                        <p:tgtEl>
-                                          <p:spTgt spid="154629"/>
-                                        </p:tgtEl>
-                                        <p:attrNameLst>
-                                          <p:attrName>style.visibility</p:attrName>
-                                        </p:attrNameLst>
-                                      </p:cBhvr>
-                                      <p:to>
-                                        <p:strVal val="visible"/>
-                                      </p:to>
-                                    </p:set>
-                                    <p:animEffect transition="in" filter="blinds(horizontal)">
-                                      <p:cBhvr>
-                                        <p:cTn id="7" dur="500"/>
-                                        <p:tgtEl>
-                                          <p:spTgt spid="154629"/>
-                                        </p:tgtEl>
-                                      </p:cBhvr>
-                                    </p:animEffect>
-                                  </p:childTnLst>
-                                </p:cTn>
-                              </p:par>
-                            </p:childTnLst>
-                          </p:cTn>
-                        </p:par>
-                      </p:childTnLst>
-                    </p:cTn>
-                  </p:par>
-                  <p:par>
-                    <p:cTn id="8" fill="hold">
-                      <p:stCondLst>
-                        <p:cond delay="indefinite"/>
-                      </p:stCondLst>
-                      <p:childTnLst>
-                        <p:par>
-                          <p:cTn id="9" fill="hold">
-                            <p:stCondLst>
-                              <p:cond delay="0"/>
-                            </p:stCondLst>
-                            <p:childTnLst>
-                              <p:par>
-                                <p:cTn id="10" presetID="3" presetClass="entr" presetSubtype="10" fill="hold" grpId="0" nodeType="clickEffect">
-                                  <p:stCondLst>
-                                    <p:cond delay="0"/>
-                                  </p:stCondLst>
-                                  <p:childTnLst>
-                                    <p:set>
-                                      <p:cBhvr>
-                                        <p:cTn id="11" dur="1" fill="hold">
-                                          <p:stCondLst>
-                                            <p:cond delay="0"/>
-                                          </p:stCondLst>
-                                        </p:cTn>
-                                        <p:tgtEl>
-                                          <p:spTgt spid="154632"/>
-                                        </p:tgtEl>
-                                        <p:attrNameLst>
-                                          <p:attrName>style.visibility</p:attrName>
-                                        </p:attrNameLst>
-                                      </p:cBhvr>
-                                      <p:to>
-                                        <p:strVal val="visible"/>
-                                      </p:to>
-                                    </p:set>
-                                    <p:animEffect transition="in" filter="blinds(horizontal)">
-                                      <p:cBhvr>
-                                        <p:cTn id="12" dur="500"/>
-                                        <p:tgtEl>
-                                          <p:spTgt spid="154632"/>
-                                        </p:tgtEl>
-                                      </p:cBhvr>
-                                    </p:animEffect>
-                                  </p:childTnLst>
-                                </p:cTn>
-                              </p:par>
-                            </p:childTnLst>
-                          </p:cTn>
-                        </p:par>
-                      </p:childTnLst>
-                    </p:cTn>
-                  </p:par>
-                  <p:par>
-                    <p:cTn id="13" fill="hold">
-                      <p:stCondLst>
-                        <p:cond delay="indefinite"/>
-                      </p:stCondLst>
-                      <p:childTnLst>
-                        <p:par>
-                          <p:cTn id="14" fill="hold">
-                            <p:stCondLst>
-                              <p:cond delay="0"/>
-                            </p:stCondLst>
-                            <p:childTnLst>
-                              <p:par>
-                                <p:cTn id="15" presetID="3" presetClass="entr" presetSubtype="10" fill="hold" grpId="0" nodeType="clickEffect">
-                                  <p:stCondLst>
-                                    <p:cond delay="0"/>
-                                  </p:stCondLst>
-                                  <p:childTnLst>
-                                    <p:set>
-                                      <p:cBhvr>
-                                        <p:cTn id="16" dur="1" fill="hold">
-                                          <p:stCondLst>
-                                            <p:cond delay="0"/>
-                                          </p:stCondLst>
-                                        </p:cTn>
-                                        <p:tgtEl>
-                                          <p:spTgt spid="154631"/>
-                                        </p:tgtEl>
-                                        <p:attrNameLst>
-                                          <p:attrName>style.visibility</p:attrName>
-                                        </p:attrNameLst>
-                                      </p:cBhvr>
-                                      <p:to>
-                                        <p:strVal val="visible"/>
-                                      </p:to>
-                                    </p:set>
-                                    <p:animEffect transition="in" filter="blinds(horizontal)">
-                                      <p:cBhvr>
-                                        <p:cTn id="17" dur="500"/>
-                                        <p:tgtEl>
-                                          <p:spTgt spid="154631"/>
-                                        </p:tgtEl>
-                                      </p:cBhvr>
-                                    </p:animEffect>
-                                  </p:childTnLst>
-                                </p:cTn>
-                              </p:par>
-                            </p:childTnLst>
-                          </p:cTn>
-                        </p:par>
-                      </p:childTnLst>
-                    </p:cTn>
-                  </p:par>
-                </p:childTnLst>
-              </p:cTn>
-              <p:prevCondLst>
-                <p:cond evt="onPrev" delay="0">
-                  <p:tgtEl>
-                    <p:sldTgt/>
-                  </p:tgtEl>
-                </p:cond>
-              </p:prevCondLst>
-              <p:nextCondLst>
-                <p:cond evt="onNext" delay="0">
-                  <p:tgtEl>
-                    <p:sldTgt/>
-                  </p:tgtEl>
-                </p:cond>
-              </p:nextCondLst>
-            </p:seq>
-          </p:childTnLst>
-        </p:cTn>
-      </p:par>
-    </p:tnLst>
-    <p:bldLst>
-      <p:bldP spid="154629" grpId="0"/>
-      <p:bldP spid="154631" grpId="0"/>
-      <p:bldP spid="154632" grpId="0"/>
-    </p:bldLst>
-  </p:timing>
-</p:sld>
-</file>
-
-<file path=ppt/slides/slide7.xml><?xml version="1.0" encoding="utf-8"?>
-<p:sld xmlns:a="http://schemas.openxmlformats.org/drawingml/2006/main" xmlns:r="http://schemas.openxmlformats.org/officeDocument/2006/relationships" xmlns:p="http://schemas.openxmlformats.org/presentationml/2006/main">
-  <p:cSld>
-    <p:spTree>
-      <p:nvGrpSpPr>
-        <p:cNvPr id="1" name=""/>
-        <p:cNvGrpSpPr/>
-        <p:nvPr/>
-      </p:nvGrpSpPr>
-      <p:grpSpPr>
-        <a:xfrm>
-          <a:off x="0" y="0"/>
-          <a:ext cx="0" cy="0"/>
-          <a:chOff x="0" y="0"/>
-          <a:chExt cx="0" cy="0"/>
-        </a:xfrm>
-      </p:grpSpPr>
-      <p:sp>
-        <p:nvSpPr>
-          <p:cNvPr id="161794" name="Rectangle 2"/>
-          <p:cNvSpPr>
-            <a:spLocks noGrp="1" noChangeArrowheads="1"/>
-          </p:cNvSpPr>
-          <p:nvPr>
-            <p:ph type="title"/>
-          </p:nvPr>
-        </p:nvSpPr>
-        <p:spPr/>
-        <p:txBody>
-          <a:bodyPr/>
-          <a:lstStyle/>
-          <a:p>
-            <a:r>
-              <a:rPr lang="de-DE" altLang="zh-CN" smtClean="0">
+              <a:rPr lang="en-US" altLang="zh-CN" sz="3200" dirty="0" err="1" smtClean="0">
                 <a:solidFill>
                   <a:srgbClr val="C61829"/>
                 </a:solidFill>
                 <a:ea typeface="宋体" pitchFamily="2" charset="-122"/>
               </a:rPr>
-              <a:t>Übersicht</a:t>
-            </a:r>
-            <a:endParaRPr lang="en-US" altLang="zh-CN" smtClean="0">
+              <a:t>Modelling</a:t>
+            </a:r>
+            <a:endParaRPr lang="de-DE" altLang="zh-CN" sz="3200" dirty="0">
               <a:solidFill>
                 <a:srgbClr val="C61829"/>
               </a:solidFill>
               <a:ea typeface="宋体" pitchFamily="2" charset="-122"/>
             </a:endParaRPr>
           </a:p>
-        </p:txBody>
-      </p:sp>
-      <p:sp>
-        <p:nvSpPr>
-          <p:cNvPr id="161795" name="Text Box 3"/>
-          <p:cNvSpPr txBox="1">
-            <a:spLocks noChangeArrowheads="1"/>
-          </p:cNvSpPr>
-          <p:nvPr/>
-        </p:nvSpPr>
-        <p:spPr bwMode="auto">
-          <a:xfrm>
-            <a:off x="663575" y="1111250"/>
-            <a:ext cx="7724775" cy="3598863"/>
-          </a:xfrm>
-          <a:prstGeom prst="rect">
-            <a:avLst/>
-          </a:prstGeom>
-          <a:noFill/>
-          <a:ln w="9525" algn="ctr">
-            <a:noFill/>
-            <a:miter lim="800000"/>
-            <a:headEnd/>
-            <a:tailEnd/>
-          </a:ln>
-          <a:effectLst/>
-        </p:spPr>
-        <p:txBody>
-          <a:bodyPr>
-            <a:spAutoFit/>
-          </a:bodyPr>
-          <a:lstStyle/>
           <a:p>
             <a:pPr defTabSz="758825">
               <a:buFont typeface="Wingdings" pitchFamily="2" charset="2"/>
-              <a:buChar char="ü"/>
+              <a:buChar char="p"/>
             </a:pPr>
             <a:r>
-              <a:rPr lang="de-DE" altLang="zh-CN" sz="3200">
+              <a:rPr lang="de-DE" altLang="zh-CN" sz="3200" dirty="0">
                 <a:solidFill>
                   <a:srgbClr val="C61829"/>
                 </a:solidFill>
                 <a:ea typeface="宋体" pitchFamily="2" charset="-122"/>
               </a:rPr>
-              <a:t> Motivation und Zielsetzung</a:t>
-            </a:r>
-          </a:p>
-          <a:p>
-            <a:pPr defTabSz="758825">
-              <a:buFont typeface="Wingdings" pitchFamily="2" charset="2"/>
-              <a:buChar char="ü"/>
-            </a:pPr>
-            <a:r>
-              <a:rPr lang="de-DE" altLang="zh-CN" sz="3200">
+              <a:t> </a:t>
+            </a:r>
+            <a:r>
+              <a:rPr lang="en-US" altLang="zh-CN" sz="3200" dirty="0" smtClean="0">
                 <a:solidFill>
                   <a:srgbClr val="C61829"/>
                 </a:solidFill>
                 <a:ea typeface="宋体" pitchFamily="2" charset="-122"/>
               </a:rPr>
-              <a:t> Einleitung CUDA</a:t>
+              <a:t>Optimization</a:t>
             </a:r>
           </a:p>
           <a:p>
             <a:pPr defTabSz="758825">
               <a:buFont typeface="Wingdings" pitchFamily="2" charset="2"/>
-              <a:buChar char="ü"/>
+              <a:buChar char="p"/>
             </a:pPr>
             <a:r>
-              <a:rPr lang="de-DE" altLang="zh-CN" sz="3200">
+              <a:rPr lang="en-US" altLang="zh-CN" sz="3200" dirty="0" smtClean="0">
                 <a:solidFill>
                   <a:srgbClr val="C61829"/>
                 </a:solidFill>
                 <a:ea typeface="宋体" pitchFamily="2" charset="-122"/>
               </a:rPr>
-              <a:t> Sparse Matrix</a:t>
-            </a:r>
-          </a:p>
-          <a:p>
-            <a:pPr defTabSz="758825">
-              <a:buFont typeface="Wingdings" pitchFamily="2" charset="2"/>
-              <a:buChar char="Ø"/>
-            </a:pPr>
-            <a:r>
-              <a:rPr lang="de-DE" altLang="zh-CN" sz="3200">
-                <a:solidFill>
-                  <a:srgbClr val="C61829"/>
-                </a:solidFill>
-                <a:ea typeface="宋体" pitchFamily="2" charset="-122"/>
-              </a:rPr>
-              <a:t> IDR(s) Integration</a:t>
-            </a:r>
-          </a:p>
-          <a:p>
-            <a:pPr defTabSz="758825">
-              <a:buFont typeface="Wingdings" pitchFamily="2" charset="2"/>
-              <a:buChar char="p"/>
-            </a:pPr>
-            <a:r>
-              <a:rPr lang="de-DE" altLang="zh-CN" sz="3200">
-                <a:solidFill>
-                  <a:srgbClr val="C61829"/>
-                </a:solidFill>
-                <a:ea typeface="宋体" pitchFamily="2" charset="-122"/>
-              </a:rPr>
-              <a:t> Zusammenfassung und </a:t>
-            </a:r>
-            <a:r>
-              <a:rPr lang="de-DE" altLang="zh-CN">
-                <a:solidFill>
-                  <a:srgbClr val="C61829"/>
-                </a:solidFill>
-                <a:ea typeface="宋体" pitchFamily="2" charset="-122"/>
-              </a:rPr>
-              <a:t>Ausblick</a:t>
-            </a:r>
-            <a:endParaRPr lang="en-US" altLang="zh-CN" sz="3200">
+              <a:t> Conclusion and Outlook</a:t>
+            </a:r>
+            <a:endParaRPr lang="en-US" altLang="zh-CN" sz="3200" dirty="0">
               <a:solidFill>
                 <a:srgbClr val="C61829"/>
               </a:solidFill>
@@ -20414,12 +23735,12 @@
       </p:grpSpPr>
       <p:sp>
         <p:nvSpPr>
-          <p:cNvPr id="212994" name="Titel 1"/>
+          <p:cNvPr id="2" name="Titel 1"/>
           <p:cNvSpPr>
             <a:spLocks noGrp="1"/>
           </p:cNvSpPr>
           <p:nvPr>
-            <p:ph type="title" idx="4294967295"/>
+            <p:ph type="title"/>
           </p:nvPr>
         </p:nvSpPr>
         <p:spPr/>
@@ -20428,20 +23749,26 @@
           <a:lstStyle/>
           <a:p>
             <a:r>
-              <a:rPr lang="de-DE" smtClean="0"/>
-              <a:t>Zeitverhalten</a:t>
-            </a:r>
+              <a:rPr lang="en-US" altLang="zh-CN" sz="4000" dirty="0" err="1" smtClean="0">
+                <a:solidFill>
+                  <a:srgbClr val="C61829"/>
+                </a:solidFill>
+                <a:ea typeface="宋体" pitchFamily="2" charset="-122"/>
+              </a:rPr>
+              <a:t>Modelling</a:t>
+            </a:r>
+            <a:endParaRPr lang="zh-CN" altLang="en-US" dirty="0"/>
           </a:p>
         </p:txBody>
       </p:sp>
       <p:sp>
         <p:nvSpPr>
-          <p:cNvPr id="212995" name="Inhaltsplatzhalter 2"/>
+          <p:cNvPr id="3" name="Inhaltsplatzhalter 2"/>
           <p:cNvSpPr>
             <a:spLocks noGrp="1"/>
           </p:cNvSpPr>
           <p:nvPr>
-            <p:ph idx="4294967295"/>
+            <p:ph idx="1"/>
           </p:nvPr>
         </p:nvSpPr>
         <p:spPr/>
@@ -20450,22 +23777,56 @@
           <a:lstStyle/>
           <a:p>
             <a:r>
-              <a:rPr lang="de-DE" smtClean="0"/>
-              <a:t>Im Bereich N &lt; 5000 im Sekundenbereich (0s bis 2s) (langsamer als Matlab)</a:t>
-            </a:r>
-            <a:br>
-              <a:rPr lang="de-DE" smtClean="0"/>
-            </a:br>
-            <a:endParaRPr lang="de-DE" smtClean="0"/>
-          </a:p>
-          <a:p>
-            <a:r>
-              <a:rPr lang="de-DE" smtClean="0"/>
-              <a:t>Im Bereich 5000 &lt; N &lt; 1500000 läuft IDR(s)_cuda,  aber ohne hinreichende precision (double) momentan nicht sinnvoll meßbar.</a:t>
-            </a:r>
+              <a:rPr lang="de-DE" altLang="zh-CN" dirty="0" err="1" smtClean="0"/>
+              <a:t>Modelling</a:t>
+            </a:r>
+            <a:r>
+              <a:rPr lang="de-DE" altLang="zh-CN" dirty="0" smtClean="0"/>
+              <a:t> TLF</a:t>
+            </a:r>
+          </a:p>
+          <a:p>
+            <a:endParaRPr lang="de-DE" altLang="zh-CN" dirty="0" smtClean="0"/>
+          </a:p>
+          <a:p>
+            <a:r>
+              <a:rPr lang="de-DE" altLang="zh-CN" dirty="0" smtClean="0"/>
+              <a:t>Working </a:t>
+            </a:r>
+            <a:r>
+              <a:rPr lang="de-DE" altLang="zh-CN" dirty="0" err="1" smtClean="0"/>
+              <a:t>distance</a:t>
+            </a:r>
+            <a:endParaRPr lang="zh-CN" altLang="en-US" dirty="0"/>
           </a:p>
         </p:txBody>
       </p:sp>
+      <p:pic>
+        <p:nvPicPr>
+          <p:cNvPr id="5122" name="Picture 2" descr="F:\Data\leher\SVN\Master_arbeit\Latex\Masterarbeit\bilder\cal_min_spot.PNG"/>
+          <p:cNvPicPr>
+            <a:picLocks noChangeAspect="1" noChangeArrowheads="1"/>
+          </p:cNvPicPr>
+          <p:nvPr/>
+        </p:nvPicPr>
+        <p:blipFill>
+          <a:blip r:embed="rId3"/>
+          <a:srcRect/>
+          <a:stretch>
+            <a:fillRect/>
+          </a:stretch>
+        </p:blipFill>
+        <p:spPr bwMode="auto">
+          <a:xfrm>
+            <a:off x="3714744" y="1714488"/>
+            <a:ext cx="5184781" cy="4255096"/>
+          </a:xfrm>
+          <a:prstGeom prst="rect">
+            <a:avLst/>
+          </a:prstGeom>
+          <a:noFill/>
+        </p:spPr>
+      </p:pic>
     </p:spTree>
   </p:cSld>
   <p:clrMapOvr>
@@ -20496,12 +23857,12 @@
       </p:grpSpPr>
       <p:sp>
         <p:nvSpPr>
-          <p:cNvPr id="214018" name="Titel 1"/>
+          <p:cNvPr id="2" name="Titel 1"/>
           <p:cNvSpPr>
             <a:spLocks noGrp="1"/>
           </p:cNvSpPr>
           <p:nvPr>
-            <p:ph type="title" idx="4294967295"/>
+            <p:ph type="title"/>
           </p:nvPr>
         </p:nvSpPr>
         <p:spPr/>
@@ -20510,1006 +23871,34 @@
           <a:lstStyle/>
           <a:p>
             <a:r>
-              <a:rPr lang="de-DE" smtClean="0"/>
-              <a:t> Herausforderung Testbarkeit</a:t>
-            </a:r>
+              <a:rPr lang="en-US" altLang="zh-CN" sz="3600" dirty="0" err="1" smtClean="0">
+                <a:solidFill>
+                  <a:srgbClr val="C61829"/>
+                </a:solidFill>
+                <a:ea typeface="宋体" pitchFamily="2" charset="-122"/>
+              </a:rPr>
+              <a:t>Modelling</a:t>
+            </a:r>
+            <a:endParaRPr lang="zh-CN" altLang="en-US" dirty="0"/>
           </a:p>
         </p:txBody>
       </p:sp>
       <p:sp>
         <p:nvSpPr>
-          <p:cNvPr id="214019" name="Rectangle 3"/>
+          <p:cNvPr id="3" name="Inhaltsplatzhalter 2"/>
           <p:cNvSpPr>
-            <a:spLocks noChangeArrowheads="1"/>
+            <a:spLocks noGrp="1"/>
           </p:cNvSpPr>
-          <p:nvPr/>
+          <p:nvPr>
+            <p:ph idx="1"/>
+          </p:nvPr>
         </p:nvSpPr>
-        <p:spPr bwMode="auto">
-          <a:xfrm>
-            <a:off x="755650" y="1341438"/>
-            <a:ext cx="7631113" cy="1727200"/>
-          </a:xfrm>
-          <a:prstGeom prst="rect">
-            <a:avLst/>
-          </a:prstGeom>
-          <a:noFill/>
-          <a:ln w="38100" algn="ctr">
-            <a:solidFill>
-              <a:schemeClr val="tx1"/>
-            </a:solidFill>
-            <a:miter lim="800000"/>
-            <a:headEnd/>
-            <a:tailEnd/>
-          </a:ln>
-        </p:spPr>
+        <p:spPr/>
         <p:txBody>
-          <a:bodyPr anchor="ctr">
-            <a:spAutoFit/>
-          </a:bodyPr>
+          <a:bodyPr/>
           <a:lstStyle/>
           <a:p>
-            <a:endParaRPr lang="de-DE"/>
-          </a:p>
-        </p:txBody>
-      </p:sp>
-      <p:sp>
-        <p:nvSpPr>
-          <p:cNvPr id="214020" name="Rectangle 4"/>
-          <p:cNvSpPr>
-            <a:spLocks noChangeArrowheads="1"/>
-          </p:cNvSpPr>
-          <p:nvPr/>
-        </p:nvSpPr>
-        <p:spPr bwMode="auto">
-          <a:xfrm>
-            <a:off x="5780088" y="1701800"/>
-            <a:ext cx="1455737" cy="431800"/>
-          </a:xfrm>
-          <a:prstGeom prst="rect">
-            <a:avLst/>
-          </a:prstGeom>
-          <a:solidFill>
-            <a:srgbClr val="00FF00"/>
-          </a:solidFill>
-          <a:ln w="28575" algn="ctr">
-            <a:solidFill>
-              <a:schemeClr val="tx1"/>
-            </a:solidFill>
-            <a:miter lim="800000"/>
-            <a:headEnd/>
-            <a:tailEnd/>
-          </a:ln>
-        </p:spPr>
-        <p:txBody>
-          <a:bodyPr anchor="ctr">
-            <a:spAutoFit/>
-          </a:bodyPr>
-          <a:lstStyle/>
-          <a:p>
-            <a:endParaRPr lang="de-DE"/>
-          </a:p>
-        </p:txBody>
-      </p:sp>
-      <p:sp>
-        <p:nvSpPr>
-          <p:cNvPr id="214021" name="Text Box 5"/>
-          <p:cNvSpPr txBox="1">
-            <a:spLocks noChangeArrowheads="1"/>
-          </p:cNvSpPr>
-          <p:nvPr/>
-        </p:nvSpPr>
-        <p:spPr bwMode="auto">
-          <a:xfrm>
-            <a:off x="6156325" y="2278063"/>
-            <a:ext cx="763588" cy="396875"/>
-          </a:xfrm>
-          <a:prstGeom prst="rect">
-            <a:avLst/>
-          </a:prstGeom>
-          <a:noFill/>
-          <a:ln w="9525" algn="ctr">
-            <a:noFill/>
-            <a:miter lim="800000"/>
-            <a:headEnd/>
-            <a:tailEnd/>
-          </a:ln>
-        </p:spPr>
-        <p:txBody>
-          <a:bodyPr wrap="none">
-            <a:spAutoFit/>
-          </a:bodyPr>
-          <a:lstStyle/>
-          <a:p>
-            <a:pPr defTabSz="758825"/>
-            <a:r>
-              <a:rPr lang="de-DE" altLang="zh-CN" sz="2000" b="1">
-                <a:ea typeface="宋体" pitchFamily="2" charset="-122"/>
-              </a:rPr>
-              <a:t>RAM</a:t>
-            </a:r>
-            <a:endParaRPr lang="en-US" altLang="zh-CN" sz="2000" b="1">
-              <a:ea typeface="宋体" pitchFamily="2" charset="-122"/>
-            </a:endParaRPr>
-          </a:p>
-        </p:txBody>
-      </p:sp>
-      <p:sp>
-        <p:nvSpPr>
-          <p:cNvPr id="214022" name="Line 6"/>
-          <p:cNvSpPr>
-            <a:spLocks noChangeShapeType="1"/>
-          </p:cNvSpPr>
-          <p:nvPr/>
-        </p:nvSpPr>
-        <p:spPr bwMode="auto">
-          <a:xfrm>
-            <a:off x="755650" y="3644900"/>
-            <a:ext cx="7631113" cy="0"/>
-          </a:xfrm>
-          <a:prstGeom prst="line">
-            <a:avLst/>
-          </a:prstGeom>
-          <a:noFill/>
-          <a:ln w="38100">
-            <a:solidFill>
-              <a:schemeClr val="tx1"/>
-            </a:solidFill>
-            <a:round/>
-            <a:headEnd/>
-            <a:tailEnd/>
-          </a:ln>
-        </p:spPr>
-        <p:txBody>
-          <a:bodyPr>
-            <a:spAutoFit/>
-          </a:bodyPr>
-          <a:lstStyle/>
-          <a:p>
             <a:endParaRPr lang="zh-CN" altLang="en-US"/>
-          </a:p>
-        </p:txBody>
-      </p:sp>
-      <p:sp>
-        <p:nvSpPr>
-          <p:cNvPr id="214023" name="AutoShape 7"/>
-          <p:cNvSpPr>
-            <a:spLocks noChangeArrowheads="1"/>
-          </p:cNvSpPr>
-          <p:nvPr/>
-        </p:nvSpPr>
-        <p:spPr bwMode="auto">
-          <a:xfrm>
-            <a:off x="6364288" y="2817813"/>
-            <a:ext cx="649287" cy="1511300"/>
-          </a:xfrm>
-          <a:prstGeom prst="upDownArrow">
-            <a:avLst>
-              <a:gd name="adj1" fmla="val 50000"/>
-              <a:gd name="adj2" fmla="val 46553"/>
-            </a:avLst>
-          </a:prstGeom>
-          <a:solidFill>
-            <a:srgbClr val="FFFF00"/>
-          </a:solidFill>
-          <a:ln w="38100" algn="ctr">
-            <a:solidFill>
-              <a:schemeClr val="tx1"/>
-            </a:solidFill>
-            <a:miter lim="800000"/>
-            <a:headEnd/>
-            <a:tailEnd/>
-          </a:ln>
-        </p:spPr>
-        <p:txBody>
-          <a:bodyPr wrap="none" anchor="ctr">
-            <a:spAutoFit/>
-          </a:bodyPr>
-          <a:lstStyle/>
-          <a:p>
-            <a:endParaRPr lang="de-DE"/>
-          </a:p>
-        </p:txBody>
-      </p:sp>
-      <p:sp>
-        <p:nvSpPr>
-          <p:cNvPr id="214024" name="Text Box 8"/>
-          <p:cNvSpPr txBox="1">
-            <a:spLocks noChangeArrowheads="1"/>
-          </p:cNvSpPr>
-          <p:nvPr/>
-        </p:nvSpPr>
-        <p:spPr bwMode="auto">
-          <a:xfrm>
-            <a:off x="4838700" y="3176588"/>
-            <a:ext cx="1173163" cy="396875"/>
-          </a:xfrm>
-          <a:prstGeom prst="rect">
-            <a:avLst/>
-          </a:prstGeom>
-          <a:noFill/>
-          <a:ln w="9525" algn="ctr">
-            <a:noFill/>
-            <a:miter lim="800000"/>
-            <a:headEnd/>
-            <a:tailEnd/>
-          </a:ln>
-        </p:spPr>
-        <p:txBody>
-          <a:bodyPr wrap="none">
-            <a:spAutoFit/>
-          </a:bodyPr>
-          <a:lstStyle/>
-          <a:p>
-            <a:pPr defTabSz="758825"/>
-            <a:r>
-              <a:rPr lang="de-DE" altLang="zh-CN" sz="2000" b="1">
-                <a:ea typeface="宋体" pitchFamily="2" charset="-122"/>
-              </a:rPr>
-              <a:t>PCI-Bus</a:t>
-            </a:r>
-            <a:endParaRPr lang="en-US" altLang="zh-CN" sz="2000" b="1">
-              <a:ea typeface="宋体" pitchFamily="2" charset="-122"/>
-            </a:endParaRPr>
-          </a:p>
-        </p:txBody>
-      </p:sp>
-      <p:sp>
-        <p:nvSpPr>
-          <p:cNvPr id="214025" name="Rectangle 9"/>
-          <p:cNvSpPr>
-            <a:spLocks noChangeArrowheads="1"/>
-          </p:cNvSpPr>
-          <p:nvPr/>
-        </p:nvSpPr>
-        <p:spPr bwMode="auto">
-          <a:xfrm>
-            <a:off x="755650" y="4219575"/>
-            <a:ext cx="7631113" cy="1873250"/>
-          </a:xfrm>
-          <a:prstGeom prst="rect">
-            <a:avLst/>
-          </a:prstGeom>
-          <a:noFill/>
-          <a:ln w="38100" algn="ctr">
-            <a:solidFill>
-              <a:schemeClr val="tx1"/>
-            </a:solidFill>
-            <a:miter lim="800000"/>
-            <a:headEnd/>
-            <a:tailEnd/>
-          </a:ln>
-        </p:spPr>
-        <p:txBody>
-          <a:bodyPr anchor="ctr">
-            <a:spAutoFit/>
-          </a:bodyPr>
-          <a:lstStyle/>
-          <a:p>
-            <a:endParaRPr lang="de-DE"/>
-          </a:p>
-        </p:txBody>
-      </p:sp>
-      <p:sp>
-        <p:nvSpPr>
-          <p:cNvPr id="214026" name="Rectangle 10"/>
-          <p:cNvSpPr>
-            <a:spLocks noChangeArrowheads="1"/>
-          </p:cNvSpPr>
-          <p:nvPr/>
-        </p:nvSpPr>
-        <p:spPr bwMode="auto">
-          <a:xfrm>
-            <a:off x="1042988" y="4724400"/>
-            <a:ext cx="1368425" cy="431800"/>
-          </a:xfrm>
-          <a:prstGeom prst="rect">
-            <a:avLst/>
-          </a:prstGeom>
-          <a:solidFill>
-            <a:srgbClr val="00FF00"/>
-          </a:solidFill>
-          <a:ln w="28575" algn="ctr">
-            <a:solidFill>
-              <a:schemeClr val="tx1"/>
-            </a:solidFill>
-            <a:miter lim="800000"/>
-            <a:headEnd/>
-            <a:tailEnd/>
-          </a:ln>
-        </p:spPr>
-        <p:txBody>
-          <a:bodyPr wrap="none" anchor="ctr">
-            <a:spAutoFit/>
-          </a:bodyPr>
-          <a:lstStyle/>
-          <a:p>
-            <a:endParaRPr lang="de-DE"/>
-          </a:p>
-        </p:txBody>
-      </p:sp>
-      <p:sp>
-        <p:nvSpPr>
-          <p:cNvPr id="214027" name="Line 11"/>
-          <p:cNvSpPr>
-            <a:spLocks noChangeShapeType="1"/>
-          </p:cNvSpPr>
-          <p:nvPr/>
-        </p:nvSpPr>
-        <p:spPr bwMode="auto">
-          <a:xfrm flipV="1">
-            <a:off x="1979613" y="1865313"/>
-            <a:ext cx="3754437" cy="2859087"/>
-          </a:xfrm>
-          <a:prstGeom prst="line">
-            <a:avLst/>
-          </a:prstGeom>
-          <a:noFill/>
-          <a:ln w="50800">
-            <a:solidFill>
-              <a:srgbClr val="FF0000"/>
-            </a:solidFill>
-            <a:round/>
-            <a:headEnd/>
-            <a:tailEnd type="triangle" w="lg" len="lg"/>
-          </a:ln>
-        </p:spPr>
-        <p:txBody>
-          <a:bodyPr>
-            <a:spAutoFit/>
-          </a:bodyPr>
-          <a:lstStyle/>
-          <a:p>
-            <a:endParaRPr lang="zh-CN" altLang="en-US"/>
-          </a:p>
-        </p:txBody>
-      </p:sp>
-      <p:sp>
-        <p:nvSpPr>
-          <p:cNvPr id="214028" name="Text Box 12"/>
-          <p:cNvSpPr txBox="1">
-            <a:spLocks noChangeArrowheads="1"/>
-          </p:cNvSpPr>
-          <p:nvPr/>
-        </p:nvSpPr>
-        <p:spPr bwMode="auto">
-          <a:xfrm>
-            <a:off x="447675" y="3663950"/>
-            <a:ext cx="1168400" cy="457200"/>
-          </a:xfrm>
-          <a:prstGeom prst="rect">
-            <a:avLst/>
-          </a:prstGeom>
-          <a:noFill/>
-          <a:ln w="9525" algn="ctr">
-            <a:noFill/>
-            <a:miter lim="800000"/>
-            <a:headEnd/>
-            <a:tailEnd/>
-          </a:ln>
-        </p:spPr>
-        <p:txBody>
-          <a:bodyPr wrap="none">
-            <a:spAutoFit/>
-          </a:bodyPr>
-          <a:lstStyle/>
-          <a:p>
-            <a:pPr defTabSz="758825"/>
-            <a:r>
-              <a:rPr lang="de-DE" altLang="zh-CN" sz="2400" b="1" u="sng">
-                <a:ea typeface="宋体" pitchFamily="2" charset="-122"/>
-              </a:rPr>
-              <a:t>Device</a:t>
-            </a:r>
-            <a:endParaRPr lang="en-US" altLang="zh-CN" sz="2400" b="1" u="sng">
-              <a:ea typeface="宋体" pitchFamily="2" charset="-122"/>
-            </a:endParaRPr>
-          </a:p>
-        </p:txBody>
-      </p:sp>
-      <p:sp>
-        <p:nvSpPr>
-          <p:cNvPr id="214029" name="Text Box 13"/>
-          <p:cNvSpPr txBox="1">
-            <a:spLocks noChangeArrowheads="1"/>
-          </p:cNvSpPr>
-          <p:nvPr/>
-        </p:nvSpPr>
-        <p:spPr bwMode="auto">
-          <a:xfrm>
-            <a:off x="395288" y="836613"/>
-            <a:ext cx="862012" cy="457200"/>
-          </a:xfrm>
-          <a:prstGeom prst="rect">
-            <a:avLst/>
-          </a:prstGeom>
-          <a:noFill/>
-          <a:ln w="9525" algn="ctr">
-            <a:noFill/>
-            <a:miter lim="800000"/>
-            <a:headEnd/>
-            <a:tailEnd/>
-          </a:ln>
-        </p:spPr>
-        <p:txBody>
-          <a:bodyPr wrap="none">
-            <a:spAutoFit/>
-          </a:bodyPr>
-          <a:lstStyle/>
-          <a:p>
-            <a:pPr defTabSz="758825"/>
-            <a:r>
-              <a:rPr lang="de-DE" altLang="zh-CN" sz="2400" b="1" u="sng">
-                <a:ea typeface="宋体" pitchFamily="2" charset="-122"/>
-              </a:rPr>
-              <a:t>Host</a:t>
-            </a:r>
-            <a:endParaRPr lang="en-US" altLang="zh-CN" sz="2400" b="1" u="sng">
-              <a:ea typeface="宋体" pitchFamily="2" charset="-122"/>
-            </a:endParaRPr>
-          </a:p>
-        </p:txBody>
-      </p:sp>
-      <p:sp>
-        <p:nvSpPr>
-          <p:cNvPr id="214030" name="Text Box 14"/>
-          <p:cNvSpPr txBox="1">
-            <a:spLocks noChangeArrowheads="1"/>
-          </p:cNvSpPr>
-          <p:nvPr/>
-        </p:nvSpPr>
-        <p:spPr bwMode="auto">
-          <a:xfrm>
-            <a:off x="827088" y="1408113"/>
-            <a:ext cx="828675" cy="457200"/>
-          </a:xfrm>
-          <a:prstGeom prst="rect">
-            <a:avLst/>
-          </a:prstGeom>
-          <a:solidFill>
-            <a:srgbClr val="DCE0E8"/>
-          </a:solidFill>
-          <a:ln w="9525" algn="ctr">
-            <a:noFill/>
-            <a:miter lim="800000"/>
-            <a:headEnd/>
-            <a:tailEnd/>
-          </a:ln>
-        </p:spPr>
-        <p:txBody>
-          <a:bodyPr wrap="none">
-            <a:spAutoFit/>
-          </a:bodyPr>
-          <a:lstStyle/>
-          <a:p>
-            <a:pPr defTabSz="758825"/>
-            <a:r>
-              <a:rPr lang="de-DE" altLang="zh-CN" sz="2400" b="1">
-                <a:ea typeface="宋体" pitchFamily="2" charset="-122"/>
-              </a:rPr>
-              <a:t>CPU</a:t>
-            </a:r>
-            <a:endParaRPr lang="en-US" altLang="zh-CN" sz="2400" b="1">
-              <a:ea typeface="宋体" pitchFamily="2" charset="-122"/>
-            </a:endParaRPr>
-          </a:p>
-        </p:txBody>
-      </p:sp>
-      <p:sp>
-        <p:nvSpPr>
-          <p:cNvPr id="214031" name="Rectangle 15"/>
-          <p:cNvSpPr>
-            <a:spLocks noChangeArrowheads="1"/>
-          </p:cNvSpPr>
-          <p:nvPr/>
-        </p:nvSpPr>
-        <p:spPr bwMode="auto">
-          <a:xfrm>
-            <a:off x="900113" y="4591050"/>
-            <a:ext cx="3095625" cy="1296988"/>
-          </a:xfrm>
-          <a:prstGeom prst="rect">
-            <a:avLst/>
-          </a:prstGeom>
-          <a:noFill/>
-          <a:ln w="38100" algn="ctr">
-            <a:solidFill>
-              <a:schemeClr val="tx1"/>
-            </a:solidFill>
-            <a:miter lim="800000"/>
-            <a:headEnd/>
-            <a:tailEnd/>
-          </a:ln>
-        </p:spPr>
-        <p:txBody>
-          <a:bodyPr anchor="ctr">
-            <a:spAutoFit/>
-          </a:bodyPr>
-          <a:lstStyle/>
-          <a:p>
-            <a:endParaRPr lang="de-DE"/>
-          </a:p>
-        </p:txBody>
-      </p:sp>
-      <p:sp>
-        <p:nvSpPr>
-          <p:cNvPr id="214032" name="Text Box 16"/>
-          <p:cNvSpPr txBox="1">
-            <a:spLocks noChangeArrowheads="1"/>
-          </p:cNvSpPr>
-          <p:nvPr/>
-        </p:nvSpPr>
-        <p:spPr bwMode="auto">
-          <a:xfrm>
-            <a:off x="1979613" y="5386388"/>
-            <a:ext cx="2065337" cy="400050"/>
-          </a:xfrm>
-          <a:prstGeom prst="rect">
-            <a:avLst/>
-          </a:prstGeom>
-          <a:noFill/>
-          <a:ln w="9525" algn="ctr">
-            <a:noFill/>
-            <a:miter lim="800000"/>
-            <a:headEnd/>
-            <a:tailEnd/>
-          </a:ln>
-        </p:spPr>
-        <p:txBody>
-          <a:bodyPr wrap="none">
-            <a:spAutoFit/>
-          </a:bodyPr>
-          <a:lstStyle/>
-          <a:p>
-            <a:pPr defTabSz="758825"/>
-            <a:r>
-              <a:rPr lang="de-DE" altLang="zh-CN" sz="2000" b="1">
-                <a:ea typeface="宋体" pitchFamily="2" charset="-122"/>
-              </a:rPr>
-              <a:t>Device Memory</a:t>
-            </a:r>
-            <a:endParaRPr lang="en-US" altLang="zh-CN" sz="2000" b="1">
-              <a:ea typeface="宋体" pitchFamily="2" charset="-122"/>
-            </a:endParaRPr>
-          </a:p>
-        </p:txBody>
-      </p:sp>
-      <p:sp>
-        <p:nvSpPr>
-          <p:cNvPr id="214033" name="Text Box 17"/>
-          <p:cNvSpPr txBox="1">
-            <a:spLocks noChangeArrowheads="1"/>
-          </p:cNvSpPr>
-          <p:nvPr/>
-        </p:nvSpPr>
-        <p:spPr bwMode="auto">
-          <a:xfrm>
-            <a:off x="7256463" y="4365625"/>
-            <a:ext cx="844550" cy="457200"/>
-          </a:xfrm>
-          <a:prstGeom prst="rect">
-            <a:avLst/>
-          </a:prstGeom>
-          <a:solidFill>
-            <a:srgbClr val="DCE0E8"/>
-          </a:solidFill>
-          <a:ln w="9525" algn="ctr">
-            <a:noFill/>
-            <a:miter lim="800000"/>
-            <a:headEnd/>
-            <a:tailEnd/>
-          </a:ln>
-        </p:spPr>
-        <p:txBody>
-          <a:bodyPr wrap="none">
-            <a:spAutoFit/>
-          </a:bodyPr>
-          <a:lstStyle/>
-          <a:p>
-            <a:pPr defTabSz="758825"/>
-            <a:r>
-              <a:rPr lang="de-DE" altLang="zh-CN" sz="2400" b="1">
-                <a:ea typeface="宋体" pitchFamily="2" charset="-122"/>
-              </a:rPr>
-              <a:t>GPU</a:t>
-            </a:r>
-            <a:endParaRPr lang="en-US" altLang="zh-CN" sz="2400" b="1">
-              <a:ea typeface="宋体" pitchFamily="2" charset="-122"/>
-            </a:endParaRPr>
-          </a:p>
-        </p:txBody>
-      </p:sp>
-      <p:sp>
-        <p:nvSpPr>
-          <p:cNvPr id="214034" name="Rectangle 18"/>
-          <p:cNvSpPr>
-            <a:spLocks noChangeArrowheads="1"/>
-          </p:cNvSpPr>
-          <p:nvPr/>
-        </p:nvSpPr>
-        <p:spPr bwMode="auto">
-          <a:xfrm>
-            <a:off x="5219700" y="4368800"/>
-            <a:ext cx="858838" cy="565150"/>
-          </a:xfrm>
-          <a:prstGeom prst="rect">
-            <a:avLst/>
-          </a:prstGeom>
-          <a:noFill/>
-          <a:ln w="38100" algn="ctr">
-            <a:solidFill>
-              <a:schemeClr val="tx1"/>
-            </a:solidFill>
-            <a:miter lim="800000"/>
-            <a:headEnd/>
-            <a:tailEnd/>
-          </a:ln>
-        </p:spPr>
-        <p:txBody>
-          <a:bodyPr anchor="ctr">
-            <a:spAutoFit/>
-          </a:bodyPr>
-          <a:lstStyle/>
-          <a:p>
-            <a:endParaRPr lang="de-DE"/>
-          </a:p>
-        </p:txBody>
-      </p:sp>
-      <p:sp>
-        <p:nvSpPr>
-          <p:cNvPr id="214035" name="Text Box 19"/>
-          <p:cNvSpPr txBox="1">
-            <a:spLocks noChangeArrowheads="1"/>
-          </p:cNvSpPr>
-          <p:nvPr/>
-        </p:nvSpPr>
-        <p:spPr bwMode="auto">
-          <a:xfrm>
-            <a:off x="5276850" y="4452938"/>
-            <a:ext cx="735013" cy="396875"/>
-          </a:xfrm>
-          <a:prstGeom prst="rect">
-            <a:avLst/>
-          </a:prstGeom>
-          <a:noFill/>
-          <a:ln w="9525" algn="ctr">
-            <a:noFill/>
-            <a:miter lim="800000"/>
-            <a:headEnd/>
-            <a:tailEnd/>
-          </a:ln>
-        </p:spPr>
-        <p:txBody>
-          <a:bodyPr wrap="none">
-            <a:spAutoFit/>
-          </a:bodyPr>
-          <a:lstStyle/>
-          <a:p>
-            <a:pPr defTabSz="758825"/>
-            <a:r>
-              <a:rPr lang="de-DE" altLang="zh-CN" sz="2000">
-                <a:ea typeface="宋体" pitchFamily="2" charset="-122"/>
-              </a:rPr>
-              <a:t>Core</a:t>
-            </a:r>
-            <a:endParaRPr lang="en-US" altLang="zh-CN" sz="2000">
-              <a:ea typeface="宋体" pitchFamily="2" charset="-122"/>
-            </a:endParaRPr>
-          </a:p>
-        </p:txBody>
-      </p:sp>
-      <p:sp>
-        <p:nvSpPr>
-          <p:cNvPr id="214036" name="Rectangle 20"/>
-          <p:cNvSpPr>
-            <a:spLocks noChangeArrowheads="1"/>
-          </p:cNvSpPr>
-          <p:nvPr/>
-        </p:nvSpPr>
-        <p:spPr bwMode="auto">
-          <a:xfrm>
-            <a:off x="6154738" y="4365625"/>
-            <a:ext cx="858837" cy="565150"/>
-          </a:xfrm>
-          <a:prstGeom prst="rect">
-            <a:avLst/>
-          </a:prstGeom>
-          <a:noFill/>
-          <a:ln w="38100" algn="ctr">
-            <a:solidFill>
-              <a:schemeClr val="tx1"/>
-            </a:solidFill>
-            <a:miter lim="800000"/>
-            <a:headEnd/>
-            <a:tailEnd/>
-          </a:ln>
-        </p:spPr>
-        <p:txBody>
-          <a:bodyPr anchor="ctr">
-            <a:spAutoFit/>
-          </a:bodyPr>
-          <a:lstStyle/>
-          <a:p>
-            <a:endParaRPr lang="de-DE"/>
-          </a:p>
-        </p:txBody>
-      </p:sp>
-      <p:sp>
-        <p:nvSpPr>
-          <p:cNvPr id="214037" name="Text Box 21"/>
-          <p:cNvSpPr txBox="1">
-            <a:spLocks noChangeArrowheads="1"/>
-          </p:cNvSpPr>
-          <p:nvPr/>
-        </p:nvSpPr>
-        <p:spPr bwMode="auto">
-          <a:xfrm>
-            <a:off x="6211888" y="4449763"/>
-            <a:ext cx="735012" cy="396875"/>
-          </a:xfrm>
-          <a:prstGeom prst="rect">
-            <a:avLst/>
-          </a:prstGeom>
-          <a:noFill/>
-          <a:ln w="9525" algn="ctr">
-            <a:noFill/>
-            <a:miter lim="800000"/>
-            <a:headEnd/>
-            <a:tailEnd/>
-          </a:ln>
-        </p:spPr>
-        <p:txBody>
-          <a:bodyPr wrap="none">
-            <a:spAutoFit/>
-          </a:bodyPr>
-          <a:lstStyle/>
-          <a:p>
-            <a:pPr defTabSz="758825"/>
-            <a:r>
-              <a:rPr lang="de-DE" altLang="zh-CN" sz="2000">
-                <a:ea typeface="宋体" pitchFamily="2" charset="-122"/>
-              </a:rPr>
-              <a:t>Core</a:t>
-            </a:r>
-            <a:endParaRPr lang="en-US" altLang="zh-CN" sz="2000">
-              <a:ea typeface="宋体" pitchFamily="2" charset="-122"/>
-            </a:endParaRPr>
-          </a:p>
-        </p:txBody>
-      </p:sp>
-      <p:sp>
-        <p:nvSpPr>
-          <p:cNvPr id="214038" name="Rectangle 22"/>
-          <p:cNvSpPr>
-            <a:spLocks noChangeArrowheads="1"/>
-          </p:cNvSpPr>
-          <p:nvPr/>
-        </p:nvSpPr>
-        <p:spPr bwMode="auto">
-          <a:xfrm>
-            <a:off x="5219700" y="5024438"/>
-            <a:ext cx="858838" cy="565150"/>
-          </a:xfrm>
-          <a:prstGeom prst="rect">
-            <a:avLst/>
-          </a:prstGeom>
-          <a:noFill/>
-          <a:ln w="38100" algn="ctr">
-            <a:solidFill>
-              <a:schemeClr val="tx1"/>
-            </a:solidFill>
-            <a:miter lim="800000"/>
-            <a:headEnd/>
-            <a:tailEnd/>
-          </a:ln>
-        </p:spPr>
-        <p:txBody>
-          <a:bodyPr anchor="ctr">
-            <a:spAutoFit/>
-          </a:bodyPr>
-          <a:lstStyle/>
-          <a:p>
-            <a:endParaRPr lang="de-DE"/>
-          </a:p>
-        </p:txBody>
-      </p:sp>
-      <p:sp>
-        <p:nvSpPr>
-          <p:cNvPr id="214039" name="Text Box 23"/>
-          <p:cNvSpPr txBox="1">
-            <a:spLocks noChangeArrowheads="1"/>
-          </p:cNvSpPr>
-          <p:nvPr/>
-        </p:nvSpPr>
-        <p:spPr bwMode="auto">
-          <a:xfrm>
-            <a:off x="5276850" y="5108575"/>
-            <a:ext cx="735013" cy="396875"/>
-          </a:xfrm>
-          <a:prstGeom prst="rect">
-            <a:avLst/>
-          </a:prstGeom>
-          <a:noFill/>
-          <a:ln w="9525" algn="ctr">
-            <a:noFill/>
-            <a:miter lim="800000"/>
-            <a:headEnd/>
-            <a:tailEnd/>
-          </a:ln>
-        </p:spPr>
-        <p:txBody>
-          <a:bodyPr wrap="none">
-            <a:spAutoFit/>
-          </a:bodyPr>
-          <a:lstStyle/>
-          <a:p>
-            <a:pPr defTabSz="758825"/>
-            <a:r>
-              <a:rPr lang="de-DE" altLang="zh-CN" sz="2000">
-                <a:ea typeface="宋体" pitchFamily="2" charset="-122"/>
-              </a:rPr>
-              <a:t>Core</a:t>
-            </a:r>
-            <a:endParaRPr lang="en-US" altLang="zh-CN" sz="2000">
-              <a:ea typeface="宋体" pitchFamily="2" charset="-122"/>
-            </a:endParaRPr>
-          </a:p>
-        </p:txBody>
-      </p:sp>
-      <p:sp>
-        <p:nvSpPr>
-          <p:cNvPr id="214040" name="Rectangle 24"/>
-          <p:cNvSpPr>
-            <a:spLocks noChangeArrowheads="1"/>
-          </p:cNvSpPr>
-          <p:nvPr/>
-        </p:nvSpPr>
-        <p:spPr bwMode="auto">
-          <a:xfrm>
-            <a:off x="6154738" y="5024438"/>
-            <a:ext cx="858837" cy="565150"/>
-          </a:xfrm>
-          <a:prstGeom prst="rect">
-            <a:avLst/>
-          </a:prstGeom>
-          <a:noFill/>
-          <a:ln w="38100" algn="ctr">
-            <a:solidFill>
-              <a:schemeClr val="tx1"/>
-            </a:solidFill>
-            <a:miter lim="800000"/>
-            <a:headEnd/>
-            <a:tailEnd/>
-          </a:ln>
-        </p:spPr>
-        <p:txBody>
-          <a:bodyPr anchor="ctr">
-            <a:spAutoFit/>
-          </a:bodyPr>
-          <a:lstStyle/>
-          <a:p>
-            <a:endParaRPr lang="de-DE"/>
-          </a:p>
-        </p:txBody>
-      </p:sp>
-      <p:sp>
-        <p:nvSpPr>
-          <p:cNvPr id="214041" name="Text Box 25"/>
-          <p:cNvSpPr txBox="1">
-            <a:spLocks noChangeArrowheads="1"/>
-          </p:cNvSpPr>
-          <p:nvPr/>
-        </p:nvSpPr>
-        <p:spPr bwMode="auto">
-          <a:xfrm>
-            <a:off x="6211888" y="5108575"/>
-            <a:ext cx="735012" cy="396875"/>
-          </a:xfrm>
-          <a:prstGeom prst="rect">
-            <a:avLst/>
-          </a:prstGeom>
-          <a:noFill/>
-          <a:ln w="9525" algn="ctr">
-            <a:noFill/>
-            <a:miter lim="800000"/>
-            <a:headEnd/>
-            <a:tailEnd/>
-          </a:ln>
-        </p:spPr>
-        <p:txBody>
-          <a:bodyPr wrap="none">
-            <a:spAutoFit/>
-          </a:bodyPr>
-          <a:lstStyle/>
-          <a:p>
-            <a:pPr defTabSz="758825"/>
-            <a:r>
-              <a:rPr lang="de-DE" altLang="zh-CN" sz="2000">
-                <a:ea typeface="宋体" pitchFamily="2" charset="-122"/>
-              </a:rPr>
-              <a:t>Core</a:t>
-            </a:r>
-            <a:endParaRPr lang="en-US" altLang="zh-CN" sz="2000">
-              <a:ea typeface="宋体" pitchFamily="2" charset="-122"/>
-            </a:endParaRPr>
-          </a:p>
-        </p:txBody>
-      </p:sp>
-      <p:sp>
-        <p:nvSpPr>
-          <p:cNvPr id="214042" name="Text Box 26"/>
-          <p:cNvSpPr txBox="1">
-            <a:spLocks noChangeArrowheads="1"/>
-          </p:cNvSpPr>
-          <p:nvPr/>
-        </p:nvSpPr>
-        <p:spPr bwMode="auto">
-          <a:xfrm rot="-2165685">
-            <a:off x="3600450" y="2093913"/>
-            <a:ext cx="1943100" cy="368300"/>
-          </a:xfrm>
-          <a:prstGeom prst="rect">
-            <a:avLst/>
-          </a:prstGeom>
-          <a:noFill/>
-          <a:ln w="9525" algn="ctr">
-            <a:noFill/>
-            <a:miter lim="800000"/>
-            <a:headEnd/>
-            <a:tailEnd/>
-          </a:ln>
-        </p:spPr>
-        <p:txBody>
-          <a:bodyPr wrap="none">
-            <a:spAutoFit/>
-          </a:bodyPr>
-          <a:lstStyle/>
-          <a:p>
-            <a:pPr defTabSz="758825"/>
-            <a:r>
-              <a:rPr lang="de-DE" altLang="zh-CN" sz="1800">
-                <a:ea typeface="宋体" pitchFamily="2" charset="-122"/>
-              </a:rPr>
-              <a:t>CudaMemCopy()</a:t>
-            </a:r>
-            <a:endParaRPr lang="en-US" altLang="zh-CN" sz="1800">
-              <a:ea typeface="宋体" pitchFamily="2" charset="-122"/>
-            </a:endParaRPr>
-          </a:p>
-        </p:txBody>
-      </p:sp>
-      <p:sp>
-        <p:nvSpPr>
-          <p:cNvPr id="214043" name="Rectangle 27"/>
-          <p:cNvSpPr>
-            <a:spLocks noChangeArrowheads="1"/>
-          </p:cNvSpPr>
-          <p:nvPr/>
-        </p:nvSpPr>
-        <p:spPr bwMode="auto">
-          <a:xfrm>
-            <a:off x="5651500" y="1549400"/>
-            <a:ext cx="2520950" cy="1296988"/>
-          </a:xfrm>
-          <a:prstGeom prst="rect">
-            <a:avLst/>
-          </a:prstGeom>
-          <a:noFill/>
-          <a:ln w="38100" algn="ctr">
-            <a:solidFill>
-              <a:schemeClr val="tx1"/>
-            </a:solidFill>
-            <a:miter lim="800000"/>
-            <a:headEnd/>
-            <a:tailEnd/>
-          </a:ln>
-        </p:spPr>
-        <p:txBody>
-          <a:bodyPr anchor="ctr">
-            <a:spAutoFit/>
-          </a:bodyPr>
-          <a:lstStyle/>
-          <a:p>
-            <a:endParaRPr lang="de-DE"/>
           </a:p>
         </p:txBody>
       </p:sp>
@@ -21521,13 +23910,6 @@
   <p:transition>
     <p:zoom/>
   </p:transition>
-  <p:timing>
-    <p:tnLst>
-      <p:par>
-        <p:cTn id="1" dur="indefinite" restart="never" nodeType="tmRoot"/>
-      </p:par>
-    </p:tnLst>
-  </p:timing>
 </p:sld>
 </file>
 

--- a/trunk/Master_arbeit/word/Abschlussvortrag der Masterarbeit.pptx
+++ b/trunk/Master_arbeit/word/Abschlussvortrag der Masterarbeit.pptx
@@ -7576,7 +7576,6 @@
               <a:rPr lang="de-DE" altLang="zh-CN" dirty="0" smtClean="0"/>
               <a:t>0.798(106°)</a:t>
             </a:r>
-            <a:endParaRPr lang="de-DE" altLang="zh-CN" dirty="0" smtClean="0"/>
           </a:p>
           <a:p>
             <a:pPr lvl="1"/>
@@ -7664,6 +7663,32 @@
           </a:graphicData>
         </a:graphic>
       </p:graphicFrame>
+      <p:pic>
+        <p:nvPicPr>
+          <p:cNvPr id="5125" name="Picture 5" descr="F:\Data\leher\SVN\Master_arbeit\Latex\Masterarbeit\bilder\max_divergence_angle.PNG"/>
+          <p:cNvPicPr>
+            <a:picLocks noChangeAspect="1" noChangeArrowheads="1"/>
+          </p:cNvPicPr>
+          <p:nvPr/>
+        </p:nvPicPr>
+        <p:blipFill>
+          <a:blip r:embed="rId7"/>
+          <a:srcRect/>
+          <a:stretch>
+            <a:fillRect/>
+          </a:stretch>
+        </p:blipFill>
+        <p:spPr bwMode="auto">
+          <a:xfrm>
+            <a:off x="2682140" y="3409951"/>
+            <a:ext cx="3481380" cy="2865850"/>
+          </a:xfrm>
+          <a:prstGeom prst="rect">
+            <a:avLst/>
+          </a:prstGeom>
+          <a:noFill/>
+        </p:spPr>
+      </p:pic>
     </p:spTree>
   </p:cSld>
   <p:clrMapOvr>
@@ -7901,7 +7926,7 @@
         </p:blipFill>
         <p:spPr bwMode="auto">
           <a:xfrm>
-            <a:off x="3830628" y="3126130"/>
+            <a:off x="3792528" y="3126130"/>
             <a:ext cx="5068897" cy="3050489"/>
           </a:xfrm>
           <a:prstGeom prst="rect">
@@ -7927,7 +7952,7 @@
         </p:blipFill>
         <p:spPr bwMode="auto">
           <a:xfrm>
-            <a:off x="3830628" y="3483159"/>
+            <a:off x="2143108" y="3483159"/>
             <a:ext cx="4968887" cy="2984316"/>
           </a:xfrm>
           <a:prstGeom prst="rect">
@@ -8979,16 +9004,7 @@
                 </a:solidFill>
                 <a:ea typeface="宋体" pitchFamily="2" charset="-122"/>
               </a:rPr>
-              <a:t> </a:t>
-            </a:r>
-            <a:r>
-              <a:rPr lang="de-DE" altLang="zh-CN" sz="3200" dirty="0" smtClean="0">
-                <a:solidFill>
-                  <a:srgbClr val="C61829"/>
-                </a:solidFill>
-                <a:ea typeface="宋体" pitchFamily="2" charset="-122"/>
-              </a:rPr>
-              <a:t>O</a:t>
+              <a:t> O</a:t>
             </a:r>
             <a:r>
               <a:rPr lang="en-US" altLang="zh-CN" sz="3200" dirty="0" err="1" smtClean="0">
@@ -9045,16 +9061,7 @@
                 </a:solidFill>
                 <a:ea typeface="宋体" pitchFamily="2" charset="-122"/>
               </a:rPr>
-              <a:t> </a:t>
-            </a:r>
-            <a:r>
-              <a:rPr lang="en-US" altLang="zh-CN" sz="3200" dirty="0" smtClean="0">
-                <a:solidFill>
-                  <a:srgbClr val="C61829"/>
-                </a:solidFill>
-                <a:ea typeface="宋体" pitchFamily="2" charset="-122"/>
-              </a:rPr>
-              <a:t>and Outlook</a:t>
+              <a:t> and Outlook</a:t>
             </a:r>
             <a:endParaRPr lang="en-US" altLang="zh-CN" sz="3200" dirty="0">
               <a:solidFill>
@@ -9408,9 +9415,6 @@
               </a:rPr>
               <a:t>For your attention</a:t>
             </a:r>
-            <a:endParaRPr lang="en-US" altLang="zh-CN" sz="4000" i="1" dirty="0" smtClean="0">
-              <a:ea typeface="宋体" pitchFamily="2" charset="-122"/>
-            </a:endParaRPr>
           </a:p>
         </p:txBody>
       </p:sp>

--- a/trunk/Master_arbeit/word/Abschlussvortrag der Masterarbeit.pptx
+++ b/trunk/Master_arbeit/word/Abschlussvortrag der Masterarbeit.pptx
@@ -5,10 +5,10 @@
     <p:sldMasterId id="2147483651" r:id="rId1"/>
   </p:sldMasterIdLst>
   <p:notesMasterIdLst>
-    <p:notesMasterId r:id="rId26"/>
+    <p:notesMasterId r:id="rId28"/>
   </p:notesMasterIdLst>
   <p:handoutMasterIdLst>
-    <p:handoutMasterId r:id="rId27"/>
+    <p:handoutMasterId r:id="rId29"/>
   </p:handoutMasterIdLst>
   <p:sldIdLst>
     <p:sldId id="327" r:id="rId2"/>
@@ -32,9 +32,11 @@
     <p:sldId id="487" r:id="rId20"/>
     <p:sldId id="448" r:id="rId21"/>
     <p:sldId id="488" r:id="rId22"/>
-    <p:sldId id="474" r:id="rId23"/>
-    <p:sldId id="418" r:id="rId24"/>
-    <p:sldId id="369" r:id="rId25"/>
+    <p:sldId id="418" r:id="rId23"/>
+    <p:sldId id="369" r:id="rId24"/>
+    <p:sldId id="489" r:id="rId25"/>
+    <p:sldId id="490" r:id="rId26"/>
+    <p:sldId id="491" r:id="rId27"/>
   </p:sldIdLst>
   <p:sldSz cx="9144000" cy="6858000" type="letter"/>
   <p:notesSz cx="6729413" cy="9866313"/>
@@ -1761,6 +1763,524 @@
           </a:bodyPr>
           <a:lstStyle/>
           <a:p>
+            <a:r>
+              <a:rPr lang="de-DE" altLang="zh-CN" dirty="0" err="1" smtClean="0"/>
+              <a:t>Another</a:t>
+            </a:r>
+            <a:r>
+              <a:rPr lang="de-DE" altLang="zh-CN" dirty="0" smtClean="0"/>
+              <a:t> </a:t>
+            </a:r>
+            <a:r>
+              <a:rPr lang="de-DE" altLang="zh-CN" dirty="0" err="1" smtClean="0"/>
+              <a:t>idea</a:t>
+            </a:r>
+            <a:r>
+              <a:rPr lang="de-DE" altLang="zh-CN" dirty="0" smtClean="0"/>
+              <a:t> </a:t>
+            </a:r>
+            <a:r>
+              <a:rPr lang="de-DE" altLang="zh-CN" dirty="0" err="1" smtClean="0"/>
+              <a:t>for</a:t>
+            </a:r>
+            <a:r>
+              <a:rPr lang="de-DE" altLang="zh-CN" dirty="0" smtClean="0"/>
+              <a:t> </a:t>
+            </a:r>
+            <a:r>
+              <a:rPr lang="de-DE" altLang="zh-CN" dirty="0" err="1" smtClean="0"/>
+              <a:t>handling</a:t>
+            </a:r>
+            <a:r>
+              <a:rPr lang="de-DE" altLang="zh-CN" dirty="0" smtClean="0"/>
+              <a:t> </a:t>
+            </a:r>
+            <a:r>
+              <a:rPr lang="de-DE" altLang="zh-CN" dirty="0" err="1" smtClean="0"/>
+              <a:t>light</a:t>
+            </a:r>
+            <a:r>
+              <a:rPr lang="de-DE" altLang="zh-CN" dirty="0" smtClean="0"/>
+              <a:t> </a:t>
+            </a:r>
+            <a:r>
+              <a:rPr lang="de-DE" altLang="zh-CN" dirty="0" err="1" smtClean="0"/>
+              <a:t>propatation</a:t>
+            </a:r>
+            <a:r>
+              <a:rPr lang="de-DE" altLang="zh-CN" dirty="0" smtClean="0"/>
+              <a:t> in </a:t>
+            </a:r>
+            <a:r>
+              <a:rPr lang="de-DE" altLang="zh-CN" dirty="0" err="1" smtClean="0"/>
+              <a:t>track</a:t>
+            </a:r>
+            <a:r>
+              <a:rPr lang="de-DE" altLang="zh-CN" dirty="0" smtClean="0"/>
+              <a:t> 2</a:t>
+            </a:r>
+            <a:r>
+              <a:rPr lang="de-DE" altLang="zh-CN" baseline="0" dirty="0" smtClean="0"/>
+              <a:t> </a:t>
+            </a:r>
+            <a:r>
+              <a:rPr lang="de-DE" altLang="zh-CN" baseline="0" dirty="0" err="1" smtClean="0"/>
+              <a:t>is</a:t>
+            </a:r>
+            <a:r>
+              <a:rPr lang="de-DE" altLang="zh-CN" baseline="0" dirty="0" smtClean="0"/>
+              <a:t> </a:t>
+            </a:r>
+            <a:r>
+              <a:rPr lang="de-DE" altLang="zh-CN" baseline="0" dirty="0" err="1" smtClean="0"/>
+              <a:t>to</a:t>
+            </a:r>
+            <a:r>
+              <a:rPr lang="de-DE" altLang="zh-CN" baseline="0" dirty="0" smtClean="0"/>
+              <a:t> </a:t>
+            </a:r>
+            <a:r>
+              <a:rPr lang="de-DE" altLang="zh-CN" baseline="0" dirty="0" err="1" smtClean="0"/>
+              <a:t>replace</a:t>
+            </a:r>
+            <a:r>
+              <a:rPr lang="de-DE" altLang="zh-CN" baseline="0" dirty="0" smtClean="0"/>
+              <a:t> </a:t>
+            </a:r>
+            <a:r>
+              <a:rPr lang="de-DE" altLang="zh-CN" baseline="0" dirty="0" err="1" smtClean="0"/>
+              <a:t>the</a:t>
+            </a:r>
+            <a:r>
+              <a:rPr lang="de-DE" altLang="zh-CN" baseline="0" dirty="0" smtClean="0"/>
+              <a:t> </a:t>
+            </a:r>
+            <a:r>
+              <a:rPr lang="de-DE" altLang="zh-CN" baseline="0" dirty="0" err="1" smtClean="0"/>
+              <a:t>surrounding</a:t>
+            </a:r>
+            <a:r>
+              <a:rPr lang="de-DE" altLang="zh-CN" baseline="0" dirty="0" smtClean="0"/>
+              <a:t> </a:t>
+            </a:r>
+            <a:r>
+              <a:rPr lang="de-DE" altLang="zh-CN" baseline="0" dirty="0" err="1" smtClean="0"/>
+              <a:t>mediea</a:t>
+            </a:r>
+            <a:r>
+              <a:rPr lang="de-DE" altLang="zh-CN" baseline="0" smtClean="0"/>
+              <a:t>. </a:t>
+            </a:r>
+            <a:endParaRPr lang="zh-CN" altLang="en-US" dirty="0"/>
+          </a:p>
+        </p:txBody>
+      </p:sp>
+      <p:sp>
+        <p:nvSpPr>
+          <p:cNvPr id="4" name="Foliennummernplatzhalter 3"/>
+          <p:cNvSpPr>
+            <a:spLocks noGrp="1"/>
+          </p:cNvSpPr>
+          <p:nvPr>
+            <p:ph type="sldNum" sz="quarter" idx="10"/>
+          </p:nvPr>
+        </p:nvSpPr>
+        <p:spPr/>
+        <p:txBody>
+          <a:bodyPr/>
+          <a:lstStyle/>
+          <a:p>
+            <a:fld id="{031E71C2-430C-44C1-937C-0E9DE1F3577E}" type="slidenum">
+              <a:rPr lang="de-DE" smtClean="0"/>
+              <a:pPr/>
+              <a:t>13</a:t>
+            </a:fld>
+            <a:endParaRPr lang="de-DE"/>
+          </a:p>
+        </p:txBody>
+      </p:sp>
+    </p:spTree>
+  </p:cSld>
+  <p:clrMapOvr>
+    <a:masterClrMapping/>
+  </p:clrMapOvr>
+</p:notes>
+</file>
+
+<file path=ppt/notesSlides/notesSlide11.xml><?xml version="1.0" encoding="utf-8"?>
+<p:notes xmlns:a="http://schemas.openxmlformats.org/drawingml/2006/main" xmlns:r="http://schemas.openxmlformats.org/officeDocument/2006/relationships" xmlns:p="http://schemas.openxmlformats.org/presentationml/2006/main">
+  <p:cSld>
+    <p:spTree>
+      <p:nvGrpSpPr>
+        <p:cNvPr id="1" name=""/>
+        <p:cNvGrpSpPr/>
+        <p:nvPr/>
+      </p:nvGrpSpPr>
+      <p:grpSpPr>
+        <a:xfrm>
+          <a:off x="0" y="0"/>
+          <a:ext cx="0" cy="0"/>
+          <a:chOff x="0" y="0"/>
+          <a:chExt cx="0" cy="0"/>
+        </a:xfrm>
+      </p:grpSpPr>
+      <p:sp>
+        <p:nvSpPr>
+          <p:cNvPr id="2" name="Folienbildplatzhalter 1"/>
+          <p:cNvSpPr>
+            <a:spLocks noGrp="1" noRot="1" noChangeAspect="1"/>
+          </p:cNvSpPr>
+          <p:nvPr>
+            <p:ph type="sldImg"/>
+          </p:nvPr>
+        </p:nvSpPr>
+        <p:spPr/>
+      </p:sp>
+      <p:sp>
+        <p:nvSpPr>
+          <p:cNvPr id="3" name="Notizenplatzhalter 2"/>
+          <p:cNvSpPr>
+            <a:spLocks noGrp="1"/>
+          </p:cNvSpPr>
+          <p:nvPr>
+            <p:ph type="body" idx="1"/>
+          </p:nvPr>
+        </p:nvSpPr>
+        <p:spPr/>
+        <p:txBody>
+          <a:bodyPr>
+            <a:normAutofit/>
+          </a:bodyPr>
+          <a:lstStyle/>
+          <a:p>
+            <a:endParaRPr lang="zh-CN" altLang="en-US" dirty="0"/>
+          </a:p>
+        </p:txBody>
+      </p:sp>
+      <p:sp>
+        <p:nvSpPr>
+          <p:cNvPr id="4" name="Foliennummernplatzhalter 3"/>
+          <p:cNvSpPr>
+            <a:spLocks noGrp="1"/>
+          </p:cNvSpPr>
+          <p:nvPr>
+            <p:ph type="sldNum" sz="quarter" idx="10"/>
+          </p:nvPr>
+        </p:nvSpPr>
+        <p:spPr/>
+        <p:txBody>
+          <a:bodyPr/>
+          <a:lstStyle/>
+          <a:p>
+            <a:fld id="{031E71C2-430C-44C1-937C-0E9DE1F3577E}" type="slidenum">
+              <a:rPr lang="de-DE" smtClean="0"/>
+              <a:pPr/>
+              <a:t>14</a:t>
+            </a:fld>
+            <a:endParaRPr lang="de-DE"/>
+          </a:p>
+        </p:txBody>
+      </p:sp>
+    </p:spTree>
+  </p:cSld>
+  <p:clrMapOvr>
+    <a:masterClrMapping/>
+  </p:clrMapOvr>
+</p:notes>
+</file>
+
+<file path=ppt/notesSlides/notesSlide12.xml><?xml version="1.0" encoding="utf-8"?>
+<p:notes xmlns:a="http://schemas.openxmlformats.org/drawingml/2006/main" xmlns:r="http://schemas.openxmlformats.org/officeDocument/2006/relationships" xmlns:p="http://schemas.openxmlformats.org/presentationml/2006/main">
+  <p:cSld>
+    <p:spTree>
+      <p:nvGrpSpPr>
+        <p:cNvPr id="1" name=""/>
+        <p:cNvGrpSpPr/>
+        <p:nvPr/>
+      </p:nvGrpSpPr>
+      <p:grpSpPr>
+        <a:xfrm>
+          <a:off x="0" y="0"/>
+          <a:ext cx="0" cy="0"/>
+          <a:chOff x="0" y="0"/>
+          <a:chExt cx="0" cy="0"/>
+        </a:xfrm>
+      </p:grpSpPr>
+      <p:sp>
+        <p:nvSpPr>
+          <p:cNvPr id="2" name="Folienbildplatzhalter 1"/>
+          <p:cNvSpPr>
+            <a:spLocks noGrp="1" noRot="1" noChangeAspect="1"/>
+          </p:cNvSpPr>
+          <p:nvPr>
+            <p:ph type="sldImg"/>
+          </p:nvPr>
+        </p:nvSpPr>
+        <p:spPr/>
+      </p:sp>
+      <p:sp>
+        <p:nvSpPr>
+          <p:cNvPr id="3" name="Notizenplatzhalter 2"/>
+          <p:cNvSpPr>
+            <a:spLocks noGrp="1"/>
+          </p:cNvSpPr>
+          <p:nvPr>
+            <p:ph type="body" idx="1"/>
+          </p:nvPr>
+        </p:nvSpPr>
+        <p:spPr/>
+        <p:txBody>
+          <a:bodyPr>
+            <a:normAutofit/>
+          </a:bodyPr>
+          <a:lstStyle/>
+          <a:p>
+            <a:endParaRPr lang="zh-CN" altLang="en-US" dirty="0"/>
+          </a:p>
+        </p:txBody>
+      </p:sp>
+      <p:sp>
+        <p:nvSpPr>
+          <p:cNvPr id="4" name="Foliennummernplatzhalter 3"/>
+          <p:cNvSpPr>
+            <a:spLocks noGrp="1"/>
+          </p:cNvSpPr>
+          <p:nvPr>
+            <p:ph type="sldNum" sz="quarter" idx="10"/>
+          </p:nvPr>
+        </p:nvSpPr>
+        <p:spPr/>
+        <p:txBody>
+          <a:bodyPr/>
+          <a:lstStyle/>
+          <a:p>
+            <a:fld id="{031E71C2-430C-44C1-937C-0E9DE1F3577E}" type="slidenum">
+              <a:rPr lang="de-DE" smtClean="0"/>
+              <a:pPr/>
+              <a:t>15</a:t>
+            </a:fld>
+            <a:endParaRPr lang="de-DE"/>
+          </a:p>
+        </p:txBody>
+      </p:sp>
+    </p:spTree>
+  </p:cSld>
+  <p:clrMapOvr>
+    <a:masterClrMapping/>
+  </p:clrMapOvr>
+</p:notes>
+</file>
+
+<file path=ppt/notesSlides/notesSlide13.xml><?xml version="1.0" encoding="utf-8"?>
+<p:notes xmlns:a="http://schemas.openxmlformats.org/drawingml/2006/main" xmlns:r="http://schemas.openxmlformats.org/officeDocument/2006/relationships" xmlns:p="http://schemas.openxmlformats.org/presentationml/2006/main">
+  <p:cSld>
+    <p:spTree>
+      <p:nvGrpSpPr>
+        <p:cNvPr id="1" name=""/>
+        <p:cNvGrpSpPr/>
+        <p:nvPr/>
+      </p:nvGrpSpPr>
+      <p:grpSpPr>
+        <a:xfrm>
+          <a:off x="0" y="0"/>
+          <a:ext cx="0" cy="0"/>
+          <a:chOff x="0" y="0"/>
+          <a:chExt cx="0" cy="0"/>
+        </a:xfrm>
+      </p:grpSpPr>
+      <p:sp>
+        <p:nvSpPr>
+          <p:cNvPr id="2" name="Folienbildplatzhalter 1"/>
+          <p:cNvSpPr>
+            <a:spLocks noGrp="1" noRot="1" noChangeAspect="1"/>
+          </p:cNvSpPr>
+          <p:nvPr>
+            <p:ph type="sldImg"/>
+          </p:nvPr>
+        </p:nvSpPr>
+        <p:spPr/>
+      </p:sp>
+      <p:sp>
+        <p:nvSpPr>
+          <p:cNvPr id="3" name="Notizenplatzhalter 2"/>
+          <p:cNvSpPr>
+            <a:spLocks noGrp="1"/>
+          </p:cNvSpPr>
+          <p:nvPr>
+            <p:ph type="body" idx="1"/>
+          </p:nvPr>
+        </p:nvSpPr>
+        <p:spPr/>
+        <p:txBody>
+          <a:bodyPr>
+            <a:normAutofit/>
+          </a:bodyPr>
+          <a:lstStyle/>
+          <a:p>
+            <a:endParaRPr lang="zh-CN" altLang="en-US" dirty="0"/>
+          </a:p>
+        </p:txBody>
+      </p:sp>
+      <p:sp>
+        <p:nvSpPr>
+          <p:cNvPr id="4" name="Foliennummernplatzhalter 3"/>
+          <p:cNvSpPr>
+            <a:spLocks noGrp="1"/>
+          </p:cNvSpPr>
+          <p:nvPr>
+            <p:ph type="sldNum" sz="quarter" idx="10"/>
+          </p:nvPr>
+        </p:nvSpPr>
+        <p:spPr/>
+        <p:txBody>
+          <a:bodyPr/>
+          <a:lstStyle/>
+          <a:p>
+            <a:fld id="{031E71C2-430C-44C1-937C-0E9DE1F3577E}" type="slidenum">
+              <a:rPr lang="de-DE" smtClean="0"/>
+              <a:pPr/>
+              <a:t>20</a:t>
+            </a:fld>
+            <a:endParaRPr lang="de-DE"/>
+          </a:p>
+        </p:txBody>
+      </p:sp>
+    </p:spTree>
+  </p:cSld>
+  <p:clrMapOvr>
+    <a:masterClrMapping/>
+  </p:clrMapOvr>
+</p:notes>
+</file>
+
+<file path=ppt/notesSlides/notesSlide14.xml><?xml version="1.0" encoding="utf-8"?>
+<p:notes xmlns:a="http://schemas.openxmlformats.org/drawingml/2006/main" xmlns:r="http://schemas.openxmlformats.org/officeDocument/2006/relationships" xmlns:p="http://schemas.openxmlformats.org/presentationml/2006/main">
+  <p:cSld>
+    <p:spTree>
+      <p:nvGrpSpPr>
+        <p:cNvPr id="1" name=""/>
+        <p:cNvGrpSpPr/>
+        <p:nvPr/>
+      </p:nvGrpSpPr>
+      <p:grpSpPr>
+        <a:xfrm>
+          <a:off x="0" y="0"/>
+          <a:ext cx="0" cy="0"/>
+          <a:chOff x="0" y="0"/>
+          <a:chExt cx="0" cy="0"/>
+        </a:xfrm>
+      </p:grpSpPr>
+      <p:sp>
+        <p:nvSpPr>
+          <p:cNvPr id="2" name="Folienbildplatzhalter 1"/>
+          <p:cNvSpPr>
+            <a:spLocks noGrp="1" noRot="1" noChangeAspect="1"/>
+          </p:cNvSpPr>
+          <p:nvPr>
+            <p:ph type="sldImg"/>
+          </p:nvPr>
+        </p:nvSpPr>
+        <p:spPr/>
+      </p:sp>
+      <p:sp>
+        <p:nvSpPr>
+          <p:cNvPr id="3" name="Notizenplatzhalter 2"/>
+          <p:cNvSpPr>
+            <a:spLocks noGrp="1"/>
+          </p:cNvSpPr>
+          <p:nvPr>
+            <p:ph type="body" idx="1"/>
+          </p:nvPr>
+        </p:nvSpPr>
+        <p:spPr/>
+        <p:txBody>
+          <a:bodyPr>
+            <a:normAutofit/>
+          </a:bodyPr>
+          <a:lstStyle/>
+          <a:p>
+            <a:endParaRPr lang="zh-CN" altLang="en-US" dirty="0"/>
+          </a:p>
+        </p:txBody>
+      </p:sp>
+      <p:sp>
+        <p:nvSpPr>
+          <p:cNvPr id="4" name="Foliennummernplatzhalter 3"/>
+          <p:cNvSpPr>
+            <a:spLocks noGrp="1"/>
+          </p:cNvSpPr>
+          <p:nvPr>
+            <p:ph type="sldNum" sz="quarter" idx="10"/>
+          </p:nvPr>
+        </p:nvSpPr>
+        <p:spPr/>
+        <p:txBody>
+          <a:bodyPr/>
+          <a:lstStyle/>
+          <a:p>
+            <a:fld id="{031E71C2-430C-44C1-937C-0E9DE1F3577E}" type="slidenum">
+              <a:rPr lang="de-DE" smtClean="0"/>
+              <a:pPr/>
+              <a:t>22</a:t>
+            </a:fld>
+            <a:endParaRPr lang="de-DE"/>
+          </a:p>
+        </p:txBody>
+      </p:sp>
+    </p:spTree>
+  </p:cSld>
+  <p:clrMapOvr>
+    <a:masterClrMapping/>
+  </p:clrMapOvr>
+</p:notes>
+</file>
+
+<file path=ppt/notesSlides/notesSlide15.xml><?xml version="1.0" encoding="utf-8"?>
+<p:notes xmlns:a="http://schemas.openxmlformats.org/drawingml/2006/main" xmlns:r="http://schemas.openxmlformats.org/officeDocument/2006/relationships" xmlns:p="http://schemas.openxmlformats.org/presentationml/2006/main">
+  <p:cSld>
+    <p:spTree>
+      <p:nvGrpSpPr>
+        <p:cNvPr id="1" name=""/>
+        <p:cNvGrpSpPr/>
+        <p:nvPr/>
+      </p:nvGrpSpPr>
+      <p:grpSpPr>
+        <a:xfrm>
+          <a:off x="0" y="0"/>
+          <a:ext cx="0" cy="0"/>
+          <a:chOff x="0" y="0"/>
+          <a:chExt cx="0" cy="0"/>
+        </a:xfrm>
+      </p:grpSpPr>
+      <p:sp>
+        <p:nvSpPr>
+          <p:cNvPr id="2" name="Folienbildplatzhalter 1"/>
+          <p:cNvSpPr>
+            <a:spLocks noGrp="1" noRot="1" noChangeAspect="1"/>
+          </p:cNvSpPr>
+          <p:nvPr>
+            <p:ph type="sldImg"/>
+          </p:nvPr>
+        </p:nvSpPr>
+        <p:spPr/>
+      </p:sp>
+      <p:sp>
+        <p:nvSpPr>
+          <p:cNvPr id="3" name="Notizenplatzhalter 2"/>
+          <p:cNvSpPr>
+            <a:spLocks noGrp="1"/>
+          </p:cNvSpPr>
+          <p:nvPr>
+            <p:ph type="body" idx="1"/>
+          </p:nvPr>
+        </p:nvSpPr>
+        <p:spPr/>
+        <p:txBody>
+          <a:bodyPr>
+            <a:normAutofit/>
+          </a:bodyPr>
+          <a:lstStyle/>
+          <a:p>
             <a:endParaRPr lang="zh-CN" altLang="en-US" dirty="0"/>
           </a:p>
         </p:txBody>
@@ -2776,31 +3296,119 @@
               <a:rPr lang="de-DE" altLang="zh-CN" dirty="0" smtClean="0"/>
               <a:t> </a:t>
             </a:r>
-            <a:r>
-              <a:rPr lang="de-DE" altLang="zh-CN" dirty="0" err="1" smtClean="0"/>
-              <a:t>Screen</a:t>
-            </a:r>
-            <a:r>
-              <a:rPr lang="de-DE" altLang="zh-CN" baseline="0" dirty="0" err="1" smtClean="0"/>
-              <a:t>shots</a:t>
-            </a:r>
-            <a:r>
-              <a:rPr lang="de-DE" altLang="zh-CN" baseline="0" dirty="0" smtClean="0"/>
-              <a:t> </a:t>
-            </a:r>
-            <a:r>
-              <a:rPr lang="de-DE" altLang="zh-CN" baseline="0" dirty="0" err="1" smtClean="0"/>
-              <a:t>of</a:t>
-            </a:r>
-            <a:r>
-              <a:rPr lang="de-DE" altLang="zh-CN" baseline="0" dirty="0" smtClean="0"/>
-              <a:t> E-</a:t>
-            </a:r>
-            <a:r>
-              <a:rPr lang="de-DE" altLang="zh-CN" baseline="0" dirty="0" err="1" smtClean="0"/>
-              <a:t>field</a:t>
-            </a:r>
-            <a:endParaRPr lang="zh-CN" altLang="en-US" dirty="0"/>
+            <a:endParaRPr lang="de-DE" altLang="zh-CN" dirty="0" smtClean="0"/>
+          </a:p>
+          <a:p>
+            <a:endParaRPr lang="de-DE" altLang="zh-CN" dirty="0" smtClean="0"/>
+          </a:p>
+          <a:p>
+            <a:r>
+              <a:rPr lang="en-US" altLang="zh-CN" noProof="0" dirty="0" smtClean="0"/>
+              <a:t>The figure on right top is the screen</a:t>
+            </a:r>
+            <a:r>
+              <a:rPr lang="en-US" altLang="zh-CN" baseline="0" noProof="0" dirty="0" smtClean="0"/>
+              <a:t>shots of its E-field in logarithmic scale in </a:t>
+            </a:r>
+            <a:r>
+              <a:rPr lang="en-US" altLang="zh-CN" baseline="0" noProof="0" dirty="0" err="1" smtClean="0"/>
+              <a:t>yz</a:t>
+            </a:r>
+            <a:r>
+              <a:rPr lang="en-US" altLang="zh-CN" baseline="0" noProof="0" dirty="0" smtClean="0"/>
+              <a:t>-Plane. It can be seen that e-field is highly concentrated by TLF at a near distance. </a:t>
+            </a:r>
+          </a:p>
+          <a:p>
+            <a:endParaRPr lang="en-US" altLang="zh-CN" noProof="0" dirty="0" smtClean="0"/>
+          </a:p>
+          <a:p>
+            <a:pPr marL="0" marR="0" indent="0" algn="l" defTabSz="758825" rtl="0" eaLnBrk="0" fontAlgn="base" latinLnBrk="0" hangingPunct="0">
+              <a:lnSpc>
+                <a:spcPct val="90000"/>
+              </a:lnSpc>
+              <a:spcBef>
+                <a:spcPct val="40000"/>
+              </a:spcBef>
+              <a:spcAft>
+                <a:spcPct val="0"/>
+              </a:spcAft>
+              <a:buClrTx/>
+              <a:buSzTx/>
+              <a:buFontTx/>
+              <a:buNone/>
+              <a:tabLst/>
+              <a:defRPr/>
+            </a:pPr>
+            <a:r>
+              <a:rPr lang="en-US" altLang="zh-CN" noProof="0" dirty="0" smtClean="0"/>
+              <a:t>The figure on right bottom shows </a:t>
+            </a:r>
+            <a:r>
+              <a:rPr lang="en-US" sz="1200" kern="1200" dirty="0" smtClean="0">
+                <a:solidFill>
+                  <a:schemeClr val="tx1"/>
+                </a:solidFill>
+                <a:latin typeface="Arial" charset="0"/>
+                <a:ea typeface="+mn-ea"/>
+                <a:cs typeface="+mn-cs"/>
+              </a:rPr>
+              <a:t>the beam spot diameters through their absolute beam power flow </a:t>
+            </a:r>
+            <a:r>
+              <a:rPr lang="en-US" sz="1200" kern="1200" noProof="0" dirty="0" smtClean="0">
+                <a:solidFill>
+                  <a:schemeClr val="tx1"/>
+                </a:solidFill>
+                <a:latin typeface="Arial" charset="0"/>
+                <a:ea typeface="+mn-ea"/>
+                <a:cs typeface="+mn-cs"/>
+              </a:rPr>
+              <a:t>density or its z-</a:t>
+            </a:r>
+            <a:r>
+              <a:rPr lang="en-US" sz="1200" kern="1200" noProof="0" dirty="0" err="1" smtClean="0">
+                <a:solidFill>
+                  <a:schemeClr val="tx1"/>
+                </a:solidFill>
+                <a:latin typeface="Arial" charset="0"/>
+                <a:ea typeface="+mn-ea"/>
+                <a:cs typeface="+mn-cs"/>
+              </a:rPr>
+              <a:t>compents</a:t>
+            </a:r>
+            <a:r>
+              <a:rPr lang="en-US" sz="1200" kern="1200" noProof="0" dirty="0" smtClean="0">
+                <a:solidFill>
+                  <a:schemeClr val="tx1"/>
+                </a:solidFill>
+                <a:latin typeface="Arial" charset="0"/>
+                <a:ea typeface="+mn-ea"/>
+                <a:cs typeface="+mn-cs"/>
+              </a:rPr>
+              <a:t> (propagation direction) of the beam power flow density along the propagation distance. The  curve</a:t>
+            </a:r>
+            <a:r>
+              <a:rPr lang="en-US" sz="1200" kern="1200" baseline="0" noProof="0" dirty="0" smtClean="0">
+                <a:solidFill>
+                  <a:schemeClr val="tx1"/>
+                </a:solidFill>
+                <a:latin typeface="Arial" charset="0"/>
+                <a:ea typeface="+mn-ea"/>
+                <a:cs typeface="+mn-cs"/>
+              </a:rPr>
+              <a:t> by absolute beam power flow density match the estimation of focal length in last page. We can also see the minimum spot diameter about 1.5µm.s </a:t>
+            </a:r>
+            <a:endParaRPr lang="en-US" altLang="zh-CN" noProof="0" dirty="0" smtClean="0"/>
+          </a:p>
+          <a:p>
+            <a:endParaRPr lang="de-DE" altLang="zh-CN" baseline="0" dirty="0" smtClean="0"/>
+          </a:p>
+          <a:p>
+            <a:endParaRPr lang="en-US" altLang="zh-CN" baseline="0" noProof="0" dirty="0" smtClean="0"/>
+          </a:p>
+          <a:p>
+            <a:endParaRPr lang="de-DE" altLang="zh-CN" baseline="0" dirty="0" smtClean="0"/>
           </a:p>
         </p:txBody>
       </p:sp>
@@ -2882,6 +3490,363 @@
           </a:bodyPr>
           <a:lstStyle/>
           <a:p>
+            <a:r>
+              <a:rPr lang="de-DE" altLang="zh-CN" dirty="0" err="1" smtClean="0"/>
+              <a:t>According</a:t>
+            </a:r>
+            <a:r>
+              <a:rPr lang="de-DE" altLang="zh-CN" dirty="0" smtClean="0"/>
+              <a:t> </a:t>
+            </a:r>
+            <a:r>
+              <a:rPr lang="de-DE" altLang="zh-CN" dirty="0" err="1" smtClean="0"/>
+              <a:t>previous</a:t>
+            </a:r>
+            <a:r>
+              <a:rPr lang="de-DE" altLang="zh-CN" dirty="0" smtClean="0"/>
+              <a:t> </a:t>
+            </a:r>
+            <a:r>
+              <a:rPr lang="de-DE" altLang="zh-CN" dirty="0" err="1" smtClean="0"/>
+              <a:t>works</a:t>
+            </a:r>
+            <a:r>
+              <a:rPr lang="de-DE" altLang="zh-CN" dirty="0" smtClean="0"/>
+              <a:t> </a:t>
+            </a:r>
+            <a:r>
+              <a:rPr lang="de-DE" altLang="zh-CN" dirty="0" err="1" smtClean="0"/>
+              <a:t>the</a:t>
+            </a:r>
+            <a:r>
+              <a:rPr lang="de-DE" altLang="zh-CN" dirty="0" smtClean="0"/>
+              <a:t> TL- </a:t>
+            </a:r>
+            <a:r>
+              <a:rPr lang="de-DE" altLang="zh-CN" dirty="0" err="1" smtClean="0"/>
+              <a:t>nd</a:t>
+            </a:r>
+            <a:r>
+              <a:rPr lang="de-DE" altLang="zh-CN" dirty="0" smtClean="0"/>
+              <a:t> </a:t>
+            </a:r>
+            <a:r>
+              <a:rPr lang="de-DE" altLang="zh-CN" dirty="0" err="1" smtClean="0"/>
+              <a:t>waveguide</a:t>
+            </a:r>
+            <a:r>
+              <a:rPr lang="de-DE" altLang="zh-CN" dirty="0" smtClean="0"/>
+              <a:t>-model </a:t>
+            </a:r>
+            <a:r>
+              <a:rPr lang="de-DE" altLang="zh-CN" dirty="0" err="1" smtClean="0"/>
+              <a:t>can</a:t>
+            </a:r>
+            <a:r>
+              <a:rPr lang="de-DE" altLang="zh-CN" dirty="0" smtClean="0"/>
+              <a:t> </a:t>
+            </a:r>
+            <a:r>
+              <a:rPr lang="de-DE" altLang="zh-CN" dirty="0" err="1" smtClean="0"/>
+              <a:t>be</a:t>
+            </a:r>
+            <a:r>
+              <a:rPr lang="de-DE" altLang="zh-CN" dirty="0" smtClean="0"/>
+              <a:t> </a:t>
+            </a:r>
+            <a:r>
+              <a:rPr lang="de-DE" altLang="zh-CN" dirty="0" err="1" smtClean="0"/>
+              <a:t>integrated</a:t>
+            </a:r>
+            <a:r>
+              <a:rPr lang="de-DE" altLang="zh-CN" dirty="0" smtClean="0"/>
+              <a:t>, </a:t>
+            </a:r>
+            <a:r>
+              <a:rPr lang="de-DE" altLang="zh-CN" dirty="0" err="1" smtClean="0"/>
+              <a:t>waveguide</a:t>
+            </a:r>
+            <a:r>
+              <a:rPr lang="de-DE" altLang="zh-CN" dirty="0" smtClean="0"/>
+              <a:t> </a:t>
+            </a:r>
+            <a:r>
+              <a:rPr lang="de-DE" altLang="zh-CN" dirty="0" err="1" smtClean="0"/>
+              <a:t>is</a:t>
+            </a:r>
+            <a:r>
+              <a:rPr lang="de-DE" altLang="zh-CN" dirty="0" smtClean="0"/>
+              <a:t> </a:t>
+            </a:r>
+            <a:r>
+              <a:rPr lang="de-DE" altLang="zh-CN" dirty="0" err="1" smtClean="0"/>
+              <a:t>located</a:t>
+            </a:r>
+            <a:r>
+              <a:rPr lang="de-DE" altLang="zh-CN" dirty="0" smtClean="0"/>
+              <a:t> </a:t>
+            </a:r>
+            <a:r>
+              <a:rPr lang="de-DE" altLang="zh-CN" dirty="0" err="1" smtClean="0"/>
+              <a:t>at</a:t>
+            </a:r>
+            <a:r>
+              <a:rPr lang="de-DE" altLang="zh-CN" dirty="0" smtClean="0"/>
+              <a:t> </a:t>
+            </a:r>
+            <a:r>
+              <a:rPr lang="de-DE" altLang="zh-CN" dirty="0" err="1" smtClean="0"/>
+              <a:t>working</a:t>
+            </a:r>
+            <a:r>
+              <a:rPr lang="de-DE" altLang="zh-CN" dirty="0" smtClean="0"/>
+              <a:t> </a:t>
+            </a:r>
+            <a:r>
+              <a:rPr lang="de-DE" altLang="zh-CN" dirty="0" err="1" smtClean="0"/>
+              <a:t>distance</a:t>
+            </a:r>
+            <a:r>
+              <a:rPr lang="de-DE" altLang="zh-CN" dirty="0" smtClean="0"/>
+              <a:t> 4µm. </a:t>
+            </a:r>
+          </a:p>
+          <a:p>
+            <a:endParaRPr lang="de-DE" altLang="zh-CN" dirty="0" smtClean="0"/>
+          </a:p>
+          <a:p>
+            <a:r>
+              <a:rPr lang="de-DE" altLang="zh-CN" dirty="0" err="1" smtClean="0"/>
+              <a:t>Firstly</a:t>
+            </a:r>
+            <a:r>
+              <a:rPr lang="de-DE" altLang="zh-CN" dirty="0" smtClean="0"/>
+              <a:t>, </a:t>
+            </a:r>
+            <a:r>
+              <a:rPr lang="de-DE" altLang="zh-CN" dirty="0" err="1" smtClean="0"/>
+              <a:t>it</a:t>
+            </a:r>
+            <a:r>
+              <a:rPr lang="de-DE" altLang="zh-CN" dirty="0" smtClean="0"/>
+              <a:t> </a:t>
+            </a:r>
+            <a:r>
+              <a:rPr lang="de-DE" altLang="zh-CN" dirty="0" err="1" smtClean="0"/>
+              <a:t>is</a:t>
+            </a:r>
+            <a:r>
+              <a:rPr lang="de-DE" altLang="zh-CN" dirty="0" smtClean="0"/>
+              <a:t> </a:t>
+            </a:r>
+            <a:r>
+              <a:rPr lang="de-DE" altLang="zh-CN" dirty="0" err="1" smtClean="0"/>
+              <a:t>the</a:t>
+            </a:r>
+            <a:r>
+              <a:rPr lang="de-DE" altLang="zh-CN" dirty="0" smtClean="0"/>
+              <a:t> </a:t>
+            </a:r>
+            <a:r>
+              <a:rPr lang="de-DE" altLang="zh-CN" dirty="0" err="1" smtClean="0"/>
+              <a:t>coupling</a:t>
+            </a:r>
+            <a:r>
+              <a:rPr lang="de-DE" altLang="zh-CN" dirty="0" smtClean="0"/>
+              <a:t> </a:t>
+            </a:r>
+            <a:r>
+              <a:rPr lang="de-DE" altLang="zh-CN" dirty="0" err="1" smtClean="0"/>
+              <a:t>efficiency</a:t>
+            </a:r>
+            <a:r>
+              <a:rPr lang="de-DE" altLang="zh-CN" dirty="0" smtClean="0"/>
+              <a:t> </a:t>
+            </a:r>
+            <a:r>
+              <a:rPr lang="de-DE" altLang="zh-CN" dirty="0" err="1" smtClean="0"/>
+              <a:t>of</a:t>
+            </a:r>
+            <a:r>
+              <a:rPr lang="de-DE" altLang="zh-CN" dirty="0" smtClean="0"/>
+              <a:t> </a:t>
+            </a:r>
+            <a:r>
+              <a:rPr lang="de-DE" altLang="zh-CN" dirty="0" err="1" smtClean="0"/>
+              <a:t>this</a:t>
+            </a:r>
+            <a:r>
+              <a:rPr lang="de-DE" altLang="zh-CN" dirty="0" smtClean="0"/>
+              <a:t> </a:t>
+            </a:r>
+            <a:r>
+              <a:rPr lang="de-DE" altLang="zh-CN" dirty="0" err="1" smtClean="0"/>
+              <a:t>integration</a:t>
+            </a:r>
+            <a:r>
+              <a:rPr lang="de-DE" altLang="zh-CN" dirty="0" smtClean="0"/>
+              <a:t> in </a:t>
+            </a:r>
+            <a:r>
+              <a:rPr lang="de-DE" altLang="zh-CN" dirty="0" err="1" smtClean="0"/>
+              <a:t>frequency</a:t>
+            </a:r>
+            <a:r>
+              <a:rPr lang="de-DE" altLang="zh-CN" dirty="0" smtClean="0"/>
+              <a:t> </a:t>
+            </a:r>
+            <a:r>
+              <a:rPr lang="de-DE" altLang="zh-CN" dirty="0" err="1" smtClean="0"/>
+              <a:t>domain</a:t>
+            </a:r>
+            <a:r>
+              <a:rPr lang="de-DE" altLang="zh-CN" dirty="0" smtClean="0"/>
+              <a:t>,</a:t>
+            </a:r>
+            <a:r>
+              <a:rPr lang="de-DE" altLang="zh-CN" baseline="0" dirty="0" smtClean="0"/>
+              <a:t> </a:t>
+            </a:r>
+            <a:r>
+              <a:rPr lang="de-DE" altLang="zh-CN" baseline="0" dirty="0" err="1" smtClean="0"/>
+              <a:t>at</a:t>
+            </a:r>
+            <a:r>
+              <a:rPr lang="de-DE" altLang="zh-CN" baseline="0" dirty="0" smtClean="0"/>
+              <a:t> 282THz </a:t>
+            </a:r>
+            <a:r>
+              <a:rPr lang="de-DE" altLang="zh-CN" baseline="0" dirty="0" err="1" smtClean="0"/>
+              <a:t>with</a:t>
+            </a:r>
+            <a:r>
+              <a:rPr lang="de-DE" altLang="zh-CN" baseline="0" dirty="0" smtClean="0"/>
+              <a:t> </a:t>
+            </a:r>
+            <a:r>
+              <a:rPr lang="de-DE" altLang="zh-CN" baseline="0" dirty="0" err="1" smtClean="0"/>
+              <a:t>efficiency</a:t>
+            </a:r>
+            <a:r>
+              <a:rPr lang="de-DE" altLang="zh-CN" baseline="0" dirty="0" smtClean="0"/>
+              <a:t> </a:t>
+            </a:r>
+            <a:r>
+              <a:rPr lang="de-DE" altLang="zh-CN" baseline="0" dirty="0" err="1" smtClean="0"/>
+              <a:t>of</a:t>
+            </a:r>
+            <a:r>
+              <a:rPr lang="de-DE" altLang="zh-CN" baseline="0" dirty="0" smtClean="0"/>
+              <a:t> 48.9%</a:t>
+            </a:r>
+          </a:p>
+          <a:p>
+            <a:r>
+              <a:rPr lang="de-DE" altLang="zh-CN" baseline="0" dirty="0" smtClean="0"/>
+              <a:t>The </a:t>
+            </a:r>
+            <a:r>
+              <a:rPr lang="de-DE" altLang="zh-CN" baseline="0" dirty="0" err="1" smtClean="0"/>
+              <a:t>next</a:t>
+            </a:r>
+            <a:r>
+              <a:rPr lang="de-DE" altLang="zh-CN" baseline="0" dirty="0" smtClean="0"/>
+              <a:t> </a:t>
+            </a:r>
+            <a:r>
+              <a:rPr lang="de-DE" altLang="zh-CN" baseline="0" dirty="0" err="1" smtClean="0"/>
+              <a:t>figure</a:t>
+            </a:r>
+            <a:r>
+              <a:rPr lang="de-DE" altLang="zh-CN" baseline="0" dirty="0" smtClean="0"/>
+              <a:t> </a:t>
+            </a:r>
+            <a:r>
+              <a:rPr lang="de-DE" altLang="zh-CN" baseline="0" dirty="0" err="1" smtClean="0"/>
+              <a:t>shows</a:t>
+            </a:r>
+            <a:r>
+              <a:rPr lang="de-DE" altLang="zh-CN" baseline="0" dirty="0" smtClean="0"/>
+              <a:t> </a:t>
+            </a:r>
+            <a:r>
+              <a:rPr lang="en-US" sz="1200" kern="1200" dirty="0" smtClean="0">
+                <a:solidFill>
+                  <a:schemeClr val="tx1"/>
+                </a:solidFill>
+                <a:latin typeface="Arial" charset="0"/>
+                <a:ea typeface="+mn-ea"/>
+                <a:cs typeface="+mn-cs"/>
+              </a:rPr>
+              <a:t>the E-Field distribution of this configuration. It can be seen that the E-Field spreads more widely at the interface of the waveguide than that in the case without the waveguide and a great part of E-Field penetrates into the substrate rather than accepted by guide.</a:t>
+            </a:r>
+            <a:endParaRPr lang="de-DE" altLang="zh-CN" dirty="0" smtClean="0"/>
+          </a:p>
+          <a:p>
+            <a:r>
+              <a:rPr lang="de-DE" altLang="zh-CN" dirty="0" smtClean="0"/>
+              <a:t> </a:t>
+            </a:r>
+          </a:p>
+          <a:p>
+            <a:endParaRPr lang="de-DE" altLang="zh-CN" dirty="0" smtClean="0"/>
+          </a:p>
+          <a:p>
+            <a:r>
+              <a:rPr lang="en-US" sz="1200" kern="1200" dirty="0" smtClean="0">
+                <a:solidFill>
+                  <a:schemeClr val="tx1"/>
+                </a:solidFill>
+                <a:latin typeface="Arial" charset="0"/>
+                <a:ea typeface="+mn-ea"/>
+                <a:cs typeface="+mn-cs"/>
+              </a:rPr>
+              <a:t>Then we can analyze the power distribution in this arrangement by executing the integral operation of power flow density over the cross-section of the waveguide. It</a:t>
+            </a:r>
+            <a:r>
+              <a:rPr lang="en-US" sz="1200" kern="1200" baseline="0" dirty="0" smtClean="0">
+                <a:solidFill>
+                  <a:schemeClr val="tx1"/>
+                </a:solidFill>
+                <a:latin typeface="Arial" charset="0"/>
+                <a:ea typeface="+mn-ea"/>
+                <a:cs typeface="+mn-cs"/>
+              </a:rPr>
+              <a:t> can be seen </a:t>
+            </a:r>
+            <a:r>
+              <a:rPr lang="en-US" sz="1200" kern="1200" dirty="0" smtClean="0">
+                <a:solidFill>
+                  <a:schemeClr val="tx1"/>
+                </a:solidFill>
+                <a:latin typeface="Arial" charset="0"/>
+                <a:ea typeface="+mn-ea"/>
+                <a:cs typeface="+mn-cs"/>
+              </a:rPr>
+              <a:t>about $40\%$ of the power propagates in the guide while another $40\%$ in the substrate and the rest is losing in the surrounding </a:t>
+            </a:r>
+            <a:r>
+              <a:rPr lang="en-US" sz="1200" kern="1200" dirty="0" err="1" smtClean="0">
+                <a:solidFill>
+                  <a:schemeClr val="tx1"/>
+                </a:solidFill>
+                <a:latin typeface="Arial" charset="0"/>
+                <a:ea typeface="+mn-ea"/>
+                <a:cs typeface="+mn-cs"/>
+              </a:rPr>
+              <a:t>enviroment</a:t>
+            </a:r>
+            <a:r>
+              <a:rPr lang="en-US" sz="1200" kern="1200" dirty="0" smtClean="0">
+                <a:solidFill>
+                  <a:schemeClr val="tx1"/>
+                </a:solidFill>
+                <a:latin typeface="Arial" charset="0"/>
+                <a:ea typeface="+mn-ea"/>
+                <a:cs typeface="+mn-cs"/>
+              </a:rPr>
+              <a:t> or reflected, etc.</a:t>
+            </a:r>
             <a:endParaRPr lang="zh-CN" altLang="en-US" dirty="0"/>
           </a:p>
         </p:txBody>
@@ -2904,7 +3869,7 @@
             <a:fld id="{031E71C2-430C-44C1-937C-0E9DE1F3577E}" type="slidenum">
               <a:rPr lang="de-DE" smtClean="0"/>
               <a:pPr/>
-              <a:t>10</a:t>
+              <a:t>9</a:t>
             </a:fld>
             <a:endParaRPr lang="de-DE"/>
           </a:p>
@@ -2986,7 +3951,7 @@
             <a:fld id="{031E71C2-430C-44C1-937C-0E9DE1F3577E}" type="slidenum">
               <a:rPr lang="de-DE" smtClean="0"/>
               <a:pPr/>
-              <a:t>13</a:t>
+              <a:t>10</a:t>
             </a:fld>
             <a:endParaRPr lang="de-DE"/>
           </a:p>
@@ -3046,7 +4011,229 @@
           </a:bodyPr>
           <a:lstStyle/>
           <a:p>
-            <a:endParaRPr lang="zh-CN" altLang="en-US" dirty="0"/>
+            <a:r>
+              <a:rPr lang="de-DE" altLang="zh-CN" dirty="0" smtClean="0"/>
+              <a:t>As </a:t>
+            </a:r>
+            <a:r>
+              <a:rPr lang="en-US" altLang="zh-CN" noProof="0" dirty="0" smtClean="0"/>
+              <a:t>previous</a:t>
+            </a:r>
+            <a:r>
+              <a:rPr lang="en-US" altLang="zh-CN" baseline="0" noProof="0" dirty="0" smtClean="0"/>
+              <a:t> demonstration, light propagation in </a:t>
+            </a:r>
+            <a:r>
+              <a:rPr lang="en-US" altLang="zh-CN" baseline="0" noProof="0" dirty="0" err="1" smtClean="0"/>
+              <a:t>fibe</a:t>
+            </a:r>
+            <a:r>
+              <a:rPr lang="en-US" altLang="zh-CN" baseline="0" noProof="0" dirty="0" smtClean="0"/>
+              <a:t>-to-chip-interface can be </a:t>
+            </a:r>
+            <a:r>
+              <a:rPr lang="en-US" altLang="zh-CN" baseline="0" noProof="0" dirty="0" err="1" smtClean="0"/>
+              <a:t>divied</a:t>
+            </a:r>
+            <a:r>
+              <a:rPr lang="en-US" altLang="zh-CN" baseline="0" noProof="0" dirty="0" smtClean="0"/>
+              <a:t> in 3 tracks.</a:t>
+            </a:r>
+          </a:p>
+          <a:p>
+            <a:r>
+              <a:rPr lang="de-DE" altLang="zh-CN" baseline="0" noProof="0" dirty="0" smtClean="0"/>
+              <a:t>TLF handle </a:t>
+            </a:r>
+            <a:r>
+              <a:rPr lang="de-DE" altLang="zh-CN" baseline="0" noProof="0" dirty="0" err="1" smtClean="0"/>
+              <a:t>the</a:t>
+            </a:r>
+            <a:r>
+              <a:rPr lang="de-DE" altLang="zh-CN" baseline="0" noProof="0" dirty="0" smtClean="0"/>
+              <a:t> </a:t>
+            </a:r>
+            <a:r>
+              <a:rPr lang="de-DE" altLang="zh-CN" baseline="0" noProof="0" dirty="0" err="1" smtClean="0"/>
+              <a:t>first</a:t>
+            </a:r>
+            <a:r>
+              <a:rPr lang="de-DE" altLang="zh-CN" baseline="0" noProof="0" dirty="0" smtClean="0"/>
+              <a:t> </a:t>
+            </a:r>
+            <a:r>
+              <a:rPr lang="de-DE" altLang="zh-CN" baseline="0" noProof="0" dirty="0" err="1" smtClean="0"/>
+              <a:t>track</a:t>
+            </a:r>
+            <a:r>
+              <a:rPr lang="de-DE" altLang="zh-CN" baseline="0" noProof="0" dirty="0" smtClean="0"/>
+              <a:t> </a:t>
+            </a:r>
+            <a:r>
+              <a:rPr lang="de-DE" altLang="zh-CN" baseline="0" noProof="0" dirty="0" err="1" smtClean="0"/>
+              <a:t>to</a:t>
+            </a:r>
+            <a:r>
+              <a:rPr lang="de-DE" altLang="zh-CN" baseline="0" noProof="0" dirty="0" smtClean="0"/>
+              <a:t> </a:t>
+            </a:r>
+            <a:r>
+              <a:rPr lang="de-DE" altLang="zh-CN" baseline="0" noProof="0" dirty="0" err="1" smtClean="0"/>
+              <a:t>improving</a:t>
+            </a:r>
+            <a:r>
+              <a:rPr lang="de-DE" altLang="zh-CN" baseline="0" noProof="0" dirty="0" smtClean="0"/>
+              <a:t> </a:t>
+            </a:r>
+            <a:r>
+              <a:rPr lang="de-DE" altLang="zh-CN" baseline="0" noProof="0" dirty="0" err="1" smtClean="0"/>
+              <a:t>coupling</a:t>
+            </a:r>
+            <a:r>
+              <a:rPr lang="de-DE" altLang="zh-CN" baseline="0" noProof="0" dirty="0" smtClean="0"/>
+              <a:t> </a:t>
+            </a:r>
+            <a:r>
+              <a:rPr lang="de-DE" altLang="zh-CN" baseline="0" noProof="0" dirty="0" err="1" smtClean="0"/>
+              <a:t>ability</a:t>
+            </a:r>
+            <a:r>
+              <a:rPr lang="de-DE" altLang="zh-CN" baseline="0" noProof="0" dirty="0" smtClean="0"/>
+              <a:t> </a:t>
+            </a:r>
+            <a:r>
+              <a:rPr lang="de-DE" altLang="zh-CN" baseline="0" noProof="0" dirty="0" err="1" smtClean="0"/>
+              <a:t>by</a:t>
+            </a:r>
+            <a:r>
+              <a:rPr lang="de-DE" altLang="zh-CN" baseline="0" noProof="0" dirty="0" smtClean="0"/>
+              <a:t> </a:t>
+            </a:r>
+            <a:r>
+              <a:rPr lang="de-DE" altLang="zh-CN" baseline="0" noProof="0" dirty="0" err="1" smtClean="0"/>
+              <a:t>focusing</a:t>
+            </a:r>
+            <a:r>
+              <a:rPr lang="de-DE" altLang="zh-CN" baseline="0" noProof="0" dirty="0" smtClean="0"/>
+              <a:t> </a:t>
+            </a:r>
+            <a:r>
+              <a:rPr lang="de-DE" altLang="zh-CN" baseline="0" noProof="0" dirty="0" err="1" smtClean="0"/>
+              <a:t>the</a:t>
+            </a:r>
+            <a:r>
+              <a:rPr lang="de-DE" altLang="zh-CN" baseline="0" noProof="0" dirty="0" smtClean="0"/>
+              <a:t> </a:t>
+            </a:r>
+            <a:r>
+              <a:rPr lang="de-DE" altLang="zh-CN" baseline="0" noProof="0" dirty="0" err="1" smtClean="0"/>
+              <a:t>output</a:t>
+            </a:r>
+            <a:r>
+              <a:rPr lang="de-DE" altLang="zh-CN" baseline="0" noProof="0" dirty="0" smtClean="0"/>
+              <a:t> </a:t>
+            </a:r>
+            <a:r>
+              <a:rPr lang="de-DE" altLang="zh-CN" baseline="0" noProof="0" dirty="0" err="1" smtClean="0"/>
+              <a:t>light</a:t>
+            </a:r>
+            <a:r>
+              <a:rPr lang="de-DE" altLang="zh-CN" baseline="0" noProof="0" dirty="0" smtClean="0"/>
+              <a:t>.</a:t>
+            </a:r>
+          </a:p>
+          <a:p>
+            <a:r>
+              <a:rPr lang="de-DE" altLang="zh-CN" baseline="0" noProof="0" dirty="0" err="1" smtClean="0"/>
+              <a:t>For</a:t>
+            </a:r>
+            <a:r>
+              <a:rPr lang="de-DE" altLang="zh-CN" baseline="0" noProof="0" dirty="0" smtClean="0"/>
+              <a:t> </a:t>
+            </a:r>
+            <a:r>
+              <a:rPr lang="de-DE" altLang="zh-CN" baseline="0" noProof="0" dirty="0" err="1" smtClean="0"/>
+              <a:t>following</a:t>
+            </a:r>
+            <a:r>
+              <a:rPr lang="de-DE" altLang="zh-CN" baseline="0" noProof="0" dirty="0" smtClean="0"/>
+              <a:t> </a:t>
+            </a:r>
+            <a:r>
+              <a:rPr lang="de-DE" altLang="zh-CN" baseline="0" noProof="0" dirty="0" err="1" smtClean="0"/>
+              <a:t>coupling</a:t>
+            </a:r>
+            <a:r>
+              <a:rPr lang="de-DE" altLang="zh-CN" baseline="0" noProof="0" dirty="0" smtClean="0"/>
+              <a:t> </a:t>
+            </a:r>
+            <a:r>
+              <a:rPr lang="de-DE" altLang="zh-CN" baseline="0" noProof="0" dirty="0" err="1" smtClean="0"/>
+              <a:t>actions</a:t>
+            </a:r>
+            <a:r>
+              <a:rPr lang="de-DE" altLang="zh-CN" baseline="0" noProof="0" dirty="0" smtClean="0"/>
+              <a:t>, </a:t>
+            </a:r>
+            <a:r>
+              <a:rPr lang="de-DE" altLang="zh-CN" baseline="0" noProof="0" dirty="0" err="1" smtClean="0"/>
+              <a:t>we</a:t>
+            </a:r>
+            <a:r>
+              <a:rPr lang="de-DE" altLang="zh-CN" baseline="0" noProof="0" dirty="0" smtClean="0"/>
+              <a:t> deal </a:t>
+            </a:r>
+            <a:r>
+              <a:rPr lang="de-DE" altLang="zh-CN" baseline="0" noProof="0" dirty="0" err="1" smtClean="0"/>
+              <a:t>with</a:t>
+            </a:r>
+            <a:r>
+              <a:rPr lang="de-DE" altLang="zh-CN" baseline="0" noProof="0" dirty="0" smtClean="0"/>
+              <a:t> </a:t>
+            </a:r>
+            <a:r>
+              <a:rPr lang="de-DE" altLang="zh-CN" baseline="0" noProof="0" dirty="0" err="1" smtClean="0"/>
+              <a:t>the</a:t>
+            </a:r>
+            <a:r>
+              <a:rPr lang="de-DE" altLang="zh-CN" baseline="0" noProof="0" dirty="0" smtClean="0"/>
+              <a:t> </a:t>
+            </a:r>
+            <a:r>
+              <a:rPr lang="de-DE" altLang="zh-CN" baseline="0" noProof="0" dirty="0" err="1" smtClean="0"/>
+              <a:t>light</a:t>
+            </a:r>
+            <a:r>
+              <a:rPr lang="de-DE" altLang="zh-CN" baseline="0" noProof="0" dirty="0" smtClean="0"/>
+              <a:t> </a:t>
+            </a:r>
+            <a:r>
+              <a:rPr lang="de-DE" altLang="zh-CN" baseline="0" noProof="0" dirty="0" err="1" smtClean="0"/>
+              <a:t>progation</a:t>
+            </a:r>
+            <a:r>
+              <a:rPr lang="de-DE" altLang="zh-CN" baseline="0" noProof="0" dirty="0" smtClean="0"/>
+              <a:t> in 2nd </a:t>
+            </a:r>
+            <a:r>
+              <a:rPr lang="de-DE" altLang="zh-CN" baseline="0" noProof="0" dirty="0" err="1" smtClean="0"/>
+              <a:t>and</a:t>
+            </a:r>
+            <a:r>
+              <a:rPr lang="de-DE" altLang="zh-CN" baseline="0" noProof="0" dirty="0" smtClean="0"/>
+              <a:t> 3rd </a:t>
+            </a:r>
+            <a:r>
+              <a:rPr lang="de-DE" altLang="zh-CN" baseline="0" noProof="0" dirty="0" err="1" smtClean="0"/>
+              <a:t>tracks</a:t>
+            </a:r>
+            <a:r>
+              <a:rPr lang="de-DE" altLang="zh-CN" baseline="0" noProof="0" dirty="0" smtClean="0"/>
+              <a:t>.</a:t>
+            </a:r>
+          </a:p>
+          <a:p>
+            <a:endParaRPr lang="en-US" altLang="zh-CN" noProof="0" dirty="0"/>
           </a:p>
         </p:txBody>
       </p:sp>
@@ -3068,7 +4255,7 @@
             <a:fld id="{031E71C2-430C-44C1-937C-0E9DE1F3577E}" type="slidenum">
               <a:rPr lang="de-DE" smtClean="0"/>
               <a:pPr/>
-              <a:t>14</a:t>
+              <a:t>11</a:t>
             </a:fld>
             <a:endParaRPr lang="de-DE"/>
           </a:p>
@@ -3128,6 +4315,721 @@
           </a:bodyPr>
           <a:lstStyle/>
           <a:p>
+            <a:r>
+              <a:rPr lang="de-DE" altLang="zh-CN" dirty="0" err="1" smtClean="0"/>
+              <a:t>One</a:t>
+            </a:r>
+            <a:r>
+              <a:rPr lang="de-DE" altLang="zh-CN" dirty="0" smtClean="0"/>
+              <a:t> </a:t>
+            </a:r>
+            <a:r>
+              <a:rPr lang="de-DE" altLang="zh-CN" dirty="0" err="1" smtClean="0"/>
+              <a:t>thought</a:t>
+            </a:r>
+            <a:r>
+              <a:rPr lang="de-DE" altLang="zh-CN" baseline="0" dirty="0" smtClean="0"/>
+              <a:t> </a:t>
+            </a:r>
+            <a:r>
+              <a:rPr lang="de-DE" altLang="zh-CN" baseline="0" dirty="0" err="1" smtClean="0"/>
+              <a:t>is</a:t>
+            </a:r>
+            <a:r>
+              <a:rPr lang="de-DE" altLang="zh-CN" baseline="0" dirty="0" smtClean="0"/>
+              <a:t> </a:t>
+            </a:r>
+            <a:r>
+              <a:rPr lang="de-DE" altLang="zh-CN" baseline="0" dirty="0" err="1" smtClean="0"/>
+              <a:t>to</a:t>
+            </a:r>
+            <a:r>
+              <a:rPr lang="de-DE" altLang="zh-CN" baseline="0" dirty="0" smtClean="0"/>
+              <a:t> </a:t>
+            </a:r>
+            <a:r>
+              <a:rPr lang="de-DE" altLang="zh-CN" baseline="0" dirty="0" err="1" smtClean="0"/>
+              <a:t>displace</a:t>
+            </a:r>
+            <a:r>
+              <a:rPr lang="de-DE" altLang="zh-CN" baseline="0" dirty="0" smtClean="0"/>
+              <a:t> </a:t>
+            </a:r>
+            <a:r>
+              <a:rPr lang="de-DE" altLang="zh-CN" baseline="0" dirty="0" err="1" smtClean="0"/>
+              <a:t>the</a:t>
+            </a:r>
+            <a:r>
+              <a:rPr lang="de-DE" altLang="zh-CN" baseline="0" dirty="0" smtClean="0"/>
+              <a:t> </a:t>
+            </a:r>
+            <a:r>
+              <a:rPr lang="de-DE" altLang="zh-CN" baseline="0" dirty="0" err="1" smtClean="0"/>
+              <a:t>waveguide</a:t>
+            </a:r>
+            <a:r>
+              <a:rPr lang="de-DE" altLang="zh-CN" baseline="0" dirty="0" smtClean="0"/>
+              <a:t> in </a:t>
+            </a:r>
+            <a:r>
+              <a:rPr lang="de-DE" altLang="zh-CN" baseline="0" dirty="0" err="1" smtClean="0"/>
+              <a:t>x,y,z</a:t>
+            </a:r>
+            <a:r>
+              <a:rPr lang="de-DE" altLang="zh-CN" baseline="0" dirty="0" smtClean="0"/>
+              <a:t> </a:t>
+            </a:r>
+            <a:r>
+              <a:rPr lang="de-DE" altLang="zh-CN" baseline="0" dirty="0" err="1" smtClean="0"/>
+              <a:t>directions</a:t>
+            </a:r>
+            <a:r>
+              <a:rPr lang="de-DE" altLang="zh-CN" baseline="0" dirty="0" smtClean="0"/>
+              <a:t>. In </a:t>
+            </a:r>
+            <a:r>
+              <a:rPr lang="de-DE" altLang="zh-CN" baseline="0" dirty="0" err="1" smtClean="0"/>
+              <a:t>my</a:t>
+            </a:r>
+            <a:r>
+              <a:rPr lang="de-DE" altLang="zh-CN" baseline="0" dirty="0" smtClean="0"/>
+              <a:t> </a:t>
+            </a:r>
+            <a:r>
+              <a:rPr lang="de-DE" altLang="zh-CN" baseline="0" dirty="0" err="1" smtClean="0"/>
+              <a:t>work</a:t>
+            </a:r>
+            <a:r>
+              <a:rPr lang="de-DE" altLang="zh-CN" baseline="0" dirty="0" smtClean="0"/>
+              <a:t> </a:t>
+            </a:r>
+            <a:r>
+              <a:rPr lang="de-DE" altLang="zh-CN" baseline="0" dirty="0" err="1" smtClean="0"/>
+              <a:t>the</a:t>
+            </a:r>
+            <a:r>
+              <a:rPr lang="de-DE" altLang="zh-CN" baseline="0" dirty="0" smtClean="0"/>
+              <a:t> </a:t>
+            </a:r>
+            <a:r>
+              <a:rPr lang="de-DE" altLang="zh-CN" baseline="0" dirty="0" err="1" smtClean="0"/>
+              <a:t>displacement</a:t>
+            </a:r>
+            <a:r>
+              <a:rPr lang="de-DE" altLang="zh-CN" baseline="0" dirty="0" smtClean="0"/>
+              <a:t> </a:t>
+            </a:r>
+            <a:r>
+              <a:rPr lang="de-DE" altLang="zh-CN" baseline="0" dirty="0" err="1" smtClean="0"/>
+              <a:t>is</a:t>
+            </a:r>
+            <a:r>
+              <a:rPr lang="de-DE" altLang="zh-CN" baseline="0" dirty="0" smtClean="0"/>
+              <a:t> </a:t>
+            </a:r>
+            <a:r>
+              <a:rPr lang="de-DE" altLang="zh-CN" baseline="0" dirty="0" err="1" smtClean="0"/>
+              <a:t>confined</a:t>
+            </a:r>
+            <a:r>
+              <a:rPr lang="de-DE" altLang="zh-CN" baseline="0" dirty="0" smtClean="0"/>
+              <a:t> in </a:t>
+            </a:r>
+            <a:r>
+              <a:rPr lang="de-DE" altLang="zh-CN" baseline="0" dirty="0" err="1" smtClean="0"/>
+              <a:t>range</a:t>
+            </a:r>
+            <a:r>
+              <a:rPr lang="de-DE" altLang="zh-CN" baseline="0" dirty="0" smtClean="0"/>
+              <a:t> </a:t>
+            </a:r>
+            <a:r>
+              <a:rPr lang="de-DE" altLang="zh-CN" baseline="0" dirty="0" err="1" smtClean="0"/>
+              <a:t>of</a:t>
+            </a:r>
+            <a:r>
+              <a:rPr lang="de-DE" altLang="zh-CN" baseline="0" dirty="0" smtClean="0"/>
+              <a:t> negative </a:t>
+            </a:r>
+            <a:r>
+              <a:rPr lang="de-DE" altLang="zh-CN" baseline="0" dirty="0" err="1" smtClean="0"/>
+              <a:t>and</a:t>
+            </a:r>
+            <a:r>
+              <a:rPr lang="de-DE" altLang="zh-CN" baseline="0" dirty="0" smtClean="0"/>
+              <a:t> positive 0.5µm.</a:t>
+            </a:r>
+          </a:p>
+          <a:p>
+            <a:endParaRPr lang="de-DE" altLang="zh-CN" baseline="0" dirty="0" smtClean="0"/>
+          </a:p>
+          <a:p>
+            <a:r>
+              <a:rPr lang="de-DE" altLang="zh-CN" baseline="0" dirty="0" smtClean="0"/>
+              <a:t>Blue </a:t>
+            </a:r>
+            <a:r>
+              <a:rPr lang="de-DE" altLang="zh-CN" baseline="0" dirty="0" err="1" smtClean="0"/>
+              <a:t>curve</a:t>
+            </a:r>
+            <a:r>
+              <a:rPr lang="de-DE" altLang="zh-CN" baseline="0" dirty="0" smtClean="0"/>
+              <a:t> </a:t>
+            </a:r>
+            <a:r>
+              <a:rPr lang="de-DE" altLang="zh-CN" baseline="0" dirty="0" err="1" smtClean="0"/>
+              <a:t>shows</a:t>
+            </a:r>
+            <a:r>
+              <a:rPr lang="de-DE" altLang="zh-CN" baseline="0" dirty="0" smtClean="0"/>
+              <a:t> </a:t>
+            </a:r>
+            <a:r>
+              <a:rPr lang="de-DE" altLang="zh-CN" baseline="0" dirty="0" err="1" smtClean="0"/>
+              <a:t>coupling</a:t>
+            </a:r>
+            <a:r>
+              <a:rPr lang="de-DE" altLang="zh-CN" baseline="0" dirty="0" smtClean="0"/>
+              <a:t> </a:t>
+            </a:r>
+            <a:r>
+              <a:rPr lang="de-DE" altLang="zh-CN" baseline="0" dirty="0" err="1" smtClean="0"/>
+              <a:t>behavior</a:t>
+            </a:r>
+            <a:r>
+              <a:rPr lang="de-DE" altLang="zh-CN" baseline="0" dirty="0" smtClean="0"/>
+              <a:t> </a:t>
+            </a:r>
+            <a:r>
+              <a:rPr lang="de-DE" altLang="zh-CN" baseline="0" dirty="0" err="1" smtClean="0"/>
+              <a:t>by</a:t>
+            </a:r>
+            <a:r>
+              <a:rPr lang="de-DE" altLang="zh-CN" baseline="0" dirty="0" smtClean="0"/>
+              <a:t> </a:t>
+            </a:r>
+            <a:r>
+              <a:rPr lang="de-DE" altLang="zh-CN" baseline="0" dirty="0" err="1" smtClean="0"/>
+              <a:t>displacing</a:t>
+            </a:r>
+            <a:r>
+              <a:rPr lang="de-DE" altLang="zh-CN" baseline="0" dirty="0" smtClean="0"/>
+              <a:t> </a:t>
+            </a:r>
+            <a:r>
+              <a:rPr lang="de-DE" altLang="zh-CN" baseline="0" dirty="0" err="1" smtClean="0"/>
+              <a:t>the</a:t>
+            </a:r>
+            <a:r>
+              <a:rPr lang="de-DE" altLang="zh-CN" baseline="0" dirty="0" smtClean="0"/>
+              <a:t> </a:t>
+            </a:r>
+            <a:r>
+              <a:rPr lang="de-DE" altLang="zh-CN" baseline="0" dirty="0" err="1" smtClean="0"/>
+              <a:t>waveguide</a:t>
+            </a:r>
+            <a:r>
+              <a:rPr lang="de-DE" altLang="zh-CN" baseline="0" dirty="0" smtClean="0"/>
+              <a:t> </a:t>
+            </a:r>
+            <a:r>
+              <a:rPr lang="de-DE" altLang="zh-CN" baseline="0" dirty="0" err="1" smtClean="0"/>
+              <a:t>along</a:t>
+            </a:r>
+            <a:r>
+              <a:rPr lang="de-DE" altLang="zh-CN" baseline="0" dirty="0" smtClean="0"/>
+              <a:t> x-</a:t>
+            </a:r>
+            <a:r>
+              <a:rPr lang="de-DE" altLang="zh-CN" baseline="0" dirty="0" err="1" smtClean="0"/>
+              <a:t>direction</a:t>
+            </a:r>
+            <a:r>
+              <a:rPr lang="de-DE" altLang="zh-CN" baseline="0" dirty="0" smtClean="0"/>
+              <a:t>, </a:t>
+            </a:r>
+            <a:r>
+              <a:rPr lang="de-DE" altLang="zh-CN" baseline="0" dirty="0" err="1" smtClean="0"/>
+              <a:t>green</a:t>
+            </a:r>
+            <a:r>
+              <a:rPr lang="de-DE" altLang="zh-CN" baseline="0" dirty="0" smtClean="0"/>
+              <a:t> </a:t>
+            </a:r>
+            <a:r>
+              <a:rPr lang="de-DE" altLang="zh-CN" baseline="0" dirty="0" err="1" smtClean="0"/>
+              <a:t>for</a:t>
+            </a:r>
+            <a:r>
+              <a:rPr lang="de-DE" altLang="zh-CN" baseline="0" dirty="0" smtClean="0"/>
+              <a:t> y </a:t>
+            </a:r>
+            <a:r>
+              <a:rPr lang="de-DE" altLang="zh-CN" baseline="0" dirty="0" err="1" smtClean="0"/>
+              <a:t>direction</a:t>
+            </a:r>
+            <a:r>
+              <a:rPr lang="de-DE" altLang="zh-CN" baseline="0" dirty="0" smtClean="0"/>
+              <a:t> </a:t>
+            </a:r>
+            <a:r>
+              <a:rPr lang="de-DE" altLang="zh-CN" baseline="0" dirty="0" err="1" smtClean="0"/>
+              <a:t>and</a:t>
+            </a:r>
+            <a:r>
+              <a:rPr lang="de-DE" altLang="zh-CN" baseline="0" dirty="0" smtClean="0"/>
+              <a:t> </a:t>
+            </a:r>
+            <a:r>
+              <a:rPr lang="de-DE" altLang="zh-CN" baseline="0" dirty="0" err="1" smtClean="0"/>
+              <a:t>red</a:t>
+            </a:r>
+            <a:r>
+              <a:rPr lang="de-DE" altLang="zh-CN" baseline="0" dirty="0" smtClean="0"/>
+              <a:t> </a:t>
+            </a:r>
+            <a:r>
+              <a:rPr lang="de-DE" altLang="zh-CN" baseline="0" dirty="0" err="1" smtClean="0"/>
+              <a:t>for</a:t>
+            </a:r>
+            <a:r>
+              <a:rPr lang="de-DE" altLang="zh-CN" baseline="0" dirty="0" smtClean="0"/>
+              <a:t> z </a:t>
+            </a:r>
+            <a:r>
+              <a:rPr lang="de-DE" altLang="zh-CN" baseline="0" dirty="0" err="1" smtClean="0"/>
+              <a:t>direction</a:t>
+            </a:r>
+            <a:r>
+              <a:rPr lang="de-DE" altLang="zh-CN" baseline="0" dirty="0" smtClean="0"/>
+              <a:t>. </a:t>
+            </a:r>
+            <a:r>
+              <a:rPr lang="de-DE" altLang="zh-CN" baseline="0" dirty="0" err="1" smtClean="0"/>
+              <a:t>It</a:t>
+            </a:r>
+            <a:r>
+              <a:rPr lang="de-DE" altLang="zh-CN" baseline="0" dirty="0" smtClean="0"/>
+              <a:t> </a:t>
+            </a:r>
+            <a:r>
+              <a:rPr lang="de-DE" altLang="zh-CN" baseline="0" dirty="0" err="1" smtClean="0"/>
+              <a:t>seems</a:t>
+            </a:r>
+            <a:r>
+              <a:rPr lang="de-DE" altLang="zh-CN" baseline="0" dirty="0" smtClean="0"/>
+              <a:t> in x-</a:t>
+            </a:r>
+            <a:r>
+              <a:rPr lang="de-DE" altLang="zh-CN" baseline="0" dirty="0" err="1" smtClean="0"/>
+              <a:t>and</a:t>
+            </a:r>
+            <a:r>
+              <a:rPr lang="de-DE" altLang="zh-CN" baseline="0" dirty="0" smtClean="0"/>
+              <a:t> y-</a:t>
+            </a:r>
+            <a:r>
+              <a:rPr lang="de-DE" altLang="zh-CN" baseline="0" dirty="0" err="1" smtClean="0"/>
+              <a:t>direction</a:t>
+            </a:r>
+            <a:r>
+              <a:rPr lang="de-DE" altLang="zh-CN" baseline="0" dirty="0" smtClean="0"/>
+              <a:t>, </a:t>
+            </a:r>
+            <a:r>
+              <a:rPr lang="de-DE" altLang="zh-CN" baseline="0" dirty="0" err="1" smtClean="0"/>
+              <a:t>the</a:t>
+            </a:r>
+            <a:r>
+              <a:rPr lang="de-DE" altLang="zh-CN" baseline="0" dirty="0" smtClean="0"/>
+              <a:t> </a:t>
+            </a:r>
+            <a:r>
+              <a:rPr lang="de-DE" altLang="zh-CN" baseline="0" dirty="0" err="1" smtClean="0"/>
+              <a:t>displacement</a:t>
+            </a:r>
+            <a:r>
+              <a:rPr lang="de-DE" altLang="zh-CN" baseline="0" dirty="0" smtClean="0"/>
+              <a:t> </a:t>
+            </a:r>
+            <a:r>
+              <a:rPr lang="de-DE" altLang="zh-CN" baseline="0" dirty="0" err="1" smtClean="0"/>
+              <a:t>cause</a:t>
+            </a:r>
+            <a:r>
+              <a:rPr lang="de-DE" altLang="zh-CN" baseline="0" dirty="0" smtClean="0"/>
+              <a:t> </a:t>
+            </a:r>
+            <a:r>
+              <a:rPr lang="de-DE" altLang="zh-CN" baseline="0" dirty="0" err="1" smtClean="0"/>
+              <a:t>the</a:t>
+            </a:r>
+            <a:r>
+              <a:rPr lang="de-DE" altLang="zh-CN" baseline="0" dirty="0" smtClean="0"/>
+              <a:t> </a:t>
+            </a:r>
+            <a:r>
+              <a:rPr lang="de-DE" altLang="zh-CN" baseline="0" dirty="0" err="1" smtClean="0"/>
+              <a:t>coupling</a:t>
+            </a:r>
+            <a:r>
+              <a:rPr lang="de-DE" altLang="zh-CN" baseline="0" dirty="0" smtClean="0"/>
+              <a:t> </a:t>
+            </a:r>
+            <a:r>
+              <a:rPr lang="de-DE" altLang="zh-CN" baseline="0" dirty="0" err="1" smtClean="0"/>
+              <a:t>efficiency</a:t>
+            </a:r>
+            <a:r>
+              <a:rPr lang="de-DE" altLang="zh-CN" baseline="0" dirty="0" smtClean="0"/>
+              <a:t> </a:t>
+            </a:r>
+            <a:r>
+              <a:rPr lang="de-DE" altLang="zh-CN" baseline="0" dirty="0" err="1" smtClean="0"/>
+              <a:t>falling</a:t>
+            </a:r>
+            <a:r>
+              <a:rPr lang="de-DE" altLang="zh-CN" baseline="0" dirty="0" smtClean="0"/>
+              <a:t> </a:t>
+            </a:r>
+            <a:r>
+              <a:rPr lang="de-DE" altLang="zh-CN" baseline="0" dirty="0" err="1" smtClean="0"/>
+              <a:t>quickly</a:t>
+            </a:r>
+            <a:r>
+              <a:rPr lang="de-DE" altLang="zh-CN" baseline="0" dirty="0" smtClean="0"/>
+              <a:t> </a:t>
+            </a:r>
+            <a:r>
+              <a:rPr lang="de-DE" altLang="zh-CN" baseline="0" dirty="0" err="1" smtClean="0"/>
+              <a:t>and</a:t>
+            </a:r>
+            <a:r>
+              <a:rPr lang="de-DE" altLang="zh-CN" baseline="0" dirty="0" smtClean="0"/>
+              <a:t> in z-</a:t>
+            </a:r>
+            <a:r>
+              <a:rPr lang="de-DE" altLang="zh-CN" baseline="0" dirty="0" err="1" smtClean="0"/>
+              <a:t>direction</a:t>
+            </a:r>
+            <a:r>
+              <a:rPr lang="de-DE" altLang="zh-CN" baseline="0" dirty="0" smtClean="0"/>
+              <a:t> </a:t>
+            </a:r>
+            <a:r>
+              <a:rPr lang="de-DE" altLang="zh-CN" baseline="0" dirty="0" err="1" smtClean="0"/>
+              <a:t>the</a:t>
+            </a:r>
+            <a:r>
+              <a:rPr lang="de-DE" altLang="zh-CN" baseline="0" dirty="0" smtClean="0"/>
+              <a:t> </a:t>
+            </a:r>
+            <a:r>
+              <a:rPr lang="de-DE" altLang="zh-CN" baseline="0" dirty="0" err="1" smtClean="0"/>
+              <a:t>displacement</a:t>
+            </a:r>
+            <a:r>
+              <a:rPr lang="de-DE" altLang="zh-CN" baseline="0" dirty="0" smtClean="0"/>
+              <a:t> </a:t>
+            </a:r>
+            <a:r>
+              <a:rPr lang="de-DE" altLang="zh-CN" baseline="0" dirty="0" err="1" smtClean="0"/>
+              <a:t>only</a:t>
+            </a:r>
+            <a:r>
+              <a:rPr lang="de-DE" altLang="zh-CN" baseline="0" dirty="0" smtClean="0"/>
+              <a:t> </a:t>
+            </a:r>
+            <a:r>
+              <a:rPr lang="de-DE" altLang="zh-CN" baseline="0" dirty="0" err="1" smtClean="0"/>
+              <a:t>leads</a:t>
+            </a:r>
+            <a:r>
+              <a:rPr lang="de-DE" altLang="zh-CN" baseline="0" dirty="0" smtClean="0"/>
+              <a:t> </a:t>
+            </a:r>
+            <a:r>
+              <a:rPr lang="de-DE" altLang="zh-CN" baseline="0" dirty="0" err="1" smtClean="0"/>
+              <a:t>to</a:t>
+            </a:r>
+            <a:r>
+              <a:rPr lang="de-DE" altLang="zh-CN" baseline="0" dirty="0" smtClean="0"/>
+              <a:t> </a:t>
+            </a:r>
+            <a:r>
+              <a:rPr lang="de-DE" altLang="zh-CN" baseline="0" dirty="0" err="1" smtClean="0"/>
+              <a:t>small</a:t>
+            </a:r>
+            <a:r>
+              <a:rPr lang="de-DE" altLang="zh-CN" baseline="0" dirty="0" smtClean="0"/>
+              <a:t> </a:t>
+            </a:r>
+            <a:r>
+              <a:rPr lang="de-DE" altLang="zh-CN" baseline="0" dirty="0" err="1" smtClean="0"/>
+              <a:t>change</a:t>
+            </a:r>
+            <a:r>
+              <a:rPr lang="de-DE" altLang="zh-CN" baseline="0" dirty="0" smtClean="0"/>
+              <a:t> </a:t>
+            </a:r>
+            <a:r>
+              <a:rPr lang="de-DE" altLang="zh-CN" baseline="0" dirty="0" err="1" smtClean="0"/>
+              <a:t>of</a:t>
+            </a:r>
+            <a:r>
+              <a:rPr lang="de-DE" altLang="zh-CN" baseline="0" dirty="0" smtClean="0"/>
+              <a:t> </a:t>
+            </a:r>
+            <a:r>
+              <a:rPr lang="de-DE" altLang="zh-CN" baseline="0" dirty="0" err="1" smtClean="0"/>
+              <a:t>the</a:t>
+            </a:r>
+            <a:r>
+              <a:rPr lang="de-DE" altLang="zh-CN" baseline="0" dirty="0" smtClean="0"/>
+              <a:t> </a:t>
+            </a:r>
+            <a:r>
+              <a:rPr lang="de-DE" altLang="zh-CN" baseline="0" dirty="0" err="1" smtClean="0"/>
+              <a:t>coupling</a:t>
+            </a:r>
+            <a:r>
+              <a:rPr lang="de-DE" altLang="zh-CN" baseline="0" dirty="0" smtClean="0"/>
+              <a:t> </a:t>
+            </a:r>
+            <a:r>
+              <a:rPr lang="de-DE" altLang="zh-CN" baseline="0" dirty="0" err="1" smtClean="0"/>
+              <a:t>ability</a:t>
+            </a:r>
+            <a:r>
+              <a:rPr lang="de-DE" altLang="zh-CN" baseline="0" dirty="0" smtClean="0"/>
+              <a:t>.</a:t>
+            </a:r>
+          </a:p>
+          <a:p>
+            <a:r>
+              <a:rPr lang="de-DE" altLang="zh-CN" baseline="0" dirty="0" err="1" smtClean="0"/>
+              <a:t>Therefore</a:t>
+            </a:r>
+            <a:r>
+              <a:rPr lang="de-DE" altLang="zh-CN" baseline="0" dirty="0" smtClean="0"/>
+              <a:t>, </a:t>
+            </a:r>
+            <a:r>
+              <a:rPr lang="de-DE" altLang="zh-CN" baseline="0" dirty="0" err="1" smtClean="0"/>
+              <a:t>it</a:t>
+            </a:r>
+            <a:r>
+              <a:rPr lang="de-DE" altLang="zh-CN" baseline="0" dirty="0" smtClean="0"/>
+              <a:t> </a:t>
+            </a:r>
+            <a:r>
+              <a:rPr lang="de-DE" altLang="zh-CN" baseline="0" dirty="0" err="1" smtClean="0"/>
+              <a:t>can</a:t>
+            </a:r>
+            <a:r>
+              <a:rPr lang="de-DE" altLang="zh-CN" baseline="0" dirty="0" smtClean="0"/>
+              <a:t> </a:t>
+            </a:r>
+            <a:r>
+              <a:rPr lang="de-DE" altLang="zh-CN" baseline="0" dirty="0" err="1" smtClean="0"/>
+              <a:t>be</a:t>
+            </a:r>
+            <a:r>
+              <a:rPr lang="de-DE" altLang="zh-CN" baseline="0" dirty="0" smtClean="0"/>
+              <a:t> </a:t>
+            </a:r>
+            <a:r>
+              <a:rPr lang="de-DE" altLang="zh-CN" baseline="0" dirty="0" err="1" smtClean="0"/>
+              <a:t>summarized</a:t>
+            </a:r>
+            <a:r>
+              <a:rPr lang="de-DE" altLang="zh-CN" baseline="0" dirty="0" smtClean="0"/>
+              <a:t> </a:t>
+            </a:r>
+            <a:r>
+              <a:rPr lang="de-DE" altLang="zh-CN" baseline="0" dirty="0" err="1" smtClean="0"/>
+              <a:t>that</a:t>
+            </a:r>
+            <a:r>
+              <a:rPr lang="de-DE" altLang="zh-CN" baseline="0" dirty="0" smtClean="0"/>
+              <a:t> </a:t>
+            </a:r>
+            <a:r>
+              <a:rPr lang="de-DE" altLang="zh-CN" baseline="0" dirty="0" err="1" smtClean="0"/>
+              <a:t>waveguide</a:t>
+            </a:r>
+            <a:r>
+              <a:rPr lang="de-DE" altLang="zh-CN" baseline="0" dirty="0" smtClean="0"/>
+              <a:t> </a:t>
+            </a:r>
+            <a:r>
+              <a:rPr lang="de-DE" altLang="zh-CN" baseline="0" dirty="0" err="1" smtClean="0"/>
+              <a:t>should</a:t>
+            </a:r>
+            <a:r>
+              <a:rPr lang="de-DE" altLang="zh-CN" baseline="0" dirty="0" smtClean="0"/>
+              <a:t> </a:t>
+            </a:r>
+            <a:r>
+              <a:rPr lang="de-DE" altLang="zh-CN" baseline="0" dirty="0" err="1" smtClean="0"/>
+              <a:t>be</a:t>
+            </a:r>
+            <a:r>
+              <a:rPr lang="de-DE" altLang="zh-CN" baseline="0" dirty="0" smtClean="0"/>
+              <a:t> </a:t>
+            </a:r>
+            <a:r>
+              <a:rPr lang="de-DE" altLang="zh-CN" baseline="0" dirty="0" err="1" smtClean="0"/>
+              <a:t>located</a:t>
+            </a:r>
+            <a:r>
+              <a:rPr lang="de-DE" altLang="zh-CN" baseline="0" dirty="0" smtClean="0"/>
+              <a:t> </a:t>
+            </a:r>
+            <a:r>
+              <a:rPr lang="de-DE" altLang="zh-CN" baseline="0" dirty="0" err="1" smtClean="0"/>
+              <a:t>at</a:t>
+            </a:r>
+            <a:r>
+              <a:rPr lang="de-DE" altLang="zh-CN" baseline="0" dirty="0" smtClean="0"/>
+              <a:t> </a:t>
+            </a:r>
+            <a:r>
+              <a:rPr lang="de-DE" altLang="zh-CN" baseline="0" dirty="0" err="1" smtClean="0"/>
+              <a:t>the</a:t>
+            </a:r>
+            <a:r>
+              <a:rPr lang="de-DE" altLang="zh-CN" baseline="0" dirty="0" smtClean="0"/>
+              <a:t> </a:t>
+            </a:r>
+            <a:r>
+              <a:rPr lang="de-DE" altLang="zh-CN" baseline="0" dirty="0" err="1" smtClean="0"/>
+              <a:t>propagating</a:t>
+            </a:r>
+            <a:r>
+              <a:rPr lang="de-DE" altLang="zh-CN" baseline="0" dirty="0" smtClean="0"/>
+              <a:t> </a:t>
+            </a:r>
+            <a:r>
+              <a:rPr lang="de-DE" altLang="zh-CN" baseline="0" dirty="0" err="1" smtClean="0"/>
+              <a:t>center</a:t>
+            </a:r>
+            <a:r>
+              <a:rPr lang="de-DE" altLang="zh-CN" baseline="0" dirty="0" smtClean="0"/>
+              <a:t> </a:t>
+            </a:r>
+            <a:r>
+              <a:rPr lang="de-DE" altLang="zh-CN" baseline="0" dirty="0" err="1" smtClean="0"/>
+              <a:t>for</a:t>
+            </a:r>
+            <a:r>
+              <a:rPr lang="de-DE" altLang="zh-CN" baseline="0" dirty="0" smtClean="0"/>
+              <a:t> </a:t>
+            </a:r>
+            <a:r>
+              <a:rPr lang="de-DE" altLang="zh-CN" baseline="0" dirty="0" err="1" smtClean="0"/>
+              <a:t>the</a:t>
+            </a:r>
+            <a:r>
+              <a:rPr lang="de-DE" altLang="zh-CN" baseline="0" dirty="0" smtClean="0"/>
+              <a:t> </a:t>
+            </a:r>
+            <a:r>
+              <a:rPr lang="de-DE" altLang="zh-CN" baseline="0" dirty="0" err="1" smtClean="0"/>
+              <a:t>efficient</a:t>
+            </a:r>
+            <a:r>
+              <a:rPr lang="de-DE" altLang="zh-CN" baseline="0" dirty="0" smtClean="0"/>
+              <a:t> </a:t>
+            </a:r>
+            <a:r>
+              <a:rPr lang="de-DE" altLang="zh-CN" baseline="0" dirty="0" err="1" smtClean="0"/>
+              <a:t>coupling</a:t>
+            </a:r>
+            <a:r>
+              <a:rPr lang="de-DE" altLang="zh-CN" baseline="0" dirty="0" smtClean="0"/>
+              <a:t>. In Z-</a:t>
+            </a:r>
+            <a:r>
+              <a:rPr lang="de-DE" altLang="zh-CN" baseline="0" dirty="0" err="1" smtClean="0"/>
+              <a:t>direction</a:t>
+            </a:r>
+            <a:r>
+              <a:rPr lang="de-DE" altLang="zh-CN" baseline="0" dirty="0" smtClean="0"/>
+              <a:t> </a:t>
+            </a:r>
+            <a:r>
+              <a:rPr lang="de-DE" altLang="zh-CN" baseline="0" dirty="0" err="1" smtClean="0"/>
+              <a:t>we</a:t>
+            </a:r>
+            <a:r>
+              <a:rPr lang="de-DE" altLang="zh-CN" baseline="0" dirty="0" smtClean="0"/>
+              <a:t> </a:t>
+            </a:r>
+            <a:r>
+              <a:rPr lang="de-DE" altLang="zh-CN" baseline="0" dirty="0" err="1" smtClean="0"/>
+              <a:t>can</a:t>
+            </a:r>
+            <a:r>
+              <a:rPr lang="de-DE" altLang="zh-CN" baseline="0" dirty="0" smtClean="0"/>
+              <a:t> </a:t>
+            </a:r>
+            <a:r>
+              <a:rPr lang="de-DE" altLang="zh-CN" baseline="0" dirty="0" err="1" smtClean="0"/>
+              <a:t>keep</a:t>
+            </a:r>
+            <a:r>
+              <a:rPr lang="de-DE" altLang="zh-CN" baseline="0" dirty="0" smtClean="0"/>
+              <a:t> </a:t>
+            </a:r>
+            <a:r>
+              <a:rPr lang="de-DE" altLang="zh-CN" baseline="0" dirty="0" err="1" smtClean="0"/>
+              <a:t>it</a:t>
+            </a:r>
+            <a:r>
+              <a:rPr lang="de-DE" altLang="zh-CN" baseline="0" dirty="0" smtClean="0"/>
+              <a:t> </a:t>
+            </a:r>
+            <a:r>
+              <a:rPr lang="de-DE" altLang="zh-CN" baseline="0" dirty="0" err="1" smtClean="0"/>
+              <a:t>at</a:t>
+            </a:r>
+            <a:r>
+              <a:rPr lang="de-DE" altLang="zh-CN" baseline="0" dirty="0" smtClean="0"/>
+              <a:t> </a:t>
+            </a:r>
+            <a:r>
+              <a:rPr lang="de-DE" altLang="zh-CN" baseline="0" dirty="0" err="1" smtClean="0"/>
+              <a:t>the</a:t>
+            </a:r>
+            <a:r>
+              <a:rPr lang="de-DE" altLang="zh-CN" baseline="0" dirty="0" smtClean="0"/>
+              <a:t> original </a:t>
+            </a:r>
+            <a:r>
+              <a:rPr lang="de-DE" altLang="zh-CN" baseline="0" dirty="0" err="1" smtClean="0"/>
+              <a:t>working</a:t>
+            </a:r>
+            <a:r>
+              <a:rPr lang="de-DE" altLang="zh-CN" baseline="0" dirty="0" smtClean="0"/>
+              <a:t> </a:t>
+            </a:r>
+            <a:r>
+              <a:rPr lang="de-DE" altLang="zh-CN" baseline="0" dirty="0" err="1" smtClean="0"/>
+              <a:t>distance</a:t>
+            </a:r>
+            <a:r>
+              <a:rPr lang="de-DE" altLang="zh-CN" baseline="0" dirty="0" smtClean="0"/>
+              <a:t> </a:t>
+            </a:r>
+            <a:r>
+              <a:rPr lang="de-DE" altLang="zh-CN" baseline="0" dirty="0" err="1" smtClean="0"/>
+              <a:t>of</a:t>
+            </a:r>
+            <a:r>
+              <a:rPr lang="de-DE" altLang="zh-CN" baseline="0" dirty="0" smtClean="0"/>
+              <a:t> 4µm.  </a:t>
+            </a:r>
             <a:endParaRPr lang="zh-CN" altLang="en-US" dirty="0"/>
           </a:p>
         </p:txBody>
@@ -3150,7 +5052,7 @@
             <a:fld id="{031E71C2-430C-44C1-937C-0E9DE1F3577E}" type="slidenum">
               <a:rPr lang="de-DE" smtClean="0"/>
               <a:pPr/>
-              <a:t>15</a:t>
+              <a:t>12</a:t>
             </a:fld>
             <a:endParaRPr lang="de-DE"/>
           </a:p>
@@ -6312,202 +8214,13 @@
           <a:p>
             <a:pPr eaLnBrk="1" hangingPunct="1"/>
             <a:r>
-              <a:rPr lang="de-DE" sz="3200" dirty="0" smtClean="0">
+              <a:rPr lang="en-US" sz="3200" dirty="0" smtClean="0">
                 <a:solidFill>
                   <a:srgbClr val="D40A27"/>
                 </a:solidFill>
               </a:rPr>
-              <a:t>Simulation </a:t>
-            </a:r>
-            <a:r>
-              <a:rPr lang="de-DE" sz="3200" dirty="0" err="1" smtClean="0">
-                <a:solidFill>
-                  <a:srgbClr val="D40A27"/>
-                </a:solidFill>
-              </a:rPr>
-              <a:t>and</a:t>
-            </a:r>
-            <a:r>
-              <a:rPr lang="de-DE" sz="3200" dirty="0" smtClean="0">
-                <a:solidFill>
-                  <a:srgbClr val="D40A27"/>
-                </a:solidFill>
-              </a:rPr>
-              <a:t> </a:t>
-            </a:r>
-            <a:r>
-              <a:rPr lang="de-DE" sz="3200" dirty="0" err="1" smtClean="0">
-                <a:solidFill>
-                  <a:srgbClr val="D40A27"/>
-                </a:solidFill>
-              </a:rPr>
-              <a:t>optimization</a:t>
-            </a:r>
-            <a:r>
-              <a:rPr lang="de-DE" sz="3200" dirty="0" smtClean="0">
-                <a:solidFill>
-                  <a:srgbClr val="D40A27"/>
-                </a:solidFill>
-              </a:rPr>
-              <a:t> </a:t>
-            </a:r>
-            <a:r>
-              <a:rPr lang="de-DE" sz="3200" dirty="0" err="1" smtClean="0">
-                <a:solidFill>
-                  <a:srgbClr val="D40A27"/>
-                </a:solidFill>
-              </a:rPr>
-              <a:t>of</a:t>
-            </a:r>
-            <a:r>
-              <a:rPr lang="de-DE" sz="3200" dirty="0" smtClean="0">
-                <a:solidFill>
-                  <a:srgbClr val="D40A27"/>
-                </a:solidFill>
-              </a:rPr>
-              <a:t> </a:t>
-            </a:r>
-            <a:r>
-              <a:rPr lang="de-DE" sz="3200" dirty="0" err="1" smtClean="0">
-                <a:solidFill>
-                  <a:srgbClr val="D40A27"/>
-                </a:solidFill>
-              </a:rPr>
-              <a:t>the</a:t>
-            </a:r>
-            <a:r>
-              <a:rPr lang="de-DE" sz="3200" dirty="0" smtClean="0">
-                <a:solidFill>
-                  <a:srgbClr val="D40A27"/>
-                </a:solidFill>
-              </a:rPr>
-              <a:t> </a:t>
-            </a:r>
-            <a:r>
-              <a:rPr lang="de-DE" sz="3200" dirty="0" err="1" smtClean="0">
-                <a:solidFill>
-                  <a:srgbClr val="D40A27"/>
-                </a:solidFill>
-              </a:rPr>
-              <a:t>coupling</a:t>
-            </a:r>
-            <a:r>
-              <a:rPr lang="de-DE" sz="3200" dirty="0" smtClean="0">
-                <a:solidFill>
-                  <a:srgbClr val="D40A27"/>
-                </a:solidFill>
-              </a:rPr>
-              <a:t> </a:t>
-            </a:r>
-            <a:r>
-              <a:rPr lang="de-DE" sz="3200" dirty="0" err="1" smtClean="0">
-                <a:solidFill>
-                  <a:srgbClr val="D40A27"/>
-                </a:solidFill>
-              </a:rPr>
-              <a:t>efficiency</a:t>
-            </a:r>
-            <a:r>
-              <a:rPr lang="de-DE" sz="3200" dirty="0" smtClean="0">
-                <a:solidFill>
-                  <a:srgbClr val="D40A27"/>
-                </a:solidFill>
-              </a:rPr>
-              <a:t> </a:t>
-            </a:r>
-            <a:r>
-              <a:rPr lang="de-DE" sz="3200" dirty="0" err="1" smtClean="0">
-                <a:solidFill>
-                  <a:srgbClr val="D40A27"/>
-                </a:solidFill>
-              </a:rPr>
-              <a:t>from</a:t>
-            </a:r>
-            <a:r>
-              <a:rPr lang="de-DE" sz="3200" dirty="0" smtClean="0">
-                <a:solidFill>
-                  <a:srgbClr val="D40A27"/>
-                </a:solidFill>
-              </a:rPr>
-              <a:t> </a:t>
-            </a:r>
-            <a:r>
-              <a:rPr lang="de-DE" sz="3200" dirty="0" err="1" smtClean="0">
-                <a:solidFill>
-                  <a:srgbClr val="D40A27"/>
-                </a:solidFill>
-              </a:rPr>
-              <a:t>single-mode</a:t>
-            </a:r>
-            <a:r>
-              <a:rPr lang="de-DE" sz="3200" dirty="0" smtClean="0">
-                <a:solidFill>
-                  <a:srgbClr val="D40A27"/>
-                </a:solidFill>
-              </a:rPr>
-              <a:t> </a:t>
-            </a:r>
-            <a:r>
-              <a:rPr lang="de-DE" sz="3200" dirty="0" err="1" smtClean="0">
-                <a:solidFill>
-                  <a:srgbClr val="D40A27"/>
-                </a:solidFill>
-              </a:rPr>
-              <a:t>fibers</a:t>
-            </a:r>
-            <a:r>
-              <a:rPr lang="de-DE" sz="3200" dirty="0" smtClean="0">
-                <a:solidFill>
-                  <a:srgbClr val="D40A27"/>
-                </a:solidFill>
-              </a:rPr>
-              <a:t> </a:t>
-            </a:r>
-            <a:r>
-              <a:rPr lang="de-DE" sz="3200" dirty="0" err="1" smtClean="0">
-                <a:solidFill>
-                  <a:srgbClr val="D40A27"/>
-                </a:solidFill>
-              </a:rPr>
-              <a:t>to</a:t>
-            </a:r>
-            <a:r>
-              <a:rPr lang="de-DE" sz="3200" dirty="0" smtClean="0">
-                <a:solidFill>
-                  <a:srgbClr val="D40A27"/>
-                </a:solidFill>
-              </a:rPr>
-              <a:t> </a:t>
-            </a:r>
-            <a:r>
-              <a:rPr lang="de-DE" sz="3200" dirty="0" err="1" smtClean="0">
-                <a:solidFill>
-                  <a:srgbClr val="D40A27"/>
-                </a:solidFill>
-              </a:rPr>
-              <a:t>photonic</a:t>
-            </a:r>
-            <a:r>
-              <a:rPr lang="de-DE" sz="3200" dirty="0" smtClean="0">
-                <a:solidFill>
-                  <a:srgbClr val="D40A27"/>
-                </a:solidFill>
-              </a:rPr>
-              <a:t> </a:t>
-            </a:r>
-            <a:r>
-              <a:rPr lang="de-DE" sz="3200" dirty="0" err="1" smtClean="0">
-                <a:solidFill>
-                  <a:srgbClr val="D40A27"/>
-                </a:solidFill>
-              </a:rPr>
-              <a:t>waveguides</a:t>
-            </a:r>
-            <a:endParaRPr lang="de-DE" sz="3200" dirty="0" smtClean="0">
-              <a:solidFill>
-                <a:srgbClr val="D40A27"/>
-              </a:solidFill>
-            </a:endParaRPr>
+              <a:t>Simulation and optimization of the coupling efficiency from single-mode fibers to photonic waveguides</a:t>
+            </a:r>
           </a:p>
         </p:txBody>
       </p:sp>
@@ -6729,7 +8442,7 @@
           <p:nvPr/>
         </p:nvPicPr>
         <p:blipFill>
-          <a:blip r:embed="rId2"/>
+          <a:blip r:embed="rId3"/>
           <a:srcRect/>
           <a:stretch>
             <a:fillRect/>
@@ -6737,8 +8450,8 @@
         </p:blipFill>
         <p:spPr bwMode="auto">
           <a:xfrm>
-            <a:off x="1936466" y="2500306"/>
-            <a:ext cx="7207534" cy="4143403"/>
+            <a:off x="2428860" y="2624474"/>
+            <a:ext cx="6684979" cy="3843001"/>
           </a:xfrm>
           <a:prstGeom prst="rect">
             <a:avLst/>
@@ -6755,7 +8468,7 @@
           <p:nvPr/>
         </p:nvPicPr>
         <p:blipFill>
-          <a:blip r:embed="rId3"/>
+          <a:blip r:embed="rId4"/>
           <a:srcRect/>
           <a:stretch>
             <a:fillRect/>
@@ -6763,8 +8476,8 @@
         </p:blipFill>
         <p:spPr bwMode="auto">
           <a:xfrm>
-            <a:off x="1936466" y="2973381"/>
-            <a:ext cx="7012509" cy="3494094"/>
+            <a:off x="2428860" y="2973381"/>
+            <a:ext cx="6470665" cy="3494094"/>
           </a:xfrm>
           <a:prstGeom prst="rect">
             <a:avLst/>
@@ -6781,7 +8494,7 @@
           <p:nvPr/>
         </p:nvPicPr>
         <p:blipFill>
-          <a:blip r:embed="rId4"/>
+          <a:blip r:embed="rId5"/>
           <a:srcRect/>
           <a:stretch>
             <a:fillRect/>
@@ -6789,7 +8502,7 @@
         </p:blipFill>
         <p:spPr bwMode="auto">
           <a:xfrm>
-            <a:off x="2357422" y="3357562"/>
+            <a:off x="2143076" y="2752699"/>
             <a:ext cx="7000924" cy="3714776"/>
           </a:xfrm>
           <a:prstGeom prst="rect">
@@ -6806,6 +8519,195 @@
   <p:transition>
     <p:zoom/>
   </p:transition>
+  <p:timing>
+    <p:tnLst>
+      <p:par>
+        <p:cTn id="1" dur="indefinite" restart="never" nodeType="tmRoot">
+          <p:childTnLst>
+            <p:seq concurrent="1" nextAc="seek">
+              <p:cTn id="2" dur="indefinite" nodeType="mainSeq">
+                <p:childTnLst>
+                  <p:par>
+                    <p:cTn id="3" fill="hold">
+                      <p:stCondLst>
+                        <p:cond delay="indefinite"/>
+                      </p:stCondLst>
+                      <p:childTnLst>
+                        <p:par>
+                          <p:cTn id="4" fill="hold">
+                            <p:stCondLst>
+                              <p:cond delay="0"/>
+                            </p:stCondLst>
+                            <p:childTnLst>
+                              <p:par>
+                                <p:cTn id="5" presetID="3" presetClass="entr" presetSubtype="10" fill="hold" nodeType="clickEffect">
+                                  <p:stCondLst>
+                                    <p:cond delay="0"/>
+                                  </p:stCondLst>
+                                  <p:childTnLst>
+                                    <p:set>
+                                      <p:cBhvr>
+                                        <p:cTn id="6" dur="1" fill="hold">
+                                          <p:stCondLst>
+                                            <p:cond delay="0"/>
+                                          </p:stCondLst>
+                                        </p:cTn>
+                                        <p:tgtEl>
+                                          <p:spTgt spid="2051"/>
+                                        </p:tgtEl>
+                                        <p:attrNameLst>
+                                          <p:attrName>style.visibility</p:attrName>
+                                        </p:attrNameLst>
+                                      </p:cBhvr>
+                                      <p:to>
+                                        <p:strVal val="visible"/>
+                                      </p:to>
+                                    </p:set>
+                                    <p:animEffect transition="in" filter="blinds(horizontal)">
+                                      <p:cBhvr>
+                                        <p:cTn id="7" dur="500"/>
+                                        <p:tgtEl>
+                                          <p:spTgt spid="2051"/>
+                                        </p:tgtEl>
+                                      </p:cBhvr>
+                                    </p:animEffect>
+                                  </p:childTnLst>
+                                </p:cTn>
+                              </p:par>
+                            </p:childTnLst>
+                          </p:cTn>
+                        </p:par>
+                      </p:childTnLst>
+                    </p:cTn>
+                  </p:par>
+                  <p:par>
+                    <p:cTn id="8" fill="hold">
+                      <p:stCondLst>
+                        <p:cond delay="indefinite"/>
+                      </p:stCondLst>
+                      <p:childTnLst>
+                        <p:par>
+                          <p:cTn id="9" fill="hold">
+                            <p:stCondLst>
+                              <p:cond delay="0"/>
+                            </p:stCondLst>
+                            <p:childTnLst>
+                              <p:par>
+                                <p:cTn id="10" presetID="3" presetClass="entr" presetSubtype="10" fill="hold" nodeType="clickEffect">
+                                  <p:stCondLst>
+                                    <p:cond delay="0"/>
+                                  </p:stCondLst>
+                                  <p:childTnLst>
+                                    <p:set>
+                                      <p:cBhvr>
+                                        <p:cTn id="11" dur="1" fill="hold">
+                                          <p:stCondLst>
+                                            <p:cond delay="0"/>
+                                          </p:stCondLst>
+                                        </p:cTn>
+                                        <p:tgtEl>
+                                          <p:spTgt spid="2052"/>
+                                        </p:tgtEl>
+                                        <p:attrNameLst>
+                                          <p:attrName>style.visibility</p:attrName>
+                                        </p:attrNameLst>
+                                      </p:cBhvr>
+                                      <p:to>
+                                        <p:strVal val="visible"/>
+                                      </p:to>
+                                    </p:set>
+                                    <p:animEffect transition="in" filter="blinds(horizontal)">
+                                      <p:cBhvr>
+                                        <p:cTn id="12" dur="500"/>
+                                        <p:tgtEl>
+                                          <p:spTgt spid="2052"/>
+                                        </p:tgtEl>
+                                      </p:cBhvr>
+                                    </p:animEffect>
+                                  </p:childTnLst>
+                                </p:cTn>
+                              </p:par>
+                            </p:childTnLst>
+                          </p:cTn>
+                        </p:par>
+                      </p:childTnLst>
+                    </p:cTn>
+                  </p:par>
+                  <p:par>
+                    <p:cTn id="13" fill="hold">
+                      <p:stCondLst>
+                        <p:cond delay="indefinite"/>
+                      </p:stCondLst>
+                      <p:childTnLst>
+                        <p:par>
+                          <p:cTn id="14" fill="hold">
+                            <p:stCondLst>
+                              <p:cond delay="0"/>
+                            </p:stCondLst>
+                            <p:childTnLst>
+                              <p:par>
+                                <p:cTn id="15" presetID="3" presetClass="entr" presetSubtype="10" fill="hold" nodeType="clickEffect">
+                                  <p:stCondLst>
+                                    <p:cond delay="0"/>
+                                  </p:stCondLst>
+                                  <p:childTnLst>
+                                    <p:set>
+                                      <p:cBhvr>
+                                        <p:cTn id="16" dur="1" fill="hold">
+                                          <p:stCondLst>
+                                            <p:cond delay="0"/>
+                                          </p:stCondLst>
+                                        </p:cTn>
+                                        <p:tgtEl>
+                                          <p:spTgt spid="2053"/>
+                                        </p:tgtEl>
+                                        <p:attrNameLst>
+                                          <p:attrName>style.visibility</p:attrName>
+                                        </p:attrNameLst>
+                                      </p:cBhvr>
+                                      <p:to>
+                                        <p:strVal val="visible"/>
+                                      </p:to>
+                                    </p:set>
+                                    <p:animEffect transition="in" filter="blinds(horizontal)">
+                                      <p:cBhvr>
+                                        <p:cTn id="17" dur="500"/>
+                                        <p:tgtEl>
+                                          <p:spTgt spid="2053"/>
+                                        </p:tgtEl>
+                                      </p:cBhvr>
+                                    </p:animEffect>
+                                  </p:childTnLst>
+                                </p:cTn>
+                              </p:par>
+                            </p:childTnLst>
+                          </p:cTn>
+                        </p:par>
+                      </p:childTnLst>
+                    </p:cTn>
+                  </p:par>
+                </p:childTnLst>
+              </p:cTn>
+              <p:prevCondLst>
+                <p:cond evt="onPrev" delay="0">
+                  <p:tgtEl>
+                    <p:sldTgt/>
+                  </p:tgtEl>
+                </p:cond>
+              </p:prevCondLst>
+              <p:nextCondLst>
+                <p:cond evt="onNext" delay="0">
+                  <p:tgtEl>
+                    <p:sldTgt/>
+                  </p:tgtEl>
+                </p:cond>
+              </p:nextCondLst>
+            </p:seq>
+          </p:childTnLst>
+        </p:cTn>
+      </p:par>
+    </p:tnLst>
+  </p:timing>
 </p:sld>
 </file>
 
@@ -7152,7 +9054,7 @@
           <p:nvPr isPhoto="1"/>
         </p:nvPicPr>
         <p:blipFill>
-          <a:blip r:embed="rId2">
+          <a:blip r:embed="rId3">
             <a:lum/>
           </a:blip>
           <a:stretch>
@@ -7182,7 +9084,7 @@
           <p:nvPr/>
         </p:nvPicPr>
         <p:blipFill>
-          <a:blip r:embed="rId3"/>
+          <a:blip r:embed="rId4"/>
           <a:srcRect/>
           <a:stretch>
             <a:fillRect/>
@@ -7207,6 +9109,13 @@
   <p:transition>
     <p:zoom/>
   </p:transition>
+  <p:timing>
+    <p:tnLst>
+      <p:par>
+        <p:cTn id="1" dur="indefinite" restart="never" nodeType="tmRoot"/>
+      </p:par>
+    </p:tnLst>
+  </p:timing>
 </p:sld>
 </file>
 
@@ -7282,7 +9191,7 @@
           <p:nvPr/>
         </p:nvPicPr>
         <p:blipFill>
-          <a:blip r:embed="rId2"/>
+          <a:blip r:embed="rId3"/>
           <a:srcRect/>
           <a:stretch>
             <a:fillRect/>
@@ -7290,7 +9199,7 @@
         </p:blipFill>
         <p:spPr bwMode="auto">
           <a:xfrm>
-            <a:off x="3333750" y="1571612"/>
+            <a:off x="3333750" y="1500174"/>
             <a:ext cx="5810250" cy="1914525"/>
           </a:xfrm>
           <a:prstGeom prst="rect">
@@ -7308,7 +9217,7 @@
           <p:nvPr/>
         </p:nvPicPr>
         <p:blipFill>
-          <a:blip r:embed="rId3"/>
+          <a:blip r:embed="rId4"/>
           <a:srcRect/>
           <a:stretch>
             <a:fillRect/>
@@ -7316,7 +9225,7 @@
         </p:blipFill>
         <p:spPr bwMode="auto">
           <a:xfrm>
-            <a:off x="3238500" y="2928934"/>
+            <a:off x="3286116" y="3295672"/>
             <a:ext cx="5810250" cy="3276600"/>
           </a:xfrm>
           <a:prstGeom prst="rect">
@@ -7333,6 +9242,13 @@
   <p:transition>
     <p:zoom/>
   </p:transition>
+  <p:timing>
+    <p:tnLst>
+      <p:par>
+        <p:cTn id="1" dur="indefinite" restart="never" nodeType="tmRoot"/>
+      </p:par>
+    </p:tnLst>
+  </p:timing>
 </p:sld>
 </file>
 
@@ -7420,7 +9336,7 @@
         </p:blipFill>
         <p:spPr bwMode="auto">
           <a:xfrm>
-            <a:off x="2428860" y="2285992"/>
+            <a:off x="2974559" y="2071678"/>
             <a:ext cx="6169473" cy="3542745"/>
           </a:xfrm>
           <a:prstGeom prst="rect">
@@ -7446,7 +9362,7 @@
         </p:blipFill>
         <p:spPr bwMode="auto">
           <a:xfrm>
-            <a:off x="2803936" y="3448029"/>
+            <a:off x="3105128" y="2928934"/>
             <a:ext cx="5794397" cy="3019446"/>
           </a:xfrm>
           <a:prstGeom prst="rect">
@@ -7463,6 +9379,142 @@
   <p:transition>
     <p:zoom/>
   </p:transition>
+  <p:timing>
+    <p:tnLst>
+      <p:par>
+        <p:cTn id="1" dur="indefinite" restart="never" nodeType="tmRoot">
+          <p:childTnLst>
+            <p:seq concurrent="1" nextAc="seek">
+              <p:cTn id="2" dur="indefinite" nodeType="mainSeq">
+                <p:childTnLst>
+                  <p:par>
+                    <p:cTn id="3" fill="hold">
+                      <p:stCondLst>
+                        <p:cond delay="indefinite"/>
+                      </p:stCondLst>
+                      <p:childTnLst>
+                        <p:par>
+                          <p:cTn id="4" fill="hold">
+                            <p:stCondLst>
+                              <p:cond delay="0"/>
+                            </p:stCondLst>
+                            <p:childTnLst>
+                              <p:par>
+                                <p:cTn id="5" presetID="8" presetClass="exit" presetSubtype="16" fill="hold" nodeType="clickEffect">
+                                  <p:stCondLst>
+                                    <p:cond delay="0"/>
+                                  </p:stCondLst>
+                                  <p:childTnLst>
+                                    <p:animEffect transition="out" filter="diamond(in)">
+                                      <p:cBhvr>
+                                        <p:cTn id="6" dur="2000"/>
+                                        <p:tgtEl>
+                                          <p:spTgt spid="4098"/>
+                                        </p:tgtEl>
+                                      </p:cBhvr>
+                                    </p:animEffect>
+                                    <p:set>
+                                      <p:cBhvr>
+                                        <p:cTn id="7" dur="1" fill="hold">
+                                          <p:stCondLst>
+                                            <p:cond delay="1999"/>
+                                          </p:stCondLst>
+                                        </p:cTn>
+                                        <p:tgtEl>
+                                          <p:spTgt spid="4098"/>
+                                        </p:tgtEl>
+                                        <p:attrNameLst>
+                                          <p:attrName>style.visibility</p:attrName>
+                                        </p:attrNameLst>
+                                      </p:cBhvr>
+                                      <p:to>
+                                        <p:strVal val="hidden"/>
+                                      </p:to>
+                                    </p:set>
+                                  </p:childTnLst>
+                                </p:cTn>
+                              </p:par>
+                            </p:childTnLst>
+                          </p:cTn>
+                        </p:par>
+                      </p:childTnLst>
+                    </p:cTn>
+                  </p:par>
+                  <p:par>
+                    <p:cTn id="8" fill="hold">
+                      <p:stCondLst>
+                        <p:cond delay="indefinite"/>
+                      </p:stCondLst>
+                      <p:childTnLst>
+                        <p:par>
+                          <p:cTn id="9" fill="hold">
+                            <p:stCondLst>
+                              <p:cond delay="0"/>
+                            </p:stCondLst>
+                            <p:childTnLst>
+                              <p:par>
+                                <p:cTn id="10" presetID="3" presetClass="entr" presetSubtype="10" fill="hold" nodeType="clickEffect">
+                                  <p:stCondLst>
+                                    <p:cond delay="0"/>
+                                  </p:stCondLst>
+                                  <p:childTnLst>
+                                    <p:set>
+                                      <p:cBhvr>
+                                        <p:cTn id="11" dur="1" fill="hold">
+                                          <p:stCondLst>
+                                            <p:cond delay="0"/>
+                                          </p:stCondLst>
+                                        </p:cTn>
+                                        <p:tgtEl>
+                                          <p:spTgt spid="4099"/>
+                                        </p:tgtEl>
+                                        <p:attrNameLst>
+                                          <p:attrName>style.visibility</p:attrName>
+                                        </p:attrNameLst>
+                                      </p:cBhvr>
+                                      <p:to>
+                                        <p:strVal val="visible"/>
+                                      </p:to>
+                                    </p:set>
+                                    <p:animEffect transition="in" filter="blinds(horizontal)">
+                                      <p:cBhvr>
+                                        <p:cTn id="12" dur="500"/>
+                                        <p:tgtEl>
+                                          <p:spTgt spid="4099"/>
+                                        </p:tgtEl>
+                                      </p:cBhvr>
+                                    </p:animEffect>
+                                  </p:childTnLst>
+                                </p:cTn>
+                              </p:par>
+                            </p:childTnLst>
+                          </p:cTn>
+                        </p:par>
+                      </p:childTnLst>
+                    </p:cTn>
+                  </p:par>
+                </p:childTnLst>
+              </p:cTn>
+              <p:prevCondLst>
+                <p:cond evt="onPrev" delay="0">
+                  <p:tgtEl>
+                    <p:sldTgt/>
+                  </p:tgtEl>
+                </p:cond>
+              </p:prevCondLst>
+              <p:nextCondLst>
+                <p:cond evt="onNext" delay="0">
+                  <p:tgtEl>
+                    <p:sldTgt/>
+                  </p:tgtEl>
+                </p:cond>
+              </p:nextCondLst>
+            </p:seq>
+          </p:childTnLst>
+        </p:cTn>
+      </p:par>
+    </p:tnLst>
+  </p:timing>
 </p:sld>
 </file>
 
@@ -7483,114 +9535,6 @@
           <a:chExt cx="0" cy="0"/>
         </a:xfrm>
       </p:grpSpPr>
-      <p:sp>
-        <p:nvSpPr>
-          <p:cNvPr id="2" name="Titel 1"/>
-          <p:cNvSpPr>
-            <a:spLocks noGrp="1"/>
-          </p:cNvSpPr>
-          <p:nvPr>
-            <p:ph type="title"/>
-          </p:nvPr>
-        </p:nvSpPr>
-        <p:spPr/>
-        <p:txBody>
-          <a:bodyPr/>
-          <a:lstStyle/>
-          <a:p>
-            <a:r>
-              <a:rPr lang="de-DE" altLang="zh-CN" dirty="0" smtClean="0"/>
-              <a:t>Optimization-Track3</a:t>
-            </a:r>
-            <a:endParaRPr lang="zh-CN" altLang="en-US" dirty="0"/>
-          </a:p>
-        </p:txBody>
-      </p:sp>
-      <p:sp>
-        <p:nvSpPr>
-          <p:cNvPr id="3" name="Inhaltsplatzhalter 2"/>
-          <p:cNvSpPr>
-            <a:spLocks noGrp="1"/>
-          </p:cNvSpPr>
-          <p:nvPr>
-            <p:ph idx="1"/>
-          </p:nvPr>
-        </p:nvSpPr>
-        <p:spPr/>
-        <p:txBody>
-          <a:bodyPr/>
-          <a:lstStyle/>
-          <a:p>
-            <a:r>
-              <a:rPr lang="en-US" altLang="zh-CN" dirty="0" smtClean="0"/>
-              <a:t>Refractive</a:t>
-            </a:r>
-            <a:r>
-              <a:rPr lang="de-DE" altLang="zh-CN" dirty="0" smtClean="0"/>
-              <a:t> Indices</a:t>
-            </a:r>
-          </a:p>
-          <a:p>
-            <a:pPr lvl="1"/>
-            <a:r>
-              <a:rPr lang="en-US" altLang="zh-CN" dirty="0" smtClean="0"/>
-              <a:t>Numerical Aperture </a:t>
-            </a:r>
-            <a:r>
-              <a:rPr lang="de-DE" altLang="zh-CN" dirty="0" smtClean="0"/>
-              <a:t>(NA)</a:t>
-            </a:r>
-          </a:p>
-          <a:p>
-            <a:pPr lvl="1"/>
-            <a:endParaRPr lang="de-DE" altLang="zh-CN" dirty="0" smtClean="0"/>
-          </a:p>
-          <a:p>
-            <a:pPr lvl="1"/>
-            <a:endParaRPr lang="de-DE" altLang="zh-CN" dirty="0" smtClean="0"/>
-          </a:p>
-          <a:p>
-            <a:pPr lvl="1"/>
-            <a:r>
-              <a:rPr lang="de-DE" altLang="zh-CN" dirty="0" smtClean="0"/>
-              <a:t>0.43(n=1.6);</a:t>
-            </a:r>
-          </a:p>
-          <a:p>
-            <a:pPr lvl="1"/>
-            <a:r>
-              <a:rPr lang="de-DE" altLang="zh-CN" dirty="0" smtClean="0"/>
-              <a:t>0.711(n01.7)</a:t>
-            </a:r>
-          </a:p>
-          <a:p>
-            <a:pPr lvl="1"/>
-            <a:r>
-              <a:rPr lang="de-DE" altLang="zh-CN" dirty="0" smtClean="0"/>
-              <a:t> 0.925(n=1.8);</a:t>
-            </a:r>
-          </a:p>
-          <a:p>
-            <a:pPr lvl="1"/>
-            <a:r>
-              <a:rPr lang="de-DE" altLang="zh-CN" dirty="0" smtClean="0"/>
-              <a:t>0.798(106°)</a:t>
-            </a:r>
-          </a:p>
-          <a:p>
-            <a:pPr lvl="1"/>
-            <a:endParaRPr lang="de-DE" altLang="zh-CN" dirty="0" smtClean="0"/>
-          </a:p>
-          <a:p>
-            <a:pPr lvl="1"/>
-            <a:r>
-              <a:rPr lang="en-US" altLang="zh-CN" dirty="0" smtClean="0"/>
-              <a:t>Reflection</a:t>
-            </a:r>
-            <a:endParaRPr lang="en-US" altLang="zh-CN" dirty="0"/>
-          </a:p>
-        </p:txBody>
-      </p:sp>
       <p:pic>
         <p:nvPicPr>
           <p:cNvPr id="5122" name="Picture 2" descr="F:\Data\leher\SVN\Master_arbeit\Latex\Masterarbeit\bilder\s21_refractive_index.png"/>
@@ -7608,8 +9552,8 @@
         </p:blipFill>
         <p:spPr bwMode="auto">
           <a:xfrm>
-            <a:off x="2882625" y="2143116"/>
-            <a:ext cx="6261375" cy="3905224"/>
+            <a:off x="3475624" y="2393149"/>
+            <a:ext cx="5668376" cy="3535370"/>
           </a:xfrm>
           <a:prstGeom prst="rect">
             <a:avLst/>
@@ -7619,7 +9563,7 @@
       </p:pic>
       <p:pic>
         <p:nvPicPr>
-          <p:cNvPr id="5123" name="Picture 3" descr="F:\Data\leher\SVN\Master_arbeit\Latex\Masterarbeit\bilder\s11_index.png"/>
+          <p:cNvPr id="5125" name="Picture 5" descr="F:\Data\leher\SVN\Master_arbeit\Latex\Masterarbeit\bilder\max_divergence_angle.PNG"/>
           <p:cNvPicPr>
             <a:picLocks noChangeAspect="1" noChangeArrowheads="1"/>
           </p:cNvPicPr>
@@ -7634,8 +9578,8 @@
         </p:blipFill>
         <p:spPr bwMode="auto">
           <a:xfrm>
-            <a:off x="3207426" y="2857496"/>
-            <a:ext cx="5692099" cy="3413129"/>
+            <a:off x="4857752" y="2786058"/>
+            <a:ext cx="3481380" cy="2865850"/>
           </a:xfrm>
           <a:prstGeom prst="rect">
             <a:avLst/>
@@ -7643,6 +9587,114 @@
           <a:noFill/>
         </p:spPr>
       </p:pic>
+      <p:sp>
+        <p:nvSpPr>
+          <p:cNvPr id="2" name="Titel 1"/>
+          <p:cNvSpPr>
+            <a:spLocks noGrp="1"/>
+          </p:cNvSpPr>
+          <p:nvPr>
+            <p:ph type="title"/>
+          </p:nvPr>
+        </p:nvSpPr>
+        <p:spPr/>
+        <p:txBody>
+          <a:bodyPr/>
+          <a:lstStyle/>
+          <a:p>
+            <a:r>
+              <a:rPr lang="de-DE" altLang="zh-CN" dirty="0" smtClean="0"/>
+              <a:t>Optimization-Track3</a:t>
+            </a:r>
+            <a:endParaRPr lang="zh-CN" altLang="en-US" dirty="0"/>
+          </a:p>
+        </p:txBody>
+      </p:sp>
+      <p:sp>
+        <p:nvSpPr>
+          <p:cNvPr id="3" name="Inhaltsplatzhalter 2"/>
+          <p:cNvSpPr>
+            <a:spLocks noGrp="1"/>
+          </p:cNvSpPr>
+          <p:nvPr>
+            <p:ph idx="1"/>
+          </p:nvPr>
+        </p:nvSpPr>
+        <p:spPr/>
+        <p:txBody>
+          <a:bodyPr/>
+          <a:lstStyle/>
+          <a:p>
+            <a:r>
+              <a:rPr lang="en-US" altLang="zh-CN" dirty="0" smtClean="0"/>
+              <a:t>Refractive</a:t>
+            </a:r>
+            <a:r>
+              <a:rPr lang="de-DE" altLang="zh-CN" dirty="0" smtClean="0"/>
+              <a:t> Indices</a:t>
+            </a:r>
+          </a:p>
+          <a:p>
+            <a:pPr lvl="1"/>
+            <a:r>
+              <a:rPr lang="en-US" altLang="zh-CN" dirty="0" smtClean="0"/>
+              <a:t>Numerical Aperture </a:t>
+            </a:r>
+            <a:r>
+              <a:rPr lang="de-DE" altLang="zh-CN" dirty="0" smtClean="0"/>
+              <a:t>(NA)</a:t>
+            </a:r>
+          </a:p>
+          <a:p>
+            <a:pPr lvl="1"/>
+            <a:endParaRPr lang="de-DE" altLang="zh-CN" dirty="0" smtClean="0"/>
+          </a:p>
+          <a:p>
+            <a:pPr lvl="1"/>
+            <a:endParaRPr lang="de-DE" altLang="zh-CN" dirty="0" smtClean="0"/>
+          </a:p>
+          <a:p>
+            <a:pPr lvl="1"/>
+            <a:r>
+              <a:rPr lang="de-DE" altLang="zh-CN" dirty="0" smtClean="0"/>
+              <a:t>0.43(n=1.6);</a:t>
+            </a:r>
+          </a:p>
+          <a:p>
+            <a:pPr lvl="1"/>
+            <a:r>
+              <a:rPr lang="de-DE" altLang="zh-CN" dirty="0" smtClean="0"/>
+              <a:t>0.711(n01.7)</a:t>
+            </a:r>
+          </a:p>
+          <a:p>
+            <a:pPr lvl="1"/>
+            <a:r>
+              <a:rPr lang="de-DE" altLang="zh-CN" dirty="0" smtClean="0"/>
+              <a:t> 0.925(n=1.8);</a:t>
+            </a:r>
+          </a:p>
+          <a:p>
+            <a:pPr lvl="1"/>
+            <a:r>
+              <a:rPr lang="de-DE" altLang="zh-CN" dirty="0" smtClean="0"/>
+              <a:t>0.798(106°)</a:t>
+            </a:r>
+          </a:p>
+          <a:p>
+            <a:pPr lvl="1"/>
+            <a:endParaRPr lang="de-DE" altLang="zh-CN" dirty="0" smtClean="0"/>
+          </a:p>
+          <a:p>
+            <a:pPr lvl="1"/>
+            <a:r>
+              <a:rPr lang="en-US" altLang="zh-CN" dirty="0" smtClean="0"/>
+              <a:t>Reflection</a:t>
+            </a:r>
+            <a:endParaRPr lang="en-US" altLang="zh-CN" dirty="0"/>
+          </a:p>
+        </p:txBody>
+      </p:sp>
       <p:graphicFrame>
         <p:nvGraphicFramePr>
           <p:cNvPr id="6" name="Objekt 5"/>
@@ -7665,7 +9717,7 @@
       </p:graphicFrame>
       <p:pic>
         <p:nvPicPr>
-          <p:cNvPr id="5125" name="Picture 5" descr="F:\Data\leher\SVN\Master_arbeit\Latex\Masterarbeit\bilder\max_divergence_angle.PNG"/>
+          <p:cNvPr id="5123" name="Picture 3" descr="F:\Data\leher\SVN\Master_arbeit\Latex\Masterarbeit\bilder\s11_index.png"/>
           <p:cNvPicPr>
             <a:picLocks noChangeAspect="1" noChangeArrowheads="1"/>
           </p:cNvPicPr>
@@ -7680,8 +9732,8 @@
         </p:blipFill>
         <p:spPr bwMode="auto">
           <a:xfrm>
-            <a:off x="2682140" y="3409951"/>
-            <a:ext cx="3481380" cy="2865850"/>
+            <a:off x="3475624" y="2515390"/>
+            <a:ext cx="5692099" cy="3413129"/>
           </a:xfrm>
           <a:prstGeom prst="rect">
             <a:avLst/>
@@ -7697,6 +9749,195 @@
   <p:transition>
     <p:zoom/>
   </p:transition>
+  <p:timing>
+    <p:tnLst>
+      <p:par>
+        <p:cTn id="1" dur="indefinite" restart="never" nodeType="tmRoot">
+          <p:childTnLst>
+            <p:seq concurrent="1" nextAc="seek">
+              <p:cTn id="2" dur="indefinite" nodeType="mainSeq">
+                <p:childTnLst>
+                  <p:par>
+                    <p:cTn id="3" fill="hold">
+                      <p:stCondLst>
+                        <p:cond delay="indefinite"/>
+                      </p:stCondLst>
+                      <p:childTnLst>
+                        <p:par>
+                          <p:cTn id="4" fill="hold">
+                            <p:stCondLst>
+                              <p:cond delay="0"/>
+                            </p:stCondLst>
+                            <p:childTnLst>
+                              <p:par>
+                                <p:cTn id="5" presetID="5" presetClass="exit" presetSubtype="10" fill="hold" nodeType="clickEffect">
+                                  <p:stCondLst>
+                                    <p:cond delay="0"/>
+                                  </p:stCondLst>
+                                  <p:childTnLst>
+                                    <p:animEffect transition="out" filter="checkerboard(across)">
+                                      <p:cBhvr>
+                                        <p:cTn id="6" dur="500"/>
+                                        <p:tgtEl>
+                                          <p:spTgt spid="5122"/>
+                                        </p:tgtEl>
+                                      </p:cBhvr>
+                                    </p:animEffect>
+                                    <p:set>
+                                      <p:cBhvr>
+                                        <p:cTn id="7" dur="1" fill="hold">
+                                          <p:stCondLst>
+                                            <p:cond delay="499"/>
+                                          </p:stCondLst>
+                                        </p:cTn>
+                                        <p:tgtEl>
+                                          <p:spTgt spid="5122"/>
+                                        </p:tgtEl>
+                                        <p:attrNameLst>
+                                          <p:attrName>style.visibility</p:attrName>
+                                        </p:attrNameLst>
+                                      </p:cBhvr>
+                                      <p:to>
+                                        <p:strVal val="hidden"/>
+                                      </p:to>
+                                    </p:set>
+                                  </p:childTnLst>
+                                </p:cTn>
+                              </p:par>
+                            </p:childTnLst>
+                          </p:cTn>
+                        </p:par>
+                      </p:childTnLst>
+                    </p:cTn>
+                  </p:par>
+                  <p:par>
+                    <p:cTn id="8" fill="hold">
+                      <p:stCondLst>
+                        <p:cond delay="indefinite"/>
+                      </p:stCondLst>
+                      <p:childTnLst>
+                        <p:par>
+                          <p:cTn id="9" fill="hold">
+                            <p:stCondLst>
+                              <p:cond delay="0"/>
+                            </p:stCondLst>
+                            <p:childTnLst>
+                              <p:par>
+                                <p:cTn id="10" presetID="5" presetClass="entr" presetSubtype="10" fill="hold" nodeType="clickEffect">
+                                  <p:stCondLst>
+                                    <p:cond delay="0"/>
+                                  </p:stCondLst>
+                                  <p:childTnLst>
+                                    <p:set>
+                                      <p:cBhvr>
+                                        <p:cTn id="11" dur="1" fill="hold">
+                                          <p:stCondLst>
+                                            <p:cond delay="0"/>
+                                          </p:stCondLst>
+                                        </p:cTn>
+                                        <p:tgtEl>
+                                          <p:spTgt spid="5125"/>
+                                        </p:tgtEl>
+                                        <p:attrNameLst>
+                                          <p:attrName>style.visibility</p:attrName>
+                                        </p:attrNameLst>
+                                      </p:cBhvr>
+                                      <p:to>
+                                        <p:strVal val="visible"/>
+                                      </p:to>
+                                    </p:set>
+                                    <p:animEffect transition="in" filter="checkerboard(across)">
+                                      <p:cBhvr>
+                                        <p:cTn id="12" dur="500"/>
+                                        <p:tgtEl>
+                                          <p:spTgt spid="5125"/>
+                                        </p:tgtEl>
+                                      </p:cBhvr>
+                                    </p:animEffect>
+                                  </p:childTnLst>
+                                </p:cTn>
+                              </p:par>
+                            </p:childTnLst>
+                          </p:cTn>
+                        </p:par>
+                      </p:childTnLst>
+                    </p:cTn>
+                  </p:par>
+                  <p:par>
+                    <p:cTn id="13" fill="hold">
+                      <p:stCondLst>
+                        <p:cond delay="indefinite"/>
+                      </p:stCondLst>
+                      <p:childTnLst>
+                        <p:par>
+                          <p:cTn id="14" fill="hold">
+                            <p:stCondLst>
+                              <p:cond delay="0"/>
+                            </p:stCondLst>
+                            <p:childTnLst>
+                              <p:par>
+                                <p:cTn id="15" presetID="5" presetClass="entr" presetSubtype="10" fill="hold" nodeType="clickEffect">
+                                  <p:stCondLst>
+                                    <p:cond delay="0"/>
+                                  </p:stCondLst>
+                                  <p:childTnLst>
+                                    <p:set>
+                                      <p:cBhvr>
+                                        <p:cTn id="16" dur="1" fill="hold">
+                                          <p:stCondLst>
+                                            <p:cond delay="0"/>
+                                          </p:stCondLst>
+                                        </p:cTn>
+                                        <p:tgtEl>
+                                          <p:spTgt spid="5123"/>
+                                        </p:tgtEl>
+                                        <p:attrNameLst>
+                                          <p:attrName>style.visibility</p:attrName>
+                                        </p:attrNameLst>
+                                      </p:cBhvr>
+                                      <p:to>
+                                        <p:strVal val="visible"/>
+                                      </p:to>
+                                    </p:set>
+                                    <p:animEffect transition="in" filter="checkerboard(across)">
+                                      <p:cBhvr>
+                                        <p:cTn id="17" dur="500"/>
+                                        <p:tgtEl>
+                                          <p:spTgt spid="5123"/>
+                                        </p:tgtEl>
+                                      </p:cBhvr>
+                                    </p:animEffect>
+                                  </p:childTnLst>
+                                </p:cTn>
+                              </p:par>
+                            </p:childTnLst>
+                          </p:cTn>
+                        </p:par>
+                      </p:childTnLst>
+                    </p:cTn>
+                  </p:par>
+                </p:childTnLst>
+              </p:cTn>
+              <p:prevCondLst>
+                <p:cond evt="onPrev" delay="0">
+                  <p:tgtEl>
+                    <p:sldTgt/>
+                  </p:tgtEl>
+                </p:cond>
+              </p:prevCondLst>
+              <p:nextCondLst>
+                <p:cond evt="onNext" delay="0">
+                  <p:tgtEl>
+                    <p:sldTgt/>
+                  </p:tgtEl>
+                </p:cond>
+              </p:nextCondLst>
+            </p:seq>
+          </p:childTnLst>
+        </p:cTn>
+      </p:par>
+    </p:tnLst>
+  </p:timing>
 </p:sld>
 </file>
 
@@ -7900,7 +10141,7 @@
         </p:blipFill>
         <p:spPr bwMode="auto">
           <a:xfrm>
-            <a:off x="4994275" y="2498725"/>
+            <a:off x="4786314" y="3575050"/>
             <a:ext cx="3867150" cy="2152650"/>
           </a:xfrm>
           <a:prstGeom prst="rect">
@@ -7926,7 +10167,7 @@
         </p:blipFill>
         <p:spPr bwMode="auto">
           <a:xfrm>
-            <a:off x="3792528" y="3126130"/>
+            <a:off x="4075103" y="3192303"/>
             <a:ext cx="5068897" cy="3050489"/>
           </a:xfrm>
           <a:prstGeom prst="rect">
@@ -7952,7 +10193,7 @@
         </p:blipFill>
         <p:spPr bwMode="auto">
           <a:xfrm>
-            <a:off x="2143108" y="3483159"/>
+            <a:off x="4175145" y="3286124"/>
             <a:ext cx="4968887" cy="2984316"/>
           </a:xfrm>
           <a:prstGeom prst="rect">
@@ -7969,6 +10210,195 @@
   <p:transition>
     <p:zoom/>
   </p:transition>
+  <p:timing>
+    <p:tnLst>
+      <p:par>
+        <p:cTn id="1" dur="indefinite" restart="never" nodeType="tmRoot">
+          <p:childTnLst>
+            <p:seq concurrent="1" nextAc="seek">
+              <p:cTn id="2" dur="indefinite" nodeType="mainSeq">
+                <p:childTnLst>
+                  <p:par>
+                    <p:cTn id="3" fill="hold">
+                      <p:stCondLst>
+                        <p:cond delay="indefinite"/>
+                      </p:stCondLst>
+                      <p:childTnLst>
+                        <p:par>
+                          <p:cTn id="4" fill="hold">
+                            <p:stCondLst>
+                              <p:cond delay="0"/>
+                            </p:stCondLst>
+                            <p:childTnLst>
+                              <p:par>
+                                <p:cTn id="5" presetID="5" presetClass="exit" presetSubtype="10" fill="hold" nodeType="clickEffect">
+                                  <p:stCondLst>
+                                    <p:cond delay="0"/>
+                                  </p:stCondLst>
+                                  <p:childTnLst>
+                                    <p:animEffect transition="out" filter="checkerboard(across)">
+                                      <p:cBhvr>
+                                        <p:cTn id="6" dur="500"/>
+                                        <p:tgtEl>
+                                          <p:spTgt spid="6146"/>
+                                        </p:tgtEl>
+                                      </p:cBhvr>
+                                    </p:animEffect>
+                                    <p:set>
+                                      <p:cBhvr>
+                                        <p:cTn id="7" dur="1" fill="hold">
+                                          <p:stCondLst>
+                                            <p:cond delay="499"/>
+                                          </p:stCondLst>
+                                        </p:cTn>
+                                        <p:tgtEl>
+                                          <p:spTgt spid="6146"/>
+                                        </p:tgtEl>
+                                        <p:attrNameLst>
+                                          <p:attrName>style.visibility</p:attrName>
+                                        </p:attrNameLst>
+                                      </p:cBhvr>
+                                      <p:to>
+                                        <p:strVal val="hidden"/>
+                                      </p:to>
+                                    </p:set>
+                                  </p:childTnLst>
+                                </p:cTn>
+                              </p:par>
+                            </p:childTnLst>
+                          </p:cTn>
+                        </p:par>
+                      </p:childTnLst>
+                    </p:cTn>
+                  </p:par>
+                  <p:par>
+                    <p:cTn id="8" fill="hold">
+                      <p:stCondLst>
+                        <p:cond delay="indefinite"/>
+                      </p:stCondLst>
+                      <p:childTnLst>
+                        <p:par>
+                          <p:cTn id="9" fill="hold">
+                            <p:stCondLst>
+                              <p:cond delay="0"/>
+                            </p:stCondLst>
+                            <p:childTnLst>
+                              <p:par>
+                                <p:cTn id="10" presetID="5" presetClass="entr" presetSubtype="10" fill="hold" nodeType="clickEffect">
+                                  <p:stCondLst>
+                                    <p:cond delay="0"/>
+                                  </p:stCondLst>
+                                  <p:childTnLst>
+                                    <p:set>
+                                      <p:cBhvr>
+                                        <p:cTn id="11" dur="1" fill="hold">
+                                          <p:stCondLst>
+                                            <p:cond delay="0"/>
+                                          </p:stCondLst>
+                                        </p:cTn>
+                                        <p:tgtEl>
+                                          <p:spTgt spid="6147"/>
+                                        </p:tgtEl>
+                                        <p:attrNameLst>
+                                          <p:attrName>style.visibility</p:attrName>
+                                        </p:attrNameLst>
+                                      </p:cBhvr>
+                                      <p:to>
+                                        <p:strVal val="visible"/>
+                                      </p:to>
+                                    </p:set>
+                                    <p:animEffect transition="in" filter="checkerboard(across)">
+                                      <p:cBhvr>
+                                        <p:cTn id="12" dur="500"/>
+                                        <p:tgtEl>
+                                          <p:spTgt spid="6147"/>
+                                        </p:tgtEl>
+                                      </p:cBhvr>
+                                    </p:animEffect>
+                                  </p:childTnLst>
+                                </p:cTn>
+                              </p:par>
+                            </p:childTnLst>
+                          </p:cTn>
+                        </p:par>
+                      </p:childTnLst>
+                    </p:cTn>
+                  </p:par>
+                  <p:par>
+                    <p:cTn id="13" fill="hold">
+                      <p:stCondLst>
+                        <p:cond delay="indefinite"/>
+                      </p:stCondLst>
+                      <p:childTnLst>
+                        <p:par>
+                          <p:cTn id="14" fill="hold">
+                            <p:stCondLst>
+                              <p:cond delay="0"/>
+                            </p:stCondLst>
+                            <p:childTnLst>
+                              <p:par>
+                                <p:cTn id="15" presetID="5" presetClass="entr" presetSubtype="10" fill="hold" nodeType="clickEffect">
+                                  <p:stCondLst>
+                                    <p:cond delay="0"/>
+                                  </p:stCondLst>
+                                  <p:childTnLst>
+                                    <p:set>
+                                      <p:cBhvr>
+                                        <p:cTn id="16" dur="1" fill="hold">
+                                          <p:stCondLst>
+                                            <p:cond delay="0"/>
+                                          </p:stCondLst>
+                                        </p:cTn>
+                                        <p:tgtEl>
+                                          <p:spTgt spid="6148"/>
+                                        </p:tgtEl>
+                                        <p:attrNameLst>
+                                          <p:attrName>style.visibility</p:attrName>
+                                        </p:attrNameLst>
+                                      </p:cBhvr>
+                                      <p:to>
+                                        <p:strVal val="visible"/>
+                                      </p:to>
+                                    </p:set>
+                                    <p:animEffect transition="in" filter="checkerboard(across)">
+                                      <p:cBhvr>
+                                        <p:cTn id="17" dur="500"/>
+                                        <p:tgtEl>
+                                          <p:spTgt spid="6148"/>
+                                        </p:tgtEl>
+                                      </p:cBhvr>
+                                    </p:animEffect>
+                                  </p:childTnLst>
+                                </p:cTn>
+                              </p:par>
+                            </p:childTnLst>
+                          </p:cTn>
+                        </p:par>
+                      </p:childTnLst>
+                    </p:cTn>
+                  </p:par>
+                </p:childTnLst>
+              </p:cTn>
+              <p:prevCondLst>
+                <p:cond evt="onPrev" delay="0">
+                  <p:tgtEl>
+                    <p:sldTgt/>
+                  </p:tgtEl>
+                </p:cond>
+              </p:prevCondLst>
+              <p:nextCondLst>
+                <p:cond evt="onNext" delay="0">
+                  <p:tgtEl>
+                    <p:sldTgt/>
+                  </p:tgtEl>
+                </p:cond>
+              </p:nextCondLst>
+            </p:seq>
+          </p:childTnLst>
+        </p:cTn>
+      </p:par>
+    </p:tnLst>
+  </p:timing>
 </p:sld>
 </file>
 
@@ -8156,7 +10586,7 @@
         </p:blipFill>
         <p:spPr bwMode="auto">
           <a:xfrm>
-            <a:off x="5260975" y="2524111"/>
+            <a:off x="5260975" y="3429000"/>
             <a:ext cx="3638550" cy="2190750"/>
           </a:xfrm>
           <a:prstGeom prst="rect">
@@ -8182,7 +10612,7 @@
         </p:blipFill>
         <p:spPr bwMode="auto">
           <a:xfrm>
-            <a:off x="4417438" y="3214686"/>
+            <a:off x="4357686" y="3214686"/>
             <a:ext cx="4726562" cy="2890863"/>
           </a:xfrm>
           <a:prstGeom prst="rect">
@@ -8208,7 +10638,7 @@
         </p:blipFill>
         <p:spPr bwMode="auto">
           <a:xfrm>
-            <a:off x="3714744" y="2930184"/>
+            <a:off x="4402121" y="2930184"/>
             <a:ext cx="4741879" cy="3175365"/>
           </a:xfrm>
           <a:prstGeom prst="rect">
@@ -8225,6 +10655,195 @@
   <p:transition>
     <p:zoom/>
   </p:transition>
+  <p:timing>
+    <p:tnLst>
+      <p:par>
+        <p:cTn id="1" dur="indefinite" restart="never" nodeType="tmRoot">
+          <p:childTnLst>
+            <p:seq concurrent="1" nextAc="seek">
+              <p:cTn id="2" dur="indefinite" nodeType="mainSeq">
+                <p:childTnLst>
+                  <p:par>
+                    <p:cTn id="3" fill="hold">
+                      <p:stCondLst>
+                        <p:cond delay="indefinite"/>
+                      </p:stCondLst>
+                      <p:childTnLst>
+                        <p:par>
+                          <p:cTn id="4" fill="hold">
+                            <p:stCondLst>
+                              <p:cond delay="0"/>
+                            </p:stCondLst>
+                            <p:childTnLst>
+                              <p:par>
+                                <p:cTn id="5" presetID="5" presetClass="exit" presetSubtype="10" fill="hold" nodeType="clickEffect">
+                                  <p:stCondLst>
+                                    <p:cond delay="0"/>
+                                  </p:stCondLst>
+                                  <p:childTnLst>
+                                    <p:animEffect transition="out" filter="checkerboard(across)">
+                                      <p:cBhvr>
+                                        <p:cTn id="6" dur="500"/>
+                                        <p:tgtEl>
+                                          <p:spTgt spid="7170"/>
+                                        </p:tgtEl>
+                                      </p:cBhvr>
+                                    </p:animEffect>
+                                    <p:set>
+                                      <p:cBhvr>
+                                        <p:cTn id="7" dur="1" fill="hold">
+                                          <p:stCondLst>
+                                            <p:cond delay="499"/>
+                                          </p:stCondLst>
+                                        </p:cTn>
+                                        <p:tgtEl>
+                                          <p:spTgt spid="7170"/>
+                                        </p:tgtEl>
+                                        <p:attrNameLst>
+                                          <p:attrName>style.visibility</p:attrName>
+                                        </p:attrNameLst>
+                                      </p:cBhvr>
+                                      <p:to>
+                                        <p:strVal val="hidden"/>
+                                      </p:to>
+                                    </p:set>
+                                  </p:childTnLst>
+                                </p:cTn>
+                              </p:par>
+                            </p:childTnLst>
+                          </p:cTn>
+                        </p:par>
+                      </p:childTnLst>
+                    </p:cTn>
+                  </p:par>
+                  <p:par>
+                    <p:cTn id="8" fill="hold">
+                      <p:stCondLst>
+                        <p:cond delay="indefinite"/>
+                      </p:stCondLst>
+                      <p:childTnLst>
+                        <p:par>
+                          <p:cTn id="9" fill="hold">
+                            <p:stCondLst>
+                              <p:cond delay="0"/>
+                            </p:stCondLst>
+                            <p:childTnLst>
+                              <p:par>
+                                <p:cTn id="10" presetID="5" presetClass="entr" presetSubtype="10" fill="hold" nodeType="clickEffect">
+                                  <p:stCondLst>
+                                    <p:cond delay="0"/>
+                                  </p:stCondLst>
+                                  <p:childTnLst>
+                                    <p:set>
+                                      <p:cBhvr>
+                                        <p:cTn id="11" dur="1" fill="hold">
+                                          <p:stCondLst>
+                                            <p:cond delay="0"/>
+                                          </p:stCondLst>
+                                        </p:cTn>
+                                        <p:tgtEl>
+                                          <p:spTgt spid="7171"/>
+                                        </p:tgtEl>
+                                        <p:attrNameLst>
+                                          <p:attrName>style.visibility</p:attrName>
+                                        </p:attrNameLst>
+                                      </p:cBhvr>
+                                      <p:to>
+                                        <p:strVal val="visible"/>
+                                      </p:to>
+                                    </p:set>
+                                    <p:animEffect transition="in" filter="checkerboard(across)">
+                                      <p:cBhvr>
+                                        <p:cTn id="12" dur="500"/>
+                                        <p:tgtEl>
+                                          <p:spTgt spid="7171"/>
+                                        </p:tgtEl>
+                                      </p:cBhvr>
+                                    </p:animEffect>
+                                  </p:childTnLst>
+                                </p:cTn>
+                              </p:par>
+                            </p:childTnLst>
+                          </p:cTn>
+                        </p:par>
+                      </p:childTnLst>
+                    </p:cTn>
+                  </p:par>
+                  <p:par>
+                    <p:cTn id="13" fill="hold">
+                      <p:stCondLst>
+                        <p:cond delay="indefinite"/>
+                      </p:stCondLst>
+                      <p:childTnLst>
+                        <p:par>
+                          <p:cTn id="14" fill="hold">
+                            <p:stCondLst>
+                              <p:cond delay="0"/>
+                            </p:stCondLst>
+                            <p:childTnLst>
+                              <p:par>
+                                <p:cTn id="15" presetID="5" presetClass="entr" presetSubtype="10" fill="hold" nodeType="clickEffect">
+                                  <p:stCondLst>
+                                    <p:cond delay="0"/>
+                                  </p:stCondLst>
+                                  <p:childTnLst>
+                                    <p:set>
+                                      <p:cBhvr>
+                                        <p:cTn id="16" dur="1" fill="hold">
+                                          <p:stCondLst>
+                                            <p:cond delay="0"/>
+                                          </p:stCondLst>
+                                        </p:cTn>
+                                        <p:tgtEl>
+                                          <p:spTgt spid="7172"/>
+                                        </p:tgtEl>
+                                        <p:attrNameLst>
+                                          <p:attrName>style.visibility</p:attrName>
+                                        </p:attrNameLst>
+                                      </p:cBhvr>
+                                      <p:to>
+                                        <p:strVal val="visible"/>
+                                      </p:to>
+                                    </p:set>
+                                    <p:animEffect transition="in" filter="checkerboard(across)">
+                                      <p:cBhvr>
+                                        <p:cTn id="17" dur="500"/>
+                                        <p:tgtEl>
+                                          <p:spTgt spid="7172"/>
+                                        </p:tgtEl>
+                                      </p:cBhvr>
+                                    </p:animEffect>
+                                  </p:childTnLst>
+                                </p:cTn>
+                              </p:par>
+                            </p:childTnLst>
+                          </p:cTn>
+                        </p:par>
+                      </p:childTnLst>
+                    </p:cTn>
+                  </p:par>
+                </p:childTnLst>
+              </p:cTn>
+              <p:prevCondLst>
+                <p:cond evt="onPrev" delay="0">
+                  <p:tgtEl>
+                    <p:sldTgt/>
+                  </p:tgtEl>
+                </p:cond>
+              </p:prevCondLst>
+              <p:nextCondLst>
+                <p:cond evt="onNext" delay="0">
+                  <p:tgtEl>
+                    <p:sldTgt/>
+                  </p:tgtEl>
+                </p:cond>
+              </p:nextCondLst>
+            </p:seq>
+          </p:childTnLst>
+        </p:cTn>
+      </p:par>
+    </p:tnLst>
+  </p:timing>
 </p:sld>
 </file>
 
@@ -8303,6 +10922,33 @@
               <a:rPr lang="de-DE" altLang="zh-CN" dirty="0" smtClean="0"/>
               <a:t>Spot Size</a:t>
             </a:r>
+          </a:p>
+          <a:p>
+            <a:pPr lvl="2"/>
+            <a:r>
+              <a:rPr lang="de-DE" altLang="zh-CN" dirty="0" err="1" smtClean="0"/>
+              <a:t>Without</a:t>
+            </a:r>
+            <a:r>
+              <a:rPr lang="de-DE" altLang="zh-CN" dirty="0" smtClean="0"/>
+              <a:t> </a:t>
+            </a:r>
+            <a:r>
+              <a:rPr lang="de-DE" altLang="zh-CN" dirty="0" err="1" smtClean="0"/>
+              <a:t>refractiion</a:t>
+            </a:r>
+            <a:endParaRPr lang="de-DE" altLang="zh-CN" dirty="0" smtClean="0"/>
+          </a:p>
+          <a:p>
+            <a:pPr lvl="2"/>
+            <a:r>
+              <a:rPr lang="de-DE" altLang="zh-CN" dirty="0" err="1" smtClean="0"/>
+              <a:t>Withrefractiion</a:t>
+            </a:r>
+            <a:endParaRPr lang="zh-CN" altLang="en-US" dirty="0" smtClean="0"/>
+          </a:p>
+          <a:p>
+            <a:pPr lvl="2"/>
             <a:endParaRPr lang="zh-CN" altLang="en-US" dirty="0"/>
           </a:p>
         </p:txBody>
@@ -8350,7 +10996,7 @@
         </p:blipFill>
         <p:spPr bwMode="auto">
           <a:xfrm>
-            <a:off x="4655496" y="3850588"/>
+            <a:off x="4655496" y="3669633"/>
             <a:ext cx="4143404" cy="2616887"/>
           </a:xfrm>
           <a:prstGeom prst="rect">
@@ -8376,7 +11022,7 @@
         </p:blipFill>
         <p:spPr bwMode="auto">
           <a:xfrm>
-            <a:off x="5143504" y="4211641"/>
+            <a:off x="5037090" y="3959248"/>
             <a:ext cx="3655396" cy="2255834"/>
           </a:xfrm>
           <a:prstGeom prst="rect">
@@ -8419,6 +11065,470 @@
   <p:transition>
     <p:zoom/>
   </p:transition>
+  <p:timing>
+    <p:tnLst>
+      <p:par>
+        <p:cTn id="1" dur="indefinite" restart="never" nodeType="tmRoot">
+          <p:childTnLst>
+            <p:seq concurrent="1" nextAc="seek">
+              <p:cTn id="2" dur="indefinite" nodeType="mainSeq">
+                <p:childTnLst>
+                  <p:par>
+                    <p:cTn id="3" fill="hold">
+                      <p:stCondLst>
+                        <p:cond delay="indefinite"/>
+                      </p:stCondLst>
+                      <p:childTnLst>
+                        <p:par>
+                          <p:cTn id="4" fill="hold">
+                            <p:stCondLst>
+                              <p:cond delay="0"/>
+                            </p:stCondLst>
+                            <p:childTnLst>
+                              <p:par>
+                                <p:cTn id="5" presetID="3" presetClass="entr" presetSubtype="10" fill="hold" nodeType="clickEffect">
+                                  <p:stCondLst>
+                                    <p:cond delay="0"/>
+                                  </p:stCondLst>
+                                  <p:childTnLst>
+                                    <p:set>
+                                      <p:cBhvr>
+                                        <p:cTn id="6" dur="1" fill="hold">
+                                          <p:stCondLst>
+                                            <p:cond delay="0"/>
+                                          </p:stCondLst>
+                                        </p:cTn>
+                                        <p:tgtEl>
+                                          <p:spTgt spid="8197"/>
+                                        </p:tgtEl>
+                                        <p:attrNameLst>
+                                          <p:attrName>style.visibility</p:attrName>
+                                        </p:attrNameLst>
+                                      </p:cBhvr>
+                                      <p:to>
+                                        <p:strVal val="visible"/>
+                                      </p:to>
+                                    </p:set>
+                                    <p:animEffect transition="in" filter="blinds(horizontal)">
+                                      <p:cBhvr>
+                                        <p:cTn id="7" dur="500"/>
+                                        <p:tgtEl>
+                                          <p:spTgt spid="8197"/>
+                                        </p:tgtEl>
+                                      </p:cBhvr>
+                                    </p:animEffect>
+                                  </p:childTnLst>
+                                </p:cTn>
+                              </p:par>
+                            </p:childTnLst>
+                          </p:cTn>
+                        </p:par>
+                      </p:childTnLst>
+                    </p:cTn>
+                  </p:par>
+                  <p:par>
+                    <p:cTn id="8" fill="hold">
+                      <p:stCondLst>
+                        <p:cond delay="indefinite"/>
+                      </p:stCondLst>
+                      <p:childTnLst>
+                        <p:par>
+                          <p:cTn id="9" fill="hold">
+                            <p:stCondLst>
+                              <p:cond delay="0"/>
+                            </p:stCondLst>
+                            <p:childTnLst>
+                              <p:par>
+                                <p:cTn id="10" presetID="3" presetClass="entr" presetSubtype="10" fill="hold" nodeType="clickEffect">
+                                  <p:stCondLst>
+                                    <p:cond delay="0"/>
+                                  </p:stCondLst>
+                                  <p:childTnLst>
+                                    <p:set>
+                                      <p:cBhvr>
+                                        <p:cTn id="11" dur="1" fill="hold">
+                                          <p:stCondLst>
+                                            <p:cond delay="0"/>
+                                          </p:stCondLst>
+                                        </p:cTn>
+                                        <p:tgtEl>
+                                          <p:spTgt spid="8196"/>
+                                        </p:tgtEl>
+                                        <p:attrNameLst>
+                                          <p:attrName>style.visibility</p:attrName>
+                                        </p:attrNameLst>
+                                      </p:cBhvr>
+                                      <p:to>
+                                        <p:strVal val="visible"/>
+                                      </p:to>
+                                    </p:set>
+                                    <p:animEffect transition="in" filter="blinds(horizontal)">
+                                      <p:cBhvr>
+                                        <p:cTn id="12" dur="500"/>
+                                        <p:tgtEl>
+                                          <p:spTgt spid="8196"/>
+                                        </p:tgtEl>
+                                      </p:cBhvr>
+                                    </p:animEffect>
+                                  </p:childTnLst>
+                                </p:cTn>
+                              </p:par>
+                            </p:childTnLst>
+                          </p:cTn>
+                        </p:par>
+                      </p:childTnLst>
+                    </p:cTn>
+                  </p:par>
+                  <p:par>
+                    <p:cTn id="13" fill="hold">
+                      <p:stCondLst>
+                        <p:cond delay="indefinite"/>
+                      </p:stCondLst>
+                      <p:childTnLst>
+                        <p:par>
+                          <p:cTn id="14" fill="hold">
+                            <p:stCondLst>
+                              <p:cond delay="0"/>
+                            </p:stCondLst>
+                            <p:childTnLst>
+                              <p:par>
+                                <p:cTn id="15" presetID="2" presetClass="exit" presetSubtype="2" fill="hold" nodeType="clickEffect">
+                                  <p:stCondLst>
+                                    <p:cond delay="0"/>
+                                  </p:stCondLst>
+                                  <p:childTnLst>
+                                    <p:anim calcmode="lin" valueType="num">
+                                      <p:cBhvr additive="base">
+                                        <p:cTn id="16" dur="500"/>
+                                        <p:tgtEl>
+                                          <p:spTgt spid="8196"/>
+                                        </p:tgtEl>
+                                        <p:attrNameLst>
+                                          <p:attrName>ppt_x</p:attrName>
+                                        </p:attrNameLst>
+                                      </p:cBhvr>
+                                      <p:tavLst>
+                                        <p:tav tm="0">
+                                          <p:val>
+                                            <p:strVal val="ppt_x"/>
+                                          </p:val>
+                                        </p:tav>
+                                        <p:tav tm="100000">
+                                          <p:val>
+                                            <p:strVal val="1+ppt_w/2"/>
+                                          </p:val>
+                                        </p:tav>
+                                      </p:tavLst>
+                                    </p:anim>
+                                    <p:anim calcmode="lin" valueType="num">
+                                      <p:cBhvr additive="base">
+                                        <p:cTn id="17" dur="500"/>
+                                        <p:tgtEl>
+                                          <p:spTgt spid="8196"/>
+                                        </p:tgtEl>
+                                        <p:attrNameLst>
+                                          <p:attrName>ppt_y</p:attrName>
+                                        </p:attrNameLst>
+                                      </p:cBhvr>
+                                      <p:tavLst>
+                                        <p:tav tm="0">
+                                          <p:val>
+                                            <p:strVal val="ppt_y"/>
+                                          </p:val>
+                                        </p:tav>
+                                        <p:tav tm="100000">
+                                          <p:val>
+                                            <p:strVal val="ppt_y"/>
+                                          </p:val>
+                                        </p:tav>
+                                      </p:tavLst>
+                                    </p:anim>
+                                    <p:set>
+                                      <p:cBhvr>
+                                        <p:cTn id="18" dur="1" fill="hold">
+                                          <p:stCondLst>
+                                            <p:cond delay="499"/>
+                                          </p:stCondLst>
+                                        </p:cTn>
+                                        <p:tgtEl>
+                                          <p:spTgt spid="8196"/>
+                                        </p:tgtEl>
+                                        <p:attrNameLst>
+                                          <p:attrName>style.visibility</p:attrName>
+                                        </p:attrNameLst>
+                                      </p:cBhvr>
+                                      <p:to>
+                                        <p:strVal val="hidden"/>
+                                      </p:to>
+                                    </p:set>
+                                  </p:childTnLst>
+                                </p:cTn>
+                              </p:par>
+                              <p:par>
+                                <p:cTn id="19" presetID="2" presetClass="exit" presetSubtype="2" fill="hold" nodeType="withEffect">
+                                  <p:stCondLst>
+                                    <p:cond delay="0"/>
+                                  </p:stCondLst>
+                                  <p:childTnLst>
+                                    <p:anim calcmode="lin" valueType="num">
+                                      <p:cBhvr additive="base">
+                                        <p:cTn id="20" dur="500"/>
+                                        <p:tgtEl>
+                                          <p:spTgt spid="8197"/>
+                                        </p:tgtEl>
+                                        <p:attrNameLst>
+                                          <p:attrName>ppt_x</p:attrName>
+                                        </p:attrNameLst>
+                                      </p:cBhvr>
+                                      <p:tavLst>
+                                        <p:tav tm="0">
+                                          <p:val>
+                                            <p:strVal val="ppt_x"/>
+                                          </p:val>
+                                        </p:tav>
+                                        <p:tav tm="100000">
+                                          <p:val>
+                                            <p:strVal val="1+ppt_w/2"/>
+                                          </p:val>
+                                        </p:tav>
+                                      </p:tavLst>
+                                    </p:anim>
+                                    <p:anim calcmode="lin" valueType="num">
+                                      <p:cBhvr additive="base">
+                                        <p:cTn id="21" dur="500"/>
+                                        <p:tgtEl>
+                                          <p:spTgt spid="8197"/>
+                                        </p:tgtEl>
+                                        <p:attrNameLst>
+                                          <p:attrName>ppt_y</p:attrName>
+                                        </p:attrNameLst>
+                                      </p:cBhvr>
+                                      <p:tavLst>
+                                        <p:tav tm="0">
+                                          <p:val>
+                                            <p:strVal val="ppt_y"/>
+                                          </p:val>
+                                        </p:tav>
+                                        <p:tav tm="100000">
+                                          <p:val>
+                                            <p:strVal val="ppt_y"/>
+                                          </p:val>
+                                        </p:tav>
+                                      </p:tavLst>
+                                    </p:anim>
+                                    <p:set>
+                                      <p:cBhvr>
+                                        <p:cTn id="22" dur="1" fill="hold">
+                                          <p:stCondLst>
+                                            <p:cond delay="499"/>
+                                          </p:stCondLst>
+                                        </p:cTn>
+                                        <p:tgtEl>
+                                          <p:spTgt spid="8197"/>
+                                        </p:tgtEl>
+                                        <p:attrNameLst>
+                                          <p:attrName>style.visibility</p:attrName>
+                                        </p:attrNameLst>
+                                      </p:cBhvr>
+                                      <p:to>
+                                        <p:strVal val="hidden"/>
+                                      </p:to>
+                                    </p:set>
+                                  </p:childTnLst>
+                                </p:cTn>
+                              </p:par>
+                            </p:childTnLst>
+                          </p:cTn>
+                        </p:par>
+                      </p:childTnLst>
+                    </p:cTn>
+                  </p:par>
+                  <p:par>
+                    <p:cTn id="23" fill="hold">
+                      <p:stCondLst>
+                        <p:cond delay="indefinite"/>
+                      </p:stCondLst>
+                      <p:childTnLst>
+                        <p:par>
+                          <p:cTn id="24" fill="hold">
+                            <p:stCondLst>
+                              <p:cond delay="0"/>
+                            </p:stCondLst>
+                            <p:childTnLst>
+                              <p:par>
+                                <p:cTn id="25" presetID="2" presetClass="entr" presetSubtype="4" fill="hold" nodeType="clickEffect">
+                                  <p:stCondLst>
+                                    <p:cond delay="0"/>
+                                  </p:stCondLst>
+                                  <p:childTnLst>
+                                    <p:set>
+                                      <p:cBhvr>
+                                        <p:cTn id="26" dur="1" fill="hold">
+                                          <p:stCondLst>
+                                            <p:cond delay="0"/>
+                                          </p:stCondLst>
+                                        </p:cTn>
+                                        <p:tgtEl>
+                                          <p:spTgt spid="8195"/>
+                                        </p:tgtEl>
+                                        <p:attrNameLst>
+                                          <p:attrName>style.visibility</p:attrName>
+                                        </p:attrNameLst>
+                                      </p:cBhvr>
+                                      <p:to>
+                                        <p:strVal val="visible"/>
+                                      </p:to>
+                                    </p:set>
+                                    <p:anim calcmode="lin" valueType="num">
+                                      <p:cBhvr additive="base">
+                                        <p:cTn id="27" dur="500" fill="hold"/>
+                                        <p:tgtEl>
+                                          <p:spTgt spid="8195"/>
+                                        </p:tgtEl>
+                                        <p:attrNameLst>
+                                          <p:attrName>ppt_x</p:attrName>
+                                        </p:attrNameLst>
+                                      </p:cBhvr>
+                                      <p:tavLst>
+                                        <p:tav tm="0">
+                                          <p:val>
+                                            <p:strVal val="#ppt_x"/>
+                                          </p:val>
+                                        </p:tav>
+                                        <p:tav tm="100000">
+                                          <p:val>
+                                            <p:strVal val="#ppt_x"/>
+                                          </p:val>
+                                        </p:tav>
+                                      </p:tavLst>
+                                    </p:anim>
+                                    <p:anim calcmode="lin" valueType="num">
+                                      <p:cBhvr additive="base">
+                                        <p:cTn id="28" dur="500" fill="hold"/>
+                                        <p:tgtEl>
+                                          <p:spTgt spid="8195"/>
+                                        </p:tgtEl>
+                                        <p:attrNameLst>
+                                          <p:attrName>ppt_y</p:attrName>
+                                        </p:attrNameLst>
+                                      </p:cBhvr>
+                                      <p:tavLst>
+                                        <p:tav tm="0">
+                                          <p:val>
+                                            <p:strVal val="1+#ppt_h/2"/>
+                                          </p:val>
+                                        </p:tav>
+                                        <p:tav tm="100000">
+                                          <p:val>
+                                            <p:strVal val="#ppt_y"/>
+                                          </p:val>
+                                        </p:tav>
+                                      </p:tavLst>
+                                    </p:anim>
+                                  </p:childTnLst>
+                                </p:cTn>
+                              </p:par>
+                              <p:par>
+                                <p:cTn id="29" presetID="2" presetClass="entr" presetSubtype="4" fill="hold" nodeType="withEffect">
+                                  <p:stCondLst>
+                                    <p:cond delay="0"/>
+                                  </p:stCondLst>
+                                  <p:childTnLst>
+                                    <p:set>
+                                      <p:cBhvr>
+                                        <p:cTn id="30" dur="1" fill="hold">
+                                          <p:stCondLst>
+                                            <p:cond delay="0"/>
+                                          </p:stCondLst>
+                                        </p:cTn>
+                                        <p:tgtEl>
+                                          <p:spTgt spid="8194"/>
+                                        </p:tgtEl>
+                                        <p:attrNameLst>
+                                          <p:attrName>style.visibility</p:attrName>
+                                        </p:attrNameLst>
+                                      </p:cBhvr>
+                                      <p:to>
+                                        <p:strVal val="visible"/>
+                                      </p:to>
+                                    </p:set>
+                                    <p:anim calcmode="lin" valueType="num">
+                                      <p:cBhvr additive="base">
+                                        <p:cTn id="31" dur="500" fill="hold"/>
+                                        <p:tgtEl>
+                                          <p:spTgt spid="8194"/>
+                                        </p:tgtEl>
+                                        <p:attrNameLst>
+                                          <p:attrName>ppt_x</p:attrName>
+                                        </p:attrNameLst>
+                                      </p:cBhvr>
+                                      <p:tavLst>
+                                        <p:tav tm="0">
+                                          <p:val>
+                                            <p:strVal val="#ppt_x"/>
+                                          </p:val>
+                                        </p:tav>
+                                        <p:tav tm="100000">
+                                          <p:val>
+                                            <p:strVal val="#ppt_x"/>
+                                          </p:val>
+                                        </p:tav>
+                                      </p:tavLst>
+                                    </p:anim>
+                                    <p:anim calcmode="lin" valueType="num">
+                                      <p:cBhvr additive="base">
+                                        <p:cTn id="32" dur="500" fill="hold"/>
+                                        <p:tgtEl>
+                                          <p:spTgt spid="8194"/>
+                                        </p:tgtEl>
+                                        <p:attrNameLst>
+                                          <p:attrName>ppt_y</p:attrName>
+                                        </p:attrNameLst>
+                                      </p:cBhvr>
+                                      <p:tavLst>
+                                        <p:tav tm="0">
+                                          <p:val>
+                                            <p:strVal val="1+#ppt_h/2"/>
+                                          </p:val>
+                                        </p:tav>
+                                        <p:tav tm="100000">
+                                          <p:val>
+                                            <p:strVal val="#ppt_y"/>
+                                          </p:val>
+                                        </p:tav>
+                                      </p:tavLst>
+                                    </p:anim>
+                                  </p:childTnLst>
+                                </p:cTn>
+                              </p:par>
+                            </p:childTnLst>
+                          </p:cTn>
+                        </p:par>
+                      </p:childTnLst>
+                    </p:cTn>
+                  </p:par>
+                </p:childTnLst>
+              </p:cTn>
+              <p:prevCondLst>
+                <p:cond evt="onPrev" delay="0">
+                  <p:tgtEl>
+                    <p:sldTgt/>
+                  </p:tgtEl>
+                </p:cond>
+              </p:prevCondLst>
+              <p:nextCondLst>
+                <p:cond evt="onNext" delay="0">
+                  <p:tgtEl>
+                    <p:sldTgt/>
+                  </p:tgtEl>
+                </p:cond>
+              </p:nextCondLst>
+            </p:seq>
+          </p:childTnLst>
+        </p:cTn>
+      </p:par>
+    </p:tnLst>
+  </p:timing>
 </p:sld>
 </file>
 
@@ -8488,6 +11598,62 @@
             <a:endParaRPr lang="de-DE" altLang="zh-CN" dirty="0" smtClean="0"/>
           </a:p>
           <a:p>
+            <a:endParaRPr lang="de-DE" altLang="zh-CN" dirty="0" smtClean="0"/>
+          </a:p>
+          <a:p>
+            <a:r>
+              <a:rPr lang="de-DE" altLang="zh-CN" dirty="0" smtClean="0"/>
+              <a:t>Hybrid </a:t>
+            </a:r>
+            <a:r>
+              <a:rPr lang="de-DE" altLang="zh-CN" dirty="0" err="1" smtClean="0"/>
+              <a:t>tapered</a:t>
+            </a:r>
+            <a:r>
+              <a:rPr lang="de-DE" altLang="zh-CN" dirty="0" smtClean="0"/>
+              <a:t> </a:t>
+            </a:r>
+            <a:r>
+              <a:rPr lang="de-DE" altLang="zh-CN" dirty="0" err="1" smtClean="0"/>
+              <a:t>waveguide</a:t>
+            </a:r>
+            <a:endParaRPr lang="de-DE" altLang="zh-CN" dirty="0" smtClean="0"/>
+          </a:p>
+          <a:p>
+            <a:r>
+              <a:rPr lang="de-DE" altLang="zh-CN" dirty="0" err="1" smtClean="0"/>
+              <a:t>Tapered</a:t>
+            </a:r>
+            <a:r>
+              <a:rPr lang="de-DE" altLang="zh-CN" dirty="0" smtClean="0"/>
+              <a:t> </a:t>
+            </a:r>
+            <a:r>
+              <a:rPr lang="de-DE" altLang="zh-CN" dirty="0" err="1" smtClean="0"/>
+              <a:t>plasmonic</a:t>
+            </a:r>
+            <a:r>
+              <a:rPr lang="de-DE" altLang="zh-CN" dirty="0" smtClean="0"/>
+              <a:t> </a:t>
+            </a:r>
+            <a:r>
+              <a:rPr lang="de-DE" altLang="zh-CN" dirty="0" err="1" smtClean="0"/>
+              <a:t>waveguide</a:t>
+            </a:r>
+            <a:endParaRPr lang="de-DE" altLang="zh-CN" dirty="0" smtClean="0"/>
+          </a:p>
+          <a:p>
+            <a:r>
+              <a:rPr lang="de-DE" altLang="zh-CN" dirty="0" err="1" smtClean="0"/>
+              <a:t>Grating</a:t>
+            </a:r>
+            <a:endParaRPr lang="de-DE" altLang="zh-CN" dirty="0" smtClean="0"/>
+          </a:p>
+          <a:p>
+            <a:r>
+              <a:rPr lang="de-DE" altLang="zh-CN" dirty="0" err="1" smtClean="0"/>
+              <a:t>lensedinterfacewithaneck</a:t>
+            </a:r>
             <a:endParaRPr lang="zh-CN" altLang="en-US" dirty="0"/>
           </a:p>
         </p:txBody>
@@ -8509,7 +11675,7 @@
         </p:blipFill>
         <p:spPr bwMode="auto">
           <a:xfrm>
-            <a:off x="4987925" y="3768725"/>
+            <a:off x="1695450" y="2214554"/>
             <a:ext cx="3771900" cy="2257425"/>
           </a:xfrm>
           <a:prstGeom prst="rect">
@@ -8535,7 +11701,7 @@
         </p:blipFill>
         <p:spPr bwMode="auto">
           <a:xfrm>
-            <a:off x="5235575" y="2868612"/>
+            <a:off x="1943100" y="4324350"/>
             <a:ext cx="3524250" cy="2143125"/>
           </a:xfrm>
           <a:prstGeom prst="rect">
@@ -8561,8 +11727,34 @@
         </p:blipFill>
         <p:spPr bwMode="auto">
           <a:xfrm>
-            <a:off x="3287712" y="3768725"/>
+            <a:off x="5248275" y="4210050"/>
             <a:ext cx="3895725" cy="2257425"/>
+          </a:xfrm>
+          <a:prstGeom prst="rect">
+            <a:avLst/>
+          </a:prstGeom>
+          <a:noFill/>
+        </p:spPr>
+      </p:pic>
+      <p:pic>
+        <p:nvPicPr>
+          <p:cNvPr id="43010" name="Picture 2" descr="F:\Data\leher\SVN\Master_arbeit\Latex\Masterarbeit\bilder\tapered_waveguide_plasmonic.PNG"/>
+          <p:cNvPicPr>
+            <a:picLocks noChangeAspect="1" noChangeArrowheads="1"/>
+          </p:cNvPicPr>
+          <p:nvPr/>
+        </p:nvPicPr>
+        <p:blipFill>
+          <a:blip r:embed="rId5"/>
+          <a:srcRect/>
+          <a:stretch>
+            <a:fillRect/>
+          </a:stretch>
+        </p:blipFill>
+        <p:spPr bwMode="auto">
+          <a:xfrm>
+            <a:off x="5467350" y="2052644"/>
+            <a:ext cx="3581400" cy="2305050"/>
           </a:xfrm>
           <a:prstGeom prst="rect">
             <a:avLst/>
@@ -8578,6 +11770,13 @@
   <p:transition>
     <p:zoom/>
   </p:transition>
+  <p:timing>
+    <p:tnLst>
+      <p:par>
+        <p:cTn id="1" dur="indefinite" restart="never" nodeType="tmRoot"/>
+      </p:par>
+    </p:tnLst>
+  </p:timing>
 </p:sld>
 </file>
 
@@ -9168,6 +12367,114 @@
           <a:bodyPr/>
           <a:lstStyle/>
           <a:p>
+            <a:r>
+              <a:rPr lang="de-DE" altLang="zh-CN" dirty="0" smtClean="0"/>
+              <a:t>New </a:t>
+            </a:r>
+            <a:r>
+              <a:rPr lang="de-DE" altLang="zh-CN" dirty="0" err="1" smtClean="0"/>
+              <a:t>refrative</a:t>
+            </a:r>
+            <a:r>
+              <a:rPr lang="de-DE" altLang="zh-CN" dirty="0" smtClean="0"/>
+              <a:t> Index: </a:t>
+            </a:r>
+            <a:r>
+              <a:rPr lang="de-DE" altLang="zh-CN" dirty="0" err="1" smtClean="0"/>
+              <a:t>about</a:t>
+            </a:r>
+            <a:r>
+              <a:rPr lang="de-DE" altLang="zh-CN" dirty="0" smtClean="0"/>
+              <a:t> 62.6% </a:t>
+            </a:r>
+            <a:r>
+              <a:rPr lang="de-DE" altLang="zh-CN" dirty="0" err="1" smtClean="0"/>
+              <a:t>for</a:t>
+            </a:r>
+            <a:r>
+              <a:rPr lang="de-DE" altLang="zh-CN" dirty="0" smtClean="0"/>
+              <a:t> n = 1.8</a:t>
+            </a:r>
+          </a:p>
+          <a:p>
+            <a:r>
+              <a:rPr lang="de-DE" altLang="zh-CN" dirty="0" err="1" smtClean="0"/>
+              <a:t>Tapered</a:t>
+            </a:r>
+            <a:r>
+              <a:rPr lang="de-DE" altLang="zh-CN" dirty="0" smtClean="0"/>
+              <a:t> </a:t>
+            </a:r>
+            <a:r>
+              <a:rPr lang="de-DE" altLang="zh-CN" dirty="0" err="1" smtClean="0"/>
+              <a:t>waveguide</a:t>
+            </a:r>
+            <a:r>
+              <a:rPr lang="de-DE" altLang="zh-CN" dirty="0" smtClean="0"/>
+              <a:t>: </a:t>
+            </a:r>
+            <a:r>
+              <a:rPr lang="de-DE" altLang="zh-CN" dirty="0" err="1" smtClean="0"/>
+              <a:t>ratio</a:t>
+            </a:r>
+            <a:r>
+              <a:rPr lang="de-DE" altLang="zh-CN" dirty="0" smtClean="0"/>
+              <a:t> = </a:t>
+            </a:r>
+            <a:r>
+              <a:rPr lang="de-DE" altLang="zh-CN" dirty="0" err="1" smtClean="0"/>
+              <a:t>L</a:t>
+            </a:r>
+            <a:r>
+              <a:rPr lang="de-DE" altLang="zh-CN" sz="1600" dirty="0" err="1" smtClean="0"/>
+              <a:t>taper</a:t>
+            </a:r>
+            <a:r>
+              <a:rPr lang="de-DE" altLang="zh-CN" dirty="0" smtClean="0"/>
+              <a:t>/d</a:t>
+            </a:r>
+            <a:r>
+              <a:rPr lang="de-DE" altLang="zh-CN" sz="1600" dirty="0" smtClean="0"/>
+              <a:t>1</a:t>
+            </a:r>
+            <a:r>
+              <a:rPr lang="de-DE" altLang="zh-CN" dirty="0" smtClean="0"/>
+              <a:t>, 54%</a:t>
+            </a:r>
+          </a:p>
+          <a:p>
+            <a:r>
+              <a:rPr lang="de-DE" altLang="zh-CN" dirty="0" err="1" smtClean="0"/>
+              <a:t>Lensed</a:t>
+            </a:r>
+            <a:r>
+              <a:rPr lang="de-DE" altLang="zh-CN" dirty="0" smtClean="0"/>
+              <a:t> </a:t>
+            </a:r>
+            <a:r>
+              <a:rPr lang="de-DE" altLang="zh-CN" dirty="0" err="1" smtClean="0"/>
+              <a:t>waveguide</a:t>
+            </a:r>
+            <a:r>
+              <a:rPr lang="de-DE" altLang="zh-CN" dirty="0" smtClean="0"/>
+              <a:t>:  </a:t>
+            </a:r>
+            <a:r>
+              <a:rPr lang="de-DE" altLang="zh-CN" dirty="0" err="1" smtClean="0"/>
+              <a:t>Hemisphere</a:t>
+            </a:r>
+            <a:r>
+              <a:rPr lang="de-DE" altLang="zh-CN" dirty="0" smtClean="0"/>
+              <a:t> </a:t>
+            </a:r>
+            <a:r>
+              <a:rPr lang="de-DE" altLang="zh-CN" dirty="0" err="1" smtClean="0"/>
+              <a:t>lens</a:t>
+            </a:r>
+            <a:r>
+              <a:rPr lang="de-DE" altLang="zh-CN" dirty="0" smtClean="0"/>
+              <a:t>, 69%</a:t>
+            </a:r>
             <a:endParaRPr lang="zh-CN" altLang="en-US" dirty="0"/>
           </a:p>
         </p:txBody>
@@ -9180,183 +12487,17 @@
   <p:transition>
     <p:zoom/>
   </p:transition>
+  <p:timing>
+    <p:tnLst>
+      <p:par>
+        <p:cTn id="1" dur="indefinite" restart="never" nodeType="tmRoot"/>
+      </p:par>
+    </p:tnLst>
+  </p:timing>
 </p:sld>
 </file>
 
 <file path=ppt/slides/slide22.xml><?xml version="1.0" encoding="utf-8"?>
-<p:sld xmlns:a="http://schemas.openxmlformats.org/drawingml/2006/main" xmlns:r="http://schemas.openxmlformats.org/officeDocument/2006/relationships" xmlns:p="http://schemas.openxmlformats.org/presentationml/2006/main">
-  <p:cSld>
-    <p:spTree>
-      <p:nvGrpSpPr>
-        <p:cNvPr id="1" name=""/>
-        <p:cNvGrpSpPr/>
-        <p:nvPr/>
-      </p:nvGrpSpPr>
-      <p:grpSpPr>
-        <a:xfrm>
-          <a:off x="0" y="0"/>
-          <a:ext cx="0" cy="0"/>
-          <a:chOff x="0" y="0"/>
-          <a:chExt cx="0" cy="0"/>
-        </a:xfrm>
-      </p:grpSpPr>
-      <p:sp>
-        <p:nvSpPr>
-          <p:cNvPr id="225282" name="Rectangle 2"/>
-          <p:cNvSpPr>
-            <a:spLocks noGrp="1" noChangeArrowheads="1"/>
-          </p:cNvSpPr>
-          <p:nvPr>
-            <p:ph type="title"/>
-          </p:nvPr>
-        </p:nvSpPr>
-        <p:spPr/>
-        <p:txBody>
-          <a:bodyPr/>
-          <a:lstStyle/>
-          <a:p>
-            <a:r>
-              <a:rPr lang="de-DE" altLang="zh-CN" smtClean="0">
-                <a:ea typeface="宋体" pitchFamily="2" charset="-122"/>
-              </a:rPr>
-              <a:t>Zusammenfassung und Ausblick</a:t>
-            </a:r>
-            <a:endParaRPr lang="en-US" altLang="zh-CN" smtClean="0">
-              <a:ea typeface="宋体" pitchFamily="2" charset="-122"/>
-            </a:endParaRPr>
-          </a:p>
-        </p:txBody>
-      </p:sp>
-      <p:sp>
-        <p:nvSpPr>
-          <p:cNvPr id="225284" name="Text Box 4"/>
-          <p:cNvSpPr txBox="1">
-            <a:spLocks noChangeArrowheads="1"/>
-          </p:cNvSpPr>
-          <p:nvPr/>
-        </p:nvSpPr>
-        <p:spPr bwMode="auto">
-          <a:xfrm>
-            <a:off x="565150" y="1484313"/>
-            <a:ext cx="7967663" cy="3725862"/>
-          </a:xfrm>
-          <a:prstGeom prst="rect">
-            <a:avLst/>
-          </a:prstGeom>
-          <a:noFill/>
-          <a:ln w="9525" algn="ctr">
-            <a:noFill/>
-            <a:miter lim="800000"/>
-            <a:headEnd/>
-            <a:tailEnd/>
-          </a:ln>
-          <a:effectLst/>
-        </p:spPr>
-        <p:txBody>
-          <a:bodyPr wrap="none">
-            <a:spAutoFit/>
-          </a:bodyPr>
-          <a:lstStyle/>
-          <a:p>
-            <a:pPr defTabSz="758825">
-              <a:buFont typeface="Wingdings" pitchFamily="2" charset="2"/>
-              <a:buChar char="l"/>
-            </a:pPr>
-            <a:r>
-              <a:rPr lang="de-DE" altLang="zh-CN" sz="2800">
-                <a:ea typeface="宋体" pitchFamily="2" charset="-122"/>
-              </a:rPr>
-              <a:t> Bislang in </a:t>
-            </a:r>
-            <a:r>
-              <a:rPr lang="de-DE" altLang="zh-CN" sz="2800">
-                <a:latin typeface="Courier New" pitchFamily="49" charset="0"/>
-                <a:ea typeface="宋体" pitchFamily="2" charset="-122"/>
-              </a:rPr>
-              <a:t>float</a:t>
-            </a:r>
-            <a:r>
-              <a:rPr lang="de-DE" altLang="zh-CN" sz="2800">
-                <a:ea typeface="宋体" pitchFamily="2" charset="-122"/>
-              </a:rPr>
-              <a:t> gemessen, </a:t>
-            </a:r>
-          </a:p>
-          <a:p>
-            <a:pPr defTabSz="758825"/>
-            <a:r>
-              <a:rPr lang="de-DE" altLang="zh-CN" sz="2800">
-                <a:latin typeface="Courier New" pitchFamily="49" charset="0"/>
-                <a:ea typeface="宋体" pitchFamily="2" charset="-122"/>
-              </a:rPr>
-              <a:t>double</a:t>
-            </a:r>
-            <a:r>
-              <a:rPr lang="de-DE" altLang="zh-CN" sz="2800">
-                <a:ea typeface="宋体" pitchFamily="2" charset="-122"/>
-              </a:rPr>
-              <a:t> Fehler wurde heute mittag gefunden.</a:t>
-            </a:r>
-          </a:p>
-          <a:p>
-            <a:pPr defTabSz="758825">
-              <a:buFont typeface="Wingdings" pitchFamily="2" charset="2"/>
-              <a:buChar char="l"/>
-            </a:pPr>
-            <a:r>
-              <a:rPr lang="de-DE" altLang="zh-CN" sz="2800">
-                <a:ea typeface="宋体" pitchFamily="2" charset="-122"/>
-              </a:rPr>
-              <a:t> Performanceverbesserungen</a:t>
-            </a:r>
-          </a:p>
-          <a:p>
-            <a:pPr defTabSz="758825"/>
-            <a:r>
-              <a:rPr lang="de-DE" altLang="zh-CN" sz="2800">
-                <a:ea typeface="宋体" pitchFamily="2" charset="-122"/>
-              </a:rPr>
-              <a:t>durch adaptive Kernelwahl möglich, </a:t>
-            </a:r>
-          </a:p>
-          <a:p>
-            <a:pPr defTabSz="758825"/>
-            <a:r>
-              <a:rPr lang="de-DE" altLang="zh-CN" sz="2800">
-                <a:ea typeface="宋体" pitchFamily="2" charset="-122"/>
-              </a:rPr>
-              <a:t>aber noch nicht eingebaut.</a:t>
-            </a:r>
-          </a:p>
-          <a:p>
-            <a:pPr defTabSz="758825">
-              <a:buFont typeface="Wingdings" pitchFamily="2" charset="2"/>
-              <a:buChar char="l"/>
-            </a:pPr>
-            <a:r>
-              <a:rPr lang="de-DE" altLang="zh-CN" sz="2800">
-                <a:ea typeface="宋体" pitchFamily="2" charset="-122"/>
-              </a:rPr>
-              <a:t> Problemgrößen für N &lt; 2.000.000 handhabbar.</a:t>
-            </a:r>
-            <a:endParaRPr lang="en-US" altLang="zh-CN" sz="2800">
-              <a:ea typeface="宋体" pitchFamily="2" charset="-122"/>
-            </a:endParaRPr>
-          </a:p>
-        </p:txBody>
-      </p:sp>
-    </p:spTree>
-  </p:cSld>
-  <p:clrMapOvr>
-    <a:masterClrMapping/>
-  </p:clrMapOvr>
-  <p:transition>
-    <p:zoom/>
-  </p:transition>
-</p:sld>
-</file>
-
-<file path=ppt/slides/slide23.xml><?xml version="1.0" encoding="utf-8"?>
 <p:sld xmlns:a="http://schemas.openxmlformats.org/drawingml/2006/main" xmlns:r="http://schemas.openxmlformats.org/officeDocument/2006/relationships" xmlns:p="http://schemas.openxmlformats.org/presentationml/2006/main">
   <p:cSld>
     <p:spTree>
@@ -9415,6 +12556,632 @@
               </a:rPr>
               <a:t>For your attention</a:t>
             </a:r>
+          </a:p>
+        </p:txBody>
+      </p:sp>
+    </p:spTree>
+  </p:cSld>
+  <p:clrMapOvr>
+    <a:masterClrMapping/>
+  </p:clrMapOvr>
+  <p:transition>
+    <p:zoom/>
+  </p:transition>
+  <p:timing>
+    <p:tnLst>
+      <p:par>
+        <p:cTn id="1" dur="indefinite" restart="never" nodeType="tmRoot"/>
+      </p:par>
+    </p:tnLst>
+  </p:timing>
+</p:sld>
+</file>
+
+<file path=ppt/slides/slide23.xml><?xml version="1.0" encoding="utf-8"?>
+<p:sld xmlns:a="http://schemas.openxmlformats.org/drawingml/2006/main" xmlns:r="http://schemas.openxmlformats.org/officeDocument/2006/relationships" xmlns:p="http://schemas.openxmlformats.org/presentationml/2006/main">
+  <p:cSld>
+    <p:spTree>
+      <p:nvGrpSpPr>
+        <p:cNvPr id="1" name=""/>
+        <p:cNvGrpSpPr/>
+        <p:nvPr/>
+      </p:nvGrpSpPr>
+      <p:grpSpPr>
+        <a:xfrm>
+          <a:off x="0" y="0"/>
+          <a:ext cx="0" cy="0"/>
+          <a:chOff x="0" y="0"/>
+          <a:chExt cx="0" cy="0"/>
+        </a:xfrm>
+      </p:grpSpPr>
+      <p:sp>
+        <p:nvSpPr>
+          <p:cNvPr id="87042" name="Rectangle 2"/>
+          <p:cNvSpPr>
+            <a:spLocks noGrp="1" noChangeArrowheads="1"/>
+          </p:cNvSpPr>
+          <p:nvPr>
+            <p:ph type="title"/>
+          </p:nvPr>
+        </p:nvSpPr>
+        <p:spPr/>
+        <p:txBody>
+          <a:bodyPr/>
+          <a:lstStyle/>
+          <a:p>
+            <a:r>
+              <a:rPr lang="de-DE" altLang="zh-CN" dirty="0" smtClean="0">
+                <a:ea typeface="宋体" pitchFamily="2" charset="-122"/>
+              </a:rPr>
+              <a:t>Reference</a:t>
+            </a:r>
+            <a:endParaRPr lang="en-US" altLang="zh-CN" dirty="0" smtClean="0">
+              <a:ea typeface="宋体" pitchFamily="2" charset="-122"/>
+            </a:endParaRPr>
+          </a:p>
+        </p:txBody>
+      </p:sp>
+      <p:sp>
+        <p:nvSpPr>
+          <p:cNvPr id="87043" name="Rectangle 3"/>
+          <p:cNvSpPr>
+            <a:spLocks noGrp="1" noChangeArrowheads="1"/>
+          </p:cNvSpPr>
+          <p:nvPr>
+            <p:ph type="body" idx="1"/>
+          </p:nvPr>
+        </p:nvSpPr>
+        <p:spPr>
+          <a:xfrm>
+            <a:off x="41275" y="836613"/>
+            <a:ext cx="9007475" cy="5688012"/>
+          </a:xfrm>
+        </p:spPr>
+        <p:txBody>
+          <a:bodyPr/>
+          <a:lstStyle/>
+          <a:p>
+            <a:pPr marL="457200" indent="-457200">
+              <a:buNone/>
+            </a:pPr>
+            <a:r>
+              <a:rPr lang="en-US" altLang="zh-CN" sz="1800" b="0" dirty="0" smtClean="0">
+                <a:solidFill>
+                  <a:schemeClr val="tx1"/>
+                </a:solidFill>
+                <a:ea typeface="宋体" pitchFamily="2" charset="-122"/>
+              </a:rPr>
+              <a:t>1.   C.W.BarnardandJ.W.Y.Lit,“Modetransformingpropertiesoftaperedsingle-</a:t>
+            </a:r>
+          </a:p>
+          <a:p>
+            <a:pPr marL="457200" indent="-457200">
+              <a:buNone/>
+            </a:pPr>
+            <a:r>
+              <a:rPr lang="en-US" altLang="zh-CN" sz="1800" b="0" dirty="0" smtClean="0">
+                <a:solidFill>
+                  <a:schemeClr val="tx1"/>
+                </a:solidFill>
+                <a:ea typeface="宋体" pitchFamily="2" charset="-122"/>
+              </a:rPr>
+              <a:t>        </a:t>
+            </a:r>
+            <a:r>
+              <a:rPr lang="en-US" altLang="zh-CN" sz="1800" b="0" dirty="0" err="1" smtClean="0">
+                <a:solidFill>
+                  <a:schemeClr val="tx1"/>
+                </a:solidFill>
+                <a:ea typeface="宋体" pitchFamily="2" charset="-122"/>
+              </a:rPr>
+              <a:t>modeﬁbermicrolenses</a:t>
+            </a:r>
+            <a:r>
+              <a:rPr lang="en-US" altLang="zh-CN" sz="1800" b="0" dirty="0" smtClean="0">
+                <a:solidFill>
+                  <a:schemeClr val="tx1"/>
+                </a:solidFill>
+                <a:ea typeface="宋体" pitchFamily="2" charset="-122"/>
+              </a:rPr>
+              <a:t>,” APPLIEDOPTICS.,vol.Vol.32,pp.2090–2094,</a:t>
+            </a:r>
+          </a:p>
+          <a:p>
+            <a:pPr marL="457200" indent="-457200">
+              <a:buNone/>
+            </a:pPr>
+            <a:r>
+              <a:rPr lang="en-US" altLang="zh-CN" sz="1800" b="0" dirty="0" smtClean="0">
+                <a:solidFill>
+                  <a:schemeClr val="tx1"/>
+                </a:solidFill>
+                <a:ea typeface="宋体" pitchFamily="2" charset="-122"/>
+              </a:rPr>
+              <a:t>        1993.</a:t>
+            </a:r>
+          </a:p>
+          <a:p>
+            <a:pPr marL="457200" indent="-457200">
+              <a:buNone/>
+            </a:pPr>
+            <a:r>
+              <a:rPr lang="en-US" altLang="zh-CN" sz="1800" b="0" dirty="0" smtClean="0">
+                <a:solidFill>
+                  <a:schemeClr val="tx1"/>
+                </a:solidFill>
+                <a:ea typeface="宋体" pitchFamily="2" charset="-122"/>
+              </a:rPr>
+              <a:t>2.     B.Z.L.Yang,D.X.DaiandS.L.He,“Characteristicanalysisoftaperedlens</a:t>
+            </a:r>
+          </a:p>
+          <a:p>
+            <a:pPr marL="457200" indent="-457200">
+              <a:buNone/>
+            </a:pPr>
+            <a:r>
+              <a:rPr lang="en-US" altLang="zh-CN" sz="1800" b="0" dirty="0" smtClean="0">
+                <a:solidFill>
+                  <a:schemeClr val="tx1"/>
+                </a:solidFill>
+                <a:ea typeface="宋体" pitchFamily="2" charset="-122"/>
+              </a:rPr>
+              <a:t>       </a:t>
+            </a:r>
+            <a:r>
+              <a:rPr lang="en-US" altLang="zh-CN" sz="1800" b="0" dirty="0" err="1" smtClean="0">
+                <a:solidFill>
+                  <a:schemeClr val="tx1"/>
+                </a:solidFill>
+                <a:ea typeface="宋体" pitchFamily="2" charset="-122"/>
+              </a:rPr>
+              <a:t>ﬁbersforlightfocusingandbutt-couplingtoasiliconribwaveguide</a:t>
+            </a:r>
+            <a:r>
+              <a:rPr lang="en-US" altLang="zh-CN" sz="1800" b="0" dirty="0" smtClean="0">
+                <a:solidFill>
+                  <a:schemeClr val="tx1"/>
+                </a:solidFill>
+                <a:ea typeface="宋体" pitchFamily="2" charset="-122"/>
+              </a:rPr>
+              <a:t>,” APPLIED OPTICS.,vol.Vol.48,pp.672–678,2009.</a:t>
+            </a:r>
+          </a:p>
+          <a:p>
+            <a:pPr marL="457200" indent="-457200">
+              <a:buNone/>
+            </a:pPr>
+            <a:r>
+              <a:rPr lang="en-US" altLang="zh-CN" sz="1800" b="0" dirty="0" smtClean="0">
+                <a:solidFill>
+                  <a:schemeClr val="tx1"/>
+                </a:solidFill>
+                <a:ea typeface="宋体" pitchFamily="2" charset="-122"/>
+              </a:rPr>
+              <a:t>3.    </a:t>
+            </a:r>
+            <a:r>
+              <a:rPr lang="en-US" altLang="zh-CN" sz="1800" b="0" dirty="0" err="1" smtClean="0">
+                <a:solidFill>
+                  <a:schemeClr val="tx1"/>
+                </a:solidFill>
+                <a:ea typeface="宋体" pitchFamily="2" charset="-122"/>
+              </a:rPr>
+              <a:t>N.Burt,“Designandfabricationoftaperedwaveguidesin</a:t>
+            </a:r>
+            <a:r>
+              <a:rPr lang="en-US" altLang="zh-CN" sz="1800" b="0" dirty="0" smtClean="0">
+                <a:solidFill>
+                  <a:schemeClr val="tx1"/>
+                </a:solidFill>
+                <a:ea typeface="宋体" pitchFamily="2" charset="-122"/>
+              </a:rPr>
+              <a:t> </a:t>
+            </a:r>
+            <a:r>
+              <a:rPr lang="en-US" altLang="zh-CN" sz="1800" b="0" dirty="0" err="1" smtClean="0">
+                <a:solidFill>
+                  <a:schemeClr val="tx1"/>
+                </a:solidFill>
+                <a:ea typeface="宋体" pitchFamily="2" charset="-122"/>
+              </a:rPr>
+              <a:t>algaasforcoupling</a:t>
+            </a:r>
+            <a:endParaRPr lang="en-US" altLang="zh-CN" sz="1800" b="0" dirty="0" smtClean="0">
+              <a:solidFill>
+                <a:schemeClr val="tx1"/>
+              </a:solidFill>
+              <a:ea typeface="宋体" pitchFamily="2" charset="-122"/>
+            </a:endParaRPr>
+          </a:p>
+          <a:p>
+            <a:pPr marL="457200" indent="-457200">
+              <a:buNone/>
+            </a:pPr>
+            <a:r>
+              <a:rPr lang="en-US" altLang="zh-CN" sz="1800" b="0" dirty="0" smtClean="0">
+                <a:solidFill>
+                  <a:schemeClr val="tx1"/>
+                </a:solidFill>
+                <a:ea typeface="宋体" pitchFamily="2" charset="-122"/>
+              </a:rPr>
+              <a:t>        </a:t>
+            </a:r>
+            <a:r>
+              <a:rPr lang="en-US" altLang="zh-CN" sz="1800" b="0" dirty="0" err="1" smtClean="0">
+                <a:solidFill>
+                  <a:schemeClr val="tx1"/>
+                </a:solidFill>
+                <a:ea typeface="宋体" pitchFamily="2" charset="-122"/>
+              </a:rPr>
+              <a:t>lightinnanoscaleoptoelectronicdevices</a:t>
+            </a:r>
+            <a:r>
+              <a:rPr lang="en-US" altLang="zh-CN" sz="1800" b="0" dirty="0" smtClean="0">
+                <a:solidFill>
+                  <a:schemeClr val="tx1"/>
+                </a:solidFill>
+                <a:ea typeface="宋体" pitchFamily="2" charset="-122"/>
+              </a:rPr>
+              <a:t>,” </a:t>
+            </a:r>
+            <a:r>
+              <a:rPr lang="en-US" altLang="zh-CN" sz="1800" b="0" dirty="0" err="1" smtClean="0">
+                <a:solidFill>
+                  <a:schemeClr val="tx1"/>
+                </a:solidFill>
+                <a:ea typeface="宋体" pitchFamily="2" charset="-122"/>
+              </a:rPr>
+              <a:t>NNINREUResearchAccomplish</a:t>
+            </a:r>
+            <a:r>
+              <a:rPr lang="en-US" altLang="zh-CN" sz="1800" b="0" dirty="0" smtClean="0">
+                <a:solidFill>
+                  <a:schemeClr val="tx1"/>
+                </a:solidFill>
+                <a:ea typeface="宋体" pitchFamily="2" charset="-122"/>
+              </a:rPr>
+              <a:t>-</a:t>
+            </a:r>
+          </a:p>
+          <a:p>
+            <a:pPr marL="457200" indent="-457200">
+              <a:buNone/>
+            </a:pPr>
+            <a:r>
+              <a:rPr lang="en-US" altLang="zh-CN" sz="1800" b="0" dirty="0" smtClean="0">
+                <a:solidFill>
+                  <a:schemeClr val="tx1"/>
+                </a:solidFill>
+                <a:ea typeface="宋体" pitchFamily="2" charset="-122"/>
+              </a:rPr>
+              <a:t>        ments,pp.28–29,2004.</a:t>
+            </a:r>
+          </a:p>
+          <a:p>
+            <a:pPr marL="457200" indent="-457200">
+              <a:buNone/>
+            </a:pPr>
+            <a:r>
+              <a:rPr lang="en-US" altLang="zh-CN" sz="1800" b="0" dirty="0" smtClean="0">
+                <a:solidFill>
+                  <a:schemeClr val="tx1"/>
+                </a:solidFill>
+                <a:ea typeface="宋体" pitchFamily="2" charset="-122"/>
+              </a:rPr>
+              <a:t>4.     P.L.-</a:t>
+            </a:r>
+            <a:r>
+              <a:rPr lang="en-US" altLang="zh-CN" sz="1800" b="0" dirty="0" err="1" smtClean="0">
+                <a:solidFill>
+                  <a:schemeClr val="tx1"/>
+                </a:solidFill>
+                <a:ea typeface="宋体" pitchFamily="2" charset="-122"/>
+              </a:rPr>
+              <a:t>P.C.Alonso</a:t>
+            </a:r>
+            <a:r>
+              <a:rPr lang="en-US" altLang="zh-CN" sz="1800" b="0" dirty="0" smtClean="0">
+                <a:solidFill>
+                  <a:schemeClr val="tx1"/>
+                </a:solidFill>
+                <a:ea typeface="宋体" pitchFamily="2" charset="-122"/>
+              </a:rPr>
+              <a:t>-</a:t>
+            </a:r>
+            <a:r>
+              <a:rPr lang="en-US" altLang="zh-CN" sz="1800" b="0" dirty="0" err="1" smtClean="0">
+                <a:solidFill>
+                  <a:schemeClr val="tx1"/>
+                </a:solidFill>
+                <a:ea typeface="宋体" pitchFamily="2" charset="-122"/>
+              </a:rPr>
+              <a:t>Ramos,A.Ortega</a:t>
+            </a:r>
+            <a:r>
+              <a:rPr lang="en-US" altLang="zh-CN" sz="1800" b="0" dirty="0" smtClean="0">
+                <a:solidFill>
+                  <a:schemeClr val="tx1"/>
+                </a:solidFill>
+                <a:ea typeface="宋体" pitchFamily="2" charset="-122"/>
+              </a:rPr>
+              <a:t>-</a:t>
+            </a:r>
+            <a:r>
+              <a:rPr lang="en-US" altLang="zh-CN" sz="1800" b="0" dirty="0" err="1" smtClean="0">
+                <a:solidFill>
+                  <a:schemeClr val="tx1"/>
+                </a:solidFill>
+                <a:ea typeface="宋体" pitchFamily="2" charset="-122"/>
+              </a:rPr>
+              <a:t>MoñuxandR.Halir,“Efﬁcientﬁber</a:t>
+            </a:r>
+            <a:r>
+              <a:rPr lang="en-US" altLang="zh-CN" sz="1800" b="0" dirty="0" smtClean="0">
+                <a:solidFill>
+                  <a:schemeClr val="tx1"/>
+                </a:solidFill>
+                <a:ea typeface="宋体" pitchFamily="2" charset="-122"/>
+              </a:rPr>
+              <a:t>-to-</a:t>
+            </a:r>
+          </a:p>
+          <a:p>
+            <a:pPr marL="457200" indent="-457200">
+              <a:buNone/>
+            </a:pPr>
+            <a:r>
+              <a:rPr lang="en-US" altLang="zh-CN" sz="1800" b="0" dirty="0" smtClean="0">
+                <a:solidFill>
+                  <a:schemeClr val="tx1"/>
+                </a:solidFill>
+                <a:ea typeface="宋体" pitchFamily="2" charset="-122"/>
+              </a:rPr>
+              <a:t>        </a:t>
+            </a:r>
+            <a:r>
+              <a:rPr lang="en-US" altLang="zh-CN" sz="1800" b="0" dirty="0" err="1" smtClean="0">
+                <a:solidFill>
+                  <a:schemeClr val="tx1"/>
+                </a:solidFill>
+                <a:ea typeface="宋体" pitchFamily="2" charset="-122"/>
+              </a:rPr>
+              <a:t>chipgratingcouplerformicrometricsoiribwaveguides</a:t>
+            </a:r>
+            <a:r>
+              <a:rPr lang="en-US" altLang="zh-CN" sz="1800" b="0" dirty="0" smtClean="0">
+                <a:solidFill>
+                  <a:schemeClr val="tx1"/>
+                </a:solidFill>
+                <a:ea typeface="宋体" pitchFamily="2" charset="-122"/>
+              </a:rPr>
+              <a:t>,” </a:t>
+            </a:r>
+            <a:r>
+              <a:rPr lang="en-US" altLang="zh-CN" sz="1800" b="0" dirty="0" err="1" smtClean="0">
+                <a:solidFill>
+                  <a:schemeClr val="tx1"/>
+                </a:solidFill>
+                <a:ea typeface="宋体" pitchFamily="2" charset="-122"/>
+              </a:rPr>
+              <a:t>Opticsexpress,vol</a:t>
+            </a:r>
+            <a:r>
+              <a:rPr lang="en-US" altLang="zh-CN" sz="1800" b="0" dirty="0" smtClean="0">
+                <a:solidFill>
+                  <a:schemeClr val="tx1"/>
+                </a:solidFill>
+                <a:ea typeface="宋体" pitchFamily="2" charset="-122"/>
+              </a:rPr>
+              <a:t>.</a:t>
+            </a:r>
+          </a:p>
+          <a:p>
+            <a:pPr marL="457200" indent="-457200">
+              <a:buNone/>
+            </a:pPr>
+            <a:r>
+              <a:rPr lang="en-US" altLang="zh-CN" sz="1800" b="0" dirty="0" smtClean="0">
+                <a:solidFill>
+                  <a:schemeClr val="tx1"/>
+                </a:solidFill>
+                <a:ea typeface="宋体" pitchFamily="2" charset="-122"/>
+              </a:rPr>
+              <a:t>        Vol.18,pp.15189–15200,July2010.</a:t>
+            </a:r>
+          </a:p>
+          <a:p>
+            <a:pPr marL="457200" indent="-457200">
+              <a:buNone/>
+            </a:pPr>
+            <a:r>
+              <a:rPr lang="en-US" altLang="zh-CN" sz="1800" b="0" dirty="0" smtClean="0">
+                <a:solidFill>
+                  <a:schemeClr val="tx1"/>
+                </a:solidFill>
+                <a:ea typeface="宋体" pitchFamily="2" charset="-122"/>
+              </a:rPr>
+              <a:t>5.     </a:t>
+            </a:r>
+            <a:r>
+              <a:rPr lang="en-US" altLang="zh-CN" sz="1800" b="0" dirty="0" err="1" smtClean="0">
+                <a:solidFill>
+                  <a:schemeClr val="tx1"/>
+                </a:solidFill>
+                <a:ea typeface="宋体" pitchFamily="2" charset="-122"/>
+              </a:rPr>
+              <a:t>LensTheory,LASERCOMPONENTSLtd</a:t>
+            </a:r>
+            <a:r>
+              <a:rPr lang="en-US" altLang="zh-CN" sz="1800" b="0" dirty="0" smtClean="0">
+                <a:solidFill>
+                  <a:schemeClr val="tx1"/>
+                </a:solidFill>
+                <a:ea typeface="宋体" pitchFamily="2" charset="-122"/>
+              </a:rPr>
+              <a:t>., http://www.lasercomponents.com/</a:t>
+            </a:r>
+            <a:r>
+              <a:rPr lang="en-US" altLang="zh-CN" sz="1800" b="0" dirty="0" err="1" smtClean="0">
+                <a:solidFill>
+                  <a:schemeClr val="tx1"/>
+                </a:solidFill>
+                <a:ea typeface="宋体" pitchFamily="2" charset="-122"/>
+              </a:rPr>
+              <a:t>ﬁleadmin</a:t>
+            </a:r>
+            <a:r>
+              <a:rPr lang="en-US" altLang="zh-CN" sz="1800" b="0" dirty="0" smtClean="0">
+                <a:solidFill>
+                  <a:schemeClr val="tx1"/>
+                </a:solidFill>
+                <a:ea typeface="宋体" pitchFamily="2" charset="-122"/>
+              </a:rPr>
+              <a:t>/</a:t>
+            </a:r>
+            <a:r>
+              <a:rPr lang="en-US" altLang="zh-CN" sz="1800" b="0" dirty="0" err="1" smtClean="0">
+                <a:solidFill>
+                  <a:schemeClr val="tx1"/>
+                </a:solidFill>
+                <a:ea typeface="宋体" pitchFamily="2" charset="-122"/>
+              </a:rPr>
+              <a:t>userupload</a:t>
+            </a:r>
+            <a:r>
+              <a:rPr lang="en-US" altLang="zh-CN" sz="1800" b="0" dirty="0" smtClean="0">
+                <a:solidFill>
+                  <a:schemeClr val="tx1"/>
+                </a:solidFill>
+                <a:ea typeface="宋体" pitchFamily="2" charset="-122"/>
+              </a:rPr>
+              <a:t>/home/Datasheets/</a:t>
+            </a:r>
+            <a:r>
+              <a:rPr lang="en-US" altLang="zh-CN" sz="1800" b="0" dirty="0" err="1" smtClean="0">
+                <a:solidFill>
+                  <a:schemeClr val="tx1"/>
+                </a:solidFill>
+                <a:ea typeface="宋体" pitchFamily="2" charset="-122"/>
+              </a:rPr>
+              <a:t>lc</a:t>
+            </a:r>
+            <a:r>
+              <a:rPr lang="en-US" altLang="zh-CN" sz="1800" b="0" dirty="0" smtClean="0">
+                <a:solidFill>
+                  <a:schemeClr val="tx1"/>
+                </a:solidFill>
+                <a:ea typeface="宋体" pitchFamily="2" charset="-122"/>
+              </a:rPr>
+              <a:t>/</a:t>
+            </a:r>
+            <a:r>
+              <a:rPr lang="en-US" altLang="zh-CN" sz="1800" b="0" dirty="0" err="1" smtClean="0">
+                <a:solidFill>
+                  <a:schemeClr val="tx1"/>
+                </a:solidFill>
+                <a:ea typeface="宋体" pitchFamily="2" charset="-122"/>
+              </a:rPr>
+              <a:t>applikationsreport</a:t>
+            </a:r>
+            <a:r>
+              <a:rPr lang="en-US" altLang="zh-CN" sz="1800" b="0" dirty="0" smtClean="0">
+                <a:solidFill>
+                  <a:schemeClr val="tx1"/>
+                </a:solidFill>
+                <a:ea typeface="宋体" pitchFamily="2" charset="-122"/>
+              </a:rPr>
+              <a:t>/lens-theory.pdf,April2011.</a:t>
+            </a:r>
+          </a:p>
+          <a:p>
+            <a:pPr marL="457200" indent="-457200">
+              <a:buNone/>
+            </a:pPr>
+            <a:r>
+              <a:rPr lang="en-US" altLang="zh-CN" sz="1800" b="0" dirty="0" smtClean="0">
+                <a:solidFill>
+                  <a:schemeClr val="tx1"/>
+                </a:solidFill>
+                <a:ea typeface="宋体" pitchFamily="2" charset="-122"/>
+              </a:rPr>
+              <a:t>6.    </a:t>
+            </a:r>
+            <a:r>
+              <a:rPr lang="en-US" altLang="zh-CN" sz="1800" b="0" dirty="0" err="1" smtClean="0">
+                <a:solidFill>
+                  <a:schemeClr val="tx1"/>
+                </a:solidFill>
+                <a:ea typeface="宋体" pitchFamily="2" charset="-122"/>
+              </a:rPr>
+              <a:t>A.GhatakandK.Thyagarajan</a:t>
+            </a:r>
+            <a:r>
+              <a:rPr lang="en-US" altLang="zh-CN" sz="1800" b="0" dirty="0" smtClean="0">
+                <a:solidFill>
+                  <a:schemeClr val="tx1"/>
+                </a:solidFill>
+                <a:ea typeface="宋体" pitchFamily="2" charset="-122"/>
+              </a:rPr>
+              <a:t>, </a:t>
+            </a:r>
+            <a:r>
+              <a:rPr lang="en-US" altLang="zh-CN" sz="1800" b="0" dirty="0" err="1" smtClean="0">
+                <a:solidFill>
+                  <a:schemeClr val="tx1"/>
+                </a:solidFill>
+                <a:ea typeface="宋体" pitchFamily="2" charset="-122"/>
+              </a:rPr>
+              <a:t>OpticalWaveguidesandFibers</a:t>
+            </a:r>
+            <a:r>
+              <a:rPr lang="en-US" altLang="zh-CN" sz="1800" b="0" dirty="0" smtClean="0">
+                <a:solidFill>
+                  <a:schemeClr val="tx1"/>
+                </a:solidFill>
+                <a:ea typeface="宋体" pitchFamily="2" charset="-122"/>
+              </a:rPr>
+              <a:t>,</a:t>
+            </a:r>
+          </a:p>
+          <a:p>
+            <a:pPr marL="457200" indent="-457200">
+              <a:buNone/>
+            </a:pPr>
+            <a:r>
+              <a:rPr lang="en-US" altLang="zh-CN" sz="1800" b="0" dirty="0" smtClean="0">
+                <a:solidFill>
+                  <a:schemeClr val="tx1"/>
+                </a:solidFill>
+                <a:ea typeface="宋体" pitchFamily="2" charset="-122"/>
+              </a:rPr>
+              <a:t>        http://spie.org/Documents/Publications/00%20STEP%20Module%2007.pdf,</a:t>
+            </a:r>
+          </a:p>
+          <a:p>
+            <a:pPr marL="457200" indent="-457200">
+              <a:buNone/>
+            </a:pPr>
+            <a:r>
+              <a:rPr lang="en-US" altLang="zh-CN" sz="1800" b="0" dirty="0" smtClean="0">
+                <a:solidFill>
+                  <a:schemeClr val="tx1"/>
+                </a:solidFill>
+                <a:ea typeface="宋体" pitchFamily="2" charset="-122"/>
+              </a:rPr>
+              <a:t>       April2011.</a:t>
+            </a:r>
+          </a:p>
+          <a:p>
+            <a:pPr marL="457200" indent="-457200">
+              <a:buFontTx/>
+              <a:buAutoNum type="arabicPeriod"/>
+            </a:pPr>
+            <a:endParaRPr lang="en-US" altLang="zh-CN" sz="1800" b="0" dirty="0" smtClean="0">
+              <a:solidFill>
+                <a:schemeClr val="tx1"/>
+              </a:solidFill>
+              <a:ea typeface="宋体" pitchFamily="2" charset="-122"/>
+            </a:endParaRPr>
           </a:p>
         </p:txBody>
       </p:sp>
@@ -9455,9 +13222,9 @@
       </p:grpSpPr>
       <p:sp>
         <p:nvSpPr>
-          <p:cNvPr id="87042" name="Rectangle 2"/>
+          <p:cNvPr id="2" name="Titel 1"/>
           <p:cNvSpPr>
-            <a:spLocks noGrp="1" noChangeArrowheads="1"/>
+            <a:spLocks noGrp="1"/>
           </p:cNvSpPr>
           <p:nvPr>
             <p:ph type="title"/>
@@ -9468,224 +13235,654 @@
           <a:bodyPr/>
           <a:lstStyle/>
           <a:p>
-            <a:r>
-              <a:rPr lang="de-DE" altLang="zh-CN" dirty="0" smtClean="0">
-                <a:ea typeface="宋体" pitchFamily="2" charset="-122"/>
-              </a:rPr>
-              <a:t>Reference</a:t>
-            </a:r>
-            <a:endParaRPr lang="en-US" altLang="zh-CN" dirty="0" smtClean="0">
-              <a:ea typeface="宋体" pitchFamily="2" charset="-122"/>
-            </a:endParaRPr>
+            <a:endParaRPr lang="zh-CN" altLang="en-US"/>
           </a:p>
         </p:txBody>
       </p:sp>
       <p:sp>
         <p:nvSpPr>
-          <p:cNvPr id="87043" name="Rectangle 3"/>
+          <p:cNvPr id="3" name="Inhaltsplatzhalter 2"/>
           <p:cNvSpPr>
-            <a:spLocks noGrp="1" noChangeArrowheads="1"/>
+            <a:spLocks noGrp="1"/>
           </p:cNvSpPr>
           <p:nvPr>
-            <p:ph type="body" idx="1"/>
+            <p:ph idx="1"/>
           </p:nvPr>
         </p:nvSpPr>
-        <p:spPr>
-          <a:xfrm>
-            <a:off x="41275" y="836613"/>
-            <a:ext cx="9007475" cy="5688012"/>
-          </a:xfrm>
-        </p:spPr>
+        <p:spPr/>
         <p:txBody>
           <a:bodyPr/>
           <a:lstStyle/>
           <a:p>
             <a:pPr marL="457200" indent="-457200">
-              <a:buFontTx/>
-              <a:buAutoNum type="arabicPeriod"/>
-            </a:pPr>
-            <a:r>
-              <a:rPr lang="en-US" altLang="zh-CN" sz="1800" b="0" smtClean="0">
-                <a:solidFill>
-                  <a:schemeClr val="tx1"/>
-                </a:solidFill>
-                <a:ea typeface="宋体" pitchFamily="2" charset="-122"/>
-              </a:rPr>
-              <a:t>NVIDIA CUDA BestPracticesGuide 2.3</a:t>
-            </a:r>
-          </a:p>
-          <a:p>
-            <a:pPr marL="457200" indent="-457200">
-              <a:buFontTx/>
-              <a:buAutoNum type="arabicPeriod"/>
-            </a:pPr>
-            <a:r>
-              <a:rPr lang="en-US" altLang="zh-CN" sz="1800" b="0" smtClean="0">
-                <a:solidFill>
-                  <a:schemeClr val="tx1"/>
-                </a:solidFill>
-                <a:ea typeface="宋体" pitchFamily="2" charset="-122"/>
-              </a:rPr>
-              <a:t>NVIDIA CUDA PrommingGuide 2.3</a:t>
-            </a:r>
-          </a:p>
-          <a:p>
-            <a:pPr marL="457200" indent="-457200">
-              <a:buFontTx/>
-              <a:buAutoNum type="arabicPeriod"/>
-            </a:pPr>
-            <a:r>
-              <a:rPr lang="en-US" altLang="zh-CN" sz="1800" b="0" smtClean="0">
-                <a:solidFill>
-                  <a:schemeClr val="tx1"/>
-                </a:solidFill>
-                <a:ea typeface="宋体" pitchFamily="2" charset="-122"/>
-              </a:rPr>
-              <a:t>CudaReferenceManual.pdf</a:t>
-            </a:r>
-          </a:p>
-          <a:p>
-            <a:pPr marL="457200" indent="-457200">
-              <a:buFontTx/>
-              <a:buAutoNum type="arabicPeriod"/>
-            </a:pPr>
-            <a:r>
-              <a:rPr lang="en-US" altLang="zh-CN" sz="1800" b="0" smtClean="0">
-                <a:solidFill>
-                  <a:schemeClr val="tx1"/>
-                </a:solidFill>
-                <a:ea typeface="宋体" pitchFamily="2" charset="-122"/>
-              </a:rPr>
-              <a:t>White Paper “Accelerateing MATLAB with CUDA Using MEX Files”</a:t>
-            </a:r>
-          </a:p>
-          <a:p>
-            <a:pPr marL="457200" indent="-457200">
-              <a:buFontTx/>
-              <a:buAutoNum type="arabicPeriod"/>
-            </a:pPr>
-            <a:r>
-              <a:rPr lang="en-US" altLang="zh-CN" sz="1800" b="0" smtClean="0">
-                <a:solidFill>
-                  <a:schemeClr val="tx1"/>
-                </a:solidFill>
-                <a:ea typeface="宋体" pitchFamily="2" charset="-122"/>
-              </a:rPr>
-              <a:t>Gaußsches Eliminationsverfahren</a:t>
-            </a:r>
-          </a:p>
-          <a:p>
-            <a:pPr marL="812800" lvl="1" indent="-381000">
-              <a:buFontTx/>
               <a:buNone/>
             </a:pPr>
             <a:r>
-              <a:rPr lang="en-US" altLang="zh-CN" sz="1800" b="1" smtClean="0">
-                <a:ea typeface="宋体" pitchFamily="2" charset="-122"/>
-                <a:hlinkClick r:id="rId3"/>
-              </a:rPr>
-              <a:t>http://de.wikipedia.org/wiki/Gau%C3%9Fsches_Eliminationsverfahren</a:t>
-            </a:r>
-            <a:endParaRPr lang="de-DE" altLang="zh-CN" sz="1800" b="1" smtClean="0">
-              <a:ea typeface="宋体" pitchFamily="2" charset="-122"/>
-            </a:endParaRPr>
+              <a:rPr lang="en-US" altLang="zh-CN" sz="1800" b="0" dirty="0" smtClean="0">
+                <a:solidFill>
+                  <a:schemeClr val="tx1"/>
+                </a:solidFill>
+                <a:ea typeface="宋体" pitchFamily="2" charset="-122"/>
+              </a:rPr>
+              <a:t>7.    </a:t>
+            </a:r>
+            <a:r>
+              <a:rPr lang="en-US" altLang="zh-CN" sz="1800" b="0" dirty="0" err="1" smtClean="0">
+                <a:solidFill>
+                  <a:schemeClr val="tx1"/>
+                </a:solidFill>
+                <a:ea typeface="宋体" pitchFamily="2" charset="-122"/>
+              </a:rPr>
+              <a:t>R.März</a:t>
+            </a:r>
+            <a:r>
+              <a:rPr lang="en-US" altLang="zh-CN" sz="1800" b="0" dirty="0" smtClean="0">
+                <a:solidFill>
+                  <a:schemeClr val="tx1"/>
+                </a:solidFill>
+                <a:ea typeface="宋体" pitchFamily="2" charset="-122"/>
+              </a:rPr>
+              <a:t>, Integrated </a:t>
+            </a:r>
+            <a:r>
+              <a:rPr lang="en-US" altLang="zh-CN" sz="1800" b="0" dirty="0" err="1" smtClean="0">
+                <a:solidFill>
+                  <a:schemeClr val="tx1"/>
+                </a:solidFill>
+                <a:ea typeface="宋体" pitchFamily="2" charset="-122"/>
+              </a:rPr>
+              <a:t>Optics.Artech</a:t>
+            </a:r>
+            <a:r>
+              <a:rPr lang="en-US" altLang="zh-CN" sz="1800" b="0" dirty="0" smtClean="0">
+                <a:solidFill>
+                  <a:schemeClr val="tx1"/>
+                </a:solidFill>
+                <a:ea typeface="宋体" pitchFamily="2" charset="-122"/>
+              </a:rPr>
+              <a:t> House,1995.</a:t>
+            </a:r>
           </a:p>
           <a:p>
             <a:pPr marL="457200" indent="-457200">
-              <a:buFontTx/>
-              <a:buAutoNum type="arabicPeriod"/>
+              <a:buNone/>
             </a:pPr>
             <a:r>
-              <a:rPr lang="en-US" altLang="zh-CN" sz="1800" b="0" smtClean="0">
+              <a:rPr lang="en-US" altLang="zh-CN" sz="1800" b="0" dirty="0" smtClean="0">
                 <a:solidFill>
                   <a:schemeClr val="tx1"/>
                 </a:solidFill>
                 <a:ea typeface="宋体" pitchFamily="2" charset="-122"/>
               </a:rPr>
-              <a:t>Peter sonneveld, Martin B. Van Gijzen, “IDR(s):A Family of simple and fast algorithms for solving large nosysmmetric systems of linear equations”</a:t>
+              <a:t>8.    </a:t>
+            </a:r>
+            <a:r>
+              <a:rPr lang="en-US" altLang="zh-CN" sz="1800" b="0" dirty="0" err="1" smtClean="0">
+                <a:solidFill>
+                  <a:schemeClr val="tx1"/>
+                </a:solidFill>
+                <a:ea typeface="宋体" pitchFamily="2" charset="-122"/>
+              </a:rPr>
+              <a:t>R.Schuhmann</a:t>
+            </a:r>
+            <a:r>
+              <a:rPr lang="en-US" altLang="zh-CN" sz="1800" b="0" dirty="0" smtClean="0">
+                <a:solidFill>
+                  <a:schemeClr val="tx1"/>
+                </a:solidFill>
+                <a:ea typeface="宋体" pitchFamily="2" charset="-122"/>
+              </a:rPr>
+              <a:t>, Script: </a:t>
+            </a:r>
+            <a:r>
+              <a:rPr lang="en-US" altLang="zh-CN" sz="1800" b="0" dirty="0" err="1" smtClean="0">
+                <a:solidFill>
+                  <a:schemeClr val="tx1"/>
+                </a:solidFill>
+                <a:ea typeface="宋体" pitchFamily="2" charset="-122"/>
+              </a:rPr>
+              <a:t>Feldtheorie</a:t>
+            </a:r>
+            <a:r>
+              <a:rPr lang="en-US" altLang="zh-CN" sz="1800" b="0" dirty="0" smtClean="0">
+                <a:solidFill>
+                  <a:schemeClr val="tx1"/>
+                </a:solidFill>
+                <a:ea typeface="宋体" pitchFamily="2" charset="-122"/>
+              </a:rPr>
+              <a:t> und </a:t>
+            </a:r>
+            <a:r>
+              <a:rPr lang="en-US" altLang="zh-CN" sz="1800" b="0" dirty="0" err="1" smtClean="0">
+                <a:solidFill>
+                  <a:schemeClr val="tx1"/>
+                </a:solidFill>
+                <a:ea typeface="宋体" pitchFamily="2" charset="-122"/>
+              </a:rPr>
+              <a:t>Theoretische</a:t>
+            </a:r>
+            <a:r>
+              <a:rPr lang="en-US" altLang="zh-CN" sz="1800" b="0" dirty="0" smtClean="0">
+                <a:solidFill>
+                  <a:schemeClr val="tx1"/>
+                </a:solidFill>
+                <a:ea typeface="宋体" pitchFamily="2" charset="-122"/>
+              </a:rPr>
+              <a:t> </a:t>
+            </a:r>
+            <a:r>
+              <a:rPr lang="en-US" altLang="zh-CN" sz="1800" b="0" dirty="0" err="1" smtClean="0">
+                <a:solidFill>
+                  <a:schemeClr val="tx1"/>
+                </a:solidFill>
+                <a:ea typeface="宋体" pitchFamily="2" charset="-122"/>
+              </a:rPr>
+              <a:t>Elektrotechnik.Fachge</a:t>
+            </a:r>
+            <a:r>
+              <a:rPr lang="en-US" altLang="zh-CN" sz="1800" b="0" dirty="0" smtClean="0">
+                <a:solidFill>
+                  <a:schemeClr val="tx1"/>
+                </a:solidFill>
+                <a:ea typeface="宋体" pitchFamily="2" charset="-122"/>
+              </a:rPr>
+              <a:t>-</a:t>
             </a:r>
           </a:p>
           <a:p>
             <a:pPr marL="457200" indent="-457200">
-              <a:buFontTx/>
-              <a:buAutoNum type="arabicPeriod"/>
+              <a:buNone/>
             </a:pPr>
             <a:r>
-              <a:rPr lang="en-US" altLang="zh-CN" sz="1800" b="0" smtClean="0">
+              <a:rPr lang="en-US" altLang="zh-CN" sz="1800" b="0" dirty="0" smtClean="0">
                 <a:solidFill>
                   <a:schemeClr val="tx1"/>
                 </a:solidFill>
                 <a:ea typeface="宋体" pitchFamily="2" charset="-122"/>
-                <a:hlinkClick r:id="rId4"/>
-              </a:rPr>
-              <a:t>Robert Sedgewick</a:t>
-            </a:r>
-            <a:r>
-              <a:rPr lang="en-US" altLang="zh-CN" sz="1800" b="0" smtClean="0">
+              </a:rPr>
+              <a:t>        </a:t>
+            </a:r>
+            <a:r>
+              <a:rPr lang="en-US" altLang="zh-CN" sz="1800" b="0" dirty="0" err="1" smtClean="0">
                 <a:solidFill>
                   <a:schemeClr val="tx1"/>
                 </a:solidFill>
                 <a:ea typeface="宋体" pitchFamily="2" charset="-122"/>
               </a:rPr>
-              <a:t>,” Algorithmen in C .”, Pearson Studium , ISBN-10: 3827371821 </a:t>
+              <a:t>bietTheoretische</a:t>
+            </a:r>
+            <a:r>
+              <a:rPr lang="en-US" altLang="zh-CN" sz="1800" b="0" dirty="0" smtClean="0">
+                <a:solidFill>
+                  <a:schemeClr val="tx1"/>
+                </a:solidFill>
+                <a:ea typeface="宋体" pitchFamily="2" charset="-122"/>
+              </a:rPr>
+              <a:t> </a:t>
+            </a:r>
+            <a:r>
+              <a:rPr lang="en-US" altLang="zh-CN" sz="1800" b="0" dirty="0" err="1" smtClean="0">
+                <a:solidFill>
+                  <a:schemeClr val="tx1"/>
+                </a:solidFill>
+                <a:ea typeface="宋体" pitchFamily="2" charset="-122"/>
+              </a:rPr>
+              <a:t>Elektrotechnik</a:t>
+            </a:r>
+            <a:r>
+              <a:rPr lang="en-US" altLang="zh-CN" sz="1800" b="0" dirty="0" smtClean="0">
+                <a:solidFill>
+                  <a:schemeClr val="tx1"/>
+                </a:solidFill>
+                <a:ea typeface="宋体" pitchFamily="2" charset="-122"/>
+              </a:rPr>
+              <a:t>, University Paderborn, </a:t>
+            </a:r>
+            <a:r>
+              <a:rPr lang="en-US" altLang="zh-CN" sz="1800" b="0" dirty="0" err="1" smtClean="0">
+                <a:solidFill>
+                  <a:schemeClr val="tx1"/>
+                </a:solidFill>
+                <a:ea typeface="宋体" pitchFamily="2" charset="-122"/>
+              </a:rPr>
+              <a:t>Apri</a:t>
+            </a:r>
+            <a:r>
+              <a:rPr lang="en-US" altLang="zh-CN" sz="1800" b="0" dirty="0" smtClean="0">
+                <a:solidFill>
+                  <a:schemeClr val="tx1"/>
+                </a:solidFill>
+                <a:ea typeface="宋体" pitchFamily="2" charset="-122"/>
+              </a:rPr>
+              <a:t> 2009.</a:t>
             </a:r>
           </a:p>
           <a:p>
             <a:pPr marL="457200" indent="-457200">
-              <a:buFontTx/>
-              <a:buAutoNum type="arabicPeriod"/>
+              <a:buNone/>
             </a:pPr>
             <a:r>
-              <a:rPr lang="de-DE" altLang="zh-CN" sz="1800" b="0" smtClean="0">
+              <a:rPr lang="en-US" altLang="zh-CN" sz="1800" b="0" dirty="0" smtClean="0">
                 <a:solidFill>
                   <a:schemeClr val="tx1"/>
                 </a:solidFill>
                 <a:ea typeface="宋体" pitchFamily="2" charset="-122"/>
               </a:rPr>
-              <a:t>Donald E. Knuth, The Art of Computer Programming 1-3, Addison-Wesley Longman, ISBN-10: 0201485417</a:t>
+              <a:t>9.     Gaussian Beam Optics 2,CVI </a:t>
+            </a:r>
+            <a:r>
+              <a:rPr lang="en-US" altLang="zh-CN" sz="1800" b="0" dirty="0" err="1" smtClean="0">
+                <a:solidFill>
+                  <a:schemeClr val="tx1"/>
+                </a:solidFill>
+                <a:ea typeface="宋体" pitchFamily="2" charset="-122"/>
+              </a:rPr>
+              <a:t>Melles</a:t>
+            </a:r>
+            <a:r>
+              <a:rPr lang="en-US" altLang="zh-CN" sz="1800" b="0" dirty="0" smtClean="0">
+                <a:solidFill>
+                  <a:schemeClr val="tx1"/>
+                </a:solidFill>
+                <a:ea typeface="宋体" pitchFamily="2" charset="-122"/>
+              </a:rPr>
+              <a:t> </a:t>
+            </a:r>
+            <a:r>
+              <a:rPr lang="en-US" altLang="zh-CN" sz="1800" b="0" dirty="0" err="1" smtClean="0">
+                <a:solidFill>
+                  <a:schemeClr val="tx1"/>
+                </a:solidFill>
+                <a:ea typeface="宋体" pitchFamily="2" charset="-122"/>
+              </a:rPr>
+              <a:t>Griot</a:t>
+            </a:r>
+            <a:r>
+              <a:rPr lang="en-US" altLang="zh-CN" sz="1800" b="0" dirty="0" smtClean="0">
+                <a:solidFill>
+                  <a:schemeClr val="tx1"/>
+                </a:solidFill>
+                <a:ea typeface="宋体" pitchFamily="2" charset="-122"/>
+              </a:rPr>
+              <a:t>,</a:t>
             </a:r>
           </a:p>
           <a:p>
             <a:pPr marL="457200" indent="-457200">
-              <a:buFontTx/>
-              <a:buAutoNum type="arabicPeriod"/>
+              <a:buNone/>
             </a:pPr>
             <a:r>
-              <a:rPr lang="de-DE" altLang="zh-CN" sz="1800" b="0" smtClean="0">
+              <a:rPr lang="en-US" altLang="zh-CN" sz="1800" b="0" dirty="0" smtClean="0">
                 <a:solidFill>
                   <a:schemeClr val="tx1"/>
                 </a:solidFill>
                 <a:ea typeface="宋体" pitchFamily="2" charset="-122"/>
               </a:rPr>
-              <a:t>David A. Patterson, John L. Hennessy, Computer Organization &amp; Design: The Hardware/Sofware Interface; Morgan Kaufmann; ISBN-10: 155860491X</a:t>
+              <a:t>        http://www.cvimellesgriot.com/products/Documents/TechnicalGuide/Gaussian-</a:t>
             </a:r>
           </a:p>
           <a:p>
             <a:pPr marL="457200" indent="-457200">
-              <a:buFontTx/>
-              <a:buAutoNum type="arabicPeriod"/>
+              <a:buNone/>
             </a:pPr>
             <a:r>
-              <a:rPr lang="de-DE" altLang="zh-CN" sz="1800" b="0" smtClean="0">
+              <a:rPr lang="en-US" altLang="zh-CN" sz="1800" b="0" dirty="0" smtClean="0">
                 <a:solidFill>
                   <a:schemeClr val="tx1"/>
                 </a:solidFill>
                 <a:ea typeface="宋体" pitchFamily="2" charset="-122"/>
               </a:rPr>
-              <a:t>Brian W. Kernighan, Dennis Ritchie; The C Programming Language; Prentice Hall International; ISBN-10:0131103628</a:t>
+              <a:t>        Beam-Optics.pdf, April2011, </a:t>
+            </a:r>
+            <a:r>
+              <a:rPr lang="en-US" altLang="zh-CN" sz="1800" b="0" dirty="0" err="1" smtClean="0">
+                <a:solidFill>
+                  <a:schemeClr val="tx1"/>
+                </a:solidFill>
+                <a:ea typeface="宋体" pitchFamily="2" charset="-122"/>
+              </a:rPr>
+              <a:t>cVIMelles</a:t>
+            </a:r>
+            <a:r>
+              <a:rPr lang="en-US" altLang="zh-CN" sz="1800" b="0" dirty="0" smtClean="0">
+                <a:solidFill>
+                  <a:schemeClr val="tx1"/>
+                </a:solidFill>
+                <a:ea typeface="宋体" pitchFamily="2" charset="-122"/>
+              </a:rPr>
+              <a:t> </a:t>
+            </a:r>
+            <a:r>
+              <a:rPr lang="en-US" altLang="zh-CN" sz="1800" b="0" dirty="0" err="1" smtClean="0">
+                <a:solidFill>
+                  <a:schemeClr val="tx1"/>
+                </a:solidFill>
+                <a:ea typeface="宋体" pitchFamily="2" charset="-122"/>
+              </a:rPr>
+              <a:t>Griot</a:t>
+            </a:r>
+            <a:r>
+              <a:rPr lang="en-US" altLang="zh-CN" sz="1800" b="0" dirty="0" smtClean="0">
+                <a:solidFill>
+                  <a:schemeClr val="tx1"/>
+                </a:solidFill>
+                <a:ea typeface="宋体" pitchFamily="2" charset="-122"/>
+              </a:rPr>
+              <a:t> Technical Guide.</a:t>
             </a:r>
           </a:p>
           <a:p>
             <a:pPr marL="457200" indent="-457200">
-              <a:buFontTx/>
-              <a:buAutoNum type="arabicPeriod"/>
+              <a:buNone/>
             </a:pPr>
-            <a:endParaRPr lang="en-US" altLang="zh-CN" sz="1800" b="0" smtClean="0">
+            <a:r>
+              <a:rPr lang="en-US" altLang="zh-CN" sz="1800" b="0" dirty="0" smtClean="0">
+                <a:solidFill>
+                  <a:schemeClr val="tx1"/>
+                </a:solidFill>
+                <a:ea typeface="宋体" pitchFamily="2" charset="-122"/>
+              </a:rPr>
+              <a:t>10. T.Weiland,“Adiscretizationmethodforthesolutionofmaxwell’sequationsfor</a:t>
+            </a:r>
+          </a:p>
+          <a:p>
+            <a:pPr marL="457200" indent="-457200">
+              <a:buNone/>
+            </a:pPr>
+            <a:r>
+              <a:rPr lang="en-US" altLang="zh-CN" sz="1800" b="0" dirty="0" smtClean="0">
+                <a:solidFill>
+                  <a:schemeClr val="tx1"/>
+                </a:solidFill>
+                <a:ea typeface="宋体" pitchFamily="2" charset="-122"/>
+              </a:rPr>
+              <a:t>        six-</a:t>
+            </a:r>
+            <a:r>
+              <a:rPr lang="en-US" altLang="zh-CN" sz="1800" b="0" dirty="0" err="1" smtClean="0">
+                <a:solidFill>
+                  <a:schemeClr val="tx1"/>
+                </a:solidFill>
+                <a:ea typeface="宋体" pitchFamily="2" charset="-122"/>
+              </a:rPr>
+              <a:t>componentﬁelds</a:t>
+            </a:r>
+            <a:r>
+              <a:rPr lang="en-US" altLang="zh-CN" sz="1800" b="0" dirty="0" smtClean="0">
+                <a:solidFill>
+                  <a:schemeClr val="tx1"/>
+                </a:solidFill>
+                <a:ea typeface="宋体" pitchFamily="2" charset="-122"/>
+              </a:rPr>
+              <a:t>,” ElectronicsandCommunicationsAEUE,vol.Vol.31,</a:t>
+            </a:r>
+          </a:p>
+          <a:p>
+            <a:pPr marL="457200" indent="-457200">
+              <a:buNone/>
+            </a:pPr>
+            <a:r>
+              <a:rPr lang="en-US" altLang="zh-CN" sz="1800" b="0" dirty="0" smtClean="0">
+                <a:solidFill>
+                  <a:schemeClr val="tx1"/>
+                </a:solidFill>
+                <a:ea typeface="宋体" pitchFamily="2" charset="-122"/>
+              </a:rPr>
+              <a:t>        no.3,pp.116–120,1977.</a:t>
+            </a:r>
+          </a:p>
+          <a:p>
+            <a:pPr marL="457200" indent="-457200">
+              <a:buNone/>
+            </a:pPr>
+            <a:r>
+              <a:rPr lang="en-US" altLang="zh-CN" sz="1800" b="0" dirty="0" smtClean="0">
+                <a:solidFill>
+                  <a:schemeClr val="tx1"/>
+                </a:solidFill>
+                <a:ea typeface="宋体" pitchFamily="2" charset="-122"/>
+              </a:rPr>
+              <a:t>11.  U.RienenandT.Weiland,“Triangulardiscretizationmethodfortheevaluation</a:t>
+            </a:r>
+          </a:p>
+          <a:p>
+            <a:pPr marL="457200" indent="-457200">
+              <a:buNone/>
+            </a:pPr>
+            <a:r>
+              <a:rPr lang="en-US" altLang="zh-CN" sz="1800" b="0" dirty="0" smtClean="0">
+                <a:solidFill>
+                  <a:schemeClr val="tx1"/>
+                </a:solidFill>
+                <a:ea typeface="宋体" pitchFamily="2" charset="-122"/>
+              </a:rPr>
+              <a:t>        </a:t>
+            </a:r>
+            <a:r>
+              <a:rPr lang="en-US" altLang="zh-CN" sz="1800" b="0" dirty="0" err="1" smtClean="0">
+                <a:solidFill>
+                  <a:schemeClr val="tx1"/>
+                </a:solidFill>
+                <a:ea typeface="宋体" pitchFamily="2" charset="-122"/>
+              </a:rPr>
+              <a:t>ofrf-ﬁeldsincylindricallysymmetriccavities</a:t>
+            </a:r>
+            <a:r>
+              <a:rPr lang="en-US" altLang="zh-CN" sz="1800" b="0" dirty="0" smtClean="0">
+                <a:solidFill>
+                  <a:schemeClr val="tx1"/>
+                </a:solidFill>
+                <a:ea typeface="宋体" pitchFamily="2" charset="-122"/>
+              </a:rPr>
+              <a:t>,” </a:t>
+            </a:r>
+            <a:r>
+              <a:rPr lang="en-US" altLang="zh-CN" sz="1800" b="0" dirty="0" err="1" smtClean="0">
+                <a:solidFill>
+                  <a:schemeClr val="tx1"/>
+                </a:solidFill>
+                <a:ea typeface="宋体" pitchFamily="2" charset="-122"/>
+              </a:rPr>
+              <a:t>IEEETransactionsonMagnet</a:t>
+            </a:r>
+            <a:r>
+              <a:rPr lang="en-US" altLang="zh-CN" sz="1800" b="0" dirty="0" smtClean="0">
+                <a:solidFill>
+                  <a:schemeClr val="tx1"/>
+                </a:solidFill>
+                <a:ea typeface="宋体" pitchFamily="2" charset="-122"/>
+              </a:rPr>
+              <a:t>-</a:t>
+            </a:r>
+          </a:p>
+          <a:p>
+            <a:pPr marL="457200" indent="-457200">
+              <a:buNone/>
+            </a:pPr>
+            <a:r>
+              <a:rPr lang="en-US" altLang="zh-CN" sz="1800" b="0" dirty="0" smtClean="0">
+                <a:solidFill>
+                  <a:schemeClr val="tx1"/>
+                </a:solidFill>
+                <a:ea typeface="宋体" pitchFamily="2" charset="-122"/>
+              </a:rPr>
+              <a:t>        ics,vol.Vol.MAG-21,No.6,pp.2317–2320,1985.60 Bibliography</a:t>
+            </a:r>
+          </a:p>
+          <a:p>
+            <a:pPr marL="457200" indent="-457200">
+              <a:buNone/>
+            </a:pPr>
+            <a:r>
+              <a:rPr lang="en-US" altLang="zh-CN" sz="1800" b="0" dirty="0" smtClean="0">
+                <a:solidFill>
+                  <a:schemeClr val="tx1"/>
+                </a:solidFill>
+                <a:ea typeface="宋体" pitchFamily="2" charset="-122"/>
+              </a:rPr>
+              <a:t>12.  </a:t>
+            </a:r>
+            <a:r>
+              <a:rPr lang="en-US" altLang="zh-CN" sz="1800" b="0" dirty="0" err="1" smtClean="0">
+                <a:solidFill>
+                  <a:schemeClr val="tx1"/>
+                </a:solidFill>
+                <a:ea typeface="宋体" pitchFamily="2" charset="-122"/>
+              </a:rPr>
+              <a:t>R.SchumannandT.Weiland,“Astableinterpolationtechniqueforfdtdon</a:t>
+            </a:r>
+            <a:endParaRPr lang="en-US" altLang="zh-CN" sz="1800" b="0" dirty="0" smtClean="0">
               <a:solidFill>
                 <a:schemeClr val="tx1"/>
               </a:solidFill>
               <a:ea typeface="宋体" pitchFamily="2" charset="-122"/>
             </a:endParaRPr>
+          </a:p>
+          <a:p>
+            <a:pPr marL="457200" indent="-457200">
+              <a:buNone/>
+            </a:pPr>
+            <a:r>
+              <a:rPr lang="en-US" altLang="zh-CN" sz="1800" b="0" dirty="0" smtClean="0">
+                <a:solidFill>
+                  <a:schemeClr val="tx1"/>
+                </a:solidFill>
+                <a:ea typeface="宋体" pitchFamily="2" charset="-122"/>
+              </a:rPr>
+              <a:t>        </a:t>
+            </a:r>
+            <a:r>
+              <a:rPr lang="en-US" altLang="zh-CN" sz="1800" b="0" dirty="0" err="1" smtClean="0">
+                <a:solidFill>
+                  <a:schemeClr val="tx1"/>
+                </a:solidFill>
+                <a:ea typeface="宋体" pitchFamily="2" charset="-122"/>
+              </a:rPr>
+              <a:t>nonorthogonalgrids</a:t>
+            </a:r>
+            <a:r>
+              <a:rPr lang="en-US" altLang="zh-CN" sz="1800" b="0" dirty="0" smtClean="0">
+                <a:solidFill>
+                  <a:schemeClr val="tx1"/>
+                </a:solidFill>
+                <a:ea typeface="宋体" pitchFamily="2" charset="-122"/>
+              </a:rPr>
+              <a:t>,” </a:t>
+            </a:r>
+            <a:r>
+              <a:rPr lang="en-US" altLang="zh-CN" sz="1800" b="0" dirty="0" err="1" smtClean="0">
+                <a:solidFill>
+                  <a:schemeClr val="tx1"/>
+                </a:solidFill>
+                <a:ea typeface="宋体" pitchFamily="2" charset="-122"/>
+              </a:rPr>
+              <a:t>InternationalJournalonNumericalModelling,vol.Vol</a:t>
+            </a:r>
+            <a:r>
+              <a:rPr lang="en-US" altLang="zh-CN" sz="1800" b="0" dirty="0" smtClean="0">
+                <a:solidFill>
+                  <a:schemeClr val="tx1"/>
+                </a:solidFill>
+                <a:ea typeface="宋体" pitchFamily="2" charset="-122"/>
+              </a:rPr>
+              <a:t>.</a:t>
+            </a:r>
+          </a:p>
+          <a:p>
+            <a:pPr marL="457200" indent="-457200">
+              <a:buNone/>
+            </a:pPr>
+            <a:r>
+              <a:rPr lang="en-US" altLang="zh-CN" sz="1800" b="0" dirty="0" smtClean="0">
+                <a:solidFill>
+                  <a:schemeClr val="tx1"/>
+                </a:solidFill>
+                <a:ea typeface="宋体" pitchFamily="2" charset="-122"/>
+              </a:rPr>
+              <a:t>       11,pp.299–306,1998.</a:t>
+            </a:r>
+          </a:p>
+          <a:p>
+            <a:pPr marL="457200" indent="-457200">
+              <a:buNone/>
+            </a:pPr>
+            <a:r>
+              <a:rPr lang="en-US" altLang="zh-CN" sz="1800" b="0" dirty="0" smtClean="0">
+                <a:solidFill>
+                  <a:schemeClr val="tx1"/>
+                </a:solidFill>
+                <a:ea typeface="宋体" pitchFamily="2" charset="-122"/>
+              </a:rPr>
+              <a:t>13.  </a:t>
+            </a:r>
+            <a:r>
+              <a:rPr lang="en-US" altLang="zh-CN" sz="1800" b="0" dirty="0" err="1" smtClean="0">
+                <a:solidFill>
+                  <a:schemeClr val="tx1"/>
+                </a:solidFill>
+                <a:ea typeface="宋体" pitchFamily="2" charset="-122"/>
+              </a:rPr>
+              <a:t>T.WeilandandR.Schuhmann</a:t>
+            </a:r>
+            <a:r>
+              <a:rPr lang="en-US" altLang="zh-CN" sz="1800" b="0" dirty="0" smtClean="0">
+                <a:solidFill>
+                  <a:schemeClr val="tx1"/>
+                </a:solidFill>
+                <a:ea typeface="宋体" pitchFamily="2" charset="-122"/>
+              </a:rPr>
+              <a:t>, </a:t>
+            </a:r>
+            <a:r>
+              <a:rPr lang="en-US" altLang="zh-CN" sz="1800" b="0" dirty="0" err="1" smtClean="0">
+                <a:solidFill>
+                  <a:schemeClr val="tx1"/>
+                </a:solidFill>
+                <a:ea typeface="宋体" pitchFamily="2" charset="-122"/>
+              </a:rPr>
+              <a:t>Script:ElektromagnetischeFeldsimulation</a:t>
+            </a:r>
+            <a:r>
+              <a:rPr lang="en-US" altLang="zh-CN" sz="1800" b="0" dirty="0" smtClean="0">
+                <a:solidFill>
+                  <a:schemeClr val="tx1"/>
+                </a:solidFill>
+                <a:ea typeface="宋体" pitchFamily="2" charset="-122"/>
+              </a:rPr>
+              <a:t>.</a:t>
+            </a:r>
+          </a:p>
+          <a:p>
+            <a:pPr marL="457200" indent="-457200">
+              <a:buNone/>
+            </a:pPr>
+            <a:r>
+              <a:rPr lang="en-US" altLang="zh-CN" sz="1800" b="0" dirty="0" smtClean="0">
+                <a:solidFill>
+                  <a:schemeClr val="tx1"/>
+                </a:solidFill>
+                <a:ea typeface="宋体" pitchFamily="2" charset="-122"/>
+              </a:rPr>
+              <a:t>        </a:t>
+            </a:r>
+            <a:r>
+              <a:rPr lang="en-US" altLang="zh-CN" sz="1800" b="0" dirty="0" err="1" smtClean="0">
+                <a:solidFill>
+                  <a:schemeClr val="tx1"/>
+                </a:solidFill>
+                <a:ea typeface="宋体" pitchFamily="2" charset="-122"/>
+              </a:rPr>
+              <a:t>FachgebietTheoretischeElektrotechnik,UniversityPaderborn</a:t>
+            </a:r>
+            <a:r>
+              <a:rPr lang="en-US" altLang="zh-CN" sz="1800" b="0" dirty="0" smtClean="0">
+                <a:solidFill>
+                  <a:schemeClr val="tx1"/>
+                </a:solidFill>
+                <a:ea typeface="宋体" pitchFamily="2" charset="-122"/>
+              </a:rPr>
+              <a:t>.</a:t>
+            </a:r>
           </a:p>
         </p:txBody>
       </p:sp>
@@ -9697,13 +13894,730 @@
   <p:transition>
     <p:zoom/>
   </p:transition>
-  <p:timing>
-    <p:tnLst>
-      <p:par>
-        <p:cTn id="1" dur="indefinite" restart="never" nodeType="tmRoot"/>
-      </p:par>
-    </p:tnLst>
-  </p:timing>
+</p:sld>
+</file>
+
+<file path=ppt/slides/slide25.xml><?xml version="1.0" encoding="utf-8"?>
+<p:sld xmlns:a="http://schemas.openxmlformats.org/drawingml/2006/main" xmlns:r="http://schemas.openxmlformats.org/officeDocument/2006/relationships" xmlns:p="http://schemas.openxmlformats.org/presentationml/2006/main">
+  <p:cSld>
+    <p:spTree>
+      <p:nvGrpSpPr>
+        <p:cNvPr id="1" name=""/>
+        <p:cNvGrpSpPr/>
+        <p:nvPr/>
+      </p:nvGrpSpPr>
+      <p:grpSpPr>
+        <a:xfrm>
+          <a:off x="0" y="0"/>
+          <a:ext cx="0" cy="0"/>
+          <a:chOff x="0" y="0"/>
+          <a:chExt cx="0" cy="0"/>
+        </a:xfrm>
+      </p:grpSpPr>
+      <p:sp>
+        <p:nvSpPr>
+          <p:cNvPr id="2" name="Titel 1"/>
+          <p:cNvSpPr>
+            <a:spLocks noGrp="1"/>
+          </p:cNvSpPr>
+          <p:nvPr>
+            <p:ph type="title"/>
+          </p:nvPr>
+        </p:nvSpPr>
+        <p:spPr/>
+        <p:txBody>
+          <a:bodyPr/>
+          <a:lstStyle/>
+          <a:p>
+            <a:endParaRPr lang="zh-CN" altLang="en-US"/>
+          </a:p>
+        </p:txBody>
+      </p:sp>
+      <p:sp>
+        <p:nvSpPr>
+          <p:cNvPr id="3" name="Inhaltsplatzhalter 2"/>
+          <p:cNvSpPr>
+            <a:spLocks noGrp="1"/>
+          </p:cNvSpPr>
+          <p:nvPr>
+            <p:ph idx="1"/>
+          </p:nvPr>
+        </p:nvSpPr>
+        <p:spPr/>
+        <p:txBody>
+          <a:bodyPr/>
+          <a:lstStyle/>
+          <a:p>
+            <a:pPr marL="457200" indent="-457200">
+              <a:buFontTx/>
+              <a:buAutoNum type="arabicPeriod"/>
+            </a:pPr>
+            <a:r>
+              <a:rPr lang="en-US" altLang="zh-CN" sz="1800" b="0" dirty="0" smtClean="0">
+                <a:solidFill>
+                  <a:schemeClr val="tx1"/>
+                </a:solidFill>
+                <a:ea typeface="宋体" pitchFamily="2" charset="-122"/>
+              </a:rPr>
+              <a:t>M.ClemensandT.Weiland,“Discreteelectromagnismwiththeﬁniteintegra-</a:t>
+            </a:r>
+          </a:p>
+          <a:p>
+            <a:pPr marL="457200" indent="-457200">
+              <a:buNone/>
+            </a:pPr>
+            <a:r>
+              <a:rPr lang="en-US" altLang="zh-CN" sz="1800" b="0" dirty="0" smtClean="0">
+                <a:solidFill>
+                  <a:schemeClr val="tx1"/>
+                </a:solidFill>
+                <a:ea typeface="宋体" pitchFamily="2" charset="-122"/>
+              </a:rPr>
+              <a:t>       </a:t>
+            </a:r>
+            <a:r>
+              <a:rPr lang="en-US" altLang="zh-CN" sz="1800" b="0" dirty="0" err="1" smtClean="0">
+                <a:solidFill>
+                  <a:schemeClr val="tx1"/>
+                </a:solidFill>
+                <a:ea typeface="宋体" pitchFamily="2" charset="-122"/>
+              </a:rPr>
+              <a:t>tiontechnique</a:t>
+            </a:r>
+            <a:r>
+              <a:rPr lang="en-US" altLang="zh-CN" sz="1800" b="0" dirty="0" smtClean="0">
+                <a:solidFill>
+                  <a:schemeClr val="tx1"/>
+                </a:solidFill>
+                <a:ea typeface="宋体" pitchFamily="2" charset="-122"/>
+              </a:rPr>
+              <a:t>,” ProgressInElectromagneticsResearch,vol.PIER32,pp.</a:t>
+            </a:r>
+          </a:p>
+          <a:p>
+            <a:pPr marL="457200" indent="-457200">
+              <a:buNone/>
+            </a:pPr>
+            <a:r>
+              <a:rPr lang="en-US" altLang="zh-CN" sz="1800" b="0" dirty="0" smtClean="0">
+                <a:solidFill>
+                  <a:schemeClr val="tx1"/>
+                </a:solidFill>
+                <a:ea typeface="宋体" pitchFamily="2" charset="-122"/>
+              </a:rPr>
+              <a:t>       65–87,2001.</a:t>
+            </a:r>
+          </a:p>
+          <a:p>
+            <a:pPr marL="457200" indent="-457200">
+              <a:buFontTx/>
+              <a:buAutoNum type="arabicPeriod"/>
+            </a:pPr>
+            <a:r>
+              <a:rPr lang="en-US" altLang="zh-CN" sz="1800" b="0" dirty="0" smtClean="0">
+                <a:solidFill>
+                  <a:schemeClr val="tx1"/>
+                </a:solidFill>
+                <a:ea typeface="宋体" pitchFamily="2" charset="-122"/>
+              </a:rPr>
+              <a:t> AgilentAN154S-ParameterDesign,AgilentTechnologies,</a:t>
+            </a:r>
+          </a:p>
+          <a:p>
+            <a:pPr marL="457200" indent="-457200">
+              <a:buNone/>
+            </a:pPr>
+            <a:r>
+              <a:rPr lang="en-US" altLang="zh-CN" sz="1800" b="0" dirty="0" smtClean="0">
+                <a:solidFill>
+                  <a:schemeClr val="tx1"/>
+                </a:solidFill>
+                <a:ea typeface="宋体" pitchFamily="2" charset="-122"/>
+              </a:rPr>
+              <a:t>        http://cp.literature.agilent.com/litweb/pdf/5952-1087.pdf,April2011,ap-</a:t>
+            </a:r>
+          </a:p>
+          <a:p>
+            <a:pPr marL="457200" indent="-457200">
+              <a:buNone/>
+            </a:pPr>
+            <a:r>
+              <a:rPr lang="en-US" altLang="zh-CN" sz="1800" b="0" dirty="0" smtClean="0">
+                <a:solidFill>
+                  <a:schemeClr val="tx1"/>
+                </a:solidFill>
+                <a:ea typeface="宋体" pitchFamily="2" charset="-122"/>
+              </a:rPr>
+              <a:t>        </a:t>
+            </a:r>
+            <a:r>
+              <a:rPr lang="en-US" altLang="zh-CN" sz="1800" b="0" dirty="0" err="1" smtClean="0">
+                <a:solidFill>
+                  <a:schemeClr val="tx1"/>
+                </a:solidFill>
+                <a:ea typeface="宋体" pitchFamily="2" charset="-122"/>
+              </a:rPr>
+              <a:t>plicationNote</a:t>
+            </a:r>
+            <a:r>
+              <a:rPr lang="en-US" altLang="zh-CN" sz="1800" b="0" dirty="0" smtClean="0">
+                <a:solidFill>
+                  <a:schemeClr val="tx1"/>
+                </a:solidFill>
+                <a:ea typeface="宋体" pitchFamily="2" charset="-122"/>
+              </a:rPr>
+              <a:t>.</a:t>
+            </a:r>
+          </a:p>
+          <a:p>
+            <a:pPr marL="457200" indent="-457200">
+              <a:buFontTx/>
+              <a:buAutoNum type="arabicPeriod"/>
+            </a:pPr>
+            <a:r>
+              <a:rPr lang="en-US" altLang="zh-CN" sz="1800" b="0" dirty="0" smtClean="0">
+                <a:solidFill>
+                  <a:schemeClr val="tx1"/>
+                </a:solidFill>
+                <a:ea typeface="宋体" pitchFamily="2" charset="-122"/>
+              </a:rPr>
+              <a:t>S-</a:t>
+            </a:r>
+            <a:r>
+              <a:rPr lang="en-US" altLang="zh-CN" sz="1800" b="0" dirty="0" err="1" smtClean="0">
+                <a:solidFill>
+                  <a:schemeClr val="tx1"/>
+                </a:solidFill>
+                <a:ea typeface="宋体" pitchFamily="2" charset="-122"/>
+              </a:rPr>
+              <a:t>ParameterHandout,UniversityofSanDiego</a:t>
+            </a:r>
+            <a:r>
+              <a:rPr lang="en-US" altLang="zh-CN" sz="1800" b="0" dirty="0" smtClean="0">
+                <a:solidFill>
+                  <a:schemeClr val="tx1"/>
+                </a:solidFill>
+                <a:ea typeface="宋体" pitchFamily="2" charset="-122"/>
+              </a:rPr>
+              <a:t>,</a:t>
+            </a:r>
+          </a:p>
+          <a:p>
+            <a:pPr marL="457200" indent="-457200">
+              <a:buNone/>
+            </a:pPr>
+            <a:r>
+              <a:rPr lang="en-US" altLang="zh-CN" sz="1800" b="0" dirty="0" smtClean="0">
+                <a:solidFill>
+                  <a:schemeClr val="tx1"/>
+                </a:solidFill>
+                <a:ea typeface="宋体" pitchFamily="2" charset="-122"/>
+              </a:rPr>
+              <a:t>        http://home.sandiego.edu/ekim/e194rfs01/,April2011,eEE194RF.</a:t>
+            </a:r>
+          </a:p>
+          <a:p>
+            <a:pPr marL="457200" indent="-457200">
+              <a:buFontTx/>
+              <a:buAutoNum type="arabicPeriod"/>
+            </a:pPr>
+            <a:r>
+              <a:rPr lang="en-US" altLang="zh-CN" sz="1800" b="0" dirty="0" smtClean="0">
+                <a:solidFill>
+                  <a:schemeClr val="tx1"/>
+                </a:solidFill>
+                <a:ea typeface="宋体" pitchFamily="2" charset="-122"/>
+              </a:rPr>
+              <a:t> </a:t>
+            </a:r>
+            <a:r>
+              <a:rPr lang="en-US" altLang="zh-CN" sz="1800" b="0" dirty="0" err="1" smtClean="0">
+                <a:solidFill>
+                  <a:schemeClr val="tx1"/>
+                </a:solidFill>
+                <a:ea typeface="宋体" pitchFamily="2" charset="-122"/>
+              </a:rPr>
+              <a:t>LensedFibers,NanonicsImagingLtd.,http</a:t>
+            </a:r>
+            <a:r>
+              <a:rPr lang="en-US" altLang="zh-CN" sz="1800" b="0" dirty="0" smtClean="0">
+                <a:solidFill>
+                  <a:schemeClr val="tx1"/>
+                </a:solidFill>
+                <a:ea typeface="宋体" pitchFamily="2" charset="-122"/>
+              </a:rPr>
+              <a:t>://</a:t>
+            </a:r>
+            <a:r>
+              <a:rPr lang="en-US" altLang="zh-CN" sz="1800" b="0" dirty="0" err="1" smtClean="0">
+                <a:solidFill>
+                  <a:schemeClr val="tx1"/>
+                </a:solidFill>
+                <a:ea typeface="宋体" pitchFamily="2" charset="-122"/>
+              </a:rPr>
+              <a:t>www.nanonics.co.il</a:t>
+            </a:r>
+            <a:r>
+              <a:rPr lang="en-US" altLang="zh-CN" sz="1800" b="0" dirty="0" smtClean="0">
+                <a:solidFill>
+                  <a:schemeClr val="tx1"/>
+                </a:solidFill>
+                <a:ea typeface="宋体" pitchFamily="2" charset="-122"/>
+              </a:rPr>
+              <a:t>/</a:t>
+            </a:r>
+            <a:r>
+              <a:rPr lang="en-US" altLang="zh-CN" sz="1800" b="0" dirty="0" err="1" smtClean="0">
+                <a:solidFill>
+                  <a:schemeClr val="tx1"/>
+                </a:solidFill>
+                <a:ea typeface="宋体" pitchFamily="2" charset="-122"/>
+              </a:rPr>
+              <a:t>lensed</a:t>
+            </a:r>
+            <a:r>
+              <a:rPr lang="en-US" altLang="zh-CN" sz="1800" b="0" dirty="0" smtClean="0">
+                <a:solidFill>
+                  <a:schemeClr val="tx1"/>
+                </a:solidFill>
+                <a:ea typeface="宋体" pitchFamily="2" charset="-122"/>
+              </a:rPr>
+              <a:t>-</a:t>
+            </a:r>
+          </a:p>
+          <a:p>
+            <a:pPr marL="457200" indent="-457200">
+              <a:buNone/>
+            </a:pPr>
+            <a:r>
+              <a:rPr lang="en-US" altLang="zh-CN" sz="1800" b="0" dirty="0" smtClean="0">
+                <a:solidFill>
+                  <a:schemeClr val="tx1"/>
+                </a:solidFill>
+                <a:ea typeface="宋体" pitchFamily="2" charset="-122"/>
+              </a:rPr>
+              <a:t>        ﬁbers.html,April2011,applicationNote.</a:t>
+            </a:r>
+          </a:p>
+          <a:p>
+            <a:pPr marL="457200" indent="-457200">
+              <a:buFontTx/>
+              <a:buAutoNum type="arabicPeriod"/>
+            </a:pPr>
+            <a:r>
+              <a:rPr lang="en-US" altLang="zh-CN" sz="1800" b="0" dirty="0" err="1" smtClean="0">
+                <a:solidFill>
+                  <a:schemeClr val="tx1"/>
+                </a:solidFill>
+                <a:ea typeface="宋体" pitchFamily="2" charset="-122"/>
+              </a:rPr>
+              <a:t>A.S.DwariandS.Sanyal,“Analysisoflineartaperedwaveguide</a:t>
+            </a:r>
+            <a:r>
+              <a:rPr lang="en-US" altLang="zh-CN" sz="1800" b="0" dirty="0" smtClean="0">
+                <a:solidFill>
+                  <a:schemeClr val="tx1"/>
+                </a:solidFill>
+                <a:ea typeface="宋体" pitchFamily="2" charset="-122"/>
+              </a:rPr>
+              <a:t>,” </a:t>
+            </a:r>
+            <a:r>
+              <a:rPr lang="en-US" altLang="zh-CN" sz="1800" b="0" dirty="0" err="1" smtClean="0">
+                <a:solidFill>
+                  <a:schemeClr val="tx1"/>
+                </a:solidFill>
+                <a:ea typeface="宋体" pitchFamily="2" charset="-122"/>
+              </a:rPr>
+              <a:t>ProgressIn</a:t>
+            </a:r>
+            <a:endParaRPr lang="en-US" altLang="zh-CN" sz="1800" b="0" dirty="0" smtClean="0">
+              <a:solidFill>
+                <a:schemeClr val="tx1"/>
+              </a:solidFill>
+              <a:ea typeface="宋体" pitchFamily="2" charset="-122"/>
+            </a:endParaRPr>
+          </a:p>
+          <a:p>
+            <a:pPr marL="457200" indent="-457200">
+              <a:buNone/>
+            </a:pPr>
+            <a:r>
+              <a:rPr lang="en-US" altLang="zh-CN" sz="1800" b="0" dirty="0" smtClean="0">
+                <a:solidFill>
+                  <a:schemeClr val="tx1"/>
+                </a:solidFill>
+                <a:ea typeface="宋体" pitchFamily="2" charset="-122"/>
+              </a:rPr>
+              <a:t>       ElectromagnicsResearch,vol.PIER64,pp.219–238,2006.</a:t>
+            </a:r>
+          </a:p>
+          <a:p>
+            <a:pPr marL="457200" indent="-457200">
+              <a:buFontTx/>
+              <a:buAutoNum type="arabicPeriod"/>
+            </a:pPr>
+            <a:r>
+              <a:rPr lang="en-US" altLang="zh-CN" sz="1800" b="0" dirty="0" smtClean="0">
+                <a:solidFill>
+                  <a:schemeClr val="tx1"/>
+                </a:solidFill>
+                <a:ea typeface="宋体" pitchFamily="2" charset="-122"/>
+              </a:rPr>
+              <a:t>M.BelangerandG.L.Yip,“Modeconversionanalysisinasingle-modeplannar</a:t>
+            </a:r>
+          </a:p>
+          <a:p>
+            <a:pPr marL="457200" indent="-457200">
+              <a:buNone/>
+            </a:pPr>
+            <a:r>
+              <a:rPr lang="en-US" altLang="zh-CN" sz="1800" b="0" dirty="0" smtClean="0">
+                <a:solidFill>
+                  <a:schemeClr val="tx1"/>
+                </a:solidFill>
+                <a:ea typeface="宋体" pitchFamily="2" charset="-122"/>
+              </a:rPr>
+              <a:t>       </a:t>
+            </a:r>
+            <a:r>
+              <a:rPr lang="en-US" altLang="zh-CN" sz="1800" b="0" dirty="0" err="1" smtClean="0">
+                <a:solidFill>
+                  <a:schemeClr val="tx1"/>
+                </a:solidFill>
+                <a:ea typeface="宋体" pitchFamily="2" charset="-122"/>
+              </a:rPr>
+              <a:t>taperopticalwaveguide</a:t>
+            </a:r>
+            <a:r>
+              <a:rPr lang="en-US" altLang="zh-CN" sz="1800" b="0" dirty="0" smtClean="0">
+                <a:solidFill>
+                  <a:schemeClr val="tx1"/>
+                </a:solidFill>
+                <a:ea typeface="宋体" pitchFamily="2" charset="-122"/>
+              </a:rPr>
+              <a:t>,” AppliedScientiﬁcResearch,vol.Vol.41,pp.305–</a:t>
+            </a:r>
+          </a:p>
+          <a:p>
+            <a:pPr marL="457200" indent="-457200">
+              <a:buNone/>
+            </a:pPr>
+            <a:r>
+              <a:rPr lang="en-US" altLang="zh-CN" sz="1800" b="0" dirty="0" smtClean="0">
+                <a:solidFill>
+                  <a:schemeClr val="tx1"/>
+                </a:solidFill>
+                <a:ea typeface="宋体" pitchFamily="2" charset="-122"/>
+              </a:rPr>
+              <a:t>       314,1984.</a:t>
+            </a:r>
+          </a:p>
+          <a:p>
+            <a:pPr marL="457200" indent="-457200">
+              <a:buFontTx/>
+              <a:buAutoNum type="arabicPeriod"/>
+            </a:pPr>
+            <a:r>
+              <a:rPr lang="en-US" altLang="zh-CN" sz="1800" b="0" dirty="0" smtClean="0">
+                <a:solidFill>
+                  <a:schemeClr val="tx1"/>
+                </a:solidFill>
+                <a:ea typeface="宋体" pitchFamily="2" charset="-122"/>
+              </a:rPr>
+              <a:t>A.P.EwoldVerhagenandL.Kuipers,“Nanofocusinginlaterallytaperedplas-</a:t>
+            </a:r>
+          </a:p>
+          <a:p>
+            <a:pPr marL="457200" indent="-457200">
+              <a:buNone/>
+            </a:pPr>
+            <a:r>
+              <a:rPr lang="en-US" altLang="zh-CN" sz="1800" b="0" dirty="0" smtClean="0">
+                <a:solidFill>
+                  <a:schemeClr val="tx1"/>
+                </a:solidFill>
+                <a:ea typeface="宋体" pitchFamily="2" charset="-122"/>
+              </a:rPr>
+              <a:t>       </a:t>
+            </a:r>
+            <a:r>
+              <a:rPr lang="en-US" altLang="zh-CN" sz="1800" b="0" dirty="0" err="1" smtClean="0">
+                <a:solidFill>
+                  <a:schemeClr val="tx1"/>
+                </a:solidFill>
+                <a:ea typeface="宋体" pitchFamily="2" charset="-122"/>
+              </a:rPr>
+              <a:t>monicwaveguides</a:t>
+            </a:r>
+            <a:r>
+              <a:rPr lang="en-US" altLang="zh-CN" sz="1800" b="0" dirty="0" smtClean="0">
+                <a:solidFill>
+                  <a:schemeClr val="tx1"/>
+                </a:solidFill>
+                <a:ea typeface="宋体" pitchFamily="2" charset="-122"/>
+              </a:rPr>
+              <a:t>,” Opticsexpress,vol.Vol.16,pp.45–57,January2008.</a:t>
+            </a:r>
+          </a:p>
+          <a:p>
+            <a:endParaRPr lang="zh-CN" altLang="en-US" dirty="0"/>
+          </a:p>
+        </p:txBody>
+      </p:sp>
+    </p:spTree>
+  </p:cSld>
+  <p:clrMapOvr>
+    <a:masterClrMapping/>
+  </p:clrMapOvr>
+  <p:transition>
+    <p:zoom/>
+  </p:transition>
+</p:sld>
+</file>
+
+<file path=ppt/slides/slide26.xml><?xml version="1.0" encoding="utf-8"?>
+<p:sld xmlns:a="http://schemas.openxmlformats.org/drawingml/2006/main" xmlns:r="http://schemas.openxmlformats.org/officeDocument/2006/relationships" xmlns:p="http://schemas.openxmlformats.org/presentationml/2006/main">
+  <p:cSld>
+    <p:spTree>
+      <p:nvGrpSpPr>
+        <p:cNvPr id="1" name=""/>
+        <p:cNvGrpSpPr/>
+        <p:nvPr/>
+      </p:nvGrpSpPr>
+      <p:grpSpPr>
+        <a:xfrm>
+          <a:off x="0" y="0"/>
+          <a:ext cx="0" cy="0"/>
+          <a:chOff x="0" y="0"/>
+          <a:chExt cx="0" cy="0"/>
+        </a:xfrm>
+      </p:grpSpPr>
+      <p:sp>
+        <p:nvSpPr>
+          <p:cNvPr id="2" name="Titel 1"/>
+          <p:cNvSpPr>
+            <a:spLocks noGrp="1"/>
+          </p:cNvSpPr>
+          <p:nvPr>
+            <p:ph type="title"/>
+          </p:nvPr>
+        </p:nvSpPr>
+        <p:spPr/>
+        <p:txBody>
+          <a:bodyPr/>
+          <a:lstStyle/>
+          <a:p>
+            <a:endParaRPr lang="zh-CN" altLang="en-US"/>
+          </a:p>
+        </p:txBody>
+      </p:sp>
+      <p:sp>
+        <p:nvSpPr>
+          <p:cNvPr id="3" name="Inhaltsplatzhalter 2"/>
+          <p:cNvSpPr>
+            <a:spLocks noGrp="1"/>
+          </p:cNvSpPr>
+          <p:nvPr>
+            <p:ph idx="1"/>
+          </p:nvPr>
+        </p:nvSpPr>
+        <p:spPr/>
+        <p:txBody>
+          <a:bodyPr/>
+          <a:lstStyle/>
+          <a:p>
+            <a:pPr marL="457200" indent="-457200">
+              <a:buFontTx/>
+              <a:buAutoNum type="arabicPeriod"/>
+            </a:pPr>
+            <a:r>
+              <a:rPr lang="en-US" altLang="zh-CN" sz="1800" b="0" dirty="0" err="1" smtClean="0">
+                <a:solidFill>
+                  <a:schemeClr val="tx1"/>
+                </a:solidFill>
+                <a:ea typeface="宋体" pitchFamily="2" charset="-122"/>
+              </a:rPr>
+              <a:t>H.C.A.EdwardsandC.Dragone,“Idealmicrolensesforlasertoﬁbercou</a:t>
+            </a:r>
+            <a:r>
+              <a:rPr lang="en-US" altLang="zh-CN" sz="1800" b="0" dirty="0" smtClean="0">
+                <a:solidFill>
+                  <a:schemeClr val="tx1"/>
+                </a:solidFill>
+                <a:ea typeface="宋体" pitchFamily="2" charset="-122"/>
+              </a:rPr>
+              <a:t>-</a:t>
+            </a:r>
+          </a:p>
+          <a:p>
+            <a:pPr marL="457200" indent="-457200">
+              <a:buNone/>
+            </a:pPr>
+            <a:r>
+              <a:rPr lang="en-US" altLang="zh-CN" sz="1800" b="0" dirty="0" smtClean="0">
+                <a:solidFill>
+                  <a:schemeClr val="tx1"/>
+                </a:solidFill>
+                <a:ea typeface="宋体" pitchFamily="2" charset="-122"/>
+              </a:rPr>
+              <a:t>       </a:t>
+            </a:r>
+            <a:r>
+              <a:rPr lang="en-US" altLang="zh-CN" sz="1800" b="0" dirty="0" err="1" smtClean="0">
+                <a:solidFill>
+                  <a:schemeClr val="tx1"/>
+                </a:solidFill>
+                <a:ea typeface="宋体" pitchFamily="2" charset="-122"/>
+              </a:rPr>
+              <a:t>pling</a:t>
+            </a:r>
+            <a:r>
+              <a:rPr lang="en-US" altLang="zh-CN" sz="1800" b="0" dirty="0" smtClean="0">
+                <a:solidFill>
+                  <a:schemeClr val="tx1"/>
+                </a:solidFill>
+                <a:ea typeface="宋体" pitchFamily="2" charset="-122"/>
+              </a:rPr>
+              <a:t>,” Journaloflightwavetechnology,vol.Vol.11,pp.252–257,1993.</a:t>
+            </a:r>
+          </a:p>
+          <a:p>
+            <a:pPr marL="457200" indent="-457200">
+              <a:buFontTx/>
+              <a:buAutoNum type="arabicPeriod"/>
+            </a:pPr>
+            <a:r>
+              <a:rPr lang="en-US" altLang="zh-CN" sz="1800" b="0" dirty="0" err="1" smtClean="0">
+                <a:solidFill>
+                  <a:schemeClr val="tx1"/>
+                </a:solidFill>
+                <a:ea typeface="宋体" pitchFamily="2" charset="-122"/>
+              </a:rPr>
+              <a:t>K.I.K.Shiraishi,N.OyamaandS.Suga,“Aﬁberlenswithalongworkingdis</a:t>
+            </a:r>
+            <a:r>
+              <a:rPr lang="en-US" altLang="zh-CN" sz="1800" b="0" dirty="0" smtClean="0">
+                <a:solidFill>
+                  <a:schemeClr val="tx1"/>
+                </a:solidFill>
+                <a:ea typeface="宋体" pitchFamily="2" charset="-122"/>
+              </a:rPr>
+              <a:t>-</a:t>
+            </a:r>
+          </a:p>
+          <a:p>
+            <a:pPr marL="457200" indent="-457200">
+              <a:buNone/>
+            </a:pPr>
+            <a:r>
+              <a:rPr lang="en-US" altLang="zh-CN" sz="1800" b="0" dirty="0" smtClean="0">
+                <a:solidFill>
+                  <a:schemeClr val="tx1"/>
+                </a:solidFill>
+                <a:ea typeface="宋体" pitchFamily="2" charset="-122"/>
+              </a:rPr>
+              <a:t>       </a:t>
+            </a:r>
+            <a:r>
+              <a:rPr lang="en-US" altLang="zh-CN" sz="1800" b="0" dirty="0" err="1" smtClean="0">
+                <a:solidFill>
+                  <a:schemeClr val="tx1"/>
+                </a:solidFill>
+                <a:ea typeface="宋体" pitchFamily="2" charset="-122"/>
+              </a:rPr>
+              <a:t>tanceforintegratedcouplingbetweenlaserdiodesandsingle-modeﬁbers</a:t>
+            </a:r>
+            <a:r>
+              <a:rPr lang="en-US" altLang="zh-CN" sz="1800" b="0" dirty="0" smtClean="0">
+                <a:solidFill>
+                  <a:schemeClr val="tx1"/>
+                </a:solidFill>
+                <a:ea typeface="宋体" pitchFamily="2" charset="-122"/>
+              </a:rPr>
+              <a:t>,”</a:t>
+            </a:r>
+          </a:p>
+          <a:p>
+            <a:pPr marL="457200" indent="-457200">
+              <a:buNone/>
+            </a:pPr>
+            <a:r>
+              <a:rPr lang="en-US" altLang="zh-CN" sz="1800" b="0" dirty="0" smtClean="0">
+                <a:solidFill>
+                  <a:schemeClr val="tx1"/>
+                </a:solidFill>
+                <a:ea typeface="宋体" pitchFamily="2" charset="-122"/>
+              </a:rPr>
+              <a:t>       Journaloflightwavetechnology,vol.Vol.13,pp.1736–1744,1995.</a:t>
+            </a:r>
+          </a:p>
+          <a:p>
+            <a:pPr marL="457200" indent="-457200">
+              <a:buFontTx/>
+              <a:buAutoNum type="arabicPeriod"/>
+            </a:pPr>
+            <a:r>
+              <a:rPr lang="en-US" altLang="zh-CN" sz="1800" b="0" dirty="0" err="1" smtClean="0">
+                <a:solidFill>
+                  <a:schemeClr val="tx1"/>
+                </a:solidFill>
+                <a:ea typeface="宋体" pitchFamily="2" charset="-122"/>
+              </a:rPr>
+              <a:t>S.M.SASAKI,T.ANDOandK.HANE,“Directphotolithographyonopticalﬁber</a:t>
+            </a:r>
+            <a:endParaRPr lang="en-US" altLang="zh-CN" sz="1800" b="0" dirty="0" smtClean="0">
+              <a:solidFill>
+                <a:schemeClr val="tx1"/>
+              </a:solidFill>
+              <a:ea typeface="宋体" pitchFamily="2" charset="-122"/>
+            </a:endParaRPr>
+          </a:p>
+          <a:p>
+            <a:pPr marL="457200" indent="-457200">
+              <a:buNone/>
+            </a:pPr>
+            <a:r>
+              <a:rPr lang="en-US" altLang="zh-CN" sz="1800" b="0" dirty="0" smtClean="0">
+                <a:solidFill>
+                  <a:schemeClr val="tx1"/>
+                </a:solidFill>
+                <a:ea typeface="宋体" pitchFamily="2" charset="-122"/>
+              </a:rPr>
+              <a:t>        end,” Jpn.J.Appl.Phys.,vol.Vol.41,pp.4350–4355,2002</a:t>
+            </a:r>
+            <a:endParaRPr lang="de-DE" altLang="zh-CN" sz="1800" b="0" dirty="0" smtClean="0">
+              <a:solidFill>
+                <a:schemeClr val="tx1"/>
+              </a:solidFill>
+              <a:ea typeface="宋体" pitchFamily="2" charset="-122"/>
+            </a:endParaRPr>
+          </a:p>
+          <a:p>
+            <a:pPr marL="457200" indent="-457200">
+              <a:buFontTx/>
+              <a:buAutoNum type="arabicPeriod"/>
+            </a:pPr>
+            <a:endParaRPr lang="zh-CN" altLang="en-US" sz="1800" b="0" dirty="0" smtClean="0">
+              <a:solidFill>
+                <a:schemeClr val="tx1"/>
+              </a:solidFill>
+              <a:ea typeface="宋体" pitchFamily="2" charset="-122"/>
+            </a:endParaRPr>
+          </a:p>
+          <a:p>
+            <a:endParaRPr lang="zh-CN" altLang="en-US" dirty="0"/>
+          </a:p>
+        </p:txBody>
+      </p:sp>
+    </p:spTree>
+  </p:cSld>
+  <p:clrMapOvr>
+    <a:masterClrMapping/>
+  </p:clrMapOvr>
+  <p:transition>
+    <p:zoom/>
+  </p:transition>
 </p:sld>
 </file>
 
@@ -10074,7 +14988,189 @@
   <p:timing>
     <p:tnLst>
       <p:par>
-        <p:cTn id="1" dur="indefinite" restart="never" nodeType="tmRoot"/>
+        <p:cTn id="1" dur="indefinite" restart="never" nodeType="tmRoot">
+          <p:childTnLst>
+            <p:seq concurrent="1" nextAc="seek">
+              <p:cTn id="2" dur="indefinite" nodeType="mainSeq">
+                <p:childTnLst>
+                  <p:par>
+                    <p:cTn id="3" fill="hold">
+                      <p:stCondLst>
+                        <p:cond delay="indefinite"/>
+                      </p:stCondLst>
+                      <p:childTnLst>
+                        <p:par>
+                          <p:cTn id="4" fill="hold">
+                            <p:stCondLst>
+                              <p:cond delay="0"/>
+                            </p:stCondLst>
+                            <p:childTnLst>
+                              <p:par>
+                                <p:cTn id="5" presetID="3" presetClass="entr" presetSubtype="10" fill="hold" nodeType="clickEffect">
+                                  <p:stCondLst>
+                                    <p:cond delay="0"/>
+                                  </p:stCondLst>
+                                  <p:childTnLst>
+                                    <p:set>
+                                      <p:cBhvr>
+                                        <p:cTn id="6" dur="1" fill="hold">
+                                          <p:stCondLst>
+                                            <p:cond delay="0"/>
+                                          </p:stCondLst>
+                                        </p:cTn>
+                                        <p:tgtEl>
+                                          <p:spTgt spid="5"/>
+                                        </p:tgtEl>
+                                        <p:attrNameLst>
+                                          <p:attrName>style.visibility</p:attrName>
+                                        </p:attrNameLst>
+                                      </p:cBhvr>
+                                      <p:to>
+                                        <p:strVal val="visible"/>
+                                      </p:to>
+                                    </p:set>
+                                    <p:animEffect transition="in" filter="blinds(horizontal)">
+                                      <p:cBhvr>
+                                        <p:cTn id="7" dur="500"/>
+                                        <p:tgtEl>
+                                          <p:spTgt spid="5"/>
+                                        </p:tgtEl>
+                                      </p:cBhvr>
+                                    </p:animEffect>
+                                  </p:childTnLst>
+                                </p:cTn>
+                              </p:par>
+                            </p:childTnLst>
+                          </p:cTn>
+                        </p:par>
+                      </p:childTnLst>
+                    </p:cTn>
+                  </p:par>
+                  <p:par>
+                    <p:cTn id="8" fill="hold">
+                      <p:stCondLst>
+                        <p:cond delay="indefinite"/>
+                      </p:stCondLst>
+                      <p:childTnLst>
+                        <p:par>
+                          <p:cTn id="9" fill="hold">
+                            <p:stCondLst>
+                              <p:cond delay="0"/>
+                            </p:stCondLst>
+                            <p:childTnLst>
+                              <p:par>
+                                <p:cTn id="10" presetID="3" presetClass="entr" presetSubtype="10" fill="hold" nodeType="clickEffect">
+                                  <p:stCondLst>
+                                    <p:cond delay="0"/>
+                                  </p:stCondLst>
+                                  <p:childTnLst>
+                                    <p:set>
+                                      <p:cBhvr>
+                                        <p:cTn id="11" dur="1" fill="hold">
+                                          <p:stCondLst>
+                                            <p:cond delay="0"/>
+                                          </p:stCondLst>
+                                        </p:cTn>
+                                        <p:tgtEl>
+                                          <p:spTgt spid="6"/>
+                                        </p:tgtEl>
+                                        <p:attrNameLst>
+                                          <p:attrName>style.visibility</p:attrName>
+                                        </p:attrNameLst>
+                                      </p:cBhvr>
+                                      <p:to>
+                                        <p:strVal val="visible"/>
+                                      </p:to>
+                                    </p:set>
+                                    <p:animEffect transition="in" filter="blinds(horizontal)">
+                                      <p:cBhvr>
+                                        <p:cTn id="12" dur="500"/>
+                                        <p:tgtEl>
+                                          <p:spTgt spid="6"/>
+                                        </p:tgtEl>
+                                      </p:cBhvr>
+                                    </p:animEffect>
+                                  </p:childTnLst>
+                                </p:cTn>
+                              </p:par>
+                            </p:childTnLst>
+                          </p:cTn>
+                        </p:par>
+                      </p:childTnLst>
+                    </p:cTn>
+                  </p:par>
+                  <p:par>
+                    <p:cTn id="13" fill="hold">
+                      <p:stCondLst>
+                        <p:cond delay="indefinite"/>
+                      </p:stCondLst>
+                      <p:childTnLst>
+                        <p:par>
+                          <p:cTn id="14" fill="hold">
+                            <p:stCondLst>
+                              <p:cond delay="0"/>
+                            </p:stCondLst>
+                            <p:childTnLst>
+                              <p:par>
+                                <p:cTn id="15" presetID="3" presetClass="entr" presetSubtype="10" fill="hold" nodeType="clickEffect">
+                                  <p:stCondLst>
+                                    <p:cond delay="0"/>
+                                  </p:stCondLst>
+                                  <p:childTnLst>
+                                    <p:set>
+                                      <p:cBhvr>
+                                        <p:cTn id="16" dur="1" fill="hold">
+                                          <p:stCondLst>
+                                            <p:cond delay="0"/>
+                                          </p:stCondLst>
+                                        </p:cTn>
+                                        <p:tgtEl>
+                                          <p:spTgt spid="3074"/>
+                                        </p:tgtEl>
+                                        <p:attrNameLst>
+                                          <p:attrName>style.visibility</p:attrName>
+                                        </p:attrNameLst>
+                                      </p:cBhvr>
+                                      <p:to>
+                                        <p:strVal val="visible"/>
+                                      </p:to>
+                                    </p:set>
+                                    <p:animEffect transition="in" filter="blinds(horizontal)">
+                                      <p:cBhvr>
+                                        <p:cTn id="17" dur="500"/>
+                                        <p:tgtEl>
+                                          <p:spTgt spid="3074"/>
+                                        </p:tgtEl>
+                                      </p:cBhvr>
+                                    </p:animEffect>
+                                  </p:childTnLst>
+                                </p:cTn>
+                              </p:par>
+                            </p:childTnLst>
+                          </p:cTn>
+                        </p:par>
+                      </p:childTnLst>
+                    </p:cTn>
+                  </p:par>
+                </p:childTnLst>
+              </p:cTn>
+              <p:prevCondLst>
+                <p:cond evt="onPrev" delay="0">
+                  <p:tgtEl>
+                    <p:sldTgt/>
+                  </p:tgtEl>
+                </p:cond>
+              </p:prevCondLst>
+              <p:nextCondLst>
+                <p:cond evt="onNext" delay="0">
+                  <p:tgtEl>
+                    <p:sldTgt/>
+                  </p:tgtEl>
+                </p:cond>
+              </p:nextCondLst>
+            </p:seq>
+          </p:childTnLst>
+        </p:cTn>
       </p:par>
     </p:tnLst>
   </p:timing>
@@ -11499,7 +16595,7 @@
         <p:spPr bwMode="auto">
           <a:xfrm>
             <a:off x="80930" y="5270763"/>
-            <a:ext cx="5387980" cy="331471"/>
+            <a:ext cx="5032442" cy="331471"/>
           </a:xfrm>
           <a:prstGeom prst="rect">
             <a:avLst/>
@@ -11679,6 +16775,13 @@
   <p:transition>
     <p:zoom/>
   </p:transition>
+  <p:timing>
+    <p:tnLst>
+      <p:par>
+        <p:cTn id="1" dur="indefinite" restart="never" nodeType="tmRoot"/>
+      </p:par>
+    </p:tnLst>
+  </p:timing>
 </p:sld>
 </file>
 
@@ -11895,6 +16998,13 @@
   <p:transition>
     <p:zoom/>
   </p:transition>
+  <p:timing>
+    <p:tnLst>
+      <p:par>
+        <p:cTn id="1" dur="indefinite" restart="never" nodeType="tmRoot"/>
+      </p:par>
+    </p:tnLst>
+  </p:timing>
 </p:sld>
 </file>
 
@@ -12348,6 +17458,13 @@
   <p:transition>
     <p:zoom/>
   </p:transition>
+  <p:timing>
+    <p:tnLst>
+      <p:par>
+        <p:cTn id="1" dur="indefinite" restart="never" nodeType="tmRoot"/>
+      </p:par>
+    </p:tnLst>
+  </p:timing>
 </p:sld>
 </file>
 
@@ -12368,6 +17485,32 @@
           <a:chExt cx="0" cy="0"/>
         </a:xfrm>
       </p:grpSpPr>
+      <p:pic>
+        <p:nvPicPr>
+          <p:cNvPr id="4" name="Picture 2" descr="C:\data\master\Masterarbeit\bilder\lense_fiber_02.PNG"/>
+          <p:cNvPicPr>
+            <a:picLocks noChangeAspect="1" noChangeArrowheads="1"/>
+          </p:cNvPicPr>
+          <p:nvPr/>
+        </p:nvPicPr>
+        <p:blipFill>
+          <a:blip r:embed="rId3"/>
+          <a:srcRect/>
+          <a:stretch>
+            <a:fillRect/>
+          </a:stretch>
+        </p:blipFill>
+        <p:spPr bwMode="auto">
+          <a:xfrm>
+            <a:off x="4117975" y="1214422"/>
+            <a:ext cx="4781550" cy="2667000"/>
+          </a:xfrm>
+          <a:prstGeom prst="rect">
+            <a:avLst/>
+          </a:prstGeom>
+          <a:noFill/>
+        </p:spPr>
+      </p:pic>
       <p:sp>
         <p:nvSpPr>
           <p:cNvPr id="2" name="Titel 1"/>
@@ -12427,7 +17570,7 @@
           <p:nvPr/>
         </p:nvPicPr>
         <p:blipFill>
-          <a:blip r:embed="rId3"/>
+          <a:blip r:embed="rId4"/>
           <a:srcRect/>
           <a:stretch>
             <a:fillRect/>
@@ -12435,8 +17578,8 @@
         </p:blipFill>
         <p:spPr bwMode="auto">
           <a:xfrm>
-            <a:off x="4575166" y="3992880"/>
-            <a:ext cx="4324359" cy="2154681"/>
+            <a:off x="4286248" y="868044"/>
+            <a:ext cx="4613277" cy="2861312"/>
           </a:xfrm>
           <a:prstGeom prst="rect">
             <a:avLst/>
@@ -12785,32 +17928,6 @@
           <p:nvPr/>
         </p:nvPicPr>
         <p:blipFill>
-          <a:blip r:embed="rId4"/>
-          <a:srcRect/>
-          <a:stretch>
-            <a:fillRect/>
-          </a:stretch>
-        </p:blipFill>
-        <p:spPr bwMode="auto">
-          <a:xfrm>
-            <a:off x="3714744" y="965200"/>
-            <a:ext cx="4357687" cy="2738119"/>
-          </a:xfrm>
-          <a:prstGeom prst="rect">
-            <a:avLst/>
-          </a:prstGeom>
-          <a:noFill/>
-        </p:spPr>
-      </p:pic>
-      <p:pic>
-        <p:nvPicPr>
-          <p:cNvPr id="4" name="Picture 2" descr="C:\data\master\Masterarbeit\bilder\lense_fiber_02.PNG"/>
-          <p:cNvPicPr>
-            <a:picLocks noChangeAspect="1" noChangeArrowheads="1"/>
-          </p:cNvPicPr>
-          <p:nvPr/>
-        </p:nvPicPr>
-        <p:blipFill>
           <a:blip r:embed="rId5"/>
           <a:srcRect/>
           <a:stretch>
@@ -12819,8 +17936,8 @@
         </p:blipFill>
         <p:spPr bwMode="auto">
           <a:xfrm>
-            <a:off x="3290881" y="3703319"/>
-            <a:ext cx="4781550" cy="2667000"/>
+            <a:off x="4137022" y="3729356"/>
+            <a:ext cx="4911727" cy="2738119"/>
           </a:xfrm>
           <a:prstGeom prst="rect">
             <a:avLst/>
@@ -12922,6 +18039,180 @@
   <p:transition>
     <p:zoom/>
   </p:transition>
+  <p:timing>
+    <p:tnLst>
+      <p:par>
+        <p:cTn id="1" dur="indefinite" restart="never" nodeType="tmRoot">
+          <p:childTnLst>
+            <p:seq concurrent="1" nextAc="seek">
+              <p:cTn id="2" dur="indefinite" nodeType="mainSeq">
+                <p:childTnLst>
+                  <p:par>
+                    <p:cTn id="3" fill="hold">
+                      <p:stCondLst>
+                        <p:cond delay="indefinite"/>
+                      </p:stCondLst>
+                      <p:childTnLst>
+                        <p:par>
+                          <p:cTn id="4" fill="hold">
+                            <p:stCondLst>
+                              <p:cond delay="0"/>
+                            </p:stCondLst>
+                            <p:childTnLst>
+                              <p:par>
+                                <p:cTn id="5" presetID="2" presetClass="entr" presetSubtype="4" fill="hold" nodeType="clickEffect">
+                                  <p:stCondLst>
+                                    <p:cond delay="0"/>
+                                  </p:stCondLst>
+                                  <p:childTnLst>
+                                    <p:set>
+                                      <p:cBhvr>
+                                        <p:cTn id="6" dur="1" fill="hold">
+                                          <p:stCondLst>
+                                            <p:cond delay="0"/>
+                                          </p:stCondLst>
+                                        </p:cTn>
+                                        <p:tgtEl>
+                                          <p:spTgt spid="2051"/>
+                                        </p:tgtEl>
+                                        <p:attrNameLst>
+                                          <p:attrName>style.visibility</p:attrName>
+                                        </p:attrNameLst>
+                                      </p:cBhvr>
+                                      <p:to>
+                                        <p:strVal val="visible"/>
+                                      </p:to>
+                                    </p:set>
+                                    <p:anim calcmode="lin" valueType="num">
+                                      <p:cBhvr additive="base">
+                                        <p:cTn id="7" dur="500" fill="hold"/>
+                                        <p:tgtEl>
+                                          <p:spTgt spid="2051"/>
+                                        </p:tgtEl>
+                                        <p:attrNameLst>
+                                          <p:attrName>ppt_x</p:attrName>
+                                        </p:attrNameLst>
+                                      </p:cBhvr>
+                                      <p:tavLst>
+                                        <p:tav tm="0">
+                                          <p:val>
+                                            <p:strVal val="#ppt_x"/>
+                                          </p:val>
+                                        </p:tav>
+                                        <p:tav tm="100000">
+                                          <p:val>
+                                            <p:strVal val="#ppt_x"/>
+                                          </p:val>
+                                        </p:tav>
+                                      </p:tavLst>
+                                    </p:anim>
+                                    <p:anim calcmode="lin" valueType="num">
+                                      <p:cBhvr additive="base">
+                                        <p:cTn id="8" dur="500" fill="hold"/>
+                                        <p:tgtEl>
+                                          <p:spTgt spid="2051"/>
+                                        </p:tgtEl>
+                                        <p:attrNameLst>
+                                          <p:attrName>ppt_y</p:attrName>
+                                        </p:attrNameLst>
+                                      </p:cBhvr>
+                                      <p:tavLst>
+                                        <p:tav tm="0">
+                                          <p:val>
+                                            <p:strVal val="1+#ppt_h/2"/>
+                                          </p:val>
+                                        </p:tav>
+                                        <p:tav tm="100000">
+                                          <p:val>
+                                            <p:strVal val="#ppt_y"/>
+                                          </p:val>
+                                        </p:tav>
+                                      </p:tavLst>
+                                    </p:anim>
+                                  </p:childTnLst>
+                                </p:cTn>
+                              </p:par>
+                            </p:childTnLst>
+                          </p:cTn>
+                        </p:par>
+                      </p:childTnLst>
+                    </p:cTn>
+                  </p:par>
+                  <p:par>
+                    <p:cTn id="9" fill="hold">
+                      <p:stCondLst>
+                        <p:cond delay="indefinite"/>
+                      </p:stCondLst>
+                      <p:childTnLst>
+                        <p:par>
+                          <p:cTn id="10" fill="hold">
+                            <p:stCondLst>
+                              <p:cond delay="0"/>
+                            </p:stCondLst>
+                            <p:childTnLst>
+                              <p:par>
+                                <p:cTn id="11" presetID="3" presetClass="entr" presetSubtype="10" fill="hold" nodeType="clickEffect">
+                                  <p:stCondLst>
+                                    <p:cond delay="0"/>
+                                  </p:stCondLst>
+                                  <p:childTnLst>
+                                    <p:set>
+                                      <p:cBhvr>
+                                        <p:cTn id="12" dur="1" fill="hold">
+                                          <p:stCondLst>
+                                            <p:cond delay="0"/>
+                                          </p:stCondLst>
+                                        </p:cTn>
+                                        <p:tgtEl>
+                                          <p:spTgt spid="2050"/>
+                                        </p:tgtEl>
+                                        <p:attrNameLst>
+                                          <p:attrName>style.visibility</p:attrName>
+                                        </p:attrNameLst>
+                                      </p:cBhvr>
+                                      <p:to>
+                                        <p:strVal val="visible"/>
+                                      </p:to>
+                                    </p:set>
+                                    <p:animEffect transition="in" filter="blinds(horizontal)">
+                                      <p:cBhvr>
+                                        <p:cTn id="13" dur="500"/>
+                                        <p:tgtEl>
+                                          <p:spTgt spid="2050"/>
+                                        </p:tgtEl>
+                                      </p:cBhvr>
+                                    </p:animEffect>
+                                  </p:childTnLst>
+                                </p:cTn>
+                              </p:par>
+                            </p:childTnLst>
+                          </p:cTn>
+                        </p:par>
+                      </p:childTnLst>
+                    </p:cTn>
+                  </p:par>
+                </p:childTnLst>
+              </p:cTn>
+              <p:prevCondLst>
+                <p:cond evt="onPrev" delay="0">
+                  <p:tgtEl>
+                    <p:sldTgt/>
+                  </p:tgtEl>
+                </p:cond>
+              </p:prevCondLst>
+              <p:nextCondLst>
+                <p:cond evt="onNext" delay="0">
+                  <p:tgtEl>
+                    <p:sldTgt/>
+                  </p:tgtEl>
+                </p:cond>
+              </p:nextCondLst>
+            </p:seq>
+          </p:childTnLst>
+        </p:cTn>
+      </p:par>
+    </p:tnLst>
+  </p:timing>
 </p:sld>
 </file>
 

--- a/trunk/Master_arbeit/word/Abschlussvortrag der Masterarbeit.pptx
+++ b/trunk/Master_arbeit/word/Abschlussvortrag der Masterarbeit.pptx
@@ -1865,11 +1865,293 @@
             </a:r>
             <a:r>
               <a:rPr lang="de-DE" altLang="zh-CN" baseline="0" dirty="0" err="1" smtClean="0"/>
-              <a:t>mediea</a:t>
-            </a:r>
-            <a:r>
-              <a:rPr lang="de-DE" altLang="zh-CN" baseline="0" smtClean="0"/>
+              <a:t>media</a:t>
+            </a:r>
+            <a:r>
+              <a:rPr lang="de-DE" altLang="zh-CN" baseline="0" dirty="0" smtClean="0"/>
               <a:t>. </a:t>
+            </a:r>
+            <a:r>
+              <a:rPr lang="de-DE" altLang="zh-CN" baseline="0" dirty="0" err="1" smtClean="0"/>
+              <a:t>One</a:t>
+            </a:r>
+            <a:r>
+              <a:rPr lang="de-DE" altLang="zh-CN" baseline="0" dirty="0" smtClean="0"/>
+              <a:t> </a:t>
+            </a:r>
+            <a:r>
+              <a:rPr lang="de-DE" altLang="zh-CN" baseline="0" dirty="0" err="1" smtClean="0"/>
+              <a:t>possible</a:t>
+            </a:r>
+            <a:r>
+              <a:rPr lang="de-DE" altLang="zh-CN" baseline="0" dirty="0" smtClean="0"/>
+              <a:t> </a:t>
+            </a:r>
+            <a:r>
+              <a:rPr lang="de-DE" altLang="zh-CN" baseline="0" dirty="0" err="1" smtClean="0"/>
+              <a:t>media</a:t>
+            </a:r>
+            <a:r>
+              <a:rPr lang="de-DE" altLang="zh-CN" baseline="0" dirty="0" smtClean="0"/>
+              <a:t> </a:t>
+            </a:r>
+            <a:r>
+              <a:rPr lang="de-DE" altLang="zh-CN" baseline="0" dirty="0" err="1" smtClean="0"/>
+              <a:t>is</a:t>
+            </a:r>
+            <a:r>
+              <a:rPr lang="de-DE" altLang="zh-CN" baseline="0" dirty="0" smtClean="0"/>
+              <a:t> </a:t>
+            </a:r>
+            <a:r>
+              <a:rPr lang="de-DE" altLang="zh-CN" baseline="0" dirty="0" err="1" smtClean="0"/>
+              <a:t>oil</a:t>
+            </a:r>
+            <a:r>
+              <a:rPr lang="de-DE" altLang="zh-CN" baseline="0" dirty="0" smtClean="0"/>
+              <a:t> </a:t>
+            </a:r>
+            <a:r>
+              <a:rPr lang="de-DE" altLang="zh-CN" baseline="0" dirty="0" err="1" smtClean="0"/>
+              <a:t>with</a:t>
+            </a:r>
+            <a:r>
+              <a:rPr lang="de-DE" altLang="zh-CN" baseline="0" dirty="0" smtClean="0"/>
+              <a:t> n= 1.526.</a:t>
+            </a:r>
+          </a:p>
+          <a:p>
+            <a:r>
+              <a:rPr lang="de-DE" altLang="zh-CN" baseline="0" dirty="0" err="1" smtClean="0"/>
+              <a:t>This</a:t>
+            </a:r>
+            <a:r>
+              <a:rPr lang="de-DE" altLang="zh-CN" baseline="0" dirty="0" smtClean="0"/>
+              <a:t> </a:t>
+            </a:r>
+            <a:r>
+              <a:rPr lang="de-DE" altLang="zh-CN" baseline="0" dirty="0" err="1" smtClean="0"/>
+              <a:t>change</a:t>
+            </a:r>
+            <a:r>
+              <a:rPr lang="de-DE" altLang="zh-CN" baseline="0" dirty="0" smtClean="0"/>
+              <a:t> </a:t>
+            </a:r>
+            <a:r>
+              <a:rPr lang="de-DE" altLang="zh-CN" baseline="0" dirty="0" err="1" smtClean="0"/>
+              <a:t>affects</a:t>
+            </a:r>
+            <a:r>
+              <a:rPr lang="de-DE" altLang="zh-CN" baseline="0" dirty="0" smtClean="0"/>
+              <a:t> </a:t>
+            </a:r>
+            <a:r>
+              <a:rPr lang="de-DE" altLang="zh-CN" baseline="0" dirty="0" err="1" smtClean="0"/>
+              <a:t>the</a:t>
+            </a:r>
+            <a:r>
+              <a:rPr lang="de-DE" altLang="zh-CN" baseline="0" dirty="0" smtClean="0"/>
+              <a:t> </a:t>
+            </a:r>
+            <a:r>
+              <a:rPr lang="de-DE" altLang="zh-CN" baseline="0" dirty="0" err="1" smtClean="0"/>
+              <a:t>location</a:t>
+            </a:r>
+            <a:r>
+              <a:rPr lang="de-DE" altLang="zh-CN" baseline="0" dirty="0" smtClean="0"/>
+              <a:t> </a:t>
+            </a:r>
+            <a:r>
+              <a:rPr lang="de-DE" altLang="zh-CN" baseline="0" dirty="0" err="1" smtClean="0"/>
+              <a:t>of</a:t>
+            </a:r>
+            <a:r>
+              <a:rPr lang="de-DE" altLang="zh-CN" baseline="0" dirty="0" smtClean="0"/>
+              <a:t> </a:t>
+            </a:r>
+            <a:r>
+              <a:rPr lang="de-DE" altLang="zh-CN" baseline="0" dirty="0" err="1" smtClean="0"/>
+              <a:t>minimum</a:t>
+            </a:r>
+            <a:r>
+              <a:rPr lang="de-DE" altLang="zh-CN" baseline="0" dirty="0" smtClean="0"/>
+              <a:t> </a:t>
+            </a:r>
+            <a:r>
+              <a:rPr lang="de-DE" altLang="zh-CN" baseline="0" dirty="0" err="1" smtClean="0"/>
+              <a:t>spot</a:t>
+            </a:r>
+            <a:r>
+              <a:rPr lang="de-DE" altLang="zh-CN" baseline="0" dirty="0" smtClean="0"/>
+              <a:t>. </a:t>
+            </a:r>
+            <a:r>
+              <a:rPr lang="de-DE" altLang="zh-CN" baseline="0" dirty="0" err="1" smtClean="0"/>
+              <a:t>It</a:t>
+            </a:r>
+            <a:r>
+              <a:rPr lang="de-DE" altLang="zh-CN" baseline="0" dirty="0" smtClean="0"/>
+              <a:t> </a:t>
+            </a:r>
+            <a:r>
+              <a:rPr lang="de-DE" altLang="zh-CN" baseline="0" dirty="0" err="1" smtClean="0"/>
+              <a:t>moves</a:t>
+            </a:r>
+            <a:r>
+              <a:rPr lang="de-DE" altLang="zh-CN" baseline="0" dirty="0" smtClean="0"/>
+              <a:t> </a:t>
+            </a:r>
+            <a:r>
+              <a:rPr lang="de-DE" altLang="zh-CN" baseline="0" dirty="0" err="1" smtClean="0"/>
+              <a:t>to</a:t>
+            </a:r>
+            <a:r>
+              <a:rPr lang="de-DE" altLang="zh-CN" baseline="0" dirty="0" smtClean="0"/>
+              <a:t> 19µm </a:t>
+            </a:r>
+            <a:r>
+              <a:rPr lang="de-DE" altLang="zh-CN" baseline="0" dirty="0" err="1" smtClean="0"/>
+              <a:t>from</a:t>
+            </a:r>
+            <a:r>
+              <a:rPr lang="de-DE" altLang="zh-CN" baseline="0" dirty="0" smtClean="0"/>
+              <a:t> TLF end.</a:t>
+            </a:r>
+          </a:p>
+          <a:p>
+            <a:r>
+              <a:rPr lang="de-DE" altLang="zh-CN" baseline="0" dirty="0" err="1" smtClean="0"/>
+              <a:t>Coupling</a:t>
+            </a:r>
+            <a:r>
+              <a:rPr lang="de-DE" altLang="zh-CN" baseline="0" dirty="0" smtClean="0"/>
+              <a:t> </a:t>
+            </a:r>
+            <a:r>
+              <a:rPr lang="de-DE" altLang="zh-CN" baseline="0" dirty="0" err="1" smtClean="0"/>
+              <a:t>efficiency</a:t>
+            </a:r>
+            <a:r>
+              <a:rPr lang="de-DE" altLang="zh-CN" baseline="0" dirty="0" smtClean="0"/>
+              <a:t> </a:t>
+            </a:r>
+            <a:r>
+              <a:rPr lang="de-DE" altLang="zh-CN" baseline="0" dirty="0" err="1" smtClean="0"/>
+              <a:t>from</a:t>
+            </a:r>
+            <a:r>
+              <a:rPr lang="de-DE" altLang="zh-CN" baseline="0" dirty="0" smtClean="0"/>
+              <a:t> </a:t>
+            </a:r>
+            <a:r>
+              <a:rPr lang="de-DE" altLang="zh-CN" baseline="0" dirty="0" err="1" smtClean="0"/>
+              <a:t>the</a:t>
+            </a:r>
+            <a:r>
+              <a:rPr lang="de-DE" altLang="zh-CN" baseline="0" dirty="0" smtClean="0"/>
+              <a:t> </a:t>
+            </a:r>
+            <a:r>
+              <a:rPr lang="de-DE" altLang="zh-CN" baseline="0" dirty="0" err="1" smtClean="0"/>
+              <a:t>simulation</a:t>
+            </a:r>
+            <a:r>
+              <a:rPr lang="de-DE" altLang="zh-CN" baseline="0" dirty="0" smtClean="0"/>
+              <a:t> falls </a:t>
+            </a:r>
+            <a:r>
+              <a:rPr lang="de-DE" altLang="zh-CN" baseline="0" dirty="0" err="1" smtClean="0"/>
+              <a:t>to</a:t>
+            </a:r>
+            <a:r>
+              <a:rPr lang="de-DE" altLang="zh-CN" baseline="0" dirty="0" smtClean="0"/>
+              <a:t> </a:t>
+            </a:r>
+            <a:r>
+              <a:rPr lang="de-DE" altLang="zh-CN" baseline="0" dirty="0" err="1" smtClean="0"/>
+              <a:t>about</a:t>
+            </a:r>
+            <a:r>
+              <a:rPr lang="de-DE" altLang="zh-CN" baseline="0" dirty="0" smtClean="0"/>
+              <a:t> 34.5% </a:t>
+            </a:r>
+            <a:r>
+              <a:rPr lang="de-DE" altLang="zh-CN" baseline="0" dirty="0" err="1" smtClean="0"/>
+              <a:t>at</a:t>
+            </a:r>
+            <a:r>
+              <a:rPr lang="de-DE" altLang="zh-CN" baseline="0" dirty="0" smtClean="0"/>
+              <a:t> 282THz.</a:t>
+            </a:r>
+          </a:p>
+          <a:p>
+            <a:r>
+              <a:rPr lang="de-DE" altLang="zh-CN" baseline="0" dirty="0" smtClean="0"/>
+              <a:t>His </a:t>
+            </a:r>
+            <a:r>
+              <a:rPr lang="de-DE" altLang="zh-CN" baseline="0" dirty="0" err="1" smtClean="0"/>
+              <a:t>falling</a:t>
+            </a:r>
+            <a:r>
+              <a:rPr lang="de-DE" altLang="zh-CN" baseline="0" dirty="0" smtClean="0"/>
+              <a:t> </a:t>
+            </a:r>
+            <a:r>
+              <a:rPr lang="de-DE" altLang="zh-CN" baseline="0" dirty="0" err="1" smtClean="0"/>
+              <a:t>reavel</a:t>
+            </a:r>
+            <a:r>
+              <a:rPr lang="de-DE" altLang="zh-CN" baseline="0" dirty="0" smtClean="0"/>
+              <a:t> </a:t>
+            </a:r>
+            <a:r>
+              <a:rPr lang="de-DE" altLang="zh-CN" baseline="0" dirty="0" err="1" smtClean="0"/>
+              <a:t>that</a:t>
+            </a:r>
+            <a:r>
+              <a:rPr lang="de-DE" altLang="zh-CN" baseline="0" dirty="0" smtClean="0"/>
+              <a:t> </a:t>
+            </a:r>
+            <a:r>
+              <a:rPr lang="de-DE" altLang="zh-CN" baseline="0" dirty="0" err="1" smtClean="0"/>
+              <a:t>it</a:t>
+            </a:r>
+            <a:r>
+              <a:rPr lang="de-DE" altLang="zh-CN" baseline="0" dirty="0" smtClean="0"/>
+              <a:t> </a:t>
+            </a:r>
+            <a:r>
+              <a:rPr lang="de-DE" altLang="zh-CN" baseline="0" dirty="0" err="1" smtClean="0"/>
+              <a:t>is</a:t>
+            </a:r>
+            <a:r>
+              <a:rPr lang="de-DE" altLang="zh-CN" baseline="0" dirty="0" smtClean="0"/>
+              <a:t> not proper </a:t>
+            </a:r>
+            <a:r>
+              <a:rPr lang="de-DE" altLang="zh-CN" baseline="0" dirty="0" err="1" smtClean="0"/>
+              <a:t>replacement</a:t>
+            </a:r>
+            <a:r>
+              <a:rPr lang="de-DE" altLang="zh-CN" baseline="0" dirty="0" smtClean="0"/>
+              <a:t> </a:t>
+            </a:r>
+            <a:r>
+              <a:rPr lang="de-DE" altLang="zh-CN" baseline="0" dirty="0" err="1" smtClean="0"/>
+              <a:t>for</a:t>
+            </a:r>
+            <a:r>
+              <a:rPr lang="de-DE" altLang="zh-CN" baseline="0" dirty="0" smtClean="0"/>
+              <a:t> </a:t>
+            </a:r>
+            <a:r>
+              <a:rPr lang="de-DE" altLang="zh-CN" baseline="0" dirty="0" err="1" smtClean="0"/>
+              <a:t>air</a:t>
+            </a:r>
+            <a:r>
+              <a:rPr lang="de-DE" altLang="zh-CN" baseline="0" dirty="0" smtClean="0"/>
+              <a:t>.</a:t>
             </a:r>
             <a:endParaRPr lang="zh-CN" altLang="en-US" dirty="0"/>
           </a:p>
@@ -1953,6 +2235,445 @@
           </a:bodyPr>
           <a:lstStyle/>
           <a:p>
+            <a:r>
+              <a:rPr lang="de-DE" altLang="zh-CN" dirty="0" err="1" smtClean="0"/>
+              <a:t>From</a:t>
+            </a:r>
+            <a:r>
+              <a:rPr lang="de-DE" altLang="zh-CN" dirty="0" smtClean="0"/>
+              <a:t> </a:t>
+            </a:r>
+            <a:r>
+              <a:rPr lang="de-DE" altLang="zh-CN" dirty="0" err="1" smtClean="0"/>
+              <a:t>this</a:t>
+            </a:r>
+            <a:r>
+              <a:rPr lang="de-DE" altLang="zh-CN" dirty="0" smtClean="0"/>
+              <a:t> </a:t>
+            </a:r>
+            <a:r>
+              <a:rPr lang="de-DE" altLang="zh-CN" dirty="0" err="1" smtClean="0"/>
+              <a:t>page</a:t>
+            </a:r>
+            <a:r>
+              <a:rPr lang="de-DE" altLang="zh-CN" dirty="0" smtClean="0"/>
+              <a:t> </a:t>
+            </a:r>
+            <a:r>
+              <a:rPr lang="de-DE" altLang="zh-CN" dirty="0" err="1" smtClean="0"/>
+              <a:t>we</a:t>
+            </a:r>
+            <a:r>
+              <a:rPr lang="de-DE" altLang="zh-CN" dirty="0" smtClean="0"/>
+              <a:t> </a:t>
+            </a:r>
+            <a:r>
+              <a:rPr lang="de-DE" altLang="zh-CN" dirty="0" err="1" smtClean="0"/>
+              <a:t>discuss</a:t>
+            </a:r>
+            <a:r>
+              <a:rPr lang="de-DE" altLang="zh-CN" dirty="0" smtClean="0"/>
+              <a:t> </a:t>
+            </a:r>
+            <a:r>
+              <a:rPr lang="de-DE" altLang="zh-CN" dirty="0" err="1" smtClean="0"/>
+              <a:t>the</a:t>
+            </a:r>
+            <a:r>
+              <a:rPr lang="de-DE" altLang="zh-CN" dirty="0" smtClean="0"/>
+              <a:t> </a:t>
+            </a:r>
+            <a:r>
+              <a:rPr lang="de-DE" altLang="zh-CN" dirty="0" err="1" smtClean="0"/>
+              <a:t>actions</a:t>
+            </a:r>
+            <a:r>
+              <a:rPr lang="de-DE" altLang="zh-CN" dirty="0" smtClean="0"/>
+              <a:t> in track3.</a:t>
+            </a:r>
+          </a:p>
+          <a:p>
+            <a:r>
+              <a:rPr lang="de-DE" altLang="zh-CN" dirty="0" err="1" smtClean="0"/>
+              <a:t>Firstly</a:t>
+            </a:r>
+            <a:r>
+              <a:rPr lang="de-DE" altLang="zh-CN" dirty="0" smtClean="0"/>
+              <a:t> </a:t>
+            </a:r>
+            <a:r>
+              <a:rPr lang="de-DE" altLang="zh-CN" dirty="0" err="1" smtClean="0"/>
+              <a:t>we</a:t>
+            </a:r>
+            <a:r>
+              <a:rPr lang="de-DE" altLang="zh-CN" baseline="0" dirty="0" smtClean="0"/>
+              <a:t> </a:t>
+            </a:r>
+            <a:r>
+              <a:rPr lang="de-DE" altLang="zh-CN" baseline="0" dirty="0" err="1" smtClean="0"/>
+              <a:t>may</a:t>
+            </a:r>
+            <a:r>
+              <a:rPr lang="de-DE" altLang="zh-CN" baseline="0" dirty="0" smtClean="0"/>
+              <a:t> </a:t>
+            </a:r>
+            <a:r>
+              <a:rPr lang="de-DE" altLang="zh-CN" baseline="0" dirty="0" err="1" smtClean="0"/>
+              <a:t>want</a:t>
+            </a:r>
+            <a:r>
+              <a:rPr lang="de-DE" altLang="zh-CN" baseline="0" dirty="0" smtClean="0"/>
+              <a:t> </a:t>
+            </a:r>
+            <a:r>
+              <a:rPr lang="de-DE" altLang="zh-CN" baseline="0" dirty="0" err="1" smtClean="0"/>
+              <a:t>to</a:t>
+            </a:r>
+            <a:r>
+              <a:rPr lang="de-DE" altLang="zh-CN" baseline="0" dirty="0" smtClean="0"/>
+              <a:t> </a:t>
+            </a:r>
+            <a:r>
+              <a:rPr lang="de-DE" altLang="zh-CN" baseline="0" dirty="0" err="1" smtClean="0"/>
+              <a:t>investigate</a:t>
+            </a:r>
+            <a:r>
+              <a:rPr lang="de-DE" altLang="zh-CN" baseline="0" dirty="0" smtClean="0"/>
+              <a:t> </a:t>
+            </a:r>
+            <a:r>
+              <a:rPr lang="de-DE" altLang="zh-CN" baseline="0" dirty="0" err="1" smtClean="0"/>
+              <a:t>the</a:t>
+            </a:r>
+            <a:r>
+              <a:rPr lang="de-DE" altLang="zh-CN" baseline="0" dirty="0" smtClean="0"/>
+              <a:t> </a:t>
+            </a:r>
+            <a:r>
+              <a:rPr lang="de-DE" altLang="zh-CN" baseline="0" dirty="0" err="1" smtClean="0"/>
+              <a:t>effect</a:t>
+            </a:r>
+            <a:r>
+              <a:rPr lang="de-DE" altLang="zh-CN" baseline="0" dirty="0" smtClean="0"/>
+              <a:t> </a:t>
+            </a:r>
+            <a:r>
+              <a:rPr lang="de-DE" altLang="zh-CN" baseline="0" dirty="0" err="1" smtClean="0"/>
+              <a:t>of</a:t>
+            </a:r>
+            <a:r>
+              <a:rPr lang="de-DE" altLang="zh-CN" baseline="0" dirty="0" smtClean="0"/>
+              <a:t> </a:t>
+            </a:r>
+            <a:r>
+              <a:rPr lang="de-DE" altLang="zh-CN" baseline="0" dirty="0" err="1" smtClean="0"/>
+              <a:t>waveguide</a:t>
+            </a:r>
+            <a:r>
+              <a:rPr lang="de-DE" altLang="zh-CN" baseline="0" dirty="0" smtClean="0"/>
+              <a:t> </a:t>
+            </a:r>
+            <a:r>
+              <a:rPr lang="de-DE" altLang="zh-CN" baseline="0" dirty="0" err="1" smtClean="0"/>
+              <a:t>composition</a:t>
+            </a:r>
+            <a:r>
+              <a:rPr lang="de-DE" altLang="zh-CN" baseline="0" dirty="0" smtClean="0"/>
+              <a:t>. In </a:t>
+            </a:r>
+            <a:r>
+              <a:rPr lang="de-DE" altLang="zh-CN" baseline="0" dirty="0" err="1" smtClean="0"/>
+              <a:t>my</a:t>
+            </a:r>
+            <a:r>
+              <a:rPr lang="de-DE" altLang="zh-CN" baseline="0" dirty="0" smtClean="0"/>
+              <a:t> </a:t>
+            </a:r>
+            <a:r>
+              <a:rPr lang="de-DE" altLang="zh-CN" baseline="0" dirty="0" err="1" smtClean="0"/>
+              <a:t>simulations</a:t>
+            </a:r>
+            <a:r>
+              <a:rPr lang="de-DE" altLang="zh-CN" baseline="0" dirty="0" smtClean="0"/>
+              <a:t>, </a:t>
+            </a:r>
+            <a:r>
+              <a:rPr lang="de-DE" altLang="zh-CN" baseline="0" dirty="0" err="1" smtClean="0"/>
+              <a:t>the</a:t>
+            </a:r>
+            <a:r>
+              <a:rPr lang="de-DE" altLang="zh-CN" baseline="0" dirty="0" smtClean="0"/>
+              <a:t> </a:t>
+            </a:r>
+            <a:r>
+              <a:rPr lang="de-DE" altLang="zh-CN" baseline="0" dirty="0" err="1" smtClean="0"/>
+              <a:t>substrate</a:t>
+            </a:r>
+            <a:r>
+              <a:rPr lang="de-DE" altLang="zh-CN" baseline="0" dirty="0" smtClean="0"/>
+              <a:t> </a:t>
+            </a:r>
+            <a:r>
+              <a:rPr lang="de-DE" altLang="zh-CN" baseline="0" dirty="0" err="1" smtClean="0"/>
+              <a:t>is</a:t>
+            </a:r>
+            <a:r>
+              <a:rPr lang="de-DE" altLang="zh-CN" baseline="0" dirty="0" smtClean="0"/>
+              <a:t> </a:t>
+            </a:r>
+            <a:r>
+              <a:rPr lang="de-DE" altLang="zh-CN" baseline="0" dirty="0" err="1" smtClean="0"/>
+              <a:t>remained</a:t>
+            </a:r>
+            <a:r>
+              <a:rPr lang="de-DE" altLang="zh-CN" baseline="0" dirty="0" smtClean="0"/>
+              <a:t> </a:t>
+            </a:r>
+            <a:r>
+              <a:rPr lang="de-DE" altLang="zh-CN" baseline="0" dirty="0" err="1" smtClean="0"/>
+              <a:t>as</a:t>
+            </a:r>
+            <a:r>
+              <a:rPr lang="de-DE" altLang="zh-CN" baseline="0" dirty="0" smtClean="0"/>
+              <a:t> original </a:t>
+            </a:r>
+            <a:r>
+              <a:rPr lang="de-DE" altLang="zh-CN" baseline="0" dirty="0" err="1" smtClean="0"/>
+              <a:t>one</a:t>
+            </a:r>
+            <a:r>
+              <a:rPr lang="de-DE" altLang="zh-CN" baseline="0" dirty="0" smtClean="0"/>
+              <a:t>. The </a:t>
+            </a:r>
+            <a:r>
+              <a:rPr lang="de-DE" altLang="zh-CN" baseline="0" dirty="0" err="1" smtClean="0"/>
+              <a:t>guide</a:t>
+            </a:r>
+            <a:r>
+              <a:rPr lang="de-DE" altLang="zh-CN" baseline="0" dirty="0" smtClean="0"/>
+              <a:t> material </a:t>
+            </a:r>
+            <a:r>
+              <a:rPr lang="de-DE" altLang="zh-CN" baseline="0" dirty="0" err="1" smtClean="0"/>
+              <a:t>varied</a:t>
+            </a:r>
+            <a:r>
+              <a:rPr lang="de-DE" altLang="zh-CN" baseline="0" dirty="0" smtClean="0"/>
+              <a:t> form n=1.6 </a:t>
+            </a:r>
+            <a:r>
+              <a:rPr lang="de-DE" altLang="zh-CN" baseline="0" dirty="0" err="1" smtClean="0"/>
+              <a:t>to</a:t>
+            </a:r>
+            <a:r>
+              <a:rPr lang="de-DE" altLang="zh-CN" baseline="0" dirty="0" smtClean="0"/>
+              <a:t> n=2.5. </a:t>
+            </a:r>
+          </a:p>
+          <a:p>
+            <a:r>
+              <a:rPr lang="de-DE" altLang="zh-CN" baseline="0" dirty="0" smtClean="0"/>
+              <a:t>The </a:t>
+            </a:r>
+            <a:r>
+              <a:rPr lang="de-DE" altLang="zh-CN" baseline="0" dirty="0" err="1" smtClean="0"/>
+              <a:t>simulation</a:t>
+            </a:r>
+            <a:r>
+              <a:rPr lang="de-DE" altLang="zh-CN" baseline="0" dirty="0" smtClean="0"/>
+              <a:t> </a:t>
+            </a:r>
+            <a:r>
+              <a:rPr lang="de-DE" altLang="zh-CN" baseline="0" dirty="0" err="1" smtClean="0"/>
+              <a:t>result</a:t>
+            </a:r>
+            <a:r>
+              <a:rPr lang="de-DE" altLang="zh-CN" baseline="0" dirty="0" smtClean="0"/>
+              <a:t> </a:t>
+            </a:r>
+            <a:r>
+              <a:rPr lang="de-DE" altLang="zh-CN" baseline="0" dirty="0" err="1" smtClean="0"/>
+              <a:t>shows</a:t>
+            </a:r>
+            <a:r>
+              <a:rPr lang="de-DE" altLang="zh-CN" baseline="0" dirty="0" smtClean="0"/>
+              <a:t> </a:t>
+            </a:r>
+            <a:r>
+              <a:rPr lang="de-DE" altLang="zh-CN" baseline="0" dirty="0" err="1" smtClean="0"/>
+              <a:t>the</a:t>
+            </a:r>
+            <a:r>
+              <a:rPr lang="de-DE" altLang="zh-CN" baseline="0" dirty="0" smtClean="0"/>
+              <a:t> n=1.8 </a:t>
+            </a:r>
+            <a:r>
+              <a:rPr lang="de-DE" altLang="zh-CN" baseline="0" dirty="0" err="1" smtClean="0"/>
+              <a:t>is</a:t>
+            </a:r>
+            <a:r>
+              <a:rPr lang="de-DE" altLang="zh-CN" baseline="0" dirty="0" smtClean="0"/>
+              <a:t> </a:t>
+            </a:r>
+            <a:r>
+              <a:rPr lang="de-DE" altLang="zh-CN" baseline="0" dirty="0" err="1" smtClean="0"/>
+              <a:t>the</a:t>
+            </a:r>
+            <a:r>
+              <a:rPr lang="de-DE" altLang="zh-CN" baseline="0" dirty="0" smtClean="0"/>
+              <a:t> optimal material </a:t>
+            </a:r>
+            <a:r>
+              <a:rPr lang="de-DE" altLang="zh-CN" baseline="0" dirty="0" err="1" smtClean="0"/>
+              <a:t>for</a:t>
+            </a:r>
+            <a:r>
+              <a:rPr lang="de-DE" altLang="zh-CN" baseline="0" dirty="0" smtClean="0"/>
+              <a:t> </a:t>
+            </a:r>
+            <a:r>
+              <a:rPr lang="de-DE" altLang="zh-CN" baseline="0" dirty="0" err="1" smtClean="0"/>
+              <a:t>wavguide</a:t>
+            </a:r>
+            <a:r>
+              <a:rPr lang="de-DE" altLang="zh-CN" baseline="0" dirty="0" smtClean="0"/>
+              <a:t>. His </a:t>
+            </a:r>
+            <a:r>
+              <a:rPr lang="de-DE" altLang="zh-CN" baseline="0" dirty="0" err="1" smtClean="0"/>
+              <a:t>behavior</a:t>
+            </a:r>
+            <a:r>
+              <a:rPr lang="de-DE" altLang="zh-CN" baseline="0" dirty="0" smtClean="0"/>
+              <a:t> </a:t>
+            </a:r>
+            <a:r>
+              <a:rPr lang="de-DE" altLang="zh-CN" baseline="0" dirty="0" err="1" smtClean="0"/>
+              <a:t>can</a:t>
+            </a:r>
+            <a:r>
+              <a:rPr lang="de-DE" altLang="zh-CN" baseline="0" dirty="0" smtClean="0"/>
+              <a:t> </a:t>
+            </a:r>
+            <a:r>
+              <a:rPr lang="de-DE" altLang="zh-CN" baseline="0" dirty="0" err="1" smtClean="0"/>
+              <a:t>be</a:t>
+            </a:r>
+            <a:r>
+              <a:rPr lang="de-DE" altLang="zh-CN" baseline="0" dirty="0" smtClean="0"/>
+              <a:t>  </a:t>
+            </a:r>
+            <a:r>
+              <a:rPr lang="de-DE" altLang="zh-CN" baseline="0" dirty="0" err="1" smtClean="0"/>
+              <a:t>explained</a:t>
+            </a:r>
+            <a:r>
+              <a:rPr lang="de-DE" altLang="zh-CN" baseline="0" dirty="0" smtClean="0"/>
+              <a:t> in </a:t>
+            </a:r>
+            <a:r>
+              <a:rPr lang="de-DE" altLang="zh-CN" baseline="0" dirty="0" err="1" smtClean="0"/>
+              <a:t>sections</a:t>
+            </a:r>
+            <a:r>
+              <a:rPr lang="de-DE" altLang="zh-CN" baseline="0" dirty="0" smtClean="0"/>
+              <a:t>.</a:t>
+            </a:r>
+          </a:p>
+          <a:p>
+            <a:r>
+              <a:rPr lang="de-DE" altLang="zh-CN" baseline="0" dirty="0" err="1" smtClean="0"/>
+              <a:t>From</a:t>
+            </a:r>
+            <a:r>
+              <a:rPr lang="de-DE" altLang="zh-CN" baseline="0" dirty="0" smtClean="0"/>
+              <a:t> 1.6 </a:t>
+            </a:r>
+            <a:r>
+              <a:rPr lang="de-DE" altLang="zh-CN" baseline="0" dirty="0" err="1" smtClean="0"/>
+              <a:t>to</a:t>
+            </a:r>
+            <a:r>
+              <a:rPr lang="de-DE" altLang="zh-CN" baseline="0" dirty="0" smtClean="0"/>
+              <a:t> 1.8 </a:t>
+            </a:r>
+            <a:r>
+              <a:rPr lang="de-DE" altLang="zh-CN" baseline="0" dirty="0" err="1" smtClean="0"/>
+              <a:t>it</a:t>
+            </a:r>
+            <a:r>
+              <a:rPr lang="de-DE" altLang="zh-CN" baseline="0" dirty="0" smtClean="0"/>
+              <a:t> </a:t>
+            </a:r>
+            <a:r>
+              <a:rPr lang="de-DE" altLang="zh-CN" baseline="0" dirty="0" err="1" smtClean="0"/>
+              <a:t>is</a:t>
+            </a:r>
+            <a:r>
+              <a:rPr lang="de-DE" altLang="zh-CN" baseline="0" dirty="0" smtClean="0"/>
+              <a:t> </a:t>
+            </a:r>
+            <a:r>
+              <a:rPr lang="de-DE" altLang="zh-CN" baseline="0" dirty="0" err="1" smtClean="0"/>
+              <a:t>caused</a:t>
+            </a:r>
+            <a:r>
+              <a:rPr lang="de-DE" altLang="zh-CN" baseline="0" dirty="0" smtClean="0"/>
+              <a:t> </a:t>
+            </a:r>
+            <a:r>
+              <a:rPr lang="de-DE" altLang="zh-CN" baseline="0" dirty="0" err="1" smtClean="0"/>
+              <a:t>by</a:t>
+            </a:r>
+            <a:r>
+              <a:rPr lang="de-DE" altLang="zh-CN" baseline="0" dirty="0" smtClean="0"/>
+              <a:t> NA </a:t>
+            </a:r>
+            <a:r>
+              <a:rPr lang="de-DE" altLang="zh-CN" baseline="0" dirty="0" err="1" smtClean="0"/>
+              <a:t>changing</a:t>
+            </a:r>
+            <a:r>
+              <a:rPr lang="de-DE" altLang="zh-CN" baseline="0" dirty="0" smtClean="0"/>
+              <a:t>. </a:t>
+            </a:r>
+            <a:r>
+              <a:rPr lang="en-US" sz="1200" kern="1200" dirty="0" smtClean="0">
+                <a:solidFill>
+                  <a:schemeClr val="tx1"/>
+                </a:solidFill>
+                <a:latin typeface="Arial" charset="0"/>
+                <a:ea typeface="+mn-ea"/>
+                <a:cs typeface="+mn-cs"/>
+              </a:rPr>
+              <a:t>Through lens theory it can be calculated that light form given TLF is confined in a divergence angle of about 106 grad. In order to match the incident light, the minimal NA of the waveguide should be larger than 0.798. The value of NA is raised with the index increasing ,0.43 for n=1.6, 0.711 for n=1.7 and 0.925 for n=1.8.</a:t>
+            </a:r>
+          </a:p>
+          <a:p>
+            <a:endParaRPr lang="de-DE" altLang="zh-CN" sz="1200" kern="1200" baseline="0" dirty="0" smtClean="0">
+              <a:solidFill>
+                <a:schemeClr val="tx1"/>
+              </a:solidFill>
+              <a:latin typeface="Arial" charset="0"/>
+              <a:ea typeface="+mn-ea"/>
+              <a:cs typeface="+mn-cs"/>
+            </a:endParaRPr>
+          </a:p>
+          <a:p>
+            <a:r>
+              <a:rPr lang="en-US" sz="1200" kern="1200" dirty="0" smtClean="0">
+                <a:solidFill>
+                  <a:schemeClr val="tx1"/>
+                </a:solidFill>
+                <a:latin typeface="Arial" charset="0"/>
+                <a:ea typeface="+mn-ea"/>
+                <a:cs typeface="+mn-cs"/>
+              </a:rPr>
+              <a:t>When the index is still expanding other aspects become dominated. One aspect is the reflection at the end face. This figure collects the relation between reflection and indices.</a:t>
+            </a:r>
+            <a:endParaRPr lang="de-DE" altLang="zh-CN" baseline="0" dirty="0" smtClean="0"/>
+          </a:p>
+          <a:p>
             <a:endParaRPr lang="zh-CN" altLang="en-US" dirty="0"/>
           </a:p>
         </p:txBody>
@@ -2035,7 +2756,1056 @@
           </a:bodyPr>
           <a:lstStyle/>
           <a:p>
-            <a:endParaRPr lang="zh-CN" altLang="en-US" dirty="0"/>
+            <a:r>
+              <a:rPr lang="en-US" altLang="zh-CN" noProof="0" dirty="0" smtClean="0"/>
+              <a:t>In this page the taper structure is involved in waveguide</a:t>
+            </a:r>
+            <a:r>
+              <a:rPr lang="en-US" altLang="zh-CN" baseline="0" noProof="0" dirty="0" smtClean="0"/>
+              <a:t>  for coupling. </a:t>
+            </a:r>
+          </a:p>
+          <a:p>
+            <a:r>
+              <a:rPr lang="en-US" sz="1200" kern="1200" dirty="0" smtClean="0">
+                <a:solidFill>
+                  <a:schemeClr val="tx1"/>
+                </a:solidFill>
+                <a:latin typeface="Arial" charset="0"/>
+                <a:ea typeface="+mn-ea"/>
+                <a:cs typeface="+mn-cs"/>
+              </a:rPr>
+              <a:t>This taper dimensions changes slightly along the longitudinal direction.</a:t>
+            </a:r>
+          </a:p>
+          <a:p>
+            <a:r>
+              <a:rPr lang="en-US" altLang="zh-CN" sz="1200" kern="1200" noProof="0" dirty="0" smtClean="0">
+                <a:solidFill>
+                  <a:schemeClr val="tx1"/>
+                </a:solidFill>
+                <a:latin typeface="Arial" charset="0"/>
+                <a:ea typeface="+mn-ea"/>
+                <a:cs typeface="+mn-cs"/>
+              </a:rPr>
+              <a:t>For simplification</a:t>
+            </a:r>
+            <a:r>
+              <a:rPr lang="en-US" altLang="zh-CN" sz="1200" kern="1200" baseline="0" noProof="0" dirty="0" smtClean="0">
+                <a:solidFill>
+                  <a:schemeClr val="tx1"/>
+                </a:solidFill>
+                <a:latin typeface="Arial" charset="0"/>
+                <a:ea typeface="+mn-ea"/>
+                <a:cs typeface="+mn-cs"/>
+              </a:rPr>
+              <a:t> of the investigation, the effect of varying taper width and taper length was tested separately.</a:t>
+            </a:r>
+          </a:p>
+          <a:p>
+            <a:r>
+              <a:rPr lang="de-DE" altLang="zh-CN" sz="1200" kern="1200" baseline="0" noProof="0" dirty="0" smtClean="0">
+                <a:solidFill>
+                  <a:schemeClr val="tx1"/>
+                </a:solidFill>
+                <a:latin typeface="Arial" charset="0"/>
+                <a:ea typeface="+mn-ea"/>
+                <a:cs typeface="+mn-cs"/>
+              </a:rPr>
+              <a:t>In </a:t>
+            </a:r>
+            <a:r>
+              <a:rPr lang="de-DE" altLang="zh-CN" sz="1200" kern="1200" baseline="0" noProof="0" dirty="0" err="1" smtClean="0">
+                <a:solidFill>
+                  <a:schemeClr val="tx1"/>
+                </a:solidFill>
+                <a:latin typeface="Arial" charset="0"/>
+                <a:ea typeface="+mn-ea"/>
+                <a:cs typeface="+mn-cs"/>
+              </a:rPr>
+              <a:t>testing</a:t>
+            </a:r>
+            <a:r>
+              <a:rPr lang="de-DE" altLang="zh-CN" sz="1200" kern="1200" baseline="0" noProof="0" dirty="0" smtClean="0">
+                <a:solidFill>
+                  <a:schemeClr val="tx1"/>
+                </a:solidFill>
+                <a:latin typeface="Arial" charset="0"/>
+                <a:ea typeface="+mn-ea"/>
+                <a:cs typeface="+mn-cs"/>
+              </a:rPr>
+              <a:t> </a:t>
+            </a:r>
+            <a:r>
+              <a:rPr lang="de-DE" altLang="zh-CN" sz="1200" kern="1200" baseline="0" noProof="0" dirty="0" err="1" smtClean="0">
+                <a:solidFill>
+                  <a:schemeClr val="tx1"/>
+                </a:solidFill>
+                <a:latin typeface="Arial" charset="0"/>
+                <a:ea typeface="+mn-ea"/>
+                <a:cs typeface="+mn-cs"/>
+              </a:rPr>
+              <a:t>width</a:t>
+            </a:r>
+            <a:r>
+              <a:rPr lang="de-DE" altLang="zh-CN" sz="1200" kern="1200" baseline="0" noProof="0" dirty="0" smtClean="0">
+                <a:solidFill>
+                  <a:schemeClr val="tx1"/>
+                </a:solidFill>
+                <a:latin typeface="Arial" charset="0"/>
+                <a:ea typeface="+mn-ea"/>
+                <a:cs typeface="+mn-cs"/>
+              </a:rPr>
+              <a:t>, </a:t>
+            </a:r>
+            <a:r>
+              <a:rPr lang="de-DE" altLang="zh-CN" sz="1200" kern="1200" baseline="0" noProof="0" dirty="0" err="1" smtClean="0">
+                <a:solidFill>
+                  <a:schemeClr val="tx1"/>
+                </a:solidFill>
+                <a:latin typeface="Arial" charset="0"/>
+                <a:ea typeface="+mn-ea"/>
+                <a:cs typeface="+mn-cs"/>
+              </a:rPr>
+              <a:t>the</a:t>
+            </a:r>
+            <a:r>
+              <a:rPr lang="de-DE" altLang="zh-CN" sz="1200" kern="1200" baseline="0" noProof="0" dirty="0" smtClean="0">
+                <a:solidFill>
+                  <a:schemeClr val="tx1"/>
+                </a:solidFill>
+                <a:latin typeface="Arial" charset="0"/>
+                <a:ea typeface="+mn-ea"/>
+                <a:cs typeface="+mn-cs"/>
+              </a:rPr>
+              <a:t> taper </a:t>
+            </a:r>
+            <a:r>
+              <a:rPr lang="de-DE" altLang="zh-CN" sz="1200" kern="1200" baseline="0" noProof="0" dirty="0" err="1" smtClean="0">
+                <a:solidFill>
+                  <a:schemeClr val="tx1"/>
+                </a:solidFill>
+                <a:latin typeface="Arial" charset="0"/>
+                <a:ea typeface="+mn-ea"/>
+                <a:cs typeface="+mn-cs"/>
+              </a:rPr>
+              <a:t>length</a:t>
+            </a:r>
+            <a:r>
+              <a:rPr lang="de-DE" altLang="zh-CN" sz="1200" kern="1200" baseline="0" noProof="0" dirty="0" smtClean="0">
+                <a:solidFill>
+                  <a:schemeClr val="tx1"/>
+                </a:solidFill>
+                <a:latin typeface="Arial" charset="0"/>
+                <a:ea typeface="+mn-ea"/>
+                <a:cs typeface="+mn-cs"/>
+              </a:rPr>
+              <a:t> </a:t>
+            </a:r>
+            <a:r>
+              <a:rPr lang="de-DE" altLang="zh-CN" sz="1200" kern="1200" baseline="0" noProof="0" dirty="0" err="1" smtClean="0">
+                <a:solidFill>
+                  <a:schemeClr val="tx1"/>
+                </a:solidFill>
+                <a:latin typeface="Arial" charset="0"/>
+                <a:ea typeface="+mn-ea"/>
+                <a:cs typeface="+mn-cs"/>
+              </a:rPr>
+              <a:t>is</a:t>
+            </a:r>
+            <a:r>
+              <a:rPr lang="de-DE" altLang="zh-CN" sz="1200" kern="1200" baseline="0" noProof="0" dirty="0" smtClean="0">
+                <a:solidFill>
+                  <a:schemeClr val="tx1"/>
+                </a:solidFill>
+                <a:latin typeface="Arial" charset="0"/>
+                <a:ea typeface="+mn-ea"/>
+                <a:cs typeface="+mn-cs"/>
+              </a:rPr>
+              <a:t> </a:t>
+            </a:r>
+            <a:r>
+              <a:rPr lang="de-DE" altLang="zh-CN" sz="1200" kern="1200" baseline="0" noProof="0" dirty="0" err="1" smtClean="0">
+                <a:solidFill>
+                  <a:schemeClr val="tx1"/>
+                </a:solidFill>
+                <a:latin typeface="Arial" charset="0"/>
+                <a:ea typeface="+mn-ea"/>
+                <a:cs typeface="+mn-cs"/>
+              </a:rPr>
+              <a:t>kept</a:t>
+            </a:r>
+            <a:r>
+              <a:rPr lang="de-DE" altLang="zh-CN" sz="1200" kern="1200" baseline="0" noProof="0" dirty="0" smtClean="0">
+                <a:solidFill>
+                  <a:schemeClr val="tx1"/>
+                </a:solidFill>
+                <a:latin typeface="Arial" charset="0"/>
+                <a:ea typeface="+mn-ea"/>
+                <a:cs typeface="+mn-cs"/>
+              </a:rPr>
+              <a:t> </a:t>
+            </a:r>
+            <a:r>
+              <a:rPr lang="de-DE" altLang="zh-CN" sz="1200" kern="1200" baseline="0" noProof="0" dirty="0" err="1" smtClean="0">
+                <a:solidFill>
+                  <a:schemeClr val="tx1"/>
+                </a:solidFill>
+                <a:latin typeface="Arial" charset="0"/>
+                <a:ea typeface="+mn-ea"/>
+                <a:cs typeface="+mn-cs"/>
+              </a:rPr>
+              <a:t>as</a:t>
+            </a:r>
+            <a:r>
+              <a:rPr lang="de-DE" altLang="zh-CN" sz="1200" kern="1200" baseline="0" noProof="0" dirty="0" smtClean="0">
+                <a:solidFill>
+                  <a:schemeClr val="tx1"/>
+                </a:solidFill>
+                <a:latin typeface="Arial" charset="0"/>
+                <a:ea typeface="+mn-ea"/>
+                <a:cs typeface="+mn-cs"/>
+              </a:rPr>
+              <a:t> </a:t>
+            </a:r>
+            <a:r>
+              <a:rPr lang="de-DE" altLang="zh-CN" sz="1200" kern="1200" baseline="0" noProof="0" dirty="0" err="1" smtClean="0">
+                <a:solidFill>
+                  <a:schemeClr val="tx1"/>
+                </a:solidFill>
+                <a:latin typeface="Arial" charset="0"/>
+                <a:ea typeface="+mn-ea"/>
+                <a:cs typeface="+mn-cs"/>
+              </a:rPr>
+              <a:t>constant</a:t>
+            </a:r>
+            <a:r>
+              <a:rPr lang="de-DE" altLang="zh-CN" sz="1200" kern="1200" baseline="0" noProof="0" dirty="0" smtClean="0">
+                <a:solidFill>
+                  <a:schemeClr val="tx1"/>
+                </a:solidFill>
+                <a:latin typeface="Arial" charset="0"/>
+                <a:ea typeface="+mn-ea"/>
+                <a:cs typeface="+mn-cs"/>
+              </a:rPr>
+              <a:t> </a:t>
+            </a:r>
+            <a:r>
+              <a:rPr lang="de-DE" altLang="zh-CN" sz="1200" kern="1200" baseline="0" noProof="0" dirty="0" err="1" smtClean="0">
+                <a:solidFill>
+                  <a:schemeClr val="tx1"/>
+                </a:solidFill>
+                <a:latin typeface="Arial" charset="0"/>
+                <a:ea typeface="+mn-ea"/>
+                <a:cs typeface="+mn-cs"/>
+              </a:rPr>
+              <a:t>of</a:t>
+            </a:r>
+            <a:r>
+              <a:rPr lang="de-DE" altLang="zh-CN" sz="1200" kern="1200" baseline="0" noProof="0" dirty="0" smtClean="0">
+                <a:solidFill>
+                  <a:schemeClr val="tx1"/>
+                </a:solidFill>
+                <a:latin typeface="Arial" charset="0"/>
+                <a:ea typeface="+mn-ea"/>
+                <a:cs typeface="+mn-cs"/>
+              </a:rPr>
+              <a:t> 5.5µm.</a:t>
+            </a:r>
+            <a:endParaRPr lang="en-US" altLang="zh-CN" sz="1200" kern="1200" baseline="0" noProof="0" dirty="0" smtClean="0">
+              <a:solidFill>
+                <a:schemeClr val="tx1"/>
+              </a:solidFill>
+              <a:latin typeface="Arial" charset="0"/>
+              <a:ea typeface="+mn-ea"/>
+              <a:cs typeface="+mn-cs"/>
+            </a:endParaRPr>
+          </a:p>
+          <a:p>
+            <a:r>
+              <a:rPr lang="de-DE" altLang="zh-CN" noProof="0" dirty="0" err="1" smtClean="0"/>
+              <a:t>Coupling</a:t>
+            </a:r>
+            <a:r>
+              <a:rPr lang="de-DE" altLang="zh-CN" noProof="0" dirty="0" smtClean="0"/>
+              <a:t> </a:t>
+            </a:r>
+            <a:r>
+              <a:rPr lang="de-DE" altLang="zh-CN" noProof="0" dirty="0" err="1" smtClean="0"/>
+              <a:t>efficiency</a:t>
+            </a:r>
+            <a:r>
+              <a:rPr lang="de-DE" altLang="zh-CN" noProof="0" dirty="0" smtClean="0"/>
+              <a:t> </a:t>
+            </a:r>
+            <a:r>
+              <a:rPr lang="de-DE" altLang="zh-CN" noProof="0" dirty="0" err="1" smtClean="0"/>
+              <a:t>curve</a:t>
+            </a:r>
+            <a:r>
+              <a:rPr lang="de-DE" altLang="zh-CN" noProof="0" dirty="0" smtClean="0"/>
+              <a:t> due </a:t>
+            </a:r>
+            <a:r>
+              <a:rPr lang="de-DE" altLang="zh-CN" noProof="0" dirty="0" err="1" smtClean="0"/>
+              <a:t>to</a:t>
+            </a:r>
+            <a:r>
+              <a:rPr lang="de-DE" altLang="zh-CN" noProof="0" dirty="0" smtClean="0"/>
+              <a:t> taper </a:t>
+            </a:r>
+            <a:r>
+              <a:rPr lang="de-DE" altLang="zh-CN" noProof="0" dirty="0" err="1" smtClean="0"/>
+              <a:t>width</a:t>
+            </a:r>
+            <a:r>
+              <a:rPr lang="de-DE" altLang="zh-CN" noProof="0" dirty="0" smtClean="0"/>
+              <a:t> </a:t>
+            </a:r>
+            <a:r>
+              <a:rPr lang="de-DE" altLang="zh-CN" noProof="0" dirty="0" err="1" smtClean="0"/>
+              <a:t>reveal</a:t>
+            </a:r>
+            <a:r>
+              <a:rPr lang="de-DE" altLang="zh-CN" noProof="0" dirty="0" smtClean="0"/>
+              <a:t> </a:t>
+            </a:r>
+            <a:r>
+              <a:rPr lang="de-DE" altLang="zh-CN" noProof="0" dirty="0" err="1" smtClean="0"/>
+              <a:t>that</a:t>
+            </a:r>
+            <a:r>
+              <a:rPr lang="de-DE" altLang="zh-CN" noProof="0" dirty="0" smtClean="0"/>
+              <a:t> taper</a:t>
+            </a:r>
+            <a:r>
+              <a:rPr lang="de-DE" altLang="zh-CN" baseline="0" noProof="0" dirty="0" smtClean="0"/>
+              <a:t> </a:t>
+            </a:r>
+            <a:r>
+              <a:rPr lang="de-DE" altLang="zh-CN" baseline="0" noProof="0" dirty="0" err="1" smtClean="0"/>
+              <a:t>width</a:t>
+            </a:r>
+            <a:r>
+              <a:rPr lang="de-DE" altLang="zh-CN" baseline="0" noProof="0" dirty="0" smtClean="0"/>
+              <a:t> </a:t>
+            </a:r>
+            <a:r>
+              <a:rPr lang="de-DE" altLang="zh-CN" baseline="0" noProof="0" dirty="0" err="1" smtClean="0"/>
+              <a:t>of</a:t>
+            </a:r>
+            <a:r>
+              <a:rPr lang="de-DE" altLang="zh-CN" baseline="0" noProof="0" dirty="0" smtClean="0"/>
+              <a:t> 2-2.2µm </a:t>
+            </a:r>
+            <a:r>
+              <a:rPr lang="de-DE" altLang="zh-CN" baseline="0" noProof="0" dirty="0" err="1" smtClean="0"/>
+              <a:t>is</a:t>
+            </a:r>
+            <a:r>
+              <a:rPr lang="de-DE" altLang="zh-CN" baseline="0" noProof="0" dirty="0" smtClean="0"/>
+              <a:t> </a:t>
+            </a:r>
+            <a:r>
+              <a:rPr lang="de-DE" altLang="zh-CN" baseline="0" noProof="0" dirty="0" err="1" smtClean="0"/>
+              <a:t>the</a:t>
+            </a:r>
+            <a:r>
+              <a:rPr lang="de-DE" altLang="zh-CN" baseline="0" noProof="0" dirty="0" smtClean="0"/>
+              <a:t> </a:t>
+            </a:r>
+            <a:r>
+              <a:rPr lang="de-DE" altLang="zh-CN" baseline="0" noProof="0" dirty="0" err="1" smtClean="0"/>
+              <a:t>best</a:t>
+            </a:r>
+            <a:r>
+              <a:rPr lang="de-DE" altLang="zh-CN" baseline="0" noProof="0" dirty="0" smtClean="0"/>
+              <a:t> </a:t>
+            </a:r>
+            <a:r>
+              <a:rPr lang="de-DE" altLang="zh-CN" baseline="0" noProof="0" dirty="0" err="1" smtClean="0"/>
+              <a:t>option</a:t>
+            </a:r>
+            <a:r>
+              <a:rPr lang="de-DE" altLang="zh-CN" baseline="0" noProof="0" dirty="0" smtClean="0"/>
+              <a:t>. The </a:t>
+            </a:r>
+            <a:r>
+              <a:rPr lang="de-DE" altLang="zh-CN" baseline="0" noProof="0" dirty="0" err="1" smtClean="0"/>
+              <a:t>reason</a:t>
+            </a:r>
+            <a:r>
+              <a:rPr lang="de-DE" altLang="zh-CN" baseline="0" noProof="0" dirty="0" smtClean="0"/>
+              <a:t> </a:t>
+            </a:r>
+            <a:r>
+              <a:rPr lang="de-DE" altLang="zh-CN" baseline="0" noProof="0" dirty="0" err="1" smtClean="0"/>
+              <a:t>is</a:t>
+            </a:r>
+            <a:r>
+              <a:rPr lang="de-DE" altLang="zh-CN" baseline="0" noProof="0" dirty="0" smtClean="0"/>
+              <a:t> </a:t>
+            </a:r>
+            <a:r>
+              <a:rPr lang="de-DE" altLang="zh-CN" baseline="0" noProof="0" dirty="0" err="1" smtClean="0"/>
+              <a:t>that</a:t>
+            </a:r>
+            <a:r>
+              <a:rPr lang="de-DE" altLang="zh-CN" baseline="0" noProof="0" dirty="0" smtClean="0"/>
+              <a:t> </a:t>
+            </a:r>
+            <a:r>
+              <a:rPr lang="de-DE" altLang="zh-CN" baseline="0" noProof="0" dirty="0" err="1" smtClean="0"/>
+              <a:t>wide</a:t>
+            </a:r>
+            <a:r>
+              <a:rPr lang="de-DE" altLang="zh-CN" baseline="0" noProof="0" dirty="0" smtClean="0"/>
+              <a:t> taper </a:t>
+            </a:r>
+            <a:r>
+              <a:rPr lang="de-DE" altLang="zh-CN" baseline="0" noProof="0" dirty="0" err="1" smtClean="0"/>
+              <a:t>interface</a:t>
+            </a:r>
+            <a:r>
+              <a:rPr lang="de-DE" altLang="zh-CN" baseline="0" noProof="0" dirty="0" smtClean="0"/>
+              <a:t> </a:t>
+            </a:r>
+            <a:r>
+              <a:rPr lang="de-DE" altLang="zh-CN" baseline="0" noProof="0" dirty="0" err="1" smtClean="0"/>
+              <a:t>can</a:t>
+            </a:r>
+            <a:r>
+              <a:rPr lang="de-DE" altLang="zh-CN" baseline="0" noProof="0" dirty="0" smtClean="0"/>
+              <a:t> catch </a:t>
+            </a:r>
+            <a:r>
+              <a:rPr lang="de-DE" altLang="zh-CN" baseline="0" noProof="0" dirty="0" err="1" smtClean="0"/>
+              <a:t>more</a:t>
+            </a:r>
+            <a:r>
+              <a:rPr lang="de-DE" altLang="zh-CN" baseline="0" noProof="0" dirty="0" smtClean="0"/>
+              <a:t> </a:t>
+            </a:r>
+            <a:r>
+              <a:rPr lang="de-DE" altLang="zh-CN" baseline="0" noProof="0" dirty="0" err="1" smtClean="0"/>
+              <a:t>linght</a:t>
+            </a:r>
+            <a:r>
+              <a:rPr lang="de-DE" altLang="zh-CN" baseline="0" noProof="0" dirty="0" smtClean="0"/>
+              <a:t> </a:t>
+            </a:r>
+            <a:r>
+              <a:rPr lang="de-DE" altLang="zh-CN" baseline="0" noProof="0" dirty="0" err="1" smtClean="0"/>
+              <a:t>ennergy</a:t>
+            </a:r>
+            <a:r>
+              <a:rPr lang="de-DE" altLang="zh-CN" baseline="0" noProof="0" dirty="0" smtClean="0"/>
+              <a:t>. After  2.2µm, </a:t>
+            </a:r>
+            <a:r>
+              <a:rPr lang="de-DE" altLang="zh-CN" baseline="0" noProof="0" dirty="0" err="1" smtClean="0"/>
+              <a:t>other</a:t>
+            </a:r>
+            <a:r>
+              <a:rPr lang="de-DE" altLang="zh-CN" baseline="0" noProof="0" dirty="0" smtClean="0"/>
+              <a:t> </a:t>
+            </a:r>
+            <a:r>
+              <a:rPr lang="de-DE" altLang="zh-CN" baseline="0" noProof="0" dirty="0" err="1" smtClean="0"/>
+              <a:t>aspects</a:t>
+            </a:r>
+            <a:r>
+              <a:rPr lang="de-DE" altLang="zh-CN" baseline="0" noProof="0" dirty="0" smtClean="0"/>
+              <a:t> </a:t>
+            </a:r>
+            <a:r>
+              <a:rPr lang="de-DE" altLang="zh-CN" baseline="0" noProof="0" dirty="0" err="1" smtClean="0"/>
+              <a:t>caus</a:t>
+            </a:r>
+            <a:r>
+              <a:rPr lang="de-DE" altLang="zh-CN" baseline="0" noProof="0" dirty="0" smtClean="0"/>
+              <a:t> </a:t>
+            </a:r>
+            <a:r>
+              <a:rPr lang="de-DE" altLang="zh-CN" baseline="0" noProof="0" dirty="0" err="1" smtClean="0"/>
+              <a:t>coupling</a:t>
+            </a:r>
+            <a:r>
+              <a:rPr lang="de-DE" altLang="zh-CN" baseline="0" noProof="0" dirty="0" smtClean="0"/>
+              <a:t> </a:t>
+            </a:r>
+            <a:r>
+              <a:rPr lang="de-DE" altLang="zh-CN" baseline="0" noProof="0" dirty="0" err="1" smtClean="0"/>
+              <a:t>decline</a:t>
+            </a:r>
+            <a:r>
+              <a:rPr lang="de-DE" altLang="zh-CN" baseline="0" noProof="0" dirty="0" smtClean="0"/>
+              <a:t>.</a:t>
+            </a:r>
+          </a:p>
+          <a:p>
+            <a:endParaRPr lang="de-DE" altLang="zh-CN" baseline="0" noProof="0" dirty="0" smtClean="0"/>
+          </a:p>
+          <a:p>
+            <a:r>
+              <a:rPr lang="de-DE" altLang="zh-CN" baseline="0" noProof="0" dirty="0" smtClean="0"/>
+              <a:t>In </a:t>
+            </a:r>
+            <a:r>
+              <a:rPr lang="de-DE" altLang="zh-CN" baseline="0" noProof="0" dirty="0" err="1" smtClean="0"/>
+              <a:t>testing</a:t>
+            </a:r>
+            <a:r>
+              <a:rPr lang="de-DE" altLang="zh-CN" baseline="0" noProof="0" dirty="0" smtClean="0"/>
+              <a:t> taper </a:t>
+            </a:r>
+            <a:r>
+              <a:rPr lang="de-DE" altLang="zh-CN" baseline="0" noProof="0" dirty="0" err="1" smtClean="0"/>
+              <a:t>length</a:t>
+            </a:r>
+            <a:r>
+              <a:rPr lang="de-DE" altLang="zh-CN" baseline="0" noProof="0" dirty="0" smtClean="0"/>
+              <a:t>, </a:t>
+            </a:r>
+            <a:r>
+              <a:rPr lang="de-DE" altLang="zh-CN" baseline="0" noProof="0" dirty="0" err="1" smtClean="0"/>
+              <a:t>the</a:t>
+            </a:r>
+            <a:r>
+              <a:rPr lang="de-DE" altLang="zh-CN" baseline="0" noProof="0" dirty="0" smtClean="0"/>
+              <a:t> taper </a:t>
+            </a:r>
+            <a:r>
+              <a:rPr lang="de-DE" altLang="zh-CN" baseline="0" noProof="0" dirty="0" err="1" smtClean="0"/>
+              <a:t>width</a:t>
+            </a:r>
+            <a:r>
+              <a:rPr lang="de-DE" altLang="zh-CN" baseline="0" noProof="0" dirty="0" smtClean="0"/>
+              <a:t> </a:t>
+            </a:r>
+            <a:r>
+              <a:rPr lang="de-DE" altLang="zh-CN" baseline="0" noProof="0" dirty="0" err="1" smtClean="0"/>
+              <a:t>is</a:t>
+            </a:r>
+            <a:r>
+              <a:rPr lang="de-DE" altLang="zh-CN" baseline="0" noProof="0" dirty="0" smtClean="0"/>
+              <a:t> </a:t>
+            </a:r>
+            <a:r>
+              <a:rPr lang="de-DE" altLang="zh-CN" baseline="0" noProof="0" dirty="0" err="1" smtClean="0"/>
+              <a:t>kept</a:t>
+            </a:r>
+            <a:r>
+              <a:rPr lang="de-DE" altLang="zh-CN" baseline="0" noProof="0" dirty="0" smtClean="0"/>
+              <a:t> </a:t>
+            </a:r>
+            <a:r>
+              <a:rPr lang="de-DE" altLang="zh-CN" baseline="0" noProof="0" dirty="0" err="1" smtClean="0"/>
+              <a:t>as</a:t>
+            </a:r>
+            <a:r>
+              <a:rPr lang="de-DE" altLang="zh-CN" baseline="0" noProof="0" dirty="0" smtClean="0"/>
+              <a:t> </a:t>
+            </a:r>
+            <a:r>
+              <a:rPr lang="de-DE" altLang="zh-CN" baseline="0" noProof="0" dirty="0" err="1" smtClean="0"/>
+              <a:t>constant</a:t>
+            </a:r>
+            <a:r>
+              <a:rPr lang="de-DE" altLang="zh-CN" baseline="0" noProof="0" dirty="0" smtClean="0"/>
+              <a:t> </a:t>
+            </a:r>
+            <a:r>
+              <a:rPr lang="de-DE" altLang="zh-CN" baseline="0" noProof="0" dirty="0" err="1" smtClean="0"/>
+              <a:t>of</a:t>
+            </a:r>
+            <a:r>
+              <a:rPr lang="de-DE" altLang="zh-CN" baseline="0" noProof="0" dirty="0" smtClean="0"/>
+              <a:t> 2µm.</a:t>
+            </a:r>
+          </a:p>
+          <a:p>
+            <a:r>
+              <a:rPr lang="de-DE" altLang="zh-CN" baseline="0" noProof="0" dirty="0" err="1" smtClean="0"/>
+              <a:t>Coupling</a:t>
+            </a:r>
+            <a:r>
+              <a:rPr lang="de-DE" altLang="zh-CN" baseline="0" noProof="0" dirty="0" smtClean="0"/>
+              <a:t> </a:t>
+            </a:r>
+            <a:r>
+              <a:rPr lang="de-DE" altLang="zh-CN" baseline="0" noProof="0" dirty="0" err="1" smtClean="0"/>
+              <a:t>efficiency</a:t>
+            </a:r>
+            <a:r>
+              <a:rPr lang="de-DE" altLang="zh-CN" baseline="0" noProof="0" dirty="0" smtClean="0"/>
+              <a:t> </a:t>
+            </a:r>
+            <a:r>
+              <a:rPr lang="de-DE" altLang="zh-CN" baseline="0" noProof="0" dirty="0" err="1" smtClean="0"/>
+              <a:t>curve</a:t>
+            </a:r>
+            <a:r>
+              <a:rPr lang="de-DE" altLang="zh-CN" baseline="0" noProof="0" dirty="0" smtClean="0"/>
+              <a:t> due </a:t>
+            </a:r>
+            <a:r>
+              <a:rPr lang="de-DE" altLang="zh-CN" baseline="0" noProof="0" dirty="0" err="1" smtClean="0"/>
+              <a:t>to</a:t>
+            </a:r>
+            <a:r>
+              <a:rPr lang="de-DE" altLang="zh-CN" baseline="0" noProof="0" dirty="0" smtClean="0"/>
+              <a:t> taper </a:t>
+            </a:r>
+            <a:r>
+              <a:rPr lang="de-DE" altLang="zh-CN" baseline="0" noProof="0" dirty="0" err="1" smtClean="0"/>
+              <a:t>length</a:t>
+            </a:r>
+            <a:r>
+              <a:rPr lang="de-DE" altLang="zh-CN" baseline="0" noProof="0" dirty="0" smtClean="0"/>
+              <a:t> </a:t>
+            </a:r>
+            <a:r>
+              <a:rPr lang="de-DE" altLang="zh-CN" baseline="0" noProof="0" dirty="0" err="1" smtClean="0"/>
+              <a:t>shows</a:t>
+            </a:r>
+            <a:r>
+              <a:rPr lang="de-DE" altLang="zh-CN" baseline="0" noProof="0" dirty="0" smtClean="0"/>
+              <a:t> </a:t>
+            </a:r>
+            <a:r>
+              <a:rPr lang="de-DE" altLang="zh-CN" baseline="0" noProof="0" dirty="0" err="1" smtClean="0"/>
+              <a:t>that</a:t>
+            </a:r>
+            <a:r>
+              <a:rPr lang="de-DE" altLang="zh-CN" baseline="0" noProof="0" dirty="0" smtClean="0"/>
+              <a:t> </a:t>
+            </a:r>
+            <a:r>
+              <a:rPr lang="de-DE" altLang="zh-CN" baseline="0" noProof="0" dirty="0" err="1" smtClean="0"/>
+              <a:t>long</a:t>
+            </a:r>
+            <a:r>
+              <a:rPr lang="de-DE" altLang="zh-CN" baseline="0" noProof="0" dirty="0" smtClean="0"/>
+              <a:t> taper </a:t>
+            </a:r>
+            <a:r>
+              <a:rPr lang="de-DE" altLang="zh-CN" baseline="0" noProof="0" dirty="0" err="1" smtClean="0"/>
+              <a:t>length</a:t>
+            </a:r>
+            <a:r>
+              <a:rPr lang="de-DE" altLang="zh-CN" baseline="0" noProof="0" dirty="0" smtClean="0"/>
+              <a:t> </a:t>
+            </a:r>
+            <a:r>
+              <a:rPr lang="de-DE" altLang="zh-CN" baseline="0" noProof="0" dirty="0" err="1" smtClean="0"/>
+              <a:t>leands</a:t>
+            </a:r>
+            <a:r>
+              <a:rPr lang="de-DE" altLang="zh-CN" baseline="0" noProof="0" dirty="0" smtClean="0"/>
+              <a:t> </a:t>
+            </a:r>
+            <a:r>
+              <a:rPr lang="de-DE" altLang="zh-CN" baseline="0" noProof="0" dirty="0" err="1" smtClean="0"/>
+              <a:t>to</a:t>
+            </a:r>
+            <a:r>
+              <a:rPr lang="de-DE" altLang="zh-CN" baseline="0" noProof="0" dirty="0" smtClean="0"/>
+              <a:t> </a:t>
+            </a:r>
+            <a:r>
+              <a:rPr lang="de-DE" altLang="zh-CN" baseline="0" noProof="0" dirty="0" err="1" smtClean="0"/>
+              <a:t>better</a:t>
+            </a:r>
+            <a:r>
+              <a:rPr lang="de-DE" altLang="zh-CN" baseline="0" noProof="0" dirty="0" smtClean="0"/>
+              <a:t> </a:t>
+            </a:r>
+            <a:r>
+              <a:rPr lang="de-DE" altLang="zh-CN" baseline="0" noProof="0" dirty="0" err="1" smtClean="0"/>
+              <a:t>coupling</a:t>
+            </a:r>
+            <a:r>
+              <a:rPr lang="de-DE" altLang="zh-CN" baseline="0" noProof="0" dirty="0" smtClean="0"/>
+              <a:t> </a:t>
+            </a:r>
+            <a:r>
+              <a:rPr lang="de-DE" altLang="zh-CN" baseline="0" noProof="0" dirty="0" err="1" smtClean="0"/>
+              <a:t>efficiency</a:t>
+            </a:r>
+            <a:r>
+              <a:rPr lang="de-DE" altLang="zh-CN" baseline="0" noProof="0" dirty="0" smtClean="0"/>
+              <a:t>, but after </a:t>
+            </a:r>
+            <a:r>
+              <a:rPr lang="de-DE" altLang="zh-CN" baseline="0" noProof="0" dirty="0" err="1" smtClean="0"/>
+              <a:t>length</a:t>
+            </a:r>
+            <a:r>
+              <a:rPr lang="de-DE" altLang="zh-CN" baseline="0" noProof="0" dirty="0" smtClean="0"/>
+              <a:t> </a:t>
+            </a:r>
+            <a:r>
+              <a:rPr lang="de-DE" altLang="zh-CN" baseline="0" noProof="0" dirty="0" err="1" smtClean="0"/>
+              <a:t>of</a:t>
+            </a:r>
+            <a:r>
+              <a:rPr lang="de-DE" altLang="zh-CN" baseline="0" noProof="0" dirty="0" smtClean="0"/>
+              <a:t> 4.5µm  </a:t>
+            </a:r>
+            <a:r>
+              <a:rPr lang="de-DE" altLang="zh-CN" baseline="0" noProof="0" dirty="0" err="1" smtClean="0"/>
+              <a:t>there</a:t>
+            </a:r>
+            <a:r>
+              <a:rPr lang="de-DE" altLang="zh-CN" baseline="0" noProof="0" dirty="0" smtClean="0"/>
+              <a:t> </a:t>
+            </a:r>
+            <a:r>
+              <a:rPr lang="de-DE" altLang="zh-CN" baseline="0" noProof="0" dirty="0" err="1" smtClean="0"/>
+              <a:t>is</a:t>
+            </a:r>
+            <a:r>
+              <a:rPr lang="de-DE" altLang="zh-CN" baseline="0" noProof="0" dirty="0" smtClean="0"/>
+              <a:t> </a:t>
+            </a:r>
+            <a:r>
+              <a:rPr lang="de-DE" altLang="zh-CN" baseline="0" noProof="0" dirty="0" err="1" smtClean="0"/>
+              <a:t>no</a:t>
+            </a:r>
+            <a:r>
+              <a:rPr lang="de-DE" altLang="zh-CN" baseline="0" noProof="0" dirty="0" smtClean="0"/>
+              <a:t> </a:t>
+            </a:r>
+            <a:r>
+              <a:rPr lang="de-DE" altLang="zh-CN" baseline="0" noProof="0" dirty="0" err="1" smtClean="0"/>
+              <a:t>great</a:t>
+            </a:r>
+            <a:r>
+              <a:rPr lang="de-DE" altLang="zh-CN" baseline="0" noProof="0" dirty="0" smtClean="0"/>
+              <a:t> </a:t>
+            </a:r>
+            <a:r>
+              <a:rPr lang="de-DE" altLang="zh-CN" baseline="0" noProof="0" dirty="0" err="1" smtClean="0"/>
+              <a:t>improvement</a:t>
+            </a:r>
+            <a:r>
+              <a:rPr lang="de-DE" altLang="zh-CN" baseline="0" noProof="0" dirty="0" smtClean="0"/>
+              <a:t>. The </a:t>
+            </a:r>
+            <a:r>
+              <a:rPr lang="de-DE" altLang="zh-CN" baseline="0" noProof="0" dirty="0" err="1" smtClean="0"/>
+              <a:t>reason</a:t>
+            </a:r>
+            <a:r>
+              <a:rPr lang="de-DE" altLang="zh-CN" baseline="0" noProof="0" dirty="0" smtClean="0"/>
+              <a:t> </a:t>
+            </a:r>
+            <a:r>
+              <a:rPr lang="de-DE" altLang="zh-CN" baseline="0" noProof="0" dirty="0" err="1" smtClean="0"/>
+              <a:t>is</a:t>
+            </a:r>
+            <a:r>
+              <a:rPr lang="de-DE" altLang="zh-CN" baseline="0" noProof="0" dirty="0" smtClean="0"/>
+              <a:t> </a:t>
+            </a:r>
+            <a:r>
+              <a:rPr lang="de-DE" altLang="zh-CN" baseline="0" noProof="0" dirty="0" err="1" smtClean="0"/>
+              <a:t>mode</a:t>
+            </a:r>
+            <a:r>
+              <a:rPr lang="de-DE" altLang="zh-CN" baseline="0" noProof="0" dirty="0" smtClean="0"/>
+              <a:t> </a:t>
+            </a:r>
+            <a:r>
+              <a:rPr lang="de-DE" altLang="zh-CN" baseline="0" noProof="0" dirty="0" err="1" smtClean="0"/>
+              <a:t>conversion</a:t>
+            </a:r>
+            <a:r>
+              <a:rPr lang="de-DE" altLang="zh-CN" baseline="0" noProof="0" dirty="0" smtClean="0"/>
+              <a:t>. In </a:t>
+            </a:r>
+            <a:r>
+              <a:rPr lang="de-DE" altLang="zh-CN" baseline="0" noProof="0" dirty="0" err="1" smtClean="0"/>
+              <a:t>mode</a:t>
+            </a:r>
+            <a:r>
+              <a:rPr lang="de-DE" altLang="zh-CN" baseline="0" noProof="0" dirty="0" smtClean="0"/>
+              <a:t> </a:t>
+            </a:r>
+            <a:r>
+              <a:rPr lang="de-DE" altLang="zh-CN" baseline="0" noProof="0" dirty="0" err="1" smtClean="0"/>
+              <a:t>conversion</a:t>
+            </a:r>
+            <a:r>
+              <a:rPr lang="de-DE" altLang="zh-CN" baseline="0" noProof="0" dirty="0" smtClean="0"/>
+              <a:t> </a:t>
+            </a:r>
+            <a:r>
+              <a:rPr lang="de-DE" altLang="zh-CN" baseline="0" noProof="0" dirty="0" err="1" smtClean="0"/>
+              <a:t>the</a:t>
+            </a:r>
+            <a:r>
+              <a:rPr lang="de-DE" altLang="zh-CN" baseline="0" noProof="0" dirty="0" smtClean="0"/>
+              <a:t> </a:t>
+            </a:r>
+            <a:r>
+              <a:rPr lang="de-DE" altLang="zh-CN" baseline="0" noProof="0" dirty="0" err="1" smtClean="0"/>
+              <a:t>part</a:t>
+            </a:r>
+            <a:r>
+              <a:rPr lang="de-DE" altLang="zh-CN" baseline="0" noProof="0" dirty="0" smtClean="0"/>
+              <a:t> </a:t>
+            </a:r>
+            <a:r>
+              <a:rPr lang="de-DE" altLang="zh-CN" baseline="0" noProof="0" dirty="0" err="1" smtClean="0"/>
+              <a:t>of</a:t>
+            </a:r>
+            <a:r>
+              <a:rPr lang="de-DE" altLang="zh-CN" baseline="0" noProof="0" dirty="0" smtClean="0"/>
+              <a:t> </a:t>
+            </a:r>
+            <a:r>
+              <a:rPr lang="de-DE" altLang="zh-CN" baseline="0" noProof="0" dirty="0" err="1" smtClean="0"/>
+              <a:t>light</a:t>
+            </a:r>
+            <a:r>
+              <a:rPr lang="de-DE" altLang="zh-CN" baseline="0" noProof="0" dirty="0" smtClean="0"/>
+              <a:t> </a:t>
+            </a:r>
+            <a:r>
+              <a:rPr lang="de-DE" altLang="zh-CN" baseline="0" noProof="0" dirty="0" err="1" smtClean="0"/>
+              <a:t>energy</a:t>
+            </a:r>
+            <a:r>
+              <a:rPr lang="de-DE" altLang="zh-CN" baseline="0" noProof="0" dirty="0" smtClean="0"/>
+              <a:t> </a:t>
+            </a:r>
+            <a:r>
+              <a:rPr lang="de-DE" altLang="zh-CN" baseline="0" noProof="0" dirty="0" err="1" smtClean="0"/>
+              <a:t>is</a:t>
+            </a:r>
+            <a:r>
+              <a:rPr lang="de-DE" altLang="zh-CN" baseline="0" noProof="0" dirty="0" smtClean="0"/>
+              <a:t> </a:t>
+            </a:r>
+            <a:r>
+              <a:rPr lang="de-DE" altLang="zh-CN" baseline="0" noProof="0" dirty="0" err="1" smtClean="0"/>
+              <a:t>converted</a:t>
+            </a:r>
+            <a:r>
+              <a:rPr lang="de-DE" altLang="zh-CN" baseline="0" noProof="0" dirty="0" smtClean="0"/>
+              <a:t> </a:t>
+            </a:r>
+            <a:r>
+              <a:rPr lang="de-DE" altLang="zh-CN" baseline="0" noProof="0" dirty="0" err="1" smtClean="0"/>
+              <a:t>to</a:t>
+            </a:r>
+            <a:r>
+              <a:rPr lang="de-DE" altLang="zh-CN" baseline="0" noProof="0" dirty="0" smtClean="0"/>
+              <a:t> </a:t>
+            </a:r>
+            <a:r>
+              <a:rPr lang="de-DE" altLang="zh-CN" baseline="0" noProof="0" dirty="0" err="1" smtClean="0"/>
+              <a:t>high</a:t>
+            </a:r>
+            <a:r>
+              <a:rPr lang="de-DE" altLang="zh-CN" baseline="0" noProof="0" dirty="0" smtClean="0"/>
+              <a:t>-order </a:t>
+            </a:r>
+            <a:r>
+              <a:rPr lang="de-DE" altLang="zh-CN" baseline="0" noProof="0" dirty="0" err="1" smtClean="0"/>
+              <a:t>mode</a:t>
+            </a:r>
+            <a:r>
+              <a:rPr lang="de-DE" altLang="zh-CN" baseline="0" noProof="0" dirty="0" smtClean="0"/>
+              <a:t>. The </a:t>
+            </a:r>
+            <a:r>
+              <a:rPr lang="de-DE" altLang="zh-CN" baseline="0" noProof="0" dirty="0" err="1" smtClean="0"/>
+              <a:t>aspect</a:t>
+            </a:r>
+            <a:r>
+              <a:rPr lang="de-DE" altLang="zh-CN" baseline="0" noProof="0" dirty="0" smtClean="0"/>
+              <a:t> </a:t>
+            </a:r>
+            <a:r>
+              <a:rPr lang="de-DE" altLang="zh-CN" baseline="0" noProof="0" dirty="0" err="1" smtClean="0"/>
+              <a:t>ratio</a:t>
+            </a:r>
+            <a:r>
+              <a:rPr lang="de-DE" altLang="zh-CN" baseline="0" noProof="0" dirty="0" smtClean="0"/>
+              <a:t>=</a:t>
+            </a:r>
+            <a:r>
+              <a:rPr lang="de-DE" altLang="zh-CN" baseline="0" noProof="0" dirty="0" err="1" smtClean="0"/>
+              <a:t>length</a:t>
+            </a:r>
+            <a:r>
+              <a:rPr lang="de-DE" altLang="zh-CN" baseline="0" noProof="0" dirty="0" smtClean="0"/>
+              <a:t>/</a:t>
+            </a:r>
+            <a:r>
+              <a:rPr lang="de-DE" altLang="zh-CN" baseline="0" noProof="0" dirty="0" err="1" smtClean="0"/>
+              <a:t>width</a:t>
+            </a:r>
+            <a:r>
+              <a:rPr lang="de-DE" altLang="zh-CN" baseline="0" noProof="0" dirty="0" smtClean="0"/>
+              <a:t> </a:t>
+            </a:r>
+            <a:r>
+              <a:rPr lang="de-DE" altLang="zh-CN" baseline="0" noProof="0" dirty="0" err="1" smtClean="0"/>
+              <a:t>affects</a:t>
+            </a:r>
+            <a:r>
+              <a:rPr lang="de-DE" altLang="zh-CN" baseline="0" noProof="0" dirty="0" smtClean="0"/>
+              <a:t> </a:t>
+            </a:r>
+            <a:r>
+              <a:rPr lang="de-DE" altLang="zh-CN" baseline="0" noProof="0" dirty="0" err="1" smtClean="0"/>
+              <a:t>the</a:t>
+            </a:r>
+            <a:r>
+              <a:rPr lang="de-DE" altLang="zh-CN" baseline="0" noProof="0" dirty="0" smtClean="0"/>
+              <a:t> </a:t>
+            </a:r>
+            <a:r>
+              <a:rPr lang="de-DE" altLang="zh-CN" baseline="0" noProof="0" dirty="0" err="1" smtClean="0"/>
+              <a:t>mode</a:t>
+            </a:r>
+            <a:r>
+              <a:rPr lang="de-DE" altLang="zh-CN" baseline="0" noProof="0" dirty="0" smtClean="0"/>
+              <a:t> </a:t>
+            </a:r>
+            <a:r>
+              <a:rPr lang="de-DE" altLang="zh-CN" baseline="0" noProof="0" dirty="0" err="1" smtClean="0"/>
+              <a:t>conversion</a:t>
+            </a:r>
+            <a:r>
+              <a:rPr lang="de-DE" altLang="zh-CN" baseline="0" noProof="0" dirty="0" smtClean="0"/>
+              <a:t>. Small </a:t>
+            </a:r>
+            <a:r>
+              <a:rPr lang="de-DE" altLang="zh-CN" baseline="0" noProof="0" dirty="0" err="1" smtClean="0"/>
+              <a:t>length</a:t>
+            </a:r>
+            <a:r>
+              <a:rPr lang="de-DE" altLang="zh-CN" baseline="0" noProof="0" dirty="0" smtClean="0"/>
+              <a:t> </a:t>
+            </a:r>
+            <a:r>
+              <a:rPr lang="de-DE" altLang="zh-CN" baseline="0" noProof="0" dirty="0" err="1" smtClean="0"/>
+              <a:t>leads</a:t>
+            </a:r>
+            <a:r>
+              <a:rPr lang="de-DE" altLang="zh-CN" baseline="0" noProof="0" dirty="0" smtClean="0"/>
+              <a:t> </a:t>
+            </a:r>
+            <a:r>
+              <a:rPr lang="de-DE" altLang="zh-CN" baseline="0" noProof="0" dirty="0" err="1" smtClean="0"/>
+              <a:t>to</a:t>
+            </a:r>
+            <a:r>
+              <a:rPr lang="de-DE" altLang="zh-CN" baseline="0" noProof="0" dirty="0" smtClean="0"/>
+              <a:t> </a:t>
+            </a:r>
+            <a:r>
+              <a:rPr lang="de-DE" altLang="zh-CN" baseline="0" noProof="0" dirty="0" err="1" smtClean="0"/>
+              <a:t>small</a:t>
+            </a:r>
+            <a:r>
+              <a:rPr lang="de-DE" altLang="zh-CN" baseline="0" noProof="0" dirty="0" smtClean="0"/>
+              <a:t> </a:t>
+            </a:r>
+            <a:r>
+              <a:rPr lang="de-DE" altLang="zh-CN" baseline="0" noProof="0" dirty="0" err="1" smtClean="0"/>
+              <a:t>ratio</a:t>
+            </a:r>
+            <a:r>
+              <a:rPr lang="de-DE" altLang="zh-CN" baseline="0" noProof="0" dirty="0" smtClean="0"/>
+              <a:t>, </a:t>
+            </a:r>
+            <a:r>
+              <a:rPr lang="de-DE" altLang="zh-CN" baseline="0" noProof="0" dirty="0" err="1" smtClean="0"/>
+              <a:t>then</a:t>
+            </a:r>
+            <a:r>
+              <a:rPr lang="de-DE" altLang="zh-CN" baseline="0" noProof="0" dirty="0" smtClean="0"/>
+              <a:t> </a:t>
+            </a:r>
+            <a:r>
+              <a:rPr lang="de-DE" altLang="zh-CN" baseline="0" noProof="0" dirty="0" err="1" smtClean="0"/>
+              <a:t>cause</a:t>
+            </a:r>
+            <a:r>
+              <a:rPr lang="de-DE" altLang="zh-CN" baseline="0" noProof="0" dirty="0" smtClean="0"/>
+              <a:t> </a:t>
+            </a:r>
+            <a:r>
+              <a:rPr lang="de-DE" altLang="zh-CN" baseline="0" noProof="0" dirty="0" err="1" smtClean="0"/>
+              <a:t>great</a:t>
+            </a:r>
+            <a:r>
+              <a:rPr lang="de-DE" altLang="zh-CN" baseline="0" noProof="0" dirty="0" smtClean="0"/>
+              <a:t> </a:t>
+            </a:r>
+            <a:r>
+              <a:rPr lang="de-DE" altLang="zh-CN" baseline="0" noProof="0" dirty="0" err="1" smtClean="0"/>
+              <a:t>mode</a:t>
+            </a:r>
+            <a:r>
+              <a:rPr lang="de-DE" altLang="zh-CN" baseline="0" noProof="0" dirty="0" smtClean="0"/>
+              <a:t> </a:t>
+            </a:r>
+            <a:r>
+              <a:rPr lang="de-DE" altLang="zh-CN" baseline="0" noProof="0" dirty="0" err="1" smtClean="0"/>
+              <a:t>conversion</a:t>
+            </a:r>
+            <a:r>
+              <a:rPr lang="de-DE" altLang="zh-CN" baseline="0" noProof="0" dirty="0" smtClean="0"/>
+              <a:t>. Big </a:t>
+            </a:r>
+            <a:r>
+              <a:rPr lang="de-DE" altLang="zh-CN" baseline="0" noProof="0" dirty="0" err="1" smtClean="0"/>
+              <a:t>ratio</a:t>
+            </a:r>
+            <a:r>
+              <a:rPr lang="de-DE" altLang="zh-CN" baseline="0" noProof="0" dirty="0" smtClean="0"/>
+              <a:t> </a:t>
+            </a:r>
+            <a:r>
+              <a:rPr lang="de-DE" altLang="zh-CN" baseline="0" noProof="0" dirty="0" err="1" smtClean="0"/>
+              <a:t>limits</a:t>
+            </a:r>
+            <a:r>
+              <a:rPr lang="de-DE" altLang="zh-CN" baseline="0" noProof="0" dirty="0" smtClean="0"/>
+              <a:t> </a:t>
+            </a:r>
+            <a:r>
+              <a:rPr lang="de-DE" altLang="zh-CN" baseline="0" noProof="0" dirty="0" err="1" smtClean="0"/>
+              <a:t>the</a:t>
+            </a:r>
+            <a:r>
+              <a:rPr lang="de-DE" altLang="zh-CN" baseline="0" noProof="0" dirty="0" smtClean="0"/>
+              <a:t> </a:t>
+            </a:r>
+            <a:r>
+              <a:rPr lang="de-DE" altLang="zh-CN" baseline="0" noProof="0" dirty="0" err="1" smtClean="0"/>
+              <a:t>mode</a:t>
+            </a:r>
+            <a:r>
+              <a:rPr lang="de-DE" altLang="zh-CN" baseline="0" noProof="0" dirty="0" smtClean="0"/>
+              <a:t> </a:t>
+            </a:r>
+            <a:r>
+              <a:rPr lang="de-DE" altLang="zh-CN" baseline="0" noProof="0" dirty="0" err="1" smtClean="0"/>
+              <a:t>conversion</a:t>
+            </a:r>
+            <a:r>
+              <a:rPr lang="de-DE" altLang="zh-CN" baseline="0" noProof="0" smtClean="0"/>
+              <a:t>. </a:t>
+            </a:r>
+            <a:endParaRPr lang="de-DE" altLang="zh-CN" baseline="0" noProof="0" dirty="0" smtClean="0"/>
           </a:p>
         </p:txBody>
       </p:sp>
@@ -2117,6 +3887,42 @@
           </a:bodyPr>
           <a:lstStyle/>
           <a:p>
+            <a:r>
+              <a:rPr lang="de-DE" altLang="zh-CN" dirty="0" err="1" smtClean="0"/>
+              <a:t>There</a:t>
+            </a:r>
+            <a:r>
+              <a:rPr lang="de-DE" altLang="zh-CN" baseline="0" dirty="0" smtClean="0"/>
+              <a:t> </a:t>
+            </a:r>
+            <a:r>
+              <a:rPr lang="de-DE" altLang="zh-CN" baseline="0" dirty="0" err="1" smtClean="0"/>
+              <a:t>are</a:t>
+            </a:r>
+            <a:r>
+              <a:rPr lang="de-DE" altLang="zh-CN" baseline="0" dirty="0" smtClean="0"/>
+              <a:t> </a:t>
+            </a:r>
+            <a:r>
+              <a:rPr lang="de-DE" altLang="zh-CN" baseline="0" dirty="0" err="1" smtClean="0"/>
+              <a:t>other</a:t>
+            </a:r>
+            <a:r>
+              <a:rPr lang="de-DE" altLang="zh-CN" baseline="0" dirty="0" smtClean="0"/>
+              <a:t> </a:t>
+            </a:r>
+            <a:r>
+              <a:rPr lang="de-DE" altLang="zh-CN" baseline="0" dirty="0" err="1" smtClean="0"/>
+              <a:t>waveguide</a:t>
+            </a:r>
+            <a:r>
+              <a:rPr lang="de-DE" altLang="zh-CN" baseline="0" dirty="0" smtClean="0"/>
+              <a:t> </a:t>
+            </a:r>
+            <a:r>
+              <a:rPr lang="de-DE" altLang="zh-CN" baseline="0" dirty="0" err="1" smtClean="0"/>
+              <a:t>structure</a:t>
+            </a:r>
             <a:endParaRPr lang="zh-CN" altLang="en-US" dirty="0"/>
           </a:p>
         </p:txBody>
@@ -2139,7 +3945,7 @@
             <a:fld id="{031E71C2-430C-44C1-937C-0E9DE1F3577E}" type="slidenum">
               <a:rPr lang="de-DE" smtClean="0"/>
               <a:pPr/>
-              <a:t>20</a:t>
+              <a:t>18</a:t>
             </a:fld>
             <a:endParaRPr lang="de-DE"/>
           </a:p>
@@ -2221,7 +4027,7 @@
             <a:fld id="{031E71C2-430C-44C1-937C-0E9DE1F3577E}" type="slidenum">
               <a:rPr lang="de-DE" smtClean="0"/>
               <a:pPr/>
-              <a:t>22</a:t>
+              <a:t>20</a:t>
             </a:fld>
             <a:endParaRPr lang="de-DE"/>
           </a:p>
@@ -2303,6 +4109,88 @@
             <a:fld id="{031E71C2-430C-44C1-937C-0E9DE1F3577E}" type="slidenum">
               <a:rPr lang="de-DE" smtClean="0"/>
               <a:pPr/>
+              <a:t>22</a:t>
+            </a:fld>
+            <a:endParaRPr lang="de-DE"/>
+          </a:p>
+        </p:txBody>
+      </p:sp>
+    </p:spTree>
+  </p:cSld>
+  <p:clrMapOvr>
+    <a:masterClrMapping/>
+  </p:clrMapOvr>
+</p:notes>
+</file>
+
+<file path=ppt/notesSlides/notesSlide16.xml><?xml version="1.0" encoding="utf-8"?>
+<p:notes xmlns:a="http://schemas.openxmlformats.org/drawingml/2006/main" xmlns:r="http://schemas.openxmlformats.org/officeDocument/2006/relationships" xmlns:p="http://schemas.openxmlformats.org/presentationml/2006/main">
+  <p:cSld>
+    <p:spTree>
+      <p:nvGrpSpPr>
+        <p:cNvPr id="1" name=""/>
+        <p:cNvGrpSpPr/>
+        <p:nvPr/>
+      </p:nvGrpSpPr>
+      <p:grpSpPr>
+        <a:xfrm>
+          <a:off x="0" y="0"/>
+          <a:ext cx="0" cy="0"/>
+          <a:chOff x="0" y="0"/>
+          <a:chExt cx="0" cy="0"/>
+        </a:xfrm>
+      </p:grpSpPr>
+      <p:sp>
+        <p:nvSpPr>
+          <p:cNvPr id="2" name="Folienbildplatzhalter 1"/>
+          <p:cNvSpPr>
+            <a:spLocks noGrp="1" noRot="1" noChangeAspect="1"/>
+          </p:cNvSpPr>
+          <p:nvPr>
+            <p:ph type="sldImg"/>
+          </p:nvPr>
+        </p:nvSpPr>
+        <p:spPr/>
+      </p:sp>
+      <p:sp>
+        <p:nvSpPr>
+          <p:cNvPr id="3" name="Notizenplatzhalter 2"/>
+          <p:cNvSpPr>
+            <a:spLocks noGrp="1"/>
+          </p:cNvSpPr>
+          <p:nvPr>
+            <p:ph type="body" idx="1"/>
+          </p:nvPr>
+        </p:nvSpPr>
+        <p:spPr/>
+        <p:txBody>
+          <a:bodyPr>
+            <a:normAutofit/>
+          </a:bodyPr>
+          <a:lstStyle/>
+          <a:p>
+            <a:endParaRPr lang="zh-CN" altLang="en-US" dirty="0"/>
+          </a:p>
+        </p:txBody>
+      </p:sp>
+      <p:sp>
+        <p:nvSpPr>
+          <p:cNvPr id="4" name="Foliennummernplatzhalter 3"/>
+          <p:cNvSpPr>
+            <a:spLocks noGrp="1"/>
+          </p:cNvSpPr>
+          <p:nvPr>
+            <p:ph type="sldNum" sz="quarter" idx="10"/>
+          </p:nvPr>
+        </p:nvSpPr>
+        <p:spPr/>
+        <p:txBody>
+          <a:bodyPr/>
+          <a:lstStyle/>
+          <a:p>
+            <a:fld id="{031E71C2-430C-44C1-937C-0E9DE1F3577E}" type="slidenum">
+              <a:rPr lang="de-DE" smtClean="0"/>
+              <a:pPr/>
               <a:t>23</a:t>
             </a:fld>
             <a:endParaRPr lang="de-DE"/>
@@ -3296,7 +5184,6 @@
               <a:rPr lang="de-DE" altLang="zh-CN" dirty="0" smtClean="0"/>
               <a:t> </a:t>
             </a:r>
-            <a:endParaRPr lang="de-DE" altLang="zh-CN" dirty="0" smtClean="0"/>
           </a:p>
           <a:p>
             <a:endParaRPr lang="de-DE" altLang="zh-CN" dirty="0" smtClean="0"/>
@@ -9315,7 +11202,29 @@
               <a:rPr lang="de-DE" altLang="zh-CN" dirty="0" err="1" smtClean="0"/>
               <a:t>il</a:t>
             </a:r>
-            <a:endParaRPr lang="zh-CN" altLang="en-US" dirty="0"/>
+            <a:endParaRPr lang="de-DE" altLang="zh-CN" dirty="0" smtClean="0"/>
+          </a:p>
+          <a:p>
+            <a:pPr lvl="1"/>
+            <a:r>
+              <a:rPr lang="de-DE" altLang="zh-CN" dirty="0" smtClean="0"/>
+              <a:t> n=1.526</a:t>
+            </a:r>
+          </a:p>
+          <a:p>
+            <a:pPr lvl="1"/>
+            <a:r>
+              <a:rPr lang="de-DE" altLang="zh-CN" dirty="0" smtClean="0"/>
+              <a:t>Working </a:t>
+            </a:r>
+            <a:r>
+              <a:rPr lang="de-DE" altLang="zh-CN" dirty="0" err="1" smtClean="0"/>
+              <a:t>distance</a:t>
+            </a:r>
+            <a:r>
+              <a:rPr lang="de-DE" altLang="zh-CN" dirty="0" smtClean="0"/>
+              <a:t> 19µm</a:t>
+            </a:r>
           </a:p>
         </p:txBody>
       </p:sp>
@@ -9657,8 +11566,21 @@
             <a:pPr lvl="1"/>
             <a:r>
               <a:rPr lang="de-DE" altLang="zh-CN" dirty="0" smtClean="0"/>
-              <a:t>0.43(n=1.6);</a:t>
-            </a:r>
+              <a:t>0.798(106</a:t>
+            </a:r>
+            <a:r>
+              <a:rPr lang="de-DE" altLang="zh-CN" dirty="0" smtClean="0"/>
+              <a:t>°/2)</a:t>
+            </a:r>
+            <a:endParaRPr lang="de-DE" altLang="zh-CN" dirty="0" smtClean="0"/>
+          </a:p>
+          <a:p>
+            <a:pPr lvl="1"/>
+            <a:r>
+              <a:rPr lang="de-DE" altLang="zh-CN" dirty="0" smtClean="0"/>
+              <a:t>0.43(n=1.6)</a:t>
+            </a:r>
+            <a:endParaRPr lang="de-DE" altLang="zh-CN" dirty="0" smtClean="0"/>
           </a:p>
           <a:p>
             <a:pPr lvl="1"/>
@@ -9671,15 +11593,13 @@
             <a:pPr lvl="1"/>
             <a:r>
               <a:rPr lang="de-DE" altLang="zh-CN" dirty="0" smtClean="0"/>
-              <a:t> 0.925(n=1.8);</a:t>
-            </a:r>
-          </a:p>
-          <a:p>
-            <a:pPr lvl="1"/>
+              <a:t> 0.925(n=1.8</a:t>
+            </a:r>
             <a:r>
               <a:rPr lang="de-DE" altLang="zh-CN" dirty="0" smtClean="0"/>
-              <a:t>0.798(106°)</a:t>
-            </a:r>
+              <a:t>)</a:t>
+            </a:r>
+            <a:endParaRPr lang="de-DE" altLang="zh-CN" dirty="0" smtClean="0"/>
           </a:p>
           <a:p>
             <a:pPr lvl="1"/>
@@ -10102,7 +12022,7 @@
             </a:r>
             <a:r>
               <a:rPr lang="de-DE" altLang="zh-CN" dirty="0" err="1" smtClean="0"/>
-              <a:t>height</a:t>
+              <a:t>length</a:t>
             </a:r>
             <a:endParaRPr lang="de-DE" altLang="zh-CN" dirty="0" smtClean="0"/>
           </a:p>
@@ -11549,6 +13469,32 @@
           <a:chExt cx="0" cy="0"/>
         </a:xfrm>
       </p:grpSpPr>
+      <p:pic>
+        <p:nvPicPr>
+          <p:cNvPr id="9218" name="Picture 2" descr="F:\Data\leher\SVN\Master_arbeit\Latex\Masterarbeit\bilder\tapered_waveguide_others.PNG"/>
+          <p:cNvPicPr>
+            <a:picLocks noChangeAspect="1" noChangeArrowheads="1"/>
+          </p:cNvPicPr>
+          <p:nvPr/>
+        </p:nvPicPr>
+        <p:blipFill>
+          <a:blip r:embed="rId3"/>
+          <a:srcRect/>
+          <a:stretch>
+            <a:fillRect/>
+          </a:stretch>
+        </p:blipFill>
+        <p:spPr bwMode="auto">
+          <a:xfrm>
+            <a:off x="4986314" y="1571612"/>
+            <a:ext cx="3771900" cy="2257425"/>
+          </a:xfrm>
+          <a:prstGeom prst="rect">
+            <a:avLst/>
+          </a:prstGeom>
+          <a:noFill/>
+        </p:spPr>
+      </p:pic>
       <p:sp>
         <p:nvSpPr>
           <p:cNvPr id="2" name="Titel 1"/>
@@ -11598,9 +13544,7 @@
             <a:endParaRPr lang="de-DE" altLang="zh-CN" dirty="0" smtClean="0"/>
           </a:p>
           <a:p>
-            <a:endParaRPr lang="de-DE" altLang="zh-CN" dirty="0" smtClean="0"/>
-          </a:p>
-          <a:p>
+            <a:pPr lvl="1"/>
             <a:r>
               <a:rPr lang="de-DE" altLang="zh-CN" dirty="0" smtClean="0"/>
               <a:t>Hybrid </a:t>
@@ -11614,15 +13558,52 @@
               <a:t> </a:t>
             </a:r>
             <a:r>
+              <a:rPr lang="de-DE" altLang="zh-CN" dirty="0" smtClean="0"/>
+              <a:t>waveguide:63%</a:t>
+            </a:r>
+            <a:endParaRPr lang="de-DE" altLang="zh-CN" dirty="0" smtClean="0"/>
+          </a:p>
+          <a:p>
+            <a:pPr lvl="1"/>
+            <a:r>
+              <a:rPr lang="de-DE" altLang="zh-CN" dirty="0" err="1" smtClean="0"/>
+              <a:t>Tapered</a:t>
+            </a:r>
+            <a:r>
+              <a:rPr lang="de-DE" altLang="zh-CN" dirty="0" smtClean="0"/>
+              <a:t> </a:t>
+            </a:r>
+            <a:r>
+              <a:rPr lang="de-DE" altLang="zh-CN" dirty="0" err="1" smtClean="0"/>
+              <a:t>plasmonic</a:t>
+            </a:r>
+            <a:r>
+              <a:rPr lang="de-DE" altLang="zh-CN" dirty="0" smtClean="0"/>
+              <a:t> </a:t>
+            </a:r>
+            <a:r>
               <a:rPr lang="de-DE" altLang="zh-CN" dirty="0" err="1" smtClean="0"/>
               <a:t>waveguide</a:t>
             </a:r>
+            <a:r>
+              <a:rPr lang="de-DE" altLang="zh-CN" dirty="0" smtClean="0"/>
+              <a:t>:??</a:t>
+            </a:r>
             <a:endParaRPr lang="de-DE" altLang="zh-CN" dirty="0" smtClean="0"/>
           </a:p>
           <a:p>
+            <a:pPr lvl="1"/>
+            <a:r>
+              <a:rPr lang="de-DE" altLang="zh-CN" dirty="0" smtClean="0"/>
+              <a:t>Grating:65%</a:t>
+            </a:r>
+            <a:endParaRPr lang="de-DE" altLang="zh-CN" dirty="0" smtClean="0"/>
+          </a:p>
+          <a:p>
+            <a:pPr lvl="1"/>
             <a:r>
               <a:rPr lang="de-DE" altLang="zh-CN" dirty="0" err="1" smtClean="0"/>
-              <a:t>Tapered</a:t>
+              <a:t>Lensed</a:t>
             </a:r>
             <a:r>
               <a:rPr lang="de-DE" altLang="zh-CN" dirty="0" smtClean="0"/>
@@ -11630,7 +13611,7 @@
             </a:r>
             <a:r>
               <a:rPr lang="de-DE" altLang="zh-CN" dirty="0" err="1" smtClean="0"/>
-              <a:t>plasmonic</a:t>
+              <a:t>interface</a:t>
             </a:r>
             <a:r>
               <a:rPr lang="de-DE" altLang="zh-CN" dirty="0" smtClean="0"/>
@@ -11638,21 +13619,11 @@
             </a:r>
             <a:r>
               <a:rPr lang="de-DE" altLang="zh-CN" dirty="0" err="1" smtClean="0"/>
-              <a:t>waveguide</a:t>
-            </a:r>
-            <a:endParaRPr lang="de-DE" altLang="zh-CN" dirty="0" smtClean="0"/>
-          </a:p>
-          <a:p>
-            <a:r>
-              <a:rPr lang="de-DE" altLang="zh-CN" dirty="0" err="1" smtClean="0"/>
-              <a:t>Grating</a:t>
-            </a:r>
-            <a:endParaRPr lang="de-DE" altLang="zh-CN" dirty="0" smtClean="0"/>
-          </a:p>
-          <a:p>
-            <a:r>
-              <a:rPr lang="de-DE" altLang="zh-CN" dirty="0" err="1" smtClean="0"/>
-              <a:t>lensedinterfacewithaneck</a:t>
+              <a:t>with</a:t>
+            </a:r>
+            <a:r>
+              <a:rPr lang="de-DE" altLang="zh-CN" dirty="0" smtClean="0"/>
+              <a:t> neck: 72%</a:t>
             </a:r>
             <a:endParaRPr lang="zh-CN" altLang="en-US" dirty="0"/>
           </a:p>
@@ -11660,14 +13631,14 @@
       </p:sp>
       <p:pic>
         <p:nvPicPr>
-          <p:cNvPr id="9218" name="Picture 2" descr="F:\Data\leher\SVN\Master_arbeit\Latex\Masterarbeit\bilder\tapered_waveguide_others.PNG"/>
+          <p:cNvPr id="43010" name="Picture 2" descr="F:\Data\leher\SVN\Master_arbeit\Latex\Masterarbeit\bilder\tapered_waveguide_plasmonic.PNG"/>
           <p:cNvPicPr>
             <a:picLocks noChangeAspect="1" noChangeArrowheads="1"/>
           </p:cNvPicPr>
           <p:nvPr/>
         </p:nvPicPr>
         <p:blipFill>
-          <a:blip r:embed="rId2"/>
+          <a:blip r:embed="rId4"/>
           <a:srcRect/>
           <a:stretch>
             <a:fillRect/>
@@ -11675,8 +13646,8 @@
         </p:blipFill>
         <p:spPr bwMode="auto">
           <a:xfrm>
-            <a:off x="1695450" y="2214554"/>
-            <a:ext cx="3771900" cy="2257425"/>
+            <a:off x="5059742" y="1571612"/>
+            <a:ext cx="3698472" cy="2380400"/>
           </a:xfrm>
           <a:prstGeom prst="rect">
             <a:avLst/>
@@ -11693,7 +13664,7 @@
           <p:nvPr/>
         </p:nvPicPr>
         <p:blipFill>
-          <a:blip r:embed="rId3"/>
+          <a:blip r:embed="rId5"/>
           <a:srcRect/>
           <a:stretch>
             <a:fillRect/>
@@ -11701,8 +13672,8 @@
         </p:blipFill>
         <p:spPr bwMode="auto">
           <a:xfrm>
-            <a:off x="1943100" y="4324350"/>
-            <a:ext cx="3524250" cy="2143125"/>
+            <a:off x="5119716" y="1448637"/>
+            <a:ext cx="3524250" cy="2380400"/>
           </a:xfrm>
           <a:prstGeom prst="rect">
             <a:avLst/>
@@ -11719,7 +13690,7 @@
           <p:nvPr/>
         </p:nvPicPr>
         <p:blipFill>
-          <a:blip r:embed="rId4"/>
+          <a:blip r:embed="rId6"/>
           <a:srcRect/>
           <a:stretch>
             <a:fillRect/>
@@ -11727,34 +13698,8 @@
         </p:blipFill>
         <p:spPr bwMode="auto">
           <a:xfrm>
-            <a:off x="5248275" y="4210050"/>
-            <a:ext cx="3895725" cy="2257425"/>
-          </a:xfrm>
-          <a:prstGeom prst="rect">
-            <a:avLst/>
-          </a:prstGeom>
-          <a:noFill/>
-        </p:spPr>
-      </p:pic>
-      <p:pic>
-        <p:nvPicPr>
-          <p:cNvPr id="43010" name="Picture 2" descr="F:\Data\leher\SVN\Master_arbeit\Latex\Masterarbeit\bilder\tapered_waveguide_plasmonic.PNG"/>
-          <p:cNvPicPr>
-            <a:picLocks noChangeAspect="1" noChangeArrowheads="1"/>
-          </p:cNvPicPr>
-          <p:nvPr/>
-        </p:nvPicPr>
-        <p:blipFill>
-          <a:blip r:embed="rId5"/>
-          <a:srcRect/>
-          <a:stretch>
-            <a:fillRect/>
-          </a:stretch>
-        </p:blipFill>
-        <p:spPr bwMode="auto">
-          <a:xfrm>
-            <a:off x="5467350" y="2052644"/>
-            <a:ext cx="3581400" cy="2305050"/>
+            <a:off x="4986314" y="1448637"/>
+            <a:ext cx="4152006" cy="2405931"/>
           </a:xfrm>
           <a:prstGeom prst="rect">
             <a:avLst/>
@@ -11773,7 +13718,242 @@
   <p:timing>
     <p:tnLst>
       <p:par>
-        <p:cTn id="1" dur="indefinite" restart="never" nodeType="tmRoot"/>
+        <p:cTn id="1" dur="indefinite" restart="never" nodeType="tmRoot">
+          <p:childTnLst>
+            <p:seq concurrent="1" nextAc="seek">
+              <p:cTn id="2" dur="indefinite" nodeType="mainSeq">
+                <p:childTnLst>
+                  <p:par>
+                    <p:cTn id="3" fill="hold">
+                      <p:stCondLst>
+                        <p:cond delay="indefinite"/>
+                      </p:stCondLst>
+                      <p:childTnLst>
+                        <p:par>
+                          <p:cTn id="4" fill="hold">
+                            <p:stCondLst>
+                              <p:cond delay="0"/>
+                            </p:stCondLst>
+                            <p:childTnLst>
+                              <p:par>
+                                <p:cTn id="5" presetID="3" presetClass="entr" presetSubtype="10" fill="hold" nodeType="clickEffect">
+                                  <p:stCondLst>
+                                    <p:cond delay="0"/>
+                                  </p:stCondLst>
+                                  <p:childTnLst>
+                                    <p:set>
+                                      <p:cBhvr>
+                                        <p:cTn id="6" dur="1" fill="hold">
+                                          <p:stCondLst>
+                                            <p:cond delay="0"/>
+                                          </p:stCondLst>
+                                        </p:cTn>
+                                        <p:tgtEl>
+                                          <p:spTgt spid="9218"/>
+                                        </p:tgtEl>
+                                        <p:attrNameLst>
+                                          <p:attrName>style.visibility</p:attrName>
+                                        </p:attrNameLst>
+                                      </p:cBhvr>
+                                      <p:to>
+                                        <p:strVal val="visible"/>
+                                      </p:to>
+                                    </p:set>
+                                    <p:animEffect transition="in" filter="blinds(horizontal)">
+                                      <p:cBhvr>
+                                        <p:cTn id="7" dur="500"/>
+                                        <p:tgtEl>
+                                          <p:spTgt spid="9218"/>
+                                        </p:tgtEl>
+                                      </p:cBhvr>
+                                    </p:animEffect>
+                                  </p:childTnLst>
+                                </p:cTn>
+                              </p:par>
+                            </p:childTnLst>
+                          </p:cTn>
+                        </p:par>
+                      </p:childTnLst>
+                    </p:cTn>
+                  </p:par>
+                  <p:par>
+                    <p:cTn id="8" fill="hold">
+                      <p:stCondLst>
+                        <p:cond delay="indefinite"/>
+                      </p:stCondLst>
+                      <p:childTnLst>
+                        <p:par>
+                          <p:cTn id="9" fill="hold">
+                            <p:stCondLst>
+                              <p:cond delay="0"/>
+                            </p:stCondLst>
+                            <p:childTnLst>
+                              <p:par>
+                                <p:cTn id="10" presetID="3" presetClass="entr" presetSubtype="10" fill="hold" nodeType="clickEffect">
+                                  <p:stCondLst>
+                                    <p:cond delay="0"/>
+                                  </p:stCondLst>
+                                  <p:childTnLst>
+                                    <p:set>
+                                      <p:cBhvr>
+                                        <p:cTn id="11" dur="1" fill="hold">
+                                          <p:stCondLst>
+                                            <p:cond delay="0"/>
+                                          </p:stCondLst>
+                                        </p:cTn>
+                                        <p:tgtEl>
+                                          <p:spTgt spid="43010"/>
+                                        </p:tgtEl>
+                                        <p:attrNameLst>
+                                          <p:attrName>style.visibility</p:attrName>
+                                        </p:attrNameLst>
+                                      </p:cBhvr>
+                                      <p:to>
+                                        <p:strVal val="visible"/>
+                                      </p:to>
+                                    </p:set>
+                                    <p:animEffect transition="in" filter="blinds(horizontal)">
+                                      <p:cBhvr>
+                                        <p:cTn id="12" dur="500"/>
+                                        <p:tgtEl>
+                                          <p:spTgt spid="43010"/>
+                                        </p:tgtEl>
+                                      </p:cBhvr>
+                                    </p:animEffect>
+                                  </p:childTnLst>
+                                </p:cTn>
+                              </p:par>
+                            </p:childTnLst>
+                          </p:cTn>
+                        </p:par>
+                      </p:childTnLst>
+                    </p:cTn>
+                  </p:par>
+                  <p:par>
+                    <p:cTn id="13" fill="hold">
+                      <p:stCondLst>
+                        <p:cond delay="indefinite"/>
+                      </p:stCondLst>
+                      <p:childTnLst>
+                        <p:par>
+                          <p:cTn id="14" fill="hold">
+                            <p:stCondLst>
+                              <p:cond delay="0"/>
+                            </p:stCondLst>
+                            <p:childTnLst>
+                              <p:par>
+                                <p:cTn id="15" presetID="3" presetClass="entr" presetSubtype="10" fill="hold" nodeType="clickEffect">
+                                  <p:stCondLst>
+                                    <p:cond delay="0"/>
+                                  </p:stCondLst>
+                                  <p:childTnLst>
+                                    <p:set>
+                                      <p:cBhvr>
+                                        <p:cTn id="16" dur="1" fill="hold">
+                                          <p:stCondLst>
+                                            <p:cond delay="0"/>
+                                          </p:stCondLst>
+                                        </p:cTn>
+                                        <p:tgtEl>
+                                          <p:spTgt spid="9219"/>
+                                        </p:tgtEl>
+                                        <p:attrNameLst>
+                                          <p:attrName>style.visibility</p:attrName>
+                                        </p:attrNameLst>
+                                      </p:cBhvr>
+                                      <p:to>
+                                        <p:strVal val="visible"/>
+                                      </p:to>
+                                    </p:set>
+                                    <p:animEffect transition="in" filter="blinds(horizontal)">
+                                      <p:cBhvr>
+                                        <p:cTn id="17" dur="500"/>
+                                        <p:tgtEl>
+                                          <p:spTgt spid="9219"/>
+                                        </p:tgtEl>
+                                      </p:cBhvr>
+                                    </p:animEffect>
+                                  </p:childTnLst>
+                                </p:cTn>
+                              </p:par>
+                            </p:childTnLst>
+                          </p:cTn>
+                        </p:par>
+                      </p:childTnLst>
+                    </p:cTn>
+                  </p:par>
+                  <p:par>
+                    <p:cTn id="18" fill="hold">
+                      <p:stCondLst>
+                        <p:cond delay="indefinite"/>
+                      </p:stCondLst>
+                      <p:childTnLst>
+                        <p:par>
+                          <p:cTn id="19" fill="hold">
+                            <p:stCondLst>
+                              <p:cond delay="0"/>
+                            </p:stCondLst>
+                            <p:childTnLst>
+                              <p:par>
+                                <p:cTn id="20" presetID="3" presetClass="entr" presetSubtype="10" fill="hold" nodeType="clickEffect">
+                                  <p:stCondLst>
+                                    <p:cond delay="0"/>
+                                  </p:stCondLst>
+                                  <p:childTnLst>
+                                    <p:set>
+                                      <p:cBhvr>
+                                        <p:cTn id="21" dur="1" fill="hold">
+                                          <p:stCondLst>
+                                            <p:cond delay="0"/>
+                                          </p:stCondLst>
+                                        </p:cTn>
+                                        <p:tgtEl>
+                                          <p:spTgt spid="9220"/>
+                                        </p:tgtEl>
+                                        <p:attrNameLst>
+                                          <p:attrName>style.visibility</p:attrName>
+                                        </p:attrNameLst>
+                                      </p:cBhvr>
+                                      <p:to>
+                                        <p:strVal val="visible"/>
+                                      </p:to>
+                                    </p:set>
+                                    <p:animEffect transition="in" filter="blinds(horizontal)">
+                                      <p:cBhvr>
+                                        <p:cTn id="22" dur="500"/>
+                                        <p:tgtEl>
+                                          <p:spTgt spid="9220"/>
+                                        </p:tgtEl>
+                                      </p:cBhvr>
+                                    </p:animEffect>
+                                  </p:childTnLst>
+                                </p:cTn>
+                              </p:par>
+                            </p:childTnLst>
+                          </p:cTn>
+                        </p:par>
+                      </p:childTnLst>
+                    </p:cTn>
+                  </p:par>
+                </p:childTnLst>
+              </p:cTn>
+              <p:prevCondLst>
+                <p:cond evt="onPrev" delay="0">
+                  <p:tgtEl>
+                    <p:sldTgt/>
+                  </p:tgtEl>
+                </p:cond>
+              </p:prevCondLst>
+              <p:nextCondLst>
+                <p:cond evt="onNext" delay="0">
+                  <p:tgtEl>
+                    <p:sldTgt/>
+                  </p:tgtEl>
+                </p:cond>
+              </p:nextCondLst>
+            </p:seq>
+          </p:childTnLst>
+        </p:cTn>
       </p:par>
     </p:tnLst>
   </p:timing>

--- a/trunk/Master_arbeit/word/Abschlussvortrag der Masterarbeit.pptx
+++ b/trunk/Master_arbeit/word/Abschlussvortrag der Masterarbeit.pptx
@@ -29,14 +29,14 @@
     <p:sldId id="484" r:id="rId17"/>
     <p:sldId id="486" r:id="rId18"/>
     <p:sldId id="485" r:id="rId19"/>
-    <p:sldId id="487" r:id="rId20"/>
-    <p:sldId id="448" r:id="rId21"/>
-    <p:sldId id="488" r:id="rId22"/>
-    <p:sldId id="418" r:id="rId23"/>
-    <p:sldId id="369" r:id="rId24"/>
-    <p:sldId id="489" r:id="rId25"/>
-    <p:sldId id="490" r:id="rId26"/>
-    <p:sldId id="491" r:id="rId27"/>
+    <p:sldId id="448" r:id="rId20"/>
+    <p:sldId id="488" r:id="rId21"/>
+    <p:sldId id="418" r:id="rId22"/>
+    <p:sldId id="369" r:id="rId23"/>
+    <p:sldId id="489" r:id="rId24"/>
+    <p:sldId id="490" r:id="rId25"/>
+    <p:sldId id="491" r:id="rId26"/>
+    <p:sldId id="487" r:id="rId27"/>
   </p:sldIdLst>
   <p:sldSz cx="9144000" cy="6858000" type="letter"/>
   <p:notesSz cx="6729413" cy="9866313"/>
@@ -3888,42 +3888,549 @@
           <a:lstStyle/>
           <a:p>
             <a:r>
-              <a:rPr lang="de-DE" altLang="zh-CN" dirty="0" err="1" smtClean="0"/>
-              <a:t>There</a:t>
-            </a:r>
-            <a:r>
-              <a:rPr lang="de-DE" altLang="zh-CN" baseline="0" dirty="0" smtClean="0"/>
-              <a:t> </a:t>
-            </a:r>
-            <a:r>
-              <a:rPr lang="de-DE" altLang="zh-CN" baseline="0" dirty="0" err="1" smtClean="0"/>
-              <a:t>are</a:t>
-            </a:r>
-            <a:r>
-              <a:rPr lang="de-DE" altLang="zh-CN" baseline="0" dirty="0" smtClean="0"/>
-              <a:t> </a:t>
-            </a:r>
-            <a:r>
-              <a:rPr lang="de-DE" altLang="zh-CN" baseline="0" dirty="0" err="1" smtClean="0"/>
-              <a:t>other</a:t>
-            </a:r>
-            <a:r>
-              <a:rPr lang="de-DE" altLang="zh-CN" baseline="0" dirty="0" smtClean="0"/>
-              <a:t> </a:t>
-            </a:r>
-            <a:r>
-              <a:rPr lang="de-DE" altLang="zh-CN" baseline="0" dirty="0" err="1" smtClean="0"/>
-              <a:t>waveguide</a:t>
-            </a:r>
-            <a:r>
-              <a:rPr lang="de-DE" altLang="zh-CN" baseline="0" dirty="0" smtClean="0"/>
-              <a:t> </a:t>
-            </a:r>
-            <a:r>
-              <a:rPr lang="de-DE" altLang="zh-CN" baseline="0" dirty="0" err="1" smtClean="0"/>
+              <a:rPr lang="en-US" sz="1200" kern="1200" dirty="0" smtClean="0">
+                <a:solidFill>
+                  <a:schemeClr val="tx1"/>
+                </a:solidFill>
+                <a:latin typeface="Arial" charset="0"/>
+                <a:ea typeface="+mn-ea"/>
+                <a:cs typeface="+mn-cs"/>
+              </a:rPr>
+              <a:t>Another important waveguide structure for efficient coupling is </a:t>
+            </a:r>
+            <a:r>
+              <a:rPr lang="en-US" sz="1200" kern="1200" noProof="0" dirty="0" err="1" smtClean="0">
+                <a:solidFill>
+                  <a:schemeClr val="tx1"/>
+                </a:solidFill>
+                <a:latin typeface="Arial" charset="0"/>
+                <a:ea typeface="+mn-ea"/>
+                <a:cs typeface="+mn-cs"/>
+              </a:rPr>
+              <a:t>l</a:t>
+            </a:r>
+            <a:r>
+              <a:rPr lang="en-US" altLang="zh-CN" noProof="0" dirty="0" err="1" smtClean="0"/>
+              <a:t>ensed</a:t>
+            </a:r>
+            <a:r>
+              <a:rPr lang="en-US" altLang="zh-CN" noProof="0" dirty="0" smtClean="0"/>
+              <a:t> waveguide. </a:t>
+            </a:r>
+            <a:r>
+              <a:rPr lang="en-US" altLang="zh-CN" noProof="0" dirty="0" err="1" smtClean="0"/>
+              <a:t>Lensed</a:t>
+            </a:r>
+            <a:r>
+              <a:rPr lang="en-US" altLang="zh-CN" baseline="0" noProof="0" dirty="0" smtClean="0"/>
+              <a:t> waveguide is fabricated by mounting a lens on the face of buried waveguide. Here the coupling TLF to buried waveguide is referred for following discussion. The buried waveguide in this work has same configuration as given rib waveguide, like n of waveguide and substrate, dimensions  and location of waveguide. The coupling efficiency  to buried waveguide at 282THz is about 51.3%. That is the reference value. In order to simplify the investigation of </a:t>
+            </a:r>
+            <a:r>
+              <a:rPr lang="en-US" altLang="zh-CN" baseline="0" noProof="0" dirty="0" err="1" smtClean="0"/>
+              <a:t>lensed</a:t>
+            </a:r>
+            <a:r>
+              <a:rPr lang="en-US" altLang="zh-CN" baseline="0" noProof="0" dirty="0" smtClean="0"/>
+              <a:t> waveguide, we test the effect of lens height and lens radius respectively. </a:t>
+            </a:r>
+          </a:p>
+          <a:p>
+            <a:r>
+              <a:rPr lang="de-DE" altLang="zh-CN" baseline="0" noProof="0" dirty="0" err="1" smtClean="0"/>
+              <a:t>For</a:t>
+            </a:r>
+            <a:r>
+              <a:rPr lang="de-DE" altLang="zh-CN" baseline="0" noProof="0" dirty="0" smtClean="0"/>
+              <a:t> </a:t>
+            </a:r>
+            <a:r>
+              <a:rPr lang="de-DE" altLang="zh-CN" baseline="0" noProof="0" dirty="0" err="1" smtClean="0"/>
+              <a:t>the</a:t>
+            </a:r>
+            <a:r>
+              <a:rPr lang="de-DE" altLang="zh-CN" baseline="0" noProof="0" dirty="0" smtClean="0"/>
+              <a:t> </a:t>
+            </a:r>
+            <a:r>
+              <a:rPr lang="de-DE" altLang="zh-CN" baseline="0" noProof="0" dirty="0" err="1" smtClean="0"/>
+              <a:t>test</a:t>
+            </a:r>
+            <a:r>
+              <a:rPr lang="de-DE" altLang="zh-CN" baseline="0" noProof="0" dirty="0" smtClean="0"/>
+              <a:t> </a:t>
+            </a:r>
+            <a:r>
+              <a:rPr lang="de-DE" altLang="zh-CN" baseline="0" noProof="0" dirty="0" err="1" smtClean="0"/>
+              <a:t>of</a:t>
+            </a:r>
+            <a:r>
+              <a:rPr lang="de-DE" altLang="zh-CN" baseline="0" noProof="0" dirty="0" smtClean="0"/>
+              <a:t> </a:t>
+            </a:r>
+            <a:r>
+              <a:rPr lang="de-DE" altLang="zh-CN" baseline="0" noProof="0" dirty="0" err="1" smtClean="0"/>
+              <a:t>lens</a:t>
+            </a:r>
+            <a:r>
+              <a:rPr lang="de-DE" altLang="zh-CN" baseline="0" noProof="0" dirty="0" smtClean="0"/>
+              <a:t> </a:t>
+            </a:r>
+            <a:r>
+              <a:rPr lang="de-DE" altLang="zh-CN" baseline="0" noProof="0" dirty="0" err="1" smtClean="0"/>
+              <a:t>hight</a:t>
+            </a:r>
+            <a:r>
+              <a:rPr lang="de-DE" altLang="zh-CN" baseline="0" noProof="0" dirty="0" smtClean="0"/>
+              <a:t>, </a:t>
+            </a:r>
+            <a:r>
+              <a:rPr lang="de-DE" altLang="zh-CN" baseline="0" noProof="0" dirty="0" err="1" smtClean="0"/>
+              <a:t>the</a:t>
+            </a:r>
+            <a:r>
+              <a:rPr lang="de-DE" altLang="zh-CN" baseline="0" noProof="0" dirty="0" smtClean="0"/>
+              <a:t> </a:t>
+            </a:r>
+            <a:r>
+              <a:rPr lang="de-DE" altLang="zh-CN" baseline="0" noProof="0" dirty="0" err="1" smtClean="0"/>
+              <a:t>radius</a:t>
+            </a:r>
+            <a:r>
+              <a:rPr lang="de-DE" altLang="zh-CN" baseline="0" noProof="0" dirty="0" smtClean="0"/>
+              <a:t> </a:t>
+            </a:r>
+            <a:r>
+              <a:rPr lang="de-DE" altLang="zh-CN" baseline="0" noProof="0" dirty="0" err="1" smtClean="0"/>
+              <a:t>is</a:t>
+            </a:r>
+            <a:r>
+              <a:rPr lang="de-DE" altLang="zh-CN" baseline="0" noProof="0" dirty="0" smtClean="0"/>
+              <a:t> </a:t>
+            </a:r>
+            <a:r>
+              <a:rPr lang="de-DE" altLang="zh-CN" baseline="0" noProof="0" dirty="0" err="1" smtClean="0"/>
+              <a:t>regraded</a:t>
+            </a:r>
+            <a:r>
+              <a:rPr lang="de-DE" altLang="zh-CN" baseline="0" noProof="0" dirty="0" smtClean="0"/>
+              <a:t> </a:t>
+            </a:r>
+            <a:r>
+              <a:rPr lang="de-DE" altLang="zh-CN" baseline="0" noProof="0" dirty="0" err="1" smtClean="0"/>
+              <a:t>as</a:t>
+            </a:r>
+            <a:r>
+              <a:rPr lang="de-DE" altLang="zh-CN" baseline="0" noProof="0" dirty="0" smtClean="0"/>
+              <a:t> </a:t>
+            </a:r>
+            <a:r>
+              <a:rPr lang="de-DE" altLang="zh-CN" baseline="0" noProof="0" dirty="0" err="1" smtClean="0"/>
+              <a:t>constant</a:t>
+            </a:r>
+            <a:endParaRPr lang="en-US" altLang="zh-CN" baseline="0" noProof="0" dirty="0" smtClean="0"/>
+          </a:p>
+          <a:p>
+            <a:r>
+              <a:rPr lang="de-DE" altLang="zh-CN" baseline="0" noProof="0" dirty="0" smtClean="0"/>
+              <a:t>The </a:t>
+            </a:r>
+            <a:r>
+              <a:rPr lang="de-DE" altLang="zh-CN" baseline="0" noProof="0" dirty="0" err="1" smtClean="0"/>
+              <a:t>figure</a:t>
+            </a:r>
+            <a:r>
+              <a:rPr lang="de-DE" altLang="zh-CN" baseline="0" noProof="0" dirty="0" smtClean="0"/>
+              <a:t> </a:t>
+            </a:r>
+            <a:r>
+              <a:rPr lang="de-DE" altLang="zh-CN" baseline="0" noProof="0" dirty="0" err="1" smtClean="0"/>
+              <a:t>shows</a:t>
+            </a:r>
+            <a:r>
+              <a:rPr lang="de-DE" altLang="zh-CN" baseline="0" noProof="0" dirty="0" smtClean="0"/>
+              <a:t> </a:t>
+            </a:r>
+            <a:r>
+              <a:rPr lang="de-DE" altLang="zh-CN" baseline="0" noProof="0" dirty="0" err="1" smtClean="0"/>
+              <a:t>that</a:t>
+            </a:r>
+            <a:r>
+              <a:rPr lang="de-DE" altLang="zh-CN" baseline="0" noProof="0" dirty="0" smtClean="0"/>
+              <a:t> </a:t>
+            </a:r>
+            <a:r>
+              <a:rPr lang="de-DE" altLang="zh-CN" baseline="0" noProof="0" dirty="0" err="1" smtClean="0"/>
+              <a:t>longer</a:t>
+            </a:r>
+            <a:r>
+              <a:rPr lang="de-DE" altLang="zh-CN" baseline="0" noProof="0" dirty="0" smtClean="0"/>
+              <a:t> </a:t>
+            </a:r>
+            <a:r>
+              <a:rPr lang="de-DE" altLang="zh-CN" baseline="0" noProof="0" dirty="0" err="1" smtClean="0"/>
+              <a:t>lens</a:t>
+            </a:r>
+            <a:r>
+              <a:rPr lang="de-DE" altLang="zh-CN" baseline="0" noProof="0" dirty="0" smtClean="0"/>
+              <a:t> </a:t>
+            </a:r>
+            <a:r>
+              <a:rPr lang="de-DE" altLang="zh-CN" baseline="0" noProof="0" dirty="0" err="1" smtClean="0"/>
+              <a:t>height</a:t>
+            </a:r>
+            <a:r>
+              <a:rPr lang="de-DE" altLang="zh-CN" baseline="0" noProof="0" dirty="0" smtClean="0"/>
+              <a:t> </a:t>
+            </a:r>
+            <a:r>
+              <a:rPr lang="de-DE" altLang="zh-CN" baseline="0" noProof="0" dirty="0" err="1" smtClean="0"/>
+              <a:t>brings</a:t>
+            </a:r>
+            <a:r>
+              <a:rPr lang="de-DE" altLang="zh-CN" baseline="0" noProof="0" dirty="0" smtClean="0"/>
+              <a:t> </a:t>
+            </a:r>
+            <a:r>
+              <a:rPr lang="de-DE" altLang="zh-CN" baseline="0" noProof="0" dirty="0" err="1" smtClean="0"/>
+              <a:t>higher</a:t>
+            </a:r>
+            <a:r>
+              <a:rPr lang="de-DE" altLang="zh-CN" baseline="0" noProof="0" dirty="0" smtClean="0"/>
+              <a:t> </a:t>
+            </a:r>
+            <a:r>
+              <a:rPr lang="de-DE" altLang="zh-CN" baseline="0" noProof="0" dirty="0" err="1" smtClean="0"/>
+              <a:t>coupling</a:t>
+            </a:r>
+            <a:r>
+              <a:rPr lang="de-DE" altLang="zh-CN" baseline="0" noProof="0" dirty="0" smtClean="0"/>
+              <a:t> </a:t>
+            </a:r>
+            <a:r>
+              <a:rPr lang="de-DE" altLang="zh-CN" baseline="0" noProof="0" dirty="0" err="1" smtClean="0"/>
+              <a:t>efficiency</a:t>
+            </a:r>
+            <a:r>
+              <a:rPr lang="de-DE" altLang="zh-CN" baseline="0" noProof="0" dirty="0" smtClean="0"/>
+              <a:t>.</a:t>
+            </a:r>
+          </a:p>
+          <a:p>
+            <a:r>
+              <a:rPr lang="de-DE" altLang="zh-CN" baseline="0" noProof="0" dirty="0" err="1" smtClean="0"/>
+              <a:t>For</a:t>
+            </a:r>
+            <a:r>
+              <a:rPr lang="de-DE" altLang="zh-CN" baseline="0" noProof="0" dirty="0" smtClean="0"/>
+              <a:t> </a:t>
+            </a:r>
+            <a:r>
+              <a:rPr lang="de-DE" altLang="zh-CN" baseline="0" noProof="0" dirty="0" err="1" smtClean="0"/>
+              <a:t>the</a:t>
+            </a:r>
+            <a:r>
+              <a:rPr lang="de-DE" altLang="zh-CN" baseline="0" noProof="0" dirty="0" smtClean="0"/>
+              <a:t> </a:t>
+            </a:r>
+            <a:r>
+              <a:rPr lang="de-DE" altLang="zh-CN" baseline="0" noProof="0" dirty="0" err="1" smtClean="0"/>
+              <a:t>test</a:t>
+            </a:r>
+            <a:r>
+              <a:rPr lang="de-DE" altLang="zh-CN" baseline="0" noProof="0" dirty="0" smtClean="0"/>
+              <a:t> </a:t>
+            </a:r>
+            <a:r>
+              <a:rPr lang="de-DE" altLang="zh-CN" baseline="0" noProof="0" dirty="0" err="1" smtClean="0"/>
+              <a:t>of</a:t>
+            </a:r>
+            <a:r>
+              <a:rPr lang="de-DE" altLang="zh-CN" baseline="0" noProof="0" dirty="0" smtClean="0"/>
+              <a:t> </a:t>
+            </a:r>
+            <a:r>
+              <a:rPr lang="de-DE" altLang="zh-CN" baseline="0" noProof="0" dirty="0" err="1" smtClean="0"/>
+              <a:t>lens</a:t>
+            </a:r>
+            <a:r>
+              <a:rPr lang="de-DE" altLang="zh-CN" baseline="0" noProof="0" dirty="0" smtClean="0"/>
+              <a:t> </a:t>
+            </a:r>
+            <a:r>
+              <a:rPr lang="de-DE" altLang="zh-CN" baseline="0" noProof="0" dirty="0" err="1" smtClean="0"/>
+              <a:t>radius</a:t>
+            </a:r>
+            <a:r>
+              <a:rPr lang="de-DE" altLang="zh-CN" baseline="0" noProof="0" dirty="0" smtClean="0"/>
+              <a:t>, </a:t>
+            </a:r>
+            <a:r>
+              <a:rPr lang="de-DE" altLang="zh-CN" baseline="0" noProof="0" dirty="0" err="1" smtClean="0"/>
+              <a:t>the</a:t>
+            </a:r>
+            <a:r>
+              <a:rPr lang="de-DE" altLang="zh-CN" baseline="0" noProof="0" dirty="0" smtClean="0"/>
+              <a:t> </a:t>
+            </a:r>
+            <a:r>
+              <a:rPr lang="de-DE" altLang="zh-CN" baseline="0" noProof="0" dirty="0" err="1" smtClean="0"/>
+              <a:t>height</a:t>
+            </a:r>
+            <a:r>
+              <a:rPr lang="de-DE" altLang="zh-CN" baseline="0" noProof="0" dirty="0" smtClean="0"/>
+              <a:t> </a:t>
+            </a:r>
+            <a:r>
+              <a:rPr lang="de-DE" altLang="zh-CN" baseline="0" noProof="0" dirty="0" err="1" smtClean="0"/>
+              <a:t>is</a:t>
+            </a:r>
+            <a:r>
+              <a:rPr lang="de-DE" altLang="zh-CN" baseline="0" noProof="0" dirty="0" smtClean="0"/>
+              <a:t> </a:t>
+            </a:r>
+            <a:r>
+              <a:rPr lang="de-DE" altLang="zh-CN" baseline="0" noProof="0" dirty="0" err="1" smtClean="0"/>
+              <a:t>constant</a:t>
+            </a:r>
+            <a:r>
+              <a:rPr lang="de-DE" altLang="zh-CN" baseline="0" noProof="0" dirty="0" smtClean="0"/>
+              <a:t>.</a:t>
+            </a:r>
+          </a:p>
+          <a:p>
+            <a:r>
+              <a:rPr lang="de-DE" altLang="zh-CN" baseline="0" noProof="0" dirty="0" err="1" smtClean="0"/>
+              <a:t>It</a:t>
+            </a:r>
+            <a:r>
+              <a:rPr lang="de-DE" altLang="zh-CN" baseline="0" noProof="0" dirty="0" smtClean="0"/>
+              <a:t> </a:t>
+            </a:r>
+            <a:r>
+              <a:rPr lang="de-DE" altLang="zh-CN" baseline="0" noProof="0" dirty="0" err="1" smtClean="0"/>
+              <a:t>can</a:t>
+            </a:r>
+            <a:r>
+              <a:rPr lang="de-DE" altLang="zh-CN" baseline="0" noProof="0" dirty="0" smtClean="0"/>
+              <a:t> </a:t>
+            </a:r>
+            <a:r>
+              <a:rPr lang="de-DE" altLang="zh-CN" baseline="0" noProof="0" dirty="0" err="1" smtClean="0"/>
+              <a:t>be</a:t>
+            </a:r>
+            <a:r>
+              <a:rPr lang="de-DE" altLang="zh-CN" baseline="0" noProof="0" dirty="0" smtClean="0"/>
+              <a:t> </a:t>
+            </a:r>
+            <a:r>
+              <a:rPr lang="de-DE" altLang="zh-CN" baseline="0" noProof="0" dirty="0" err="1" smtClean="0"/>
+              <a:t>seen</a:t>
+            </a:r>
+            <a:r>
+              <a:rPr lang="de-DE" altLang="zh-CN" baseline="0" noProof="0" dirty="0" smtClean="0"/>
+              <a:t> in </a:t>
+            </a:r>
+            <a:r>
+              <a:rPr lang="de-DE" altLang="zh-CN" baseline="0" noProof="0" dirty="0" err="1" smtClean="0"/>
+              <a:t>the</a:t>
+            </a:r>
+            <a:r>
+              <a:rPr lang="de-DE" altLang="zh-CN" baseline="0" noProof="0" dirty="0" smtClean="0"/>
+              <a:t> </a:t>
+            </a:r>
+            <a:r>
+              <a:rPr lang="de-DE" altLang="zh-CN" baseline="0" noProof="0" dirty="0" err="1" smtClean="0"/>
+              <a:t>next</a:t>
+            </a:r>
+            <a:r>
+              <a:rPr lang="de-DE" altLang="zh-CN" baseline="0" noProof="0" dirty="0" smtClean="0"/>
+              <a:t> </a:t>
+            </a:r>
+            <a:r>
+              <a:rPr lang="de-DE" altLang="zh-CN" baseline="0" noProof="0" dirty="0" err="1" smtClean="0"/>
+              <a:t>figure</a:t>
+            </a:r>
+            <a:r>
+              <a:rPr lang="de-DE" altLang="zh-CN" baseline="0" noProof="0" dirty="0" smtClean="0"/>
+              <a:t> </a:t>
+            </a:r>
+            <a:r>
+              <a:rPr lang="de-DE" altLang="zh-CN" baseline="0" noProof="0" dirty="0" err="1" smtClean="0"/>
+              <a:t>that</a:t>
+            </a:r>
+            <a:r>
+              <a:rPr lang="de-DE" altLang="zh-CN" baseline="0" noProof="0" dirty="0" smtClean="0"/>
+              <a:t> </a:t>
+            </a:r>
+            <a:r>
+              <a:rPr lang="de-DE" altLang="zh-CN" baseline="0" noProof="0" dirty="0" err="1" smtClean="0"/>
+              <a:t>coupling</a:t>
+            </a:r>
+            <a:r>
+              <a:rPr lang="de-DE" altLang="zh-CN" baseline="0" noProof="0" dirty="0" smtClean="0"/>
+              <a:t> </a:t>
+            </a:r>
+            <a:r>
+              <a:rPr lang="de-DE" altLang="zh-CN" baseline="0" noProof="0" dirty="0" err="1" smtClean="0"/>
+              <a:t>efficiency</a:t>
+            </a:r>
+            <a:r>
+              <a:rPr lang="de-DE" altLang="zh-CN" baseline="0" noProof="0" dirty="0" smtClean="0"/>
+              <a:t> falls </a:t>
+            </a:r>
+            <a:r>
+              <a:rPr lang="de-DE" altLang="zh-CN" baseline="0" noProof="0" dirty="0" err="1" smtClean="0"/>
+              <a:t>with</a:t>
+            </a:r>
+            <a:r>
+              <a:rPr lang="de-DE" altLang="zh-CN" baseline="0" noProof="0" dirty="0" smtClean="0"/>
+              <a:t> </a:t>
+            </a:r>
+            <a:r>
+              <a:rPr lang="de-DE" altLang="zh-CN" baseline="0" noProof="0" dirty="0" err="1" smtClean="0"/>
+              <a:t>the</a:t>
+            </a:r>
+            <a:r>
+              <a:rPr lang="de-DE" altLang="zh-CN" baseline="0" noProof="0" dirty="0" smtClean="0"/>
+              <a:t> </a:t>
+            </a:r>
+            <a:r>
+              <a:rPr lang="de-DE" altLang="zh-CN" baseline="0" noProof="0" dirty="0" err="1" smtClean="0"/>
+              <a:t>lens</a:t>
+            </a:r>
+            <a:r>
+              <a:rPr lang="de-DE" altLang="zh-CN" baseline="0" noProof="0" dirty="0" smtClean="0"/>
+              <a:t> </a:t>
+            </a:r>
+            <a:r>
+              <a:rPr lang="de-DE" altLang="zh-CN" baseline="0" noProof="0" dirty="0" err="1" smtClean="0"/>
+              <a:t>radius</a:t>
+            </a:r>
+            <a:r>
+              <a:rPr lang="de-DE" altLang="zh-CN" baseline="0" noProof="0" dirty="0" smtClean="0"/>
+              <a:t> </a:t>
+            </a:r>
+            <a:r>
+              <a:rPr lang="de-DE" altLang="zh-CN" baseline="0" noProof="0" dirty="0" err="1" smtClean="0"/>
+              <a:t>increasing</a:t>
+            </a:r>
+            <a:r>
+              <a:rPr lang="de-DE" altLang="zh-CN" baseline="0" noProof="0" dirty="0" smtClean="0"/>
+              <a:t>.</a:t>
+            </a:r>
+          </a:p>
+          <a:p>
+            <a:r>
+              <a:rPr lang="de-DE" altLang="zh-CN" baseline="0" noProof="0" dirty="0" err="1" smtClean="0"/>
+              <a:t>It</a:t>
+            </a:r>
+            <a:r>
+              <a:rPr lang="de-DE" altLang="zh-CN" baseline="0" noProof="0" dirty="0" smtClean="0"/>
+              <a:t> </a:t>
+            </a:r>
+            <a:r>
+              <a:rPr lang="de-DE" altLang="zh-CN" baseline="0" noProof="0" dirty="0" err="1" smtClean="0"/>
+              <a:t>can</a:t>
+            </a:r>
+            <a:r>
+              <a:rPr lang="de-DE" altLang="zh-CN" baseline="0" noProof="0" dirty="0" smtClean="0"/>
+              <a:t> </a:t>
+            </a:r>
+            <a:r>
+              <a:rPr lang="de-DE" altLang="zh-CN" baseline="0" noProof="0" dirty="0" err="1" smtClean="0"/>
+              <a:t>be</a:t>
+            </a:r>
+            <a:r>
+              <a:rPr lang="de-DE" altLang="zh-CN" baseline="0" noProof="0" dirty="0" smtClean="0"/>
+              <a:t> </a:t>
+            </a:r>
+            <a:r>
+              <a:rPr lang="de-DE" altLang="zh-CN" baseline="0" noProof="0" dirty="0" err="1" smtClean="0"/>
+              <a:t>summarized</a:t>
+            </a:r>
+            <a:r>
+              <a:rPr lang="de-DE" altLang="zh-CN" baseline="0" noProof="0" dirty="0" smtClean="0"/>
+              <a:t> </a:t>
+            </a:r>
+            <a:r>
+              <a:rPr lang="de-DE" altLang="zh-CN" baseline="0" noProof="0" dirty="0" err="1" smtClean="0"/>
+              <a:t>that</a:t>
+            </a:r>
+            <a:r>
+              <a:rPr lang="de-DE" altLang="zh-CN" baseline="0" noProof="0" dirty="0" smtClean="0"/>
+              <a:t> </a:t>
+            </a:r>
+            <a:r>
+              <a:rPr lang="de-DE" altLang="zh-CN" baseline="0" noProof="0" dirty="0" err="1" smtClean="0"/>
+              <a:t>the</a:t>
+            </a:r>
+            <a:r>
+              <a:rPr lang="de-DE" altLang="zh-CN" baseline="0" noProof="0" dirty="0" smtClean="0"/>
+              <a:t> </a:t>
+            </a:r>
+            <a:r>
+              <a:rPr lang="de-DE" altLang="zh-CN" baseline="0" noProof="0" dirty="0" err="1" smtClean="0"/>
+              <a:t>heimsphere</a:t>
+            </a:r>
+            <a:r>
+              <a:rPr lang="de-DE" altLang="zh-CN" baseline="0" noProof="0" dirty="0" smtClean="0"/>
+              <a:t> </a:t>
+            </a:r>
+            <a:r>
+              <a:rPr lang="de-DE" altLang="zh-CN" baseline="0" noProof="0" dirty="0" err="1" smtClean="0"/>
+              <a:t>lens</a:t>
+            </a:r>
+            <a:r>
+              <a:rPr lang="de-DE" altLang="zh-CN" baseline="0" noProof="0" dirty="0" smtClean="0"/>
+              <a:t> </a:t>
+            </a:r>
+            <a:r>
+              <a:rPr lang="de-DE" altLang="zh-CN" baseline="0" noProof="0" dirty="0" err="1" smtClean="0"/>
               <a:t>structure</a:t>
             </a:r>
-            <a:endParaRPr lang="zh-CN" altLang="en-US" dirty="0"/>
+            <a:r>
+              <a:rPr lang="de-DE" altLang="zh-CN" baseline="0" noProof="0" dirty="0" smtClean="0"/>
+              <a:t> </a:t>
+            </a:r>
+            <a:r>
+              <a:rPr lang="de-DE" altLang="zh-CN" baseline="0" noProof="0" dirty="0" err="1" smtClean="0"/>
+              <a:t>is</a:t>
+            </a:r>
+            <a:r>
+              <a:rPr lang="de-DE" altLang="zh-CN" baseline="0" noProof="0" dirty="0" smtClean="0"/>
+              <a:t> </a:t>
+            </a:r>
+            <a:r>
+              <a:rPr lang="de-DE" altLang="zh-CN" baseline="0" noProof="0" dirty="0" err="1" smtClean="0"/>
+              <a:t>the</a:t>
+            </a:r>
+            <a:r>
+              <a:rPr lang="de-DE" altLang="zh-CN" baseline="0" noProof="0" dirty="0" smtClean="0"/>
+              <a:t> </a:t>
+            </a:r>
+            <a:r>
+              <a:rPr lang="de-DE" altLang="zh-CN" baseline="0" noProof="0" dirty="0" err="1" smtClean="0"/>
+              <a:t>best</a:t>
+            </a:r>
+            <a:r>
+              <a:rPr lang="de-DE" altLang="zh-CN" baseline="0" noProof="0" dirty="0" smtClean="0"/>
+              <a:t> </a:t>
+            </a:r>
+            <a:r>
+              <a:rPr lang="de-DE" altLang="zh-CN" baseline="0" noProof="0" dirty="0" err="1" smtClean="0"/>
+              <a:t>option</a:t>
+            </a:r>
+            <a:r>
+              <a:rPr lang="de-DE" altLang="zh-CN" baseline="0" noProof="0" dirty="0" smtClean="0"/>
+              <a:t>.</a:t>
+            </a:r>
+          </a:p>
+          <a:p>
+            <a:r>
+              <a:rPr lang="de-DE" altLang="zh-CN" baseline="0" noProof="0" dirty="0" smtClean="0"/>
+              <a:t> </a:t>
+            </a:r>
+            <a:endParaRPr lang="en-US" altLang="zh-CN" noProof="0" dirty="0"/>
           </a:p>
         </p:txBody>
       </p:sp>
@@ -3945,7 +4452,7 @@
             <a:fld id="{031E71C2-430C-44C1-937C-0E9DE1F3577E}" type="slidenum">
               <a:rPr lang="de-DE" smtClean="0"/>
               <a:pPr/>
-              <a:t>18</a:t>
+              <a:t>16</a:t>
             </a:fld>
             <a:endParaRPr lang="de-DE"/>
           </a:p>
@@ -4005,6 +4512,641 @@
           </a:bodyPr>
           <a:lstStyle/>
           <a:p>
+            <a:r>
+              <a:rPr lang="de-DE" altLang="zh-CN" dirty="0" smtClean="0"/>
+              <a:t>The</a:t>
+            </a:r>
+            <a:r>
+              <a:rPr lang="de-DE" altLang="zh-CN" baseline="0" dirty="0" smtClean="0"/>
+              <a:t> </a:t>
+            </a:r>
+            <a:r>
+              <a:rPr lang="de-DE" altLang="zh-CN" baseline="0" dirty="0" err="1" smtClean="0"/>
+              <a:t>term</a:t>
+            </a:r>
+            <a:r>
+              <a:rPr lang="de-DE" altLang="zh-CN" baseline="0" dirty="0" smtClean="0"/>
+              <a:t> </a:t>
+            </a:r>
+            <a:r>
+              <a:rPr lang="de-DE" altLang="zh-CN" baseline="0" dirty="0" err="1" smtClean="0"/>
+              <a:t>spot</a:t>
+            </a:r>
+            <a:r>
+              <a:rPr lang="de-DE" altLang="zh-CN" baseline="0" dirty="0" smtClean="0"/>
+              <a:t> </a:t>
+            </a:r>
+            <a:r>
+              <a:rPr lang="de-DE" altLang="zh-CN" baseline="0" dirty="0" err="1" smtClean="0"/>
+              <a:t>size</a:t>
+            </a:r>
+            <a:r>
+              <a:rPr lang="de-DE" altLang="zh-CN" baseline="0" dirty="0" smtClean="0"/>
+              <a:t> </a:t>
+            </a:r>
+            <a:r>
+              <a:rPr lang="de-DE" altLang="zh-CN" baseline="0" dirty="0" err="1" smtClean="0"/>
+              <a:t>can</a:t>
+            </a:r>
+            <a:r>
+              <a:rPr lang="de-DE" altLang="zh-CN" baseline="0" dirty="0" smtClean="0"/>
+              <a:t> </a:t>
+            </a:r>
+            <a:r>
+              <a:rPr lang="de-DE" altLang="zh-CN" baseline="0" dirty="0" err="1" smtClean="0"/>
+              <a:t>explains</a:t>
+            </a:r>
+            <a:r>
+              <a:rPr lang="de-DE" altLang="zh-CN" baseline="0" dirty="0" smtClean="0"/>
+              <a:t> </a:t>
+            </a:r>
+            <a:r>
+              <a:rPr lang="de-DE" altLang="zh-CN" dirty="0" err="1" smtClean="0"/>
+              <a:t>the</a:t>
+            </a:r>
+            <a:r>
+              <a:rPr lang="de-DE" altLang="zh-CN" dirty="0" smtClean="0"/>
+              <a:t> </a:t>
+            </a:r>
+            <a:r>
+              <a:rPr lang="de-DE" altLang="zh-CN" dirty="0" err="1" smtClean="0"/>
+              <a:t>effect</a:t>
+            </a:r>
+            <a:r>
+              <a:rPr lang="de-DE" altLang="zh-CN" dirty="0" smtClean="0"/>
+              <a:t> </a:t>
+            </a:r>
+            <a:r>
+              <a:rPr lang="de-DE" altLang="zh-CN" dirty="0" err="1" smtClean="0"/>
+              <a:t>of</a:t>
+            </a:r>
+            <a:r>
+              <a:rPr lang="de-DE" altLang="zh-CN" dirty="0" smtClean="0"/>
+              <a:t> </a:t>
+            </a:r>
+            <a:r>
+              <a:rPr lang="de-DE" altLang="zh-CN" dirty="0" err="1" smtClean="0"/>
+              <a:t>lens</a:t>
+            </a:r>
+            <a:r>
+              <a:rPr lang="de-DE" altLang="zh-CN" dirty="0" smtClean="0"/>
+              <a:t> </a:t>
+            </a:r>
+            <a:r>
+              <a:rPr lang="de-DE" altLang="zh-CN" dirty="0" err="1" smtClean="0"/>
+              <a:t>structure</a:t>
+            </a:r>
+            <a:r>
+              <a:rPr lang="de-DE" altLang="zh-CN" dirty="0" smtClean="0"/>
+              <a:t>.</a:t>
+            </a:r>
+          </a:p>
+          <a:p>
+            <a:r>
+              <a:rPr lang="de-DE" altLang="zh-CN" dirty="0" err="1" smtClean="0"/>
+              <a:t>When</a:t>
+            </a:r>
+            <a:r>
+              <a:rPr lang="de-DE" altLang="zh-CN" dirty="0" smtClean="0"/>
+              <a:t> </a:t>
+            </a:r>
+            <a:r>
+              <a:rPr lang="de-DE" altLang="zh-CN" dirty="0" err="1" smtClean="0"/>
+              <a:t>the</a:t>
+            </a:r>
+            <a:r>
+              <a:rPr lang="de-DE" altLang="zh-CN" baseline="0" dirty="0" smtClean="0"/>
+              <a:t> </a:t>
+            </a:r>
+            <a:r>
+              <a:rPr lang="de-DE" altLang="zh-CN" baseline="0" dirty="0" err="1" smtClean="0"/>
+              <a:t>light</a:t>
+            </a:r>
+            <a:r>
+              <a:rPr lang="de-DE" altLang="zh-CN" baseline="0" dirty="0" smtClean="0"/>
+              <a:t> </a:t>
+            </a:r>
+            <a:r>
+              <a:rPr lang="de-DE" altLang="zh-CN" baseline="0" dirty="0" err="1" smtClean="0"/>
+              <a:t>from</a:t>
+            </a:r>
+            <a:r>
+              <a:rPr lang="de-DE" altLang="zh-CN" baseline="0" dirty="0" smtClean="0"/>
+              <a:t> TLF </a:t>
+            </a:r>
+            <a:r>
+              <a:rPr lang="de-DE" altLang="zh-CN" baseline="0" dirty="0" err="1" smtClean="0"/>
+              <a:t>reachs</a:t>
+            </a:r>
+            <a:r>
+              <a:rPr lang="de-DE" altLang="zh-CN" baseline="0" dirty="0" smtClean="0"/>
+              <a:t> </a:t>
+            </a:r>
+            <a:r>
+              <a:rPr lang="de-DE" altLang="zh-CN" baseline="0" dirty="0" err="1" smtClean="0"/>
+              <a:t>the</a:t>
+            </a:r>
+            <a:r>
+              <a:rPr lang="de-DE" altLang="zh-CN" baseline="0" dirty="0" smtClean="0"/>
+              <a:t> </a:t>
+            </a:r>
+            <a:r>
+              <a:rPr lang="de-DE" altLang="zh-CN" baseline="0" dirty="0" err="1" smtClean="0"/>
+              <a:t>waveguide</a:t>
+            </a:r>
+            <a:r>
+              <a:rPr lang="de-DE" altLang="zh-CN" baseline="0" dirty="0" smtClean="0"/>
+              <a:t> end </a:t>
+            </a:r>
+            <a:r>
+              <a:rPr lang="de-DE" altLang="zh-CN" baseline="0" dirty="0" err="1" smtClean="0"/>
+              <a:t>face</a:t>
+            </a:r>
+            <a:r>
+              <a:rPr lang="de-DE" altLang="zh-CN" baseline="0" dirty="0" smtClean="0"/>
+              <a:t>, </a:t>
+            </a:r>
+            <a:r>
+              <a:rPr lang="de-DE" altLang="zh-CN" baseline="0" dirty="0" err="1" smtClean="0"/>
+              <a:t>the</a:t>
+            </a:r>
+            <a:r>
+              <a:rPr lang="de-DE" altLang="zh-CN" baseline="0" dirty="0" smtClean="0"/>
+              <a:t> </a:t>
+            </a:r>
+            <a:r>
+              <a:rPr lang="de-DE" altLang="zh-CN" baseline="0" dirty="0" err="1" smtClean="0"/>
+              <a:t>light</a:t>
+            </a:r>
+            <a:r>
+              <a:rPr lang="de-DE" altLang="zh-CN" baseline="0" dirty="0" smtClean="0"/>
+              <a:t> </a:t>
+            </a:r>
+            <a:r>
+              <a:rPr lang="de-DE" altLang="zh-CN" baseline="0" dirty="0" err="1" smtClean="0"/>
+              <a:t>spot</a:t>
+            </a:r>
+            <a:r>
+              <a:rPr lang="de-DE" altLang="zh-CN" baseline="0" dirty="0" smtClean="0"/>
+              <a:t> </a:t>
+            </a:r>
+            <a:r>
+              <a:rPr lang="de-DE" altLang="zh-CN" baseline="0" dirty="0" err="1" smtClean="0"/>
+              <a:t>diameter</a:t>
+            </a:r>
+            <a:r>
+              <a:rPr lang="de-DE" altLang="zh-CN" baseline="0" dirty="0" smtClean="0"/>
+              <a:t> </a:t>
+            </a:r>
+            <a:r>
+              <a:rPr lang="de-DE" altLang="zh-CN" baseline="0" dirty="0" err="1" smtClean="0"/>
+              <a:t>dspot</a:t>
+            </a:r>
+            <a:r>
+              <a:rPr lang="de-DE" altLang="zh-CN" baseline="0" dirty="0" smtClean="0"/>
+              <a:t> </a:t>
+            </a:r>
+            <a:r>
+              <a:rPr lang="de-DE" altLang="zh-CN" baseline="0" dirty="0" err="1" smtClean="0"/>
+              <a:t>is</a:t>
+            </a:r>
+            <a:r>
+              <a:rPr lang="de-DE" altLang="zh-CN" baseline="0" dirty="0" smtClean="0"/>
+              <a:t> </a:t>
+            </a:r>
+            <a:r>
+              <a:rPr lang="de-DE" altLang="zh-CN" baseline="0" dirty="0" err="1" smtClean="0"/>
+              <a:t>about</a:t>
+            </a:r>
+            <a:r>
+              <a:rPr lang="de-DE" altLang="zh-CN" baseline="0" dirty="0" smtClean="0"/>
+              <a:t> 2.4µm. </a:t>
+            </a:r>
+            <a:endParaRPr lang="de-DE" altLang="zh-CN" dirty="0" smtClean="0"/>
+          </a:p>
+          <a:p>
+            <a:r>
+              <a:rPr lang="de-DE" altLang="zh-CN" dirty="0" err="1" smtClean="0"/>
+              <a:t>If</a:t>
+            </a:r>
+            <a:r>
+              <a:rPr lang="de-DE" altLang="zh-CN" dirty="0" smtClean="0"/>
+              <a:t> </a:t>
+            </a:r>
+            <a:r>
+              <a:rPr lang="de-DE" altLang="zh-CN" dirty="0" err="1" smtClean="0"/>
+              <a:t>the</a:t>
+            </a:r>
+            <a:r>
+              <a:rPr lang="de-DE" altLang="zh-CN" dirty="0" smtClean="0"/>
+              <a:t> </a:t>
+            </a:r>
+            <a:r>
+              <a:rPr lang="de-DE" altLang="zh-CN" dirty="0" err="1" smtClean="0"/>
+              <a:t>light</a:t>
+            </a:r>
+            <a:r>
+              <a:rPr lang="de-DE" altLang="zh-CN" dirty="0" smtClean="0"/>
+              <a:t> </a:t>
+            </a:r>
+            <a:r>
+              <a:rPr lang="de-DE" altLang="zh-CN" dirty="0" err="1" smtClean="0"/>
+              <a:t>is</a:t>
+            </a:r>
+            <a:r>
+              <a:rPr lang="de-DE" altLang="zh-CN" dirty="0" smtClean="0"/>
+              <a:t> </a:t>
+            </a:r>
+            <a:r>
+              <a:rPr lang="de-DE" altLang="zh-CN" dirty="0" err="1" smtClean="0"/>
+              <a:t>refrated</a:t>
+            </a:r>
+            <a:r>
+              <a:rPr lang="de-DE" altLang="zh-CN" baseline="0" dirty="0" smtClean="0"/>
+              <a:t> </a:t>
+            </a:r>
+            <a:r>
+              <a:rPr lang="de-DE" altLang="zh-CN" baseline="0" dirty="0" err="1" smtClean="0"/>
+              <a:t>by</a:t>
+            </a:r>
+            <a:r>
+              <a:rPr lang="de-DE" altLang="zh-CN" baseline="0" dirty="0" smtClean="0"/>
+              <a:t> a</a:t>
+            </a:r>
+            <a:r>
+              <a:rPr lang="de-DE" altLang="zh-CN" dirty="0" smtClean="0"/>
+              <a:t>  </a:t>
+            </a:r>
+            <a:r>
+              <a:rPr lang="de-DE" altLang="zh-CN" dirty="0" err="1" smtClean="0"/>
+              <a:t>heimsphere</a:t>
+            </a:r>
+            <a:r>
+              <a:rPr lang="de-DE" altLang="zh-CN" baseline="0" dirty="0" smtClean="0"/>
+              <a:t> </a:t>
+            </a:r>
+            <a:r>
+              <a:rPr lang="de-DE" altLang="zh-CN" baseline="0" dirty="0" err="1" smtClean="0"/>
+              <a:t>lens</a:t>
+            </a:r>
+            <a:r>
+              <a:rPr lang="de-DE" altLang="zh-CN" baseline="0" dirty="0" smtClean="0"/>
+              <a:t> </a:t>
+            </a:r>
+            <a:r>
+              <a:rPr lang="de-DE" altLang="zh-CN" baseline="0" dirty="0" err="1" smtClean="0"/>
+              <a:t>of</a:t>
+            </a:r>
+            <a:r>
+              <a:rPr lang="de-DE" altLang="zh-CN" baseline="0" dirty="0" smtClean="0"/>
+              <a:t> </a:t>
+            </a:r>
+            <a:r>
+              <a:rPr lang="de-DE" altLang="zh-CN" baseline="0" dirty="0" err="1" smtClean="0"/>
+              <a:t>radius</a:t>
+            </a:r>
+            <a:r>
+              <a:rPr lang="de-DE" altLang="zh-CN" baseline="0" dirty="0" smtClean="0"/>
+              <a:t> 2µm </a:t>
+            </a:r>
+            <a:r>
+              <a:rPr lang="de-DE" altLang="zh-CN" baseline="0" dirty="0" err="1" smtClean="0"/>
+              <a:t>and</a:t>
+            </a:r>
+            <a:r>
+              <a:rPr lang="de-DE" altLang="zh-CN" baseline="0" dirty="0" smtClean="0"/>
+              <a:t> n=</a:t>
+            </a:r>
+            <a:r>
+              <a:rPr lang="de-DE" altLang="zh-CN" baseline="0" dirty="0" err="1" smtClean="0"/>
+              <a:t>substrate</a:t>
+            </a:r>
+            <a:r>
+              <a:rPr lang="de-DE" altLang="zh-CN" baseline="0" dirty="0" smtClean="0"/>
+              <a:t>, </a:t>
+            </a:r>
+            <a:r>
+              <a:rPr lang="de-DE" altLang="zh-CN" baseline="0" dirty="0" err="1" smtClean="0"/>
+              <a:t>the</a:t>
+            </a:r>
+            <a:r>
+              <a:rPr lang="de-DE" altLang="zh-CN" baseline="0" dirty="0" smtClean="0"/>
+              <a:t> </a:t>
+            </a:r>
+            <a:r>
+              <a:rPr lang="de-DE" altLang="zh-CN" baseline="0" dirty="0" err="1" smtClean="0"/>
+              <a:t>the</a:t>
+            </a:r>
+            <a:r>
+              <a:rPr lang="de-DE" altLang="zh-CN" baseline="0" dirty="0" smtClean="0"/>
+              <a:t> </a:t>
+            </a:r>
+            <a:r>
+              <a:rPr lang="de-DE" altLang="zh-CN" baseline="0" dirty="0" err="1" smtClean="0"/>
+              <a:t>light</a:t>
+            </a:r>
+            <a:r>
+              <a:rPr lang="de-DE" altLang="zh-CN" baseline="0" dirty="0" smtClean="0"/>
+              <a:t> </a:t>
+            </a:r>
+            <a:r>
+              <a:rPr lang="de-DE" altLang="zh-CN" baseline="0" dirty="0" err="1" smtClean="0"/>
+              <a:t>spot</a:t>
+            </a:r>
+            <a:r>
+              <a:rPr lang="de-DE" altLang="zh-CN" baseline="0" dirty="0" smtClean="0"/>
+              <a:t> </a:t>
+            </a:r>
+            <a:r>
+              <a:rPr lang="de-DE" altLang="zh-CN" baseline="0" dirty="0" err="1" smtClean="0"/>
+              <a:t>diameter</a:t>
+            </a:r>
+            <a:r>
+              <a:rPr lang="de-DE" altLang="zh-CN" baseline="0" dirty="0" smtClean="0"/>
+              <a:t> </a:t>
+            </a:r>
+            <a:r>
+              <a:rPr lang="de-DE" altLang="zh-CN" baseline="0" dirty="0" err="1" smtClean="0"/>
+              <a:t>dspot</a:t>
+            </a:r>
+            <a:r>
+              <a:rPr lang="de-DE" altLang="zh-CN" baseline="0" dirty="0" smtClean="0"/>
+              <a:t> </a:t>
+            </a:r>
+            <a:r>
+              <a:rPr lang="de-DE" altLang="zh-CN" baseline="0" dirty="0" err="1" smtClean="0"/>
+              <a:t>at</a:t>
+            </a:r>
+            <a:r>
+              <a:rPr lang="de-DE" altLang="zh-CN" baseline="0" dirty="0" smtClean="0"/>
+              <a:t> </a:t>
+            </a:r>
+            <a:r>
+              <a:rPr lang="de-DE" altLang="zh-CN" baseline="0" dirty="0" err="1" smtClean="0"/>
+              <a:t>wqveguid</a:t>
+            </a:r>
+            <a:r>
+              <a:rPr lang="de-DE" altLang="zh-CN" baseline="0" dirty="0" smtClean="0"/>
+              <a:t> end </a:t>
+            </a:r>
+            <a:r>
+              <a:rPr lang="de-DE" altLang="zh-CN" baseline="0" dirty="0" err="1" smtClean="0"/>
+              <a:t>face</a:t>
+            </a:r>
+            <a:r>
+              <a:rPr lang="de-DE" altLang="zh-CN" baseline="0" dirty="0" smtClean="0"/>
+              <a:t> </a:t>
+            </a:r>
+            <a:r>
+              <a:rPr lang="de-DE" altLang="zh-CN" baseline="0" dirty="0" err="1" smtClean="0"/>
+              <a:t>is</a:t>
+            </a:r>
+            <a:r>
+              <a:rPr lang="de-DE" altLang="zh-CN" baseline="0" dirty="0" smtClean="0"/>
+              <a:t> </a:t>
+            </a:r>
+            <a:r>
+              <a:rPr lang="de-DE" altLang="zh-CN" baseline="0" dirty="0" err="1" smtClean="0"/>
+              <a:t>less</a:t>
+            </a:r>
+            <a:r>
+              <a:rPr lang="de-DE" altLang="zh-CN" baseline="0" dirty="0" smtClean="0"/>
+              <a:t> </a:t>
+            </a:r>
+            <a:r>
+              <a:rPr lang="de-DE" altLang="zh-CN" baseline="0" dirty="0" err="1" smtClean="0"/>
+              <a:t>than</a:t>
+            </a:r>
+            <a:r>
+              <a:rPr lang="de-DE" altLang="zh-CN" baseline="0" dirty="0" smtClean="0"/>
+              <a:t> 2µm. </a:t>
+            </a:r>
+          </a:p>
+          <a:p>
+            <a:endParaRPr lang="de-DE" altLang="zh-CN" baseline="0" dirty="0" smtClean="0"/>
+          </a:p>
+          <a:p>
+            <a:r>
+              <a:rPr lang="de-DE" altLang="zh-CN" baseline="0" dirty="0" smtClean="0"/>
+              <a:t>The post </a:t>
+            </a:r>
+            <a:r>
+              <a:rPr lang="de-DE" altLang="zh-CN" baseline="0" dirty="0" err="1" smtClean="0"/>
+              <a:t>size</a:t>
+            </a:r>
+            <a:r>
+              <a:rPr lang="de-DE" altLang="zh-CN" baseline="0" dirty="0" smtClean="0"/>
+              <a:t> </a:t>
+            </a:r>
+            <a:r>
+              <a:rPr lang="de-DE" altLang="zh-CN" baseline="0" dirty="0" err="1" smtClean="0"/>
+              <a:t>curve</a:t>
+            </a:r>
+            <a:r>
+              <a:rPr lang="de-DE" altLang="zh-CN" baseline="0" dirty="0" smtClean="0"/>
+              <a:t> </a:t>
+            </a:r>
+            <a:r>
+              <a:rPr lang="de-DE" altLang="zh-CN" baseline="0" dirty="0" err="1" smtClean="0"/>
+              <a:t>correspond</a:t>
+            </a:r>
+            <a:r>
+              <a:rPr lang="de-DE" altLang="zh-CN" baseline="0" dirty="0" smtClean="0"/>
+              <a:t> </a:t>
+            </a:r>
+            <a:r>
+              <a:rPr lang="de-DE" altLang="zh-CN" baseline="0" dirty="0" err="1" smtClean="0"/>
+              <a:t>to</a:t>
+            </a:r>
+            <a:r>
+              <a:rPr lang="de-DE" altLang="zh-CN" baseline="0" dirty="0" smtClean="0"/>
+              <a:t> </a:t>
+            </a:r>
+            <a:r>
+              <a:rPr lang="de-DE" altLang="zh-CN" baseline="0" dirty="0" err="1" smtClean="0"/>
+              <a:t>simulations</a:t>
+            </a:r>
+            <a:r>
+              <a:rPr lang="de-DE" altLang="zh-CN" baseline="0" dirty="0" smtClean="0"/>
+              <a:t> due </a:t>
+            </a:r>
+            <a:r>
+              <a:rPr lang="de-DE" altLang="zh-CN" baseline="0" dirty="0" err="1" smtClean="0"/>
+              <a:t>to</a:t>
+            </a:r>
+            <a:r>
+              <a:rPr lang="de-DE" altLang="zh-CN" baseline="0" dirty="0" smtClean="0"/>
+              <a:t> </a:t>
+            </a:r>
+            <a:r>
+              <a:rPr lang="de-DE" altLang="zh-CN" baseline="0" dirty="0" err="1" smtClean="0"/>
+              <a:t>lens</a:t>
+            </a:r>
+            <a:r>
+              <a:rPr lang="de-DE" altLang="zh-CN" baseline="0" dirty="0" smtClean="0"/>
+              <a:t> </a:t>
+            </a:r>
+            <a:r>
+              <a:rPr lang="de-DE" altLang="zh-CN" baseline="0" dirty="0" err="1" smtClean="0"/>
+              <a:t>height</a:t>
+            </a:r>
+            <a:r>
+              <a:rPr lang="de-DE" altLang="zh-CN" baseline="0" dirty="0" smtClean="0"/>
+              <a:t> </a:t>
+            </a:r>
+            <a:r>
+              <a:rPr lang="de-DE" altLang="zh-CN" baseline="0" dirty="0" err="1" smtClean="0"/>
+              <a:t>and</a:t>
+            </a:r>
+            <a:r>
+              <a:rPr lang="de-DE" altLang="zh-CN" baseline="0" dirty="0" smtClean="0"/>
+              <a:t> </a:t>
+            </a:r>
+            <a:r>
+              <a:rPr lang="de-DE" altLang="zh-CN" baseline="0" dirty="0" err="1" smtClean="0"/>
+              <a:t>lens</a:t>
+            </a:r>
+            <a:r>
+              <a:rPr lang="de-DE" altLang="zh-CN" baseline="0" dirty="0" smtClean="0"/>
+              <a:t> </a:t>
+            </a:r>
+            <a:r>
+              <a:rPr lang="de-DE" altLang="zh-CN" baseline="0" dirty="0" err="1" smtClean="0"/>
+              <a:t>radius</a:t>
+            </a:r>
+            <a:r>
+              <a:rPr lang="de-DE" altLang="zh-CN" baseline="0" dirty="0" smtClean="0"/>
+              <a:t> </a:t>
+            </a:r>
+            <a:r>
+              <a:rPr lang="de-DE" altLang="zh-CN" baseline="0" dirty="0" err="1" smtClean="0"/>
+              <a:t>respectively</a:t>
+            </a:r>
+            <a:r>
+              <a:rPr lang="de-DE" altLang="zh-CN" baseline="0" dirty="0" smtClean="0"/>
+              <a:t>.</a:t>
+            </a:r>
+          </a:p>
+          <a:p>
+            <a:r>
+              <a:rPr lang="de-DE" altLang="zh-CN" baseline="0" dirty="0" smtClean="0"/>
+              <a:t>The </a:t>
+            </a:r>
+            <a:r>
+              <a:rPr lang="de-DE" altLang="zh-CN" baseline="0" dirty="0" err="1" smtClean="0"/>
+              <a:t>trend</a:t>
+            </a:r>
+            <a:r>
+              <a:rPr lang="de-DE" altLang="zh-CN" baseline="0" dirty="0" smtClean="0"/>
+              <a:t> </a:t>
+            </a:r>
+            <a:r>
+              <a:rPr lang="de-DE" altLang="zh-CN" baseline="0" dirty="0" err="1" smtClean="0"/>
+              <a:t>of</a:t>
+            </a:r>
+            <a:r>
+              <a:rPr lang="de-DE" altLang="zh-CN" baseline="0" dirty="0" smtClean="0"/>
+              <a:t> </a:t>
+            </a:r>
+            <a:r>
+              <a:rPr lang="de-DE" altLang="zh-CN" baseline="0" dirty="0" err="1" smtClean="0"/>
+              <a:t>of</a:t>
+            </a:r>
+            <a:r>
+              <a:rPr lang="de-DE" altLang="zh-CN" baseline="0" dirty="0" smtClean="0"/>
+              <a:t> </a:t>
+            </a:r>
+            <a:r>
+              <a:rPr lang="de-DE" altLang="zh-CN" baseline="0" dirty="0" err="1" smtClean="0"/>
+              <a:t>both</a:t>
+            </a:r>
+            <a:r>
+              <a:rPr lang="de-DE" altLang="zh-CN" baseline="0" dirty="0" smtClean="0"/>
+              <a:t> </a:t>
+            </a:r>
+            <a:r>
+              <a:rPr lang="de-DE" altLang="zh-CN" baseline="0" dirty="0" err="1" smtClean="0"/>
+              <a:t>spot</a:t>
+            </a:r>
+            <a:r>
+              <a:rPr lang="de-DE" altLang="zh-CN" baseline="0" dirty="0" smtClean="0"/>
+              <a:t> </a:t>
+            </a:r>
+            <a:r>
+              <a:rPr lang="de-DE" altLang="zh-CN" baseline="0" dirty="0" err="1" smtClean="0"/>
+              <a:t>size</a:t>
+            </a:r>
+            <a:r>
+              <a:rPr lang="de-DE" altLang="zh-CN" baseline="0" dirty="0" smtClean="0"/>
+              <a:t> </a:t>
+            </a:r>
+            <a:r>
+              <a:rPr lang="de-DE" altLang="zh-CN" baseline="0" dirty="0" err="1" smtClean="0"/>
+              <a:t>curve</a:t>
+            </a:r>
+            <a:r>
+              <a:rPr lang="de-DE" altLang="zh-CN" baseline="0" dirty="0" smtClean="0"/>
+              <a:t> </a:t>
+            </a:r>
+            <a:r>
+              <a:rPr lang="de-DE" altLang="zh-CN" baseline="0" dirty="0" err="1" smtClean="0"/>
+              <a:t>agree</a:t>
+            </a:r>
+            <a:r>
+              <a:rPr lang="de-DE" altLang="zh-CN" baseline="0" dirty="0" smtClean="0"/>
+              <a:t> </a:t>
+            </a:r>
+            <a:r>
+              <a:rPr lang="de-DE" altLang="zh-CN" baseline="0" dirty="0" err="1" smtClean="0"/>
+              <a:t>with</a:t>
+            </a:r>
+            <a:r>
+              <a:rPr lang="de-DE" altLang="zh-CN" baseline="0" dirty="0" smtClean="0"/>
+              <a:t> </a:t>
+            </a:r>
+            <a:r>
+              <a:rPr lang="de-DE" altLang="zh-CN" baseline="0" dirty="0" err="1" smtClean="0"/>
+              <a:t>the</a:t>
+            </a:r>
+            <a:r>
+              <a:rPr lang="de-DE" altLang="zh-CN" baseline="0" dirty="0" smtClean="0"/>
+              <a:t> </a:t>
+            </a:r>
+            <a:r>
+              <a:rPr lang="de-DE" altLang="zh-CN" baseline="0" dirty="0" err="1" smtClean="0"/>
+              <a:t>the</a:t>
+            </a:r>
+            <a:r>
+              <a:rPr lang="de-DE" altLang="zh-CN" baseline="0" dirty="0" smtClean="0"/>
+              <a:t> </a:t>
+            </a:r>
+            <a:r>
+              <a:rPr lang="de-DE" altLang="zh-CN" baseline="0" dirty="0" err="1" smtClean="0"/>
+              <a:t>coupling</a:t>
+            </a:r>
+            <a:r>
+              <a:rPr lang="de-DE" altLang="zh-CN" baseline="0" dirty="0" smtClean="0"/>
+              <a:t> </a:t>
+            </a:r>
+            <a:r>
+              <a:rPr lang="de-DE" altLang="zh-CN" baseline="0" dirty="0" err="1" smtClean="0"/>
+              <a:t>efficiency</a:t>
+            </a:r>
+            <a:r>
+              <a:rPr lang="de-DE" altLang="zh-CN" baseline="0" dirty="0" smtClean="0"/>
+              <a:t> </a:t>
+            </a:r>
+            <a:r>
+              <a:rPr lang="de-DE" altLang="zh-CN" baseline="0" dirty="0" err="1" smtClean="0"/>
+              <a:t>inversely</a:t>
+            </a:r>
+            <a:endParaRPr lang="de-DE" altLang="zh-CN" dirty="0" smtClean="0"/>
+          </a:p>
+          <a:p>
+            <a:r>
+              <a:rPr lang="de-DE" altLang="zh-CN" dirty="0" smtClean="0"/>
+              <a:t> </a:t>
+            </a:r>
             <a:endParaRPr lang="zh-CN" altLang="en-US" dirty="0"/>
           </a:p>
         </p:txBody>
@@ -4027,7 +5169,7 @@
             <a:fld id="{031E71C2-430C-44C1-937C-0E9DE1F3577E}" type="slidenum">
               <a:rPr lang="de-DE" smtClean="0"/>
               <a:pPr/>
-              <a:t>20</a:t>
+              <a:t>17</a:t>
             </a:fld>
             <a:endParaRPr lang="de-DE"/>
           </a:p>
@@ -4087,6 +5229,410 @@
           </a:bodyPr>
           <a:lstStyle/>
           <a:p>
+            <a:r>
+              <a:rPr lang="de-DE" altLang="zh-CN" dirty="0" err="1" smtClean="0"/>
+              <a:t>According</a:t>
+            </a:r>
+            <a:r>
+              <a:rPr lang="de-DE" altLang="zh-CN" baseline="0" dirty="0" smtClean="0"/>
+              <a:t> </a:t>
+            </a:r>
+            <a:r>
+              <a:rPr lang="de-DE" altLang="zh-CN" baseline="0" dirty="0" err="1" smtClean="0"/>
+              <a:t>previous</a:t>
+            </a:r>
+            <a:r>
+              <a:rPr lang="de-DE" altLang="zh-CN" baseline="0" dirty="0" smtClean="0"/>
+              <a:t> </a:t>
+            </a:r>
+            <a:r>
+              <a:rPr lang="de-DE" altLang="zh-CN" baseline="0" dirty="0" err="1" smtClean="0"/>
+              <a:t>discussion</a:t>
+            </a:r>
+            <a:r>
+              <a:rPr lang="de-DE" altLang="zh-CN" baseline="0" dirty="0" smtClean="0"/>
+              <a:t>, </a:t>
+            </a:r>
+            <a:r>
+              <a:rPr lang="de-DE" altLang="zh-CN" baseline="0" dirty="0" err="1" smtClean="0"/>
+              <a:t>the</a:t>
+            </a:r>
+            <a:r>
+              <a:rPr lang="de-DE" altLang="zh-CN" baseline="0" dirty="0" smtClean="0"/>
+              <a:t> optimal </a:t>
+            </a:r>
+            <a:r>
+              <a:rPr lang="de-DE" altLang="zh-CN" baseline="0" dirty="0" err="1" smtClean="0"/>
+              <a:t>actions</a:t>
+            </a:r>
+            <a:r>
+              <a:rPr lang="de-DE" altLang="zh-CN" baseline="0" dirty="0" smtClean="0"/>
+              <a:t> </a:t>
+            </a:r>
+            <a:r>
+              <a:rPr lang="de-DE" altLang="zh-CN" baseline="0" dirty="0" err="1" smtClean="0"/>
+              <a:t>for</a:t>
+            </a:r>
+            <a:r>
+              <a:rPr lang="de-DE" altLang="zh-CN" baseline="0" dirty="0" smtClean="0"/>
+              <a:t> </a:t>
+            </a:r>
+            <a:r>
+              <a:rPr lang="de-DE" altLang="zh-CN" baseline="0" dirty="0" err="1" smtClean="0"/>
+              <a:t>coupling</a:t>
+            </a:r>
+            <a:r>
+              <a:rPr lang="de-DE" altLang="zh-CN" baseline="0" dirty="0" smtClean="0"/>
+              <a:t> </a:t>
+            </a:r>
+            <a:r>
+              <a:rPr lang="de-DE" altLang="zh-CN" baseline="0" dirty="0" err="1" smtClean="0"/>
+              <a:t>are</a:t>
+            </a:r>
+            <a:r>
+              <a:rPr lang="de-DE" altLang="zh-CN" baseline="0" dirty="0" smtClean="0"/>
+              <a:t> </a:t>
+            </a:r>
+            <a:r>
+              <a:rPr lang="de-DE" altLang="zh-CN" baseline="0" dirty="0" err="1" smtClean="0"/>
+              <a:t>using</a:t>
+            </a:r>
+            <a:r>
+              <a:rPr lang="de-DE" altLang="zh-CN" baseline="0" dirty="0" smtClean="0"/>
+              <a:t> </a:t>
+            </a:r>
+            <a:r>
+              <a:rPr lang="de-DE" altLang="zh-CN" baseline="0" dirty="0" err="1" smtClean="0"/>
+              <a:t>new</a:t>
+            </a:r>
+            <a:r>
+              <a:rPr lang="de-DE" altLang="zh-CN" baseline="0" dirty="0" smtClean="0"/>
+              <a:t> </a:t>
+            </a:r>
+            <a:r>
+              <a:rPr lang="de-DE" altLang="zh-CN" baseline="0" dirty="0" err="1" smtClean="0"/>
+              <a:t>waveguide</a:t>
+            </a:r>
+            <a:r>
+              <a:rPr lang="de-DE" altLang="zh-CN" baseline="0" dirty="0" smtClean="0"/>
+              <a:t> material, </a:t>
+            </a:r>
+            <a:r>
+              <a:rPr lang="de-DE" altLang="zh-CN" baseline="0" dirty="0" err="1" smtClean="0"/>
+              <a:t>whose</a:t>
+            </a:r>
+            <a:r>
+              <a:rPr lang="de-DE" altLang="zh-CN" baseline="0" dirty="0" smtClean="0"/>
+              <a:t> </a:t>
+            </a:r>
+            <a:r>
+              <a:rPr lang="de-DE" altLang="zh-CN" baseline="0" dirty="0" err="1" smtClean="0"/>
+              <a:t>refractive</a:t>
+            </a:r>
+            <a:r>
+              <a:rPr lang="de-DE" altLang="zh-CN" baseline="0" dirty="0" smtClean="0"/>
+              <a:t> </a:t>
+            </a:r>
+            <a:r>
+              <a:rPr lang="de-DE" altLang="zh-CN" baseline="0" dirty="0" err="1" smtClean="0"/>
+              <a:t>index</a:t>
+            </a:r>
+            <a:r>
+              <a:rPr lang="de-DE" altLang="zh-CN" baseline="0" dirty="0" smtClean="0"/>
+              <a:t> </a:t>
+            </a:r>
+            <a:r>
+              <a:rPr lang="de-DE" altLang="zh-CN" baseline="0" dirty="0" err="1" smtClean="0"/>
+              <a:t>is</a:t>
+            </a:r>
+            <a:r>
+              <a:rPr lang="de-DE" altLang="zh-CN" baseline="0" dirty="0" smtClean="0"/>
+              <a:t> </a:t>
+            </a:r>
+            <a:r>
+              <a:rPr lang="de-DE" altLang="zh-CN" baseline="0" dirty="0" err="1" smtClean="0"/>
+              <a:t>about</a:t>
+            </a:r>
+            <a:r>
+              <a:rPr lang="de-DE" altLang="zh-CN" baseline="0" dirty="0" smtClean="0"/>
+              <a:t> 1.8. </a:t>
+            </a:r>
+            <a:r>
+              <a:rPr lang="de-DE" altLang="zh-CN" baseline="0" dirty="0" err="1" smtClean="0"/>
+              <a:t>This</a:t>
+            </a:r>
+            <a:r>
+              <a:rPr lang="de-DE" altLang="zh-CN" baseline="0" dirty="0" smtClean="0"/>
+              <a:t> </a:t>
+            </a:r>
+            <a:r>
+              <a:rPr lang="de-DE" altLang="zh-CN" baseline="0" dirty="0" err="1" smtClean="0"/>
+              <a:t>choice</a:t>
+            </a:r>
+            <a:r>
+              <a:rPr lang="de-DE" altLang="zh-CN" baseline="0" dirty="0" smtClean="0"/>
+              <a:t> </a:t>
+            </a:r>
+            <a:r>
+              <a:rPr lang="de-DE" altLang="zh-CN" baseline="0" dirty="0" err="1" smtClean="0"/>
+              <a:t>can</a:t>
+            </a:r>
+            <a:r>
+              <a:rPr lang="de-DE" altLang="zh-CN" baseline="0" dirty="0" smtClean="0"/>
+              <a:t> </a:t>
+            </a:r>
+            <a:r>
+              <a:rPr lang="de-DE" altLang="zh-CN" baseline="0" dirty="0" err="1" smtClean="0"/>
+              <a:t>raises</a:t>
+            </a:r>
+            <a:r>
+              <a:rPr lang="de-DE" altLang="zh-CN" baseline="0" dirty="0" smtClean="0"/>
+              <a:t> </a:t>
+            </a:r>
+            <a:r>
+              <a:rPr lang="de-DE" altLang="zh-CN" baseline="0" dirty="0" err="1" smtClean="0"/>
+              <a:t>the</a:t>
+            </a:r>
+            <a:r>
+              <a:rPr lang="de-DE" altLang="zh-CN" baseline="0" dirty="0" smtClean="0"/>
+              <a:t> </a:t>
+            </a:r>
+            <a:r>
+              <a:rPr lang="de-DE" altLang="zh-CN" baseline="0" dirty="0" err="1" smtClean="0"/>
+              <a:t>coupling</a:t>
+            </a:r>
+            <a:r>
+              <a:rPr lang="de-DE" altLang="zh-CN" baseline="0" dirty="0" smtClean="0"/>
+              <a:t> </a:t>
+            </a:r>
+            <a:r>
+              <a:rPr lang="de-DE" altLang="zh-CN" baseline="0" dirty="0" err="1" smtClean="0"/>
+              <a:t>efficiency</a:t>
+            </a:r>
+            <a:r>
+              <a:rPr lang="de-DE" altLang="zh-CN" baseline="0" dirty="0" smtClean="0"/>
+              <a:t> </a:t>
+            </a:r>
+            <a:r>
+              <a:rPr lang="de-DE" altLang="zh-CN" baseline="0" dirty="0" err="1" smtClean="0"/>
+              <a:t>to</a:t>
+            </a:r>
+            <a:r>
+              <a:rPr lang="de-DE" altLang="zh-CN" baseline="0" dirty="0" smtClean="0"/>
+              <a:t> 62.6%</a:t>
+            </a:r>
+          </a:p>
+          <a:p>
+            <a:r>
+              <a:rPr lang="de-DE" altLang="zh-CN" baseline="0" dirty="0" err="1" smtClean="0"/>
+              <a:t>Although</a:t>
+            </a:r>
+            <a:r>
+              <a:rPr lang="de-DE" altLang="zh-CN" baseline="0" dirty="0" smtClean="0"/>
+              <a:t> in </a:t>
+            </a:r>
+            <a:r>
+              <a:rPr lang="de-DE" altLang="zh-CN" baseline="0" dirty="0" err="1" smtClean="0"/>
+              <a:t>this</a:t>
+            </a:r>
+            <a:r>
+              <a:rPr lang="de-DE" altLang="zh-CN" baseline="0" dirty="0" smtClean="0"/>
+              <a:t> </a:t>
+            </a:r>
+            <a:r>
+              <a:rPr lang="de-DE" altLang="zh-CN" baseline="0" dirty="0" err="1" smtClean="0"/>
+              <a:t>work</a:t>
+            </a:r>
+            <a:r>
+              <a:rPr lang="de-DE" altLang="zh-CN" baseline="0" dirty="0" smtClean="0"/>
+              <a:t>, </a:t>
+            </a:r>
+            <a:r>
+              <a:rPr lang="de-DE" altLang="zh-CN" baseline="0" dirty="0" err="1" smtClean="0"/>
+              <a:t>the</a:t>
+            </a:r>
+            <a:r>
+              <a:rPr lang="de-DE" altLang="zh-CN" baseline="0" dirty="0" smtClean="0"/>
+              <a:t> </a:t>
+            </a:r>
+            <a:r>
+              <a:rPr lang="de-DE" altLang="zh-CN" baseline="0" dirty="0" err="1" smtClean="0"/>
+              <a:t>coupling</a:t>
+            </a:r>
+            <a:r>
+              <a:rPr lang="de-DE" altLang="zh-CN" baseline="0" dirty="0" smtClean="0"/>
+              <a:t> </a:t>
+            </a:r>
+            <a:r>
+              <a:rPr lang="de-DE" altLang="zh-CN" baseline="0" dirty="0" err="1" smtClean="0"/>
+              <a:t>ability</a:t>
+            </a:r>
+            <a:r>
+              <a:rPr lang="de-DE" altLang="zh-CN" baseline="0" dirty="0" smtClean="0"/>
+              <a:t> </a:t>
+            </a:r>
+            <a:r>
+              <a:rPr lang="de-DE" altLang="zh-CN" baseline="0" dirty="0" err="1" smtClean="0"/>
+              <a:t>is</a:t>
+            </a:r>
+            <a:r>
+              <a:rPr lang="de-DE" altLang="zh-CN" baseline="0" dirty="0" smtClean="0"/>
+              <a:t> not </a:t>
+            </a:r>
+            <a:r>
+              <a:rPr lang="de-DE" altLang="zh-CN" baseline="0" dirty="0" err="1" smtClean="0"/>
+              <a:t>greatly</a:t>
+            </a:r>
+            <a:r>
+              <a:rPr lang="de-DE" altLang="zh-CN" baseline="0" dirty="0" smtClean="0"/>
+              <a:t> </a:t>
+            </a:r>
+            <a:r>
+              <a:rPr lang="de-DE" altLang="zh-CN" baseline="0" dirty="0" err="1" smtClean="0"/>
+              <a:t>improved</a:t>
+            </a:r>
+            <a:r>
+              <a:rPr lang="de-DE" altLang="zh-CN" baseline="0" dirty="0" smtClean="0"/>
+              <a:t> </a:t>
+            </a:r>
+            <a:r>
+              <a:rPr lang="de-DE" altLang="zh-CN" baseline="0" dirty="0" err="1" smtClean="0"/>
+              <a:t>by</a:t>
+            </a:r>
+            <a:r>
+              <a:rPr lang="de-DE" altLang="zh-CN" baseline="0" dirty="0" smtClean="0"/>
+              <a:t> </a:t>
+            </a:r>
+            <a:r>
+              <a:rPr lang="de-DE" altLang="zh-CN" baseline="0" dirty="0" err="1" smtClean="0"/>
+              <a:t>using</a:t>
+            </a:r>
+            <a:r>
+              <a:rPr lang="de-DE" altLang="zh-CN" baseline="0" dirty="0" smtClean="0"/>
+              <a:t> taper </a:t>
+            </a:r>
+            <a:r>
+              <a:rPr lang="de-DE" altLang="zh-CN" baseline="0" dirty="0" err="1" smtClean="0"/>
+              <a:t>structure</a:t>
+            </a:r>
+            <a:r>
+              <a:rPr lang="de-DE" altLang="zh-CN" baseline="0" dirty="0" smtClean="0"/>
+              <a:t>.</a:t>
+            </a:r>
+          </a:p>
+          <a:p>
+            <a:r>
+              <a:rPr lang="de-DE" altLang="zh-CN" baseline="0" dirty="0" err="1" smtClean="0"/>
+              <a:t>Usinglensed</a:t>
+            </a:r>
+            <a:r>
+              <a:rPr lang="de-DE" altLang="zh-CN" baseline="0" dirty="0" smtClean="0"/>
+              <a:t> </a:t>
+            </a:r>
+            <a:r>
+              <a:rPr lang="de-DE" altLang="zh-CN" baseline="0" dirty="0" err="1" smtClean="0"/>
+              <a:t>structure</a:t>
+            </a:r>
+            <a:r>
+              <a:rPr lang="de-DE" altLang="zh-CN" baseline="0" dirty="0" smtClean="0"/>
+              <a:t> </a:t>
+            </a:r>
+            <a:r>
+              <a:rPr lang="de-DE" altLang="zh-CN" baseline="0" dirty="0" err="1" smtClean="0"/>
+              <a:t>is</a:t>
+            </a:r>
+            <a:r>
+              <a:rPr lang="de-DE" altLang="zh-CN" baseline="0" dirty="0" smtClean="0"/>
+              <a:t> </a:t>
+            </a:r>
+            <a:r>
+              <a:rPr lang="de-DE" altLang="zh-CN" baseline="0" dirty="0" err="1" smtClean="0"/>
+              <a:t>the</a:t>
+            </a:r>
+            <a:r>
+              <a:rPr lang="de-DE" altLang="zh-CN" baseline="0" dirty="0" smtClean="0"/>
+              <a:t> </a:t>
+            </a:r>
+            <a:r>
+              <a:rPr lang="de-DE" altLang="zh-CN" baseline="0" dirty="0" err="1" smtClean="0"/>
+              <a:t>best</a:t>
+            </a:r>
+            <a:r>
+              <a:rPr lang="de-DE" altLang="zh-CN" baseline="0" dirty="0" smtClean="0"/>
+              <a:t> </a:t>
+            </a:r>
+            <a:r>
+              <a:rPr lang="de-DE" altLang="zh-CN" baseline="0" dirty="0" err="1" smtClean="0"/>
+              <a:t>choice</a:t>
+            </a:r>
+            <a:r>
+              <a:rPr lang="de-DE" altLang="zh-CN" baseline="0" dirty="0" smtClean="0"/>
+              <a:t> </a:t>
+            </a:r>
+            <a:r>
+              <a:rPr lang="de-DE" altLang="zh-CN" baseline="0" dirty="0" err="1" smtClean="0"/>
+              <a:t>from</a:t>
+            </a:r>
+            <a:r>
+              <a:rPr lang="de-DE" altLang="zh-CN" baseline="0" dirty="0" smtClean="0"/>
+              <a:t> </a:t>
+            </a:r>
+            <a:r>
+              <a:rPr lang="de-DE" altLang="zh-CN" baseline="0" dirty="0" err="1" smtClean="0"/>
+              <a:t>this</a:t>
+            </a:r>
+            <a:r>
+              <a:rPr lang="de-DE" altLang="zh-CN" baseline="0" dirty="0" smtClean="0"/>
+              <a:t> </a:t>
+            </a:r>
+            <a:r>
+              <a:rPr lang="de-DE" altLang="zh-CN" baseline="0" dirty="0" err="1" smtClean="0"/>
+              <a:t>work</a:t>
+            </a:r>
+            <a:r>
+              <a:rPr lang="de-DE" altLang="zh-CN" baseline="0" dirty="0" smtClean="0"/>
+              <a:t>, </a:t>
+            </a:r>
+            <a:r>
+              <a:rPr lang="de-DE" altLang="zh-CN" baseline="0" dirty="0" err="1" smtClean="0"/>
+              <a:t>which</a:t>
+            </a:r>
+            <a:r>
+              <a:rPr lang="de-DE" altLang="zh-CN" baseline="0" dirty="0" smtClean="0"/>
+              <a:t> </a:t>
+            </a:r>
+            <a:r>
+              <a:rPr lang="de-DE" altLang="zh-CN" baseline="0" dirty="0" err="1" smtClean="0"/>
+              <a:t>achieves</a:t>
+            </a:r>
+            <a:r>
+              <a:rPr lang="de-DE" altLang="zh-CN" baseline="0" dirty="0" smtClean="0"/>
+              <a:t>  </a:t>
+            </a:r>
+            <a:r>
+              <a:rPr lang="de-DE" altLang="zh-CN" baseline="0" dirty="0" err="1" smtClean="0"/>
+              <a:t>the</a:t>
+            </a:r>
+            <a:r>
+              <a:rPr lang="de-DE" altLang="zh-CN" baseline="0" dirty="0" smtClean="0"/>
+              <a:t> </a:t>
+            </a:r>
+            <a:r>
+              <a:rPr lang="de-DE" altLang="zh-CN" baseline="0" dirty="0" err="1" smtClean="0"/>
+              <a:t>efficiency</a:t>
+            </a:r>
+            <a:r>
+              <a:rPr lang="de-DE" altLang="zh-CN" baseline="0" dirty="0" smtClean="0"/>
+              <a:t> </a:t>
+            </a:r>
+            <a:r>
+              <a:rPr lang="de-DE" altLang="zh-CN" baseline="0" dirty="0" err="1" smtClean="0"/>
+              <a:t>of</a:t>
+            </a:r>
+            <a:r>
+              <a:rPr lang="de-DE" altLang="zh-CN" baseline="0" dirty="0" smtClean="0"/>
+              <a:t> 69%. </a:t>
+            </a:r>
             <a:endParaRPr lang="zh-CN" altLang="en-US" dirty="0"/>
           </a:p>
         </p:txBody>
@@ -4109,7 +5655,7 @@
             <a:fld id="{031E71C2-430C-44C1-937C-0E9DE1F3577E}" type="slidenum">
               <a:rPr lang="de-DE" smtClean="0"/>
               <a:pPr/>
-              <a:t>22</a:t>
+              <a:t>19</a:t>
             </a:fld>
             <a:endParaRPr lang="de-DE"/>
           </a:p>
@@ -4191,7 +5737,383 @@
             <a:fld id="{031E71C2-430C-44C1-937C-0E9DE1F3577E}" type="slidenum">
               <a:rPr lang="de-DE" smtClean="0"/>
               <a:pPr/>
-              <a:t>23</a:t>
+              <a:t>21</a:t>
+            </a:fld>
+            <a:endParaRPr lang="de-DE"/>
+          </a:p>
+        </p:txBody>
+      </p:sp>
+    </p:spTree>
+  </p:cSld>
+  <p:clrMapOvr>
+    <a:masterClrMapping/>
+  </p:clrMapOvr>
+</p:notes>
+</file>
+
+<file path=ppt/notesSlides/notesSlide17.xml><?xml version="1.0" encoding="utf-8"?>
+<p:notes xmlns:a="http://schemas.openxmlformats.org/drawingml/2006/main" xmlns:r="http://schemas.openxmlformats.org/officeDocument/2006/relationships" xmlns:p="http://schemas.openxmlformats.org/presentationml/2006/main">
+  <p:cSld>
+    <p:spTree>
+      <p:nvGrpSpPr>
+        <p:cNvPr id="1" name=""/>
+        <p:cNvGrpSpPr/>
+        <p:nvPr/>
+      </p:nvGrpSpPr>
+      <p:grpSpPr>
+        <a:xfrm>
+          <a:off x="0" y="0"/>
+          <a:ext cx="0" cy="0"/>
+          <a:chOff x="0" y="0"/>
+          <a:chExt cx="0" cy="0"/>
+        </a:xfrm>
+      </p:grpSpPr>
+      <p:sp>
+        <p:nvSpPr>
+          <p:cNvPr id="2" name="Folienbildplatzhalter 1"/>
+          <p:cNvSpPr>
+            <a:spLocks noGrp="1" noRot="1" noChangeAspect="1"/>
+          </p:cNvSpPr>
+          <p:nvPr>
+            <p:ph type="sldImg"/>
+          </p:nvPr>
+        </p:nvSpPr>
+        <p:spPr/>
+      </p:sp>
+      <p:sp>
+        <p:nvSpPr>
+          <p:cNvPr id="3" name="Notizenplatzhalter 2"/>
+          <p:cNvSpPr>
+            <a:spLocks noGrp="1"/>
+          </p:cNvSpPr>
+          <p:nvPr>
+            <p:ph type="body" idx="1"/>
+          </p:nvPr>
+        </p:nvSpPr>
+        <p:spPr/>
+        <p:txBody>
+          <a:bodyPr>
+            <a:normAutofit/>
+          </a:bodyPr>
+          <a:lstStyle/>
+          <a:p>
+            <a:endParaRPr lang="zh-CN" altLang="en-US" dirty="0"/>
+          </a:p>
+        </p:txBody>
+      </p:sp>
+      <p:sp>
+        <p:nvSpPr>
+          <p:cNvPr id="4" name="Foliennummernplatzhalter 3"/>
+          <p:cNvSpPr>
+            <a:spLocks noGrp="1"/>
+          </p:cNvSpPr>
+          <p:nvPr>
+            <p:ph type="sldNum" sz="quarter" idx="10"/>
+          </p:nvPr>
+        </p:nvSpPr>
+        <p:spPr/>
+        <p:txBody>
+          <a:bodyPr/>
+          <a:lstStyle/>
+          <a:p>
+            <a:fld id="{031E71C2-430C-44C1-937C-0E9DE1F3577E}" type="slidenum">
+              <a:rPr lang="de-DE" smtClean="0"/>
+              <a:pPr/>
+              <a:t>22</a:t>
+            </a:fld>
+            <a:endParaRPr lang="de-DE"/>
+          </a:p>
+        </p:txBody>
+      </p:sp>
+    </p:spTree>
+  </p:cSld>
+  <p:clrMapOvr>
+    <a:masterClrMapping/>
+  </p:clrMapOvr>
+</p:notes>
+</file>
+
+<file path=ppt/notesSlides/notesSlide18.xml><?xml version="1.0" encoding="utf-8"?>
+<p:notes xmlns:a="http://schemas.openxmlformats.org/drawingml/2006/main" xmlns:r="http://schemas.openxmlformats.org/officeDocument/2006/relationships" xmlns:p="http://schemas.openxmlformats.org/presentationml/2006/main">
+  <p:cSld>
+    <p:spTree>
+      <p:nvGrpSpPr>
+        <p:cNvPr id="1" name=""/>
+        <p:cNvGrpSpPr/>
+        <p:nvPr/>
+      </p:nvGrpSpPr>
+      <p:grpSpPr>
+        <a:xfrm>
+          <a:off x="0" y="0"/>
+          <a:ext cx="0" cy="0"/>
+          <a:chOff x="0" y="0"/>
+          <a:chExt cx="0" cy="0"/>
+        </a:xfrm>
+      </p:grpSpPr>
+      <p:sp>
+        <p:nvSpPr>
+          <p:cNvPr id="2" name="Folienbildplatzhalter 1"/>
+          <p:cNvSpPr>
+            <a:spLocks noGrp="1" noRot="1" noChangeAspect="1"/>
+          </p:cNvSpPr>
+          <p:nvPr>
+            <p:ph type="sldImg"/>
+          </p:nvPr>
+        </p:nvSpPr>
+        <p:spPr/>
+      </p:sp>
+      <p:sp>
+        <p:nvSpPr>
+          <p:cNvPr id="3" name="Notizenplatzhalter 2"/>
+          <p:cNvSpPr>
+            <a:spLocks noGrp="1"/>
+          </p:cNvSpPr>
+          <p:nvPr>
+            <p:ph type="body" idx="1"/>
+          </p:nvPr>
+        </p:nvSpPr>
+        <p:spPr/>
+        <p:txBody>
+          <a:bodyPr>
+            <a:normAutofit/>
+          </a:bodyPr>
+          <a:lstStyle/>
+          <a:p>
+            <a:r>
+              <a:rPr lang="de-DE" altLang="zh-CN" dirty="0" err="1" smtClean="0"/>
+              <a:t>There</a:t>
+            </a:r>
+            <a:r>
+              <a:rPr lang="de-DE" altLang="zh-CN" baseline="0" dirty="0" smtClean="0"/>
+              <a:t> </a:t>
+            </a:r>
+            <a:r>
+              <a:rPr lang="de-DE" altLang="zh-CN" baseline="0" dirty="0" err="1" smtClean="0"/>
+              <a:t>are</a:t>
+            </a:r>
+            <a:r>
+              <a:rPr lang="de-DE" altLang="zh-CN" baseline="0" dirty="0" smtClean="0"/>
+              <a:t> </a:t>
+            </a:r>
+            <a:r>
+              <a:rPr lang="de-DE" altLang="zh-CN" baseline="0" dirty="0" smtClean="0"/>
+              <a:t>also </a:t>
+            </a:r>
+            <a:r>
+              <a:rPr lang="de-DE" altLang="zh-CN" baseline="0" dirty="0" err="1" smtClean="0"/>
+              <a:t>other</a:t>
+            </a:r>
+            <a:r>
+              <a:rPr lang="de-DE" altLang="zh-CN" baseline="0" dirty="0" smtClean="0"/>
+              <a:t> </a:t>
+            </a:r>
+            <a:r>
+              <a:rPr lang="de-DE" altLang="zh-CN" baseline="0" dirty="0" err="1" smtClean="0"/>
+              <a:t>waveguide</a:t>
+            </a:r>
+            <a:r>
+              <a:rPr lang="de-DE" altLang="zh-CN" baseline="0" dirty="0" smtClean="0"/>
+              <a:t> </a:t>
+            </a:r>
+            <a:r>
+              <a:rPr lang="de-DE" altLang="zh-CN" baseline="0" dirty="0" err="1" smtClean="0"/>
+              <a:t>structures</a:t>
+            </a:r>
+            <a:r>
+              <a:rPr lang="de-DE" altLang="zh-CN" baseline="0" dirty="0" smtClean="0"/>
+              <a:t> </a:t>
+            </a:r>
+            <a:r>
+              <a:rPr lang="de-DE" altLang="zh-CN" baseline="0" dirty="0" err="1" smtClean="0"/>
+              <a:t>for</a:t>
+            </a:r>
+            <a:r>
+              <a:rPr lang="de-DE" altLang="zh-CN" baseline="0" dirty="0" smtClean="0"/>
+              <a:t> </a:t>
+            </a:r>
+            <a:r>
+              <a:rPr lang="de-DE" altLang="zh-CN" baseline="0" dirty="0" err="1" smtClean="0"/>
+              <a:t>improving</a:t>
+            </a:r>
+            <a:r>
+              <a:rPr lang="de-DE" altLang="zh-CN" baseline="0" dirty="0" smtClean="0"/>
+              <a:t> </a:t>
+            </a:r>
+            <a:r>
+              <a:rPr lang="de-DE" altLang="zh-CN" baseline="0" dirty="0" err="1" smtClean="0"/>
+              <a:t>the</a:t>
+            </a:r>
+            <a:r>
+              <a:rPr lang="de-DE" altLang="zh-CN" baseline="0" dirty="0" smtClean="0"/>
+              <a:t> </a:t>
+            </a:r>
+            <a:r>
+              <a:rPr lang="de-DE" altLang="zh-CN" baseline="0" dirty="0" err="1" smtClean="0"/>
+              <a:t>fiber-to-chip</a:t>
+            </a:r>
+            <a:r>
+              <a:rPr lang="de-DE" altLang="zh-CN" baseline="0" dirty="0" smtClean="0"/>
+              <a:t> </a:t>
+            </a:r>
+            <a:r>
+              <a:rPr lang="de-DE" altLang="zh-CN" baseline="0" dirty="0" err="1" smtClean="0"/>
+              <a:t>coupling</a:t>
+            </a:r>
+            <a:r>
+              <a:rPr lang="de-DE" altLang="zh-CN" baseline="0" dirty="0" smtClean="0"/>
+              <a:t>.  </a:t>
+            </a:r>
+            <a:r>
+              <a:rPr lang="de-DE" altLang="zh-CN" baseline="0" dirty="0" err="1" smtClean="0"/>
+              <a:t>Simulations</a:t>
+            </a:r>
+            <a:r>
+              <a:rPr lang="de-DE" altLang="zh-CN" baseline="0" dirty="0" smtClean="0"/>
+              <a:t> </a:t>
+            </a:r>
+            <a:r>
+              <a:rPr lang="de-DE" altLang="zh-CN" baseline="0" dirty="0" err="1" smtClean="0"/>
+              <a:t>shows</a:t>
+            </a:r>
+            <a:r>
+              <a:rPr lang="de-DE" altLang="zh-CN" baseline="0" dirty="0" smtClean="0"/>
+              <a:t> </a:t>
+            </a:r>
+            <a:r>
+              <a:rPr lang="de-DE" altLang="zh-CN" baseline="0" dirty="0" err="1" smtClean="0"/>
+              <a:t>that</a:t>
+            </a:r>
+            <a:r>
+              <a:rPr lang="de-DE" altLang="zh-CN" baseline="0" dirty="0" smtClean="0"/>
+              <a:t> a hybrid </a:t>
+            </a:r>
+            <a:r>
+              <a:rPr lang="de-DE" altLang="zh-CN" baseline="0" dirty="0" err="1" smtClean="0"/>
+              <a:t>tapered</a:t>
+            </a:r>
+            <a:r>
+              <a:rPr lang="de-DE" altLang="zh-CN" baseline="0" dirty="0" smtClean="0"/>
+              <a:t> </a:t>
+            </a:r>
+            <a:r>
+              <a:rPr lang="de-DE" altLang="zh-CN" baseline="0" dirty="0" err="1" smtClean="0"/>
+              <a:t>waveguide</a:t>
+            </a:r>
+            <a:r>
+              <a:rPr lang="de-DE" altLang="zh-CN" baseline="0" dirty="0" smtClean="0"/>
+              <a:t> </a:t>
+            </a:r>
+            <a:r>
+              <a:rPr lang="de-DE" altLang="zh-CN" baseline="0" dirty="0" err="1" smtClean="0"/>
+              <a:t>is</a:t>
+            </a:r>
+            <a:r>
+              <a:rPr lang="de-DE" altLang="zh-CN" baseline="0" dirty="0" smtClean="0"/>
+              <a:t> </a:t>
+            </a:r>
+            <a:r>
+              <a:rPr lang="de-DE" altLang="zh-CN" baseline="0" dirty="0" err="1" smtClean="0"/>
+              <a:t>possible</a:t>
+            </a:r>
+            <a:r>
+              <a:rPr lang="de-DE" altLang="zh-CN" baseline="0" dirty="0" smtClean="0"/>
+              <a:t> </a:t>
+            </a:r>
+            <a:r>
+              <a:rPr lang="de-DE" altLang="zh-CN" baseline="0" dirty="0" err="1" smtClean="0"/>
+              <a:t>to</a:t>
+            </a:r>
+            <a:r>
+              <a:rPr lang="de-DE" altLang="zh-CN" baseline="0" dirty="0" smtClean="0"/>
+              <a:t> </a:t>
+            </a:r>
+            <a:r>
+              <a:rPr lang="de-DE" altLang="zh-CN" baseline="0" dirty="0" err="1" smtClean="0"/>
+              <a:t>improve</a:t>
+            </a:r>
+            <a:r>
+              <a:rPr lang="de-DE" altLang="zh-CN" baseline="0" dirty="0" smtClean="0"/>
+              <a:t> </a:t>
+            </a:r>
+            <a:r>
+              <a:rPr lang="de-DE" altLang="zh-CN" baseline="0" dirty="0" err="1" smtClean="0"/>
+              <a:t>the</a:t>
+            </a:r>
+            <a:r>
+              <a:rPr lang="de-DE" altLang="zh-CN" baseline="0" dirty="0" smtClean="0"/>
+              <a:t> </a:t>
+            </a:r>
+            <a:r>
+              <a:rPr lang="de-DE" altLang="zh-CN" baseline="0" dirty="0" err="1" smtClean="0"/>
+              <a:t>coupling</a:t>
+            </a:r>
+            <a:r>
+              <a:rPr lang="de-DE" altLang="zh-CN" baseline="0" dirty="0" smtClean="0"/>
+              <a:t>. </a:t>
+            </a:r>
+          </a:p>
+          <a:p>
+            <a:r>
+              <a:rPr lang="de-DE" altLang="zh-CN" baseline="0" dirty="0" err="1" smtClean="0"/>
+              <a:t>Tapered</a:t>
+            </a:r>
+            <a:r>
+              <a:rPr lang="de-DE" altLang="zh-CN" baseline="0" dirty="0" smtClean="0"/>
+              <a:t> </a:t>
+            </a:r>
+            <a:r>
+              <a:rPr lang="de-DE" altLang="zh-CN" baseline="0" dirty="0" err="1" smtClean="0"/>
+              <a:t>plasmonic</a:t>
+            </a:r>
+            <a:r>
+              <a:rPr lang="de-DE" altLang="zh-CN" baseline="0" dirty="0" smtClean="0"/>
+              <a:t> </a:t>
+            </a:r>
+            <a:r>
+              <a:rPr lang="de-DE" altLang="zh-CN" baseline="0" dirty="0" err="1" smtClean="0"/>
+              <a:t>waveguide</a:t>
+            </a:r>
+            <a:endParaRPr lang="de-DE" altLang="zh-CN" baseline="0" dirty="0" smtClean="0"/>
+          </a:p>
+          <a:p>
+            <a:r>
+              <a:rPr lang="de-DE" altLang="zh-CN" baseline="0" dirty="0" err="1" smtClean="0"/>
+              <a:t>Grating</a:t>
+            </a:r>
+            <a:endParaRPr lang="de-DE" altLang="zh-CN" baseline="0" dirty="0" smtClean="0"/>
+          </a:p>
+          <a:p>
+            <a:r>
+              <a:rPr lang="de-DE" altLang="zh-CN" baseline="0" dirty="0" err="1" smtClean="0"/>
+              <a:t>Lensed</a:t>
+            </a:r>
+            <a:r>
+              <a:rPr lang="de-DE" altLang="zh-CN" baseline="0" smtClean="0"/>
+              <a:t> </a:t>
+            </a:r>
+            <a:endParaRPr lang="zh-CN" altLang="en-US" dirty="0"/>
+          </a:p>
+        </p:txBody>
+      </p:sp>
+      <p:sp>
+        <p:nvSpPr>
+          <p:cNvPr id="4" name="Foliennummernplatzhalter 3"/>
+          <p:cNvSpPr>
+            <a:spLocks noGrp="1"/>
+          </p:cNvSpPr>
+          <p:nvPr>
+            <p:ph type="sldNum" sz="quarter" idx="10"/>
+          </p:nvPr>
+        </p:nvSpPr>
+        <p:spPr/>
+        <p:txBody>
+          <a:bodyPr/>
+          <a:lstStyle/>
+          <a:p>
+            <a:fld id="{031E71C2-430C-44C1-937C-0E9DE1F3577E}" type="slidenum">
+              <a:rPr lang="de-DE" smtClean="0"/>
+              <a:pPr/>
+              <a:t>25</a:t>
             </a:fld>
             <a:endParaRPr lang="de-DE"/>
           </a:p>
@@ -11566,13 +13488,8 @@
             <a:pPr lvl="1"/>
             <a:r>
               <a:rPr lang="de-DE" altLang="zh-CN" dirty="0" smtClean="0"/>
-              <a:t>0.798(106</a:t>
-            </a:r>
-            <a:r>
-              <a:rPr lang="de-DE" altLang="zh-CN" dirty="0" smtClean="0"/>
-              <a:t>°/2)</a:t>
-            </a:r>
-            <a:endParaRPr lang="de-DE" altLang="zh-CN" dirty="0" smtClean="0"/>
+              <a:t>0.798(106°/2)</a:t>
+            </a:r>
           </a:p>
           <a:p>
             <a:pPr lvl="1"/>
@@ -11580,7 +13497,6 @@
               <a:rPr lang="de-DE" altLang="zh-CN" dirty="0" smtClean="0"/>
               <a:t>0.43(n=1.6)</a:t>
             </a:r>
-            <a:endParaRPr lang="de-DE" altLang="zh-CN" dirty="0" smtClean="0"/>
           </a:p>
           <a:p>
             <a:pPr lvl="1"/>
@@ -11593,13 +13509,8 @@
             <a:pPr lvl="1"/>
             <a:r>
               <a:rPr lang="de-DE" altLang="zh-CN" dirty="0" smtClean="0"/>
-              <a:t> 0.925(n=1.8</a:t>
-            </a:r>
-            <a:r>
-              <a:rPr lang="de-DE" altLang="zh-CN" dirty="0" smtClean="0"/>
-              <a:t>)</a:t>
-            </a:r>
-            <a:endParaRPr lang="de-DE" altLang="zh-CN" dirty="0" smtClean="0"/>
+              <a:t> 0.925(n=1.8)</a:t>
+            </a:r>
           </a:p>
           <a:p>
             <a:pPr lvl="1"/>
@@ -12339,6 +14250,32 @@
           <a:chExt cx="0" cy="0"/>
         </a:xfrm>
       </p:grpSpPr>
+      <p:pic>
+        <p:nvPicPr>
+          <p:cNvPr id="46082" name="Picture 2" descr="F:\Data\leher\SVN\Master_arbeit\Latex\Masterarbeit\bilder\buried_waveguide.PNG"/>
+          <p:cNvPicPr>
+            <a:picLocks noChangeAspect="1" noChangeArrowheads="1"/>
+          </p:cNvPicPr>
+          <p:nvPr/>
+        </p:nvPicPr>
+        <p:blipFill>
+          <a:blip r:embed="rId3"/>
+          <a:srcRect/>
+          <a:stretch>
+            <a:fillRect/>
+          </a:stretch>
+        </p:blipFill>
+        <p:spPr bwMode="auto">
+          <a:xfrm>
+            <a:off x="593725" y="3571875"/>
+            <a:ext cx="2943225" cy="2047875"/>
+          </a:xfrm>
+          <a:prstGeom prst="rect">
+            <a:avLst/>
+          </a:prstGeom>
+          <a:noFill/>
+        </p:spPr>
+      </p:pic>
       <p:sp>
         <p:nvSpPr>
           <p:cNvPr id="2" name="Titel 1"/>
@@ -12395,6 +14332,22 @@
             <a:pPr lvl="1"/>
             <a:r>
               <a:rPr lang="de-DE" altLang="zh-CN" dirty="0" err="1" smtClean="0"/>
+              <a:t>Buried</a:t>
+            </a:r>
+            <a:r>
+              <a:rPr lang="de-DE" altLang="zh-CN" dirty="0" smtClean="0"/>
+              <a:t> </a:t>
+            </a:r>
+            <a:r>
+              <a:rPr lang="de-DE" altLang="zh-CN" dirty="0" err="1" smtClean="0"/>
+              <a:t>waveguide</a:t>
+            </a:r>
+            <a:endParaRPr lang="de-DE" altLang="zh-CN" dirty="0" smtClean="0"/>
+          </a:p>
+          <a:p>
+            <a:pPr lvl="1"/>
+            <a:r>
+              <a:rPr lang="de-DE" altLang="zh-CN" dirty="0" err="1" smtClean="0"/>
               <a:t>Coupling</a:t>
             </a:r>
             <a:r>
@@ -12472,23 +14425,39 @@
             <a:endParaRPr lang="de-DE" altLang="zh-CN" dirty="0" smtClean="0"/>
           </a:p>
           <a:p>
-            <a:pPr lvl="1"/>
-            <a:r>
-              <a:rPr lang="de-DE" altLang="zh-CN" dirty="0" smtClean="0"/>
-              <a:t>Spot </a:t>
-            </a:r>
-            <a:r>
-              <a:rPr lang="de-DE" altLang="zh-CN" dirty="0" err="1" smtClean="0"/>
-              <a:t>size</a:t>
-            </a:r>
-            <a:endParaRPr lang="en-US" altLang="zh-CN" dirty="0" smtClean="0"/>
-          </a:p>
-          <a:p>
-            <a:pPr lvl="1"/>
+            <a:pPr lvl="1">
+              <a:buNone/>
+            </a:pPr>
             <a:endParaRPr lang="en-US" altLang="zh-CN" dirty="0"/>
           </a:p>
         </p:txBody>
       </p:sp>
+      <p:pic>
+        <p:nvPicPr>
+          <p:cNvPr id="46083" name="Picture 3" descr="F:\Data\leher\SVN\Master_arbeit\Latex\Masterarbeit\bilder\s21_sym_waveguide.jpg"/>
+          <p:cNvPicPr>
+            <a:picLocks noChangeAspect="1" noChangeArrowheads="1"/>
+          </p:cNvPicPr>
+          <p:nvPr/>
+        </p:nvPicPr>
+        <p:blipFill>
+          <a:blip r:embed="rId4"/>
+          <a:srcRect/>
+          <a:stretch>
+            <a:fillRect/>
+          </a:stretch>
+        </p:blipFill>
+        <p:spPr bwMode="auto">
+          <a:xfrm>
+            <a:off x="41274" y="2930184"/>
+            <a:ext cx="4745039" cy="3209901"/>
+          </a:xfrm>
+          <a:prstGeom prst="rect">
+            <a:avLst/>
+          </a:prstGeom>
+          <a:noFill/>
+        </p:spPr>
+      </p:pic>
       <p:pic>
         <p:nvPicPr>
           <p:cNvPr id="7170" name="Picture 2" descr="F:\Data\leher\SVN\Master_arbeit\Latex\Masterarbeit\bilder\lensed_waveguide.PNG"/>
@@ -12498,7 +14467,7 @@
           <p:nvPr/>
         </p:nvPicPr>
         <p:blipFill>
-          <a:blip r:embed="rId2"/>
+          <a:blip r:embed="rId5"/>
           <a:srcRect/>
           <a:stretch>
             <a:fillRect/>
@@ -12524,7 +14493,7 @@
           <p:nvPr/>
         </p:nvPicPr>
         <p:blipFill>
-          <a:blip r:embed="rId3"/>
+          <a:blip r:embed="rId6"/>
           <a:srcRect/>
           <a:stretch>
             <a:fillRect/>
@@ -12532,7 +14501,7 @@
         </p:blipFill>
         <p:spPr bwMode="auto">
           <a:xfrm>
-            <a:off x="4357686" y="3214686"/>
+            <a:off x="4417438" y="3214686"/>
             <a:ext cx="4726562" cy="2890863"/>
           </a:xfrm>
           <a:prstGeom prst="rect">
@@ -12550,7 +14519,7 @@
           <p:nvPr/>
         </p:nvPicPr>
         <p:blipFill>
-          <a:blip r:embed="rId4"/>
+          <a:blip r:embed="rId7"/>
           <a:srcRect/>
           <a:stretch>
             <a:fillRect/>
@@ -12596,37 +14565,37 @@
                             </p:stCondLst>
                             <p:childTnLst>
                               <p:par>
-                                <p:cTn id="5" presetID="5" presetClass="exit" presetSubtype="10" fill="hold" nodeType="clickEffect">
+                                <p:cTn id="5" presetID="3" presetClass="entr" presetSubtype="10" fill="hold" nodeType="clickEffect">
                                   <p:stCondLst>
                                     <p:cond delay="0"/>
                                   </p:stCondLst>
                                   <p:childTnLst>
-                                    <p:animEffect transition="out" filter="checkerboard(across)">
-                                      <p:cBhvr>
-                                        <p:cTn id="6" dur="500"/>
-                                        <p:tgtEl>
-                                          <p:spTgt spid="7170"/>
-                                        </p:tgtEl>
-                                      </p:cBhvr>
-                                    </p:animEffect>
                                     <p:set>
                                       <p:cBhvr>
-                                        <p:cTn id="7" dur="1" fill="hold">
+                                        <p:cTn id="6" dur="1" fill="hold">
                                           <p:stCondLst>
-                                            <p:cond delay="499"/>
+                                            <p:cond delay="0"/>
                                           </p:stCondLst>
                                         </p:cTn>
                                         <p:tgtEl>
-                                          <p:spTgt spid="7170"/>
+                                          <p:spTgt spid="46083"/>
                                         </p:tgtEl>
                                         <p:attrNameLst>
                                           <p:attrName>style.visibility</p:attrName>
                                         </p:attrNameLst>
                                       </p:cBhvr>
                                       <p:to>
-                                        <p:strVal val="hidden"/>
+                                        <p:strVal val="visible"/>
                                       </p:to>
                                     </p:set>
+                                    <p:animEffect transition="in" filter="blinds(horizontal)">
+                                      <p:cBhvr>
+                                        <p:cTn id="7" dur="500"/>
+                                        <p:tgtEl>
+                                          <p:spTgt spid="46083"/>
+                                        </p:tgtEl>
+                                      </p:cBhvr>
+                                    </p:animEffect>
                                   </p:childTnLst>
                                 </p:cTn>
                               </p:par>
@@ -12882,7 +14851,7 @@
           <p:nvPr/>
         </p:nvPicPr>
         <p:blipFill>
-          <a:blip r:embed="rId2"/>
+          <a:blip r:embed="rId3"/>
           <a:srcRect/>
           <a:stretch>
             <a:fillRect/>
@@ -12908,7 +14877,7 @@
           <p:nvPr/>
         </p:nvPicPr>
         <p:blipFill>
-          <a:blip r:embed="rId3"/>
+          <a:blip r:embed="rId4"/>
           <a:srcRect/>
           <a:stretch>
             <a:fillRect/>
@@ -12934,7 +14903,7 @@
           <p:nvPr/>
         </p:nvPicPr>
         <p:blipFill>
-          <a:blip r:embed="rId4"/>
+          <a:blip r:embed="rId5"/>
           <a:srcRect/>
           <a:stretch>
             <a:fillRect/>
@@ -12960,7 +14929,7 @@
           <p:nvPr/>
         </p:nvPicPr>
         <p:blipFill>
-          <a:blip r:embed="rId5"/>
+          <a:blip r:embed="rId6"/>
           <a:srcRect/>
           <a:stretch>
             <a:fillRect/>
@@ -13469,6 +15438,2868 @@
           <a:chExt cx="0" cy="0"/>
         </a:xfrm>
       </p:grpSpPr>
+      <p:sp>
+        <p:nvSpPr>
+          <p:cNvPr id="179202" name="Rectangle 2"/>
+          <p:cNvSpPr>
+            <a:spLocks noGrp="1" noChangeArrowheads="1"/>
+          </p:cNvSpPr>
+          <p:nvPr>
+            <p:ph type="title"/>
+          </p:nvPr>
+        </p:nvSpPr>
+        <p:spPr/>
+        <p:txBody>
+          <a:bodyPr/>
+          <a:lstStyle/>
+          <a:p>
+            <a:r>
+              <a:rPr lang="de-DE" altLang="zh-CN" dirty="0" err="1" smtClean="0">
+                <a:solidFill>
+                  <a:srgbClr val="C61829"/>
+                </a:solidFill>
+                <a:ea typeface="宋体" pitchFamily="2" charset="-122"/>
+              </a:rPr>
+              <a:t>Overview</a:t>
+            </a:r>
+            <a:endParaRPr lang="en-US" altLang="zh-CN" dirty="0" smtClean="0">
+              <a:solidFill>
+                <a:srgbClr val="C61829"/>
+              </a:solidFill>
+              <a:ea typeface="宋体" pitchFamily="2" charset="-122"/>
+            </a:endParaRPr>
+          </a:p>
+        </p:txBody>
+      </p:sp>
+      <p:sp>
+        <p:nvSpPr>
+          <p:cNvPr id="179203" name="Text Box 3"/>
+          <p:cNvSpPr txBox="1">
+            <a:spLocks noChangeArrowheads="1"/>
+          </p:cNvSpPr>
+          <p:nvPr/>
+        </p:nvSpPr>
+        <p:spPr bwMode="auto">
+          <a:xfrm>
+            <a:off x="663575" y="1111250"/>
+            <a:ext cx="7724775" cy="3631763"/>
+          </a:xfrm>
+          <a:prstGeom prst="rect">
+            <a:avLst/>
+          </a:prstGeom>
+          <a:noFill/>
+          <a:ln w="9525" algn="ctr">
+            <a:noFill/>
+            <a:miter lim="800000"/>
+            <a:headEnd/>
+            <a:tailEnd/>
+          </a:ln>
+          <a:effectLst/>
+        </p:spPr>
+        <p:txBody>
+          <a:bodyPr>
+            <a:spAutoFit/>
+          </a:bodyPr>
+          <a:lstStyle/>
+          <a:p>
+            <a:pPr defTabSz="758825">
+              <a:buFont typeface="Wingdings" pitchFamily="2" charset="2"/>
+              <a:buChar char="ü"/>
+            </a:pPr>
+            <a:r>
+              <a:rPr lang="de-DE" altLang="zh-CN" sz="3200" dirty="0">
+                <a:solidFill>
+                  <a:srgbClr val="C61829"/>
+                </a:solidFill>
+                <a:ea typeface="宋体" pitchFamily="2" charset="-122"/>
+              </a:rPr>
+              <a:t> </a:t>
+            </a:r>
+            <a:r>
+              <a:rPr lang="de-DE" altLang="zh-CN" sz="3200" dirty="0" smtClean="0">
+                <a:solidFill>
+                  <a:srgbClr val="C61829"/>
+                </a:solidFill>
+                <a:ea typeface="宋体" pitchFamily="2" charset="-122"/>
+              </a:rPr>
+              <a:t>M</a:t>
+            </a:r>
+            <a:r>
+              <a:rPr lang="en-US" altLang="zh-CN" sz="3200" dirty="0" err="1" smtClean="0">
+                <a:solidFill>
+                  <a:srgbClr val="C61829"/>
+                </a:solidFill>
+                <a:ea typeface="宋体" pitchFamily="2" charset="-122"/>
+              </a:rPr>
+              <a:t>otivation</a:t>
+            </a:r>
+            <a:r>
+              <a:rPr lang="en-US" altLang="zh-CN" sz="3200" dirty="0" smtClean="0">
+                <a:solidFill>
+                  <a:srgbClr val="C61829"/>
+                </a:solidFill>
+                <a:ea typeface="宋体" pitchFamily="2" charset="-122"/>
+              </a:rPr>
+              <a:t> and Objective</a:t>
+            </a:r>
+            <a:endParaRPr lang="de-DE" altLang="zh-CN" sz="3200" dirty="0" smtClean="0">
+              <a:solidFill>
+                <a:srgbClr val="C61829"/>
+              </a:solidFill>
+              <a:ea typeface="宋体" pitchFamily="2" charset="-122"/>
+            </a:endParaRPr>
+          </a:p>
+          <a:p>
+            <a:pPr defTabSz="758825">
+              <a:buFont typeface="Wingdings" pitchFamily="2" charset="2"/>
+              <a:buChar char="ü"/>
+            </a:pPr>
+            <a:r>
+              <a:rPr lang="de-DE" altLang="zh-CN" sz="3200" dirty="0" err="1" smtClean="0">
+                <a:solidFill>
+                  <a:srgbClr val="C61829"/>
+                </a:solidFill>
+                <a:ea typeface="宋体" pitchFamily="2" charset="-122"/>
+              </a:rPr>
+              <a:t>Pr</a:t>
+            </a:r>
+            <a:r>
+              <a:rPr lang="en-US" altLang="zh-CN" sz="3200" dirty="0" err="1" smtClean="0">
+                <a:solidFill>
+                  <a:srgbClr val="C61829"/>
+                </a:solidFill>
+                <a:ea typeface="宋体" pitchFamily="2" charset="-122"/>
+              </a:rPr>
+              <a:t>oject</a:t>
+            </a:r>
+            <a:r>
+              <a:rPr lang="en-US" altLang="zh-CN" sz="3200" dirty="0" smtClean="0">
+                <a:solidFill>
+                  <a:srgbClr val="C61829"/>
+                </a:solidFill>
+                <a:ea typeface="宋体" pitchFamily="2" charset="-122"/>
+              </a:rPr>
+              <a:t> Introduction</a:t>
+            </a:r>
+            <a:endParaRPr lang="de-DE" altLang="zh-CN" sz="3200" dirty="0" smtClean="0">
+              <a:solidFill>
+                <a:srgbClr val="C61829"/>
+              </a:solidFill>
+              <a:ea typeface="宋体" pitchFamily="2" charset="-122"/>
+            </a:endParaRPr>
+          </a:p>
+          <a:p>
+            <a:pPr defTabSz="758825">
+              <a:buFont typeface="Wingdings" pitchFamily="2" charset="2"/>
+              <a:buChar char="ü"/>
+            </a:pPr>
+            <a:r>
+              <a:rPr lang="de-DE" altLang="zh-CN" sz="3200" dirty="0" smtClean="0">
+                <a:solidFill>
+                  <a:srgbClr val="C61829"/>
+                </a:solidFill>
+                <a:ea typeface="宋体" pitchFamily="2" charset="-122"/>
+              </a:rPr>
+              <a:t> </a:t>
+            </a:r>
+            <a:r>
+              <a:rPr lang="en-US" altLang="zh-CN" sz="3200" dirty="0" err="1" smtClean="0">
+                <a:solidFill>
+                  <a:srgbClr val="C61829"/>
+                </a:solidFill>
+                <a:ea typeface="宋体" pitchFamily="2" charset="-122"/>
+              </a:rPr>
+              <a:t>Modelling</a:t>
+            </a:r>
+            <a:endParaRPr lang="de-DE" altLang="zh-CN" sz="3200" dirty="0" smtClean="0">
+              <a:solidFill>
+                <a:srgbClr val="C61829"/>
+              </a:solidFill>
+              <a:ea typeface="宋体" pitchFamily="2" charset="-122"/>
+            </a:endParaRPr>
+          </a:p>
+          <a:p>
+            <a:pPr defTabSz="758825">
+              <a:buFont typeface="Wingdings" pitchFamily="2" charset="2"/>
+              <a:buChar char="ü"/>
+            </a:pPr>
+            <a:r>
+              <a:rPr lang="de-DE" altLang="zh-CN" sz="3200" dirty="0" smtClean="0">
+                <a:solidFill>
+                  <a:srgbClr val="C61829"/>
+                </a:solidFill>
+                <a:ea typeface="宋体" pitchFamily="2" charset="-122"/>
+              </a:rPr>
+              <a:t> O</a:t>
+            </a:r>
+            <a:r>
+              <a:rPr lang="en-US" altLang="zh-CN" sz="3200" dirty="0" err="1" smtClean="0">
+                <a:solidFill>
+                  <a:srgbClr val="C61829"/>
+                </a:solidFill>
+                <a:ea typeface="宋体" pitchFamily="2" charset="-122"/>
+              </a:rPr>
+              <a:t>ptimization</a:t>
+            </a:r>
+            <a:endParaRPr lang="de-DE" altLang="zh-CN" sz="3200" dirty="0">
+              <a:solidFill>
+                <a:srgbClr val="C61829"/>
+              </a:solidFill>
+              <a:ea typeface="宋体" pitchFamily="2" charset="-122"/>
+            </a:endParaRPr>
+          </a:p>
+          <a:p>
+            <a:pPr defTabSz="758825">
+              <a:buFont typeface="Wingdings" pitchFamily="2" charset="2"/>
+              <a:buChar char="Ø"/>
+            </a:pPr>
+            <a:r>
+              <a:rPr lang="de-DE" altLang="zh-CN" sz="3200" dirty="0">
+                <a:solidFill>
+                  <a:srgbClr val="C61829"/>
+                </a:solidFill>
+                <a:ea typeface="宋体" pitchFamily="2" charset="-122"/>
+              </a:rPr>
+              <a:t> </a:t>
+            </a:r>
+            <a:r>
+              <a:rPr lang="de-DE" altLang="zh-CN" sz="3200" dirty="0" smtClean="0">
+                <a:solidFill>
+                  <a:srgbClr val="C61829"/>
+                </a:solidFill>
+                <a:ea typeface="宋体" pitchFamily="2" charset="-122"/>
+              </a:rPr>
+              <a:t>C</a:t>
+            </a:r>
+            <a:r>
+              <a:rPr lang="en-US" altLang="zh-CN" sz="3200" dirty="0" err="1" smtClean="0">
+                <a:solidFill>
+                  <a:srgbClr val="C61829"/>
+                </a:solidFill>
+                <a:ea typeface="宋体" pitchFamily="2" charset="-122"/>
+              </a:rPr>
+              <a:t>onclusion</a:t>
+            </a:r>
+            <a:r>
+              <a:rPr lang="en-US" altLang="zh-CN" sz="3200" dirty="0" smtClean="0">
+                <a:solidFill>
+                  <a:srgbClr val="C61829"/>
+                </a:solidFill>
+                <a:ea typeface="宋体" pitchFamily="2" charset="-122"/>
+              </a:rPr>
+              <a:t> and Outlook</a:t>
+            </a:r>
+            <a:endParaRPr lang="en-US" altLang="zh-CN" sz="3200" dirty="0">
+              <a:solidFill>
+                <a:srgbClr val="C61829"/>
+              </a:solidFill>
+              <a:ea typeface="宋体" pitchFamily="2" charset="-122"/>
+            </a:endParaRPr>
+          </a:p>
+        </p:txBody>
+      </p:sp>
+    </p:spTree>
+  </p:cSld>
+  <p:clrMapOvr>
+    <a:masterClrMapping/>
+  </p:clrMapOvr>
+  <p:transition>
+    <p:zoom/>
+  </p:transition>
+  <p:timing>
+    <p:tnLst>
+      <p:par>
+        <p:cTn id="1" dur="indefinite" restart="never" nodeType="tmRoot"/>
+      </p:par>
+    </p:tnLst>
+  </p:timing>
+</p:sld>
+</file>
+
+<file path=ppt/slides/slide2.xml><?xml version="1.0" encoding="utf-8"?>
+<p:sld xmlns:a="http://schemas.openxmlformats.org/drawingml/2006/main" xmlns:r="http://schemas.openxmlformats.org/officeDocument/2006/relationships" xmlns:p="http://schemas.openxmlformats.org/presentationml/2006/main">
+  <p:cSld>
+    <p:spTree>
+      <p:nvGrpSpPr>
+        <p:cNvPr id="1" name=""/>
+        <p:cNvGrpSpPr/>
+        <p:nvPr/>
+      </p:nvGrpSpPr>
+      <p:grpSpPr>
+        <a:xfrm>
+          <a:off x="0" y="0"/>
+          <a:ext cx="0" cy="0"/>
+          <a:chOff x="0" y="0"/>
+          <a:chExt cx="0" cy="0"/>
+        </a:xfrm>
+      </p:grpSpPr>
+      <p:sp>
+        <p:nvSpPr>
+          <p:cNvPr id="50178" name="Rectangle 2"/>
+          <p:cNvSpPr>
+            <a:spLocks noGrp="1" noChangeArrowheads="1"/>
+          </p:cNvSpPr>
+          <p:nvPr>
+            <p:ph type="title"/>
+          </p:nvPr>
+        </p:nvSpPr>
+        <p:spPr/>
+        <p:txBody>
+          <a:bodyPr/>
+          <a:lstStyle/>
+          <a:p>
+            <a:r>
+              <a:rPr lang="de-DE" altLang="zh-CN" dirty="0" err="1" smtClean="0">
+                <a:solidFill>
+                  <a:srgbClr val="C61829"/>
+                </a:solidFill>
+                <a:ea typeface="宋体" pitchFamily="2" charset="-122"/>
+              </a:rPr>
+              <a:t>Overview</a:t>
+            </a:r>
+            <a:endParaRPr lang="en-US" altLang="zh-CN" dirty="0" smtClean="0">
+              <a:solidFill>
+                <a:srgbClr val="C61829"/>
+              </a:solidFill>
+              <a:ea typeface="宋体" pitchFamily="2" charset="-122"/>
+            </a:endParaRPr>
+          </a:p>
+        </p:txBody>
+      </p:sp>
+      <p:sp>
+        <p:nvSpPr>
+          <p:cNvPr id="50181" name="Text Box 5"/>
+          <p:cNvSpPr txBox="1">
+            <a:spLocks noChangeArrowheads="1"/>
+          </p:cNvSpPr>
+          <p:nvPr/>
+        </p:nvSpPr>
+        <p:spPr bwMode="auto">
+          <a:xfrm>
+            <a:off x="663575" y="1111250"/>
+            <a:ext cx="7724775" cy="3598863"/>
+          </a:xfrm>
+          <a:prstGeom prst="rect">
+            <a:avLst/>
+          </a:prstGeom>
+          <a:noFill/>
+          <a:ln w="9525" algn="ctr">
+            <a:noFill/>
+            <a:miter lim="800000"/>
+            <a:headEnd/>
+            <a:tailEnd/>
+          </a:ln>
+          <a:effectLst/>
+        </p:spPr>
+        <p:txBody>
+          <a:bodyPr>
+            <a:spAutoFit/>
+          </a:bodyPr>
+          <a:lstStyle/>
+          <a:p>
+            <a:pPr defTabSz="758825">
+              <a:buFont typeface="Wingdings" pitchFamily="2" charset="2"/>
+              <a:buChar char="Ø"/>
+            </a:pPr>
+            <a:r>
+              <a:rPr lang="de-DE" altLang="zh-CN" sz="3200" dirty="0">
+                <a:solidFill>
+                  <a:srgbClr val="C61829"/>
+                </a:solidFill>
+                <a:ea typeface="宋体" pitchFamily="2" charset="-122"/>
+              </a:rPr>
+              <a:t> </a:t>
+            </a:r>
+            <a:r>
+              <a:rPr lang="en-US" altLang="zh-CN" sz="3200" dirty="0" smtClean="0">
+                <a:solidFill>
+                  <a:srgbClr val="C61829"/>
+                </a:solidFill>
+                <a:ea typeface="宋体" pitchFamily="2" charset="-122"/>
+              </a:rPr>
+              <a:t>Motivation and Objective</a:t>
+            </a:r>
+          </a:p>
+          <a:p>
+            <a:pPr defTabSz="758825">
+              <a:buFont typeface="Wingdings" pitchFamily="2" charset="2"/>
+              <a:buChar char="p"/>
+            </a:pPr>
+            <a:r>
+              <a:rPr lang="en-US" altLang="zh-CN" sz="3200" dirty="0" smtClean="0">
+                <a:solidFill>
+                  <a:srgbClr val="C61829"/>
+                </a:solidFill>
+                <a:ea typeface="宋体" pitchFamily="2" charset="-122"/>
+              </a:rPr>
+              <a:t> Project Introduction</a:t>
+            </a:r>
+          </a:p>
+          <a:p>
+            <a:pPr defTabSz="758825">
+              <a:buFont typeface="Wingdings" pitchFamily="2" charset="2"/>
+              <a:buChar char="p"/>
+            </a:pPr>
+            <a:r>
+              <a:rPr lang="en-US" altLang="zh-CN" sz="3200" dirty="0" smtClean="0">
+                <a:solidFill>
+                  <a:srgbClr val="C61829"/>
+                </a:solidFill>
+                <a:ea typeface="宋体" pitchFamily="2" charset="-122"/>
+              </a:rPr>
+              <a:t> </a:t>
+            </a:r>
+            <a:r>
+              <a:rPr lang="en-US" altLang="zh-CN" sz="3200" dirty="0" err="1" smtClean="0">
+                <a:solidFill>
+                  <a:srgbClr val="C61829"/>
+                </a:solidFill>
+                <a:ea typeface="宋体" pitchFamily="2" charset="-122"/>
+              </a:rPr>
+              <a:t>Modelling</a:t>
+            </a:r>
+            <a:endParaRPr lang="en-US" altLang="zh-CN" sz="3200" dirty="0" smtClean="0">
+              <a:solidFill>
+                <a:srgbClr val="C61829"/>
+              </a:solidFill>
+              <a:ea typeface="宋体" pitchFamily="2" charset="-122"/>
+            </a:endParaRPr>
+          </a:p>
+          <a:p>
+            <a:pPr defTabSz="758825">
+              <a:buFont typeface="Wingdings" pitchFamily="2" charset="2"/>
+              <a:buChar char="p"/>
+            </a:pPr>
+            <a:r>
+              <a:rPr lang="en-US" altLang="zh-CN" sz="3200" dirty="0" smtClean="0">
+                <a:solidFill>
+                  <a:srgbClr val="C61829"/>
+                </a:solidFill>
+                <a:ea typeface="宋体" pitchFamily="2" charset="-122"/>
+              </a:rPr>
+              <a:t> Optimization</a:t>
+            </a:r>
+          </a:p>
+          <a:p>
+            <a:pPr defTabSz="758825">
+              <a:buFont typeface="Wingdings" pitchFamily="2" charset="2"/>
+              <a:buChar char="p"/>
+            </a:pPr>
+            <a:r>
+              <a:rPr lang="en-US" altLang="zh-CN" sz="3200" dirty="0" smtClean="0">
+                <a:solidFill>
+                  <a:srgbClr val="C61829"/>
+                </a:solidFill>
+                <a:ea typeface="宋体" pitchFamily="2" charset="-122"/>
+              </a:rPr>
+              <a:t> Conclusion and </a:t>
+            </a:r>
+            <a:r>
+              <a:rPr lang="en-US" altLang="zh-CN" dirty="0" smtClean="0">
+                <a:solidFill>
+                  <a:srgbClr val="C61829"/>
+                </a:solidFill>
+                <a:ea typeface="宋体" pitchFamily="2" charset="-122"/>
+              </a:rPr>
+              <a:t>Outlook</a:t>
+            </a:r>
+            <a:endParaRPr lang="en-US" altLang="zh-CN" sz="3200" dirty="0">
+              <a:solidFill>
+                <a:srgbClr val="C61829"/>
+              </a:solidFill>
+              <a:ea typeface="宋体" pitchFamily="2" charset="-122"/>
+            </a:endParaRPr>
+          </a:p>
+        </p:txBody>
+      </p:sp>
+    </p:spTree>
+  </p:cSld>
+  <p:clrMapOvr>
+    <a:masterClrMapping/>
+  </p:clrMapOvr>
+  <p:transition>
+    <p:zoom/>
+  </p:transition>
+  <p:timing>
+    <p:tnLst>
+      <p:par>
+        <p:cTn id="1" dur="indefinite" restart="never" nodeType="tmRoot"/>
+      </p:par>
+    </p:tnLst>
+  </p:timing>
+</p:sld>
+</file>
+
+<file path=ppt/slides/slide20.xml><?xml version="1.0" encoding="utf-8"?>
+<p:sld xmlns:a="http://schemas.openxmlformats.org/drawingml/2006/main" xmlns:r="http://schemas.openxmlformats.org/officeDocument/2006/relationships" xmlns:p="http://schemas.openxmlformats.org/presentationml/2006/main">
+  <p:cSld>
+    <p:spTree>
+      <p:nvGrpSpPr>
+        <p:cNvPr id="1" name=""/>
+        <p:cNvGrpSpPr/>
+        <p:nvPr/>
+      </p:nvGrpSpPr>
+      <p:grpSpPr>
+        <a:xfrm>
+          <a:off x="0" y="0"/>
+          <a:ext cx="0" cy="0"/>
+          <a:chOff x="0" y="0"/>
+          <a:chExt cx="0" cy="0"/>
+        </a:xfrm>
+      </p:grpSpPr>
+      <p:sp>
+        <p:nvSpPr>
+          <p:cNvPr id="2" name="Titel 1"/>
+          <p:cNvSpPr>
+            <a:spLocks noGrp="1"/>
+          </p:cNvSpPr>
+          <p:nvPr>
+            <p:ph type="title"/>
+          </p:nvPr>
+        </p:nvSpPr>
+        <p:spPr/>
+        <p:txBody>
+          <a:bodyPr/>
+          <a:lstStyle/>
+          <a:p>
+            <a:r>
+              <a:rPr lang="de-DE" altLang="zh-CN" sz="4000" dirty="0" smtClean="0">
+                <a:solidFill>
+                  <a:srgbClr val="C61829"/>
+                </a:solidFill>
+                <a:ea typeface="宋体" pitchFamily="2" charset="-122"/>
+              </a:rPr>
+              <a:t>C</a:t>
+            </a:r>
+            <a:r>
+              <a:rPr lang="en-US" altLang="zh-CN" sz="4000" dirty="0" err="1" smtClean="0">
+                <a:solidFill>
+                  <a:srgbClr val="C61829"/>
+                </a:solidFill>
+                <a:ea typeface="宋体" pitchFamily="2" charset="-122"/>
+              </a:rPr>
+              <a:t>onclusion</a:t>
+            </a:r>
+            <a:r>
+              <a:rPr lang="en-US" altLang="zh-CN" sz="4000" dirty="0" smtClean="0">
+                <a:solidFill>
+                  <a:srgbClr val="C61829"/>
+                </a:solidFill>
+                <a:ea typeface="宋体" pitchFamily="2" charset="-122"/>
+              </a:rPr>
+              <a:t> and Outlook</a:t>
+            </a:r>
+            <a:endParaRPr lang="zh-CN" altLang="en-US" dirty="0"/>
+          </a:p>
+        </p:txBody>
+      </p:sp>
+      <p:sp>
+        <p:nvSpPr>
+          <p:cNvPr id="3" name="Inhaltsplatzhalter 2"/>
+          <p:cNvSpPr>
+            <a:spLocks noGrp="1"/>
+          </p:cNvSpPr>
+          <p:nvPr>
+            <p:ph idx="1"/>
+          </p:nvPr>
+        </p:nvSpPr>
+        <p:spPr/>
+        <p:txBody>
+          <a:bodyPr/>
+          <a:lstStyle/>
+          <a:p>
+            <a:r>
+              <a:rPr lang="de-DE" altLang="zh-CN" dirty="0" smtClean="0"/>
+              <a:t>New </a:t>
+            </a:r>
+            <a:r>
+              <a:rPr lang="de-DE" altLang="zh-CN" dirty="0" err="1" smtClean="0"/>
+              <a:t>refrative</a:t>
+            </a:r>
+            <a:r>
+              <a:rPr lang="de-DE" altLang="zh-CN" dirty="0" smtClean="0"/>
+              <a:t> Index: </a:t>
+            </a:r>
+            <a:r>
+              <a:rPr lang="de-DE" altLang="zh-CN" dirty="0" err="1" smtClean="0"/>
+              <a:t>about</a:t>
+            </a:r>
+            <a:r>
+              <a:rPr lang="de-DE" altLang="zh-CN" dirty="0" smtClean="0"/>
+              <a:t> 62.6% </a:t>
+            </a:r>
+            <a:r>
+              <a:rPr lang="de-DE" altLang="zh-CN" dirty="0" err="1" smtClean="0"/>
+              <a:t>for</a:t>
+            </a:r>
+            <a:r>
+              <a:rPr lang="de-DE" altLang="zh-CN" dirty="0" smtClean="0"/>
+              <a:t> n = 1.8</a:t>
+            </a:r>
+          </a:p>
+          <a:p>
+            <a:r>
+              <a:rPr lang="de-DE" altLang="zh-CN" dirty="0" err="1" smtClean="0"/>
+              <a:t>Tapered</a:t>
+            </a:r>
+            <a:r>
+              <a:rPr lang="de-DE" altLang="zh-CN" dirty="0" smtClean="0"/>
+              <a:t> </a:t>
+            </a:r>
+            <a:r>
+              <a:rPr lang="de-DE" altLang="zh-CN" dirty="0" err="1" smtClean="0"/>
+              <a:t>waveguide</a:t>
+            </a:r>
+            <a:r>
+              <a:rPr lang="de-DE" altLang="zh-CN" dirty="0" smtClean="0"/>
+              <a:t>: </a:t>
+            </a:r>
+            <a:r>
+              <a:rPr lang="de-DE" altLang="zh-CN" dirty="0" err="1" smtClean="0"/>
+              <a:t>ratio</a:t>
+            </a:r>
+            <a:r>
+              <a:rPr lang="de-DE" altLang="zh-CN" dirty="0" smtClean="0"/>
+              <a:t> = </a:t>
+            </a:r>
+            <a:r>
+              <a:rPr lang="de-DE" altLang="zh-CN" dirty="0" err="1" smtClean="0"/>
+              <a:t>L</a:t>
+            </a:r>
+            <a:r>
+              <a:rPr lang="de-DE" altLang="zh-CN" sz="1600" dirty="0" err="1" smtClean="0"/>
+              <a:t>taper</a:t>
+            </a:r>
+            <a:r>
+              <a:rPr lang="de-DE" altLang="zh-CN" dirty="0" smtClean="0"/>
+              <a:t>/d</a:t>
+            </a:r>
+            <a:r>
+              <a:rPr lang="de-DE" altLang="zh-CN" sz="1600" dirty="0" smtClean="0"/>
+              <a:t>1</a:t>
+            </a:r>
+            <a:r>
+              <a:rPr lang="de-DE" altLang="zh-CN" dirty="0" smtClean="0"/>
+              <a:t>, 54%</a:t>
+            </a:r>
+          </a:p>
+          <a:p>
+            <a:r>
+              <a:rPr lang="de-DE" altLang="zh-CN" dirty="0" err="1" smtClean="0"/>
+              <a:t>Lensed</a:t>
+            </a:r>
+            <a:r>
+              <a:rPr lang="de-DE" altLang="zh-CN" dirty="0" smtClean="0"/>
+              <a:t> </a:t>
+            </a:r>
+            <a:r>
+              <a:rPr lang="de-DE" altLang="zh-CN" dirty="0" err="1" smtClean="0"/>
+              <a:t>waveguide</a:t>
+            </a:r>
+            <a:r>
+              <a:rPr lang="de-DE" altLang="zh-CN" dirty="0" smtClean="0"/>
+              <a:t>:  </a:t>
+            </a:r>
+            <a:r>
+              <a:rPr lang="de-DE" altLang="zh-CN" dirty="0" err="1" smtClean="0"/>
+              <a:t>Hemisphere</a:t>
+            </a:r>
+            <a:r>
+              <a:rPr lang="de-DE" altLang="zh-CN" dirty="0" smtClean="0"/>
+              <a:t> </a:t>
+            </a:r>
+            <a:r>
+              <a:rPr lang="de-DE" altLang="zh-CN" dirty="0" err="1" smtClean="0"/>
+              <a:t>lens</a:t>
+            </a:r>
+            <a:r>
+              <a:rPr lang="de-DE" altLang="zh-CN" dirty="0" smtClean="0"/>
+              <a:t>, 69%</a:t>
+            </a:r>
+            <a:endParaRPr lang="zh-CN" altLang="en-US" dirty="0"/>
+          </a:p>
+        </p:txBody>
+      </p:sp>
+    </p:spTree>
+  </p:cSld>
+  <p:clrMapOvr>
+    <a:masterClrMapping/>
+  </p:clrMapOvr>
+  <p:transition>
+    <p:zoom/>
+  </p:transition>
+  <p:timing>
+    <p:tnLst>
+      <p:par>
+        <p:cTn id="1" dur="indefinite" restart="never" nodeType="tmRoot"/>
+      </p:par>
+    </p:tnLst>
+  </p:timing>
+</p:sld>
+</file>
+
+<file path=ppt/slides/slide21.xml><?xml version="1.0" encoding="utf-8"?>
+<p:sld xmlns:a="http://schemas.openxmlformats.org/drawingml/2006/main" xmlns:r="http://schemas.openxmlformats.org/officeDocument/2006/relationships" xmlns:p="http://schemas.openxmlformats.org/presentationml/2006/main">
+  <p:cSld>
+    <p:spTree>
+      <p:nvGrpSpPr>
+        <p:cNvPr id="1" name=""/>
+        <p:cNvGrpSpPr/>
+        <p:nvPr/>
+      </p:nvGrpSpPr>
+      <p:grpSpPr>
+        <a:xfrm>
+          <a:off x="0" y="0"/>
+          <a:ext cx="0" cy="0"/>
+          <a:chOff x="0" y="0"/>
+          <a:chExt cx="0" cy="0"/>
+        </a:xfrm>
+      </p:grpSpPr>
+      <p:sp>
+        <p:nvSpPr>
+          <p:cNvPr id="143362" name="Rectangle 2"/>
+          <p:cNvSpPr>
+            <a:spLocks noGrp="1" noChangeArrowheads="1"/>
+          </p:cNvSpPr>
+          <p:nvPr>
+            <p:ph type="body" idx="1"/>
+          </p:nvPr>
+        </p:nvSpPr>
+        <p:spPr>
+          <a:xfrm>
+            <a:off x="34925" y="2608263"/>
+            <a:ext cx="9007475" cy="1816100"/>
+          </a:xfrm>
+        </p:spPr>
+        <p:txBody>
+          <a:bodyPr/>
+          <a:lstStyle/>
+          <a:p>
+            <a:pPr algn="ctr">
+              <a:buFontTx/>
+              <a:buNone/>
+            </a:pPr>
+            <a:r>
+              <a:rPr lang="en-US" altLang="zh-CN" sz="4000" i="1" dirty="0" smtClean="0">
+                <a:ea typeface="宋体" pitchFamily="2" charset="-122"/>
+              </a:rPr>
+              <a:t>Thank you </a:t>
+            </a:r>
+          </a:p>
+          <a:p>
+            <a:pPr algn="ctr">
+              <a:buFontTx/>
+              <a:buNone/>
+            </a:pPr>
+            <a:r>
+              <a:rPr lang="en-US" altLang="zh-CN" sz="4000" i="1" dirty="0" smtClean="0">
+                <a:ea typeface="宋体" pitchFamily="2" charset="-122"/>
+              </a:rPr>
+              <a:t>For your attention</a:t>
+            </a:r>
+          </a:p>
+        </p:txBody>
+      </p:sp>
+    </p:spTree>
+  </p:cSld>
+  <p:clrMapOvr>
+    <a:masterClrMapping/>
+  </p:clrMapOvr>
+  <p:transition>
+    <p:zoom/>
+  </p:transition>
+  <p:timing>
+    <p:tnLst>
+      <p:par>
+        <p:cTn id="1" dur="indefinite" restart="never" nodeType="tmRoot"/>
+      </p:par>
+    </p:tnLst>
+  </p:timing>
+</p:sld>
+</file>
+
+<file path=ppt/slides/slide22.xml><?xml version="1.0" encoding="utf-8"?>
+<p:sld xmlns:a="http://schemas.openxmlformats.org/drawingml/2006/main" xmlns:r="http://schemas.openxmlformats.org/officeDocument/2006/relationships" xmlns:p="http://schemas.openxmlformats.org/presentationml/2006/main">
+  <p:cSld>
+    <p:spTree>
+      <p:nvGrpSpPr>
+        <p:cNvPr id="1" name=""/>
+        <p:cNvGrpSpPr/>
+        <p:nvPr/>
+      </p:nvGrpSpPr>
+      <p:grpSpPr>
+        <a:xfrm>
+          <a:off x="0" y="0"/>
+          <a:ext cx="0" cy="0"/>
+          <a:chOff x="0" y="0"/>
+          <a:chExt cx="0" cy="0"/>
+        </a:xfrm>
+      </p:grpSpPr>
+      <p:sp>
+        <p:nvSpPr>
+          <p:cNvPr id="87042" name="Rectangle 2"/>
+          <p:cNvSpPr>
+            <a:spLocks noGrp="1" noChangeArrowheads="1"/>
+          </p:cNvSpPr>
+          <p:nvPr>
+            <p:ph type="title"/>
+          </p:nvPr>
+        </p:nvSpPr>
+        <p:spPr/>
+        <p:txBody>
+          <a:bodyPr/>
+          <a:lstStyle/>
+          <a:p>
+            <a:r>
+              <a:rPr lang="de-DE" altLang="zh-CN" dirty="0" smtClean="0">
+                <a:ea typeface="宋体" pitchFamily="2" charset="-122"/>
+              </a:rPr>
+              <a:t>Reference</a:t>
+            </a:r>
+            <a:endParaRPr lang="en-US" altLang="zh-CN" dirty="0" smtClean="0">
+              <a:ea typeface="宋体" pitchFamily="2" charset="-122"/>
+            </a:endParaRPr>
+          </a:p>
+        </p:txBody>
+      </p:sp>
+      <p:sp>
+        <p:nvSpPr>
+          <p:cNvPr id="87043" name="Rectangle 3"/>
+          <p:cNvSpPr>
+            <a:spLocks noGrp="1" noChangeArrowheads="1"/>
+          </p:cNvSpPr>
+          <p:nvPr>
+            <p:ph type="body" idx="1"/>
+          </p:nvPr>
+        </p:nvSpPr>
+        <p:spPr>
+          <a:xfrm>
+            <a:off x="41275" y="836613"/>
+            <a:ext cx="9007475" cy="5688012"/>
+          </a:xfrm>
+        </p:spPr>
+        <p:txBody>
+          <a:bodyPr/>
+          <a:lstStyle/>
+          <a:p>
+            <a:pPr marL="457200" indent="-457200">
+              <a:buNone/>
+            </a:pPr>
+            <a:r>
+              <a:rPr lang="en-US" altLang="zh-CN" sz="1800" b="0" dirty="0" smtClean="0">
+                <a:solidFill>
+                  <a:schemeClr val="tx1"/>
+                </a:solidFill>
+                <a:ea typeface="宋体" pitchFamily="2" charset="-122"/>
+              </a:rPr>
+              <a:t>1.   C.W.BarnardandJ.W.Y.Lit,“Modetransformingpropertiesoftaperedsingle-</a:t>
+            </a:r>
+          </a:p>
+          <a:p>
+            <a:pPr marL="457200" indent="-457200">
+              <a:buNone/>
+            </a:pPr>
+            <a:r>
+              <a:rPr lang="en-US" altLang="zh-CN" sz="1800" b="0" dirty="0" smtClean="0">
+                <a:solidFill>
+                  <a:schemeClr val="tx1"/>
+                </a:solidFill>
+                <a:ea typeface="宋体" pitchFamily="2" charset="-122"/>
+              </a:rPr>
+              <a:t>        </a:t>
+            </a:r>
+            <a:r>
+              <a:rPr lang="en-US" altLang="zh-CN" sz="1800" b="0" dirty="0" err="1" smtClean="0">
+                <a:solidFill>
+                  <a:schemeClr val="tx1"/>
+                </a:solidFill>
+                <a:ea typeface="宋体" pitchFamily="2" charset="-122"/>
+              </a:rPr>
+              <a:t>modeﬁbermicrolenses</a:t>
+            </a:r>
+            <a:r>
+              <a:rPr lang="en-US" altLang="zh-CN" sz="1800" b="0" dirty="0" smtClean="0">
+                <a:solidFill>
+                  <a:schemeClr val="tx1"/>
+                </a:solidFill>
+                <a:ea typeface="宋体" pitchFamily="2" charset="-122"/>
+              </a:rPr>
+              <a:t>,” APPLIEDOPTICS.,vol.Vol.32,pp.2090–2094,</a:t>
+            </a:r>
+          </a:p>
+          <a:p>
+            <a:pPr marL="457200" indent="-457200">
+              <a:buNone/>
+            </a:pPr>
+            <a:r>
+              <a:rPr lang="en-US" altLang="zh-CN" sz="1800" b="0" dirty="0" smtClean="0">
+                <a:solidFill>
+                  <a:schemeClr val="tx1"/>
+                </a:solidFill>
+                <a:ea typeface="宋体" pitchFamily="2" charset="-122"/>
+              </a:rPr>
+              <a:t>        1993.</a:t>
+            </a:r>
+          </a:p>
+          <a:p>
+            <a:pPr marL="457200" indent="-457200">
+              <a:buNone/>
+            </a:pPr>
+            <a:r>
+              <a:rPr lang="en-US" altLang="zh-CN" sz="1800" b="0" dirty="0" smtClean="0">
+                <a:solidFill>
+                  <a:schemeClr val="tx1"/>
+                </a:solidFill>
+                <a:ea typeface="宋体" pitchFamily="2" charset="-122"/>
+              </a:rPr>
+              <a:t>2.     B.Z.L.Yang,D.X.DaiandS.L.He,“Characteristicanalysisoftaperedlens</a:t>
+            </a:r>
+          </a:p>
+          <a:p>
+            <a:pPr marL="457200" indent="-457200">
+              <a:buNone/>
+            </a:pPr>
+            <a:r>
+              <a:rPr lang="en-US" altLang="zh-CN" sz="1800" b="0" dirty="0" smtClean="0">
+                <a:solidFill>
+                  <a:schemeClr val="tx1"/>
+                </a:solidFill>
+                <a:ea typeface="宋体" pitchFamily="2" charset="-122"/>
+              </a:rPr>
+              <a:t>       </a:t>
+            </a:r>
+            <a:r>
+              <a:rPr lang="en-US" altLang="zh-CN" sz="1800" b="0" dirty="0" err="1" smtClean="0">
+                <a:solidFill>
+                  <a:schemeClr val="tx1"/>
+                </a:solidFill>
+                <a:ea typeface="宋体" pitchFamily="2" charset="-122"/>
+              </a:rPr>
+              <a:t>ﬁbersforlightfocusingandbutt-couplingtoasiliconribwaveguide</a:t>
+            </a:r>
+            <a:r>
+              <a:rPr lang="en-US" altLang="zh-CN" sz="1800" b="0" dirty="0" smtClean="0">
+                <a:solidFill>
+                  <a:schemeClr val="tx1"/>
+                </a:solidFill>
+                <a:ea typeface="宋体" pitchFamily="2" charset="-122"/>
+              </a:rPr>
+              <a:t>,” APPLIED OPTICS.,vol.Vol.48,pp.672–678,2009.</a:t>
+            </a:r>
+          </a:p>
+          <a:p>
+            <a:pPr marL="457200" indent="-457200">
+              <a:buNone/>
+            </a:pPr>
+            <a:r>
+              <a:rPr lang="en-US" altLang="zh-CN" sz="1800" b="0" dirty="0" smtClean="0">
+                <a:solidFill>
+                  <a:schemeClr val="tx1"/>
+                </a:solidFill>
+                <a:ea typeface="宋体" pitchFamily="2" charset="-122"/>
+              </a:rPr>
+              <a:t>3.    </a:t>
+            </a:r>
+            <a:r>
+              <a:rPr lang="en-US" altLang="zh-CN" sz="1800" b="0" dirty="0" err="1" smtClean="0">
+                <a:solidFill>
+                  <a:schemeClr val="tx1"/>
+                </a:solidFill>
+                <a:ea typeface="宋体" pitchFamily="2" charset="-122"/>
+              </a:rPr>
+              <a:t>N.Burt,“Designandfabricationoftaperedwaveguidesin</a:t>
+            </a:r>
+            <a:r>
+              <a:rPr lang="en-US" altLang="zh-CN" sz="1800" b="0" dirty="0" smtClean="0">
+                <a:solidFill>
+                  <a:schemeClr val="tx1"/>
+                </a:solidFill>
+                <a:ea typeface="宋体" pitchFamily="2" charset="-122"/>
+              </a:rPr>
+              <a:t> </a:t>
+            </a:r>
+            <a:r>
+              <a:rPr lang="en-US" altLang="zh-CN" sz="1800" b="0" dirty="0" err="1" smtClean="0">
+                <a:solidFill>
+                  <a:schemeClr val="tx1"/>
+                </a:solidFill>
+                <a:ea typeface="宋体" pitchFamily="2" charset="-122"/>
+              </a:rPr>
+              <a:t>algaasforcoupling</a:t>
+            </a:r>
+            <a:endParaRPr lang="en-US" altLang="zh-CN" sz="1800" b="0" dirty="0" smtClean="0">
+              <a:solidFill>
+                <a:schemeClr val="tx1"/>
+              </a:solidFill>
+              <a:ea typeface="宋体" pitchFamily="2" charset="-122"/>
+            </a:endParaRPr>
+          </a:p>
+          <a:p>
+            <a:pPr marL="457200" indent="-457200">
+              <a:buNone/>
+            </a:pPr>
+            <a:r>
+              <a:rPr lang="en-US" altLang="zh-CN" sz="1800" b="0" dirty="0" smtClean="0">
+                <a:solidFill>
+                  <a:schemeClr val="tx1"/>
+                </a:solidFill>
+                <a:ea typeface="宋体" pitchFamily="2" charset="-122"/>
+              </a:rPr>
+              <a:t>        </a:t>
+            </a:r>
+            <a:r>
+              <a:rPr lang="en-US" altLang="zh-CN" sz="1800" b="0" dirty="0" err="1" smtClean="0">
+                <a:solidFill>
+                  <a:schemeClr val="tx1"/>
+                </a:solidFill>
+                <a:ea typeface="宋体" pitchFamily="2" charset="-122"/>
+              </a:rPr>
+              <a:t>lightinnanoscaleoptoelectronicdevices</a:t>
+            </a:r>
+            <a:r>
+              <a:rPr lang="en-US" altLang="zh-CN" sz="1800" b="0" dirty="0" smtClean="0">
+                <a:solidFill>
+                  <a:schemeClr val="tx1"/>
+                </a:solidFill>
+                <a:ea typeface="宋体" pitchFamily="2" charset="-122"/>
+              </a:rPr>
+              <a:t>,” </a:t>
+            </a:r>
+            <a:r>
+              <a:rPr lang="en-US" altLang="zh-CN" sz="1800" b="0" dirty="0" err="1" smtClean="0">
+                <a:solidFill>
+                  <a:schemeClr val="tx1"/>
+                </a:solidFill>
+                <a:ea typeface="宋体" pitchFamily="2" charset="-122"/>
+              </a:rPr>
+              <a:t>NNINREUResearchAccomplish</a:t>
+            </a:r>
+            <a:r>
+              <a:rPr lang="en-US" altLang="zh-CN" sz="1800" b="0" dirty="0" smtClean="0">
+                <a:solidFill>
+                  <a:schemeClr val="tx1"/>
+                </a:solidFill>
+                <a:ea typeface="宋体" pitchFamily="2" charset="-122"/>
+              </a:rPr>
+              <a:t>-</a:t>
+            </a:r>
+          </a:p>
+          <a:p>
+            <a:pPr marL="457200" indent="-457200">
+              <a:buNone/>
+            </a:pPr>
+            <a:r>
+              <a:rPr lang="en-US" altLang="zh-CN" sz="1800" b="0" dirty="0" smtClean="0">
+                <a:solidFill>
+                  <a:schemeClr val="tx1"/>
+                </a:solidFill>
+                <a:ea typeface="宋体" pitchFamily="2" charset="-122"/>
+              </a:rPr>
+              <a:t>        ments,pp.28–29,2004.</a:t>
+            </a:r>
+          </a:p>
+          <a:p>
+            <a:pPr marL="457200" indent="-457200">
+              <a:buNone/>
+            </a:pPr>
+            <a:r>
+              <a:rPr lang="en-US" altLang="zh-CN" sz="1800" b="0" dirty="0" smtClean="0">
+                <a:solidFill>
+                  <a:schemeClr val="tx1"/>
+                </a:solidFill>
+                <a:ea typeface="宋体" pitchFamily="2" charset="-122"/>
+              </a:rPr>
+              <a:t>4.     P.L.-</a:t>
+            </a:r>
+            <a:r>
+              <a:rPr lang="en-US" altLang="zh-CN" sz="1800" b="0" dirty="0" err="1" smtClean="0">
+                <a:solidFill>
+                  <a:schemeClr val="tx1"/>
+                </a:solidFill>
+                <a:ea typeface="宋体" pitchFamily="2" charset="-122"/>
+              </a:rPr>
+              <a:t>P.C.Alonso</a:t>
+            </a:r>
+            <a:r>
+              <a:rPr lang="en-US" altLang="zh-CN" sz="1800" b="0" dirty="0" smtClean="0">
+                <a:solidFill>
+                  <a:schemeClr val="tx1"/>
+                </a:solidFill>
+                <a:ea typeface="宋体" pitchFamily="2" charset="-122"/>
+              </a:rPr>
+              <a:t>-</a:t>
+            </a:r>
+            <a:r>
+              <a:rPr lang="en-US" altLang="zh-CN" sz="1800" b="0" dirty="0" err="1" smtClean="0">
+                <a:solidFill>
+                  <a:schemeClr val="tx1"/>
+                </a:solidFill>
+                <a:ea typeface="宋体" pitchFamily="2" charset="-122"/>
+              </a:rPr>
+              <a:t>Ramos,A.Ortega</a:t>
+            </a:r>
+            <a:r>
+              <a:rPr lang="en-US" altLang="zh-CN" sz="1800" b="0" dirty="0" smtClean="0">
+                <a:solidFill>
+                  <a:schemeClr val="tx1"/>
+                </a:solidFill>
+                <a:ea typeface="宋体" pitchFamily="2" charset="-122"/>
+              </a:rPr>
+              <a:t>-</a:t>
+            </a:r>
+            <a:r>
+              <a:rPr lang="en-US" altLang="zh-CN" sz="1800" b="0" dirty="0" err="1" smtClean="0">
+                <a:solidFill>
+                  <a:schemeClr val="tx1"/>
+                </a:solidFill>
+                <a:ea typeface="宋体" pitchFamily="2" charset="-122"/>
+              </a:rPr>
+              <a:t>MoñuxandR.Halir,“Efﬁcientﬁber</a:t>
+            </a:r>
+            <a:r>
+              <a:rPr lang="en-US" altLang="zh-CN" sz="1800" b="0" dirty="0" smtClean="0">
+                <a:solidFill>
+                  <a:schemeClr val="tx1"/>
+                </a:solidFill>
+                <a:ea typeface="宋体" pitchFamily="2" charset="-122"/>
+              </a:rPr>
+              <a:t>-to-</a:t>
+            </a:r>
+          </a:p>
+          <a:p>
+            <a:pPr marL="457200" indent="-457200">
+              <a:buNone/>
+            </a:pPr>
+            <a:r>
+              <a:rPr lang="en-US" altLang="zh-CN" sz="1800" b="0" dirty="0" smtClean="0">
+                <a:solidFill>
+                  <a:schemeClr val="tx1"/>
+                </a:solidFill>
+                <a:ea typeface="宋体" pitchFamily="2" charset="-122"/>
+              </a:rPr>
+              <a:t>        </a:t>
+            </a:r>
+            <a:r>
+              <a:rPr lang="en-US" altLang="zh-CN" sz="1800" b="0" dirty="0" err="1" smtClean="0">
+                <a:solidFill>
+                  <a:schemeClr val="tx1"/>
+                </a:solidFill>
+                <a:ea typeface="宋体" pitchFamily="2" charset="-122"/>
+              </a:rPr>
+              <a:t>chipgratingcouplerformicrometricsoiribwaveguides</a:t>
+            </a:r>
+            <a:r>
+              <a:rPr lang="en-US" altLang="zh-CN" sz="1800" b="0" dirty="0" smtClean="0">
+                <a:solidFill>
+                  <a:schemeClr val="tx1"/>
+                </a:solidFill>
+                <a:ea typeface="宋体" pitchFamily="2" charset="-122"/>
+              </a:rPr>
+              <a:t>,” </a:t>
+            </a:r>
+            <a:r>
+              <a:rPr lang="en-US" altLang="zh-CN" sz="1800" b="0" dirty="0" err="1" smtClean="0">
+                <a:solidFill>
+                  <a:schemeClr val="tx1"/>
+                </a:solidFill>
+                <a:ea typeface="宋体" pitchFamily="2" charset="-122"/>
+              </a:rPr>
+              <a:t>Opticsexpress,vol</a:t>
+            </a:r>
+            <a:r>
+              <a:rPr lang="en-US" altLang="zh-CN" sz="1800" b="0" dirty="0" smtClean="0">
+                <a:solidFill>
+                  <a:schemeClr val="tx1"/>
+                </a:solidFill>
+                <a:ea typeface="宋体" pitchFamily="2" charset="-122"/>
+              </a:rPr>
+              <a:t>.</a:t>
+            </a:r>
+          </a:p>
+          <a:p>
+            <a:pPr marL="457200" indent="-457200">
+              <a:buNone/>
+            </a:pPr>
+            <a:r>
+              <a:rPr lang="en-US" altLang="zh-CN" sz="1800" b="0" dirty="0" smtClean="0">
+                <a:solidFill>
+                  <a:schemeClr val="tx1"/>
+                </a:solidFill>
+                <a:ea typeface="宋体" pitchFamily="2" charset="-122"/>
+              </a:rPr>
+              <a:t>        Vol.18,pp.15189–15200,July2010.</a:t>
+            </a:r>
+          </a:p>
+          <a:p>
+            <a:pPr marL="457200" indent="-457200">
+              <a:buNone/>
+            </a:pPr>
+            <a:r>
+              <a:rPr lang="en-US" altLang="zh-CN" sz="1800" b="0" dirty="0" smtClean="0">
+                <a:solidFill>
+                  <a:schemeClr val="tx1"/>
+                </a:solidFill>
+                <a:ea typeface="宋体" pitchFamily="2" charset="-122"/>
+              </a:rPr>
+              <a:t>5.     </a:t>
+            </a:r>
+            <a:r>
+              <a:rPr lang="en-US" altLang="zh-CN" sz="1800" b="0" dirty="0" err="1" smtClean="0">
+                <a:solidFill>
+                  <a:schemeClr val="tx1"/>
+                </a:solidFill>
+                <a:ea typeface="宋体" pitchFamily="2" charset="-122"/>
+              </a:rPr>
+              <a:t>LensTheory,LASERCOMPONENTSLtd</a:t>
+            </a:r>
+            <a:r>
+              <a:rPr lang="en-US" altLang="zh-CN" sz="1800" b="0" dirty="0" smtClean="0">
+                <a:solidFill>
+                  <a:schemeClr val="tx1"/>
+                </a:solidFill>
+                <a:ea typeface="宋体" pitchFamily="2" charset="-122"/>
+              </a:rPr>
+              <a:t>., http://www.lasercomponents.com/</a:t>
+            </a:r>
+            <a:r>
+              <a:rPr lang="en-US" altLang="zh-CN" sz="1800" b="0" dirty="0" err="1" smtClean="0">
+                <a:solidFill>
+                  <a:schemeClr val="tx1"/>
+                </a:solidFill>
+                <a:ea typeface="宋体" pitchFamily="2" charset="-122"/>
+              </a:rPr>
+              <a:t>ﬁleadmin</a:t>
+            </a:r>
+            <a:r>
+              <a:rPr lang="en-US" altLang="zh-CN" sz="1800" b="0" dirty="0" smtClean="0">
+                <a:solidFill>
+                  <a:schemeClr val="tx1"/>
+                </a:solidFill>
+                <a:ea typeface="宋体" pitchFamily="2" charset="-122"/>
+              </a:rPr>
+              <a:t>/</a:t>
+            </a:r>
+            <a:r>
+              <a:rPr lang="en-US" altLang="zh-CN" sz="1800" b="0" dirty="0" err="1" smtClean="0">
+                <a:solidFill>
+                  <a:schemeClr val="tx1"/>
+                </a:solidFill>
+                <a:ea typeface="宋体" pitchFamily="2" charset="-122"/>
+              </a:rPr>
+              <a:t>userupload</a:t>
+            </a:r>
+            <a:r>
+              <a:rPr lang="en-US" altLang="zh-CN" sz="1800" b="0" dirty="0" smtClean="0">
+                <a:solidFill>
+                  <a:schemeClr val="tx1"/>
+                </a:solidFill>
+                <a:ea typeface="宋体" pitchFamily="2" charset="-122"/>
+              </a:rPr>
+              <a:t>/home/Datasheets/</a:t>
+            </a:r>
+            <a:r>
+              <a:rPr lang="en-US" altLang="zh-CN" sz="1800" b="0" dirty="0" err="1" smtClean="0">
+                <a:solidFill>
+                  <a:schemeClr val="tx1"/>
+                </a:solidFill>
+                <a:ea typeface="宋体" pitchFamily="2" charset="-122"/>
+              </a:rPr>
+              <a:t>lc</a:t>
+            </a:r>
+            <a:r>
+              <a:rPr lang="en-US" altLang="zh-CN" sz="1800" b="0" dirty="0" smtClean="0">
+                <a:solidFill>
+                  <a:schemeClr val="tx1"/>
+                </a:solidFill>
+                <a:ea typeface="宋体" pitchFamily="2" charset="-122"/>
+              </a:rPr>
+              <a:t>/</a:t>
+            </a:r>
+            <a:r>
+              <a:rPr lang="en-US" altLang="zh-CN" sz="1800" b="0" dirty="0" err="1" smtClean="0">
+                <a:solidFill>
+                  <a:schemeClr val="tx1"/>
+                </a:solidFill>
+                <a:ea typeface="宋体" pitchFamily="2" charset="-122"/>
+              </a:rPr>
+              <a:t>applikationsreport</a:t>
+            </a:r>
+            <a:r>
+              <a:rPr lang="en-US" altLang="zh-CN" sz="1800" b="0" dirty="0" smtClean="0">
+                <a:solidFill>
+                  <a:schemeClr val="tx1"/>
+                </a:solidFill>
+                <a:ea typeface="宋体" pitchFamily="2" charset="-122"/>
+              </a:rPr>
+              <a:t>/lens-theory.pdf,April2011.</a:t>
+            </a:r>
+          </a:p>
+          <a:p>
+            <a:pPr marL="457200" indent="-457200">
+              <a:buNone/>
+            </a:pPr>
+            <a:r>
+              <a:rPr lang="en-US" altLang="zh-CN" sz="1800" b="0" dirty="0" smtClean="0">
+                <a:solidFill>
+                  <a:schemeClr val="tx1"/>
+                </a:solidFill>
+                <a:ea typeface="宋体" pitchFamily="2" charset="-122"/>
+              </a:rPr>
+              <a:t>6.    </a:t>
+            </a:r>
+            <a:r>
+              <a:rPr lang="en-US" altLang="zh-CN" sz="1800" b="0" dirty="0" err="1" smtClean="0">
+                <a:solidFill>
+                  <a:schemeClr val="tx1"/>
+                </a:solidFill>
+                <a:ea typeface="宋体" pitchFamily="2" charset="-122"/>
+              </a:rPr>
+              <a:t>A.GhatakandK.Thyagarajan</a:t>
+            </a:r>
+            <a:r>
+              <a:rPr lang="en-US" altLang="zh-CN" sz="1800" b="0" dirty="0" smtClean="0">
+                <a:solidFill>
+                  <a:schemeClr val="tx1"/>
+                </a:solidFill>
+                <a:ea typeface="宋体" pitchFamily="2" charset="-122"/>
+              </a:rPr>
+              <a:t>, </a:t>
+            </a:r>
+            <a:r>
+              <a:rPr lang="en-US" altLang="zh-CN" sz="1800" b="0" dirty="0" err="1" smtClean="0">
+                <a:solidFill>
+                  <a:schemeClr val="tx1"/>
+                </a:solidFill>
+                <a:ea typeface="宋体" pitchFamily="2" charset="-122"/>
+              </a:rPr>
+              <a:t>OpticalWaveguidesandFibers</a:t>
+            </a:r>
+            <a:r>
+              <a:rPr lang="en-US" altLang="zh-CN" sz="1800" b="0" dirty="0" smtClean="0">
+                <a:solidFill>
+                  <a:schemeClr val="tx1"/>
+                </a:solidFill>
+                <a:ea typeface="宋体" pitchFamily="2" charset="-122"/>
+              </a:rPr>
+              <a:t>,</a:t>
+            </a:r>
+          </a:p>
+          <a:p>
+            <a:pPr marL="457200" indent="-457200">
+              <a:buNone/>
+            </a:pPr>
+            <a:r>
+              <a:rPr lang="en-US" altLang="zh-CN" sz="1800" b="0" dirty="0" smtClean="0">
+                <a:solidFill>
+                  <a:schemeClr val="tx1"/>
+                </a:solidFill>
+                <a:ea typeface="宋体" pitchFamily="2" charset="-122"/>
+              </a:rPr>
+              <a:t>        http://spie.org/Documents/Publications/00%20STEP%20Module%2007.pdf,</a:t>
+            </a:r>
+          </a:p>
+          <a:p>
+            <a:pPr marL="457200" indent="-457200">
+              <a:buNone/>
+            </a:pPr>
+            <a:r>
+              <a:rPr lang="en-US" altLang="zh-CN" sz="1800" b="0" dirty="0" smtClean="0">
+                <a:solidFill>
+                  <a:schemeClr val="tx1"/>
+                </a:solidFill>
+                <a:ea typeface="宋体" pitchFamily="2" charset="-122"/>
+              </a:rPr>
+              <a:t>       April2011.</a:t>
+            </a:r>
+          </a:p>
+          <a:p>
+            <a:pPr marL="457200" indent="-457200">
+              <a:buFontTx/>
+              <a:buAutoNum type="arabicPeriod"/>
+            </a:pPr>
+            <a:endParaRPr lang="en-US" altLang="zh-CN" sz="1800" b="0" dirty="0" smtClean="0">
+              <a:solidFill>
+                <a:schemeClr val="tx1"/>
+              </a:solidFill>
+              <a:ea typeface="宋体" pitchFamily="2" charset="-122"/>
+            </a:endParaRPr>
+          </a:p>
+        </p:txBody>
+      </p:sp>
+    </p:spTree>
+  </p:cSld>
+  <p:clrMapOvr>
+    <a:masterClrMapping/>
+  </p:clrMapOvr>
+  <p:transition>
+    <p:zoom/>
+  </p:transition>
+  <p:timing>
+    <p:tnLst>
+      <p:par>
+        <p:cTn id="1" dur="indefinite" restart="never" nodeType="tmRoot"/>
+      </p:par>
+    </p:tnLst>
+  </p:timing>
+</p:sld>
+</file>
+
+<file path=ppt/slides/slide23.xml><?xml version="1.0" encoding="utf-8"?>
+<p:sld xmlns:a="http://schemas.openxmlformats.org/drawingml/2006/main" xmlns:r="http://schemas.openxmlformats.org/officeDocument/2006/relationships" xmlns:p="http://schemas.openxmlformats.org/presentationml/2006/main">
+  <p:cSld>
+    <p:spTree>
+      <p:nvGrpSpPr>
+        <p:cNvPr id="1" name=""/>
+        <p:cNvGrpSpPr/>
+        <p:nvPr/>
+      </p:nvGrpSpPr>
+      <p:grpSpPr>
+        <a:xfrm>
+          <a:off x="0" y="0"/>
+          <a:ext cx="0" cy="0"/>
+          <a:chOff x="0" y="0"/>
+          <a:chExt cx="0" cy="0"/>
+        </a:xfrm>
+      </p:grpSpPr>
+      <p:sp>
+        <p:nvSpPr>
+          <p:cNvPr id="2" name="Titel 1"/>
+          <p:cNvSpPr>
+            <a:spLocks noGrp="1"/>
+          </p:cNvSpPr>
+          <p:nvPr>
+            <p:ph type="title"/>
+          </p:nvPr>
+        </p:nvSpPr>
+        <p:spPr/>
+        <p:txBody>
+          <a:bodyPr/>
+          <a:lstStyle/>
+          <a:p>
+            <a:endParaRPr lang="zh-CN" altLang="en-US"/>
+          </a:p>
+        </p:txBody>
+      </p:sp>
+      <p:sp>
+        <p:nvSpPr>
+          <p:cNvPr id="3" name="Inhaltsplatzhalter 2"/>
+          <p:cNvSpPr>
+            <a:spLocks noGrp="1"/>
+          </p:cNvSpPr>
+          <p:nvPr>
+            <p:ph idx="1"/>
+          </p:nvPr>
+        </p:nvSpPr>
+        <p:spPr/>
+        <p:txBody>
+          <a:bodyPr/>
+          <a:lstStyle/>
+          <a:p>
+            <a:pPr marL="457200" indent="-457200">
+              <a:buNone/>
+            </a:pPr>
+            <a:r>
+              <a:rPr lang="en-US" altLang="zh-CN" sz="1800" b="0" dirty="0" smtClean="0">
+                <a:solidFill>
+                  <a:schemeClr val="tx1"/>
+                </a:solidFill>
+                <a:ea typeface="宋体" pitchFamily="2" charset="-122"/>
+              </a:rPr>
+              <a:t>7.    </a:t>
+            </a:r>
+            <a:r>
+              <a:rPr lang="en-US" altLang="zh-CN" sz="1800" b="0" dirty="0" err="1" smtClean="0">
+                <a:solidFill>
+                  <a:schemeClr val="tx1"/>
+                </a:solidFill>
+                <a:ea typeface="宋体" pitchFamily="2" charset="-122"/>
+              </a:rPr>
+              <a:t>R.März</a:t>
+            </a:r>
+            <a:r>
+              <a:rPr lang="en-US" altLang="zh-CN" sz="1800" b="0" dirty="0" smtClean="0">
+                <a:solidFill>
+                  <a:schemeClr val="tx1"/>
+                </a:solidFill>
+                <a:ea typeface="宋体" pitchFamily="2" charset="-122"/>
+              </a:rPr>
+              <a:t>, Integrated </a:t>
+            </a:r>
+            <a:r>
+              <a:rPr lang="en-US" altLang="zh-CN" sz="1800" b="0" dirty="0" err="1" smtClean="0">
+                <a:solidFill>
+                  <a:schemeClr val="tx1"/>
+                </a:solidFill>
+                <a:ea typeface="宋体" pitchFamily="2" charset="-122"/>
+              </a:rPr>
+              <a:t>Optics.Artech</a:t>
+            </a:r>
+            <a:r>
+              <a:rPr lang="en-US" altLang="zh-CN" sz="1800" b="0" dirty="0" smtClean="0">
+                <a:solidFill>
+                  <a:schemeClr val="tx1"/>
+                </a:solidFill>
+                <a:ea typeface="宋体" pitchFamily="2" charset="-122"/>
+              </a:rPr>
+              <a:t> House,1995.</a:t>
+            </a:r>
+          </a:p>
+          <a:p>
+            <a:pPr marL="457200" indent="-457200">
+              <a:buNone/>
+            </a:pPr>
+            <a:r>
+              <a:rPr lang="en-US" altLang="zh-CN" sz="1800" b="0" dirty="0" smtClean="0">
+                <a:solidFill>
+                  <a:schemeClr val="tx1"/>
+                </a:solidFill>
+                <a:ea typeface="宋体" pitchFamily="2" charset="-122"/>
+              </a:rPr>
+              <a:t>8.    </a:t>
+            </a:r>
+            <a:r>
+              <a:rPr lang="en-US" altLang="zh-CN" sz="1800" b="0" dirty="0" err="1" smtClean="0">
+                <a:solidFill>
+                  <a:schemeClr val="tx1"/>
+                </a:solidFill>
+                <a:ea typeface="宋体" pitchFamily="2" charset="-122"/>
+              </a:rPr>
+              <a:t>R.Schuhmann</a:t>
+            </a:r>
+            <a:r>
+              <a:rPr lang="en-US" altLang="zh-CN" sz="1800" b="0" dirty="0" smtClean="0">
+                <a:solidFill>
+                  <a:schemeClr val="tx1"/>
+                </a:solidFill>
+                <a:ea typeface="宋体" pitchFamily="2" charset="-122"/>
+              </a:rPr>
+              <a:t>, Script: </a:t>
+            </a:r>
+            <a:r>
+              <a:rPr lang="en-US" altLang="zh-CN" sz="1800" b="0" dirty="0" err="1" smtClean="0">
+                <a:solidFill>
+                  <a:schemeClr val="tx1"/>
+                </a:solidFill>
+                <a:ea typeface="宋体" pitchFamily="2" charset="-122"/>
+              </a:rPr>
+              <a:t>Feldtheorie</a:t>
+            </a:r>
+            <a:r>
+              <a:rPr lang="en-US" altLang="zh-CN" sz="1800" b="0" dirty="0" smtClean="0">
+                <a:solidFill>
+                  <a:schemeClr val="tx1"/>
+                </a:solidFill>
+                <a:ea typeface="宋体" pitchFamily="2" charset="-122"/>
+              </a:rPr>
+              <a:t> und </a:t>
+            </a:r>
+            <a:r>
+              <a:rPr lang="en-US" altLang="zh-CN" sz="1800" b="0" dirty="0" err="1" smtClean="0">
+                <a:solidFill>
+                  <a:schemeClr val="tx1"/>
+                </a:solidFill>
+                <a:ea typeface="宋体" pitchFamily="2" charset="-122"/>
+              </a:rPr>
+              <a:t>Theoretische</a:t>
+            </a:r>
+            <a:r>
+              <a:rPr lang="en-US" altLang="zh-CN" sz="1800" b="0" dirty="0" smtClean="0">
+                <a:solidFill>
+                  <a:schemeClr val="tx1"/>
+                </a:solidFill>
+                <a:ea typeface="宋体" pitchFamily="2" charset="-122"/>
+              </a:rPr>
+              <a:t> </a:t>
+            </a:r>
+            <a:r>
+              <a:rPr lang="en-US" altLang="zh-CN" sz="1800" b="0" dirty="0" err="1" smtClean="0">
+                <a:solidFill>
+                  <a:schemeClr val="tx1"/>
+                </a:solidFill>
+                <a:ea typeface="宋体" pitchFamily="2" charset="-122"/>
+              </a:rPr>
+              <a:t>Elektrotechnik.Fachge</a:t>
+            </a:r>
+            <a:r>
+              <a:rPr lang="en-US" altLang="zh-CN" sz="1800" b="0" dirty="0" smtClean="0">
+                <a:solidFill>
+                  <a:schemeClr val="tx1"/>
+                </a:solidFill>
+                <a:ea typeface="宋体" pitchFamily="2" charset="-122"/>
+              </a:rPr>
+              <a:t>-</a:t>
+            </a:r>
+          </a:p>
+          <a:p>
+            <a:pPr marL="457200" indent="-457200">
+              <a:buNone/>
+            </a:pPr>
+            <a:r>
+              <a:rPr lang="en-US" altLang="zh-CN" sz="1800" b="0" dirty="0" smtClean="0">
+                <a:solidFill>
+                  <a:schemeClr val="tx1"/>
+                </a:solidFill>
+                <a:ea typeface="宋体" pitchFamily="2" charset="-122"/>
+              </a:rPr>
+              <a:t>        </a:t>
+            </a:r>
+            <a:r>
+              <a:rPr lang="en-US" altLang="zh-CN" sz="1800" b="0" dirty="0" err="1" smtClean="0">
+                <a:solidFill>
+                  <a:schemeClr val="tx1"/>
+                </a:solidFill>
+                <a:ea typeface="宋体" pitchFamily="2" charset="-122"/>
+              </a:rPr>
+              <a:t>bietTheoretische</a:t>
+            </a:r>
+            <a:r>
+              <a:rPr lang="en-US" altLang="zh-CN" sz="1800" b="0" dirty="0" smtClean="0">
+                <a:solidFill>
+                  <a:schemeClr val="tx1"/>
+                </a:solidFill>
+                <a:ea typeface="宋体" pitchFamily="2" charset="-122"/>
+              </a:rPr>
+              <a:t> </a:t>
+            </a:r>
+            <a:r>
+              <a:rPr lang="en-US" altLang="zh-CN" sz="1800" b="0" dirty="0" err="1" smtClean="0">
+                <a:solidFill>
+                  <a:schemeClr val="tx1"/>
+                </a:solidFill>
+                <a:ea typeface="宋体" pitchFamily="2" charset="-122"/>
+              </a:rPr>
+              <a:t>Elektrotechnik</a:t>
+            </a:r>
+            <a:r>
+              <a:rPr lang="en-US" altLang="zh-CN" sz="1800" b="0" dirty="0" smtClean="0">
+                <a:solidFill>
+                  <a:schemeClr val="tx1"/>
+                </a:solidFill>
+                <a:ea typeface="宋体" pitchFamily="2" charset="-122"/>
+              </a:rPr>
+              <a:t>, University Paderborn, </a:t>
+            </a:r>
+            <a:r>
+              <a:rPr lang="en-US" altLang="zh-CN" sz="1800" b="0" dirty="0" err="1" smtClean="0">
+                <a:solidFill>
+                  <a:schemeClr val="tx1"/>
+                </a:solidFill>
+                <a:ea typeface="宋体" pitchFamily="2" charset="-122"/>
+              </a:rPr>
+              <a:t>Apri</a:t>
+            </a:r>
+            <a:r>
+              <a:rPr lang="en-US" altLang="zh-CN" sz="1800" b="0" dirty="0" smtClean="0">
+                <a:solidFill>
+                  <a:schemeClr val="tx1"/>
+                </a:solidFill>
+                <a:ea typeface="宋体" pitchFamily="2" charset="-122"/>
+              </a:rPr>
+              <a:t> 2009.</a:t>
+            </a:r>
+          </a:p>
+          <a:p>
+            <a:pPr marL="457200" indent="-457200">
+              <a:buNone/>
+            </a:pPr>
+            <a:r>
+              <a:rPr lang="en-US" altLang="zh-CN" sz="1800" b="0" dirty="0" smtClean="0">
+                <a:solidFill>
+                  <a:schemeClr val="tx1"/>
+                </a:solidFill>
+                <a:ea typeface="宋体" pitchFamily="2" charset="-122"/>
+              </a:rPr>
+              <a:t>9.     Gaussian Beam Optics 2,CVI </a:t>
+            </a:r>
+            <a:r>
+              <a:rPr lang="en-US" altLang="zh-CN" sz="1800" b="0" dirty="0" err="1" smtClean="0">
+                <a:solidFill>
+                  <a:schemeClr val="tx1"/>
+                </a:solidFill>
+                <a:ea typeface="宋体" pitchFamily="2" charset="-122"/>
+              </a:rPr>
+              <a:t>Melles</a:t>
+            </a:r>
+            <a:r>
+              <a:rPr lang="en-US" altLang="zh-CN" sz="1800" b="0" dirty="0" smtClean="0">
+                <a:solidFill>
+                  <a:schemeClr val="tx1"/>
+                </a:solidFill>
+                <a:ea typeface="宋体" pitchFamily="2" charset="-122"/>
+              </a:rPr>
+              <a:t> </a:t>
+            </a:r>
+            <a:r>
+              <a:rPr lang="en-US" altLang="zh-CN" sz="1800" b="0" dirty="0" err="1" smtClean="0">
+                <a:solidFill>
+                  <a:schemeClr val="tx1"/>
+                </a:solidFill>
+                <a:ea typeface="宋体" pitchFamily="2" charset="-122"/>
+              </a:rPr>
+              <a:t>Griot</a:t>
+            </a:r>
+            <a:r>
+              <a:rPr lang="en-US" altLang="zh-CN" sz="1800" b="0" dirty="0" smtClean="0">
+                <a:solidFill>
+                  <a:schemeClr val="tx1"/>
+                </a:solidFill>
+                <a:ea typeface="宋体" pitchFamily="2" charset="-122"/>
+              </a:rPr>
+              <a:t>,</a:t>
+            </a:r>
+          </a:p>
+          <a:p>
+            <a:pPr marL="457200" indent="-457200">
+              <a:buNone/>
+            </a:pPr>
+            <a:r>
+              <a:rPr lang="en-US" altLang="zh-CN" sz="1800" b="0" dirty="0" smtClean="0">
+                <a:solidFill>
+                  <a:schemeClr val="tx1"/>
+                </a:solidFill>
+                <a:ea typeface="宋体" pitchFamily="2" charset="-122"/>
+              </a:rPr>
+              <a:t>        http://www.cvimellesgriot.com/products/Documents/TechnicalGuide/Gaussian-</a:t>
+            </a:r>
+          </a:p>
+          <a:p>
+            <a:pPr marL="457200" indent="-457200">
+              <a:buNone/>
+            </a:pPr>
+            <a:r>
+              <a:rPr lang="en-US" altLang="zh-CN" sz="1800" b="0" dirty="0" smtClean="0">
+                <a:solidFill>
+                  <a:schemeClr val="tx1"/>
+                </a:solidFill>
+                <a:ea typeface="宋体" pitchFamily="2" charset="-122"/>
+              </a:rPr>
+              <a:t>        Beam-Optics.pdf, April2011, </a:t>
+            </a:r>
+            <a:r>
+              <a:rPr lang="en-US" altLang="zh-CN" sz="1800" b="0" dirty="0" err="1" smtClean="0">
+                <a:solidFill>
+                  <a:schemeClr val="tx1"/>
+                </a:solidFill>
+                <a:ea typeface="宋体" pitchFamily="2" charset="-122"/>
+              </a:rPr>
+              <a:t>cVIMelles</a:t>
+            </a:r>
+            <a:r>
+              <a:rPr lang="en-US" altLang="zh-CN" sz="1800" b="0" dirty="0" smtClean="0">
+                <a:solidFill>
+                  <a:schemeClr val="tx1"/>
+                </a:solidFill>
+                <a:ea typeface="宋体" pitchFamily="2" charset="-122"/>
+              </a:rPr>
+              <a:t> </a:t>
+            </a:r>
+            <a:r>
+              <a:rPr lang="en-US" altLang="zh-CN" sz="1800" b="0" dirty="0" err="1" smtClean="0">
+                <a:solidFill>
+                  <a:schemeClr val="tx1"/>
+                </a:solidFill>
+                <a:ea typeface="宋体" pitchFamily="2" charset="-122"/>
+              </a:rPr>
+              <a:t>Griot</a:t>
+            </a:r>
+            <a:r>
+              <a:rPr lang="en-US" altLang="zh-CN" sz="1800" b="0" dirty="0" smtClean="0">
+                <a:solidFill>
+                  <a:schemeClr val="tx1"/>
+                </a:solidFill>
+                <a:ea typeface="宋体" pitchFamily="2" charset="-122"/>
+              </a:rPr>
+              <a:t> Technical Guide.</a:t>
+            </a:r>
+          </a:p>
+          <a:p>
+            <a:pPr marL="457200" indent="-457200">
+              <a:buNone/>
+            </a:pPr>
+            <a:r>
+              <a:rPr lang="en-US" altLang="zh-CN" sz="1800" b="0" dirty="0" smtClean="0">
+                <a:solidFill>
+                  <a:schemeClr val="tx1"/>
+                </a:solidFill>
+                <a:ea typeface="宋体" pitchFamily="2" charset="-122"/>
+              </a:rPr>
+              <a:t>10. T.Weiland,“Adiscretizationmethodforthesolutionofmaxwell’sequationsfor</a:t>
+            </a:r>
+          </a:p>
+          <a:p>
+            <a:pPr marL="457200" indent="-457200">
+              <a:buNone/>
+            </a:pPr>
+            <a:r>
+              <a:rPr lang="en-US" altLang="zh-CN" sz="1800" b="0" dirty="0" smtClean="0">
+                <a:solidFill>
+                  <a:schemeClr val="tx1"/>
+                </a:solidFill>
+                <a:ea typeface="宋体" pitchFamily="2" charset="-122"/>
+              </a:rPr>
+              <a:t>        six-</a:t>
+            </a:r>
+            <a:r>
+              <a:rPr lang="en-US" altLang="zh-CN" sz="1800" b="0" dirty="0" err="1" smtClean="0">
+                <a:solidFill>
+                  <a:schemeClr val="tx1"/>
+                </a:solidFill>
+                <a:ea typeface="宋体" pitchFamily="2" charset="-122"/>
+              </a:rPr>
+              <a:t>componentﬁelds</a:t>
+            </a:r>
+            <a:r>
+              <a:rPr lang="en-US" altLang="zh-CN" sz="1800" b="0" dirty="0" smtClean="0">
+                <a:solidFill>
+                  <a:schemeClr val="tx1"/>
+                </a:solidFill>
+                <a:ea typeface="宋体" pitchFamily="2" charset="-122"/>
+              </a:rPr>
+              <a:t>,” ElectronicsandCommunicationsAEUE,vol.Vol.31,</a:t>
+            </a:r>
+          </a:p>
+          <a:p>
+            <a:pPr marL="457200" indent="-457200">
+              <a:buNone/>
+            </a:pPr>
+            <a:r>
+              <a:rPr lang="en-US" altLang="zh-CN" sz="1800" b="0" dirty="0" smtClean="0">
+                <a:solidFill>
+                  <a:schemeClr val="tx1"/>
+                </a:solidFill>
+                <a:ea typeface="宋体" pitchFamily="2" charset="-122"/>
+              </a:rPr>
+              <a:t>        no.3,pp.116–120,1977.</a:t>
+            </a:r>
+          </a:p>
+          <a:p>
+            <a:pPr marL="457200" indent="-457200">
+              <a:buNone/>
+            </a:pPr>
+            <a:r>
+              <a:rPr lang="en-US" altLang="zh-CN" sz="1800" b="0" dirty="0" smtClean="0">
+                <a:solidFill>
+                  <a:schemeClr val="tx1"/>
+                </a:solidFill>
+                <a:ea typeface="宋体" pitchFamily="2" charset="-122"/>
+              </a:rPr>
+              <a:t>11.  U.RienenandT.Weiland,“Triangulardiscretizationmethodfortheevaluation</a:t>
+            </a:r>
+          </a:p>
+          <a:p>
+            <a:pPr marL="457200" indent="-457200">
+              <a:buNone/>
+            </a:pPr>
+            <a:r>
+              <a:rPr lang="en-US" altLang="zh-CN" sz="1800" b="0" dirty="0" smtClean="0">
+                <a:solidFill>
+                  <a:schemeClr val="tx1"/>
+                </a:solidFill>
+                <a:ea typeface="宋体" pitchFamily="2" charset="-122"/>
+              </a:rPr>
+              <a:t>        </a:t>
+            </a:r>
+            <a:r>
+              <a:rPr lang="en-US" altLang="zh-CN" sz="1800" b="0" dirty="0" err="1" smtClean="0">
+                <a:solidFill>
+                  <a:schemeClr val="tx1"/>
+                </a:solidFill>
+                <a:ea typeface="宋体" pitchFamily="2" charset="-122"/>
+              </a:rPr>
+              <a:t>ofrf-ﬁeldsincylindricallysymmetriccavities</a:t>
+            </a:r>
+            <a:r>
+              <a:rPr lang="en-US" altLang="zh-CN" sz="1800" b="0" dirty="0" smtClean="0">
+                <a:solidFill>
+                  <a:schemeClr val="tx1"/>
+                </a:solidFill>
+                <a:ea typeface="宋体" pitchFamily="2" charset="-122"/>
+              </a:rPr>
+              <a:t>,” </a:t>
+            </a:r>
+            <a:r>
+              <a:rPr lang="en-US" altLang="zh-CN" sz="1800" b="0" dirty="0" err="1" smtClean="0">
+                <a:solidFill>
+                  <a:schemeClr val="tx1"/>
+                </a:solidFill>
+                <a:ea typeface="宋体" pitchFamily="2" charset="-122"/>
+              </a:rPr>
+              <a:t>IEEETransactionsonMagnet</a:t>
+            </a:r>
+            <a:r>
+              <a:rPr lang="en-US" altLang="zh-CN" sz="1800" b="0" dirty="0" smtClean="0">
+                <a:solidFill>
+                  <a:schemeClr val="tx1"/>
+                </a:solidFill>
+                <a:ea typeface="宋体" pitchFamily="2" charset="-122"/>
+              </a:rPr>
+              <a:t>-</a:t>
+            </a:r>
+          </a:p>
+          <a:p>
+            <a:pPr marL="457200" indent="-457200">
+              <a:buNone/>
+            </a:pPr>
+            <a:r>
+              <a:rPr lang="en-US" altLang="zh-CN" sz="1800" b="0" dirty="0" smtClean="0">
+                <a:solidFill>
+                  <a:schemeClr val="tx1"/>
+                </a:solidFill>
+                <a:ea typeface="宋体" pitchFamily="2" charset="-122"/>
+              </a:rPr>
+              <a:t>        ics,vol.Vol.MAG-21,No.6,pp.2317–2320,1985.60 Bibliography</a:t>
+            </a:r>
+          </a:p>
+          <a:p>
+            <a:pPr marL="457200" indent="-457200">
+              <a:buNone/>
+            </a:pPr>
+            <a:r>
+              <a:rPr lang="en-US" altLang="zh-CN" sz="1800" b="0" dirty="0" smtClean="0">
+                <a:solidFill>
+                  <a:schemeClr val="tx1"/>
+                </a:solidFill>
+                <a:ea typeface="宋体" pitchFamily="2" charset="-122"/>
+              </a:rPr>
+              <a:t>12.  </a:t>
+            </a:r>
+            <a:r>
+              <a:rPr lang="en-US" altLang="zh-CN" sz="1800" b="0" dirty="0" err="1" smtClean="0">
+                <a:solidFill>
+                  <a:schemeClr val="tx1"/>
+                </a:solidFill>
+                <a:ea typeface="宋体" pitchFamily="2" charset="-122"/>
+              </a:rPr>
+              <a:t>R.SchumannandT.Weiland,“Astableinterpolationtechniqueforfdtdon</a:t>
+            </a:r>
+            <a:endParaRPr lang="en-US" altLang="zh-CN" sz="1800" b="0" dirty="0" smtClean="0">
+              <a:solidFill>
+                <a:schemeClr val="tx1"/>
+              </a:solidFill>
+              <a:ea typeface="宋体" pitchFamily="2" charset="-122"/>
+            </a:endParaRPr>
+          </a:p>
+          <a:p>
+            <a:pPr marL="457200" indent="-457200">
+              <a:buNone/>
+            </a:pPr>
+            <a:r>
+              <a:rPr lang="en-US" altLang="zh-CN" sz="1800" b="0" dirty="0" smtClean="0">
+                <a:solidFill>
+                  <a:schemeClr val="tx1"/>
+                </a:solidFill>
+                <a:ea typeface="宋体" pitchFamily="2" charset="-122"/>
+              </a:rPr>
+              <a:t>        </a:t>
+            </a:r>
+            <a:r>
+              <a:rPr lang="en-US" altLang="zh-CN" sz="1800" b="0" dirty="0" err="1" smtClean="0">
+                <a:solidFill>
+                  <a:schemeClr val="tx1"/>
+                </a:solidFill>
+                <a:ea typeface="宋体" pitchFamily="2" charset="-122"/>
+              </a:rPr>
+              <a:t>nonorthogonalgrids</a:t>
+            </a:r>
+            <a:r>
+              <a:rPr lang="en-US" altLang="zh-CN" sz="1800" b="0" dirty="0" smtClean="0">
+                <a:solidFill>
+                  <a:schemeClr val="tx1"/>
+                </a:solidFill>
+                <a:ea typeface="宋体" pitchFamily="2" charset="-122"/>
+              </a:rPr>
+              <a:t>,” </a:t>
+            </a:r>
+            <a:r>
+              <a:rPr lang="en-US" altLang="zh-CN" sz="1800" b="0" dirty="0" err="1" smtClean="0">
+                <a:solidFill>
+                  <a:schemeClr val="tx1"/>
+                </a:solidFill>
+                <a:ea typeface="宋体" pitchFamily="2" charset="-122"/>
+              </a:rPr>
+              <a:t>InternationalJournalonNumericalModelling,vol.Vol</a:t>
+            </a:r>
+            <a:r>
+              <a:rPr lang="en-US" altLang="zh-CN" sz="1800" b="0" dirty="0" smtClean="0">
+                <a:solidFill>
+                  <a:schemeClr val="tx1"/>
+                </a:solidFill>
+                <a:ea typeface="宋体" pitchFamily="2" charset="-122"/>
+              </a:rPr>
+              <a:t>.</a:t>
+            </a:r>
+          </a:p>
+          <a:p>
+            <a:pPr marL="457200" indent="-457200">
+              <a:buNone/>
+            </a:pPr>
+            <a:r>
+              <a:rPr lang="en-US" altLang="zh-CN" sz="1800" b="0" dirty="0" smtClean="0">
+                <a:solidFill>
+                  <a:schemeClr val="tx1"/>
+                </a:solidFill>
+                <a:ea typeface="宋体" pitchFamily="2" charset="-122"/>
+              </a:rPr>
+              <a:t>       11,pp.299–306,1998.</a:t>
+            </a:r>
+          </a:p>
+          <a:p>
+            <a:pPr marL="457200" indent="-457200">
+              <a:buNone/>
+            </a:pPr>
+            <a:r>
+              <a:rPr lang="en-US" altLang="zh-CN" sz="1800" b="0" dirty="0" smtClean="0">
+                <a:solidFill>
+                  <a:schemeClr val="tx1"/>
+                </a:solidFill>
+                <a:ea typeface="宋体" pitchFamily="2" charset="-122"/>
+              </a:rPr>
+              <a:t>13.  </a:t>
+            </a:r>
+            <a:r>
+              <a:rPr lang="en-US" altLang="zh-CN" sz="1800" b="0" dirty="0" err="1" smtClean="0">
+                <a:solidFill>
+                  <a:schemeClr val="tx1"/>
+                </a:solidFill>
+                <a:ea typeface="宋体" pitchFamily="2" charset="-122"/>
+              </a:rPr>
+              <a:t>T.WeilandandR.Schuhmann</a:t>
+            </a:r>
+            <a:r>
+              <a:rPr lang="en-US" altLang="zh-CN" sz="1800" b="0" dirty="0" smtClean="0">
+                <a:solidFill>
+                  <a:schemeClr val="tx1"/>
+                </a:solidFill>
+                <a:ea typeface="宋体" pitchFamily="2" charset="-122"/>
+              </a:rPr>
+              <a:t>, </a:t>
+            </a:r>
+            <a:r>
+              <a:rPr lang="en-US" altLang="zh-CN" sz="1800" b="0" dirty="0" err="1" smtClean="0">
+                <a:solidFill>
+                  <a:schemeClr val="tx1"/>
+                </a:solidFill>
+                <a:ea typeface="宋体" pitchFamily="2" charset="-122"/>
+              </a:rPr>
+              <a:t>Script:ElektromagnetischeFeldsimulation</a:t>
+            </a:r>
+            <a:r>
+              <a:rPr lang="en-US" altLang="zh-CN" sz="1800" b="0" dirty="0" smtClean="0">
+                <a:solidFill>
+                  <a:schemeClr val="tx1"/>
+                </a:solidFill>
+                <a:ea typeface="宋体" pitchFamily="2" charset="-122"/>
+              </a:rPr>
+              <a:t>.</a:t>
+            </a:r>
+          </a:p>
+          <a:p>
+            <a:pPr marL="457200" indent="-457200">
+              <a:buNone/>
+            </a:pPr>
+            <a:r>
+              <a:rPr lang="en-US" altLang="zh-CN" sz="1800" b="0" dirty="0" smtClean="0">
+                <a:solidFill>
+                  <a:schemeClr val="tx1"/>
+                </a:solidFill>
+                <a:ea typeface="宋体" pitchFamily="2" charset="-122"/>
+              </a:rPr>
+              <a:t>        </a:t>
+            </a:r>
+            <a:r>
+              <a:rPr lang="en-US" altLang="zh-CN" sz="1800" b="0" dirty="0" err="1" smtClean="0">
+                <a:solidFill>
+                  <a:schemeClr val="tx1"/>
+                </a:solidFill>
+                <a:ea typeface="宋体" pitchFamily="2" charset="-122"/>
+              </a:rPr>
+              <a:t>FachgebietTheoretischeElektrotechnik,UniversityPaderborn</a:t>
+            </a:r>
+            <a:r>
+              <a:rPr lang="en-US" altLang="zh-CN" sz="1800" b="0" dirty="0" smtClean="0">
+                <a:solidFill>
+                  <a:schemeClr val="tx1"/>
+                </a:solidFill>
+                <a:ea typeface="宋体" pitchFamily="2" charset="-122"/>
+              </a:rPr>
+              <a:t>.</a:t>
+            </a:r>
+          </a:p>
+        </p:txBody>
+      </p:sp>
+    </p:spTree>
+  </p:cSld>
+  <p:clrMapOvr>
+    <a:masterClrMapping/>
+  </p:clrMapOvr>
+  <p:transition>
+    <p:zoom/>
+  </p:transition>
+  <p:timing>
+    <p:tnLst>
+      <p:par>
+        <p:cTn id="1" dur="indefinite" restart="never" nodeType="tmRoot"/>
+      </p:par>
+    </p:tnLst>
+  </p:timing>
+</p:sld>
+</file>
+
+<file path=ppt/slides/slide24.xml><?xml version="1.0" encoding="utf-8"?>
+<p:sld xmlns:a="http://schemas.openxmlformats.org/drawingml/2006/main" xmlns:r="http://schemas.openxmlformats.org/officeDocument/2006/relationships" xmlns:p="http://schemas.openxmlformats.org/presentationml/2006/main">
+  <p:cSld>
+    <p:spTree>
+      <p:nvGrpSpPr>
+        <p:cNvPr id="1" name=""/>
+        <p:cNvGrpSpPr/>
+        <p:nvPr/>
+      </p:nvGrpSpPr>
+      <p:grpSpPr>
+        <a:xfrm>
+          <a:off x="0" y="0"/>
+          <a:ext cx="0" cy="0"/>
+          <a:chOff x="0" y="0"/>
+          <a:chExt cx="0" cy="0"/>
+        </a:xfrm>
+      </p:grpSpPr>
+      <p:sp>
+        <p:nvSpPr>
+          <p:cNvPr id="2" name="Titel 1"/>
+          <p:cNvSpPr>
+            <a:spLocks noGrp="1"/>
+          </p:cNvSpPr>
+          <p:nvPr>
+            <p:ph type="title"/>
+          </p:nvPr>
+        </p:nvSpPr>
+        <p:spPr/>
+        <p:txBody>
+          <a:bodyPr/>
+          <a:lstStyle/>
+          <a:p>
+            <a:endParaRPr lang="zh-CN" altLang="en-US"/>
+          </a:p>
+        </p:txBody>
+      </p:sp>
+      <p:sp>
+        <p:nvSpPr>
+          <p:cNvPr id="3" name="Inhaltsplatzhalter 2"/>
+          <p:cNvSpPr>
+            <a:spLocks noGrp="1"/>
+          </p:cNvSpPr>
+          <p:nvPr>
+            <p:ph idx="1"/>
+          </p:nvPr>
+        </p:nvSpPr>
+        <p:spPr/>
+        <p:txBody>
+          <a:bodyPr/>
+          <a:lstStyle/>
+          <a:p>
+            <a:pPr marL="457200" indent="-457200">
+              <a:buFontTx/>
+              <a:buAutoNum type="arabicPeriod"/>
+            </a:pPr>
+            <a:r>
+              <a:rPr lang="en-US" altLang="zh-CN" sz="1800" b="0" dirty="0" smtClean="0">
+                <a:solidFill>
+                  <a:schemeClr val="tx1"/>
+                </a:solidFill>
+                <a:ea typeface="宋体" pitchFamily="2" charset="-122"/>
+              </a:rPr>
+              <a:t>M.ClemensandT.Weiland,“Discreteelectromagnismwiththeﬁniteintegra-</a:t>
+            </a:r>
+          </a:p>
+          <a:p>
+            <a:pPr marL="457200" indent="-457200">
+              <a:buNone/>
+            </a:pPr>
+            <a:r>
+              <a:rPr lang="en-US" altLang="zh-CN" sz="1800" b="0" dirty="0" smtClean="0">
+                <a:solidFill>
+                  <a:schemeClr val="tx1"/>
+                </a:solidFill>
+                <a:ea typeface="宋体" pitchFamily="2" charset="-122"/>
+              </a:rPr>
+              <a:t>       </a:t>
+            </a:r>
+            <a:r>
+              <a:rPr lang="en-US" altLang="zh-CN" sz="1800" b="0" dirty="0" err="1" smtClean="0">
+                <a:solidFill>
+                  <a:schemeClr val="tx1"/>
+                </a:solidFill>
+                <a:ea typeface="宋体" pitchFamily="2" charset="-122"/>
+              </a:rPr>
+              <a:t>tiontechnique</a:t>
+            </a:r>
+            <a:r>
+              <a:rPr lang="en-US" altLang="zh-CN" sz="1800" b="0" dirty="0" smtClean="0">
+                <a:solidFill>
+                  <a:schemeClr val="tx1"/>
+                </a:solidFill>
+                <a:ea typeface="宋体" pitchFamily="2" charset="-122"/>
+              </a:rPr>
+              <a:t>,” ProgressInElectromagneticsResearch,vol.PIER32,pp.</a:t>
+            </a:r>
+          </a:p>
+          <a:p>
+            <a:pPr marL="457200" indent="-457200">
+              <a:buNone/>
+            </a:pPr>
+            <a:r>
+              <a:rPr lang="en-US" altLang="zh-CN" sz="1800" b="0" dirty="0" smtClean="0">
+                <a:solidFill>
+                  <a:schemeClr val="tx1"/>
+                </a:solidFill>
+                <a:ea typeface="宋体" pitchFamily="2" charset="-122"/>
+              </a:rPr>
+              <a:t>       65–87,2001.</a:t>
+            </a:r>
+          </a:p>
+          <a:p>
+            <a:pPr marL="457200" indent="-457200">
+              <a:buFontTx/>
+              <a:buAutoNum type="arabicPeriod"/>
+            </a:pPr>
+            <a:r>
+              <a:rPr lang="en-US" altLang="zh-CN" sz="1800" b="0" dirty="0" smtClean="0">
+                <a:solidFill>
+                  <a:schemeClr val="tx1"/>
+                </a:solidFill>
+                <a:ea typeface="宋体" pitchFamily="2" charset="-122"/>
+              </a:rPr>
+              <a:t> AgilentAN154S-ParameterDesign,AgilentTechnologies,</a:t>
+            </a:r>
+          </a:p>
+          <a:p>
+            <a:pPr marL="457200" indent="-457200">
+              <a:buNone/>
+            </a:pPr>
+            <a:r>
+              <a:rPr lang="en-US" altLang="zh-CN" sz="1800" b="0" dirty="0" smtClean="0">
+                <a:solidFill>
+                  <a:schemeClr val="tx1"/>
+                </a:solidFill>
+                <a:ea typeface="宋体" pitchFamily="2" charset="-122"/>
+              </a:rPr>
+              <a:t>        http://cp.literature.agilent.com/litweb/pdf/5952-1087.pdf,April2011,ap-</a:t>
+            </a:r>
+          </a:p>
+          <a:p>
+            <a:pPr marL="457200" indent="-457200">
+              <a:buNone/>
+            </a:pPr>
+            <a:r>
+              <a:rPr lang="en-US" altLang="zh-CN" sz="1800" b="0" dirty="0" smtClean="0">
+                <a:solidFill>
+                  <a:schemeClr val="tx1"/>
+                </a:solidFill>
+                <a:ea typeface="宋体" pitchFamily="2" charset="-122"/>
+              </a:rPr>
+              <a:t>        </a:t>
+            </a:r>
+            <a:r>
+              <a:rPr lang="en-US" altLang="zh-CN" sz="1800" b="0" dirty="0" err="1" smtClean="0">
+                <a:solidFill>
+                  <a:schemeClr val="tx1"/>
+                </a:solidFill>
+                <a:ea typeface="宋体" pitchFamily="2" charset="-122"/>
+              </a:rPr>
+              <a:t>plicationNote</a:t>
+            </a:r>
+            <a:r>
+              <a:rPr lang="en-US" altLang="zh-CN" sz="1800" b="0" dirty="0" smtClean="0">
+                <a:solidFill>
+                  <a:schemeClr val="tx1"/>
+                </a:solidFill>
+                <a:ea typeface="宋体" pitchFamily="2" charset="-122"/>
+              </a:rPr>
+              <a:t>.</a:t>
+            </a:r>
+          </a:p>
+          <a:p>
+            <a:pPr marL="457200" indent="-457200">
+              <a:buFontTx/>
+              <a:buAutoNum type="arabicPeriod"/>
+            </a:pPr>
+            <a:r>
+              <a:rPr lang="en-US" altLang="zh-CN" sz="1800" b="0" dirty="0" smtClean="0">
+                <a:solidFill>
+                  <a:schemeClr val="tx1"/>
+                </a:solidFill>
+                <a:ea typeface="宋体" pitchFamily="2" charset="-122"/>
+              </a:rPr>
+              <a:t>S-</a:t>
+            </a:r>
+            <a:r>
+              <a:rPr lang="en-US" altLang="zh-CN" sz="1800" b="0" dirty="0" err="1" smtClean="0">
+                <a:solidFill>
+                  <a:schemeClr val="tx1"/>
+                </a:solidFill>
+                <a:ea typeface="宋体" pitchFamily="2" charset="-122"/>
+              </a:rPr>
+              <a:t>ParameterHandout,UniversityofSanDiego</a:t>
+            </a:r>
+            <a:r>
+              <a:rPr lang="en-US" altLang="zh-CN" sz="1800" b="0" dirty="0" smtClean="0">
+                <a:solidFill>
+                  <a:schemeClr val="tx1"/>
+                </a:solidFill>
+                <a:ea typeface="宋体" pitchFamily="2" charset="-122"/>
+              </a:rPr>
+              <a:t>,</a:t>
+            </a:r>
+          </a:p>
+          <a:p>
+            <a:pPr marL="457200" indent="-457200">
+              <a:buNone/>
+            </a:pPr>
+            <a:r>
+              <a:rPr lang="en-US" altLang="zh-CN" sz="1800" b="0" dirty="0" smtClean="0">
+                <a:solidFill>
+                  <a:schemeClr val="tx1"/>
+                </a:solidFill>
+                <a:ea typeface="宋体" pitchFamily="2" charset="-122"/>
+              </a:rPr>
+              <a:t>        http://home.sandiego.edu/ekim/e194rfs01/,April2011,eEE194RF.</a:t>
+            </a:r>
+          </a:p>
+          <a:p>
+            <a:pPr marL="457200" indent="-457200">
+              <a:buFontTx/>
+              <a:buAutoNum type="arabicPeriod"/>
+            </a:pPr>
+            <a:r>
+              <a:rPr lang="en-US" altLang="zh-CN" sz="1800" b="0" dirty="0" smtClean="0">
+                <a:solidFill>
+                  <a:schemeClr val="tx1"/>
+                </a:solidFill>
+                <a:ea typeface="宋体" pitchFamily="2" charset="-122"/>
+              </a:rPr>
+              <a:t> </a:t>
+            </a:r>
+            <a:r>
+              <a:rPr lang="en-US" altLang="zh-CN" sz="1800" b="0" dirty="0" err="1" smtClean="0">
+                <a:solidFill>
+                  <a:schemeClr val="tx1"/>
+                </a:solidFill>
+                <a:ea typeface="宋体" pitchFamily="2" charset="-122"/>
+              </a:rPr>
+              <a:t>LensedFibers,NanonicsImagingLtd.,http</a:t>
+            </a:r>
+            <a:r>
+              <a:rPr lang="en-US" altLang="zh-CN" sz="1800" b="0" dirty="0" smtClean="0">
+                <a:solidFill>
+                  <a:schemeClr val="tx1"/>
+                </a:solidFill>
+                <a:ea typeface="宋体" pitchFamily="2" charset="-122"/>
+              </a:rPr>
+              <a:t>://</a:t>
+            </a:r>
+            <a:r>
+              <a:rPr lang="en-US" altLang="zh-CN" sz="1800" b="0" dirty="0" err="1" smtClean="0">
+                <a:solidFill>
+                  <a:schemeClr val="tx1"/>
+                </a:solidFill>
+                <a:ea typeface="宋体" pitchFamily="2" charset="-122"/>
+              </a:rPr>
+              <a:t>www.nanonics.co.il</a:t>
+            </a:r>
+            <a:r>
+              <a:rPr lang="en-US" altLang="zh-CN" sz="1800" b="0" dirty="0" smtClean="0">
+                <a:solidFill>
+                  <a:schemeClr val="tx1"/>
+                </a:solidFill>
+                <a:ea typeface="宋体" pitchFamily="2" charset="-122"/>
+              </a:rPr>
+              <a:t>/</a:t>
+            </a:r>
+            <a:r>
+              <a:rPr lang="en-US" altLang="zh-CN" sz="1800" b="0" dirty="0" err="1" smtClean="0">
+                <a:solidFill>
+                  <a:schemeClr val="tx1"/>
+                </a:solidFill>
+                <a:ea typeface="宋体" pitchFamily="2" charset="-122"/>
+              </a:rPr>
+              <a:t>lensed</a:t>
+            </a:r>
+            <a:r>
+              <a:rPr lang="en-US" altLang="zh-CN" sz="1800" b="0" dirty="0" smtClean="0">
+                <a:solidFill>
+                  <a:schemeClr val="tx1"/>
+                </a:solidFill>
+                <a:ea typeface="宋体" pitchFamily="2" charset="-122"/>
+              </a:rPr>
+              <a:t>-</a:t>
+            </a:r>
+          </a:p>
+          <a:p>
+            <a:pPr marL="457200" indent="-457200">
+              <a:buNone/>
+            </a:pPr>
+            <a:r>
+              <a:rPr lang="en-US" altLang="zh-CN" sz="1800" b="0" dirty="0" smtClean="0">
+                <a:solidFill>
+                  <a:schemeClr val="tx1"/>
+                </a:solidFill>
+                <a:ea typeface="宋体" pitchFamily="2" charset="-122"/>
+              </a:rPr>
+              <a:t>        ﬁbers.html,April2011,applicationNote.</a:t>
+            </a:r>
+          </a:p>
+          <a:p>
+            <a:pPr marL="457200" indent="-457200">
+              <a:buFontTx/>
+              <a:buAutoNum type="arabicPeriod"/>
+            </a:pPr>
+            <a:r>
+              <a:rPr lang="en-US" altLang="zh-CN" sz="1800" b="0" dirty="0" err="1" smtClean="0">
+                <a:solidFill>
+                  <a:schemeClr val="tx1"/>
+                </a:solidFill>
+                <a:ea typeface="宋体" pitchFamily="2" charset="-122"/>
+              </a:rPr>
+              <a:t>A.S.DwariandS.Sanyal,“Analysisoflineartaperedwaveguide</a:t>
+            </a:r>
+            <a:r>
+              <a:rPr lang="en-US" altLang="zh-CN" sz="1800" b="0" dirty="0" smtClean="0">
+                <a:solidFill>
+                  <a:schemeClr val="tx1"/>
+                </a:solidFill>
+                <a:ea typeface="宋体" pitchFamily="2" charset="-122"/>
+              </a:rPr>
+              <a:t>,” </a:t>
+            </a:r>
+            <a:r>
+              <a:rPr lang="en-US" altLang="zh-CN" sz="1800" b="0" dirty="0" err="1" smtClean="0">
+                <a:solidFill>
+                  <a:schemeClr val="tx1"/>
+                </a:solidFill>
+                <a:ea typeface="宋体" pitchFamily="2" charset="-122"/>
+              </a:rPr>
+              <a:t>ProgressIn</a:t>
+            </a:r>
+            <a:endParaRPr lang="en-US" altLang="zh-CN" sz="1800" b="0" dirty="0" smtClean="0">
+              <a:solidFill>
+                <a:schemeClr val="tx1"/>
+              </a:solidFill>
+              <a:ea typeface="宋体" pitchFamily="2" charset="-122"/>
+            </a:endParaRPr>
+          </a:p>
+          <a:p>
+            <a:pPr marL="457200" indent="-457200">
+              <a:buNone/>
+            </a:pPr>
+            <a:r>
+              <a:rPr lang="en-US" altLang="zh-CN" sz="1800" b="0" dirty="0" smtClean="0">
+                <a:solidFill>
+                  <a:schemeClr val="tx1"/>
+                </a:solidFill>
+                <a:ea typeface="宋体" pitchFamily="2" charset="-122"/>
+              </a:rPr>
+              <a:t>       ElectromagnicsResearch,vol.PIER64,pp.219–238,2006.</a:t>
+            </a:r>
+          </a:p>
+          <a:p>
+            <a:pPr marL="457200" indent="-457200">
+              <a:buFontTx/>
+              <a:buAutoNum type="arabicPeriod"/>
+            </a:pPr>
+            <a:r>
+              <a:rPr lang="en-US" altLang="zh-CN" sz="1800" b="0" dirty="0" smtClean="0">
+                <a:solidFill>
+                  <a:schemeClr val="tx1"/>
+                </a:solidFill>
+                <a:ea typeface="宋体" pitchFamily="2" charset="-122"/>
+              </a:rPr>
+              <a:t>M.BelangerandG.L.Yip,“Modeconversionanalysisinasingle-modeplannar</a:t>
+            </a:r>
+          </a:p>
+          <a:p>
+            <a:pPr marL="457200" indent="-457200">
+              <a:buNone/>
+            </a:pPr>
+            <a:r>
+              <a:rPr lang="en-US" altLang="zh-CN" sz="1800" b="0" dirty="0" smtClean="0">
+                <a:solidFill>
+                  <a:schemeClr val="tx1"/>
+                </a:solidFill>
+                <a:ea typeface="宋体" pitchFamily="2" charset="-122"/>
+              </a:rPr>
+              <a:t>       </a:t>
+            </a:r>
+            <a:r>
+              <a:rPr lang="en-US" altLang="zh-CN" sz="1800" b="0" dirty="0" err="1" smtClean="0">
+                <a:solidFill>
+                  <a:schemeClr val="tx1"/>
+                </a:solidFill>
+                <a:ea typeface="宋体" pitchFamily="2" charset="-122"/>
+              </a:rPr>
+              <a:t>taperopticalwaveguide</a:t>
+            </a:r>
+            <a:r>
+              <a:rPr lang="en-US" altLang="zh-CN" sz="1800" b="0" dirty="0" smtClean="0">
+                <a:solidFill>
+                  <a:schemeClr val="tx1"/>
+                </a:solidFill>
+                <a:ea typeface="宋体" pitchFamily="2" charset="-122"/>
+              </a:rPr>
+              <a:t>,” AppliedScientiﬁcResearch,vol.Vol.41,pp.305–</a:t>
+            </a:r>
+          </a:p>
+          <a:p>
+            <a:pPr marL="457200" indent="-457200">
+              <a:buNone/>
+            </a:pPr>
+            <a:r>
+              <a:rPr lang="en-US" altLang="zh-CN" sz="1800" b="0" dirty="0" smtClean="0">
+                <a:solidFill>
+                  <a:schemeClr val="tx1"/>
+                </a:solidFill>
+                <a:ea typeface="宋体" pitchFamily="2" charset="-122"/>
+              </a:rPr>
+              <a:t>       314,1984.</a:t>
+            </a:r>
+          </a:p>
+          <a:p>
+            <a:pPr marL="457200" indent="-457200">
+              <a:buFontTx/>
+              <a:buAutoNum type="arabicPeriod"/>
+            </a:pPr>
+            <a:r>
+              <a:rPr lang="en-US" altLang="zh-CN" sz="1800" b="0" dirty="0" smtClean="0">
+                <a:solidFill>
+                  <a:schemeClr val="tx1"/>
+                </a:solidFill>
+                <a:ea typeface="宋体" pitchFamily="2" charset="-122"/>
+              </a:rPr>
+              <a:t>A.P.EwoldVerhagenandL.Kuipers,“Nanofocusinginlaterallytaperedplas-</a:t>
+            </a:r>
+          </a:p>
+          <a:p>
+            <a:pPr marL="457200" indent="-457200">
+              <a:buNone/>
+            </a:pPr>
+            <a:r>
+              <a:rPr lang="en-US" altLang="zh-CN" sz="1800" b="0" dirty="0" smtClean="0">
+                <a:solidFill>
+                  <a:schemeClr val="tx1"/>
+                </a:solidFill>
+                <a:ea typeface="宋体" pitchFamily="2" charset="-122"/>
+              </a:rPr>
+              <a:t>       </a:t>
+            </a:r>
+            <a:r>
+              <a:rPr lang="en-US" altLang="zh-CN" sz="1800" b="0" dirty="0" err="1" smtClean="0">
+                <a:solidFill>
+                  <a:schemeClr val="tx1"/>
+                </a:solidFill>
+                <a:ea typeface="宋体" pitchFamily="2" charset="-122"/>
+              </a:rPr>
+              <a:t>monicwaveguides</a:t>
+            </a:r>
+            <a:r>
+              <a:rPr lang="en-US" altLang="zh-CN" sz="1800" b="0" dirty="0" smtClean="0">
+                <a:solidFill>
+                  <a:schemeClr val="tx1"/>
+                </a:solidFill>
+                <a:ea typeface="宋体" pitchFamily="2" charset="-122"/>
+              </a:rPr>
+              <a:t>,” Opticsexpress,vol.Vol.16,pp.45–57,January2008.</a:t>
+            </a:r>
+          </a:p>
+          <a:p>
+            <a:endParaRPr lang="zh-CN" altLang="en-US" dirty="0"/>
+          </a:p>
+        </p:txBody>
+      </p:sp>
+    </p:spTree>
+  </p:cSld>
+  <p:clrMapOvr>
+    <a:masterClrMapping/>
+  </p:clrMapOvr>
+  <p:transition>
+    <p:zoom/>
+  </p:transition>
+  <p:timing>
+    <p:tnLst>
+      <p:par>
+        <p:cTn id="1" dur="indefinite" restart="never" nodeType="tmRoot"/>
+      </p:par>
+    </p:tnLst>
+  </p:timing>
+</p:sld>
+</file>
+
+<file path=ppt/slides/slide25.xml><?xml version="1.0" encoding="utf-8"?>
+<p:sld xmlns:a="http://schemas.openxmlformats.org/drawingml/2006/main" xmlns:r="http://schemas.openxmlformats.org/officeDocument/2006/relationships" xmlns:p="http://schemas.openxmlformats.org/presentationml/2006/main">
+  <p:cSld>
+    <p:spTree>
+      <p:nvGrpSpPr>
+        <p:cNvPr id="1" name=""/>
+        <p:cNvGrpSpPr/>
+        <p:nvPr/>
+      </p:nvGrpSpPr>
+      <p:grpSpPr>
+        <a:xfrm>
+          <a:off x="0" y="0"/>
+          <a:ext cx="0" cy="0"/>
+          <a:chOff x="0" y="0"/>
+          <a:chExt cx="0" cy="0"/>
+        </a:xfrm>
+      </p:grpSpPr>
+      <p:sp>
+        <p:nvSpPr>
+          <p:cNvPr id="2" name="Titel 1"/>
+          <p:cNvSpPr>
+            <a:spLocks noGrp="1"/>
+          </p:cNvSpPr>
+          <p:nvPr>
+            <p:ph type="title"/>
+          </p:nvPr>
+        </p:nvSpPr>
+        <p:spPr/>
+        <p:txBody>
+          <a:bodyPr/>
+          <a:lstStyle/>
+          <a:p>
+            <a:endParaRPr lang="zh-CN" altLang="en-US"/>
+          </a:p>
+        </p:txBody>
+      </p:sp>
+      <p:sp>
+        <p:nvSpPr>
+          <p:cNvPr id="3" name="Inhaltsplatzhalter 2"/>
+          <p:cNvSpPr>
+            <a:spLocks noGrp="1"/>
+          </p:cNvSpPr>
+          <p:nvPr>
+            <p:ph idx="1"/>
+          </p:nvPr>
+        </p:nvSpPr>
+        <p:spPr/>
+        <p:txBody>
+          <a:bodyPr/>
+          <a:lstStyle/>
+          <a:p>
+            <a:pPr marL="457200" indent="-457200">
+              <a:buFontTx/>
+              <a:buAutoNum type="arabicPeriod"/>
+            </a:pPr>
+            <a:r>
+              <a:rPr lang="en-US" altLang="zh-CN" sz="1800" b="0" dirty="0" err="1" smtClean="0">
+                <a:solidFill>
+                  <a:schemeClr val="tx1"/>
+                </a:solidFill>
+                <a:ea typeface="宋体" pitchFamily="2" charset="-122"/>
+              </a:rPr>
+              <a:t>H.C.A.EdwardsandC.Dragone,“Idealmicrolensesforlasertoﬁbercou</a:t>
+            </a:r>
+            <a:r>
+              <a:rPr lang="en-US" altLang="zh-CN" sz="1800" b="0" dirty="0" smtClean="0">
+                <a:solidFill>
+                  <a:schemeClr val="tx1"/>
+                </a:solidFill>
+                <a:ea typeface="宋体" pitchFamily="2" charset="-122"/>
+              </a:rPr>
+              <a:t>-</a:t>
+            </a:r>
+          </a:p>
+          <a:p>
+            <a:pPr marL="457200" indent="-457200">
+              <a:buNone/>
+            </a:pPr>
+            <a:r>
+              <a:rPr lang="en-US" altLang="zh-CN" sz="1800" b="0" dirty="0" smtClean="0">
+                <a:solidFill>
+                  <a:schemeClr val="tx1"/>
+                </a:solidFill>
+                <a:ea typeface="宋体" pitchFamily="2" charset="-122"/>
+              </a:rPr>
+              <a:t>       </a:t>
+            </a:r>
+            <a:r>
+              <a:rPr lang="en-US" altLang="zh-CN" sz="1800" b="0" dirty="0" err="1" smtClean="0">
+                <a:solidFill>
+                  <a:schemeClr val="tx1"/>
+                </a:solidFill>
+                <a:ea typeface="宋体" pitchFamily="2" charset="-122"/>
+              </a:rPr>
+              <a:t>pling</a:t>
+            </a:r>
+            <a:r>
+              <a:rPr lang="en-US" altLang="zh-CN" sz="1800" b="0" dirty="0" smtClean="0">
+                <a:solidFill>
+                  <a:schemeClr val="tx1"/>
+                </a:solidFill>
+                <a:ea typeface="宋体" pitchFamily="2" charset="-122"/>
+              </a:rPr>
+              <a:t>,” Journaloflightwavetechnology,vol.Vol.11,pp.252–257,1993.</a:t>
+            </a:r>
+          </a:p>
+          <a:p>
+            <a:pPr marL="457200" indent="-457200">
+              <a:buFontTx/>
+              <a:buAutoNum type="arabicPeriod"/>
+            </a:pPr>
+            <a:r>
+              <a:rPr lang="en-US" altLang="zh-CN" sz="1800" b="0" dirty="0" err="1" smtClean="0">
+                <a:solidFill>
+                  <a:schemeClr val="tx1"/>
+                </a:solidFill>
+                <a:ea typeface="宋体" pitchFamily="2" charset="-122"/>
+              </a:rPr>
+              <a:t>K.I.K.Shiraishi,N.OyamaandS.Suga,“Aﬁberlenswithalongworkingdis</a:t>
+            </a:r>
+            <a:r>
+              <a:rPr lang="en-US" altLang="zh-CN" sz="1800" b="0" dirty="0" smtClean="0">
+                <a:solidFill>
+                  <a:schemeClr val="tx1"/>
+                </a:solidFill>
+                <a:ea typeface="宋体" pitchFamily="2" charset="-122"/>
+              </a:rPr>
+              <a:t>-</a:t>
+            </a:r>
+          </a:p>
+          <a:p>
+            <a:pPr marL="457200" indent="-457200">
+              <a:buNone/>
+            </a:pPr>
+            <a:r>
+              <a:rPr lang="en-US" altLang="zh-CN" sz="1800" b="0" dirty="0" smtClean="0">
+                <a:solidFill>
+                  <a:schemeClr val="tx1"/>
+                </a:solidFill>
+                <a:ea typeface="宋体" pitchFamily="2" charset="-122"/>
+              </a:rPr>
+              <a:t>       </a:t>
+            </a:r>
+            <a:r>
+              <a:rPr lang="en-US" altLang="zh-CN" sz="1800" b="0" dirty="0" err="1" smtClean="0">
+                <a:solidFill>
+                  <a:schemeClr val="tx1"/>
+                </a:solidFill>
+                <a:ea typeface="宋体" pitchFamily="2" charset="-122"/>
+              </a:rPr>
+              <a:t>tanceforintegratedcouplingbetweenlaserdiodesandsingle-modeﬁbers</a:t>
+            </a:r>
+            <a:r>
+              <a:rPr lang="en-US" altLang="zh-CN" sz="1800" b="0" dirty="0" smtClean="0">
+                <a:solidFill>
+                  <a:schemeClr val="tx1"/>
+                </a:solidFill>
+                <a:ea typeface="宋体" pitchFamily="2" charset="-122"/>
+              </a:rPr>
+              <a:t>,”</a:t>
+            </a:r>
+          </a:p>
+          <a:p>
+            <a:pPr marL="457200" indent="-457200">
+              <a:buNone/>
+            </a:pPr>
+            <a:r>
+              <a:rPr lang="en-US" altLang="zh-CN" sz="1800" b="0" dirty="0" smtClean="0">
+                <a:solidFill>
+                  <a:schemeClr val="tx1"/>
+                </a:solidFill>
+                <a:ea typeface="宋体" pitchFamily="2" charset="-122"/>
+              </a:rPr>
+              <a:t>       Journaloflightwavetechnology,vol.Vol.13,pp.1736–1744,1995.</a:t>
+            </a:r>
+          </a:p>
+          <a:p>
+            <a:pPr marL="457200" indent="-457200">
+              <a:buFontTx/>
+              <a:buAutoNum type="arabicPeriod"/>
+            </a:pPr>
+            <a:r>
+              <a:rPr lang="en-US" altLang="zh-CN" sz="1800" b="0" dirty="0" err="1" smtClean="0">
+                <a:solidFill>
+                  <a:schemeClr val="tx1"/>
+                </a:solidFill>
+                <a:ea typeface="宋体" pitchFamily="2" charset="-122"/>
+              </a:rPr>
+              <a:t>S.M.SASAKI,T.ANDOandK.HANE,“Directphotolithographyonopticalﬁber</a:t>
+            </a:r>
+            <a:endParaRPr lang="en-US" altLang="zh-CN" sz="1800" b="0" dirty="0" smtClean="0">
+              <a:solidFill>
+                <a:schemeClr val="tx1"/>
+              </a:solidFill>
+              <a:ea typeface="宋体" pitchFamily="2" charset="-122"/>
+            </a:endParaRPr>
+          </a:p>
+          <a:p>
+            <a:pPr marL="457200" indent="-457200">
+              <a:buNone/>
+            </a:pPr>
+            <a:r>
+              <a:rPr lang="en-US" altLang="zh-CN" sz="1800" b="0" dirty="0" smtClean="0">
+                <a:solidFill>
+                  <a:schemeClr val="tx1"/>
+                </a:solidFill>
+                <a:ea typeface="宋体" pitchFamily="2" charset="-122"/>
+              </a:rPr>
+              <a:t>        end,” Jpn.J.Appl.Phys.,vol.Vol.41,pp.4350–4355,2002</a:t>
+            </a:r>
+            <a:endParaRPr lang="de-DE" altLang="zh-CN" sz="1800" b="0" dirty="0" smtClean="0">
+              <a:solidFill>
+                <a:schemeClr val="tx1"/>
+              </a:solidFill>
+              <a:ea typeface="宋体" pitchFamily="2" charset="-122"/>
+            </a:endParaRPr>
+          </a:p>
+          <a:p>
+            <a:pPr marL="457200" indent="-457200">
+              <a:buFontTx/>
+              <a:buAutoNum type="arabicPeriod"/>
+            </a:pPr>
+            <a:endParaRPr lang="zh-CN" altLang="en-US" sz="1800" b="0" dirty="0" smtClean="0">
+              <a:solidFill>
+                <a:schemeClr val="tx1"/>
+              </a:solidFill>
+              <a:ea typeface="宋体" pitchFamily="2" charset="-122"/>
+            </a:endParaRPr>
+          </a:p>
+          <a:p>
+            <a:endParaRPr lang="zh-CN" altLang="en-US" dirty="0"/>
+          </a:p>
+        </p:txBody>
+      </p:sp>
+    </p:spTree>
+  </p:cSld>
+  <p:clrMapOvr>
+    <a:masterClrMapping/>
+  </p:clrMapOvr>
+  <p:transition>
+    <p:zoom/>
+  </p:transition>
+  <p:timing>
+    <p:tnLst>
+      <p:par>
+        <p:cTn id="1" dur="indefinite" restart="never" nodeType="tmRoot"/>
+      </p:par>
+    </p:tnLst>
+  </p:timing>
+</p:sld>
+</file>
+
+<file path=ppt/slides/slide26.xml><?xml version="1.0" encoding="utf-8"?>
+<p:sld xmlns:a="http://schemas.openxmlformats.org/drawingml/2006/main" xmlns:r="http://schemas.openxmlformats.org/officeDocument/2006/relationships" xmlns:p="http://schemas.openxmlformats.org/presentationml/2006/main">
+  <p:cSld>
+    <p:spTree>
+      <p:nvGrpSpPr>
+        <p:cNvPr id="1" name=""/>
+        <p:cNvGrpSpPr/>
+        <p:nvPr/>
+      </p:nvGrpSpPr>
+      <p:grpSpPr>
+        <a:xfrm>
+          <a:off x="0" y="0"/>
+          <a:ext cx="0" cy="0"/>
+          <a:chOff x="0" y="0"/>
+          <a:chExt cx="0" cy="0"/>
+        </a:xfrm>
+      </p:grpSpPr>
       <p:pic>
         <p:nvPicPr>
           <p:cNvPr id="9218" name="Picture 2" descr="F:\Data\leher\SVN\Master_arbeit\Latex\Masterarbeit\bilder\tapered_waveguide_others.PNG"/>
@@ -13555,13 +18386,8 @@
             </a:r>
             <a:r>
               <a:rPr lang="de-DE" altLang="zh-CN" dirty="0" smtClean="0"/>
-              <a:t> </a:t>
-            </a:r>
-            <a:r>
-              <a:rPr lang="de-DE" altLang="zh-CN" dirty="0" smtClean="0"/>
-              <a:t>waveguide:63%</a:t>
-            </a:r>
-            <a:endParaRPr lang="de-DE" altLang="zh-CN" dirty="0" smtClean="0"/>
+              <a:t> waveguide:63%</a:t>
+            </a:r>
           </a:p>
           <a:p>
             <a:pPr lvl="1"/>
@@ -13589,7 +18415,6 @@
               <a:rPr lang="de-DE" altLang="zh-CN" dirty="0" smtClean="0"/>
               <a:t>:??</a:t>
             </a:r>
-            <a:endParaRPr lang="de-DE" altLang="zh-CN" dirty="0" smtClean="0"/>
           </a:p>
           <a:p>
             <a:pPr lvl="1"/>
@@ -13597,7 +18422,6 @@
               <a:rPr lang="de-DE" altLang="zh-CN" dirty="0" smtClean="0"/>
               <a:t>Grating:65%</a:t>
             </a:r>
-            <a:endParaRPr lang="de-DE" altLang="zh-CN" dirty="0" smtClean="0"/>
           </a:p>
           <a:p>
             <a:pPr lvl="1"/>
@@ -13957,2847 +18781,6 @@
       </p:par>
     </p:tnLst>
   </p:timing>
-</p:sld>
-</file>
-
-<file path=ppt/slides/slide2.xml><?xml version="1.0" encoding="utf-8"?>
-<p:sld xmlns:a="http://schemas.openxmlformats.org/drawingml/2006/main" xmlns:r="http://schemas.openxmlformats.org/officeDocument/2006/relationships" xmlns:p="http://schemas.openxmlformats.org/presentationml/2006/main">
-  <p:cSld>
-    <p:spTree>
-      <p:nvGrpSpPr>
-        <p:cNvPr id="1" name=""/>
-        <p:cNvGrpSpPr/>
-        <p:nvPr/>
-      </p:nvGrpSpPr>
-      <p:grpSpPr>
-        <a:xfrm>
-          <a:off x="0" y="0"/>
-          <a:ext cx="0" cy="0"/>
-          <a:chOff x="0" y="0"/>
-          <a:chExt cx="0" cy="0"/>
-        </a:xfrm>
-      </p:grpSpPr>
-      <p:sp>
-        <p:nvSpPr>
-          <p:cNvPr id="50178" name="Rectangle 2"/>
-          <p:cNvSpPr>
-            <a:spLocks noGrp="1" noChangeArrowheads="1"/>
-          </p:cNvSpPr>
-          <p:nvPr>
-            <p:ph type="title"/>
-          </p:nvPr>
-        </p:nvSpPr>
-        <p:spPr/>
-        <p:txBody>
-          <a:bodyPr/>
-          <a:lstStyle/>
-          <a:p>
-            <a:r>
-              <a:rPr lang="de-DE" altLang="zh-CN" dirty="0" err="1" smtClean="0">
-                <a:solidFill>
-                  <a:srgbClr val="C61829"/>
-                </a:solidFill>
-                <a:ea typeface="宋体" pitchFamily="2" charset="-122"/>
-              </a:rPr>
-              <a:t>Overview</a:t>
-            </a:r>
-            <a:endParaRPr lang="en-US" altLang="zh-CN" dirty="0" smtClean="0">
-              <a:solidFill>
-                <a:srgbClr val="C61829"/>
-              </a:solidFill>
-              <a:ea typeface="宋体" pitchFamily="2" charset="-122"/>
-            </a:endParaRPr>
-          </a:p>
-        </p:txBody>
-      </p:sp>
-      <p:sp>
-        <p:nvSpPr>
-          <p:cNvPr id="50181" name="Text Box 5"/>
-          <p:cNvSpPr txBox="1">
-            <a:spLocks noChangeArrowheads="1"/>
-          </p:cNvSpPr>
-          <p:nvPr/>
-        </p:nvSpPr>
-        <p:spPr bwMode="auto">
-          <a:xfrm>
-            <a:off x="663575" y="1111250"/>
-            <a:ext cx="7724775" cy="3598863"/>
-          </a:xfrm>
-          <a:prstGeom prst="rect">
-            <a:avLst/>
-          </a:prstGeom>
-          <a:noFill/>
-          <a:ln w="9525" algn="ctr">
-            <a:noFill/>
-            <a:miter lim="800000"/>
-            <a:headEnd/>
-            <a:tailEnd/>
-          </a:ln>
-          <a:effectLst/>
-        </p:spPr>
-        <p:txBody>
-          <a:bodyPr>
-            <a:spAutoFit/>
-          </a:bodyPr>
-          <a:lstStyle/>
-          <a:p>
-            <a:pPr defTabSz="758825">
-              <a:buFont typeface="Wingdings" pitchFamily="2" charset="2"/>
-              <a:buChar char="Ø"/>
-            </a:pPr>
-            <a:r>
-              <a:rPr lang="de-DE" altLang="zh-CN" sz="3200" dirty="0">
-                <a:solidFill>
-                  <a:srgbClr val="C61829"/>
-                </a:solidFill>
-                <a:ea typeface="宋体" pitchFamily="2" charset="-122"/>
-              </a:rPr>
-              <a:t> </a:t>
-            </a:r>
-            <a:r>
-              <a:rPr lang="en-US" altLang="zh-CN" sz="3200" dirty="0" smtClean="0">
-                <a:solidFill>
-                  <a:srgbClr val="C61829"/>
-                </a:solidFill>
-                <a:ea typeface="宋体" pitchFamily="2" charset="-122"/>
-              </a:rPr>
-              <a:t>Motivation and Objective</a:t>
-            </a:r>
-          </a:p>
-          <a:p>
-            <a:pPr defTabSz="758825">
-              <a:buFont typeface="Wingdings" pitchFamily="2" charset="2"/>
-              <a:buChar char="p"/>
-            </a:pPr>
-            <a:r>
-              <a:rPr lang="en-US" altLang="zh-CN" sz="3200" dirty="0" smtClean="0">
-                <a:solidFill>
-                  <a:srgbClr val="C61829"/>
-                </a:solidFill>
-                <a:ea typeface="宋体" pitchFamily="2" charset="-122"/>
-              </a:rPr>
-              <a:t> Project Introduction</a:t>
-            </a:r>
-          </a:p>
-          <a:p>
-            <a:pPr defTabSz="758825">
-              <a:buFont typeface="Wingdings" pitchFamily="2" charset="2"/>
-              <a:buChar char="p"/>
-            </a:pPr>
-            <a:r>
-              <a:rPr lang="en-US" altLang="zh-CN" sz="3200" dirty="0" smtClean="0">
-                <a:solidFill>
-                  <a:srgbClr val="C61829"/>
-                </a:solidFill>
-                <a:ea typeface="宋体" pitchFamily="2" charset="-122"/>
-              </a:rPr>
-              <a:t> </a:t>
-            </a:r>
-            <a:r>
-              <a:rPr lang="en-US" altLang="zh-CN" sz="3200" dirty="0" err="1" smtClean="0">
-                <a:solidFill>
-                  <a:srgbClr val="C61829"/>
-                </a:solidFill>
-                <a:ea typeface="宋体" pitchFamily="2" charset="-122"/>
-              </a:rPr>
-              <a:t>Modelling</a:t>
-            </a:r>
-            <a:endParaRPr lang="en-US" altLang="zh-CN" sz="3200" dirty="0" smtClean="0">
-              <a:solidFill>
-                <a:srgbClr val="C61829"/>
-              </a:solidFill>
-              <a:ea typeface="宋体" pitchFamily="2" charset="-122"/>
-            </a:endParaRPr>
-          </a:p>
-          <a:p>
-            <a:pPr defTabSz="758825">
-              <a:buFont typeface="Wingdings" pitchFamily="2" charset="2"/>
-              <a:buChar char="p"/>
-            </a:pPr>
-            <a:r>
-              <a:rPr lang="en-US" altLang="zh-CN" sz="3200" dirty="0" smtClean="0">
-                <a:solidFill>
-                  <a:srgbClr val="C61829"/>
-                </a:solidFill>
-                <a:ea typeface="宋体" pitchFamily="2" charset="-122"/>
-              </a:rPr>
-              <a:t> Optimization</a:t>
-            </a:r>
-          </a:p>
-          <a:p>
-            <a:pPr defTabSz="758825">
-              <a:buFont typeface="Wingdings" pitchFamily="2" charset="2"/>
-              <a:buChar char="p"/>
-            </a:pPr>
-            <a:r>
-              <a:rPr lang="en-US" altLang="zh-CN" sz="3200" dirty="0" smtClean="0">
-                <a:solidFill>
-                  <a:srgbClr val="C61829"/>
-                </a:solidFill>
-                <a:ea typeface="宋体" pitchFamily="2" charset="-122"/>
-              </a:rPr>
-              <a:t> Conclusion and </a:t>
-            </a:r>
-            <a:r>
-              <a:rPr lang="en-US" altLang="zh-CN" dirty="0" smtClean="0">
-                <a:solidFill>
-                  <a:srgbClr val="C61829"/>
-                </a:solidFill>
-                <a:ea typeface="宋体" pitchFamily="2" charset="-122"/>
-              </a:rPr>
-              <a:t>Outlook</a:t>
-            </a:r>
-            <a:endParaRPr lang="en-US" altLang="zh-CN" sz="3200" dirty="0">
-              <a:solidFill>
-                <a:srgbClr val="C61829"/>
-              </a:solidFill>
-              <a:ea typeface="宋体" pitchFamily="2" charset="-122"/>
-            </a:endParaRPr>
-          </a:p>
-        </p:txBody>
-      </p:sp>
-    </p:spTree>
-  </p:cSld>
-  <p:clrMapOvr>
-    <a:masterClrMapping/>
-  </p:clrMapOvr>
-  <p:transition>
-    <p:zoom/>
-  </p:transition>
-  <p:timing>
-    <p:tnLst>
-      <p:par>
-        <p:cTn id="1" dur="indefinite" restart="never" nodeType="tmRoot"/>
-      </p:par>
-    </p:tnLst>
-  </p:timing>
-</p:sld>
-</file>
-
-<file path=ppt/slides/slide20.xml><?xml version="1.0" encoding="utf-8"?>
-<p:sld xmlns:a="http://schemas.openxmlformats.org/drawingml/2006/main" xmlns:r="http://schemas.openxmlformats.org/officeDocument/2006/relationships" xmlns:p="http://schemas.openxmlformats.org/presentationml/2006/main">
-  <p:cSld>
-    <p:spTree>
-      <p:nvGrpSpPr>
-        <p:cNvPr id="1" name=""/>
-        <p:cNvGrpSpPr/>
-        <p:nvPr/>
-      </p:nvGrpSpPr>
-      <p:grpSpPr>
-        <a:xfrm>
-          <a:off x="0" y="0"/>
-          <a:ext cx="0" cy="0"/>
-          <a:chOff x="0" y="0"/>
-          <a:chExt cx="0" cy="0"/>
-        </a:xfrm>
-      </p:grpSpPr>
-      <p:sp>
-        <p:nvSpPr>
-          <p:cNvPr id="179202" name="Rectangle 2"/>
-          <p:cNvSpPr>
-            <a:spLocks noGrp="1" noChangeArrowheads="1"/>
-          </p:cNvSpPr>
-          <p:nvPr>
-            <p:ph type="title"/>
-          </p:nvPr>
-        </p:nvSpPr>
-        <p:spPr/>
-        <p:txBody>
-          <a:bodyPr/>
-          <a:lstStyle/>
-          <a:p>
-            <a:r>
-              <a:rPr lang="de-DE" altLang="zh-CN" dirty="0" err="1" smtClean="0">
-                <a:solidFill>
-                  <a:srgbClr val="C61829"/>
-                </a:solidFill>
-                <a:ea typeface="宋体" pitchFamily="2" charset="-122"/>
-              </a:rPr>
-              <a:t>Overview</a:t>
-            </a:r>
-            <a:endParaRPr lang="en-US" altLang="zh-CN" dirty="0" smtClean="0">
-              <a:solidFill>
-                <a:srgbClr val="C61829"/>
-              </a:solidFill>
-              <a:ea typeface="宋体" pitchFamily="2" charset="-122"/>
-            </a:endParaRPr>
-          </a:p>
-        </p:txBody>
-      </p:sp>
-      <p:sp>
-        <p:nvSpPr>
-          <p:cNvPr id="179203" name="Text Box 3"/>
-          <p:cNvSpPr txBox="1">
-            <a:spLocks noChangeArrowheads="1"/>
-          </p:cNvSpPr>
-          <p:nvPr/>
-        </p:nvSpPr>
-        <p:spPr bwMode="auto">
-          <a:xfrm>
-            <a:off x="663575" y="1111250"/>
-            <a:ext cx="7724775" cy="3631763"/>
-          </a:xfrm>
-          <a:prstGeom prst="rect">
-            <a:avLst/>
-          </a:prstGeom>
-          <a:noFill/>
-          <a:ln w="9525" algn="ctr">
-            <a:noFill/>
-            <a:miter lim="800000"/>
-            <a:headEnd/>
-            <a:tailEnd/>
-          </a:ln>
-          <a:effectLst/>
-        </p:spPr>
-        <p:txBody>
-          <a:bodyPr>
-            <a:spAutoFit/>
-          </a:bodyPr>
-          <a:lstStyle/>
-          <a:p>
-            <a:pPr defTabSz="758825">
-              <a:buFont typeface="Wingdings" pitchFamily="2" charset="2"/>
-              <a:buChar char="ü"/>
-            </a:pPr>
-            <a:r>
-              <a:rPr lang="de-DE" altLang="zh-CN" sz="3200" dirty="0">
-                <a:solidFill>
-                  <a:srgbClr val="C61829"/>
-                </a:solidFill>
-                <a:ea typeface="宋体" pitchFamily="2" charset="-122"/>
-              </a:rPr>
-              <a:t> </a:t>
-            </a:r>
-            <a:r>
-              <a:rPr lang="de-DE" altLang="zh-CN" sz="3200" dirty="0" smtClean="0">
-                <a:solidFill>
-                  <a:srgbClr val="C61829"/>
-                </a:solidFill>
-                <a:ea typeface="宋体" pitchFamily="2" charset="-122"/>
-              </a:rPr>
-              <a:t>M</a:t>
-            </a:r>
-            <a:r>
-              <a:rPr lang="en-US" altLang="zh-CN" sz="3200" dirty="0" err="1" smtClean="0">
-                <a:solidFill>
-                  <a:srgbClr val="C61829"/>
-                </a:solidFill>
-                <a:ea typeface="宋体" pitchFamily="2" charset="-122"/>
-              </a:rPr>
-              <a:t>otivation</a:t>
-            </a:r>
-            <a:r>
-              <a:rPr lang="en-US" altLang="zh-CN" sz="3200" dirty="0" smtClean="0">
-                <a:solidFill>
-                  <a:srgbClr val="C61829"/>
-                </a:solidFill>
-                <a:ea typeface="宋体" pitchFamily="2" charset="-122"/>
-              </a:rPr>
-              <a:t> and Objective</a:t>
-            </a:r>
-            <a:endParaRPr lang="de-DE" altLang="zh-CN" sz="3200" dirty="0" smtClean="0">
-              <a:solidFill>
-                <a:srgbClr val="C61829"/>
-              </a:solidFill>
-              <a:ea typeface="宋体" pitchFamily="2" charset="-122"/>
-            </a:endParaRPr>
-          </a:p>
-          <a:p>
-            <a:pPr defTabSz="758825">
-              <a:buFont typeface="Wingdings" pitchFamily="2" charset="2"/>
-              <a:buChar char="ü"/>
-            </a:pPr>
-            <a:r>
-              <a:rPr lang="de-DE" altLang="zh-CN" sz="3200" dirty="0" err="1" smtClean="0">
-                <a:solidFill>
-                  <a:srgbClr val="C61829"/>
-                </a:solidFill>
-                <a:ea typeface="宋体" pitchFamily="2" charset="-122"/>
-              </a:rPr>
-              <a:t>Pr</a:t>
-            </a:r>
-            <a:r>
-              <a:rPr lang="en-US" altLang="zh-CN" sz="3200" dirty="0" err="1" smtClean="0">
-                <a:solidFill>
-                  <a:srgbClr val="C61829"/>
-                </a:solidFill>
-                <a:ea typeface="宋体" pitchFamily="2" charset="-122"/>
-              </a:rPr>
-              <a:t>oject</a:t>
-            </a:r>
-            <a:r>
-              <a:rPr lang="en-US" altLang="zh-CN" sz="3200" dirty="0" smtClean="0">
-                <a:solidFill>
-                  <a:srgbClr val="C61829"/>
-                </a:solidFill>
-                <a:ea typeface="宋体" pitchFamily="2" charset="-122"/>
-              </a:rPr>
-              <a:t> Introduction</a:t>
-            </a:r>
-            <a:endParaRPr lang="de-DE" altLang="zh-CN" sz="3200" dirty="0" smtClean="0">
-              <a:solidFill>
-                <a:srgbClr val="C61829"/>
-              </a:solidFill>
-              <a:ea typeface="宋体" pitchFamily="2" charset="-122"/>
-            </a:endParaRPr>
-          </a:p>
-          <a:p>
-            <a:pPr defTabSz="758825">
-              <a:buFont typeface="Wingdings" pitchFamily="2" charset="2"/>
-              <a:buChar char="ü"/>
-            </a:pPr>
-            <a:r>
-              <a:rPr lang="de-DE" altLang="zh-CN" sz="3200" dirty="0" smtClean="0">
-                <a:solidFill>
-                  <a:srgbClr val="C61829"/>
-                </a:solidFill>
-                <a:ea typeface="宋体" pitchFamily="2" charset="-122"/>
-              </a:rPr>
-              <a:t> </a:t>
-            </a:r>
-            <a:r>
-              <a:rPr lang="en-US" altLang="zh-CN" sz="3200" dirty="0" err="1" smtClean="0">
-                <a:solidFill>
-                  <a:srgbClr val="C61829"/>
-                </a:solidFill>
-                <a:ea typeface="宋体" pitchFamily="2" charset="-122"/>
-              </a:rPr>
-              <a:t>Modelling</a:t>
-            </a:r>
-            <a:endParaRPr lang="de-DE" altLang="zh-CN" sz="3200" dirty="0" smtClean="0">
-              <a:solidFill>
-                <a:srgbClr val="C61829"/>
-              </a:solidFill>
-              <a:ea typeface="宋体" pitchFamily="2" charset="-122"/>
-            </a:endParaRPr>
-          </a:p>
-          <a:p>
-            <a:pPr defTabSz="758825">
-              <a:buFont typeface="Wingdings" pitchFamily="2" charset="2"/>
-              <a:buChar char="ü"/>
-            </a:pPr>
-            <a:r>
-              <a:rPr lang="de-DE" altLang="zh-CN" sz="3200" dirty="0" smtClean="0">
-                <a:solidFill>
-                  <a:srgbClr val="C61829"/>
-                </a:solidFill>
-                <a:ea typeface="宋体" pitchFamily="2" charset="-122"/>
-              </a:rPr>
-              <a:t> O</a:t>
-            </a:r>
-            <a:r>
-              <a:rPr lang="en-US" altLang="zh-CN" sz="3200" dirty="0" err="1" smtClean="0">
-                <a:solidFill>
-                  <a:srgbClr val="C61829"/>
-                </a:solidFill>
-                <a:ea typeface="宋体" pitchFamily="2" charset="-122"/>
-              </a:rPr>
-              <a:t>ptimization</a:t>
-            </a:r>
-            <a:endParaRPr lang="de-DE" altLang="zh-CN" sz="3200" dirty="0">
-              <a:solidFill>
-                <a:srgbClr val="C61829"/>
-              </a:solidFill>
-              <a:ea typeface="宋体" pitchFamily="2" charset="-122"/>
-            </a:endParaRPr>
-          </a:p>
-          <a:p>
-            <a:pPr defTabSz="758825">
-              <a:buFont typeface="Wingdings" pitchFamily="2" charset="2"/>
-              <a:buChar char="Ø"/>
-            </a:pPr>
-            <a:r>
-              <a:rPr lang="de-DE" altLang="zh-CN" sz="3200" dirty="0">
-                <a:solidFill>
-                  <a:srgbClr val="C61829"/>
-                </a:solidFill>
-                <a:ea typeface="宋体" pitchFamily="2" charset="-122"/>
-              </a:rPr>
-              <a:t> </a:t>
-            </a:r>
-            <a:r>
-              <a:rPr lang="de-DE" altLang="zh-CN" sz="3200" dirty="0" smtClean="0">
-                <a:solidFill>
-                  <a:srgbClr val="C61829"/>
-                </a:solidFill>
-                <a:ea typeface="宋体" pitchFamily="2" charset="-122"/>
-              </a:rPr>
-              <a:t>C</a:t>
-            </a:r>
-            <a:r>
-              <a:rPr lang="en-US" altLang="zh-CN" sz="3200" dirty="0" err="1" smtClean="0">
-                <a:solidFill>
-                  <a:srgbClr val="C61829"/>
-                </a:solidFill>
-                <a:ea typeface="宋体" pitchFamily="2" charset="-122"/>
-              </a:rPr>
-              <a:t>onclusion</a:t>
-            </a:r>
-            <a:r>
-              <a:rPr lang="en-US" altLang="zh-CN" sz="3200" dirty="0" smtClean="0">
-                <a:solidFill>
-                  <a:srgbClr val="C61829"/>
-                </a:solidFill>
-                <a:ea typeface="宋体" pitchFamily="2" charset="-122"/>
-              </a:rPr>
-              <a:t> and Outlook</a:t>
-            </a:r>
-            <a:endParaRPr lang="en-US" altLang="zh-CN" sz="3200" dirty="0">
-              <a:solidFill>
-                <a:srgbClr val="C61829"/>
-              </a:solidFill>
-              <a:ea typeface="宋体" pitchFamily="2" charset="-122"/>
-            </a:endParaRPr>
-          </a:p>
-        </p:txBody>
-      </p:sp>
-    </p:spTree>
-  </p:cSld>
-  <p:clrMapOvr>
-    <a:masterClrMapping/>
-  </p:clrMapOvr>
-  <p:transition>
-    <p:zoom/>
-  </p:transition>
-  <p:timing>
-    <p:tnLst>
-      <p:par>
-        <p:cTn id="1" dur="indefinite" restart="never" nodeType="tmRoot"/>
-      </p:par>
-    </p:tnLst>
-  </p:timing>
-</p:sld>
-</file>
-
-<file path=ppt/slides/slide21.xml><?xml version="1.0" encoding="utf-8"?>
-<p:sld xmlns:a="http://schemas.openxmlformats.org/drawingml/2006/main" xmlns:r="http://schemas.openxmlformats.org/officeDocument/2006/relationships" xmlns:p="http://schemas.openxmlformats.org/presentationml/2006/main">
-  <p:cSld>
-    <p:spTree>
-      <p:nvGrpSpPr>
-        <p:cNvPr id="1" name=""/>
-        <p:cNvGrpSpPr/>
-        <p:nvPr/>
-      </p:nvGrpSpPr>
-      <p:grpSpPr>
-        <a:xfrm>
-          <a:off x="0" y="0"/>
-          <a:ext cx="0" cy="0"/>
-          <a:chOff x="0" y="0"/>
-          <a:chExt cx="0" cy="0"/>
-        </a:xfrm>
-      </p:grpSpPr>
-      <p:sp>
-        <p:nvSpPr>
-          <p:cNvPr id="2" name="Titel 1"/>
-          <p:cNvSpPr>
-            <a:spLocks noGrp="1"/>
-          </p:cNvSpPr>
-          <p:nvPr>
-            <p:ph type="title"/>
-          </p:nvPr>
-        </p:nvSpPr>
-        <p:spPr/>
-        <p:txBody>
-          <a:bodyPr/>
-          <a:lstStyle/>
-          <a:p>
-            <a:r>
-              <a:rPr lang="de-DE" altLang="zh-CN" sz="4000" dirty="0" smtClean="0">
-                <a:solidFill>
-                  <a:srgbClr val="C61829"/>
-                </a:solidFill>
-                <a:ea typeface="宋体" pitchFamily="2" charset="-122"/>
-              </a:rPr>
-              <a:t>C</a:t>
-            </a:r>
-            <a:r>
-              <a:rPr lang="en-US" altLang="zh-CN" sz="4000" dirty="0" err="1" smtClean="0">
-                <a:solidFill>
-                  <a:srgbClr val="C61829"/>
-                </a:solidFill>
-                <a:ea typeface="宋体" pitchFamily="2" charset="-122"/>
-              </a:rPr>
-              <a:t>onclusion</a:t>
-            </a:r>
-            <a:r>
-              <a:rPr lang="en-US" altLang="zh-CN" sz="4000" dirty="0" smtClean="0">
-                <a:solidFill>
-                  <a:srgbClr val="C61829"/>
-                </a:solidFill>
-                <a:ea typeface="宋体" pitchFamily="2" charset="-122"/>
-              </a:rPr>
-              <a:t> and Outlook</a:t>
-            </a:r>
-            <a:endParaRPr lang="zh-CN" altLang="en-US" dirty="0"/>
-          </a:p>
-        </p:txBody>
-      </p:sp>
-      <p:sp>
-        <p:nvSpPr>
-          <p:cNvPr id="3" name="Inhaltsplatzhalter 2"/>
-          <p:cNvSpPr>
-            <a:spLocks noGrp="1"/>
-          </p:cNvSpPr>
-          <p:nvPr>
-            <p:ph idx="1"/>
-          </p:nvPr>
-        </p:nvSpPr>
-        <p:spPr/>
-        <p:txBody>
-          <a:bodyPr/>
-          <a:lstStyle/>
-          <a:p>
-            <a:r>
-              <a:rPr lang="de-DE" altLang="zh-CN" dirty="0" smtClean="0"/>
-              <a:t>New </a:t>
-            </a:r>
-            <a:r>
-              <a:rPr lang="de-DE" altLang="zh-CN" dirty="0" err="1" smtClean="0"/>
-              <a:t>refrative</a:t>
-            </a:r>
-            <a:r>
-              <a:rPr lang="de-DE" altLang="zh-CN" dirty="0" smtClean="0"/>
-              <a:t> Index: </a:t>
-            </a:r>
-            <a:r>
-              <a:rPr lang="de-DE" altLang="zh-CN" dirty="0" err="1" smtClean="0"/>
-              <a:t>about</a:t>
-            </a:r>
-            <a:r>
-              <a:rPr lang="de-DE" altLang="zh-CN" dirty="0" smtClean="0"/>
-              <a:t> 62.6% </a:t>
-            </a:r>
-            <a:r>
-              <a:rPr lang="de-DE" altLang="zh-CN" dirty="0" err="1" smtClean="0"/>
-              <a:t>for</a:t>
-            </a:r>
-            <a:r>
-              <a:rPr lang="de-DE" altLang="zh-CN" dirty="0" smtClean="0"/>
-              <a:t> n = 1.8</a:t>
-            </a:r>
-          </a:p>
-          <a:p>
-            <a:r>
-              <a:rPr lang="de-DE" altLang="zh-CN" dirty="0" err="1" smtClean="0"/>
-              <a:t>Tapered</a:t>
-            </a:r>
-            <a:r>
-              <a:rPr lang="de-DE" altLang="zh-CN" dirty="0" smtClean="0"/>
-              <a:t> </a:t>
-            </a:r>
-            <a:r>
-              <a:rPr lang="de-DE" altLang="zh-CN" dirty="0" err="1" smtClean="0"/>
-              <a:t>waveguide</a:t>
-            </a:r>
-            <a:r>
-              <a:rPr lang="de-DE" altLang="zh-CN" dirty="0" smtClean="0"/>
-              <a:t>: </a:t>
-            </a:r>
-            <a:r>
-              <a:rPr lang="de-DE" altLang="zh-CN" dirty="0" err="1" smtClean="0"/>
-              <a:t>ratio</a:t>
-            </a:r>
-            <a:r>
-              <a:rPr lang="de-DE" altLang="zh-CN" dirty="0" smtClean="0"/>
-              <a:t> = </a:t>
-            </a:r>
-            <a:r>
-              <a:rPr lang="de-DE" altLang="zh-CN" dirty="0" err="1" smtClean="0"/>
-              <a:t>L</a:t>
-            </a:r>
-            <a:r>
-              <a:rPr lang="de-DE" altLang="zh-CN" sz="1600" dirty="0" err="1" smtClean="0"/>
-              <a:t>taper</a:t>
-            </a:r>
-            <a:r>
-              <a:rPr lang="de-DE" altLang="zh-CN" dirty="0" smtClean="0"/>
-              <a:t>/d</a:t>
-            </a:r>
-            <a:r>
-              <a:rPr lang="de-DE" altLang="zh-CN" sz="1600" dirty="0" smtClean="0"/>
-              <a:t>1</a:t>
-            </a:r>
-            <a:r>
-              <a:rPr lang="de-DE" altLang="zh-CN" dirty="0" smtClean="0"/>
-              <a:t>, 54%</a:t>
-            </a:r>
-          </a:p>
-          <a:p>
-            <a:r>
-              <a:rPr lang="de-DE" altLang="zh-CN" dirty="0" err="1" smtClean="0"/>
-              <a:t>Lensed</a:t>
-            </a:r>
-            <a:r>
-              <a:rPr lang="de-DE" altLang="zh-CN" dirty="0" smtClean="0"/>
-              <a:t> </a:t>
-            </a:r>
-            <a:r>
-              <a:rPr lang="de-DE" altLang="zh-CN" dirty="0" err="1" smtClean="0"/>
-              <a:t>waveguide</a:t>
-            </a:r>
-            <a:r>
-              <a:rPr lang="de-DE" altLang="zh-CN" dirty="0" smtClean="0"/>
-              <a:t>:  </a:t>
-            </a:r>
-            <a:r>
-              <a:rPr lang="de-DE" altLang="zh-CN" dirty="0" err="1" smtClean="0"/>
-              <a:t>Hemisphere</a:t>
-            </a:r>
-            <a:r>
-              <a:rPr lang="de-DE" altLang="zh-CN" dirty="0" smtClean="0"/>
-              <a:t> </a:t>
-            </a:r>
-            <a:r>
-              <a:rPr lang="de-DE" altLang="zh-CN" dirty="0" err="1" smtClean="0"/>
-              <a:t>lens</a:t>
-            </a:r>
-            <a:r>
-              <a:rPr lang="de-DE" altLang="zh-CN" dirty="0" smtClean="0"/>
-              <a:t>, 69%</a:t>
-            </a:r>
-            <a:endParaRPr lang="zh-CN" altLang="en-US" dirty="0"/>
-          </a:p>
-        </p:txBody>
-      </p:sp>
-    </p:spTree>
-  </p:cSld>
-  <p:clrMapOvr>
-    <a:masterClrMapping/>
-  </p:clrMapOvr>
-  <p:transition>
-    <p:zoom/>
-  </p:transition>
-  <p:timing>
-    <p:tnLst>
-      <p:par>
-        <p:cTn id="1" dur="indefinite" restart="never" nodeType="tmRoot"/>
-      </p:par>
-    </p:tnLst>
-  </p:timing>
-</p:sld>
-</file>
-
-<file path=ppt/slides/slide22.xml><?xml version="1.0" encoding="utf-8"?>
-<p:sld xmlns:a="http://schemas.openxmlformats.org/drawingml/2006/main" xmlns:r="http://schemas.openxmlformats.org/officeDocument/2006/relationships" xmlns:p="http://schemas.openxmlformats.org/presentationml/2006/main">
-  <p:cSld>
-    <p:spTree>
-      <p:nvGrpSpPr>
-        <p:cNvPr id="1" name=""/>
-        <p:cNvGrpSpPr/>
-        <p:nvPr/>
-      </p:nvGrpSpPr>
-      <p:grpSpPr>
-        <a:xfrm>
-          <a:off x="0" y="0"/>
-          <a:ext cx="0" cy="0"/>
-          <a:chOff x="0" y="0"/>
-          <a:chExt cx="0" cy="0"/>
-        </a:xfrm>
-      </p:grpSpPr>
-      <p:sp>
-        <p:nvSpPr>
-          <p:cNvPr id="143362" name="Rectangle 2"/>
-          <p:cNvSpPr>
-            <a:spLocks noGrp="1" noChangeArrowheads="1"/>
-          </p:cNvSpPr>
-          <p:nvPr>
-            <p:ph type="body" idx="1"/>
-          </p:nvPr>
-        </p:nvSpPr>
-        <p:spPr>
-          <a:xfrm>
-            <a:off x="34925" y="2608263"/>
-            <a:ext cx="9007475" cy="1816100"/>
-          </a:xfrm>
-        </p:spPr>
-        <p:txBody>
-          <a:bodyPr/>
-          <a:lstStyle/>
-          <a:p>
-            <a:pPr algn="ctr">
-              <a:buFontTx/>
-              <a:buNone/>
-            </a:pPr>
-            <a:r>
-              <a:rPr lang="en-US" altLang="zh-CN" sz="4000" i="1" dirty="0" smtClean="0">
-                <a:ea typeface="宋体" pitchFamily="2" charset="-122"/>
-              </a:rPr>
-              <a:t>Thank you </a:t>
-            </a:r>
-          </a:p>
-          <a:p>
-            <a:pPr algn="ctr">
-              <a:buFontTx/>
-              <a:buNone/>
-            </a:pPr>
-            <a:r>
-              <a:rPr lang="en-US" altLang="zh-CN" sz="4000" i="1" dirty="0" smtClean="0">
-                <a:ea typeface="宋体" pitchFamily="2" charset="-122"/>
-              </a:rPr>
-              <a:t>For your attention</a:t>
-            </a:r>
-          </a:p>
-        </p:txBody>
-      </p:sp>
-    </p:spTree>
-  </p:cSld>
-  <p:clrMapOvr>
-    <a:masterClrMapping/>
-  </p:clrMapOvr>
-  <p:transition>
-    <p:zoom/>
-  </p:transition>
-  <p:timing>
-    <p:tnLst>
-      <p:par>
-        <p:cTn id="1" dur="indefinite" restart="never" nodeType="tmRoot"/>
-      </p:par>
-    </p:tnLst>
-  </p:timing>
-</p:sld>
-</file>
-
-<file path=ppt/slides/slide23.xml><?xml version="1.0" encoding="utf-8"?>
-<p:sld xmlns:a="http://schemas.openxmlformats.org/drawingml/2006/main" xmlns:r="http://schemas.openxmlformats.org/officeDocument/2006/relationships" xmlns:p="http://schemas.openxmlformats.org/presentationml/2006/main">
-  <p:cSld>
-    <p:spTree>
-      <p:nvGrpSpPr>
-        <p:cNvPr id="1" name=""/>
-        <p:cNvGrpSpPr/>
-        <p:nvPr/>
-      </p:nvGrpSpPr>
-      <p:grpSpPr>
-        <a:xfrm>
-          <a:off x="0" y="0"/>
-          <a:ext cx="0" cy="0"/>
-          <a:chOff x="0" y="0"/>
-          <a:chExt cx="0" cy="0"/>
-        </a:xfrm>
-      </p:grpSpPr>
-      <p:sp>
-        <p:nvSpPr>
-          <p:cNvPr id="87042" name="Rectangle 2"/>
-          <p:cNvSpPr>
-            <a:spLocks noGrp="1" noChangeArrowheads="1"/>
-          </p:cNvSpPr>
-          <p:nvPr>
-            <p:ph type="title"/>
-          </p:nvPr>
-        </p:nvSpPr>
-        <p:spPr/>
-        <p:txBody>
-          <a:bodyPr/>
-          <a:lstStyle/>
-          <a:p>
-            <a:r>
-              <a:rPr lang="de-DE" altLang="zh-CN" dirty="0" smtClean="0">
-                <a:ea typeface="宋体" pitchFamily="2" charset="-122"/>
-              </a:rPr>
-              <a:t>Reference</a:t>
-            </a:r>
-            <a:endParaRPr lang="en-US" altLang="zh-CN" dirty="0" smtClean="0">
-              <a:ea typeface="宋体" pitchFamily="2" charset="-122"/>
-            </a:endParaRPr>
-          </a:p>
-        </p:txBody>
-      </p:sp>
-      <p:sp>
-        <p:nvSpPr>
-          <p:cNvPr id="87043" name="Rectangle 3"/>
-          <p:cNvSpPr>
-            <a:spLocks noGrp="1" noChangeArrowheads="1"/>
-          </p:cNvSpPr>
-          <p:nvPr>
-            <p:ph type="body" idx="1"/>
-          </p:nvPr>
-        </p:nvSpPr>
-        <p:spPr>
-          <a:xfrm>
-            <a:off x="41275" y="836613"/>
-            <a:ext cx="9007475" cy="5688012"/>
-          </a:xfrm>
-        </p:spPr>
-        <p:txBody>
-          <a:bodyPr/>
-          <a:lstStyle/>
-          <a:p>
-            <a:pPr marL="457200" indent="-457200">
-              <a:buNone/>
-            </a:pPr>
-            <a:r>
-              <a:rPr lang="en-US" altLang="zh-CN" sz="1800" b="0" dirty="0" smtClean="0">
-                <a:solidFill>
-                  <a:schemeClr val="tx1"/>
-                </a:solidFill>
-                <a:ea typeface="宋体" pitchFamily="2" charset="-122"/>
-              </a:rPr>
-              <a:t>1.   C.W.BarnardandJ.W.Y.Lit,“Modetransformingpropertiesoftaperedsingle-</a:t>
-            </a:r>
-          </a:p>
-          <a:p>
-            <a:pPr marL="457200" indent="-457200">
-              <a:buNone/>
-            </a:pPr>
-            <a:r>
-              <a:rPr lang="en-US" altLang="zh-CN" sz="1800" b="0" dirty="0" smtClean="0">
-                <a:solidFill>
-                  <a:schemeClr val="tx1"/>
-                </a:solidFill>
-                <a:ea typeface="宋体" pitchFamily="2" charset="-122"/>
-              </a:rPr>
-              <a:t>        </a:t>
-            </a:r>
-            <a:r>
-              <a:rPr lang="en-US" altLang="zh-CN" sz="1800" b="0" dirty="0" err="1" smtClean="0">
-                <a:solidFill>
-                  <a:schemeClr val="tx1"/>
-                </a:solidFill>
-                <a:ea typeface="宋体" pitchFamily="2" charset="-122"/>
-              </a:rPr>
-              <a:t>modeﬁbermicrolenses</a:t>
-            </a:r>
-            <a:r>
-              <a:rPr lang="en-US" altLang="zh-CN" sz="1800" b="0" dirty="0" smtClean="0">
-                <a:solidFill>
-                  <a:schemeClr val="tx1"/>
-                </a:solidFill>
-                <a:ea typeface="宋体" pitchFamily="2" charset="-122"/>
-              </a:rPr>
-              <a:t>,” APPLIEDOPTICS.,vol.Vol.32,pp.2090–2094,</a:t>
-            </a:r>
-          </a:p>
-          <a:p>
-            <a:pPr marL="457200" indent="-457200">
-              <a:buNone/>
-            </a:pPr>
-            <a:r>
-              <a:rPr lang="en-US" altLang="zh-CN" sz="1800" b="0" dirty="0" smtClean="0">
-                <a:solidFill>
-                  <a:schemeClr val="tx1"/>
-                </a:solidFill>
-                <a:ea typeface="宋体" pitchFamily="2" charset="-122"/>
-              </a:rPr>
-              <a:t>        1993.</a:t>
-            </a:r>
-          </a:p>
-          <a:p>
-            <a:pPr marL="457200" indent="-457200">
-              <a:buNone/>
-            </a:pPr>
-            <a:r>
-              <a:rPr lang="en-US" altLang="zh-CN" sz="1800" b="0" dirty="0" smtClean="0">
-                <a:solidFill>
-                  <a:schemeClr val="tx1"/>
-                </a:solidFill>
-                <a:ea typeface="宋体" pitchFamily="2" charset="-122"/>
-              </a:rPr>
-              <a:t>2.     B.Z.L.Yang,D.X.DaiandS.L.He,“Characteristicanalysisoftaperedlens</a:t>
-            </a:r>
-          </a:p>
-          <a:p>
-            <a:pPr marL="457200" indent="-457200">
-              <a:buNone/>
-            </a:pPr>
-            <a:r>
-              <a:rPr lang="en-US" altLang="zh-CN" sz="1800" b="0" dirty="0" smtClean="0">
-                <a:solidFill>
-                  <a:schemeClr val="tx1"/>
-                </a:solidFill>
-                <a:ea typeface="宋体" pitchFamily="2" charset="-122"/>
-              </a:rPr>
-              <a:t>       </a:t>
-            </a:r>
-            <a:r>
-              <a:rPr lang="en-US" altLang="zh-CN" sz="1800" b="0" dirty="0" err="1" smtClean="0">
-                <a:solidFill>
-                  <a:schemeClr val="tx1"/>
-                </a:solidFill>
-                <a:ea typeface="宋体" pitchFamily="2" charset="-122"/>
-              </a:rPr>
-              <a:t>ﬁbersforlightfocusingandbutt-couplingtoasiliconribwaveguide</a:t>
-            </a:r>
-            <a:r>
-              <a:rPr lang="en-US" altLang="zh-CN" sz="1800" b="0" dirty="0" smtClean="0">
-                <a:solidFill>
-                  <a:schemeClr val="tx1"/>
-                </a:solidFill>
-                <a:ea typeface="宋体" pitchFamily="2" charset="-122"/>
-              </a:rPr>
-              <a:t>,” APPLIED OPTICS.,vol.Vol.48,pp.672–678,2009.</a:t>
-            </a:r>
-          </a:p>
-          <a:p>
-            <a:pPr marL="457200" indent="-457200">
-              <a:buNone/>
-            </a:pPr>
-            <a:r>
-              <a:rPr lang="en-US" altLang="zh-CN" sz="1800" b="0" dirty="0" smtClean="0">
-                <a:solidFill>
-                  <a:schemeClr val="tx1"/>
-                </a:solidFill>
-                <a:ea typeface="宋体" pitchFamily="2" charset="-122"/>
-              </a:rPr>
-              <a:t>3.    </a:t>
-            </a:r>
-            <a:r>
-              <a:rPr lang="en-US" altLang="zh-CN" sz="1800" b="0" dirty="0" err="1" smtClean="0">
-                <a:solidFill>
-                  <a:schemeClr val="tx1"/>
-                </a:solidFill>
-                <a:ea typeface="宋体" pitchFamily="2" charset="-122"/>
-              </a:rPr>
-              <a:t>N.Burt,“Designandfabricationoftaperedwaveguidesin</a:t>
-            </a:r>
-            <a:r>
-              <a:rPr lang="en-US" altLang="zh-CN" sz="1800" b="0" dirty="0" smtClean="0">
-                <a:solidFill>
-                  <a:schemeClr val="tx1"/>
-                </a:solidFill>
-                <a:ea typeface="宋体" pitchFamily="2" charset="-122"/>
-              </a:rPr>
-              <a:t> </a:t>
-            </a:r>
-            <a:r>
-              <a:rPr lang="en-US" altLang="zh-CN" sz="1800" b="0" dirty="0" err="1" smtClean="0">
-                <a:solidFill>
-                  <a:schemeClr val="tx1"/>
-                </a:solidFill>
-                <a:ea typeface="宋体" pitchFamily="2" charset="-122"/>
-              </a:rPr>
-              <a:t>algaasforcoupling</a:t>
-            </a:r>
-            <a:endParaRPr lang="en-US" altLang="zh-CN" sz="1800" b="0" dirty="0" smtClean="0">
-              <a:solidFill>
-                <a:schemeClr val="tx1"/>
-              </a:solidFill>
-              <a:ea typeface="宋体" pitchFamily="2" charset="-122"/>
-            </a:endParaRPr>
-          </a:p>
-          <a:p>
-            <a:pPr marL="457200" indent="-457200">
-              <a:buNone/>
-            </a:pPr>
-            <a:r>
-              <a:rPr lang="en-US" altLang="zh-CN" sz="1800" b="0" dirty="0" smtClean="0">
-                <a:solidFill>
-                  <a:schemeClr val="tx1"/>
-                </a:solidFill>
-                <a:ea typeface="宋体" pitchFamily="2" charset="-122"/>
-              </a:rPr>
-              <a:t>        </a:t>
-            </a:r>
-            <a:r>
-              <a:rPr lang="en-US" altLang="zh-CN" sz="1800" b="0" dirty="0" err="1" smtClean="0">
-                <a:solidFill>
-                  <a:schemeClr val="tx1"/>
-                </a:solidFill>
-                <a:ea typeface="宋体" pitchFamily="2" charset="-122"/>
-              </a:rPr>
-              <a:t>lightinnanoscaleoptoelectronicdevices</a:t>
-            </a:r>
-            <a:r>
-              <a:rPr lang="en-US" altLang="zh-CN" sz="1800" b="0" dirty="0" smtClean="0">
-                <a:solidFill>
-                  <a:schemeClr val="tx1"/>
-                </a:solidFill>
-                <a:ea typeface="宋体" pitchFamily="2" charset="-122"/>
-              </a:rPr>
-              <a:t>,” </a:t>
-            </a:r>
-            <a:r>
-              <a:rPr lang="en-US" altLang="zh-CN" sz="1800" b="0" dirty="0" err="1" smtClean="0">
-                <a:solidFill>
-                  <a:schemeClr val="tx1"/>
-                </a:solidFill>
-                <a:ea typeface="宋体" pitchFamily="2" charset="-122"/>
-              </a:rPr>
-              <a:t>NNINREUResearchAccomplish</a:t>
-            </a:r>
-            <a:r>
-              <a:rPr lang="en-US" altLang="zh-CN" sz="1800" b="0" dirty="0" smtClean="0">
-                <a:solidFill>
-                  <a:schemeClr val="tx1"/>
-                </a:solidFill>
-                <a:ea typeface="宋体" pitchFamily="2" charset="-122"/>
-              </a:rPr>
-              <a:t>-</a:t>
-            </a:r>
-          </a:p>
-          <a:p>
-            <a:pPr marL="457200" indent="-457200">
-              <a:buNone/>
-            </a:pPr>
-            <a:r>
-              <a:rPr lang="en-US" altLang="zh-CN" sz="1800" b="0" dirty="0" smtClean="0">
-                <a:solidFill>
-                  <a:schemeClr val="tx1"/>
-                </a:solidFill>
-                <a:ea typeface="宋体" pitchFamily="2" charset="-122"/>
-              </a:rPr>
-              <a:t>        ments,pp.28–29,2004.</a:t>
-            </a:r>
-          </a:p>
-          <a:p>
-            <a:pPr marL="457200" indent="-457200">
-              <a:buNone/>
-            </a:pPr>
-            <a:r>
-              <a:rPr lang="en-US" altLang="zh-CN" sz="1800" b="0" dirty="0" smtClean="0">
-                <a:solidFill>
-                  <a:schemeClr val="tx1"/>
-                </a:solidFill>
-                <a:ea typeface="宋体" pitchFamily="2" charset="-122"/>
-              </a:rPr>
-              <a:t>4.     P.L.-</a:t>
-            </a:r>
-            <a:r>
-              <a:rPr lang="en-US" altLang="zh-CN" sz="1800" b="0" dirty="0" err="1" smtClean="0">
-                <a:solidFill>
-                  <a:schemeClr val="tx1"/>
-                </a:solidFill>
-                <a:ea typeface="宋体" pitchFamily="2" charset="-122"/>
-              </a:rPr>
-              <a:t>P.C.Alonso</a:t>
-            </a:r>
-            <a:r>
-              <a:rPr lang="en-US" altLang="zh-CN" sz="1800" b="0" dirty="0" smtClean="0">
-                <a:solidFill>
-                  <a:schemeClr val="tx1"/>
-                </a:solidFill>
-                <a:ea typeface="宋体" pitchFamily="2" charset="-122"/>
-              </a:rPr>
-              <a:t>-</a:t>
-            </a:r>
-            <a:r>
-              <a:rPr lang="en-US" altLang="zh-CN" sz="1800" b="0" dirty="0" err="1" smtClean="0">
-                <a:solidFill>
-                  <a:schemeClr val="tx1"/>
-                </a:solidFill>
-                <a:ea typeface="宋体" pitchFamily="2" charset="-122"/>
-              </a:rPr>
-              <a:t>Ramos,A.Ortega</a:t>
-            </a:r>
-            <a:r>
-              <a:rPr lang="en-US" altLang="zh-CN" sz="1800" b="0" dirty="0" smtClean="0">
-                <a:solidFill>
-                  <a:schemeClr val="tx1"/>
-                </a:solidFill>
-                <a:ea typeface="宋体" pitchFamily="2" charset="-122"/>
-              </a:rPr>
-              <a:t>-</a:t>
-            </a:r>
-            <a:r>
-              <a:rPr lang="en-US" altLang="zh-CN" sz="1800" b="0" dirty="0" err="1" smtClean="0">
-                <a:solidFill>
-                  <a:schemeClr val="tx1"/>
-                </a:solidFill>
-                <a:ea typeface="宋体" pitchFamily="2" charset="-122"/>
-              </a:rPr>
-              <a:t>MoñuxandR.Halir,“Efﬁcientﬁber</a:t>
-            </a:r>
-            <a:r>
-              <a:rPr lang="en-US" altLang="zh-CN" sz="1800" b="0" dirty="0" smtClean="0">
-                <a:solidFill>
-                  <a:schemeClr val="tx1"/>
-                </a:solidFill>
-                <a:ea typeface="宋体" pitchFamily="2" charset="-122"/>
-              </a:rPr>
-              <a:t>-to-</a:t>
-            </a:r>
-          </a:p>
-          <a:p>
-            <a:pPr marL="457200" indent="-457200">
-              <a:buNone/>
-            </a:pPr>
-            <a:r>
-              <a:rPr lang="en-US" altLang="zh-CN" sz="1800" b="0" dirty="0" smtClean="0">
-                <a:solidFill>
-                  <a:schemeClr val="tx1"/>
-                </a:solidFill>
-                <a:ea typeface="宋体" pitchFamily="2" charset="-122"/>
-              </a:rPr>
-              <a:t>        </a:t>
-            </a:r>
-            <a:r>
-              <a:rPr lang="en-US" altLang="zh-CN" sz="1800" b="0" dirty="0" err="1" smtClean="0">
-                <a:solidFill>
-                  <a:schemeClr val="tx1"/>
-                </a:solidFill>
-                <a:ea typeface="宋体" pitchFamily="2" charset="-122"/>
-              </a:rPr>
-              <a:t>chipgratingcouplerformicrometricsoiribwaveguides</a:t>
-            </a:r>
-            <a:r>
-              <a:rPr lang="en-US" altLang="zh-CN" sz="1800" b="0" dirty="0" smtClean="0">
-                <a:solidFill>
-                  <a:schemeClr val="tx1"/>
-                </a:solidFill>
-                <a:ea typeface="宋体" pitchFamily="2" charset="-122"/>
-              </a:rPr>
-              <a:t>,” </a:t>
-            </a:r>
-            <a:r>
-              <a:rPr lang="en-US" altLang="zh-CN" sz="1800" b="0" dirty="0" err="1" smtClean="0">
-                <a:solidFill>
-                  <a:schemeClr val="tx1"/>
-                </a:solidFill>
-                <a:ea typeface="宋体" pitchFamily="2" charset="-122"/>
-              </a:rPr>
-              <a:t>Opticsexpress,vol</a:t>
-            </a:r>
-            <a:r>
-              <a:rPr lang="en-US" altLang="zh-CN" sz="1800" b="0" dirty="0" smtClean="0">
-                <a:solidFill>
-                  <a:schemeClr val="tx1"/>
-                </a:solidFill>
-                <a:ea typeface="宋体" pitchFamily="2" charset="-122"/>
-              </a:rPr>
-              <a:t>.</a:t>
-            </a:r>
-          </a:p>
-          <a:p>
-            <a:pPr marL="457200" indent="-457200">
-              <a:buNone/>
-            </a:pPr>
-            <a:r>
-              <a:rPr lang="en-US" altLang="zh-CN" sz="1800" b="0" dirty="0" smtClean="0">
-                <a:solidFill>
-                  <a:schemeClr val="tx1"/>
-                </a:solidFill>
-                <a:ea typeface="宋体" pitchFamily="2" charset="-122"/>
-              </a:rPr>
-              <a:t>        Vol.18,pp.15189–15200,July2010.</a:t>
-            </a:r>
-          </a:p>
-          <a:p>
-            <a:pPr marL="457200" indent="-457200">
-              <a:buNone/>
-            </a:pPr>
-            <a:r>
-              <a:rPr lang="en-US" altLang="zh-CN" sz="1800" b="0" dirty="0" smtClean="0">
-                <a:solidFill>
-                  <a:schemeClr val="tx1"/>
-                </a:solidFill>
-                <a:ea typeface="宋体" pitchFamily="2" charset="-122"/>
-              </a:rPr>
-              <a:t>5.     </a:t>
-            </a:r>
-            <a:r>
-              <a:rPr lang="en-US" altLang="zh-CN" sz="1800" b="0" dirty="0" err="1" smtClean="0">
-                <a:solidFill>
-                  <a:schemeClr val="tx1"/>
-                </a:solidFill>
-                <a:ea typeface="宋体" pitchFamily="2" charset="-122"/>
-              </a:rPr>
-              <a:t>LensTheory,LASERCOMPONENTSLtd</a:t>
-            </a:r>
-            <a:r>
-              <a:rPr lang="en-US" altLang="zh-CN" sz="1800" b="0" dirty="0" smtClean="0">
-                <a:solidFill>
-                  <a:schemeClr val="tx1"/>
-                </a:solidFill>
-                <a:ea typeface="宋体" pitchFamily="2" charset="-122"/>
-              </a:rPr>
-              <a:t>., http://www.lasercomponents.com/</a:t>
-            </a:r>
-            <a:r>
-              <a:rPr lang="en-US" altLang="zh-CN" sz="1800" b="0" dirty="0" err="1" smtClean="0">
-                <a:solidFill>
-                  <a:schemeClr val="tx1"/>
-                </a:solidFill>
-                <a:ea typeface="宋体" pitchFamily="2" charset="-122"/>
-              </a:rPr>
-              <a:t>ﬁleadmin</a:t>
-            </a:r>
-            <a:r>
-              <a:rPr lang="en-US" altLang="zh-CN" sz="1800" b="0" dirty="0" smtClean="0">
-                <a:solidFill>
-                  <a:schemeClr val="tx1"/>
-                </a:solidFill>
-                <a:ea typeface="宋体" pitchFamily="2" charset="-122"/>
-              </a:rPr>
-              <a:t>/</a:t>
-            </a:r>
-            <a:r>
-              <a:rPr lang="en-US" altLang="zh-CN" sz="1800" b="0" dirty="0" err="1" smtClean="0">
-                <a:solidFill>
-                  <a:schemeClr val="tx1"/>
-                </a:solidFill>
-                <a:ea typeface="宋体" pitchFamily="2" charset="-122"/>
-              </a:rPr>
-              <a:t>userupload</a:t>
-            </a:r>
-            <a:r>
-              <a:rPr lang="en-US" altLang="zh-CN" sz="1800" b="0" dirty="0" smtClean="0">
-                <a:solidFill>
-                  <a:schemeClr val="tx1"/>
-                </a:solidFill>
-                <a:ea typeface="宋体" pitchFamily="2" charset="-122"/>
-              </a:rPr>
-              <a:t>/home/Datasheets/</a:t>
-            </a:r>
-            <a:r>
-              <a:rPr lang="en-US" altLang="zh-CN" sz="1800" b="0" dirty="0" err="1" smtClean="0">
-                <a:solidFill>
-                  <a:schemeClr val="tx1"/>
-                </a:solidFill>
-                <a:ea typeface="宋体" pitchFamily="2" charset="-122"/>
-              </a:rPr>
-              <a:t>lc</a:t>
-            </a:r>
-            <a:r>
-              <a:rPr lang="en-US" altLang="zh-CN" sz="1800" b="0" dirty="0" smtClean="0">
-                <a:solidFill>
-                  <a:schemeClr val="tx1"/>
-                </a:solidFill>
-                <a:ea typeface="宋体" pitchFamily="2" charset="-122"/>
-              </a:rPr>
-              <a:t>/</a:t>
-            </a:r>
-            <a:r>
-              <a:rPr lang="en-US" altLang="zh-CN" sz="1800" b="0" dirty="0" err="1" smtClean="0">
-                <a:solidFill>
-                  <a:schemeClr val="tx1"/>
-                </a:solidFill>
-                <a:ea typeface="宋体" pitchFamily="2" charset="-122"/>
-              </a:rPr>
-              <a:t>applikationsreport</a:t>
-            </a:r>
-            <a:r>
-              <a:rPr lang="en-US" altLang="zh-CN" sz="1800" b="0" dirty="0" smtClean="0">
-                <a:solidFill>
-                  <a:schemeClr val="tx1"/>
-                </a:solidFill>
-                <a:ea typeface="宋体" pitchFamily="2" charset="-122"/>
-              </a:rPr>
-              <a:t>/lens-theory.pdf,April2011.</a:t>
-            </a:r>
-          </a:p>
-          <a:p>
-            <a:pPr marL="457200" indent="-457200">
-              <a:buNone/>
-            </a:pPr>
-            <a:r>
-              <a:rPr lang="en-US" altLang="zh-CN" sz="1800" b="0" dirty="0" smtClean="0">
-                <a:solidFill>
-                  <a:schemeClr val="tx1"/>
-                </a:solidFill>
-                <a:ea typeface="宋体" pitchFamily="2" charset="-122"/>
-              </a:rPr>
-              <a:t>6.    </a:t>
-            </a:r>
-            <a:r>
-              <a:rPr lang="en-US" altLang="zh-CN" sz="1800" b="0" dirty="0" err="1" smtClean="0">
-                <a:solidFill>
-                  <a:schemeClr val="tx1"/>
-                </a:solidFill>
-                <a:ea typeface="宋体" pitchFamily="2" charset="-122"/>
-              </a:rPr>
-              <a:t>A.GhatakandK.Thyagarajan</a:t>
-            </a:r>
-            <a:r>
-              <a:rPr lang="en-US" altLang="zh-CN" sz="1800" b="0" dirty="0" smtClean="0">
-                <a:solidFill>
-                  <a:schemeClr val="tx1"/>
-                </a:solidFill>
-                <a:ea typeface="宋体" pitchFamily="2" charset="-122"/>
-              </a:rPr>
-              <a:t>, </a:t>
-            </a:r>
-            <a:r>
-              <a:rPr lang="en-US" altLang="zh-CN" sz="1800" b="0" dirty="0" err="1" smtClean="0">
-                <a:solidFill>
-                  <a:schemeClr val="tx1"/>
-                </a:solidFill>
-                <a:ea typeface="宋体" pitchFamily="2" charset="-122"/>
-              </a:rPr>
-              <a:t>OpticalWaveguidesandFibers</a:t>
-            </a:r>
-            <a:r>
-              <a:rPr lang="en-US" altLang="zh-CN" sz="1800" b="0" dirty="0" smtClean="0">
-                <a:solidFill>
-                  <a:schemeClr val="tx1"/>
-                </a:solidFill>
-                <a:ea typeface="宋体" pitchFamily="2" charset="-122"/>
-              </a:rPr>
-              <a:t>,</a:t>
-            </a:r>
-          </a:p>
-          <a:p>
-            <a:pPr marL="457200" indent="-457200">
-              <a:buNone/>
-            </a:pPr>
-            <a:r>
-              <a:rPr lang="en-US" altLang="zh-CN" sz="1800" b="0" dirty="0" smtClean="0">
-                <a:solidFill>
-                  <a:schemeClr val="tx1"/>
-                </a:solidFill>
-                <a:ea typeface="宋体" pitchFamily="2" charset="-122"/>
-              </a:rPr>
-              <a:t>        http://spie.org/Documents/Publications/00%20STEP%20Module%2007.pdf,</a:t>
-            </a:r>
-          </a:p>
-          <a:p>
-            <a:pPr marL="457200" indent="-457200">
-              <a:buNone/>
-            </a:pPr>
-            <a:r>
-              <a:rPr lang="en-US" altLang="zh-CN" sz="1800" b="0" dirty="0" smtClean="0">
-                <a:solidFill>
-                  <a:schemeClr val="tx1"/>
-                </a:solidFill>
-                <a:ea typeface="宋体" pitchFamily="2" charset="-122"/>
-              </a:rPr>
-              <a:t>       April2011.</a:t>
-            </a:r>
-          </a:p>
-          <a:p>
-            <a:pPr marL="457200" indent="-457200">
-              <a:buFontTx/>
-              <a:buAutoNum type="arabicPeriod"/>
-            </a:pPr>
-            <a:endParaRPr lang="en-US" altLang="zh-CN" sz="1800" b="0" dirty="0" smtClean="0">
-              <a:solidFill>
-                <a:schemeClr val="tx1"/>
-              </a:solidFill>
-              <a:ea typeface="宋体" pitchFamily="2" charset="-122"/>
-            </a:endParaRPr>
-          </a:p>
-        </p:txBody>
-      </p:sp>
-    </p:spTree>
-  </p:cSld>
-  <p:clrMapOvr>
-    <a:masterClrMapping/>
-  </p:clrMapOvr>
-  <p:transition>
-    <p:zoom/>
-  </p:transition>
-  <p:timing>
-    <p:tnLst>
-      <p:par>
-        <p:cTn id="1" dur="indefinite" restart="never" nodeType="tmRoot"/>
-      </p:par>
-    </p:tnLst>
-  </p:timing>
-</p:sld>
-</file>
-
-<file path=ppt/slides/slide24.xml><?xml version="1.0" encoding="utf-8"?>
-<p:sld xmlns:a="http://schemas.openxmlformats.org/drawingml/2006/main" xmlns:r="http://schemas.openxmlformats.org/officeDocument/2006/relationships" xmlns:p="http://schemas.openxmlformats.org/presentationml/2006/main">
-  <p:cSld>
-    <p:spTree>
-      <p:nvGrpSpPr>
-        <p:cNvPr id="1" name=""/>
-        <p:cNvGrpSpPr/>
-        <p:nvPr/>
-      </p:nvGrpSpPr>
-      <p:grpSpPr>
-        <a:xfrm>
-          <a:off x="0" y="0"/>
-          <a:ext cx="0" cy="0"/>
-          <a:chOff x="0" y="0"/>
-          <a:chExt cx="0" cy="0"/>
-        </a:xfrm>
-      </p:grpSpPr>
-      <p:sp>
-        <p:nvSpPr>
-          <p:cNvPr id="2" name="Titel 1"/>
-          <p:cNvSpPr>
-            <a:spLocks noGrp="1"/>
-          </p:cNvSpPr>
-          <p:nvPr>
-            <p:ph type="title"/>
-          </p:nvPr>
-        </p:nvSpPr>
-        <p:spPr/>
-        <p:txBody>
-          <a:bodyPr/>
-          <a:lstStyle/>
-          <a:p>
-            <a:endParaRPr lang="zh-CN" altLang="en-US"/>
-          </a:p>
-        </p:txBody>
-      </p:sp>
-      <p:sp>
-        <p:nvSpPr>
-          <p:cNvPr id="3" name="Inhaltsplatzhalter 2"/>
-          <p:cNvSpPr>
-            <a:spLocks noGrp="1"/>
-          </p:cNvSpPr>
-          <p:nvPr>
-            <p:ph idx="1"/>
-          </p:nvPr>
-        </p:nvSpPr>
-        <p:spPr/>
-        <p:txBody>
-          <a:bodyPr/>
-          <a:lstStyle/>
-          <a:p>
-            <a:pPr marL="457200" indent="-457200">
-              <a:buNone/>
-            </a:pPr>
-            <a:r>
-              <a:rPr lang="en-US" altLang="zh-CN" sz="1800" b="0" dirty="0" smtClean="0">
-                <a:solidFill>
-                  <a:schemeClr val="tx1"/>
-                </a:solidFill>
-                <a:ea typeface="宋体" pitchFamily="2" charset="-122"/>
-              </a:rPr>
-              <a:t>7.    </a:t>
-            </a:r>
-            <a:r>
-              <a:rPr lang="en-US" altLang="zh-CN" sz="1800" b="0" dirty="0" err="1" smtClean="0">
-                <a:solidFill>
-                  <a:schemeClr val="tx1"/>
-                </a:solidFill>
-                <a:ea typeface="宋体" pitchFamily="2" charset="-122"/>
-              </a:rPr>
-              <a:t>R.März</a:t>
-            </a:r>
-            <a:r>
-              <a:rPr lang="en-US" altLang="zh-CN" sz="1800" b="0" dirty="0" smtClean="0">
-                <a:solidFill>
-                  <a:schemeClr val="tx1"/>
-                </a:solidFill>
-                <a:ea typeface="宋体" pitchFamily="2" charset="-122"/>
-              </a:rPr>
-              <a:t>, Integrated </a:t>
-            </a:r>
-            <a:r>
-              <a:rPr lang="en-US" altLang="zh-CN" sz="1800" b="0" dirty="0" err="1" smtClean="0">
-                <a:solidFill>
-                  <a:schemeClr val="tx1"/>
-                </a:solidFill>
-                <a:ea typeface="宋体" pitchFamily="2" charset="-122"/>
-              </a:rPr>
-              <a:t>Optics.Artech</a:t>
-            </a:r>
-            <a:r>
-              <a:rPr lang="en-US" altLang="zh-CN" sz="1800" b="0" dirty="0" smtClean="0">
-                <a:solidFill>
-                  <a:schemeClr val="tx1"/>
-                </a:solidFill>
-                <a:ea typeface="宋体" pitchFamily="2" charset="-122"/>
-              </a:rPr>
-              <a:t> House,1995.</a:t>
-            </a:r>
-          </a:p>
-          <a:p>
-            <a:pPr marL="457200" indent="-457200">
-              <a:buNone/>
-            </a:pPr>
-            <a:r>
-              <a:rPr lang="en-US" altLang="zh-CN" sz="1800" b="0" dirty="0" smtClean="0">
-                <a:solidFill>
-                  <a:schemeClr val="tx1"/>
-                </a:solidFill>
-                <a:ea typeface="宋体" pitchFamily="2" charset="-122"/>
-              </a:rPr>
-              <a:t>8.    </a:t>
-            </a:r>
-            <a:r>
-              <a:rPr lang="en-US" altLang="zh-CN" sz="1800" b="0" dirty="0" err="1" smtClean="0">
-                <a:solidFill>
-                  <a:schemeClr val="tx1"/>
-                </a:solidFill>
-                <a:ea typeface="宋体" pitchFamily="2" charset="-122"/>
-              </a:rPr>
-              <a:t>R.Schuhmann</a:t>
-            </a:r>
-            <a:r>
-              <a:rPr lang="en-US" altLang="zh-CN" sz="1800" b="0" dirty="0" smtClean="0">
-                <a:solidFill>
-                  <a:schemeClr val="tx1"/>
-                </a:solidFill>
-                <a:ea typeface="宋体" pitchFamily="2" charset="-122"/>
-              </a:rPr>
-              <a:t>, Script: </a:t>
-            </a:r>
-            <a:r>
-              <a:rPr lang="en-US" altLang="zh-CN" sz="1800" b="0" dirty="0" err="1" smtClean="0">
-                <a:solidFill>
-                  <a:schemeClr val="tx1"/>
-                </a:solidFill>
-                <a:ea typeface="宋体" pitchFamily="2" charset="-122"/>
-              </a:rPr>
-              <a:t>Feldtheorie</a:t>
-            </a:r>
-            <a:r>
-              <a:rPr lang="en-US" altLang="zh-CN" sz="1800" b="0" dirty="0" smtClean="0">
-                <a:solidFill>
-                  <a:schemeClr val="tx1"/>
-                </a:solidFill>
-                <a:ea typeface="宋体" pitchFamily="2" charset="-122"/>
-              </a:rPr>
-              <a:t> und </a:t>
-            </a:r>
-            <a:r>
-              <a:rPr lang="en-US" altLang="zh-CN" sz="1800" b="0" dirty="0" err="1" smtClean="0">
-                <a:solidFill>
-                  <a:schemeClr val="tx1"/>
-                </a:solidFill>
-                <a:ea typeface="宋体" pitchFamily="2" charset="-122"/>
-              </a:rPr>
-              <a:t>Theoretische</a:t>
-            </a:r>
-            <a:r>
-              <a:rPr lang="en-US" altLang="zh-CN" sz="1800" b="0" dirty="0" smtClean="0">
-                <a:solidFill>
-                  <a:schemeClr val="tx1"/>
-                </a:solidFill>
-                <a:ea typeface="宋体" pitchFamily="2" charset="-122"/>
-              </a:rPr>
-              <a:t> </a:t>
-            </a:r>
-            <a:r>
-              <a:rPr lang="en-US" altLang="zh-CN" sz="1800" b="0" dirty="0" err="1" smtClean="0">
-                <a:solidFill>
-                  <a:schemeClr val="tx1"/>
-                </a:solidFill>
-                <a:ea typeface="宋体" pitchFamily="2" charset="-122"/>
-              </a:rPr>
-              <a:t>Elektrotechnik.Fachge</a:t>
-            </a:r>
-            <a:r>
-              <a:rPr lang="en-US" altLang="zh-CN" sz="1800" b="0" dirty="0" smtClean="0">
-                <a:solidFill>
-                  <a:schemeClr val="tx1"/>
-                </a:solidFill>
-                <a:ea typeface="宋体" pitchFamily="2" charset="-122"/>
-              </a:rPr>
-              <a:t>-</a:t>
-            </a:r>
-          </a:p>
-          <a:p>
-            <a:pPr marL="457200" indent="-457200">
-              <a:buNone/>
-            </a:pPr>
-            <a:r>
-              <a:rPr lang="en-US" altLang="zh-CN" sz="1800" b="0" dirty="0" smtClean="0">
-                <a:solidFill>
-                  <a:schemeClr val="tx1"/>
-                </a:solidFill>
-                <a:ea typeface="宋体" pitchFamily="2" charset="-122"/>
-              </a:rPr>
-              <a:t>        </a:t>
-            </a:r>
-            <a:r>
-              <a:rPr lang="en-US" altLang="zh-CN" sz="1800" b="0" dirty="0" err="1" smtClean="0">
-                <a:solidFill>
-                  <a:schemeClr val="tx1"/>
-                </a:solidFill>
-                <a:ea typeface="宋体" pitchFamily="2" charset="-122"/>
-              </a:rPr>
-              <a:t>bietTheoretische</a:t>
-            </a:r>
-            <a:r>
-              <a:rPr lang="en-US" altLang="zh-CN" sz="1800" b="0" dirty="0" smtClean="0">
-                <a:solidFill>
-                  <a:schemeClr val="tx1"/>
-                </a:solidFill>
-                <a:ea typeface="宋体" pitchFamily="2" charset="-122"/>
-              </a:rPr>
-              <a:t> </a:t>
-            </a:r>
-            <a:r>
-              <a:rPr lang="en-US" altLang="zh-CN" sz="1800" b="0" dirty="0" err="1" smtClean="0">
-                <a:solidFill>
-                  <a:schemeClr val="tx1"/>
-                </a:solidFill>
-                <a:ea typeface="宋体" pitchFamily="2" charset="-122"/>
-              </a:rPr>
-              <a:t>Elektrotechnik</a:t>
-            </a:r>
-            <a:r>
-              <a:rPr lang="en-US" altLang="zh-CN" sz="1800" b="0" dirty="0" smtClean="0">
-                <a:solidFill>
-                  <a:schemeClr val="tx1"/>
-                </a:solidFill>
-                <a:ea typeface="宋体" pitchFamily="2" charset="-122"/>
-              </a:rPr>
-              <a:t>, University Paderborn, </a:t>
-            </a:r>
-            <a:r>
-              <a:rPr lang="en-US" altLang="zh-CN" sz="1800" b="0" dirty="0" err="1" smtClean="0">
-                <a:solidFill>
-                  <a:schemeClr val="tx1"/>
-                </a:solidFill>
-                <a:ea typeface="宋体" pitchFamily="2" charset="-122"/>
-              </a:rPr>
-              <a:t>Apri</a:t>
-            </a:r>
-            <a:r>
-              <a:rPr lang="en-US" altLang="zh-CN" sz="1800" b="0" dirty="0" smtClean="0">
-                <a:solidFill>
-                  <a:schemeClr val="tx1"/>
-                </a:solidFill>
-                <a:ea typeface="宋体" pitchFamily="2" charset="-122"/>
-              </a:rPr>
-              <a:t> 2009.</a:t>
-            </a:r>
-          </a:p>
-          <a:p>
-            <a:pPr marL="457200" indent="-457200">
-              <a:buNone/>
-            </a:pPr>
-            <a:r>
-              <a:rPr lang="en-US" altLang="zh-CN" sz="1800" b="0" dirty="0" smtClean="0">
-                <a:solidFill>
-                  <a:schemeClr val="tx1"/>
-                </a:solidFill>
-                <a:ea typeface="宋体" pitchFamily="2" charset="-122"/>
-              </a:rPr>
-              <a:t>9.     Gaussian Beam Optics 2,CVI </a:t>
-            </a:r>
-            <a:r>
-              <a:rPr lang="en-US" altLang="zh-CN" sz="1800" b="0" dirty="0" err="1" smtClean="0">
-                <a:solidFill>
-                  <a:schemeClr val="tx1"/>
-                </a:solidFill>
-                <a:ea typeface="宋体" pitchFamily="2" charset="-122"/>
-              </a:rPr>
-              <a:t>Melles</a:t>
-            </a:r>
-            <a:r>
-              <a:rPr lang="en-US" altLang="zh-CN" sz="1800" b="0" dirty="0" smtClean="0">
-                <a:solidFill>
-                  <a:schemeClr val="tx1"/>
-                </a:solidFill>
-                <a:ea typeface="宋体" pitchFamily="2" charset="-122"/>
-              </a:rPr>
-              <a:t> </a:t>
-            </a:r>
-            <a:r>
-              <a:rPr lang="en-US" altLang="zh-CN" sz="1800" b="0" dirty="0" err="1" smtClean="0">
-                <a:solidFill>
-                  <a:schemeClr val="tx1"/>
-                </a:solidFill>
-                <a:ea typeface="宋体" pitchFamily="2" charset="-122"/>
-              </a:rPr>
-              <a:t>Griot</a:t>
-            </a:r>
-            <a:r>
-              <a:rPr lang="en-US" altLang="zh-CN" sz="1800" b="0" dirty="0" smtClean="0">
-                <a:solidFill>
-                  <a:schemeClr val="tx1"/>
-                </a:solidFill>
-                <a:ea typeface="宋体" pitchFamily="2" charset="-122"/>
-              </a:rPr>
-              <a:t>,</a:t>
-            </a:r>
-          </a:p>
-          <a:p>
-            <a:pPr marL="457200" indent="-457200">
-              <a:buNone/>
-            </a:pPr>
-            <a:r>
-              <a:rPr lang="en-US" altLang="zh-CN" sz="1800" b="0" dirty="0" smtClean="0">
-                <a:solidFill>
-                  <a:schemeClr val="tx1"/>
-                </a:solidFill>
-                <a:ea typeface="宋体" pitchFamily="2" charset="-122"/>
-              </a:rPr>
-              <a:t>        http://www.cvimellesgriot.com/products/Documents/TechnicalGuide/Gaussian-</a:t>
-            </a:r>
-          </a:p>
-          <a:p>
-            <a:pPr marL="457200" indent="-457200">
-              <a:buNone/>
-            </a:pPr>
-            <a:r>
-              <a:rPr lang="en-US" altLang="zh-CN" sz="1800" b="0" dirty="0" smtClean="0">
-                <a:solidFill>
-                  <a:schemeClr val="tx1"/>
-                </a:solidFill>
-                <a:ea typeface="宋体" pitchFamily="2" charset="-122"/>
-              </a:rPr>
-              <a:t>        Beam-Optics.pdf, April2011, </a:t>
-            </a:r>
-            <a:r>
-              <a:rPr lang="en-US" altLang="zh-CN" sz="1800" b="0" dirty="0" err="1" smtClean="0">
-                <a:solidFill>
-                  <a:schemeClr val="tx1"/>
-                </a:solidFill>
-                <a:ea typeface="宋体" pitchFamily="2" charset="-122"/>
-              </a:rPr>
-              <a:t>cVIMelles</a:t>
-            </a:r>
-            <a:r>
-              <a:rPr lang="en-US" altLang="zh-CN" sz="1800" b="0" dirty="0" smtClean="0">
-                <a:solidFill>
-                  <a:schemeClr val="tx1"/>
-                </a:solidFill>
-                <a:ea typeface="宋体" pitchFamily="2" charset="-122"/>
-              </a:rPr>
-              <a:t> </a:t>
-            </a:r>
-            <a:r>
-              <a:rPr lang="en-US" altLang="zh-CN" sz="1800" b="0" dirty="0" err="1" smtClean="0">
-                <a:solidFill>
-                  <a:schemeClr val="tx1"/>
-                </a:solidFill>
-                <a:ea typeface="宋体" pitchFamily="2" charset="-122"/>
-              </a:rPr>
-              <a:t>Griot</a:t>
-            </a:r>
-            <a:r>
-              <a:rPr lang="en-US" altLang="zh-CN" sz="1800" b="0" dirty="0" smtClean="0">
-                <a:solidFill>
-                  <a:schemeClr val="tx1"/>
-                </a:solidFill>
-                <a:ea typeface="宋体" pitchFamily="2" charset="-122"/>
-              </a:rPr>
-              <a:t> Technical Guide.</a:t>
-            </a:r>
-          </a:p>
-          <a:p>
-            <a:pPr marL="457200" indent="-457200">
-              <a:buNone/>
-            </a:pPr>
-            <a:r>
-              <a:rPr lang="en-US" altLang="zh-CN" sz="1800" b="0" dirty="0" smtClean="0">
-                <a:solidFill>
-                  <a:schemeClr val="tx1"/>
-                </a:solidFill>
-                <a:ea typeface="宋体" pitchFamily="2" charset="-122"/>
-              </a:rPr>
-              <a:t>10. T.Weiland,“Adiscretizationmethodforthesolutionofmaxwell’sequationsfor</a:t>
-            </a:r>
-          </a:p>
-          <a:p>
-            <a:pPr marL="457200" indent="-457200">
-              <a:buNone/>
-            </a:pPr>
-            <a:r>
-              <a:rPr lang="en-US" altLang="zh-CN" sz="1800" b="0" dirty="0" smtClean="0">
-                <a:solidFill>
-                  <a:schemeClr val="tx1"/>
-                </a:solidFill>
-                <a:ea typeface="宋体" pitchFamily="2" charset="-122"/>
-              </a:rPr>
-              <a:t>        six-</a:t>
-            </a:r>
-            <a:r>
-              <a:rPr lang="en-US" altLang="zh-CN" sz="1800" b="0" dirty="0" err="1" smtClean="0">
-                <a:solidFill>
-                  <a:schemeClr val="tx1"/>
-                </a:solidFill>
-                <a:ea typeface="宋体" pitchFamily="2" charset="-122"/>
-              </a:rPr>
-              <a:t>componentﬁelds</a:t>
-            </a:r>
-            <a:r>
-              <a:rPr lang="en-US" altLang="zh-CN" sz="1800" b="0" dirty="0" smtClean="0">
-                <a:solidFill>
-                  <a:schemeClr val="tx1"/>
-                </a:solidFill>
-                <a:ea typeface="宋体" pitchFamily="2" charset="-122"/>
-              </a:rPr>
-              <a:t>,” ElectronicsandCommunicationsAEUE,vol.Vol.31,</a:t>
-            </a:r>
-          </a:p>
-          <a:p>
-            <a:pPr marL="457200" indent="-457200">
-              <a:buNone/>
-            </a:pPr>
-            <a:r>
-              <a:rPr lang="en-US" altLang="zh-CN" sz="1800" b="0" dirty="0" smtClean="0">
-                <a:solidFill>
-                  <a:schemeClr val="tx1"/>
-                </a:solidFill>
-                <a:ea typeface="宋体" pitchFamily="2" charset="-122"/>
-              </a:rPr>
-              <a:t>        no.3,pp.116–120,1977.</a:t>
-            </a:r>
-          </a:p>
-          <a:p>
-            <a:pPr marL="457200" indent="-457200">
-              <a:buNone/>
-            </a:pPr>
-            <a:r>
-              <a:rPr lang="en-US" altLang="zh-CN" sz="1800" b="0" dirty="0" smtClean="0">
-                <a:solidFill>
-                  <a:schemeClr val="tx1"/>
-                </a:solidFill>
-                <a:ea typeface="宋体" pitchFamily="2" charset="-122"/>
-              </a:rPr>
-              <a:t>11.  U.RienenandT.Weiland,“Triangulardiscretizationmethodfortheevaluation</a:t>
-            </a:r>
-          </a:p>
-          <a:p>
-            <a:pPr marL="457200" indent="-457200">
-              <a:buNone/>
-            </a:pPr>
-            <a:r>
-              <a:rPr lang="en-US" altLang="zh-CN" sz="1800" b="0" dirty="0" smtClean="0">
-                <a:solidFill>
-                  <a:schemeClr val="tx1"/>
-                </a:solidFill>
-                <a:ea typeface="宋体" pitchFamily="2" charset="-122"/>
-              </a:rPr>
-              <a:t>        </a:t>
-            </a:r>
-            <a:r>
-              <a:rPr lang="en-US" altLang="zh-CN" sz="1800" b="0" dirty="0" err="1" smtClean="0">
-                <a:solidFill>
-                  <a:schemeClr val="tx1"/>
-                </a:solidFill>
-                <a:ea typeface="宋体" pitchFamily="2" charset="-122"/>
-              </a:rPr>
-              <a:t>ofrf-ﬁeldsincylindricallysymmetriccavities</a:t>
-            </a:r>
-            <a:r>
-              <a:rPr lang="en-US" altLang="zh-CN" sz="1800" b="0" dirty="0" smtClean="0">
-                <a:solidFill>
-                  <a:schemeClr val="tx1"/>
-                </a:solidFill>
-                <a:ea typeface="宋体" pitchFamily="2" charset="-122"/>
-              </a:rPr>
-              <a:t>,” </a:t>
-            </a:r>
-            <a:r>
-              <a:rPr lang="en-US" altLang="zh-CN" sz="1800" b="0" dirty="0" err="1" smtClean="0">
-                <a:solidFill>
-                  <a:schemeClr val="tx1"/>
-                </a:solidFill>
-                <a:ea typeface="宋体" pitchFamily="2" charset="-122"/>
-              </a:rPr>
-              <a:t>IEEETransactionsonMagnet</a:t>
-            </a:r>
-            <a:r>
-              <a:rPr lang="en-US" altLang="zh-CN" sz="1800" b="0" dirty="0" smtClean="0">
-                <a:solidFill>
-                  <a:schemeClr val="tx1"/>
-                </a:solidFill>
-                <a:ea typeface="宋体" pitchFamily="2" charset="-122"/>
-              </a:rPr>
-              <a:t>-</a:t>
-            </a:r>
-          </a:p>
-          <a:p>
-            <a:pPr marL="457200" indent="-457200">
-              <a:buNone/>
-            </a:pPr>
-            <a:r>
-              <a:rPr lang="en-US" altLang="zh-CN" sz="1800" b="0" dirty="0" smtClean="0">
-                <a:solidFill>
-                  <a:schemeClr val="tx1"/>
-                </a:solidFill>
-                <a:ea typeface="宋体" pitchFamily="2" charset="-122"/>
-              </a:rPr>
-              <a:t>        ics,vol.Vol.MAG-21,No.6,pp.2317–2320,1985.60 Bibliography</a:t>
-            </a:r>
-          </a:p>
-          <a:p>
-            <a:pPr marL="457200" indent="-457200">
-              <a:buNone/>
-            </a:pPr>
-            <a:r>
-              <a:rPr lang="en-US" altLang="zh-CN" sz="1800" b="0" dirty="0" smtClean="0">
-                <a:solidFill>
-                  <a:schemeClr val="tx1"/>
-                </a:solidFill>
-                <a:ea typeface="宋体" pitchFamily="2" charset="-122"/>
-              </a:rPr>
-              <a:t>12.  </a:t>
-            </a:r>
-            <a:r>
-              <a:rPr lang="en-US" altLang="zh-CN" sz="1800" b="0" dirty="0" err="1" smtClean="0">
-                <a:solidFill>
-                  <a:schemeClr val="tx1"/>
-                </a:solidFill>
-                <a:ea typeface="宋体" pitchFamily="2" charset="-122"/>
-              </a:rPr>
-              <a:t>R.SchumannandT.Weiland,“Astableinterpolationtechniqueforfdtdon</a:t>
-            </a:r>
-            <a:endParaRPr lang="en-US" altLang="zh-CN" sz="1800" b="0" dirty="0" smtClean="0">
-              <a:solidFill>
-                <a:schemeClr val="tx1"/>
-              </a:solidFill>
-              <a:ea typeface="宋体" pitchFamily="2" charset="-122"/>
-            </a:endParaRPr>
-          </a:p>
-          <a:p>
-            <a:pPr marL="457200" indent="-457200">
-              <a:buNone/>
-            </a:pPr>
-            <a:r>
-              <a:rPr lang="en-US" altLang="zh-CN" sz="1800" b="0" dirty="0" smtClean="0">
-                <a:solidFill>
-                  <a:schemeClr val="tx1"/>
-                </a:solidFill>
-                <a:ea typeface="宋体" pitchFamily="2" charset="-122"/>
-              </a:rPr>
-              <a:t>        </a:t>
-            </a:r>
-            <a:r>
-              <a:rPr lang="en-US" altLang="zh-CN" sz="1800" b="0" dirty="0" err="1" smtClean="0">
-                <a:solidFill>
-                  <a:schemeClr val="tx1"/>
-                </a:solidFill>
-                <a:ea typeface="宋体" pitchFamily="2" charset="-122"/>
-              </a:rPr>
-              <a:t>nonorthogonalgrids</a:t>
-            </a:r>
-            <a:r>
-              <a:rPr lang="en-US" altLang="zh-CN" sz="1800" b="0" dirty="0" smtClean="0">
-                <a:solidFill>
-                  <a:schemeClr val="tx1"/>
-                </a:solidFill>
-                <a:ea typeface="宋体" pitchFamily="2" charset="-122"/>
-              </a:rPr>
-              <a:t>,” </a:t>
-            </a:r>
-            <a:r>
-              <a:rPr lang="en-US" altLang="zh-CN" sz="1800" b="0" dirty="0" err="1" smtClean="0">
-                <a:solidFill>
-                  <a:schemeClr val="tx1"/>
-                </a:solidFill>
-                <a:ea typeface="宋体" pitchFamily="2" charset="-122"/>
-              </a:rPr>
-              <a:t>InternationalJournalonNumericalModelling,vol.Vol</a:t>
-            </a:r>
-            <a:r>
-              <a:rPr lang="en-US" altLang="zh-CN" sz="1800" b="0" dirty="0" smtClean="0">
-                <a:solidFill>
-                  <a:schemeClr val="tx1"/>
-                </a:solidFill>
-                <a:ea typeface="宋体" pitchFamily="2" charset="-122"/>
-              </a:rPr>
-              <a:t>.</a:t>
-            </a:r>
-          </a:p>
-          <a:p>
-            <a:pPr marL="457200" indent="-457200">
-              <a:buNone/>
-            </a:pPr>
-            <a:r>
-              <a:rPr lang="en-US" altLang="zh-CN" sz="1800" b="0" dirty="0" smtClean="0">
-                <a:solidFill>
-                  <a:schemeClr val="tx1"/>
-                </a:solidFill>
-                <a:ea typeface="宋体" pitchFamily="2" charset="-122"/>
-              </a:rPr>
-              <a:t>       11,pp.299–306,1998.</a:t>
-            </a:r>
-          </a:p>
-          <a:p>
-            <a:pPr marL="457200" indent="-457200">
-              <a:buNone/>
-            </a:pPr>
-            <a:r>
-              <a:rPr lang="en-US" altLang="zh-CN" sz="1800" b="0" dirty="0" smtClean="0">
-                <a:solidFill>
-                  <a:schemeClr val="tx1"/>
-                </a:solidFill>
-                <a:ea typeface="宋体" pitchFamily="2" charset="-122"/>
-              </a:rPr>
-              <a:t>13.  </a:t>
-            </a:r>
-            <a:r>
-              <a:rPr lang="en-US" altLang="zh-CN" sz="1800" b="0" dirty="0" err="1" smtClean="0">
-                <a:solidFill>
-                  <a:schemeClr val="tx1"/>
-                </a:solidFill>
-                <a:ea typeface="宋体" pitchFamily="2" charset="-122"/>
-              </a:rPr>
-              <a:t>T.WeilandandR.Schuhmann</a:t>
-            </a:r>
-            <a:r>
-              <a:rPr lang="en-US" altLang="zh-CN" sz="1800" b="0" dirty="0" smtClean="0">
-                <a:solidFill>
-                  <a:schemeClr val="tx1"/>
-                </a:solidFill>
-                <a:ea typeface="宋体" pitchFamily="2" charset="-122"/>
-              </a:rPr>
-              <a:t>, </a:t>
-            </a:r>
-            <a:r>
-              <a:rPr lang="en-US" altLang="zh-CN" sz="1800" b="0" dirty="0" err="1" smtClean="0">
-                <a:solidFill>
-                  <a:schemeClr val="tx1"/>
-                </a:solidFill>
-                <a:ea typeface="宋体" pitchFamily="2" charset="-122"/>
-              </a:rPr>
-              <a:t>Script:ElektromagnetischeFeldsimulation</a:t>
-            </a:r>
-            <a:r>
-              <a:rPr lang="en-US" altLang="zh-CN" sz="1800" b="0" dirty="0" smtClean="0">
-                <a:solidFill>
-                  <a:schemeClr val="tx1"/>
-                </a:solidFill>
-                <a:ea typeface="宋体" pitchFamily="2" charset="-122"/>
-              </a:rPr>
-              <a:t>.</a:t>
-            </a:r>
-          </a:p>
-          <a:p>
-            <a:pPr marL="457200" indent="-457200">
-              <a:buNone/>
-            </a:pPr>
-            <a:r>
-              <a:rPr lang="en-US" altLang="zh-CN" sz="1800" b="0" dirty="0" smtClean="0">
-                <a:solidFill>
-                  <a:schemeClr val="tx1"/>
-                </a:solidFill>
-                <a:ea typeface="宋体" pitchFamily="2" charset="-122"/>
-              </a:rPr>
-              <a:t>        </a:t>
-            </a:r>
-            <a:r>
-              <a:rPr lang="en-US" altLang="zh-CN" sz="1800" b="0" dirty="0" err="1" smtClean="0">
-                <a:solidFill>
-                  <a:schemeClr val="tx1"/>
-                </a:solidFill>
-                <a:ea typeface="宋体" pitchFamily="2" charset="-122"/>
-              </a:rPr>
-              <a:t>FachgebietTheoretischeElektrotechnik,UniversityPaderborn</a:t>
-            </a:r>
-            <a:r>
-              <a:rPr lang="en-US" altLang="zh-CN" sz="1800" b="0" dirty="0" smtClean="0">
-                <a:solidFill>
-                  <a:schemeClr val="tx1"/>
-                </a:solidFill>
-                <a:ea typeface="宋体" pitchFamily="2" charset="-122"/>
-              </a:rPr>
-              <a:t>.</a:t>
-            </a:r>
-          </a:p>
-        </p:txBody>
-      </p:sp>
-    </p:spTree>
-  </p:cSld>
-  <p:clrMapOvr>
-    <a:masterClrMapping/>
-  </p:clrMapOvr>
-  <p:transition>
-    <p:zoom/>
-  </p:transition>
-</p:sld>
-</file>
-
-<file path=ppt/slides/slide25.xml><?xml version="1.0" encoding="utf-8"?>
-<p:sld xmlns:a="http://schemas.openxmlformats.org/drawingml/2006/main" xmlns:r="http://schemas.openxmlformats.org/officeDocument/2006/relationships" xmlns:p="http://schemas.openxmlformats.org/presentationml/2006/main">
-  <p:cSld>
-    <p:spTree>
-      <p:nvGrpSpPr>
-        <p:cNvPr id="1" name=""/>
-        <p:cNvGrpSpPr/>
-        <p:nvPr/>
-      </p:nvGrpSpPr>
-      <p:grpSpPr>
-        <a:xfrm>
-          <a:off x="0" y="0"/>
-          <a:ext cx="0" cy="0"/>
-          <a:chOff x="0" y="0"/>
-          <a:chExt cx="0" cy="0"/>
-        </a:xfrm>
-      </p:grpSpPr>
-      <p:sp>
-        <p:nvSpPr>
-          <p:cNvPr id="2" name="Titel 1"/>
-          <p:cNvSpPr>
-            <a:spLocks noGrp="1"/>
-          </p:cNvSpPr>
-          <p:nvPr>
-            <p:ph type="title"/>
-          </p:nvPr>
-        </p:nvSpPr>
-        <p:spPr/>
-        <p:txBody>
-          <a:bodyPr/>
-          <a:lstStyle/>
-          <a:p>
-            <a:endParaRPr lang="zh-CN" altLang="en-US"/>
-          </a:p>
-        </p:txBody>
-      </p:sp>
-      <p:sp>
-        <p:nvSpPr>
-          <p:cNvPr id="3" name="Inhaltsplatzhalter 2"/>
-          <p:cNvSpPr>
-            <a:spLocks noGrp="1"/>
-          </p:cNvSpPr>
-          <p:nvPr>
-            <p:ph idx="1"/>
-          </p:nvPr>
-        </p:nvSpPr>
-        <p:spPr/>
-        <p:txBody>
-          <a:bodyPr/>
-          <a:lstStyle/>
-          <a:p>
-            <a:pPr marL="457200" indent="-457200">
-              <a:buFontTx/>
-              <a:buAutoNum type="arabicPeriod"/>
-            </a:pPr>
-            <a:r>
-              <a:rPr lang="en-US" altLang="zh-CN" sz="1800" b="0" dirty="0" smtClean="0">
-                <a:solidFill>
-                  <a:schemeClr val="tx1"/>
-                </a:solidFill>
-                <a:ea typeface="宋体" pitchFamily="2" charset="-122"/>
-              </a:rPr>
-              <a:t>M.ClemensandT.Weiland,“Discreteelectromagnismwiththeﬁniteintegra-</a:t>
-            </a:r>
-          </a:p>
-          <a:p>
-            <a:pPr marL="457200" indent="-457200">
-              <a:buNone/>
-            </a:pPr>
-            <a:r>
-              <a:rPr lang="en-US" altLang="zh-CN" sz="1800" b="0" dirty="0" smtClean="0">
-                <a:solidFill>
-                  <a:schemeClr val="tx1"/>
-                </a:solidFill>
-                <a:ea typeface="宋体" pitchFamily="2" charset="-122"/>
-              </a:rPr>
-              <a:t>       </a:t>
-            </a:r>
-            <a:r>
-              <a:rPr lang="en-US" altLang="zh-CN" sz="1800" b="0" dirty="0" err="1" smtClean="0">
-                <a:solidFill>
-                  <a:schemeClr val="tx1"/>
-                </a:solidFill>
-                <a:ea typeface="宋体" pitchFamily="2" charset="-122"/>
-              </a:rPr>
-              <a:t>tiontechnique</a:t>
-            </a:r>
-            <a:r>
-              <a:rPr lang="en-US" altLang="zh-CN" sz="1800" b="0" dirty="0" smtClean="0">
-                <a:solidFill>
-                  <a:schemeClr val="tx1"/>
-                </a:solidFill>
-                <a:ea typeface="宋体" pitchFamily="2" charset="-122"/>
-              </a:rPr>
-              <a:t>,” ProgressInElectromagneticsResearch,vol.PIER32,pp.</a:t>
-            </a:r>
-          </a:p>
-          <a:p>
-            <a:pPr marL="457200" indent="-457200">
-              <a:buNone/>
-            </a:pPr>
-            <a:r>
-              <a:rPr lang="en-US" altLang="zh-CN" sz="1800" b="0" dirty="0" smtClean="0">
-                <a:solidFill>
-                  <a:schemeClr val="tx1"/>
-                </a:solidFill>
-                <a:ea typeface="宋体" pitchFamily="2" charset="-122"/>
-              </a:rPr>
-              <a:t>       65–87,2001.</a:t>
-            </a:r>
-          </a:p>
-          <a:p>
-            <a:pPr marL="457200" indent="-457200">
-              <a:buFontTx/>
-              <a:buAutoNum type="arabicPeriod"/>
-            </a:pPr>
-            <a:r>
-              <a:rPr lang="en-US" altLang="zh-CN" sz="1800" b="0" dirty="0" smtClean="0">
-                <a:solidFill>
-                  <a:schemeClr val="tx1"/>
-                </a:solidFill>
-                <a:ea typeface="宋体" pitchFamily="2" charset="-122"/>
-              </a:rPr>
-              <a:t> AgilentAN154S-ParameterDesign,AgilentTechnologies,</a:t>
-            </a:r>
-          </a:p>
-          <a:p>
-            <a:pPr marL="457200" indent="-457200">
-              <a:buNone/>
-            </a:pPr>
-            <a:r>
-              <a:rPr lang="en-US" altLang="zh-CN" sz="1800" b="0" dirty="0" smtClean="0">
-                <a:solidFill>
-                  <a:schemeClr val="tx1"/>
-                </a:solidFill>
-                <a:ea typeface="宋体" pitchFamily="2" charset="-122"/>
-              </a:rPr>
-              <a:t>        http://cp.literature.agilent.com/litweb/pdf/5952-1087.pdf,April2011,ap-</a:t>
-            </a:r>
-          </a:p>
-          <a:p>
-            <a:pPr marL="457200" indent="-457200">
-              <a:buNone/>
-            </a:pPr>
-            <a:r>
-              <a:rPr lang="en-US" altLang="zh-CN" sz="1800" b="0" dirty="0" smtClean="0">
-                <a:solidFill>
-                  <a:schemeClr val="tx1"/>
-                </a:solidFill>
-                <a:ea typeface="宋体" pitchFamily="2" charset="-122"/>
-              </a:rPr>
-              <a:t>        </a:t>
-            </a:r>
-            <a:r>
-              <a:rPr lang="en-US" altLang="zh-CN" sz="1800" b="0" dirty="0" err="1" smtClean="0">
-                <a:solidFill>
-                  <a:schemeClr val="tx1"/>
-                </a:solidFill>
-                <a:ea typeface="宋体" pitchFamily="2" charset="-122"/>
-              </a:rPr>
-              <a:t>plicationNote</a:t>
-            </a:r>
-            <a:r>
-              <a:rPr lang="en-US" altLang="zh-CN" sz="1800" b="0" dirty="0" smtClean="0">
-                <a:solidFill>
-                  <a:schemeClr val="tx1"/>
-                </a:solidFill>
-                <a:ea typeface="宋体" pitchFamily="2" charset="-122"/>
-              </a:rPr>
-              <a:t>.</a:t>
-            </a:r>
-          </a:p>
-          <a:p>
-            <a:pPr marL="457200" indent="-457200">
-              <a:buFontTx/>
-              <a:buAutoNum type="arabicPeriod"/>
-            </a:pPr>
-            <a:r>
-              <a:rPr lang="en-US" altLang="zh-CN" sz="1800" b="0" dirty="0" smtClean="0">
-                <a:solidFill>
-                  <a:schemeClr val="tx1"/>
-                </a:solidFill>
-                <a:ea typeface="宋体" pitchFamily="2" charset="-122"/>
-              </a:rPr>
-              <a:t>S-</a:t>
-            </a:r>
-            <a:r>
-              <a:rPr lang="en-US" altLang="zh-CN" sz="1800" b="0" dirty="0" err="1" smtClean="0">
-                <a:solidFill>
-                  <a:schemeClr val="tx1"/>
-                </a:solidFill>
-                <a:ea typeface="宋体" pitchFamily="2" charset="-122"/>
-              </a:rPr>
-              <a:t>ParameterHandout,UniversityofSanDiego</a:t>
-            </a:r>
-            <a:r>
-              <a:rPr lang="en-US" altLang="zh-CN" sz="1800" b="0" dirty="0" smtClean="0">
-                <a:solidFill>
-                  <a:schemeClr val="tx1"/>
-                </a:solidFill>
-                <a:ea typeface="宋体" pitchFamily="2" charset="-122"/>
-              </a:rPr>
-              <a:t>,</a:t>
-            </a:r>
-          </a:p>
-          <a:p>
-            <a:pPr marL="457200" indent="-457200">
-              <a:buNone/>
-            </a:pPr>
-            <a:r>
-              <a:rPr lang="en-US" altLang="zh-CN" sz="1800" b="0" dirty="0" smtClean="0">
-                <a:solidFill>
-                  <a:schemeClr val="tx1"/>
-                </a:solidFill>
-                <a:ea typeface="宋体" pitchFamily="2" charset="-122"/>
-              </a:rPr>
-              <a:t>        http://home.sandiego.edu/ekim/e194rfs01/,April2011,eEE194RF.</a:t>
-            </a:r>
-          </a:p>
-          <a:p>
-            <a:pPr marL="457200" indent="-457200">
-              <a:buFontTx/>
-              <a:buAutoNum type="arabicPeriod"/>
-            </a:pPr>
-            <a:r>
-              <a:rPr lang="en-US" altLang="zh-CN" sz="1800" b="0" dirty="0" smtClean="0">
-                <a:solidFill>
-                  <a:schemeClr val="tx1"/>
-                </a:solidFill>
-                <a:ea typeface="宋体" pitchFamily="2" charset="-122"/>
-              </a:rPr>
-              <a:t> </a:t>
-            </a:r>
-            <a:r>
-              <a:rPr lang="en-US" altLang="zh-CN" sz="1800" b="0" dirty="0" err="1" smtClean="0">
-                <a:solidFill>
-                  <a:schemeClr val="tx1"/>
-                </a:solidFill>
-                <a:ea typeface="宋体" pitchFamily="2" charset="-122"/>
-              </a:rPr>
-              <a:t>LensedFibers,NanonicsImagingLtd.,http</a:t>
-            </a:r>
-            <a:r>
-              <a:rPr lang="en-US" altLang="zh-CN" sz="1800" b="0" dirty="0" smtClean="0">
-                <a:solidFill>
-                  <a:schemeClr val="tx1"/>
-                </a:solidFill>
-                <a:ea typeface="宋体" pitchFamily="2" charset="-122"/>
-              </a:rPr>
-              <a:t>://</a:t>
-            </a:r>
-            <a:r>
-              <a:rPr lang="en-US" altLang="zh-CN" sz="1800" b="0" dirty="0" err="1" smtClean="0">
-                <a:solidFill>
-                  <a:schemeClr val="tx1"/>
-                </a:solidFill>
-                <a:ea typeface="宋体" pitchFamily="2" charset="-122"/>
-              </a:rPr>
-              <a:t>www.nanonics.co.il</a:t>
-            </a:r>
-            <a:r>
-              <a:rPr lang="en-US" altLang="zh-CN" sz="1800" b="0" dirty="0" smtClean="0">
-                <a:solidFill>
-                  <a:schemeClr val="tx1"/>
-                </a:solidFill>
-                <a:ea typeface="宋体" pitchFamily="2" charset="-122"/>
-              </a:rPr>
-              <a:t>/</a:t>
-            </a:r>
-            <a:r>
-              <a:rPr lang="en-US" altLang="zh-CN" sz="1800" b="0" dirty="0" err="1" smtClean="0">
-                <a:solidFill>
-                  <a:schemeClr val="tx1"/>
-                </a:solidFill>
-                <a:ea typeface="宋体" pitchFamily="2" charset="-122"/>
-              </a:rPr>
-              <a:t>lensed</a:t>
-            </a:r>
-            <a:r>
-              <a:rPr lang="en-US" altLang="zh-CN" sz="1800" b="0" dirty="0" smtClean="0">
-                <a:solidFill>
-                  <a:schemeClr val="tx1"/>
-                </a:solidFill>
-                <a:ea typeface="宋体" pitchFamily="2" charset="-122"/>
-              </a:rPr>
-              <a:t>-</a:t>
-            </a:r>
-          </a:p>
-          <a:p>
-            <a:pPr marL="457200" indent="-457200">
-              <a:buNone/>
-            </a:pPr>
-            <a:r>
-              <a:rPr lang="en-US" altLang="zh-CN" sz="1800" b="0" dirty="0" smtClean="0">
-                <a:solidFill>
-                  <a:schemeClr val="tx1"/>
-                </a:solidFill>
-                <a:ea typeface="宋体" pitchFamily="2" charset="-122"/>
-              </a:rPr>
-              <a:t>        ﬁbers.html,April2011,applicationNote.</a:t>
-            </a:r>
-          </a:p>
-          <a:p>
-            <a:pPr marL="457200" indent="-457200">
-              <a:buFontTx/>
-              <a:buAutoNum type="arabicPeriod"/>
-            </a:pPr>
-            <a:r>
-              <a:rPr lang="en-US" altLang="zh-CN" sz="1800" b="0" dirty="0" err="1" smtClean="0">
-                <a:solidFill>
-                  <a:schemeClr val="tx1"/>
-                </a:solidFill>
-                <a:ea typeface="宋体" pitchFamily="2" charset="-122"/>
-              </a:rPr>
-              <a:t>A.S.DwariandS.Sanyal,“Analysisoflineartaperedwaveguide</a:t>
-            </a:r>
-            <a:r>
-              <a:rPr lang="en-US" altLang="zh-CN" sz="1800" b="0" dirty="0" smtClean="0">
-                <a:solidFill>
-                  <a:schemeClr val="tx1"/>
-                </a:solidFill>
-                <a:ea typeface="宋体" pitchFamily="2" charset="-122"/>
-              </a:rPr>
-              <a:t>,” </a:t>
-            </a:r>
-            <a:r>
-              <a:rPr lang="en-US" altLang="zh-CN" sz="1800" b="0" dirty="0" err="1" smtClean="0">
-                <a:solidFill>
-                  <a:schemeClr val="tx1"/>
-                </a:solidFill>
-                <a:ea typeface="宋体" pitchFamily="2" charset="-122"/>
-              </a:rPr>
-              <a:t>ProgressIn</a:t>
-            </a:r>
-            <a:endParaRPr lang="en-US" altLang="zh-CN" sz="1800" b="0" dirty="0" smtClean="0">
-              <a:solidFill>
-                <a:schemeClr val="tx1"/>
-              </a:solidFill>
-              <a:ea typeface="宋体" pitchFamily="2" charset="-122"/>
-            </a:endParaRPr>
-          </a:p>
-          <a:p>
-            <a:pPr marL="457200" indent="-457200">
-              <a:buNone/>
-            </a:pPr>
-            <a:r>
-              <a:rPr lang="en-US" altLang="zh-CN" sz="1800" b="0" dirty="0" smtClean="0">
-                <a:solidFill>
-                  <a:schemeClr val="tx1"/>
-                </a:solidFill>
-                <a:ea typeface="宋体" pitchFamily="2" charset="-122"/>
-              </a:rPr>
-              <a:t>       ElectromagnicsResearch,vol.PIER64,pp.219–238,2006.</a:t>
-            </a:r>
-          </a:p>
-          <a:p>
-            <a:pPr marL="457200" indent="-457200">
-              <a:buFontTx/>
-              <a:buAutoNum type="arabicPeriod"/>
-            </a:pPr>
-            <a:r>
-              <a:rPr lang="en-US" altLang="zh-CN" sz="1800" b="0" dirty="0" smtClean="0">
-                <a:solidFill>
-                  <a:schemeClr val="tx1"/>
-                </a:solidFill>
-                <a:ea typeface="宋体" pitchFamily="2" charset="-122"/>
-              </a:rPr>
-              <a:t>M.BelangerandG.L.Yip,“Modeconversionanalysisinasingle-modeplannar</a:t>
-            </a:r>
-          </a:p>
-          <a:p>
-            <a:pPr marL="457200" indent="-457200">
-              <a:buNone/>
-            </a:pPr>
-            <a:r>
-              <a:rPr lang="en-US" altLang="zh-CN" sz="1800" b="0" dirty="0" smtClean="0">
-                <a:solidFill>
-                  <a:schemeClr val="tx1"/>
-                </a:solidFill>
-                <a:ea typeface="宋体" pitchFamily="2" charset="-122"/>
-              </a:rPr>
-              <a:t>       </a:t>
-            </a:r>
-            <a:r>
-              <a:rPr lang="en-US" altLang="zh-CN" sz="1800" b="0" dirty="0" err="1" smtClean="0">
-                <a:solidFill>
-                  <a:schemeClr val="tx1"/>
-                </a:solidFill>
-                <a:ea typeface="宋体" pitchFamily="2" charset="-122"/>
-              </a:rPr>
-              <a:t>taperopticalwaveguide</a:t>
-            </a:r>
-            <a:r>
-              <a:rPr lang="en-US" altLang="zh-CN" sz="1800" b="0" dirty="0" smtClean="0">
-                <a:solidFill>
-                  <a:schemeClr val="tx1"/>
-                </a:solidFill>
-                <a:ea typeface="宋体" pitchFamily="2" charset="-122"/>
-              </a:rPr>
-              <a:t>,” AppliedScientiﬁcResearch,vol.Vol.41,pp.305–</a:t>
-            </a:r>
-          </a:p>
-          <a:p>
-            <a:pPr marL="457200" indent="-457200">
-              <a:buNone/>
-            </a:pPr>
-            <a:r>
-              <a:rPr lang="en-US" altLang="zh-CN" sz="1800" b="0" dirty="0" smtClean="0">
-                <a:solidFill>
-                  <a:schemeClr val="tx1"/>
-                </a:solidFill>
-                <a:ea typeface="宋体" pitchFamily="2" charset="-122"/>
-              </a:rPr>
-              <a:t>       314,1984.</a:t>
-            </a:r>
-          </a:p>
-          <a:p>
-            <a:pPr marL="457200" indent="-457200">
-              <a:buFontTx/>
-              <a:buAutoNum type="arabicPeriod"/>
-            </a:pPr>
-            <a:r>
-              <a:rPr lang="en-US" altLang="zh-CN" sz="1800" b="0" dirty="0" smtClean="0">
-                <a:solidFill>
-                  <a:schemeClr val="tx1"/>
-                </a:solidFill>
-                <a:ea typeface="宋体" pitchFamily="2" charset="-122"/>
-              </a:rPr>
-              <a:t>A.P.EwoldVerhagenandL.Kuipers,“Nanofocusinginlaterallytaperedplas-</a:t>
-            </a:r>
-          </a:p>
-          <a:p>
-            <a:pPr marL="457200" indent="-457200">
-              <a:buNone/>
-            </a:pPr>
-            <a:r>
-              <a:rPr lang="en-US" altLang="zh-CN" sz="1800" b="0" dirty="0" smtClean="0">
-                <a:solidFill>
-                  <a:schemeClr val="tx1"/>
-                </a:solidFill>
-                <a:ea typeface="宋体" pitchFamily="2" charset="-122"/>
-              </a:rPr>
-              <a:t>       </a:t>
-            </a:r>
-            <a:r>
-              <a:rPr lang="en-US" altLang="zh-CN" sz="1800" b="0" dirty="0" err="1" smtClean="0">
-                <a:solidFill>
-                  <a:schemeClr val="tx1"/>
-                </a:solidFill>
-                <a:ea typeface="宋体" pitchFamily="2" charset="-122"/>
-              </a:rPr>
-              <a:t>monicwaveguides</a:t>
-            </a:r>
-            <a:r>
-              <a:rPr lang="en-US" altLang="zh-CN" sz="1800" b="0" dirty="0" smtClean="0">
-                <a:solidFill>
-                  <a:schemeClr val="tx1"/>
-                </a:solidFill>
-                <a:ea typeface="宋体" pitchFamily="2" charset="-122"/>
-              </a:rPr>
-              <a:t>,” Opticsexpress,vol.Vol.16,pp.45–57,January2008.</a:t>
-            </a:r>
-          </a:p>
-          <a:p>
-            <a:endParaRPr lang="zh-CN" altLang="en-US" dirty="0"/>
-          </a:p>
-        </p:txBody>
-      </p:sp>
-    </p:spTree>
-  </p:cSld>
-  <p:clrMapOvr>
-    <a:masterClrMapping/>
-  </p:clrMapOvr>
-  <p:transition>
-    <p:zoom/>
-  </p:transition>
-</p:sld>
-</file>
-
-<file path=ppt/slides/slide26.xml><?xml version="1.0" encoding="utf-8"?>
-<p:sld xmlns:a="http://schemas.openxmlformats.org/drawingml/2006/main" xmlns:r="http://schemas.openxmlformats.org/officeDocument/2006/relationships" xmlns:p="http://schemas.openxmlformats.org/presentationml/2006/main">
-  <p:cSld>
-    <p:spTree>
-      <p:nvGrpSpPr>
-        <p:cNvPr id="1" name=""/>
-        <p:cNvGrpSpPr/>
-        <p:nvPr/>
-      </p:nvGrpSpPr>
-      <p:grpSpPr>
-        <a:xfrm>
-          <a:off x="0" y="0"/>
-          <a:ext cx="0" cy="0"/>
-          <a:chOff x="0" y="0"/>
-          <a:chExt cx="0" cy="0"/>
-        </a:xfrm>
-      </p:grpSpPr>
-      <p:sp>
-        <p:nvSpPr>
-          <p:cNvPr id="2" name="Titel 1"/>
-          <p:cNvSpPr>
-            <a:spLocks noGrp="1"/>
-          </p:cNvSpPr>
-          <p:nvPr>
-            <p:ph type="title"/>
-          </p:nvPr>
-        </p:nvSpPr>
-        <p:spPr/>
-        <p:txBody>
-          <a:bodyPr/>
-          <a:lstStyle/>
-          <a:p>
-            <a:endParaRPr lang="zh-CN" altLang="en-US"/>
-          </a:p>
-        </p:txBody>
-      </p:sp>
-      <p:sp>
-        <p:nvSpPr>
-          <p:cNvPr id="3" name="Inhaltsplatzhalter 2"/>
-          <p:cNvSpPr>
-            <a:spLocks noGrp="1"/>
-          </p:cNvSpPr>
-          <p:nvPr>
-            <p:ph idx="1"/>
-          </p:nvPr>
-        </p:nvSpPr>
-        <p:spPr/>
-        <p:txBody>
-          <a:bodyPr/>
-          <a:lstStyle/>
-          <a:p>
-            <a:pPr marL="457200" indent="-457200">
-              <a:buFontTx/>
-              <a:buAutoNum type="arabicPeriod"/>
-            </a:pPr>
-            <a:r>
-              <a:rPr lang="en-US" altLang="zh-CN" sz="1800" b="0" dirty="0" err="1" smtClean="0">
-                <a:solidFill>
-                  <a:schemeClr val="tx1"/>
-                </a:solidFill>
-                <a:ea typeface="宋体" pitchFamily="2" charset="-122"/>
-              </a:rPr>
-              <a:t>H.C.A.EdwardsandC.Dragone,“Idealmicrolensesforlasertoﬁbercou</a:t>
-            </a:r>
-            <a:r>
-              <a:rPr lang="en-US" altLang="zh-CN" sz="1800" b="0" dirty="0" smtClean="0">
-                <a:solidFill>
-                  <a:schemeClr val="tx1"/>
-                </a:solidFill>
-                <a:ea typeface="宋体" pitchFamily="2" charset="-122"/>
-              </a:rPr>
-              <a:t>-</a:t>
-            </a:r>
-          </a:p>
-          <a:p>
-            <a:pPr marL="457200" indent="-457200">
-              <a:buNone/>
-            </a:pPr>
-            <a:r>
-              <a:rPr lang="en-US" altLang="zh-CN" sz="1800" b="0" dirty="0" smtClean="0">
-                <a:solidFill>
-                  <a:schemeClr val="tx1"/>
-                </a:solidFill>
-                <a:ea typeface="宋体" pitchFamily="2" charset="-122"/>
-              </a:rPr>
-              <a:t>       </a:t>
-            </a:r>
-            <a:r>
-              <a:rPr lang="en-US" altLang="zh-CN" sz="1800" b="0" dirty="0" err="1" smtClean="0">
-                <a:solidFill>
-                  <a:schemeClr val="tx1"/>
-                </a:solidFill>
-                <a:ea typeface="宋体" pitchFamily="2" charset="-122"/>
-              </a:rPr>
-              <a:t>pling</a:t>
-            </a:r>
-            <a:r>
-              <a:rPr lang="en-US" altLang="zh-CN" sz="1800" b="0" dirty="0" smtClean="0">
-                <a:solidFill>
-                  <a:schemeClr val="tx1"/>
-                </a:solidFill>
-                <a:ea typeface="宋体" pitchFamily="2" charset="-122"/>
-              </a:rPr>
-              <a:t>,” Journaloflightwavetechnology,vol.Vol.11,pp.252–257,1993.</a:t>
-            </a:r>
-          </a:p>
-          <a:p>
-            <a:pPr marL="457200" indent="-457200">
-              <a:buFontTx/>
-              <a:buAutoNum type="arabicPeriod"/>
-            </a:pPr>
-            <a:r>
-              <a:rPr lang="en-US" altLang="zh-CN" sz="1800" b="0" dirty="0" err="1" smtClean="0">
-                <a:solidFill>
-                  <a:schemeClr val="tx1"/>
-                </a:solidFill>
-                <a:ea typeface="宋体" pitchFamily="2" charset="-122"/>
-              </a:rPr>
-              <a:t>K.I.K.Shiraishi,N.OyamaandS.Suga,“Aﬁberlenswithalongworkingdis</a:t>
-            </a:r>
-            <a:r>
-              <a:rPr lang="en-US" altLang="zh-CN" sz="1800" b="0" dirty="0" smtClean="0">
-                <a:solidFill>
-                  <a:schemeClr val="tx1"/>
-                </a:solidFill>
-                <a:ea typeface="宋体" pitchFamily="2" charset="-122"/>
-              </a:rPr>
-              <a:t>-</a:t>
-            </a:r>
-          </a:p>
-          <a:p>
-            <a:pPr marL="457200" indent="-457200">
-              <a:buNone/>
-            </a:pPr>
-            <a:r>
-              <a:rPr lang="en-US" altLang="zh-CN" sz="1800" b="0" dirty="0" smtClean="0">
-                <a:solidFill>
-                  <a:schemeClr val="tx1"/>
-                </a:solidFill>
-                <a:ea typeface="宋体" pitchFamily="2" charset="-122"/>
-              </a:rPr>
-              <a:t>       </a:t>
-            </a:r>
-            <a:r>
-              <a:rPr lang="en-US" altLang="zh-CN" sz="1800" b="0" dirty="0" err="1" smtClean="0">
-                <a:solidFill>
-                  <a:schemeClr val="tx1"/>
-                </a:solidFill>
-                <a:ea typeface="宋体" pitchFamily="2" charset="-122"/>
-              </a:rPr>
-              <a:t>tanceforintegratedcouplingbetweenlaserdiodesandsingle-modeﬁbers</a:t>
-            </a:r>
-            <a:r>
-              <a:rPr lang="en-US" altLang="zh-CN" sz="1800" b="0" dirty="0" smtClean="0">
-                <a:solidFill>
-                  <a:schemeClr val="tx1"/>
-                </a:solidFill>
-                <a:ea typeface="宋体" pitchFamily="2" charset="-122"/>
-              </a:rPr>
-              <a:t>,”</a:t>
-            </a:r>
-          </a:p>
-          <a:p>
-            <a:pPr marL="457200" indent="-457200">
-              <a:buNone/>
-            </a:pPr>
-            <a:r>
-              <a:rPr lang="en-US" altLang="zh-CN" sz="1800" b="0" dirty="0" smtClean="0">
-                <a:solidFill>
-                  <a:schemeClr val="tx1"/>
-                </a:solidFill>
-                <a:ea typeface="宋体" pitchFamily="2" charset="-122"/>
-              </a:rPr>
-              <a:t>       Journaloflightwavetechnology,vol.Vol.13,pp.1736–1744,1995.</a:t>
-            </a:r>
-          </a:p>
-          <a:p>
-            <a:pPr marL="457200" indent="-457200">
-              <a:buFontTx/>
-              <a:buAutoNum type="arabicPeriod"/>
-            </a:pPr>
-            <a:r>
-              <a:rPr lang="en-US" altLang="zh-CN" sz="1800" b="0" dirty="0" err="1" smtClean="0">
-                <a:solidFill>
-                  <a:schemeClr val="tx1"/>
-                </a:solidFill>
-                <a:ea typeface="宋体" pitchFamily="2" charset="-122"/>
-              </a:rPr>
-              <a:t>S.M.SASAKI,T.ANDOandK.HANE,“Directphotolithographyonopticalﬁber</a:t>
-            </a:r>
-            <a:endParaRPr lang="en-US" altLang="zh-CN" sz="1800" b="0" dirty="0" smtClean="0">
-              <a:solidFill>
-                <a:schemeClr val="tx1"/>
-              </a:solidFill>
-              <a:ea typeface="宋体" pitchFamily="2" charset="-122"/>
-            </a:endParaRPr>
-          </a:p>
-          <a:p>
-            <a:pPr marL="457200" indent="-457200">
-              <a:buNone/>
-            </a:pPr>
-            <a:r>
-              <a:rPr lang="en-US" altLang="zh-CN" sz="1800" b="0" dirty="0" smtClean="0">
-                <a:solidFill>
-                  <a:schemeClr val="tx1"/>
-                </a:solidFill>
-                <a:ea typeface="宋体" pitchFamily="2" charset="-122"/>
-              </a:rPr>
-              <a:t>        end,” Jpn.J.Appl.Phys.,vol.Vol.41,pp.4350–4355,2002</a:t>
-            </a:r>
-            <a:endParaRPr lang="de-DE" altLang="zh-CN" sz="1800" b="0" dirty="0" smtClean="0">
-              <a:solidFill>
-                <a:schemeClr val="tx1"/>
-              </a:solidFill>
-              <a:ea typeface="宋体" pitchFamily="2" charset="-122"/>
-            </a:endParaRPr>
-          </a:p>
-          <a:p>
-            <a:pPr marL="457200" indent="-457200">
-              <a:buFontTx/>
-              <a:buAutoNum type="arabicPeriod"/>
-            </a:pPr>
-            <a:endParaRPr lang="zh-CN" altLang="en-US" sz="1800" b="0" dirty="0" smtClean="0">
-              <a:solidFill>
-                <a:schemeClr val="tx1"/>
-              </a:solidFill>
-              <a:ea typeface="宋体" pitchFamily="2" charset="-122"/>
-            </a:endParaRPr>
-          </a:p>
-          <a:p>
-            <a:endParaRPr lang="zh-CN" altLang="en-US" dirty="0"/>
-          </a:p>
-        </p:txBody>
-      </p:sp>
-    </p:spTree>
-  </p:cSld>
-  <p:clrMapOvr>
-    <a:masterClrMapping/>
-  </p:clrMapOvr>
-  <p:transition>
-    <p:zoom/>
-  </p:transition>
 </p:sld>
 </file>
 
